--- a/ppt/10_包裝類別與工具類別(1).pptx
+++ b/ppt/10_包裝類別與工具類別(1).pptx
@@ -215,7 +215,7 @@
           <a:p>
             <a:fld id="{00D1967D-2DD3-4C36-96B1-E3AA5FB7040E}" type="datetimeFigureOut">
               <a:rPr lang="zh-TW" altLang="en-US" smtClean="0"/>
-              <a:t>2024/9/5</a:t>
+              <a:t>2024/9/7</a:t>
             </a:fld>
             <a:endParaRPr lang="zh-TW" altLang="en-US"/>
           </a:p>
@@ -9900,7 +9900,7 @@
         </p:nvGrpSpPr>
         <p:grpSpPr>
           <a:xfrm>
-            <a:off x="9381392" y="6085468"/>
+            <a:off x="9381392" y="6235060"/>
             <a:ext cx="1972408" cy="394266"/>
             <a:chOff x="9430050" y="6123076"/>
             <a:chExt cx="1972408" cy="394266"/>
@@ -9996,7 +9996,7 @@
         </p:nvSpPr>
         <p:spPr>
           <a:xfrm>
-            <a:off x="6257364" y="5048574"/>
+            <a:off x="6257364" y="4970942"/>
             <a:ext cx="5096436" cy="1431160"/>
           </a:xfrm>
           <a:prstGeom prst="rect">
@@ -10223,7 +10223,19 @@
           <a:p>
             <a:r>
               <a:rPr lang="zh-TW" altLang="en-US" sz="2400"/>
-              <a:t>這與其原理有關</a:t>
+              <a:t>這與</a:t>
+            </a:r>
+            <a:r>
+              <a:rPr lang="zh-TW" altLang="en-US" sz="2400">
+                <a:solidFill>
+                  <a:srgbClr val="00B0F0"/>
+                </a:solidFill>
+              </a:rPr>
+              <a:t>二分搜尋法</a:t>
+            </a:r>
+            <a:r>
+              <a:rPr lang="zh-TW" altLang="en-US" sz="2400"/>
+              <a:t>原理有關</a:t>
             </a:r>
           </a:p>
         </p:txBody>

--- a/ppt/10_包裝類別與工具類別(1).pptx
+++ b/ppt/10_包裝類別與工具類別(1).pptx
@@ -215,7 +215,7 @@
           <a:p>
             <a:fld id="{00D1967D-2DD3-4C36-96B1-E3AA5FB7040E}" type="datetimeFigureOut">
               <a:rPr lang="zh-TW" altLang="en-US" smtClean="0"/>
-              <a:t>2024/9/7</a:t>
+              <a:t>2024/9/23</a:t>
             </a:fld>
             <a:endParaRPr lang="zh-TW" altLang="en-US"/>
           </a:p>
@@ -17578,7 +17578,7 @@
                   <a:srgbClr val="92D050"/>
                 </a:solidFill>
               </a:rPr>
-              <a:t>log10(</a:t>
+              <a:t>log(</a:t>
             </a:r>
             <a:r>
               <a:rPr lang="zh-TW" altLang="en-US">
@@ -24616,7 +24616,7 @@
         </p:nvGrpSpPr>
         <p:grpSpPr>
           <a:xfrm>
-            <a:off x="421341" y="3118212"/>
+            <a:off x="421341" y="3078153"/>
             <a:ext cx="11349318" cy="830997"/>
             <a:chOff x="421341" y="3013501"/>
             <a:chExt cx="11349318" cy="830997"/>

--- a/ppt/10_包裝類別與工具類別(1).pptx
+++ b/ppt/10_包裝類別與工具類別(1).pptx
@@ -215,7 +215,7 @@
           <a:p>
             <a:fld id="{00D1967D-2DD3-4C36-96B1-E3AA5FB7040E}" type="datetimeFigureOut">
               <a:rPr lang="zh-TW" altLang="en-US" smtClean="0"/>
-              <a:t>2024/9/23</a:t>
+              <a:t>2024/11/3</a:t>
             </a:fld>
             <a:endParaRPr lang="zh-TW" altLang="en-US"/>
           </a:p>
@@ -8182,14 +8182,22 @@
             <a:r>
               <a:rPr lang="en-US" altLang="zh-TW" sz="2400">
                 <a:solidFill>
+                  <a:srgbClr val="FFFF00"/>
+                </a:solidFill>
+              </a:rPr>
+              <a:t>Java API</a:t>
+            </a:r>
+            <a:r>
+              <a:rPr lang="en-US" altLang="zh-TW" sz="2400">
+                <a:solidFill>
                   <a:srgbClr val="00B0F0"/>
                 </a:solidFill>
               </a:rPr>
-              <a:t>Java API </a:t>
+              <a:t> </a:t>
             </a:r>
             <a:r>
               <a:rPr lang="zh-TW" altLang="en-US" sz="2400"/>
-              <a:t>中查找</a:t>
+              <a:t>中查找：</a:t>
             </a:r>
             <a:endParaRPr lang="zh-TW" altLang="en-US" sz="2400">
               <a:solidFill>
@@ -8213,7 +8221,7 @@
         </p:nvGrpSpPr>
         <p:grpSpPr>
           <a:xfrm>
-            <a:off x="838201" y="3617412"/>
+            <a:off x="838201" y="3677547"/>
             <a:ext cx="5176186" cy="2864003"/>
             <a:chOff x="838201" y="3594823"/>
             <a:chExt cx="5176186" cy="2864003"/>
@@ -9636,7 +9644,7 @@
         </p:nvGrpSpPr>
         <p:grpSpPr>
           <a:xfrm>
-            <a:off x="6257365" y="3617412"/>
+            <a:off x="6257365" y="3677547"/>
             <a:ext cx="5096436" cy="1323439"/>
             <a:chOff x="6257365" y="4286786"/>
             <a:chExt cx="5096436" cy="1323439"/>
@@ -9900,7 +9908,7 @@
         </p:nvGrpSpPr>
         <p:grpSpPr>
           <a:xfrm>
-            <a:off x="9381392" y="6235060"/>
+            <a:off x="6014386" y="3208101"/>
             <a:ext cx="1972408" cy="394266"/>
             <a:chOff x="9430050" y="6123076"/>
             <a:chExt cx="1972408" cy="394266"/>
@@ -9996,7 +10004,7 @@
         </p:nvSpPr>
         <p:spPr>
           <a:xfrm>
-            <a:off x="6257364" y="4970942"/>
+            <a:off x="6257364" y="5077257"/>
             <a:ext cx="5096436" cy="1431160"/>
           </a:xfrm>
           <a:prstGeom prst="rect">
@@ -10202,6 +10210,10 @@
                 </a:solidFill>
               </a:rPr>
               <a:t>陣列</a:t>
+            </a:r>
+            <a:r>
+              <a:rPr lang="zh-TW" altLang="en-US" sz="2400"/>
+              <a:t>由小到大</a:t>
             </a:r>
             <a:r>
               <a:rPr lang="zh-TW" altLang="en-US" sz="2400">

--- a/ppt/10_包裝類別與工具類別(1).pptx
+++ b/ppt/10_包裝類別與工具類別(1).pptx
@@ -5,7 +5,7 @@
     <p:sldMasterId id="2147483673" r:id="rId1"/>
   </p:sldMasterIdLst>
   <p:notesMasterIdLst>
-    <p:notesMasterId r:id="rId21"/>
+    <p:notesMasterId r:id="rId22"/>
   </p:notesMasterIdLst>
   <p:sldIdLst>
     <p:sldId id="256" r:id="rId2"/>
@@ -13,20 +13,21 @@
     <p:sldId id="258" r:id="rId4"/>
     <p:sldId id="260" r:id="rId5"/>
     <p:sldId id="261" r:id="rId6"/>
-    <p:sldId id="263" r:id="rId7"/>
-    <p:sldId id="264" r:id="rId8"/>
-    <p:sldId id="265" r:id="rId9"/>
-    <p:sldId id="267" r:id="rId10"/>
-    <p:sldId id="269" r:id="rId11"/>
-    <p:sldId id="270" r:id="rId12"/>
-    <p:sldId id="268" r:id="rId13"/>
-    <p:sldId id="266" r:id="rId14"/>
-    <p:sldId id="262" r:id="rId15"/>
-    <p:sldId id="271" r:id="rId16"/>
-    <p:sldId id="294" r:id="rId17"/>
-    <p:sldId id="295" r:id="rId18"/>
-    <p:sldId id="296" r:id="rId19"/>
-    <p:sldId id="297" r:id="rId20"/>
+    <p:sldId id="298" r:id="rId7"/>
+    <p:sldId id="263" r:id="rId8"/>
+    <p:sldId id="264" r:id="rId9"/>
+    <p:sldId id="265" r:id="rId10"/>
+    <p:sldId id="267" r:id="rId11"/>
+    <p:sldId id="269" r:id="rId12"/>
+    <p:sldId id="270" r:id="rId13"/>
+    <p:sldId id="268" r:id="rId14"/>
+    <p:sldId id="266" r:id="rId15"/>
+    <p:sldId id="262" r:id="rId16"/>
+    <p:sldId id="271" r:id="rId17"/>
+    <p:sldId id="294" r:id="rId18"/>
+    <p:sldId id="295" r:id="rId19"/>
+    <p:sldId id="296" r:id="rId20"/>
+    <p:sldId id="297" r:id="rId21"/>
   </p:sldIdLst>
   <p:sldSz cx="12192000" cy="6858000"/>
   <p:notesSz cx="6858000" cy="9144000"/>
@@ -215,7 +216,7 @@
           <a:p>
             <a:fld id="{00D1967D-2DD3-4C36-96B1-E3AA5FB7040E}" type="datetimeFigureOut">
               <a:rPr lang="zh-TW" altLang="en-US" smtClean="0"/>
-              <a:t>2024/11/3</a:t>
+              <a:t>2024/11/14</a:t>
             </a:fld>
             <a:endParaRPr lang="zh-TW" altLang="en-US"/>
           </a:p>
@@ -547,7 +548,7 @@
           <a:p>
             <a:fld id="{FC78299E-8C5D-4011-9A49-A23A440BB1DA}" type="slidenum">
               <a:rPr lang="zh-TW" altLang="en-US" smtClean="0"/>
-              <a:t>12</a:t>
+              <a:t>13</a:t>
             </a:fld>
             <a:endParaRPr lang="zh-TW" altLang="en-US"/>
           </a:p>
@@ -631,7 +632,7 @@
           <a:p>
             <a:fld id="{FC78299E-8C5D-4011-9A49-A23A440BB1DA}" type="slidenum">
               <a:rPr lang="zh-TW" altLang="en-US" smtClean="0"/>
-              <a:t>17</a:t>
+              <a:t>18</a:t>
             </a:fld>
             <a:endParaRPr lang="zh-TW" altLang="en-US"/>
           </a:p>
@@ -2432,6 +2433,1745 @@
           <a:chExt cx="0" cy="0"/>
         </a:xfrm>
       </p:grpSpPr>
+      <p:grpSp>
+        <p:nvGrpSpPr>
+          <p:cNvPr id="15" name="群組 14">
+            <a:extLst>
+              <a:ext uri="{FF2B5EF4-FFF2-40B4-BE49-F238E27FC236}">
+                <a16:creationId xmlns:a16="http://schemas.microsoft.com/office/drawing/2014/main" id="{44A0A8C2-306E-4C8E-958A-E5B2901093AA}"/>
+              </a:ext>
+            </a:extLst>
+          </p:cNvPr>
+          <p:cNvGrpSpPr/>
+          <p:nvPr/>
+        </p:nvGrpSpPr>
+        <p:grpSpPr>
+          <a:xfrm>
+            <a:off x="838200" y="4325997"/>
+            <a:ext cx="6189519" cy="2062103"/>
+            <a:chOff x="838200" y="4325997"/>
+            <a:chExt cx="6189519" cy="2062103"/>
+          </a:xfrm>
+        </p:grpSpPr>
+        <p:sp>
+          <p:nvSpPr>
+            <p:cNvPr id="4" name="Rectangle 1">
+              <a:extLst>
+                <a:ext uri="{FF2B5EF4-FFF2-40B4-BE49-F238E27FC236}">
+                  <a16:creationId xmlns:a16="http://schemas.microsoft.com/office/drawing/2014/main" id="{B0592D20-F867-4F33-B6DA-7DFDB48ACF65}"/>
+                </a:ext>
+              </a:extLst>
+            </p:cNvPr>
+            <p:cNvSpPr>
+              <a:spLocks noChangeArrowheads="1"/>
+            </p:cNvSpPr>
+            <p:nvPr/>
+          </p:nvSpPr>
+          <p:spPr bwMode="auto">
+            <a:xfrm>
+              <a:off x="838200" y="4325997"/>
+              <a:ext cx="6189519" cy="2062103"/>
+            </a:xfrm>
+            <a:prstGeom prst="rect">
+              <a:avLst/>
+            </a:prstGeom>
+            <a:solidFill>
+              <a:srgbClr val="1E1F22"/>
+            </a:solidFill>
+            <a:ln>
+              <a:noFill/>
+            </a:ln>
+            <a:effectLst/>
+            <a:extLst>
+              <a:ext uri="{91240B29-F687-4F45-9708-019B960494DF}">
+                <a14:hiddenLine xmlns:a14="http://schemas.microsoft.com/office/drawing/2010/main" w="9525">
+                  <a:solidFill>
+                    <a:schemeClr val="tx1"/>
+                  </a:solidFill>
+                  <a:miter lim="800000"/>
+                  <a:headEnd/>
+                  <a:tailEnd/>
+                </a14:hiddenLine>
+              </a:ext>
+              <a:ext uri="{AF507438-7753-43E0-B8FC-AC1667EBCBE1}">
+                <a14:hiddenEffects xmlns:a14="http://schemas.microsoft.com/office/drawing/2010/main">
+                  <a:effectLst>
+                    <a:outerShdw dist="35921" dir="2700000" algn="ctr" rotWithShape="0">
+                      <a:schemeClr val="bg2"/>
+                    </a:outerShdw>
+                  </a:effectLst>
+                </a14:hiddenEffects>
+              </a:ext>
+            </a:extLst>
+          </p:spPr>
+          <p:txBody>
+            <a:bodyPr vert="horz" wrap="square" lIns="91440" tIns="45720" rIns="91440" bIns="45720" numCol="1" anchor="ctr" anchorCtr="0" compatLnSpc="1">
+              <a:prstTxWarp prst="textNoShape">
+                <a:avLst/>
+              </a:prstTxWarp>
+              <a:spAutoFit/>
+            </a:bodyPr>
+            <a:lstStyle/>
+            <a:p>
+              <a:pPr marL="0" marR="0" lvl="0" indent="0" algn="l" defTabSz="914400" rtl="0" eaLnBrk="0" fontAlgn="base" latinLnBrk="0" hangingPunct="0">
+                <a:lnSpc>
+                  <a:spcPct val="100000"/>
+                </a:lnSpc>
+                <a:spcBef>
+                  <a:spcPct val="0"/>
+                </a:spcBef>
+                <a:spcAft>
+                  <a:spcPct val="0"/>
+                </a:spcAft>
+                <a:buClrTx/>
+                <a:buSzTx/>
+                <a:buFontTx/>
+                <a:buNone/>
+                <a:tabLst/>
+              </a:pPr>
+              <a:r>
+                <a:rPr kumimoji="0" lang="zh-TW" altLang="zh-TW" sz="1600" b="0" i="0" u="none" strike="noStrike" cap="none" normalizeH="0" baseline="0">
+                  <a:ln>
+                    <a:noFill/>
+                  </a:ln>
+                  <a:solidFill>
+                    <a:srgbClr val="CF8E6D"/>
+                  </a:solidFill>
+                  <a:effectLst/>
+                  <a:latin typeface="+mj-lt"/>
+                  <a:cs typeface="JetBrains Mono" panose="02000009000000000000" pitchFamily="49" charset="0"/>
+                </a:rPr>
+                <a:t>public class </a:t>
+              </a:r>
+              <a:r>
+                <a:rPr kumimoji="0" lang="zh-TW" altLang="zh-TW" sz="1600" b="0" i="0" u="none" strike="noStrike" cap="none" normalizeH="0" baseline="0">
+                  <a:ln>
+                    <a:noFill/>
+                  </a:ln>
+                  <a:solidFill>
+                    <a:srgbClr val="BCBEC4"/>
+                  </a:solidFill>
+                  <a:effectLst/>
+                  <a:latin typeface="+mj-lt"/>
+                  <a:cs typeface="JetBrains Mono" panose="02000009000000000000" pitchFamily="49" charset="0"/>
+                </a:rPr>
+                <a:t>Main3 {</a:t>
+              </a:r>
+              <a:br>
+                <a:rPr kumimoji="0" lang="zh-TW" altLang="zh-TW" sz="1600" b="0" i="0" u="none" strike="noStrike" cap="none" normalizeH="0" baseline="0">
+                  <a:ln>
+                    <a:noFill/>
+                  </a:ln>
+                  <a:solidFill>
+                    <a:srgbClr val="BCBEC4"/>
+                  </a:solidFill>
+                  <a:effectLst/>
+                  <a:latin typeface="+mj-lt"/>
+                  <a:cs typeface="JetBrains Mono" panose="02000009000000000000" pitchFamily="49" charset="0"/>
+                </a:rPr>
+              </a:br>
+              <a:r>
+                <a:rPr kumimoji="0" lang="zh-TW" altLang="zh-TW" sz="1600" b="0" i="0" u="none" strike="noStrike" cap="none" normalizeH="0" baseline="0">
+                  <a:ln>
+                    <a:noFill/>
+                  </a:ln>
+                  <a:solidFill>
+                    <a:srgbClr val="BCBEC4"/>
+                  </a:solidFill>
+                  <a:effectLst/>
+                  <a:latin typeface="+mj-lt"/>
+                  <a:cs typeface="JetBrains Mono" panose="02000009000000000000" pitchFamily="49" charset="0"/>
+                </a:rPr>
+                <a:t>    </a:t>
+              </a:r>
+              <a:r>
+                <a:rPr kumimoji="0" lang="zh-TW" altLang="zh-TW" sz="1600" b="0" i="0" u="none" strike="noStrike" cap="none" normalizeH="0" baseline="0">
+                  <a:ln>
+                    <a:noFill/>
+                  </a:ln>
+                  <a:solidFill>
+                    <a:srgbClr val="CF8E6D"/>
+                  </a:solidFill>
+                  <a:effectLst/>
+                  <a:latin typeface="+mj-lt"/>
+                  <a:cs typeface="JetBrains Mono" panose="02000009000000000000" pitchFamily="49" charset="0"/>
+                </a:rPr>
+                <a:t>public static void </a:t>
+              </a:r>
+              <a:r>
+                <a:rPr kumimoji="0" lang="zh-TW" altLang="zh-TW" sz="1600" b="0" i="0" u="none" strike="noStrike" cap="none" normalizeH="0" baseline="0">
+                  <a:ln>
+                    <a:noFill/>
+                  </a:ln>
+                  <a:solidFill>
+                    <a:srgbClr val="56A8F5"/>
+                  </a:solidFill>
+                  <a:effectLst/>
+                  <a:latin typeface="+mj-lt"/>
+                  <a:cs typeface="JetBrains Mono" panose="02000009000000000000" pitchFamily="49" charset="0"/>
+                </a:rPr>
+                <a:t>main</a:t>
+              </a:r>
+              <a:r>
+                <a:rPr kumimoji="0" lang="zh-TW" altLang="zh-TW" sz="1600" b="0" i="0" u="none" strike="noStrike" cap="none" normalizeH="0" baseline="0">
+                  <a:ln>
+                    <a:noFill/>
+                  </a:ln>
+                  <a:solidFill>
+                    <a:srgbClr val="BCBEC4"/>
+                  </a:solidFill>
+                  <a:effectLst/>
+                  <a:latin typeface="+mj-lt"/>
+                  <a:cs typeface="JetBrains Mono" panose="02000009000000000000" pitchFamily="49" charset="0"/>
+                </a:rPr>
+                <a:t>(String[] args) {</a:t>
+              </a:r>
+              <a:br>
+                <a:rPr kumimoji="0" lang="zh-TW" altLang="zh-TW" sz="1600" b="0" i="0" u="none" strike="noStrike" cap="none" normalizeH="0" baseline="0">
+                  <a:ln>
+                    <a:noFill/>
+                  </a:ln>
+                  <a:solidFill>
+                    <a:srgbClr val="BCBEC4"/>
+                  </a:solidFill>
+                  <a:effectLst/>
+                  <a:latin typeface="+mj-lt"/>
+                  <a:cs typeface="JetBrains Mono" panose="02000009000000000000" pitchFamily="49" charset="0"/>
+                </a:rPr>
+              </a:br>
+              <a:r>
+                <a:rPr kumimoji="0" lang="zh-TW" altLang="zh-TW" sz="1600" b="0" i="0" u="none" strike="noStrike" cap="none" normalizeH="0" baseline="0">
+                  <a:ln>
+                    <a:noFill/>
+                  </a:ln>
+                  <a:solidFill>
+                    <a:srgbClr val="BCBEC4"/>
+                  </a:solidFill>
+                  <a:effectLst/>
+                  <a:latin typeface="+mj-lt"/>
+                  <a:cs typeface="JetBrains Mono" panose="02000009000000000000" pitchFamily="49" charset="0"/>
+                </a:rPr>
+                <a:t>        </a:t>
+              </a:r>
+              <a:r>
+                <a:rPr kumimoji="0" lang="zh-TW" altLang="zh-TW" sz="1600" b="0" i="0" u="none" strike="noStrike" cap="none" normalizeH="0" baseline="0">
+                  <a:ln>
+                    <a:noFill/>
+                  </a:ln>
+                  <a:solidFill>
+                    <a:srgbClr val="CF8E6D"/>
+                  </a:solidFill>
+                  <a:effectLst/>
+                  <a:latin typeface="+mj-lt"/>
+                  <a:cs typeface="JetBrains Mono" panose="02000009000000000000" pitchFamily="49" charset="0"/>
+                </a:rPr>
+                <a:t>int</a:t>
+              </a:r>
+              <a:r>
+                <a:rPr kumimoji="0" lang="zh-TW" altLang="zh-TW" sz="1600" b="0" i="0" u="none" strike="noStrike" cap="none" normalizeH="0" baseline="0">
+                  <a:ln>
+                    <a:noFill/>
+                  </a:ln>
+                  <a:solidFill>
+                    <a:srgbClr val="BCBEC4"/>
+                  </a:solidFill>
+                  <a:effectLst/>
+                  <a:latin typeface="+mj-lt"/>
+                  <a:cs typeface="JetBrains Mono" panose="02000009000000000000" pitchFamily="49" charset="0"/>
+                </a:rPr>
+                <a:t>[] arr = {</a:t>
+              </a:r>
+              <a:r>
+                <a:rPr kumimoji="0" lang="zh-TW" altLang="zh-TW" sz="1600" b="0" i="0" u="none" strike="noStrike" cap="none" normalizeH="0" baseline="0">
+                  <a:ln>
+                    <a:noFill/>
+                  </a:ln>
+                  <a:solidFill>
+                    <a:srgbClr val="2AACB8"/>
+                  </a:solidFill>
+                  <a:effectLst/>
+                  <a:latin typeface="+mj-lt"/>
+                  <a:cs typeface="JetBrains Mono" panose="02000009000000000000" pitchFamily="49" charset="0"/>
+                </a:rPr>
+                <a:t>6</a:t>
+              </a:r>
+              <a:r>
+                <a:rPr kumimoji="0" lang="zh-TW" altLang="zh-TW" sz="1600" b="0" i="0" u="none" strike="noStrike" cap="none" normalizeH="0" baseline="0">
+                  <a:ln>
+                    <a:noFill/>
+                  </a:ln>
+                  <a:solidFill>
+                    <a:srgbClr val="BCBEC4"/>
+                  </a:solidFill>
+                  <a:effectLst/>
+                  <a:latin typeface="+mj-lt"/>
+                  <a:cs typeface="JetBrains Mono" panose="02000009000000000000" pitchFamily="49" charset="0"/>
+                </a:rPr>
+                <a:t>, </a:t>
+              </a:r>
+              <a:r>
+                <a:rPr kumimoji="0" lang="zh-TW" altLang="zh-TW" sz="1600" b="0" i="0" u="none" strike="noStrike" cap="none" normalizeH="0" baseline="0">
+                  <a:ln>
+                    <a:noFill/>
+                  </a:ln>
+                  <a:solidFill>
+                    <a:srgbClr val="2AACB8"/>
+                  </a:solidFill>
+                  <a:effectLst/>
+                  <a:latin typeface="+mj-lt"/>
+                  <a:cs typeface="JetBrains Mono" panose="02000009000000000000" pitchFamily="49" charset="0"/>
+                </a:rPr>
+                <a:t>4</a:t>
+              </a:r>
+              <a:r>
+                <a:rPr kumimoji="0" lang="zh-TW" altLang="zh-TW" sz="1600" b="0" i="0" u="none" strike="noStrike" cap="none" normalizeH="0" baseline="0">
+                  <a:ln>
+                    <a:noFill/>
+                  </a:ln>
+                  <a:solidFill>
+                    <a:srgbClr val="BCBEC4"/>
+                  </a:solidFill>
+                  <a:effectLst/>
+                  <a:latin typeface="+mj-lt"/>
+                  <a:cs typeface="JetBrains Mono" panose="02000009000000000000" pitchFamily="49" charset="0"/>
+                </a:rPr>
+                <a:t>, </a:t>
+              </a:r>
+              <a:r>
+                <a:rPr kumimoji="0" lang="zh-TW" altLang="zh-TW" sz="1600" b="0" i="0" u="none" strike="noStrike" cap="none" normalizeH="0" baseline="0">
+                  <a:ln>
+                    <a:noFill/>
+                  </a:ln>
+                  <a:solidFill>
+                    <a:srgbClr val="2AACB8"/>
+                  </a:solidFill>
+                  <a:effectLst/>
+                  <a:latin typeface="+mj-lt"/>
+                  <a:cs typeface="JetBrains Mono" panose="02000009000000000000" pitchFamily="49" charset="0"/>
+                </a:rPr>
+                <a:t>5</a:t>
+              </a:r>
+              <a:r>
+                <a:rPr kumimoji="0" lang="zh-TW" altLang="zh-TW" sz="1600" b="0" i="0" u="none" strike="noStrike" cap="none" normalizeH="0" baseline="0">
+                  <a:ln>
+                    <a:noFill/>
+                  </a:ln>
+                  <a:solidFill>
+                    <a:srgbClr val="BCBEC4"/>
+                  </a:solidFill>
+                  <a:effectLst/>
+                  <a:latin typeface="+mj-lt"/>
+                  <a:cs typeface="JetBrains Mono" panose="02000009000000000000" pitchFamily="49" charset="0"/>
+                </a:rPr>
+                <a:t>, </a:t>
+              </a:r>
+              <a:r>
+                <a:rPr kumimoji="0" lang="zh-TW" altLang="zh-TW" sz="1600" b="0" i="0" u="none" strike="noStrike" cap="none" normalizeH="0" baseline="0">
+                  <a:ln>
+                    <a:noFill/>
+                  </a:ln>
+                  <a:solidFill>
+                    <a:srgbClr val="2AACB8"/>
+                  </a:solidFill>
+                  <a:effectLst/>
+                  <a:latin typeface="+mj-lt"/>
+                  <a:cs typeface="JetBrains Mono" panose="02000009000000000000" pitchFamily="49" charset="0"/>
+                </a:rPr>
+                <a:t>7</a:t>
+              </a:r>
+              <a:r>
+                <a:rPr kumimoji="0" lang="zh-TW" altLang="zh-TW" sz="1600" b="0" i="0" u="none" strike="noStrike" cap="none" normalizeH="0" baseline="0">
+                  <a:ln>
+                    <a:noFill/>
+                  </a:ln>
+                  <a:solidFill>
+                    <a:srgbClr val="BCBEC4"/>
+                  </a:solidFill>
+                  <a:effectLst/>
+                  <a:latin typeface="+mj-lt"/>
+                  <a:cs typeface="JetBrains Mono" panose="02000009000000000000" pitchFamily="49" charset="0"/>
+                </a:rPr>
+                <a:t>, </a:t>
+              </a:r>
+              <a:r>
+                <a:rPr kumimoji="0" lang="zh-TW" altLang="zh-TW" sz="1600" b="0" i="0" u="none" strike="noStrike" cap="none" normalizeH="0" baseline="0">
+                  <a:ln>
+                    <a:noFill/>
+                  </a:ln>
+                  <a:solidFill>
+                    <a:srgbClr val="2AACB8"/>
+                  </a:solidFill>
+                  <a:effectLst/>
+                  <a:latin typeface="+mj-lt"/>
+                  <a:cs typeface="JetBrains Mono" panose="02000009000000000000" pitchFamily="49" charset="0"/>
+                </a:rPr>
+                <a:t>2</a:t>
+              </a:r>
+              <a:r>
+                <a:rPr kumimoji="0" lang="zh-TW" altLang="zh-TW" sz="1600" b="0" i="0" u="none" strike="noStrike" cap="none" normalizeH="0" baseline="0">
+                  <a:ln>
+                    <a:noFill/>
+                  </a:ln>
+                  <a:solidFill>
+                    <a:srgbClr val="BCBEC4"/>
+                  </a:solidFill>
+                  <a:effectLst/>
+                  <a:latin typeface="+mj-lt"/>
+                  <a:cs typeface="JetBrains Mono" panose="02000009000000000000" pitchFamily="49" charset="0"/>
+                </a:rPr>
+                <a:t>, </a:t>
+              </a:r>
+              <a:r>
+                <a:rPr kumimoji="0" lang="zh-TW" altLang="zh-TW" sz="1600" b="0" i="0" u="none" strike="noStrike" cap="none" normalizeH="0" baseline="0">
+                  <a:ln>
+                    <a:noFill/>
+                  </a:ln>
+                  <a:solidFill>
+                    <a:srgbClr val="2AACB8"/>
+                  </a:solidFill>
+                  <a:effectLst/>
+                  <a:latin typeface="+mj-lt"/>
+                  <a:cs typeface="JetBrains Mono" panose="02000009000000000000" pitchFamily="49" charset="0"/>
+                </a:rPr>
+                <a:t>9</a:t>
+              </a:r>
+              <a:r>
+                <a:rPr kumimoji="0" lang="zh-TW" altLang="zh-TW" sz="1600" b="0" i="0" u="none" strike="noStrike" cap="none" normalizeH="0" baseline="0">
+                  <a:ln>
+                    <a:noFill/>
+                  </a:ln>
+                  <a:solidFill>
+                    <a:srgbClr val="BCBEC4"/>
+                  </a:solidFill>
+                  <a:effectLst/>
+                  <a:latin typeface="+mj-lt"/>
+                  <a:cs typeface="JetBrains Mono" panose="02000009000000000000" pitchFamily="49" charset="0"/>
+                </a:rPr>
+                <a:t>};</a:t>
+              </a:r>
+              <a:br>
+                <a:rPr kumimoji="0" lang="zh-TW" altLang="zh-TW" sz="1600" b="0" i="0" u="none" strike="noStrike" cap="none" normalizeH="0" baseline="0">
+                  <a:ln>
+                    <a:noFill/>
+                  </a:ln>
+                  <a:solidFill>
+                    <a:srgbClr val="BCBEC4"/>
+                  </a:solidFill>
+                  <a:effectLst/>
+                  <a:latin typeface="+mj-lt"/>
+                  <a:cs typeface="JetBrains Mono" panose="02000009000000000000" pitchFamily="49" charset="0"/>
+                </a:rPr>
+              </a:br>
+              <a:r>
+                <a:rPr kumimoji="0" lang="zh-TW" altLang="zh-TW" sz="1600" b="0" i="0" u="none" strike="noStrike" cap="none" normalizeH="0" baseline="0">
+                  <a:ln>
+                    <a:noFill/>
+                  </a:ln>
+                  <a:solidFill>
+                    <a:srgbClr val="BCBEC4"/>
+                  </a:solidFill>
+                  <a:effectLst/>
+                  <a:latin typeface="+mj-lt"/>
+                  <a:cs typeface="JetBrains Mono" panose="02000009000000000000" pitchFamily="49" charset="0"/>
+                </a:rPr>
+                <a:t>        </a:t>
+              </a:r>
+              <a:r>
+                <a:rPr kumimoji="0" lang="zh-TW" altLang="zh-TW" sz="1600" b="0" i="0" u="none" strike="noStrike" cap="none" normalizeH="0" baseline="0">
+                  <a:ln>
+                    <a:noFill/>
+                  </a:ln>
+                  <a:solidFill>
+                    <a:srgbClr val="CF8E6D"/>
+                  </a:solidFill>
+                  <a:effectLst/>
+                  <a:latin typeface="+mj-lt"/>
+                  <a:cs typeface="JetBrains Mono" panose="02000009000000000000" pitchFamily="49" charset="0"/>
+                </a:rPr>
+                <a:t>for </a:t>
+              </a:r>
+              <a:r>
+                <a:rPr kumimoji="0" lang="zh-TW" altLang="zh-TW" sz="1600" b="0" i="0" u="none" strike="noStrike" cap="none" normalizeH="0" baseline="0">
+                  <a:ln>
+                    <a:noFill/>
+                  </a:ln>
+                  <a:solidFill>
+                    <a:srgbClr val="BCBEC4"/>
+                  </a:solidFill>
+                  <a:effectLst/>
+                  <a:latin typeface="+mj-lt"/>
+                  <a:cs typeface="JetBrains Mono" panose="02000009000000000000" pitchFamily="49" charset="0"/>
+                </a:rPr>
+                <a:t>(</a:t>
+              </a:r>
+              <a:r>
+                <a:rPr kumimoji="0" lang="zh-TW" altLang="zh-TW" sz="1600" b="0" i="0" u="none" strike="noStrike" cap="none" normalizeH="0" baseline="0">
+                  <a:ln>
+                    <a:noFill/>
+                  </a:ln>
+                  <a:solidFill>
+                    <a:srgbClr val="CF8E6D"/>
+                  </a:solidFill>
+                  <a:effectLst/>
+                  <a:latin typeface="+mj-lt"/>
+                  <a:cs typeface="JetBrains Mono" panose="02000009000000000000" pitchFamily="49" charset="0"/>
+                </a:rPr>
+                <a:t>int </a:t>
+              </a:r>
+              <a:r>
+                <a:rPr kumimoji="0" lang="zh-TW" altLang="zh-TW" sz="1600" b="0" i="0" u="none" strike="noStrike" cap="none" normalizeH="0" baseline="0">
+                  <a:ln>
+                    <a:noFill/>
+                  </a:ln>
+                  <a:solidFill>
+                    <a:srgbClr val="BCBEC4"/>
+                  </a:solidFill>
+                  <a:effectLst/>
+                  <a:latin typeface="+mj-lt"/>
+                  <a:cs typeface="JetBrains Mono" panose="02000009000000000000" pitchFamily="49" charset="0"/>
+                </a:rPr>
+                <a:t>e : arr) {</a:t>
+              </a:r>
+              <a:br>
+                <a:rPr kumimoji="0" lang="zh-TW" altLang="zh-TW" sz="1600" b="0" i="0" u="none" strike="noStrike" cap="none" normalizeH="0" baseline="0">
+                  <a:ln>
+                    <a:noFill/>
+                  </a:ln>
+                  <a:solidFill>
+                    <a:srgbClr val="BCBEC4"/>
+                  </a:solidFill>
+                  <a:effectLst/>
+                  <a:latin typeface="+mj-lt"/>
+                  <a:cs typeface="JetBrains Mono" panose="02000009000000000000" pitchFamily="49" charset="0"/>
+                </a:rPr>
+              </a:br>
+              <a:r>
+                <a:rPr kumimoji="0" lang="zh-TW" altLang="zh-TW" sz="1600" b="0" i="0" u="none" strike="noStrike" cap="none" normalizeH="0" baseline="0">
+                  <a:ln>
+                    <a:noFill/>
+                  </a:ln>
+                  <a:solidFill>
+                    <a:srgbClr val="BCBEC4"/>
+                  </a:solidFill>
+                  <a:effectLst/>
+                  <a:latin typeface="+mj-lt"/>
+                  <a:cs typeface="JetBrains Mono" panose="02000009000000000000" pitchFamily="49" charset="0"/>
+                </a:rPr>
+                <a:t>            System.</a:t>
+              </a:r>
+              <a:r>
+                <a:rPr kumimoji="0" lang="zh-TW" altLang="zh-TW" sz="1600" b="0" i="1" u="none" strike="noStrike" cap="none" normalizeH="0" baseline="0">
+                  <a:ln>
+                    <a:noFill/>
+                  </a:ln>
+                  <a:solidFill>
+                    <a:srgbClr val="C77DBB"/>
+                  </a:solidFill>
+                  <a:effectLst/>
+                  <a:latin typeface="+mj-lt"/>
+                  <a:cs typeface="JetBrains Mono" panose="02000009000000000000" pitchFamily="49" charset="0"/>
+                </a:rPr>
+                <a:t>out</a:t>
+              </a:r>
+              <a:r>
+                <a:rPr kumimoji="0" lang="zh-TW" altLang="zh-TW" sz="1600" b="0" i="0" u="none" strike="noStrike" cap="none" normalizeH="0" baseline="0">
+                  <a:ln>
+                    <a:noFill/>
+                  </a:ln>
+                  <a:solidFill>
+                    <a:srgbClr val="BCBEC4"/>
+                  </a:solidFill>
+                  <a:effectLst/>
+                  <a:latin typeface="+mj-lt"/>
+                  <a:cs typeface="JetBrains Mono" panose="02000009000000000000" pitchFamily="49" charset="0"/>
+                </a:rPr>
+                <a:t>.print(e + </a:t>
+              </a:r>
+              <a:r>
+                <a:rPr kumimoji="0" lang="zh-TW" altLang="zh-TW" sz="1600" b="0" i="0" u="none" strike="noStrike" cap="none" normalizeH="0" baseline="0">
+                  <a:ln>
+                    <a:noFill/>
+                  </a:ln>
+                  <a:solidFill>
+                    <a:srgbClr val="6AAB73"/>
+                  </a:solidFill>
+                  <a:effectLst/>
+                  <a:latin typeface="+mj-lt"/>
+                  <a:cs typeface="JetBrains Mono" panose="02000009000000000000" pitchFamily="49" charset="0"/>
+                </a:rPr>
+                <a:t>" "</a:t>
+              </a:r>
+              <a:r>
+                <a:rPr kumimoji="0" lang="zh-TW" altLang="zh-TW" sz="1600" b="0" i="0" u="none" strike="noStrike" cap="none" normalizeH="0" baseline="0">
+                  <a:ln>
+                    <a:noFill/>
+                  </a:ln>
+                  <a:solidFill>
+                    <a:srgbClr val="BCBEC4"/>
+                  </a:solidFill>
+                  <a:effectLst/>
+                  <a:latin typeface="+mj-lt"/>
+                  <a:cs typeface="JetBrains Mono" panose="02000009000000000000" pitchFamily="49" charset="0"/>
+                </a:rPr>
+                <a:t>);</a:t>
+              </a:r>
+              <a:br>
+                <a:rPr kumimoji="0" lang="zh-TW" altLang="zh-TW" sz="1600" b="0" i="0" u="none" strike="noStrike" cap="none" normalizeH="0" baseline="0">
+                  <a:ln>
+                    <a:noFill/>
+                  </a:ln>
+                  <a:solidFill>
+                    <a:srgbClr val="BCBEC4"/>
+                  </a:solidFill>
+                  <a:effectLst/>
+                  <a:latin typeface="+mj-lt"/>
+                  <a:cs typeface="JetBrains Mono" panose="02000009000000000000" pitchFamily="49" charset="0"/>
+                </a:rPr>
+              </a:br>
+              <a:r>
+                <a:rPr kumimoji="0" lang="zh-TW" altLang="zh-TW" sz="1600" b="0" i="0" u="none" strike="noStrike" cap="none" normalizeH="0" baseline="0">
+                  <a:ln>
+                    <a:noFill/>
+                  </a:ln>
+                  <a:solidFill>
+                    <a:srgbClr val="BCBEC4"/>
+                  </a:solidFill>
+                  <a:effectLst/>
+                  <a:latin typeface="+mj-lt"/>
+                  <a:cs typeface="JetBrains Mono" panose="02000009000000000000" pitchFamily="49" charset="0"/>
+                </a:rPr>
+                <a:t>        }</a:t>
+              </a:r>
+              <a:br>
+                <a:rPr kumimoji="0" lang="zh-TW" altLang="zh-TW" sz="1600" b="0" i="0" u="none" strike="noStrike" cap="none" normalizeH="0" baseline="0">
+                  <a:ln>
+                    <a:noFill/>
+                  </a:ln>
+                  <a:solidFill>
+                    <a:srgbClr val="BCBEC4"/>
+                  </a:solidFill>
+                  <a:effectLst/>
+                  <a:latin typeface="+mj-lt"/>
+                  <a:cs typeface="JetBrains Mono" panose="02000009000000000000" pitchFamily="49" charset="0"/>
+                </a:rPr>
+              </a:br>
+              <a:r>
+                <a:rPr kumimoji="0" lang="zh-TW" altLang="zh-TW" sz="1600" b="0" i="0" u="none" strike="noStrike" cap="none" normalizeH="0" baseline="0">
+                  <a:ln>
+                    <a:noFill/>
+                  </a:ln>
+                  <a:solidFill>
+                    <a:srgbClr val="BCBEC4"/>
+                  </a:solidFill>
+                  <a:effectLst/>
+                  <a:latin typeface="+mj-lt"/>
+                  <a:cs typeface="JetBrains Mono" panose="02000009000000000000" pitchFamily="49" charset="0"/>
+                </a:rPr>
+                <a:t>    }</a:t>
+              </a:r>
+              <a:br>
+                <a:rPr kumimoji="0" lang="zh-TW" altLang="zh-TW" sz="1600" b="0" i="0" u="none" strike="noStrike" cap="none" normalizeH="0" baseline="0">
+                  <a:ln>
+                    <a:noFill/>
+                  </a:ln>
+                  <a:solidFill>
+                    <a:srgbClr val="BCBEC4"/>
+                  </a:solidFill>
+                  <a:effectLst/>
+                  <a:latin typeface="+mj-lt"/>
+                  <a:cs typeface="JetBrains Mono" panose="02000009000000000000" pitchFamily="49" charset="0"/>
+                </a:rPr>
+              </a:br>
+              <a:r>
+                <a:rPr kumimoji="0" lang="zh-TW" altLang="zh-TW" sz="1600" b="0" i="0" u="none" strike="noStrike" cap="none" normalizeH="0" baseline="0">
+                  <a:ln>
+                    <a:noFill/>
+                  </a:ln>
+                  <a:solidFill>
+                    <a:srgbClr val="BCBEC4"/>
+                  </a:solidFill>
+                  <a:effectLst/>
+                  <a:latin typeface="+mj-lt"/>
+                  <a:cs typeface="JetBrains Mono" panose="02000009000000000000" pitchFamily="49" charset="0"/>
+                </a:rPr>
+                <a:t>}</a:t>
+              </a:r>
+              <a:endParaRPr kumimoji="0" lang="zh-TW" altLang="zh-TW" sz="2800" b="0" i="0" u="none" strike="noStrike" cap="none" normalizeH="0" baseline="0">
+                <a:ln>
+                  <a:noFill/>
+                </a:ln>
+                <a:solidFill>
+                  <a:schemeClr val="tx1"/>
+                </a:solidFill>
+                <a:effectLst/>
+                <a:latin typeface="+mj-lt"/>
+              </a:endParaRPr>
+            </a:p>
+          </p:txBody>
+        </p:sp>
+        <p:sp>
+          <p:nvSpPr>
+            <p:cNvPr id="7" name="文字方塊 6">
+              <a:extLst>
+                <a:ext uri="{FF2B5EF4-FFF2-40B4-BE49-F238E27FC236}">
+                  <a16:creationId xmlns:a16="http://schemas.microsoft.com/office/drawing/2014/main" id="{974AD89D-FF28-4181-B8CF-71FC6DEA7AF7}"/>
+                </a:ext>
+              </a:extLst>
+            </p:cNvPr>
+            <p:cNvSpPr txBox="1"/>
+            <p:nvPr/>
+          </p:nvSpPr>
+          <p:spPr>
+            <a:xfrm>
+              <a:off x="6336504" y="6018768"/>
+              <a:ext cx="691215" cy="369332"/>
+            </a:xfrm>
+            <a:prstGeom prst="rect">
+              <a:avLst/>
+            </a:prstGeom>
+            <a:noFill/>
+          </p:spPr>
+          <p:txBody>
+            <a:bodyPr wrap="none" rtlCol="0">
+              <a:spAutoFit/>
+            </a:bodyPr>
+            <a:lstStyle/>
+            <a:p>
+              <a:r>
+                <a:rPr lang="en-US" altLang="zh-TW">
+                  <a:solidFill>
+                    <a:schemeClr val="accent3"/>
+                  </a:solidFill>
+                </a:rPr>
+                <a:t>java</a:t>
+              </a:r>
+              <a:endParaRPr lang="zh-TW" altLang="en-US">
+                <a:solidFill>
+                  <a:schemeClr val="accent3"/>
+                </a:solidFill>
+              </a:endParaRPr>
+            </a:p>
+          </p:txBody>
+        </p:sp>
+        <p:pic>
+          <p:nvPicPr>
+            <p:cNvPr id="14" name="圖片 13">
+              <a:hlinkClick r:id="rId2"/>
+              <a:extLst>
+                <a:ext uri="{FF2B5EF4-FFF2-40B4-BE49-F238E27FC236}">
+                  <a16:creationId xmlns:a16="http://schemas.microsoft.com/office/drawing/2014/main" id="{A85B0069-19C9-4FBB-A463-06A5E9E50A1E}"/>
+                </a:ext>
+              </a:extLst>
+            </p:cNvPr>
+            <p:cNvPicPr>
+              <a:picLocks noChangeAspect="1"/>
+            </p:cNvPicPr>
+            <p:nvPr/>
+          </p:nvPicPr>
+          <p:blipFill>
+            <a:blip r:embed="rId3">
+              <a:extLst>
+                <a:ext uri="{28A0092B-C50C-407E-A947-70E740481C1C}">
+                  <a14:useLocalDpi xmlns:a14="http://schemas.microsoft.com/office/drawing/2010/main" val="0"/>
+                </a:ext>
+              </a:extLst>
+            </a:blip>
+            <a:stretch>
+              <a:fillRect/>
+            </a:stretch>
+          </p:blipFill>
+          <p:spPr>
+            <a:xfrm>
+              <a:off x="6488819" y="4328382"/>
+              <a:ext cx="538900" cy="527184"/>
+            </a:xfrm>
+            <a:prstGeom prst="rect">
+              <a:avLst/>
+            </a:prstGeom>
+          </p:spPr>
+        </p:pic>
+      </p:grpSp>
+      <p:sp>
+        <p:nvSpPr>
+          <p:cNvPr id="2" name="標題 1">
+            <a:extLst>
+              <a:ext uri="{FF2B5EF4-FFF2-40B4-BE49-F238E27FC236}">
+                <a16:creationId xmlns:a16="http://schemas.microsoft.com/office/drawing/2014/main" id="{A4E252C7-16D2-40FE-A0E9-9CB0766F8729}"/>
+              </a:ext>
+            </a:extLst>
+          </p:cNvPr>
+          <p:cNvSpPr>
+            <a:spLocks noGrp="1"/>
+          </p:cNvSpPr>
+          <p:nvPr>
+            <p:ph type="title"/>
+          </p:nvPr>
+        </p:nvSpPr>
+        <p:spPr/>
+        <p:txBody>
+          <a:bodyPr/>
+          <a:lstStyle/>
+          <a:p>
+            <a:r>
+              <a:rPr lang="en-US" altLang="zh-TW"/>
+              <a:t>for-each</a:t>
+            </a:r>
+            <a:endParaRPr lang="zh-TW" altLang="en-US"/>
+          </a:p>
+        </p:txBody>
+      </p:sp>
+      <p:sp>
+        <p:nvSpPr>
+          <p:cNvPr id="3" name="內容版面配置區 2">
+            <a:extLst>
+              <a:ext uri="{FF2B5EF4-FFF2-40B4-BE49-F238E27FC236}">
+                <a16:creationId xmlns:a16="http://schemas.microsoft.com/office/drawing/2014/main" id="{2DC259F5-78E3-456A-A104-56FEBD65D0BC}"/>
+              </a:ext>
+            </a:extLst>
+          </p:cNvPr>
+          <p:cNvSpPr>
+            <a:spLocks noGrp="1"/>
+          </p:cNvSpPr>
+          <p:nvPr>
+            <p:ph idx="1"/>
+          </p:nvPr>
+        </p:nvSpPr>
+        <p:spPr>
+          <a:xfrm>
+            <a:off x="838200" y="1585913"/>
+            <a:ext cx="10515600" cy="1010186"/>
+          </a:xfrm>
+        </p:spPr>
+        <p:txBody>
+          <a:bodyPr/>
+          <a:lstStyle/>
+          <a:p>
+            <a:r>
+              <a:rPr lang="zh-TW" altLang="en-US">
+                <a:latin typeface="+mj-lt"/>
+              </a:rPr>
+              <a:t>每次</a:t>
+            </a:r>
+            <a:r>
+              <a:rPr lang="zh-TW" altLang="en-US">
+                <a:solidFill>
+                  <a:srgbClr val="00B0F0"/>
+                </a:solidFill>
+                <a:latin typeface="+mj-lt"/>
+              </a:rPr>
+              <a:t>迭代</a:t>
+            </a:r>
+            <a:r>
+              <a:rPr lang="en-US" altLang="zh-TW">
+                <a:solidFill>
+                  <a:srgbClr val="00B0F0"/>
+                </a:solidFill>
+                <a:latin typeface="+mj-lt"/>
+              </a:rPr>
+              <a:t>(iteration)</a:t>
+            </a:r>
+            <a:r>
+              <a:rPr lang="zh-TW" altLang="en-US">
+                <a:solidFill>
+                  <a:srgbClr val="00B0F0"/>
+                </a:solidFill>
+                <a:latin typeface="+mj-lt"/>
+              </a:rPr>
+              <a:t>陣列</a:t>
+            </a:r>
+            <a:r>
+              <a:rPr lang="zh-TW" altLang="en-US">
+                <a:latin typeface="+mj-lt"/>
+              </a:rPr>
+              <a:t>都寫這麼長一個 </a:t>
+            </a:r>
+            <a:r>
+              <a:rPr lang="en-US" altLang="zh-TW">
+                <a:solidFill>
+                  <a:srgbClr val="CF8E6D"/>
+                </a:solidFill>
+                <a:latin typeface="+mj-lt"/>
+              </a:rPr>
+              <a:t>for</a:t>
+            </a:r>
+            <a:r>
+              <a:rPr lang="en-US" altLang="zh-TW">
+                <a:latin typeface="+mj-lt"/>
+              </a:rPr>
+              <a:t> </a:t>
+            </a:r>
+            <a:r>
+              <a:rPr lang="zh-TW" altLang="en-US">
+                <a:solidFill>
+                  <a:srgbClr val="00B0F0"/>
+                </a:solidFill>
+                <a:latin typeface="+mj-lt"/>
+              </a:rPr>
+              <a:t>迴圈</a:t>
+            </a:r>
+            <a:r>
+              <a:rPr lang="zh-TW" altLang="en-US">
+                <a:latin typeface="+mj-lt"/>
+              </a:rPr>
+              <a:t>，實在不便</a:t>
+            </a:r>
+            <a:endParaRPr lang="en-US" altLang="zh-TW">
+              <a:latin typeface="+mj-lt"/>
+            </a:endParaRPr>
+          </a:p>
+          <a:p>
+            <a:r>
+              <a:rPr lang="zh-TW" altLang="en-US">
+                <a:latin typeface="+mj-lt"/>
+              </a:rPr>
+              <a:t>所以可以使用「</a:t>
+            </a:r>
+            <a:r>
+              <a:rPr lang="en-US" altLang="zh-TW">
+                <a:solidFill>
+                  <a:srgbClr val="00B0F0"/>
+                </a:solidFill>
+                <a:latin typeface="+mj-lt"/>
+              </a:rPr>
+              <a:t>for-each</a:t>
+            </a:r>
+            <a:r>
+              <a:rPr lang="zh-TW" altLang="en-US">
+                <a:latin typeface="+mj-lt"/>
+              </a:rPr>
+              <a:t>」來避免寫這麼長的 </a:t>
+            </a:r>
+            <a:r>
+              <a:rPr lang="en-US" altLang="zh-TW">
+                <a:solidFill>
+                  <a:srgbClr val="CF8E6D"/>
+                </a:solidFill>
+                <a:latin typeface="+mj-lt"/>
+              </a:rPr>
+              <a:t>for</a:t>
+            </a:r>
+            <a:r>
+              <a:rPr lang="en-US" altLang="zh-TW">
+                <a:solidFill>
+                  <a:srgbClr val="00B0F0"/>
+                </a:solidFill>
+                <a:latin typeface="+mj-lt"/>
+              </a:rPr>
+              <a:t> </a:t>
+            </a:r>
+            <a:r>
+              <a:rPr lang="zh-TW" altLang="en-US">
+                <a:solidFill>
+                  <a:srgbClr val="00B0F0"/>
+                </a:solidFill>
+                <a:latin typeface="+mj-lt"/>
+              </a:rPr>
+              <a:t>迴圈</a:t>
+            </a:r>
+          </a:p>
+        </p:txBody>
+      </p:sp>
+      <p:sp>
+        <p:nvSpPr>
+          <p:cNvPr id="6" name="內容版面配置區 2">
+            <a:extLst>
+              <a:ext uri="{FF2B5EF4-FFF2-40B4-BE49-F238E27FC236}">
+                <a16:creationId xmlns:a16="http://schemas.microsoft.com/office/drawing/2014/main" id="{B55F031B-028A-48C6-A537-5371770ED454}"/>
+              </a:ext>
+            </a:extLst>
+          </p:cNvPr>
+          <p:cNvSpPr txBox="1">
+            <a:spLocks/>
+          </p:cNvSpPr>
+          <p:nvPr/>
+        </p:nvSpPr>
+        <p:spPr>
+          <a:xfrm>
+            <a:off x="838200" y="3844053"/>
+            <a:ext cx="10515600" cy="529569"/>
+          </a:xfrm>
+          <a:prstGeom prst="rect">
+            <a:avLst/>
+          </a:prstGeom>
+        </p:spPr>
+        <p:txBody>
+          <a:bodyPr vert="horz" lIns="91440" tIns="45720" rIns="91440" bIns="45720" rtlCol="0">
+            <a:normAutofit/>
+          </a:bodyPr>
+          <a:lstStyle>
+            <a:lvl1pPr marL="0" indent="0" algn="l" defTabSz="914400" rtl="0" eaLnBrk="1" latinLnBrk="0" hangingPunct="1">
+              <a:lnSpc>
+                <a:spcPct val="90000"/>
+              </a:lnSpc>
+              <a:spcBef>
+                <a:spcPts val="1000"/>
+              </a:spcBef>
+              <a:buFont typeface="Arial" panose="020B0604020202020204" pitchFamily="34" charset="0"/>
+              <a:buNone/>
+              <a:defRPr sz="2800" kern="1200">
+                <a:solidFill>
+                  <a:schemeClr val="tx1"/>
+                </a:solidFill>
+                <a:latin typeface="+mn-lt"/>
+                <a:ea typeface="+mn-ea"/>
+                <a:cs typeface="+mn-cs"/>
+              </a:defRPr>
+            </a:lvl1pPr>
+            <a:lvl2pPr marL="457200" indent="0" algn="l" defTabSz="914400" rtl="0" eaLnBrk="1" latinLnBrk="0" hangingPunct="1">
+              <a:lnSpc>
+                <a:spcPct val="90000"/>
+              </a:lnSpc>
+              <a:spcBef>
+                <a:spcPts val="500"/>
+              </a:spcBef>
+              <a:buFont typeface="Arial" panose="020B0604020202020204" pitchFamily="34" charset="0"/>
+              <a:buNone/>
+              <a:defRPr sz="2400" kern="1200">
+                <a:solidFill>
+                  <a:schemeClr val="tx1"/>
+                </a:solidFill>
+                <a:latin typeface="+mn-lt"/>
+                <a:ea typeface="+mn-ea"/>
+                <a:cs typeface="+mn-cs"/>
+              </a:defRPr>
+            </a:lvl2pPr>
+            <a:lvl3pPr marL="914400" indent="0" algn="l" defTabSz="914400" rtl="0" eaLnBrk="1" latinLnBrk="0" hangingPunct="1">
+              <a:lnSpc>
+                <a:spcPct val="90000"/>
+              </a:lnSpc>
+              <a:spcBef>
+                <a:spcPts val="500"/>
+              </a:spcBef>
+              <a:buFont typeface="Arial" panose="020B0604020202020204" pitchFamily="34" charset="0"/>
+              <a:buNone/>
+              <a:defRPr sz="2000" kern="1200">
+                <a:solidFill>
+                  <a:schemeClr val="tx1"/>
+                </a:solidFill>
+                <a:latin typeface="+mn-lt"/>
+                <a:ea typeface="+mn-ea"/>
+                <a:cs typeface="+mn-cs"/>
+              </a:defRPr>
+            </a:lvl3pPr>
+            <a:lvl4pPr marL="1371600" indent="0" algn="l" defTabSz="914400" rtl="0" eaLnBrk="1" latinLnBrk="0" hangingPunct="1">
+              <a:lnSpc>
+                <a:spcPct val="90000"/>
+              </a:lnSpc>
+              <a:spcBef>
+                <a:spcPts val="500"/>
+              </a:spcBef>
+              <a:buFont typeface="Arial" panose="020B0604020202020204" pitchFamily="34" charset="0"/>
+              <a:buNone/>
+              <a:defRPr sz="1800" kern="1200">
+                <a:solidFill>
+                  <a:schemeClr val="tx1"/>
+                </a:solidFill>
+                <a:latin typeface="+mn-lt"/>
+                <a:ea typeface="+mn-ea"/>
+                <a:cs typeface="+mn-cs"/>
+              </a:defRPr>
+            </a:lvl4pPr>
+            <a:lvl5pPr marL="1828800" indent="0" algn="l" defTabSz="914400" rtl="0" eaLnBrk="1" latinLnBrk="0" hangingPunct="1">
+              <a:lnSpc>
+                <a:spcPct val="90000"/>
+              </a:lnSpc>
+              <a:spcBef>
+                <a:spcPts val="500"/>
+              </a:spcBef>
+              <a:buFont typeface="Arial" panose="020B0604020202020204" pitchFamily="34" charset="0"/>
+              <a:buNone/>
+              <a:defRPr sz="1800" kern="1200">
+                <a:solidFill>
+                  <a:schemeClr val="tx1"/>
+                </a:solidFill>
+                <a:latin typeface="+mn-lt"/>
+                <a:ea typeface="+mn-ea"/>
+                <a:cs typeface="+mn-cs"/>
+              </a:defRPr>
+            </a:lvl5pPr>
+            <a:lvl6pPr marL="2514600" indent="-228600" algn="l" defTabSz="914400" rtl="0" eaLnBrk="1" latinLnBrk="0" hangingPunct="1">
+              <a:lnSpc>
+                <a:spcPct val="90000"/>
+              </a:lnSpc>
+              <a:spcBef>
+                <a:spcPts val="500"/>
+              </a:spcBef>
+              <a:buFont typeface="Arial" panose="020B0604020202020204" pitchFamily="34" charset="0"/>
+              <a:buChar char="•"/>
+              <a:defRPr sz="1800" kern="1200">
+                <a:solidFill>
+                  <a:schemeClr val="tx1"/>
+                </a:solidFill>
+                <a:latin typeface="+mn-lt"/>
+                <a:ea typeface="+mn-ea"/>
+                <a:cs typeface="+mn-cs"/>
+              </a:defRPr>
+            </a:lvl6pPr>
+            <a:lvl7pPr marL="2971800" indent="-228600" algn="l" defTabSz="914400" rtl="0" eaLnBrk="1" latinLnBrk="0" hangingPunct="1">
+              <a:lnSpc>
+                <a:spcPct val="90000"/>
+              </a:lnSpc>
+              <a:spcBef>
+                <a:spcPts val="500"/>
+              </a:spcBef>
+              <a:buFont typeface="Arial" panose="020B0604020202020204" pitchFamily="34" charset="0"/>
+              <a:buChar char="•"/>
+              <a:defRPr sz="1800" kern="1200">
+                <a:solidFill>
+                  <a:schemeClr val="tx1"/>
+                </a:solidFill>
+                <a:latin typeface="+mn-lt"/>
+                <a:ea typeface="+mn-ea"/>
+                <a:cs typeface="+mn-cs"/>
+              </a:defRPr>
+            </a:lvl7pPr>
+            <a:lvl8pPr marL="3429000" indent="-228600" algn="l" defTabSz="914400" rtl="0" eaLnBrk="1" latinLnBrk="0" hangingPunct="1">
+              <a:lnSpc>
+                <a:spcPct val="90000"/>
+              </a:lnSpc>
+              <a:spcBef>
+                <a:spcPts val="500"/>
+              </a:spcBef>
+              <a:buFont typeface="Arial" panose="020B0604020202020204" pitchFamily="34" charset="0"/>
+              <a:buChar char="•"/>
+              <a:defRPr sz="1800" kern="1200">
+                <a:solidFill>
+                  <a:schemeClr val="tx1"/>
+                </a:solidFill>
+                <a:latin typeface="+mn-lt"/>
+                <a:ea typeface="+mn-ea"/>
+                <a:cs typeface="+mn-cs"/>
+              </a:defRPr>
+            </a:lvl8pPr>
+            <a:lvl9pPr marL="3886200" indent="-228600" algn="l" defTabSz="914400" rtl="0" eaLnBrk="1" latinLnBrk="0" hangingPunct="1">
+              <a:lnSpc>
+                <a:spcPct val="90000"/>
+              </a:lnSpc>
+              <a:spcBef>
+                <a:spcPts val="500"/>
+              </a:spcBef>
+              <a:buFont typeface="Arial" panose="020B0604020202020204" pitchFamily="34" charset="0"/>
+              <a:buChar char="•"/>
+              <a:defRPr sz="1800" kern="1200">
+                <a:solidFill>
+                  <a:schemeClr val="tx1"/>
+                </a:solidFill>
+                <a:latin typeface="+mn-lt"/>
+                <a:ea typeface="+mn-ea"/>
+                <a:cs typeface="+mn-cs"/>
+              </a:defRPr>
+            </a:lvl9pPr>
+          </a:lstStyle>
+          <a:p>
+            <a:r>
+              <a:rPr lang="zh-TW" altLang="en-US">
+                <a:latin typeface="+mj-lt"/>
+              </a:rPr>
+              <a:t>其中</a:t>
+            </a:r>
+            <a:r>
+              <a:rPr lang="zh-TW" altLang="en-US">
+                <a:solidFill>
+                  <a:srgbClr val="FFC000"/>
+                </a:solidFill>
+                <a:latin typeface="+mj-lt"/>
+              </a:rPr>
+              <a:t>變數</a:t>
+            </a:r>
+            <a:r>
+              <a:rPr lang="zh-TW" altLang="en-US">
+                <a:latin typeface="+mj-lt"/>
+              </a:rPr>
+              <a:t>會在每次循環依序變為</a:t>
+            </a:r>
+            <a:r>
+              <a:rPr lang="zh-TW" altLang="en-US">
+                <a:solidFill>
+                  <a:srgbClr val="00B0F0"/>
+                </a:solidFill>
+                <a:latin typeface="+mj-lt"/>
+              </a:rPr>
+              <a:t>陣列</a:t>
+            </a:r>
+            <a:r>
+              <a:rPr lang="zh-TW" altLang="en-US">
+                <a:latin typeface="+mj-lt"/>
+              </a:rPr>
+              <a:t>中的</a:t>
+            </a:r>
+            <a:r>
+              <a:rPr lang="zh-TW" altLang="en-US">
+                <a:solidFill>
+                  <a:srgbClr val="00B0F0"/>
+                </a:solidFill>
+                <a:latin typeface="+mj-lt"/>
+              </a:rPr>
+              <a:t>元素</a:t>
+            </a:r>
+          </a:p>
+        </p:txBody>
+      </p:sp>
+      <p:grpSp>
+        <p:nvGrpSpPr>
+          <p:cNvPr id="10" name="群組 9">
+            <a:extLst>
+              <a:ext uri="{FF2B5EF4-FFF2-40B4-BE49-F238E27FC236}">
+                <a16:creationId xmlns:a16="http://schemas.microsoft.com/office/drawing/2014/main" id="{6E68A203-3ECB-40BD-B493-98EA031301F9}"/>
+              </a:ext>
+            </a:extLst>
+          </p:cNvPr>
+          <p:cNvGrpSpPr/>
+          <p:nvPr/>
+        </p:nvGrpSpPr>
+        <p:grpSpPr>
+          <a:xfrm>
+            <a:off x="838199" y="2596099"/>
+            <a:ext cx="10515599" cy="1200329"/>
+            <a:chOff x="838199" y="2700874"/>
+            <a:chExt cx="10515599" cy="1200329"/>
+          </a:xfrm>
+        </p:grpSpPr>
+        <p:sp>
+          <p:nvSpPr>
+            <p:cNvPr id="5" name="Rectangle 2">
+              <a:extLst>
+                <a:ext uri="{FF2B5EF4-FFF2-40B4-BE49-F238E27FC236}">
+                  <a16:creationId xmlns:a16="http://schemas.microsoft.com/office/drawing/2014/main" id="{ACECFFDE-6585-4C2F-9DE4-3402E21A6200}"/>
+                </a:ext>
+              </a:extLst>
+            </p:cNvPr>
+            <p:cNvSpPr>
+              <a:spLocks noChangeArrowheads="1"/>
+            </p:cNvSpPr>
+            <p:nvPr/>
+          </p:nvSpPr>
+          <p:spPr bwMode="auto">
+            <a:xfrm>
+              <a:off x="838199" y="2700874"/>
+              <a:ext cx="10515599" cy="1200329"/>
+            </a:xfrm>
+            <a:prstGeom prst="rect">
+              <a:avLst/>
+            </a:prstGeom>
+            <a:solidFill>
+              <a:srgbClr val="1E1F22"/>
+            </a:solidFill>
+            <a:ln>
+              <a:noFill/>
+            </a:ln>
+            <a:effectLst/>
+            <a:extLst>
+              <a:ext uri="{91240B29-F687-4F45-9708-019B960494DF}">
+                <a14:hiddenLine xmlns:a14="http://schemas.microsoft.com/office/drawing/2010/main" w="9525">
+                  <a:solidFill>
+                    <a:schemeClr val="tx1"/>
+                  </a:solidFill>
+                  <a:miter lim="800000"/>
+                  <a:headEnd/>
+                  <a:tailEnd/>
+                </a14:hiddenLine>
+              </a:ext>
+              <a:ext uri="{AF507438-7753-43E0-B8FC-AC1667EBCBE1}">
+                <a14:hiddenEffects xmlns:a14="http://schemas.microsoft.com/office/drawing/2010/main">
+                  <a:effectLst>
+                    <a:outerShdw dist="35921" dir="2700000" algn="ctr" rotWithShape="0">
+                      <a:schemeClr val="bg2"/>
+                    </a:outerShdw>
+                  </a:effectLst>
+                </a14:hiddenEffects>
+              </a:ext>
+            </a:extLst>
+          </p:spPr>
+          <p:txBody>
+            <a:bodyPr vert="horz" wrap="square" lIns="91440" tIns="45720" rIns="91440" bIns="45720" numCol="1" anchor="ctr" anchorCtr="0" compatLnSpc="1">
+              <a:prstTxWarp prst="textNoShape">
+                <a:avLst/>
+              </a:prstTxWarp>
+              <a:spAutoFit/>
+            </a:bodyPr>
+            <a:lstStyle/>
+            <a:p>
+              <a:pPr marL="0" marR="0" lvl="0" indent="0" algn="l" defTabSz="914400" rtl="0" eaLnBrk="0" fontAlgn="base" latinLnBrk="0" hangingPunct="0">
+                <a:lnSpc>
+                  <a:spcPct val="100000"/>
+                </a:lnSpc>
+                <a:spcBef>
+                  <a:spcPct val="0"/>
+                </a:spcBef>
+                <a:spcAft>
+                  <a:spcPct val="0"/>
+                </a:spcAft>
+                <a:buClrTx/>
+                <a:buSzTx/>
+                <a:buFontTx/>
+                <a:buNone/>
+                <a:tabLst/>
+              </a:pPr>
+              <a:r>
+                <a:rPr kumimoji="0" lang="zh-TW" altLang="zh-TW" sz="2400" b="0" i="0" u="none" strike="noStrike" cap="none" normalizeH="0" baseline="0">
+                  <a:ln>
+                    <a:noFill/>
+                  </a:ln>
+                  <a:solidFill>
+                    <a:srgbClr val="CF8E6D"/>
+                  </a:solidFill>
+                  <a:effectLst/>
+                  <a:latin typeface="+mj-lt"/>
+                  <a:cs typeface="JetBrains Mono" panose="02000009000000000000" pitchFamily="49" charset="0"/>
+                </a:rPr>
+                <a:t>for </a:t>
+              </a:r>
+              <a:r>
+                <a:rPr kumimoji="0" lang="zh-TW" altLang="zh-TW" sz="2400" b="0" i="0" u="none" strike="noStrike" cap="none" normalizeH="0" baseline="0">
+                  <a:ln>
+                    <a:noFill/>
+                  </a:ln>
+                  <a:solidFill>
+                    <a:srgbClr val="BCBEC4"/>
+                  </a:solidFill>
+                  <a:effectLst/>
+                  <a:latin typeface="+mj-lt"/>
+                  <a:cs typeface="JetBrains Mono" panose="02000009000000000000" pitchFamily="49" charset="0"/>
+                </a:rPr>
+                <a:t>(</a:t>
+              </a:r>
+              <a:r>
+                <a:rPr lang="zh-TW" altLang="en-US" sz="2400">
+                  <a:solidFill>
+                    <a:srgbClr val="92D050"/>
+                  </a:solidFill>
+                  <a:latin typeface="+mj-lt"/>
+                  <a:ea typeface="微軟正黑體" panose="020B0604030504040204" pitchFamily="34" charset="-120"/>
+                  <a:cs typeface="JetBrains Mono" panose="02000009000000000000" pitchFamily="49" charset="0"/>
+                </a:rPr>
+                <a:t>陣列</a:t>
+              </a:r>
+              <a:r>
+                <a:rPr kumimoji="0" lang="zh-TW" altLang="zh-TW" sz="2400" b="0" i="0" u="none" strike="noStrike" cap="none" normalizeH="0" baseline="0">
+                  <a:ln>
+                    <a:noFill/>
+                  </a:ln>
+                  <a:solidFill>
+                    <a:srgbClr val="92D050"/>
+                  </a:solidFill>
+                  <a:effectLst/>
+                  <a:latin typeface="+mj-lt"/>
+                  <a:ea typeface="微軟正黑體" panose="020B0604030504040204" pitchFamily="34" charset="-120"/>
+                  <a:cs typeface="JetBrains Mono" panose="02000009000000000000" pitchFamily="49" charset="0"/>
+                </a:rPr>
+                <a:t>元素型別 </a:t>
+              </a:r>
+              <a:r>
+                <a:rPr kumimoji="0" lang="zh-TW" altLang="zh-TW" sz="2400" b="0" i="0" u="none" strike="noStrike" cap="none" normalizeH="0" baseline="0">
+                  <a:ln>
+                    <a:noFill/>
+                  </a:ln>
+                  <a:solidFill>
+                    <a:srgbClr val="FFC000"/>
+                  </a:solidFill>
+                  <a:effectLst/>
+                  <a:latin typeface="+mj-lt"/>
+                  <a:ea typeface="微軟正黑體" panose="020B0604030504040204" pitchFamily="34" charset="-120"/>
+                  <a:cs typeface="JetBrains Mono" panose="02000009000000000000" pitchFamily="49" charset="0"/>
+                </a:rPr>
+                <a:t>變數</a:t>
+              </a:r>
+              <a:r>
+                <a:rPr kumimoji="0" lang="zh-TW" altLang="zh-TW" sz="2400" b="0" i="0" u="none" strike="noStrike" cap="none" normalizeH="0" baseline="0">
+                  <a:ln>
+                    <a:noFill/>
+                  </a:ln>
+                  <a:solidFill>
+                    <a:srgbClr val="BCBEC4"/>
+                  </a:solidFill>
+                  <a:effectLst/>
+                  <a:latin typeface="+mj-lt"/>
+                  <a:ea typeface="微軟正黑體" panose="020B0604030504040204" pitchFamily="34" charset="-120"/>
+                  <a:cs typeface="JetBrains Mono" panose="02000009000000000000" pitchFamily="49" charset="0"/>
+                </a:rPr>
+                <a:t> </a:t>
+              </a:r>
+              <a:r>
+                <a:rPr kumimoji="0" lang="zh-TW" altLang="zh-TW" sz="2400" b="0" i="0" u="none" strike="noStrike" cap="none" normalizeH="0" baseline="0">
+                  <a:ln>
+                    <a:noFill/>
+                  </a:ln>
+                  <a:solidFill>
+                    <a:srgbClr val="BCBEC4"/>
+                  </a:solidFill>
+                  <a:effectLst/>
+                  <a:latin typeface="+mj-lt"/>
+                  <a:cs typeface="JetBrains Mono" panose="02000009000000000000" pitchFamily="49" charset="0"/>
+                </a:rPr>
+                <a:t>: </a:t>
+              </a:r>
+              <a:r>
+                <a:rPr kumimoji="0" lang="zh-TW" altLang="zh-TW" sz="2400" b="0" i="0" u="none" strike="noStrike" cap="none" normalizeH="0" baseline="0">
+                  <a:ln>
+                    <a:noFill/>
+                  </a:ln>
+                  <a:solidFill>
+                    <a:srgbClr val="00B0F0"/>
+                  </a:solidFill>
+                  <a:effectLst/>
+                  <a:latin typeface="+mj-lt"/>
+                  <a:ea typeface="微軟正黑體" panose="020B0604030504040204" pitchFamily="34" charset="-120"/>
+                  <a:cs typeface="JetBrains Mono" panose="02000009000000000000" pitchFamily="49" charset="0"/>
+                </a:rPr>
+                <a:t>陣列</a:t>
+              </a:r>
+              <a:r>
+                <a:rPr kumimoji="0" lang="zh-TW" altLang="zh-TW" sz="2400" b="0" i="0" u="none" strike="noStrike" cap="none" normalizeH="0" baseline="0">
+                  <a:ln>
+                    <a:noFill/>
+                  </a:ln>
+                  <a:solidFill>
+                    <a:srgbClr val="BCBEC4"/>
+                  </a:solidFill>
+                  <a:effectLst/>
+                  <a:latin typeface="+mj-lt"/>
+                  <a:cs typeface="JetBrains Mono" panose="02000009000000000000" pitchFamily="49" charset="0"/>
+                </a:rPr>
+                <a:t>) {</a:t>
+              </a:r>
+              <a:br>
+                <a:rPr kumimoji="0" lang="zh-TW" altLang="zh-TW" sz="2400" b="0" i="0" u="none" strike="noStrike" cap="none" normalizeH="0" baseline="0">
+                  <a:ln>
+                    <a:noFill/>
+                  </a:ln>
+                  <a:solidFill>
+                    <a:srgbClr val="BCBEC4"/>
+                  </a:solidFill>
+                  <a:effectLst/>
+                  <a:latin typeface="+mj-lt"/>
+                  <a:cs typeface="JetBrains Mono" panose="02000009000000000000" pitchFamily="49" charset="0"/>
+                </a:rPr>
+              </a:br>
+              <a:r>
+                <a:rPr kumimoji="0" lang="zh-TW" altLang="zh-TW" sz="2400" b="0" i="0" u="none" strike="noStrike" cap="none" normalizeH="0" baseline="0">
+                  <a:ln>
+                    <a:noFill/>
+                  </a:ln>
+                  <a:solidFill>
+                    <a:srgbClr val="BCBEC4"/>
+                  </a:solidFill>
+                  <a:effectLst/>
+                  <a:latin typeface="+mj-lt"/>
+                  <a:cs typeface="JetBrains Mono" panose="02000009000000000000" pitchFamily="49" charset="0"/>
+                </a:rPr>
+                <a:t>    </a:t>
+              </a:r>
+              <a:r>
+                <a:rPr kumimoji="0" lang="zh-TW" altLang="zh-TW" sz="2400" b="0" i="0" u="none" strike="noStrike" cap="none" normalizeH="0" baseline="0">
+                  <a:ln>
+                    <a:noFill/>
+                  </a:ln>
+                  <a:solidFill>
+                    <a:srgbClr val="FFFF00"/>
+                  </a:solidFill>
+                  <a:effectLst/>
+                  <a:latin typeface="+mj-lt"/>
+                  <a:ea typeface="微軟正黑體" panose="020B0604030504040204" pitchFamily="34" charset="-120"/>
+                  <a:cs typeface="JetBrains Mono" panose="02000009000000000000" pitchFamily="49" charset="0"/>
+                </a:rPr>
+                <a:t>陳述式</a:t>
+              </a:r>
+              <a:r>
+                <a:rPr kumimoji="0" lang="zh-TW" altLang="zh-TW" sz="2400" b="0" i="0" u="none" strike="noStrike" cap="none" normalizeH="0" baseline="0">
+                  <a:ln>
+                    <a:noFill/>
+                  </a:ln>
+                  <a:solidFill>
+                    <a:srgbClr val="FFFF00"/>
+                  </a:solidFill>
+                  <a:effectLst/>
+                  <a:latin typeface="+mj-lt"/>
+                  <a:cs typeface="JetBrains Mono" panose="02000009000000000000" pitchFamily="49" charset="0"/>
+                </a:rPr>
+                <a:t>...</a:t>
+              </a:r>
+              <a:br>
+                <a:rPr kumimoji="0" lang="zh-TW" altLang="zh-TW" sz="2400" b="0" i="0" u="none" strike="noStrike" cap="none" normalizeH="0" baseline="0">
+                  <a:ln>
+                    <a:noFill/>
+                  </a:ln>
+                  <a:solidFill>
+                    <a:srgbClr val="BCBEC4"/>
+                  </a:solidFill>
+                  <a:effectLst/>
+                  <a:latin typeface="+mj-lt"/>
+                  <a:cs typeface="JetBrains Mono" panose="02000009000000000000" pitchFamily="49" charset="0"/>
+                </a:rPr>
+              </a:br>
+              <a:r>
+                <a:rPr kumimoji="0" lang="zh-TW" altLang="zh-TW" sz="2400" b="0" i="0" u="none" strike="noStrike" cap="none" normalizeH="0" baseline="0">
+                  <a:ln>
+                    <a:noFill/>
+                  </a:ln>
+                  <a:solidFill>
+                    <a:srgbClr val="BCBEC4"/>
+                  </a:solidFill>
+                  <a:effectLst/>
+                  <a:latin typeface="+mj-lt"/>
+                  <a:cs typeface="JetBrains Mono" panose="02000009000000000000" pitchFamily="49" charset="0"/>
+                </a:rPr>
+                <a:t>}</a:t>
+              </a:r>
+              <a:endParaRPr kumimoji="0" lang="zh-TW" altLang="zh-TW" sz="4000" b="0" i="0" u="none" strike="noStrike" cap="none" normalizeH="0" baseline="0">
+                <a:ln>
+                  <a:noFill/>
+                </a:ln>
+                <a:solidFill>
+                  <a:schemeClr val="tx1"/>
+                </a:solidFill>
+                <a:effectLst/>
+                <a:latin typeface="+mj-lt"/>
+              </a:endParaRPr>
+            </a:p>
+          </p:txBody>
+        </p:sp>
+        <p:sp>
+          <p:nvSpPr>
+            <p:cNvPr id="9" name="文字方塊 8">
+              <a:extLst>
+                <a:ext uri="{FF2B5EF4-FFF2-40B4-BE49-F238E27FC236}">
+                  <a16:creationId xmlns:a16="http://schemas.microsoft.com/office/drawing/2014/main" id="{BAD85D20-F903-4971-9C6A-D4D857BCCAD0}"/>
+                </a:ext>
+              </a:extLst>
+            </p:cNvPr>
+            <p:cNvSpPr txBox="1"/>
+            <p:nvPr/>
+          </p:nvSpPr>
+          <p:spPr>
+            <a:xfrm>
+              <a:off x="10662582" y="3523190"/>
+              <a:ext cx="691215" cy="369332"/>
+            </a:xfrm>
+            <a:prstGeom prst="rect">
+              <a:avLst/>
+            </a:prstGeom>
+            <a:noFill/>
+          </p:spPr>
+          <p:txBody>
+            <a:bodyPr wrap="none" rtlCol="0">
+              <a:spAutoFit/>
+            </a:bodyPr>
+            <a:lstStyle/>
+            <a:p>
+              <a:r>
+                <a:rPr lang="en-US" altLang="zh-TW">
+                  <a:solidFill>
+                    <a:schemeClr val="accent3"/>
+                  </a:solidFill>
+                </a:rPr>
+                <a:t>java</a:t>
+              </a:r>
+              <a:endParaRPr lang="zh-TW" altLang="en-US">
+                <a:solidFill>
+                  <a:schemeClr val="accent3"/>
+                </a:solidFill>
+              </a:endParaRPr>
+            </a:p>
+          </p:txBody>
+        </p:sp>
+      </p:grpSp>
+      <p:grpSp>
+        <p:nvGrpSpPr>
+          <p:cNvPr id="11" name="群組 10">
+            <a:extLst>
+              <a:ext uri="{FF2B5EF4-FFF2-40B4-BE49-F238E27FC236}">
+                <a16:creationId xmlns:a16="http://schemas.microsoft.com/office/drawing/2014/main" id="{3BBAD1A9-0F67-4CC4-BB65-27D24EB610E5}"/>
+              </a:ext>
+            </a:extLst>
+          </p:cNvPr>
+          <p:cNvGrpSpPr/>
+          <p:nvPr/>
+        </p:nvGrpSpPr>
+        <p:grpSpPr>
+          <a:xfrm>
+            <a:off x="8260555" y="5151019"/>
+            <a:ext cx="3093242" cy="461665"/>
+            <a:chOff x="1590189" y="6150062"/>
+            <a:chExt cx="3093242" cy="461665"/>
+          </a:xfrm>
+        </p:grpSpPr>
+        <p:sp>
+          <p:nvSpPr>
+            <p:cNvPr id="12" name="Rectangle 4">
+              <a:extLst>
+                <a:ext uri="{FF2B5EF4-FFF2-40B4-BE49-F238E27FC236}">
+                  <a16:creationId xmlns:a16="http://schemas.microsoft.com/office/drawing/2014/main" id="{B00755A5-3218-47E5-83A0-6CDEB705AA6E}"/>
+                </a:ext>
+              </a:extLst>
+            </p:cNvPr>
+            <p:cNvSpPr>
+              <a:spLocks noChangeArrowheads="1"/>
+            </p:cNvSpPr>
+            <p:nvPr/>
+          </p:nvSpPr>
+          <p:spPr bwMode="auto">
+            <a:xfrm>
+              <a:off x="1590189" y="6150062"/>
+              <a:ext cx="3093242" cy="461665"/>
+            </a:xfrm>
+            <a:prstGeom prst="rect">
+              <a:avLst/>
+            </a:prstGeom>
+            <a:solidFill>
+              <a:srgbClr val="1E1F22"/>
+            </a:solidFill>
+            <a:ln w="9525">
+              <a:noFill/>
+              <a:miter lim="800000"/>
+              <a:headEnd/>
+              <a:tailEnd/>
+            </a:ln>
+            <a:effectLst/>
+            <a:extLst>
+              <a:ext uri="{AF507438-7753-43E0-B8FC-AC1667EBCBE1}">
+                <a14:hiddenEffects xmlns:a14="http://schemas.microsoft.com/office/drawing/2010/main">
+                  <a:effectLst>
+                    <a:outerShdw dist="35921" dir="2700000" algn="ctr" rotWithShape="0">
+                      <a:schemeClr val="bg2"/>
+                    </a:outerShdw>
+                  </a:effectLst>
+                </a14:hiddenEffects>
+              </a:ext>
+            </a:extLst>
+          </p:spPr>
+          <p:txBody>
+            <a:bodyPr vert="horz" wrap="square" lIns="91440" tIns="45720" rIns="91440" bIns="45720" numCol="1" anchor="ctr" anchorCtr="0" compatLnSpc="1">
+              <a:prstTxWarp prst="textNoShape">
+                <a:avLst/>
+              </a:prstTxWarp>
+              <a:spAutoFit/>
+            </a:bodyPr>
+            <a:lstStyle/>
+            <a:p>
+              <a:pPr marL="0" marR="0" lvl="0" indent="0" algn="l" defTabSz="914400" rtl="0" eaLnBrk="0" fontAlgn="base" latinLnBrk="0" hangingPunct="0">
+                <a:lnSpc>
+                  <a:spcPct val="100000"/>
+                </a:lnSpc>
+                <a:spcBef>
+                  <a:spcPct val="0"/>
+                </a:spcBef>
+                <a:spcAft>
+                  <a:spcPct val="0"/>
+                </a:spcAft>
+                <a:buClrTx/>
+                <a:buSzTx/>
+                <a:buFontTx/>
+                <a:buNone/>
+                <a:tabLst/>
+              </a:pPr>
+              <a:r>
+                <a:rPr kumimoji="0" lang="en-US" altLang="zh-TW" sz="2400" b="0" i="0" u="none" strike="noStrike" cap="none" normalizeH="0" baseline="0">
+                  <a:ln>
+                    <a:noFill/>
+                  </a:ln>
+                  <a:solidFill>
+                    <a:srgbClr val="BCBEC4"/>
+                  </a:solidFill>
+                  <a:effectLst/>
+                  <a:latin typeface="+mj-lt"/>
+                  <a:cs typeface="JetBrains Mono" panose="02000009000000000000" pitchFamily="49" charset="0"/>
+                </a:rPr>
+                <a:t>6 4 5 7 2 9</a:t>
+              </a:r>
+              <a:endParaRPr kumimoji="0" lang="zh-TW" altLang="zh-TW" sz="4000" b="0" i="0" u="none" strike="noStrike" cap="none" normalizeH="0" baseline="0">
+                <a:ln>
+                  <a:noFill/>
+                </a:ln>
+                <a:solidFill>
+                  <a:schemeClr val="tx1"/>
+                </a:solidFill>
+                <a:effectLst/>
+                <a:latin typeface="+mj-lt"/>
+              </a:endParaRPr>
+            </a:p>
+          </p:txBody>
+        </p:sp>
+        <p:sp>
+          <p:nvSpPr>
+            <p:cNvPr id="13" name="文字方塊 12">
+              <a:extLst>
+                <a:ext uri="{FF2B5EF4-FFF2-40B4-BE49-F238E27FC236}">
+                  <a16:creationId xmlns:a16="http://schemas.microsoft.com/office/drawing/2014/main" id="{06004409-0BF8-4E1A-BCB4-9EA71D5524DB}"/>
+                </a:ext>
+              </a:extLst>
+            </p:cNvPr>
+            <p:cNvSpPr txBox="1"/>
+            <p:nvPr/>
+          </p:nvSpPr>
+          <p:spPr>
+            <a:xfrm>
+              <a:off x="3902447" y="6303950"/>
+              <a:ext cx="780983" cy="307777"/>
+            </a:xfrm>
+            <a:prstGeom prst="rect">
+              <a:avLst/>
+            </a:prstGeom>
+            <a:noFill/>
+            <a:ln>
+              <a:noFill/>
+            </a:ln>
+          </p:spPr>
+          <p:txBody>
+            <a:bodyPr wrap="none" rtlCol="0">
+              <a:spAutoFit/>
+            </a:bodyPr>
+            <a:lstStyle/>
+            <a:p>
+              <a:r>
+                <a:rPr lang="en-US" altLang="zh-TW" sz="1400">
+                  <a:solidFill>
+                    <a:schemeClr val="accent3"/>
+                  </a:solidFill>
+                </a:rPr>
+                <a:t>output</a:t>
+              </a:r>
+              <a:endParaRPr lang="zh-TW" altLang="en-US" sz="1400">
+                <a:solidFill>
+                  <a:schemeClr val="accent3"/>
+                </a:solidFill>
+              </a:endParaRPr>
+            </a:p>
+          </p:txBody>
+        </p:sp>
+      </p:grpSp>
+    </p:spTree>
+    <p:extLst>
+      <p:ext uri="{BB962C8B-B14F-4D97-AF65-F5344CB8AC3E}">
+        <p14:creationId xmlns:p14="http://schemas.microsoft.com/office/powerpoint/2010/main" val="2575915868"/>
+      </p:ext>
+    </p:extLst>
+  </p:cSld>
+  <p:clrMapOvr>
+    <a:masterClrMapping/>
+  </p:clrMapOvr>
+  <p:transition spd="slow">
+    <p:push dir="u"/>
+  </p:transition>
+</p:sld>
+</file>
+
+<file path=ppt/slides/slide11.xml><?xml version="1.0" encoding="utf-8"?>
+<p:sld xmlns:a="http://schemas.openxmlformats.org/drawingml/2006/main" xmlns:r="http://schemas.openxmlformats.org/officeDocument/2006/relationships" xmlns:p="http://schemas.openxmlformats.org/presentationml/2006/main">
+  <p:cSld>
+    <p:spTree>
+      <p:nvGrpSpPr>
+        <p:cNvPr id="1" name=""/>
+        <p:cNvGrpSpPr/>
+        <p:nvPr/>
+      </p:nvGrpSpPr>
+      <p:grpSpPr>
+        <a:xfrm>
+          <a:off x="0" y="0"/>
+          <a:ext cx="0" cy="0"/>
+          <a:chOff x="0" y="0"/>
+          <a:chExt cx="0" cy="0"/>
+        </a:xfrm>
+      </p:grpSpPr>
       <p:sp>
         <p:nvSpPr>
           <p:cNvPr id="2" name="標題 1">
@@ -3749,7 +5489,7 @@
 </p:sld>
 </file>
 
-<file path=ppt/slides/slide11.xml><?xml version="1.0" encoding="utf-8"?>
+<file path=ppt/slides/slide12.xml><?xml version="1.0" encoding="utf-8"?>
 <p:sld xmlns:a="http://schemas.openxmlformats.org/drawingml/2006/main" xmlns:r="http://schemas.openxmlformats.org/officeDocument/2006/relationships" xmlns:p="http://schemas.openxmlformats.org/presentationml/2006/main">
   <p:cSld>
     <p:spTree>
@@ -7768,7 +9508,7 @@
 </p:sld>
 </file>
 
-<file path=ppt/slides/slide12.xml><?xml version="1.0" encoding="utf-8"?>
+<file path=ppt/slides/slide13.xml><?xml version="1.0" encoding="utf-8"?>
 <p:sld xmlns:a="http://schemas.openxmlformats.org/drawingml/2006/main" xmlns:r="http://schemas.openxmlformats.org/officeDocument/2006/relationships" xmlns:p="http://schemas.openxmlformats.org/presentationml/2006/main">
   <p:cSld>
     <p:spTree>
@@ -10268,7 +12008,7 @@
 </p:sld>
 </file>
 
-<file path=ppt/slides/slide13.xml><?xml version="1.0" encoding="utf-8"?>
+<file path=ppt/slides/slide14.xml><?xml version="1.0" encoding="utf-8"?>
 <p:sld xmlns:a="http://schemas.openxmlformats.org/drawingml/2006/main" xmlns:r="http://schemas.openxmlformats.org/officeDocument/2006/relationships" xmlns:p="http://schemas.openxmlformats.org/presentationml/2006/main">
   <p:cSld>
     <p:spTree>
@@ -11992,7 +13732,7 @@
 </p:sld>
 </file>
 
-<file path=ppt/slides/slide14.xml><?xml version="1.0" encoding="utf-8"?>
+<file path=ppt/slides/slide15.xml><?xml version="1.0" encoding="utf-8"?>
 <p:sld xmlns:a="http://schemas.openxmlformats.org/drawingml/2006/main" xmlns:r="http://schemas.openxmlformats.org/officeDocument/2006/relationships" xmlns:p="http://schemas.openxmlformats.org/presentationml/2006/main">
   <p:cSld>
     <p:spTree>
@@ -12700,7 +14440,7 @@
 </p:sld>
 </file>
 
-<file path=ppt/slides/slide15.xml><?xml version="1.0" encoding="utf-8"?>
+<file path=ppt/slides/slide16.xml><?xml version="1.0" encoding="utf-8"?>
 <p:sld xmlns:a="http://schemas.openxmlformats.org/drawingml/2006/main" xmlns:r="http://schemas.openxmlformats.org/officeDocument/2006/relationships" xmlns:p="http://schemas.openxmlformats.org/presentationml/2006/main">
   <p:cSld>
     <p:spTree>
@@ -14388,7 +16128,7 @@
 </p:sld>
 </file>
 
-<file path=ppt/slides/slide16.xml><?xml version="1.0" encoding="utf-8"?>
+<file path=ppt/slides/slide17.xml><?xml version="1.0" encoding="utf-8"?>
 <p:sld xmlns:a="http://schemas.openxmlformats.org/drawingml/2006/main" xmlns:r="http://schemas.openxmlformats.org/officeDocument/2006/relationships" xmlns:p="http://schemas.openxmlformats.org/presentationml/2006/main">
   <p:cSld>
     <p:spTree>
@@ -14961,7 +16701,7 @@
 </p:sld>
 </file>
 
-<file path=ppt/slides/slide17.xml><?xml version="1.0" encoding="utf-8"?>
+<file path=ppt/slides/slide18.xml><?xml version="1.0" encoding="utf-8"?>
 <p:sld xmlns:a="http://schemas.openxmlformats.org/drawingml/2006/main" xmlns:r="http://schemas.openxmlformats.org/officeDocument/2006/relationships" xmlns:p="http://schemas.openxmlformats.org/presentationml/2006/main">
   <p:cSld>
     <p:spTree>
@@ -17233,7 +18973,7 @@
 </p:sld>
 </file>
 
-<file path=ppt/slides/slide18.xml><?xml version="1.0" encoding="utf-8"?>
+<file path=ppt/slides/slide19.xml><?xml version="1.0" encoding="utf-8"?>
 <p:sld xmlns:a="http://schemas.openxmlformats.org/drawingml/2006/main" xmlns:r="http://schemas.openxmlformats.org/officeDocument/2006/relationships" xmlns:p="http://schemas.openxmlformats.org/presentationml/2006/main">
   <p:cSld>
     <p:spTree>
@@ -17926,641 +19666,6 @@
     <p:extLst>
       <p:ext uri="{BB962C8B-B14F-4D97-AF65-F5344CB8AC3E}">
         <p14:creationId xmlns:p14="http://schemas.microsoft.com/office/powerpoint/2010/main" val="2209087254"/>
-      </p:ext>
-    </p:extLst>
-  </p:cSld>
-  <p:clrMapOvr>
-    <a:masterClrMapping/>
-  </p:clrMapOvr>
-  <p:transition spd="slow">
-    <p:push dir="u"/>
-  </p:transition>
-</p:sld>
-</file>
-
-<file path=ppt/slides/slide19.xml><?xml version="1.0" encoding="utf-8"?>
-<p:sld xmlns:a="http://schemas.openxmlformats.org/drawingml/2006/main" xmlns:r="http://schemas.openxmlformats.org/officeDocument/2006/relationships" xmlns:p="http://schemas.openxmlformats.org/presentationml/2006/main">
-  <p:cSld>
-    <p:spTree>
-      <p:nvGrpSpPr>
-        <p:cNvPr id="1" name=""/>
-        <p:cNvGrpSpPr/>
-        <p:nvPr/>
-      </p:nvGrpSpPr>
-      <p:grpSpPr>
-        <a:xfrm>
-          <a:off x="0" y="0"/>
-          <a:ext cx="0" cy="0"/>
-          <a:chOff x="0" y="0"/>
-          <a:chExt cx="0" cy="0"/>
-        </a:xfrm>
-      </p:grpSpPr>
-      <p:sp>
-        <p:nvSpPr>
-          <p:cNvPr id="2" name="標題 1">
-            <a:extLst>
-              <a:ext uri="{FF2B5EF4-FFF2-40B4-BE49-F238E27FC236}">
-                <a16:creationId xmlns:a16="http://schemas.microsoft.com/office/drawing/2014/main" id="{4719A5B4-D40D-422E-B23B-EDE38E50F36F}"/>
-              </a:ext>
-            </a:extLst>
-          </p:cNvPr>
-          <p:cNvSpPr>
-            <a:spLocks noGrp="1"/>
-          </p:cNvSpPr>
-          <p:nvPr>
-            <p:ph type="title"/>
-          </p:nvPr>
-        </p:nvSpPr>
-        <p:spPr/>
-        <p:txBody>
-          <a:bodyPr/>
-          <a:lstStyle/>
-          <a:p>
-            <a:r>
-              <a:rPr lang="zh-TW" altLang="en-US"/>
-              <a:t>數學</a:t>
-            </a:r>
-          </a:p>
-        </p:txBody>
-      </p:sp>
-      <p:sp>
-        <p:nvSpPr>
-          <p:cNvPr id="3" name="內容版面配置區 2">
-            <a:extLst>
-              <a:ext uri="{FF2B5EF4-FFF2-40B4-BE49-F238E27FC236}">
-                <a16:creationId xmlns:a16="http://schemas.microsoft.com/office/drawing/2014/main" id="{DC8DB342-EFC6-4F92-ACCD-F175FF2F1960}"/>
-              </a:ext>
-            </a:extLst>
-          </p:cNvPr>
-          <p:cNvSpPr>
-            <a:spLocks noGrp="1"/>
-          </p:cNvSpPr>
-          <p:nvPr>
-            <p:ph idx="1"/>
-          </p:nvPr>
-        </p:nvSpPr>
-        <p:spPr>
-          <a:xfrm>
-            <a:off x="838200" y="1622424"/>
-            <a:ext cx="10515600" cy="4575176"/>
-          </a:xfrm>
-        </p:spPr>
-        <p:txBody>
-          <a:bodyPr/>
-          <a:lstStyle/>
-          <a:p>
-            <a:r>
-              <a:rPr lang="zh-TW" altLang="en-US">
-                <a:solidFill>
-                  <a:srgbClr val="00B0F0"/>
-                </a:solidFill>
-              </a:rPr>
-              <a:t>返回值型別</a:t>
-            </a:r>
-            <a:r>
-              <a:rPr lang="zh-TW" altLang="en-US"/>
-              <a:t>皆為 </a:t>
-            </a:r>
-            <a:r>
-              <a:rPr lang="en-US" altLang="zh-TW">
-                <a:solidFill>
-                  <a:srgbClr val="CF8E6D"/>
-                </a:solidFill>
-              </a:rPr>
-              <a:t>long</a:t>
-            </a:r>
-            <a:r>
-              <a:rPr lang="zh-TW" altLang="en-US"/>
-              <a:t>，且皆只有一個 </a:t>
-            </a:r>
-            <a:r>
-              <a:rPr lang="en-US" altLang="zh-TW">
-                <a:solidFill>
-                  <a:srgbClr val="CF8E6D"/>
-                </a:solidFill>
-              </a:rPr>
-              <a:t>double</a:t>
-            </a:r>
-            <a:r>
-              <a:rPr lang="zh-TW" altLang="en-US"/>
-              <a:t> </a:t>
-            </a:r>
-            <a:r>
-              <a:rPr lang="zh-TW" altLang="en-US">
-                <a:solidFill>
-                  <a:srgbClr val="00B0F0"/>
-                </a:solidFill>
-              </a:rPr>
-              <a:t>參數</a:t>
-            </a:r>
-            <a:r>
-              <a:rPr lang="zh-TW" altLang="en-US"/>
-              <a:t>：</a:t>
-            </a:r>
-            <a:endParaRPr lang="en-US" altLang="zh-TW"/>
-          </a:p>
-          <a:p>
-            <a:r>
-              <a:rPr lang="en-US" altLang="zh-TW">
-                <a:solidFill>
-                  <a:srgbClr val="92D050"/>
-                </a:solidFill>
-              </a:rPr>
-              <a:t>round(</a:t>
-            </a:r>
-            <a:r>
-              <a:rPr lang="zh-TW" altLang="en-US">
-                <a:solidFill>
-                  <a:srgbClr val="92D050"/>
-                </a:solidFill>
-              </a:rPr>
-              <a:t>四捨五入</a:t>
-            </a:r>
-            <a:r>
-              <a:rPr lang="en-US" altLang="zh-TW">
-                <a:solidFill>
-                  <a:srgbClr val="92D050"/>
-                </a:solidFill>
-              </a:rPr>
-              <a:t>)</a:t>
-            </a:r>
-            <a:r>
-              <a:rPr lang="zh-TW" altLang="en-US"/>
-              <a:t>、</a:t>
-            </a:r>
-            <a:r>
-              <a:rPr lang="en-US" altLang="zh-TW">
-                <a:solidFill>
-                  <a:srgbClr val="92D050"/>
-                </a:solidFill>
-              </a:rPr>
-              <a:t>floor(</a:t>
-            </a:r>
-            <a:r>
-              <a:rPr lang="zh-TW" altLang="en-US">
-                <a:solidFill>
-                  <a:srgbClr val="92D050"/>
-                </a:solidFill>
-              </a:rPr>
-              <a:t>向下取整</a:t>
-            </a:r>
-            <a:r>
-              <a:rPr lang="en-US" altLang="zh-TW">
-                <a:solidFill>
-                  <a:srgbClr val="92D050"/>
-                </a:solidFill>
-              </a:rPr>
-              <a:t>)</a:t>
-            </a:r>
-            <a:r>
-              <a:rPr lang="zh-TW" altLang="en-US"/>
-              <a:t>、</a:t>
-            </a:r>
-            <a:r>
-              <a:rPr lang="en-US" altLang="zh-TW">
-                <a:solidFill>
-                  <a:srgbClr val="92D050"/>
-                </a:solidFill>
-              </a:rPr>
-              <a:t>ceil(</a:t>
-            </a:r>
-            <a:r>
-              <a:rPr lang="zh-TW" altLang="en-US">
-                <a:solidFill>
-                  <a:srgbClr val="92D050"/>
-                </a:solidFill>
-              </a:rPr>
-              <a:t>向上取整</a:t>
-            </a:r>
-            <a:r>
-              <a:rPr lang="en-US" altLang="zh-TW">
-                <a:solidFill>
-                  <a:srgbClr val="92D050"/>
-                </a:solidFill>
-              </a:rPr>
-              <a:t>)</a:t>
-            </a:r>
-          </a:p>
-          <a:p>
-            <a:r>
-              <a:rPr lang="zh-TW" altLang="en-US">
-                <a:solidFill>
-                  <a:srgbClr val="00B0F0"/>
-                </a:solidFill>
-              </a:rPr>
-              <a:t>返回值型別</a:t>
-            </a:r>
-            <a:r>
-              <a:rPr lang="zh-TW" altLang="en-US"/>
-              <a:t>皆為 </a:t>
-            </a:r>
-            <a:r>
-              <a:rPr lang="en-US" altLang="zh-TW">
-                <a:solidFill>
-                  <a:srgbClr val="CF8E6D"/>
-                </a:solidFill>
-              </a:rPr>
-              <a:t>double</a:t>
-            </a:r>
-            <a:r>
-              <a:rPr lang="zh-TW" altLang="en-US"/>
-              <a:t>，且皆只有兩個 </a:t>
-            </a:r>
-            <a:r>
-              <a:rPr lang="en-US" altLang="zh-TW">
-                <a:solidFill>
-                  <a:srgbClr val="CF8E6D"/>
-                </a:solidFill>
-              </a:rPr>
-              <a:t>double</a:t>
-            </a:r>
-            <a:r>
-              <a:rPr lang="zh-TW" altLang="en-US"/>
-              <a:t> </a:t>
-            </a:r>
-            <a:r>
-              <a:rPr lang="zh-TW" altLang="en-US">
-                <a:solidFill>
-                  <a:srgbClr val="00B0F0"/>
-                </a:solidFill>
-              </a:rPr>
-              <a:t>參數</a:t>
-            </a:r>
-            <a:r>
-              <a:rPr lang="zh-TW" altLang="en-US"/>
-              <a:t>：</a:t>
-            </a:r>
-            <a:endParaRPr lang="en-US" altLang="zh-TW"/>
-          </a:p>
-          <a:p>
-            <a:r>
-              <a:rPr lang="en-US" altLang="zh-TW">
-                <a:solidFill>
-                  <a:srgbClr val="92D050"/>
-                </a:solidFill>
-              </a:rPr>
-              <a:t>pow(</a:t>
-            </a:r>
-            <a:r>
-              <a:rPr lang="zh-TW" altLang="en-US">
-                <a:solidFill>
-                  <a:srgbClr val="92D050"/>
-                </a:solidFill>
-              </a:rPr>
-              <a:t>指數</a:t>
-            </a:r>
-            <a:r>
-              <a:rPr lang="en-US" altLang="zh-TW">
-                <a:solidFill>
-                  <a:srgbClr val="92D050"/>
-                </a:solidFill>
-              </a:rPr>
-              <a:t>)</a:t>
-            </a:r>
-            <a:r>
-              <a:rPr lang="zh-TW" altLang="en-US"/>
-              <a:t>、</a:t>
-            </a:r>
-            <a:r>
-              <a:rPr lang="en-US" altLang="zh-TW">
-                <a:solidFill>
-                  <a:srgbClr val="92D050"/>
-                </a:solidFill>
-              </a:rPr>
-              <a:t>max(</a:t>
-            </a:r>
-            <a:r>
-              <a:rPr lang="zh-TW" altLang="en-US">
-                <a:solidFill>
-                  <a:srgbClr val="92D050"/>
-                </a:solidFill>
-              </a:rPr>
-              <a:t>取最大</a:t>
-            </a:r>
-            <a:r>
-              <a:rPr lang="en-US" altLang="zh-TW">
-                <a:solidFill>
-                  <a:srgbClr val="92D050"/>
-                </a:solidFill>
-              </a:rPr>
-              <a:t>)</a:t>
-            </a:r>
-            <a:r>
-              <a:rPr lang="zh-TW" altLang="en-US"/>
-              <a:t>、</a:t>
-            </a:r>
-            <a:r>
-              <a:rPr lang="en-US" altLang="zh-TW">
-                <a:solidFill>
-                  <a:srgbClr val="92D050"/>
-                </a:solidFill>
-              </a:rPr>
-              <a:t>min(</a:t>
-            </a:r>
-            <a:r>
-              <a:rPr lang="zh-TW" altLang="en-US">
-                <a:solidFill>
-                  <a:srgbClr val="92D050"/>
-                </a:solidFill>
-              </a:rPr>
-              <a:t>取最小</a:t>
-            </a:r>
-            <a:r>
-              <a:rPr lang="en-US" altLang="zh-TW">
-                <a:solidFill>
-                  <a:srgbClr val="92D050"/>
-                </a:solidFill>
-              </a:rPr>
-              <a:t>)</a:t>
-            </a:r>
-          </a:p>
-          <a:p>
-            <a:r>
-              <a:rPr lang="zh-TW" altLang="en-US"/>
-              <a:t>以及限制數值範圍的</a:t>
-            </a:r>
-            <a:r>
-              <a:rPr lang="zh-TW" altLang="en-US">
-                <a:solidFill>
-                  <a:srgbClr val="00B0F0"/>
-                </a:solidFill>
-              </a:rPr>
-              <a:t>方法</a:t>
-            </a:r>
-            <a:r>
-              <a:rPr lang="zh-TW" altLang="en-US"/>
-              <a:t>，保證</a:t>
-            </a:r>
-            <a:r>
-              <a:rPr lang="zh-TW" altLang="en-US">
-                <a:solidFill>
-                  <a:srgbClr val="00B0F0"/>
-                </a:solidFill>
-              </a:rPr>
-              <a:t> </a:t>
-            </a:r>
-            <a:r>
-              <a:rPr lang="en-US" altLang="zh-TW">
-                <a:solidFill>
-                  <a:srgbClr val="00B0F0"/>
-                </a:solidFill>
-              </a:rPr>
-              <a:t>value </a:t>
-            </a:r>
-            <a:r>
-              <a:rPr lang="zh-TW" altLang="en-US"/>
-              <a:t>不超過 </a:t>
-            </a:r>
-            <a:r>
-              <a:rPr lang="en-US" altLang="zh-TW">
-                <a:solidFill>
-                  <a:srgbClr val="00B0F0"/>
-                </a:solidFill>
-              </a:rPr>
-              <a:t>max </a:t>
-            </a:r>
-            <a:r>
-              <a:rPr lang="zh-TW" altLang="en-US"/>
-              <a:t>或</a:t>
-            </a:r>
-            <a:r>
-              <a:rPr lang="zh-TW" altLang="en-US">
-                <a:solidFill>
-                  <a:srgbClr val="00B0F0"/>
-                </a:solidFill>
-              </a:rPr>
-              <a:t> </a:t>
-            </a:r>
-            <a:r>
-              <a:rPr lang="en-US" altLang="zh-TW">
-                <a:solidFill>
-                  <a:srgbClr val="00B0F0"/>
-                </a:solidFill>
-              </a:rPr>
-              <a:t>min</a:t>
-            </a:r>
-            <a:r>
-              <a:rPr lang="zh-TW" altLang="en-US"/>
-              <a:t>：</a:t>
-            </a:r>
-            <a:endParaRPr lang="fr-FR" altLang="zh-TW"/>
-          </a:p>
-          <a:p>
-            <a:r>
-              <a:rPr lang="fr-FR" altLang="zh-TW">
-                <a:solidFill>
-                  <a:srgbClr val="CF8E6D"/>
-                </a:solidFill>
-              </a:rPr>
-              <a:t>double</a:t>
-            </a:r>
-            <a:r>
-              <a:rPr lang="fr-FR" altLang="zh-TW">
-                <a:solidFill>
-                  <a:srgbClr val="92D050"/>
-                </a:solidFill>
-              </a:rPr>
-              <a:t> clamp</a:t>
-            </a:r>
-            <a:r>
-              <a:rPr lang="fr-FR" altLang="zh-TW">
-                <a:solidFill>
-                  <a:srgbClr val="00B0F0"/>
-                </a:solidFill>
-              </a:rPr>
-              <a:t>(</a:t>
-            </a:r>
-            <a:r>
-              <a:rPr lang="fr-FR" altLang="zh-TW">
-                <a:solidFill>
-                  <a:srgbClr val="CF8E6D"/>
-                </a:solidFill>
-              </a:rPr>
-              <a:t>double</a:t>
-            </a:r>
-            <a:r>
-              <a:rPr lang="fr-FR" altLang="zh-TW">
-                <a:solidFill>
-                  <a:srgbClr val="92D050"/>
-                </a:solidFill>
-              </a:rPr>
-              <a:t> </a:t>
-            </a:r>
-            <a:r>
-              <a:rPr lang="fr-FR" altLang="zh-TW">
-                <a:solidFill>
-                  <a:srgbClr val="00B0F0"/>
-                </a:solidFill>
-              </a:rPr>
-              <a:t>value, </a:t>
-            </a:r>
-            <a:r>
-              <a:rPr lang="fr-FR" altLang="zh-TW">
-                <a:solidFill>
-                  <a:srgbClr val="CF8E6D"/>
-                </a:solidFill>
-              </a:rPr>
-              <a:t>double</a:t>
-            </a:r>
-            <a:r>
-              <a:rPr lang="fr-FR" altLang="zh-TW">
-                <a:solidFill>
-                  <a:srgbClr val="92D050"/>
-                </a:solidFill>
-              </a:rPr>
-              <a:t> </a:t>
-            </a:r>
-            <a:r>
-              <a:rPr lang="fr-FR" altLang="zh-TW">
-                <a:solidFill>
-                  <a:srgbClr val="00B0F0"/>
-                </a:solidFill>
-              </a:rPr>
-              <a:t>min,</a:t>
-            </a:r>
-            <a:r>
-              <a:rPr lang="fr-FR" altLang="zh-TW">
-                <a:solidFill>
-                  <a:srgbClr val="92D050"/>
-                </a:solidFill>
-              </a:rPr>
-              <a:t> </a:t>
-            </a:r>
-            <a:r>
-              <a:rPr lang="fr-FR" altLang="zh-TW">
-                <a:solidFill>
-                  <a:srgbClr val="CF8E6D"/>
-                </a:solidFill>
-              </a:rPr>
-              <a:t>double</a:t>
-            </a:r>
-            <a:r>
-              <a:rPr lang="fr-FR" altLang="zh-TW">
-                <a:solidFill>
-                  <a:srgbClr val="92D050"/>
-                </a:solidFill>
-              </a:rPr>
-              <a:t> </a:t>
-            </a:r>
-            <a:r>
-              <a:rPr lang="fr-FR" altLang="zh-TW">
-                <a:solidFill>
-                  <a:srgbClr val="00B0F0"/>
-                </a:solidFill>
-              </a:rPr>
-              <a:t>max)</a:t>
-            </a:r>
-          </a:p>
-          <a:p>
-            <a:r>
-              <a:rPr lang="zh-TW" altLang="en-US"/>
-              <a:t>該類別也定義了一些數學常數：</a:t>
-            </a:r>
-            <a:endParaRPr lang="en-US" altLang="zh-TW"/>
-          </a:p>
-          <a:p>
-            <a:r>
-              <a:rPr lang="en-US" altLang="zh-TW">
-                <a:solidFill>
-                  <a:srgbClr val="92D050"/>
-                </a:solidFill>
-              </a:rPr>
-              <a:t>PI(3.141...)</a:t>
-            </a:r>
-            <a:r>
-              <a:rPr lang="zh-TW" altLang="en-US"/>
-              <a:t>、</a:t>
-            </a:r>
-            <a:r>
-              <a:rPr lang="en-US" altLang="zh-TW">
-                <a:solidFill>
-                  <a:srgbClr val="92D050"/>
-                </a:solidFill>
-              </a:rPr>
-              <a:t>E(2.718...)</a:t>
-            </a:r>
-            <a:r>
-              <a:rPr lang="zh-TW" altLang="en-US"/>
-              <a:t>、</a:t>
-            </a:r>
-            <a:r>
-              <a:rPr lang="en-US" altLang="zh-TW">
-                <a:solidFill>
-                  <a:srgbClr val="92D050"/>
-                </a:solidFill>
-              </a:rPr>
-              <a:t>TAU(2</a:t>
-            </a:r>
-            <a:r>
-              <a:rPr lang="zh-TW" altLang="en-US">
-                <a:solidFill>
-                  <a:srgbClr val="92D050"/>
-                </a:solidFill>
-              </a:rPr>
-              <a:t>倍</a:t>
-            </a:r>
-            <a:r>
-              <a:rPr lang="en-US" altLang="zh-TW">
-                <a:solidFill>
-                  <a:srgbClr val="92D050"/>
-                </a:solidFill>
-              </a:rPr>
-              <a:t>PI</a:t>
-            </a:r>
-            <a:r>
-              <a:rPr lang="zh-TW" altLang="en-US">
-                <a:solidFill>
-                  <a:srgbClr val="92D050"/>
-                </a:solidFill>
-              </a:rPr>
-              <a:t>，</a:t>
-            </a:r>
-            <a:r>
-              <a:rPr lang="en-US" altLang="zh-TW">
-                <a:solidFill>
-                  <a:srgbClr val="92D050"/>
-                </a:solidFill>
-              </a:rPr>
-              <a:t>6.283...)</a:t>
-            </a:r>
-          </a:p>
-          <a:p>
-            <a:r>
-              <a:rPr lang="zh-TW" altLang="en-US"/>
-              <a:t>以上這些</a:t>
-            </a:r>
-            <a:r>
-              <a:rPr lang="zh-TW" altLang="en-US">
-                <a:solidFill>
-                  <a:srgbClr val="00B0F0"/>
-                </a:solidFill>
-              </a:rPr>
-              <a:t>方法</a:t>
-            </a:r>
-            <a:r>
-              <a:rPr lang="zh-TW" altLang="en-US"/>
-              <a:t>和</a:t>
-            </a:r>
-            <a:r>
-              <a:rPr lang="zh-TW" altLang="en-US">
-                <a:solidFill>
-                  <a:srgbClr val="00B0F0"/>
-                </a:solidFill>
-              </a:rPr>
-              <a:t>欄位</a:t>
-            </a:r>
-            <a:r>
-              <a:rPr lang="zh-TW" altLang="en-US"/>
-              <a:t>，在其他程式語言中也基本上都有提供</a:t>
-            </a:r>
-            <a:endParaRPr lang="fr-FR" altLang="zh-TW"/>
-          </a:p>
-        </p:txBody>
-      </p:sp>
-    </p:spTree>
-    <p:extLst>
-      <p:ext uri="{BB962C8B-B14F-4D97-AF65-F5344CB8AC3E}">
-        <p14:creationId xmlns:p14="http://schemas.microsoft.com/office/powerpoint/2010/main" val="1764439659"/>
       </p:ext>
     </p:extLst>
   </p:cSld>
@@ -19015,6 +20120,641 @@
     <p:extLst>
       <p:ext uri="{BB962C8B-B14F-4D97-AF65-F5344CB8AC3E}">
         <p14:creationId xmlns:p14="http://schemas.microsoft.com/office/powerpoint/2010/main" val="294454275"/>
+      </p:ext>
+    </p:extLst>
+  </p:cSld>
+  <p:clrMapOvr>
+    <a:masterClrMapping/>
+  </p:clrMapOvr>
+  <p:transition spd="slow">
+    <p:push dir="u"/>
+  </p:transition>
+</p:sld>
+</file>
+
+<file path=ppt/slides/slide20.xml><?xml version="1.0" encoding="utf-8"?>
+<p:sld xmlns:a="http://schemas.openxmlformats.org/drawingml/2006/main" xmlns:r="http://schemas.openxmlformats.org/officeDocument/2006/relationships" xmlns:p="http://schemas.openxmlformats.org/presentationml/2006/main">
+  <p:cSld>
+    <p:spTree>
+      <p:nvGrpSpPr>
+        <p:cNvPr id="1" name=""/>
+        <p:cNvGrpSpPr/>
+        <p:nvPr/>
+      </p:nvGrpSpPr>
+      <p:grpSpPr>
+        <a:xfrm>
+          <a:off x="0" y="0"/>
+          <a:ext cx="0" cy="0"/>
+          <a:chOff x="0" y="0"/>
+          <a:chExt cx="0" cy="0"/>
+        </a:xfrm>
+      </p:grpSpPr>
+      <p:sp>
+        <p:nvSpPr>
+          <p:cNvPr id="2" name="標題 1">
+            <a:extLst>
+              <a:ext uri="{FF2B5EF4-FFF2-40B4-BE49-F238E27FC236}">
+                <a16:creationId xmlns:a16="http://schemas.microsoft.com/office/drawing/2014/main" id="{4719A5B4-D40D-422E-B23B-EDE38E50F36F}"/>
+              </a:ext>
+            </a:extLst>
+          </p:cNvPr>
+          <p:cNvSpPr>
+            <a:spLocks noGrp="1"/>
+          </p:cNvSpPr>
+          <p:nvPr>
+            <p:ph type="title"/>
+          </p:nvPr>
+        </p:nvSpPr>
+        <p:spPr/>
+        <p:txBody>
+          <a:bodyPr/>
+          <a:lstStyle/>
+          <a:p>
+            <a:r>
+              <a:rPr lang="zh-TW" altLang="en-US"/>
+              <a:t>數學</a:t>
+            </a:r>
+          </a:p>
+        </p:txBody>
+      </p:sp>
+      <p:sp>
+        <p:nvSpPr>
+          <p:cNvPr id="3" name="內容版面配置區 2">
+            <a:extLst>
+              <a:ext uri="{FF2B5EF4-FFF2-40B4-BE49-F238E27FC236}">
+                <a16:creationId xmlns:a16="http://schemas.microsoft.com/office/drawing/2014/main" id="{DC8DB342-EFC6-4F92-ACCD-F175FF2F1960}"/>
+              </a:ext>
+            </a:extLst>
+          </p:cNvPr>
+          <p:cNvSpPr>
+            <a:spLocks noGrp="1"/>
+          </p:cNvSpPr>
+          <p:nvPr>
+            <p:ph idx="1"/>
+          </p:nvPr>
+        </p:nvSpPr>
+        <p:spPr>
+          <a:xfrm>
+            <a:off x="838200" y="1622424"/>
+            <a:ext cx="10515600" cy="4575176"/>
+          </a:xfrm>
+        </p:spPr>
+        <p:txBody>
+          <a:bodyPr/>
+          <a:lstStyle/>
+          <a:p>
+            <a:r>
+              <a:rPr lang="zh-TW" altLang="en-US">
+                <a:solidFill>
+                  <a:srgbClr val="00B0F0"/>
+                </a:solidFill>
+              </a:rPr>
+              <a:t>返回值型別</a:t>
+            </a:r>
+            <a:r>
+              <a:rPr lang="zh-TW" altLang="en-US"/>
+              <a:t>皆為 </a:t>
+            </a:r>
+            <a:r>
+              <a:rPr lang="en-US" altLang="zh-TW">
+                <a:solidFill>
+                  <a:srgbClr val="CF8E6D"/>
+                </a:solidFill>
+              </a:rPr>
+              <a:t>long</a:t>
+            </a:r>
+            <a:r>
+              <a:rPr lang="zh-TW" altLang="en-US"/>
+              <a:t>，且皆只有一個 </a:t>
+            </a:r>
+            <a:r>
+              <a:rPr lang="en-US" altLang="zh-TW">
+                <a:solidFill>
+                  <a:srgbClr val="CF8E6D"/>
+                </a:solidFill>
+              </a:rPr>
+              <a:t>double</a:t>
+            </a:r>
+            <a:r>
+              <a:rPr lang="zh-TW" altLang="en-US"/>
+              <a:t> </a:t>
+            </a:r>
+            <a:r>
+              <a:rPr lang="zh-TW" altLang="en-US">
+                <a:solidFill>
+                  <a:srgbClr val="00B0F0"/>
+                </a:solidFill>
+              </a:rPr>
+              <a:t>參數</a:t>
+            </a:r>
+            <a:r>
+              <a:rPr lang="zh-TW" altLang="en-US"/>
+              <a:t>：</a:t>
+            </a:r>
+            <a:endParaRPr lang="en-US" altLang="zh-TW"/>
+          </a:p>
+          <a:p>
+            <a:r>
+              <a:rPr lang="en-US" altLang="zh-TW">
+                <a:solidFill>
+                  <a:srgbClr val="92D050"/>
+                </a:solidFill>
+              </a:rPr>
+              <a:t>round(</a:t>
+            </a:r>
+            <a:r>
+              <a:rPr lang="zh-TW" altLang="en-US">
+                <a:solidFill>
+                  <a:srgbClr val="92D050"/>
+                </a:solidFill>
+              </a:rPr>
+              <a:t>四捨五入</a:t>
+            </a:r>
+            <a:r>
+              <a:rPr lang="en-US" altLang="zh-TW">
+                <a:solidFill>
+                  <a:srgbClr val="92D050"/>
+                </a:solidFill>
+              </a:rPr>
+              <a:t>)</a:t>
+            </a:r>
+            <a:r>
+              <a:rPr lang="zh-TW" altLang="en-US"/>
+              <a:t>、</a:t>
+            </a:r>
+            <a:r>
+              <a:rPr lang="en-US" altLang="zh-TW">
+                <a:solidFill>
+                  <a:srgbClr val="92D050"/>
+                </a:solidFill>
+              </a:rPr>
+              <a:t>floor(</a:t>
+            </a:r>
+            <a:r>
+              <a:rPr lang="zh-TW" altLang="en-US">
+                <a:solidFill>
+                  <a:srgbClr val="92D050"/>
+                </a:solidFill>
+              </a:rPr>
+              <a:t>向下取整</a:t>
+            </a:r>
+            <a:r>
+              <a:rPr lang="en-US" altLang="zh-TW">
+                <a:solidFill>
+                  <a:srgbClr val="92D050"/>
+                </a:solidFill>
+              </a:rPr>
+              <a:t>)</a:t>
+            </a:r>
+            <a:r>
+              <a:rPr lang="zh-TW" altLang="en-US"/>
+              <a:t>、</a:t>
+            </a:r>
+            <a:r>
+              <a:rPr lang="en-US" altLang="zh-TW">
+                <a:solidFill>
+                  <a:srgbClr val="92D050"/>
+                </a:solidFill>
+              </a:rPr>
+              <a:t>ceil(</a:t>
+            </a:r>
+            <a:r>
+              <a:rPr lang="zh-TW" altLang="en-US">
+                <a:solidFill>
+                  <a:srgbClr val="92D050"/>
+                </a:solidFill>
+              </a:rPr>
+              <a:t>向上取整</a:t>
+            </a:r>
+            <a:r>
+              <a:rPr lang="en-US" altLang="zh-TW">
+                <a:solidFill>
+                  <a:srgbClr val="92D050"/>
+                </a:solidFill>
+              </a:rPr>
+              <a:t>)</a:t>
+            </a:r>
+          </a:p>
+          <a:p>
+            <a:r>
+              <a:rPr lang="zh-TW" altLang="en-US">
+                <a:solidFill>
+                  <a:srgbClr val="00B0F0"/>
+                </a:solidFill>
+              </a:rPr>
+              <a:t>返回值型別</a:t>
+            </a:r>
+            <a:r>
+              <a:rPr lang="zh-TW" altLang="en-US"/>
+              <a:t>皆為 </a:t>
+            </a:r>
+            <a:r>
+              <a:rPr lang="en-US" altLang="zh-TW">
+                <a:solidFill>
+                  <a:srgbClr val="CF8E6D"/>
+                </a:solidFill>
+              </a:rPr>
+              <a:t>double</a:t>
+            </a:r>
+            <a:r>
+              <a:rPr lang="zh-TW" altLang="en-US"/>
+              <a:t>，且皆只有兩個 </a:t>
+            </a:r>
+            <a:r>
+              <a:rPr lang="en-US" altLang="zh-TW">
+                <a:solidFill>
+                  <a:srgbClr val="CF8E6D"/>
+                </a:solidFill>
+              </a:rPr>
+              <a:t>double</a:t>
+            </a:r>
+            <a:r>
+              <a:rPr lang="zh-TW" altLang="en-US"/>
+              <a:t> </a:t>
+            </a:r>
+            <a:r>
+              <a:rPr lang="zh-TW" altLang="en-US">
+                <a:solidFill>
+                  <a:srgbClr val="00B0F0"/>
+                </a:solidFill>
+              </a:rPr>
+              <a:t>參數</a:t>
+            </a:r>
+            <a:r>
+              <a:rPr lang="zh-TW" altLang="en-US"/>
+              <a:t>：</a:t>
+            </a:r>
+            <a:endParaRPr lang="en-US" altLang="zh-TW"/>
+          </a:p>
+          <a:p>
+            <a:r>
+              <a:rPr lang="en-US" altLang="zh-TW">
+                <a:solidFill>
+                  <a:srgbClr val="92D050"/>
+                </a:solidFill>
+              </a:rPr>
+              <a:t>pow(</a:t>
+            </a:r>
+            <a:r>
+              <a:rPr lang="zh-TW" altLang="en-US">
+                <a:solidFill>
+                  <a:srgbClr val="92D050"/>
+                </a:solidFill>
+              </a:rPr>
+              <a:t>指數</a:t>
+            </a:r>
+            <a:r>
+              <a:rPr lang="en-US" altLang="zh-TW">
+                <a:solidFill>
+                  <a:srgbClr val="92D050"/>
+                </a:solidFill>
+              </a:rPr>
+              <a:t>)</a:t>
+            </a:r>
+            <a:r>
+              <a:rPr lang="zh-TW" altLang="en-US"/>
+              <a:t>、</a:t>
+            </a:r>
+            <a:r>
+              <a:rPr lang="en-US" altLang="zh-TW">
+                <a:solidFill>
+                  <a:srgbClr val="92D050"/>
+                </a:solidFill>
+              </a:rPr>
+              <a:t>max(</a:t>
+            </a:r>
+            <a:r>
+              <a:rPr lang="zh-TW" altLang="en-US">
+                <a:solidFill>
+                  <a:srgbClr val="92D050"/>
+                </a:solidFill>
+              </a:rPr>
+              <a:t>取最大</a:t>
+            </a:r>
+            <a:r>
+              <a:rPr lang="en-US" altLang="zh-TW">
+                <a:solidFill>
+                  <a:srgbClr val="92D050"/>
+                </a:solidFill>
+              </a:rPr>
+              <a:t>)</a:t>
+            </a:r>
+            <a:r>
+              <a:rPr lang="zh-TW" altLang="en-US"/>
+              <a:t>、</a:t>
+            </a:r>
+            <a:r>
+              <a:rPr lang="en-US" altLang="zh-TW">
+                <a:solidFill>
+                  <a:srgbClr val="92D050"/>
+                </a:solidFill>
+              </a:rPr>
+              <a:t>min(</a:t>
+            </a:r>
+            <a:r>
+              <a:rPr lang="zh-TW" altLang="en-US">
+                <a:solidFill>
+                  <a:srgbClr val="92D050"/>
+                </a:solidFill>
+              </a:rPr>
+              <a:t>取最小</a:t>
+            </a:r>
+            <a:r>
+              <a:rPr lang="en-US" altLang="zh-TW">
+                <a:solidFill>
+                  <a:srgbClr val="92D050"/>
+                </a:solidFill>
+              </a:rPr>
+              <a:t>)</a:t>
+            </a:r>
+          </a:p>
+          <a:p>
+            <a:r>
+              <a:rPr lang="zh-TW" altLang="en-US"/>
+              <a:t>以及限制數值範圍的</a:t>
+            </a:r>
+            <a:r>
+              <a:rPr lang="zh-TW" altLang="en-US">
+                <a:solidFill>
+                  <a:srgbClr val="00B0F0"/>
+                </a:solidFill>
+              </a:rPr>
+              <a:t>方法</a:t>
+            </a:r>
+            <a:r>
+              <a:rPr lang="zh-TW" altLang="en-US"/>
+              <a:t>，保證</a:t>
+            </a:r>
+            <a:r>
+              <a:rPr lang="zh-TW" altLang="en-US">
+                <a:solidFill>
+                  <a:srgbClr val="00B0F0"/>
+                </a:solidFill>
+              </a:rPr>
+              <a:t> </a:t>
+            </a:r>
+            <a:r>
+              <a:rPr lang="en-US" altLang="zh-TW">
+                <a:solidFill>
+                  <a:srgbClr val="00B0F0"/>
+                </a:solidFill>
+              </a:rPr>
+              <a:t>value </a:t>
+            </a:r>
+            <a:r>
+              <a:rPr lang="zh-TW" altLang="en-US"/>
+              <a:t>不超過 </a:t>
+            </a:r>
+            <a:r>
+              <a:rPr lang="en-US" altLang="zh-TW">
+                <a:solidFill>
+                  <a:srgbClr val="00B0F0"/>
+                </a:solidFill>
+              </a:rPr>
+              <a:t>max </a:t>
+            </a:r>
+            <a:r>
+              <a:rPr lang="zh-TW" altLang="en-US"/>
+              <a:t>或</a:t>
+            </a:r>
+            <a:r>
+              <a:rPr lang="zh-TW" altLang="en-US">
+                <a:solidFill>
+                  <a:srgbClr val="00B0F0"/>
+                </a:solidFill>
+              </a:rPr>
+              <a:t> </a:t>
+            </a:r>
+            <a:r>
+              <a:rPr lang="en-US" altLang="zh-TW">
+                <a:solidFill>
+                  <a:srgbClr val="00B0F0"/>
+                </a:solidFill>
+              </a:rPr>
+              <a:t>min</a:t>
+            </a:r>
+            <a:r>
+              <a:rPr lang="zh-TW" altLang="en-US"/>
+              <a:t>：</a:t>
+            </a:r>
+            <a:endParaRPr lang="fr-FR" altLang="zh-TW"/>
+          </a:p>
+          <a:p>
+            <a:r>
+              <a:rPr lang="fr-FR" altLang="zh-TW">
+                <a:solidFill>
+                  <a:srgbClr val="CF8E6D"/>
+                </a:solidFill>
+              </a:rPr>
+              <a:t>double</a:t>
+            </a:r>
+            <a:r>
+              <a:rPr lang="fr-FR" altLang="zh-TW">
+                <a:solidFill>
+                  <a:srgbClr val="92D050"/>
+                </a:solidFill>
+              </a:rPr>
+              <a:t> clamp</a:t>
+            </a:r>
+            <a:r>
+              <a:rPr lang="fr-FR" altLang="zh-TW">
+                <a:solidFill>
+                  <a:srgbClr val="00B0F0"/>
+                </a:solidFill>
+              </a:rPr>
+              <a:t>(</a:t>
+            </a:r>
+            <a:r>
+              <a:rPr lang="fr-FR" altLang="zh-TW">
+                <a:solidFill>
+                  <a:srgbClr val="CF8E6D"/>
+                </a:solidFill>
+              </a:rPr>
+              <a:t>double</a:t>
+            </a:r>
+            <a:r>
+              <a:rPr lang="fr-FR" altLang="zh-TW">
+                <a:solidFill>
+                  <a:srgbClr val="92D050"/>
+                </a:solidFill>
+              </a:rPr>
+              <a:t> </a:t>
+            </a:r>
+            <a:r>
+              <a:rPr lang="fr-FR" altLang="zh-TW">
+                <a:solidFill>
+                  <a:srgbClr val="00B0F0"/>
+                </a:solidFill>
+              </a:rPr>
+              <a:t>value, </a:t>
+            </a:r>
+            <a:r>
+              <a:rPr lang="fr-FR" altLang="zh-TW">
+                <a:solidFill>
+                  <a:srgbClr val="CF8E6D"/>
+                </a:solidFill>
+              </a:rPr>
+              <a:t>double</a:t>
+            </a:r>
+            <a:r>
+              <a:rPr lang="fr-FR" altLang="zh-TW">
+                <a:solidFill>
+                  <a:srgbClr val="92D050"/>
+                </a:solidFill>
+              </a:rPr>
+              <a:t> </a:t>
+            </a:r>
+            <a:r>
+              <a:rPr lang="fr-FR" altLang="zh-TW">
+                <a:solidFill>
+                  <a:srgbClr val="00B0F0"/>
+                </a:solidFill>
+              </a:rPr>
+              <a:t>min,</a:t>
+            </a:r>
+            <a:r>
+              <a:rPr lang="fr-FR" altLang="zh-TW">
+                <a:solidFill>
+                  <a:srgbClr val="92D050"/>
+                </a:solidFill>
+              </a:rPr>
+              <a:t> </a:t>
+            </a:r>
+            <a:r>
+              <a:rPr lang="fr-FR" altLang="zh-TW">
+                <a:solidFill>
+                  <a:srgbClr val="CF8E6D"/>
+                </a:solidFill>
+              </a:rPr>
+              <a:t>double</a:t>
+            </a:r>
+            <a:r>
+              <a:rPr lang="fr-FR" altLang="zh-TW">
+                <a:solidFill>
+                  <a:srgbClr val="92D050"/>
+                </a:solidFill>
+              </a:rPr>
+              <a:t> </a:t>
+            </a:r>
+            <a:r>
+              <a:rPr lang="fr-FR" altLang="zh-TW">
+                <a:solidFill>
+                  <a:srgbClr val="00B0F0"/>
+                </a:solidFill>
+              </a:rPr>
+              <a:t>max)</a:t>
+            </a:r>
+          </a:p>
+          <a:p>
+            <a:r>
+              <a:rPr lang="zh-TW" altLang="en-US"/>
+              <a:t>該類別也定義了一些數學常數：</a:t>
+            </a:r>
+            <a:endParaRPr lang="en-US" altLang="zh-TW"/>
+          </a:p>
+          <a:p>
+            <a:r>
+              <a:rPr lang="en-US" altLang="zh-TW">
+                <a:solidFill>
+                  <a:srgbClr val="92D050"/>
+                </a:solidFill>
+              </a:rPr>
+              <a:t>PI(3.141...)</a:t>
+            </a:r>
+            <a:r>
+              <a:rPr lang="zh-TW" altLang="en-US"/>
+              <a:t>、</a:t>
+            </a:r>
+            <a:r>
+              <a:rPr lang="en-US" altLang="zh-TW">
+                <a:solidFill>
+                  <a:srgbClr val="92D050"/>
+                </a:solidFill>
+              </a:rPr>
+              <a:t>E(2.718...)</a:t>
+            </a:r>
+            <a:r>
+              <a:rPr lang="zh-TW" altLang="en-US"/>
+              <a:t>、</a:t>
+            </a:r>
+            <a:r>
+              <a:rPr lang="en-US" altLang="zh-TW">
+                <a:solidFill>
+                  <a:srgbClr val="92D050"/>
+                </a:solidFill>
+              </a:rPr>
+              <a:t>TAU(2</a:t>
+            </a:r>
+            <a:r>
+              <a:rPr lang="zh-TW" altLang="en-US">
+                <a:solidFill>
+                  <a:srgbClr val="92D050"/>
+                </a:solidFill>
+              </a:rPr>
+              <a:t>倍</a:t>
+            </a:r>
+            <a:r>
+              <a:rPr lang="en-US" altLang="zh-TW">
+                <a:solidFill>
+                  <a:srgbClr val="92D050"/>
+                </a:solidFill>
+              </a:rPr>
+              <a:t>PI</a:t>
+            </a:r>
+            <a:r>
+              <a:rPr lang="zh-TW" altLang="en-US">
+                <a:solidFill>
+                  <a:srgbClr val="92D050"/>
+                </a:solidFill>
+              </a:rPr>
+              <a:t>，</a:t>
+            </a:r>
+            <a:r>
+              <a:rPr lang="en-US" altLang="zh-TW">
+                <a:solidFill>
+                  <a:srgbClr val="92D050"/>
+                </a:solidFill>
+              </a:rPr>
+              <a:t>6.283...)</a:t>
+            </a:r>
+          </a:p>
+          <a:p>
+            <a:r>
+              <a:rPr lang="zh-TW" altLang="en-US"/>
+              <a:t>以上這些</a:t>
+            </a:r>
+            <a:r>
+              <a:rPr lang="zh-TW" altLang="en-US">
+                <a:solidFill>
+                  <a:srgbClr val="00B0F0"/>
+                </a:solidFill>
+              </a:rPr>
+              <a:t>方法</a:t>
+            </a:r>
+            <a:r>
+              <a:rPr lang="zh-TW" altLang="en-US"/>
+              <a:t>和</a:t>
+            </a:r>
+            <a:r>
+              <a:rPr lang="zh-TW" altLang="en-US">
+                <a:solidFill>
+                  <a:srgbClr val="00B0F0"/>
+                </a:solidFill>
+              </a:rPr>
+              <a:t>欄位</a:t>
+            </a:r>
+            <a:r>
+              <a:rPr lang="zh-TW" altLang="en-US"/>
+              <a:t>，在其他程式語言中也基本上都有提供</a:t>
+            </a:r>
+            <a:endParaRPr lang="fr-FR" altLang="zh-TW"/>
+          </a:p>
+        </p:txBody>
+      </p:sp>
+    </p:spTree>
+    <p:extLst>
+      <p:ext uri="{BB962C8B-B14F-4D97-AF65-F5344CB8AC3E}">
+        <p14:creationId xmlns:p14="http://schemas.microsoft.com/office/powerpoint/2010/main" val="1764439659"/>
       </p:ext>
     </p:extLst>
   </p:cSld>
@@ -24345,6 +26085,92 @@
           <p:cNvPr id="2" name="標題 1">
             <a:extLst>
               <a:ext uri="{FF2B5EF4-FFF2-40B4-BE49-F238E27FC236}">
+                <a16:creationId xmlns:a16="http://schemas.microsoft.com/office/drawing/2014/main" id="{23F35C5A-168C-46F4-A9F6-5FE0C62DE3FE}"/>
+              </a:ext>
+            </a:extLst>
+          </p:cNvPr>
+          <p:cNvSpPr>
+            <a:spLocks noGrp="1"/>
+          </p:cNvSpPr>
+          <p:nvPr>
+            <p:ph type="title"/>
+          </p:nvPr>
+        </p:nvSpPr>
+        <p:spPr/>
+        <p:txBody>
+          <a:bodyPr/>
+          <a:lstStyle/>
+          <a:p>
+            <a:r>
+              <a:rPr lang="zh-TW" altLang="en-US"/>
+              <a:t>大數</a:t>
+            </a:r>
+          </a:p>
+        </p:txBody>
+      </p:sp>
+      <p:sp>
+        <p:nvSpPr>
+          <p:cNvPr id="3" name="內容版面配置區 2">
+            <a:extLst>
+              <a:ext uri="{FF2B5EF4-FFF2-40B4-BE49-F238E27FC236}">
+                <a16:creationId xmlns:a16="http://schemas.microsoft.com/office/drawing/2014/main" id="{650A794E-D459-4B02-84DD-195FCD8840BE}"/>
+              </a:ext>
+            </a:extLst>
+          </p:cNvPr>
+          <p:cNvSpPr>
+            <a:spLocks noGrp="1"/>
+          </p:cNvSpPr>
+          <p:nvPr>
+            <p:ph idx="1"/>
+          </p:nvPr>
+        </p:nvSpPr>
+        <p:spPr/>
+        <p:txBody>
+          <a:bodyPr/>
+          <a:lstStyle/>
+          <a:p>
+            <a:endParaRPr lang="zh-TW" altLang="en-US"/>
+          </a:p>
+        </p:txBody>
+      </p:sp>
+    </p:spTree>
+    <p:extLst>
+      <p:ext uri="{BB962C8B-B14F-4D97-AF65-F5344CB8AC3E}">
+        <p14:creationId xmlns:p14="http://schemas.microsoft.com/office/powerpoint/2010/main" val="3750251136"/>
+      </p:ext>
+    </p:extLst>
+  </p:cSld>
+  <p:clrMapOvr>
+    <a:masterClrMapping/>
+  </p:clrMapOvr>
+  <p:transition spd="slow">
+    <p:push dir="u"/>
+  </p:transition>
+</p:sld>
+</file>
+
+<file path=ppt/slides/slide7.xml><?xml version="1.0" encoding="utf-8"?>
+<p:sld xmlns:a="http://schemas.openxmlformats.org/drawingml/2006/main" xmlns:r="http://schemas.openxmlformats.org/officeDocument/2006/relationships" xmlns:p="http://schemas.openxmlformats.org/presentationml/2006/main">
+  <p:cSld>
+    <p:spTree>
+      <p:nvGrpSpPr>
+        <p:cNvPr id="1" name=""/>
+        <p:cNvGrpSpPr/>
+        <p:nvPr/>
+      </p:nvGrpSpPr>
+      <p:grpSpPr>
+        <a:xfrm>
+          <a:off x="0" y="0"/>
+          <a:ext cx="0" cy="0"/>
+          <a:chOff x="0" y="0"/>
+          <a:chExt cx="0" cy="0"/>
+        </a:xfrm>
+      </p:grpSpPr>
+      <p:sp>
+        <p:nvSpPr>
+          <p:cNvPr id="2" name="標題 1">
+            <a:extLst>
+              <a:ext uri="{FF2B5EF4-FFF2-40B4-BE49-F238E27FC236}">
                 <a16:creationId xmlns:a16="http://schemas.microsoft.com/office/drawing/2014/main" id="{1793904D-B0D4-4C01-B1F4-E61C392F1554}"/>
               </a:ext>
             </a:extLst>
@@ -25540,7 +27366,7 @@
 </p:sld>
 </file>
 
-<file path=ppt/slides/slide7.xml><?xml version="1.0" encoding="utf-8"?>
+<file path=ppt/slides/slide8.xml><?xml version="1.0" encoding="utf-8"?>
 <p:sld xmlns:a="http://schemas.openxmlformats.org/drawingml/2006/main" xmlns:r="http://schemas.openxmlformats.org/officeDocument/2006/relationships" xmlns:p="http://schemas.openxmlformats.org/presentationml/2006/main">
   <p:cSld>
     <p:spTree>
@@ -27199,7 +29025,7 @@
 </p:sld>
 </file>
 
-<file path=ppt/slides/slide8.xml><?xml version="1.0" encoding="utf-8"?>
+<file path=ppt/slides/slide9.xml><?xml version="1.0" encoding="utf-8"?>
 <p:sld xmlns:a="http://schemas.openxmlformats.org/drawingml/2006/main" xmlns:r="http://schemas.openxmlformats.org/officeDocument/2006/relationships" xmlns:p="http://schemas.openxmlformats.org/presentationml/2006/main">
   <p:cSld>
     <p:spTree>
@@ -31233,1745 +33059,6 @@
 </p:sld>
 </file>
 
-<file path=ppt/slides/slide9.xml><?xml version="1.0" encoding="utf-8"?>
-<p:sld xmlns:a="http://schemas.openxmlformats.org/drawingml/2006/main" xmlns:r="http://schemas.openxmlformats.org/officeDocument/2006/relationships" xmlns:p="http://schemas.openxmlformats.org/presentationml/2006/main">
-  <p:cSld>
-    <p:spTree>
-      <p:nvGrpSpPr>
-        <p:cNvPr id="1" name=""/>
-        <p:cNvGrpSpPr/>
-        <p:nvPr/>
-      </p:nvGrpSpPr>
-      <p:grpSpPr>
-        <a:xfrm>
-          <a:off x="0" y="0"/>
-          <a:ext cx="0" cy="0"/>
-          <a:chOff x="0" y="0"/>
-          <a:chExt cx="0" cy="0"/>
-        </a:xfrm>
-      </p:grpSpPr>
-      <p:grpSp>
-        <p:nvGrpSpPr>
-          <p:cNvPr id="15" name="群組 14">
-            <a:extLst>
-              <a:ext uri="{FF2B5EF4-FFF2-40B4-BE49-F238E27FC236}">
-                <a16:creationId xmlns:a16="http://schemas.microsoft.com/office/drawing/2014/main" id="{44A0A8C2-306E-4C8E-958A-E5B2901093AA}"/>
-              </a:ext>
-            </a:extLst>
-          </p:cNvPr>
-          <p:cNvGrpSpPr/>
-          <p:nvPr/>
-        </p:nvGrpSpPr>
-        <p:grpSpPr>
-          <a:xfrm>
-            <a:off x="838200" y="4325997"/>
-            <a:ext cx="6189519" cy="2062103"/>
-            <a:chOff x="838200" y="4325997"/>
-            <a:chExt cx="6189519" cy="2062103"/>
-          </a:xfrm>
-        </p:grpSpPr>
-        <p:sp>
-          <p:nvSpPr>
-            <p:cNvPr id="4" name="Rectangle 1">
-              <a:extLst>
-                <a:ext uri="{FF2B5EF4-FFF2-40B4-BE49-F238E27FC236}">
-                  <a16:creationId xmlns:a16="http://schemas.microsoft.com/office/drawing/2014/main" id="{B0592D20-F867-4F33-B6DA-7DFDB48ACF65}"/>
-                </a:ext>
-              </a:extLst>
-            </p:cNvPr>
-            <p:cNvSpPr>
-              <a:spLocks noChangeArrowheads="1"/>
-            </p:cNvSpPr>
-            <p:nvPr/>
-          </p:nvSpPr>
-          <p:spPr bwMode="auto">
-            <a:xfrm>
-              <a:off x="838200" y="4325997"/>
-              <a:ext cx="6189519" cy="2062103"/>
-            </a:xfrm>
-            <a:prstGeom prst="rect">
-              <a:avLst/>
-            </a:prstGeom>
-            <a:solidFill>
-              <a:srgbClr val="1E1F22"/>
-            </a:solidFill>
-            <a:ln>
-              <a:noFill/>
-            </a:ln>
-            <a:effectLst/>
-            <a:extLst>
-              <a:ext uri="{91240B29-F687-4F45-9708-019B960494DF}">
-                <a14:hiddenLine xmlns:a14="http://schemas.microsoft.com/office/drawing/2010/main" w="9525">
-                  <a:solidFill>
-                    <a:schemeClr val="tx1"/>
-                  </a:solidFill>
-                  <a:miter lim="800000"/>
-                  <a:headEnd/>
-                  <a:tailEnd/>
-                </a14:hiddenLine>
-              </a:ext>
-              <a:ext uri="{AF507438-7753-43E0-B8FC-AC1667EBCBE1}">
-                <a14:hiddenEffects xmlns:a14="http://schemas.microsoft.com/office/drawing/2010/main">
-                  <a:effectLst>
-                    <a:outerShdw dist="35921" dir="2700000" algn="ctr" rotWithShape="0">
-                      <a:schemeClr val="bg2"/>
-                    </a:outerShdw>
-                  </a:effectLst>
-                </a14:hiddenEffects>
-              </a:ext>
-            </a:extLst>
-          </p:spPr>
-          <p:txBody>
-            <a:bodyPr vert="horz" wrap="square" lIns="91440" tIns="45720" rIns="91440" bIns="45720" numCol="1" anchor="ctr" anchorCtr="0" compatLnSpc="1">
-              <a:prstTxWarp prst="textNoShape">
-                <a:avLst/>
-              </a:prstTxWarp>
-              <a:spAutoFit/>
-            </a:bodyPr>
-            <a:lstStyle/>
-            <a:p>
-              <a:pPr marL="0" marR="0" lvl="0" indent="0" algn="l" defTabSz="914400" rtl="0" eaLnBrk="0" fontAlgn="base" latinLnBrk="0" hangingPunct="0">
-                <a:lnSpc>
-                  <a:spcPct val="100000"/>
-                </a:lnSpc>
-                <a:spcBef>
-                  <a:spcPct val="0"/>
-                </a:spcBef>
-                <a:spcAft>
-                  <a:spcPct val="0"/>
-                </a:spcAft>
-                <a:buClrTx/>
-                <a:buSzTx/>
-                <a:buFontTx/>
-                <a:buNone/>
-                <a:tabLst/>
-              </a:pPr>
-              <a:r>
-                <a:rPr kumimoji="0" lang="zh-TW" altLang="zh-TW" sz="1600" b="0" i="0" u="none" strike="noStrike" cap="none" normalizeH="0" baseline="0">
-                  <a:ln>
-                    <a:noFill/>
-                  </a:ln>
-                  <a:solidFill>
-                    <a:srgbClr val="CF8E6D"/>
-                  </a:solidFill>
-                  <a:effectLst/>
-                  <a:latin typeface="+mj-lt"/>
-                  <a:cs typeface="JetBrains Mono" panose="02000009000000000000" pitchFamily="49" charset="0"/>
-                </a:rPr>
-                <a:t>public class </a:t>
-              </a:r>
-              <a:r>
-                <a:rPr kumimoji="0" lang="zh-TW" altLang="zh-TW" sz="1600" b="0" i="0" u="none" strike="noStrike" cap="none" normalizeH="0" baseline="0">
-                  <a:ln>
-                    <a:noFill/>
-                  </a:ln>
-                  <a:solidFill>
-                    <a:srgbClr val="BCBEC4"/>
-                  </a:solidFill>
-                  <a:effectLst/>
-                  <a:latin typeface="+mj-lt"/>
-                  <a:cs typeface="JetBrains Mono" panose="02000009000000000000" pitchFamily="49" charset="0"/>
-                </a:rPr>
-                <a:t>Main3 {</a:t>
-              </a:r>
-              <a:br>
-                <a:rPr kumimoji="0" lang="zh-TW" altLang="zh-TW" sz="1600" b="0" i="0" u="none" strike="noStrike" cap="none" normalizeH="0" baseline="0">
-                  <a:ln>
-                    <a:noFill/>
-                  </a:ln>
-                  <a:solidFill>
-                    <a:srgbClr val="BCBEC4"/>
-                  </a:solidFill>
-                  <a:effectLst/>
-                  <a:latin typeface="+mj-lt"/>
-                  <a:cs typeface="JetBrains Mono" panose="02000009000000000000" pitchFamily="49" charset="0"/>
-                </a:rPr>
-              </a:br>
-              <a:r>
-                <a:rPr kumimoji="0" lang="zh-TW" altLang="zh-TW" sz="1600" b="0" i="0" u="none" strike="noStrike" cap="none" normalizeH="0" baseline="0">
-                  <a:ln>
-                    <a:noFill/>
-                  </a:ln>
-                  <a:solidFill>
-                    <a:srgbClr val="BCBEC4"/>
-                  </a:solidFill>
-                  <a:effectLst/>
-                  <a:latin typeface="+mj-lt"/>
-                  <a:cs typeface="JetBrains Mono" panose="02000009000000000000" pitchFamily="49" charset="0"/>
-                </a:rPr>
-                <a:t>    </a:t>
-              </a:r>
-              <a:r>
-                <a:rPr kumimoji="0" lang="zh-TW" altLang="zh-TW" sz="1600" b="0" i="0" u="none" strike="noStrike" cap="none" normalizeH="0" baseline="0">
-                  <a:ln>
-                    <a:noFill/>
-                  </a:ln>
-                  <a:solidFill>
-                    <a:srgbClr val="CF8E6D"/>
-                  </a:solidFill>
-                  <a:effectLst/>
-                  <a:latin typeface="+mj-lt"/>
-                  <a:cs typeface="JetBrains Mono" panose="02000009000000000000" pitchFamily="49" charset="0"/>
-                </a:rPr>
-                <a:t>public static void </a:t>
-              </a:r>
-              <a:r>
-                <a:rPr kumimoji="0" lang="zh-TW" altLang="zh-TW" sz="1600" b="0" i="0" u="none" strike="noStrike" cap="none" normalizeH="0" baseline="0">
-                  <a:ln>
-                    <a:noFill/>
-                  </a:ln>
-                  <a:solidFill>
-                    <a:srgbClr val="56A8F5"/>
-                  </a:solidFill>
-                  <a:effectLst/>
-                  <a:latin typeface="+mj-lt"/>
-                  <a:cs typeface="JetBrains Mono" panose="02000009000000000000" pitchFamily="49" charset="0"/>
-                </a:rPr>
-                <a:t>main</a:t>
-              </a:r>
-              <a:r>
-                <a:rPr kumimoji="0" lang="zh-TW" altLang="zh-TW" sz="1600" b="0" i="0" u="none" strike="noStrike" cap="none" normalizeH="0" baseline="0">
-                  <a:ln>
-                    <a:noFill/>
-                  </a:ln>
-                  <a:solidFill>
-                    <a:srgbClr val="BCBEC4"/>
-                  </a:solidFill>
-                  <a:effectLst/>
-                  <a:latin typeface="+mj-lt"/>
-                  <a:cs typeface="JetBrains Mono" panose="02000009000000000000" pitchFamily="49" charset="0"/>
-                </a:rPr>
-                <a:t>(String[] args) {</a:t>
-              </a:r>
-              <a:br>
-                <a:rPr kumimoji="0" lang="zh-TW" altLang="zh-TW" sz="1600" b="0" i="0" u="none" strike="noStrike" cap="none" normalizeH="0" baseline="0">
-                  <a:ln>
-                    <a:noFill/>
-                  </a:ln>
-                  <a:solidFill>
-                    <a:srgbClr val="BCBEC4"/>
-                  </a:solidFill>
-                  <a:effectLst/>
-                  <a:latin typeface="+mj-lt"/>
-                  <a:cs typeface="JetBrains Mono" panose="02000009000000000000" pitchFamily="49" charset="0"/>
-                </a:rPr>
-              </a:br>
-              <a:r>
-                <a:rPr kumimoji="0" lang="zh-TW" altLang="zh-TW" sz="1600" b="0" i="0" u="none" strike="noStrike" cap="none" normalizeH="0" baseline="0">
-                  <a:ln>
-                    <a:noFill/>
-                  </a:ln>
-                  <a:solidFill>
-                    <a:srgbClr val="BCBEC4"/>
-                  </a:solidFill>
-                  <a:effectLst/>
-                  <a:latin typeface="+mj-lt"/>
-                  <a:cs typeface="JetBrains Mono" panose="02000009000000000000" pitchFamily="49" charset="0"/>
-                </a:rPr>
-                <a:t>        </a:t>
-              </a:r>
-              <a:r>
-                <a:rPr kumimoji="0" lang="zh-TW" altLang="zh-TW" sz="1600" b="0" i="0" u="none" strike="noStrike" cap="none" normalizeH="0" baseline="0">
-                  <a:ln>
-                    <a:noFill/>
-                  </a:ln>
-                  <a:solidFill>
-                    <a:srgbClr val="CF8E6D"/>
-                  </a:solidFill>
-                  <a:effectLst/>
-                  <a:latin typeface="+mj-lt"/>
-                  <a:cs typeface="JetBrains Mono" panose="02000009000000000000" pitchFamily="49" charset="0"/>
-                </a:rPr>
-                <a:t>int</a:t>
-              </a:r>
-              <a:r>
-                <a:rPr kumimoji="0" lang="zh-TW" altLang="zh-TW" sz="1600" b="0" i="0" u="none" strike="noStrike" cap="none" normalizeH="0" baseline="0">
-                  <a:ln>
-                    <a:noFill/>
-                  </a:ln>
-                  <a:solidFill>
-                    <a:srgbClr val="BCBEC4"/>
-                  </a:solidFill>
-                  <a:effectLst/>
-                  <a:latin typeface="+mj-lt"/>
-                  <a:cs typeface="JetBrains Mono" panose="02000009000000000000" pitchFamily="49" charset="0"/>
-                </a:rPr>
-                <a:t>[] arr = {</a:t>
-              </a:r>
-              <a:r>
-                <a:rPr kumimoji="0" lang="zh-TW" altLang="zh-TW" sz="1600" b="0" i="0" u="none" strike="noStrike" cap="none" normalizeH="0" baseline="0">
-                  <a:ln>
-                    <a:noFill/>
-                  </a:ln>
-                  <a:solidFill>
-                    <a:srgbClr val="2AACB8"/>
-                  </a:solidFill>
-                  <a:effectLst/>
-                  <a:latin typeface="+mj-lt"/>
-                  <a:cs typeface="JetBrains Mono" panose="02000009000000000000" pitchFamily="49" charset="0"/>
-                </a:rPr>
-                <a:t>6</a:t>
-              </a:r>
-              <a:r>
-                <a:rPr kumimoji="0" lang="zh-TW" altLang="zh-TW" sz="1600" b="0" i="0" u="none" strike="noStrike" cap="none" normalizeH="0" baseline="0">
-                  <a:ln>
-                    <a:noFill/>
-                  </a:ln>
-                  <a:solidFill>
-                    <a:srgbClr val="BCBEC4"/>
-                  </a:solidFill>
-                  <a:effectLst/>
-                  <a:latin typeface="+mj-lt"/>
-                  <a:cs typeface="JetBrains Mono" panose="02000009000000000000" pitchFamily="49" charset="0"/>
-                </a:rPr>
-                <a:t>, </a:t>
-              </a:r>
-              <a:r>
-                <a:rPr kumimoji="0" lang="zh-TW" altLang="zh-TW" sz="1600" b="0" i="0" u="none" strike="noStrike" cap="none" normalizeH="0" baseline="0">
-                  <a:ln>
-                    <a:noFill/>
-                  </a:ln>
-                  <a:solidFill>
-                    <a:srgbClr val="2AACB8"/>
-                  </a:solidFill>
-                  <a:effectLst/>
-                  <a:latin typeface="+mj-lt"/>
-                  <a:cs typeface="JetBrains Mono" panose="02000009000000000000" pitchFamily="49" charset="0"/>
-                </a:rPr>
-                <a:t>4</a:t>
-              </a:r>
-              <a:r>
-                <a:rPr kumimoji="0" lang="zh-TW" altLang="zh-TW" sz="1600" b="0" i="0" u="none" strike="noStrike" cap="none" normalizeH="0" baseline="0">
-                  <a:ln>
-                    <a:noFill/>
-                  </a:ln>
-                  <a:solidFill>
-                    <a:srgbClr val="BCBEC4"/>
-                  </a:solidFill>
-                  <a:effectLst/>
-                  <a:latin typeface="+mj-lt"/>
-                  <a:cs typeface="JetBrains Mono" panose="02000009000000000000" pitchFamily="49" charset="0"/>
-                </a:rPr>
-                <a:t>, </a:t>
-              </a:r>
-              <a:r>
-                <a:rPr kumimoji="0" lang="zh-TW" altLang="zh-TW" sz="1600" b="0" i="0" u="none" strike="noStrike" cap="none" normalizeH="0" baseline="0">
-                  <a:ln>
-                    <a:noFill/>
-                  </a:ln>
-                  <a:solidFill>
-                    <a:srgbClr val="2AACB8"/>
-                  </a:solidFill>
-                  <a:effectLst/>
-                  <a:latin typeface="+mj-lt"/>
-                  <a:cs typeface="JetBrains Mono" panose="02000009000000000000" pitchFamily="49" charset="0"/>
-                </a:rPr>
-                <a:t>5</a:t>
-              </a:r>
-              <a:r>
-                <a:rPr kumimoji="0" lang="zh-TW" altLang="zh-TW" sz="1600" b="0" i="0" u="none" strike="noStrike" cap="none" normalizeH="0" baseline="0">
-                  <a:ln>
-                    <a:noFill/>
-                  </a:ln>
-                  <a:solidFill>
-                    <a:srgbClr val="BCBEC4"/>
-                  </a:solidFill>
-                  <a:effectLst/>
-                  <a:latin typeface="+mj-lt"/>
-                  <a:cs typeface="JetBrains Mono" panose="02000009000000000000" pitchFamily="49" charset="0"/>
-                </a:rPr>
-                <a:t>, </a:t>
-              </a:r>
-              <a:r>
-                <a:rPr kumimoji="0" lang="zh-TW" altLang="zh-TW" sz="1600" b="0" i="0" u="none" strike="noStrike" cap="none" normalizeH="0" baseline="0">
-                  <a:ln>
-                    <a:noFill/>
-                  </a:ln>
-                  <a:solidFill>
-                    <a:srgbClr val="2AACB8"/>
-                  </a:solidFill>
-                  <a:effectLst/>
-                  <a:latin typeface="+mj-lt"/>
-                  <a:cs typeface="JetBrains Mono" panose="02000009000000000000" pitchFamily="49" charset="0"/>
-                </a:rPr>
-                <a:t>7</a:t>
-              </a:r>
-              <a:r>
-                <a:rPr kumimoji="0" lang="zh-TW" altLang="zh-TW" sz="1600" b="0" i="0" u="none" strike="noStrike" cap="none" normalizeH="0" baseline="0">
-                  <a:ln>
-                    <a:noFill/>
-                  </a:ln>
-                  <a:solidFill>
-                    <a:srgbClr val="BCBEC4"/>
-                  </a:solidFill>
-                  <a:effectLst/>
-                  <a:latin typeface="+mj-lt"/>
-                  <a:cs typeface="JetBrains Mono" panose="02000009000000000000" pitchFamily="49" charset="0"/>
-                </a:rPr>
-                <a:t>, </a:t>
-              </a:r>
-              <a:r>
-                <a:rPr kumimoji="0" lang="zh-TW" altLang="zh-TW" sz="1600" b="0" i="0" u="none" strike="noStrike" cap="none" normalizeH="0" baseline="0">
-                  <a:ln>
-                    <a:noFill/>
-                  </a:ln>
-                  <a:solidFill>
-                    <a:srgbClr val="2AACB8"/>
-                  </a:solidFill>
-                  <a:effectLst/>
-                  <a:latin typeface="+mj-lt"/>
-                  <a:cs typeface="JetBrains Mono" panose="02000009000000000000" pitchFamily="49" charset="0"/>
-                </a:rPr>
-                <a:t>2</a:t>
-              </a:r>
-              <a:r>
-                <a:rPr kumimoji="0" lang="zh-TW" altLang="zh-TW" sz="1600" b="0" i="0" u="none" strike="noStrike" cap="none" normalizeH="0" baseline="0">
-                  <a:ln>
-                    <a:noFill/>
-                  </a:ln>
-                  <a:solidFill>
-                    <a:srgbClr val="BCBEC4"/>
-                  </a:solidFill>
-                  <a:effectLst/>
-                  <a:latin typeface="+mj-lt"/>
-                  <a:cs typeface="JetBrains Mono" panose="02000009000000000000" pitchFamily="49" charset="0"/>
-                </a:rPr>
-                <a:t>, </a:t>
-              </a:r>
-              <a:r>
-                <a:rPr kumimoji="0" lang="zh-TW" altLang="zh-TW" sz="1600" b="0" i="0" u="none" strike="noStrike" cap="none" normalizeH="0" baseline="0">
-                  <a:ln>
-                    <a:noFill/>
-                  </a:ln>
-                  <a:solidFill>
-                    <a:srgbClr val="2AACB8"/>
-                  </a:solidFill>
-                  <a:effectLst/>
-                  <a:latin typeface="+mj-lt"/>
-                  <a:cs typeface="JetBrains Mono" panose="02000009000000000000" pitchFamily="49" charset="0"/>
-                </a:rPr>
-                <a:t>9</a:t>
-              </a:r>
-              <a:r>
-                <a:rPr kumimoji="0" lang="zh-TW" altLang="zh-TW" sz="1600" b="0" i="0" u="none" strike="noStrike" cap="none" normalizeH="0" baseline="0">
-                  <a:ln>
-                    <a:noFill/>
-                  </a:ln>
-                  <a:solidFill>
-                    <a:srgbClr val="BCBEC4"/>
-                  </a:solidFill>
-                  <a:effectLst/>
-                  <a:latin typeface="+mj-lt"/>
-                  <a:cs typeface="JetBrains Mono" panose="02000009000000000000" pitchFamily="49" charset="0"/>
-                </a:rPr>
-                <a:t>};</a:t>
-              </a:r>
-              <a:br>
-                <a:rPr kumimoji="0" lang="zh-TW" altLang="zh-TW" sz="1600" b="0" i="0" u="none" strike="noStrike" cap="none" normalizeH="0" baseline="0">
-                  <a:ln>
-                    <a:noFill/>
-                  </a:ln>
-                  <a:solidFill>
-                    <a:srgbClr val="BCBEC4"/>
-                  </a:solidFill>
-                  <a:effectLst/>
-                  <a:latin typeface="+mj-lt"/>
-                  <a:cs typeface="JetBrains Mono" panose="02000009000000000000" pitchFamily="49" charset="0"/>
-                </a:rPr>
-              </a:br>
-              <a:r>
-                <a:rPr kumimoji="0" lang="zh-TW" altLang="zh-TW" sz="1600" b="0" i="0" u="none" strike="noStrike" cap="none" normalizeH="0" baseline="0">
-                  <a:ln>
-                    <a:noFill/>
-                  </a:ln>
-                  <a:solidFill>
-                    <a:srgbClr val="BCBEC4"/>
-                  </a:solidFill>
-                  <a:effectLst/>
-                  <a:latin typeface="+mj-lt"/>
-                  <a:cs typeface="JetBrains Mono" panose="02000009000000000000" pitchFamily="49" charset="0"/>
-                </a:rPr>
-                <a:t>        </a:t>
-              </a:r>
-              <a:r>
-                <a:rPr kumimoji="0" lang="zh-TW" altLang="zh-TW" sz="1600" b="0" i="0" u="none" strike="noStrike" cap="none" normalizeH="0" baseline="0">
-                  <a:ln>
-                    <a:noFill/>
-                  </a:ln>
-                  <a:solidFill>
-                    <a:srgbClr val="CF8E6D"/>
-                  </a:solidFill>
-                  <a:effectLst/>
-                  <a:latin typeface="+mj-lt"/>
-                  <a:cs typeface="JetBrains Mono" panose="02000009000000000000" pitchFamily="49" charset="0"/>
-                </a:rPr>
-                <a:t>for </a:t>
-              </a:r>
-              <a:r>
-                <a:rPr kumimoji="0" lang="zh-TW" altLang="zh-TW" sz="1600" b="0" i="0" u="none" strike="noStrike" cap="none" normalizeH="0" baseline="0">
-                  <a:ln>
-                    <a:noFill/>
-                  </a:ln>
-                  <a:solidFill>
-                    <a:srgbClr val="BCBEC4"/>
-                  </a:solidFill>
-                  <a:effectLst/>
-                  <a:latin typeface="+mj-lt"/>
-                  <a:cs typeface="JetBrains Mono" panose="02000009000000000000" pitchFamily="49" charset="0"/>
-                </a:rPr>
-                <a:t>(</a:t>
-              </a:r>
-              <a:r>
-                <a:rPr kumimoji="0" lang="zh-TW" altLang="zh-TW" sz="1600" b="0" i="0" u="none" strike="noStrike" cap="none" normalizeH="0" baseline="0">
-                  <a:ln>
-                    <a:noFill/>
-                  </a:ln>
-                  <a:solidFill>
-                    <a:srgbClr val="CF8E6D"/>
-                  </a:solidFill>
-                  <a:effectLst/>
-                  <a:latin typeface="+mj-lt"/>
-                  <a:cs typeface="JetBrains Mono" panose="02000009000000000000" pitchFamily="49" charset="0"/>
-                </a:rPr>
-                <a:t>int </a:t>
-              </a:r>
-              <a:r>
-                <a:rPr kumimoji="0" lang="zh-TW" altLang="zh-TW" sz="1600" b="0" i="0" u="none" strike="noStrike" cap="none" normalizeH="0" baseline="0">
-                  <a:ln>
-                    <a:noFill/>
-                  </a:ln>
-                  <a:solidFill>
-                    <a:srgbClr val="BCBEC4"/>
-                  </a:solidFill>
-                  <a:effectLst/>
-                  <a:latin typeface="+mj-lt"/>
-                  <a:cs typeface="JetBrains Mono" panose="02000009000000000000" pitchFamily="49" charset="0"/>
-                </a:rPr>
-                <a:t>e : arr) {</a:t>
-              </a:r>
-              <a:br>
-                <a:rPr kumimoji="0" lang="zh-TW" altLang="zh-TW" sz="1600" b="0" i="0" u="none" strike="noStrike" cap="none" normalizeH="0" baseline="0">
-                  <a:ln>
-                    <a:noFill/>
-                  </a:ln>
-                  <a:solidFill>
-                    <a:srgbClr val="BCBEC4"/>
-                  </a:solidFill>
-                  <a:effectLst/>
-                  <a:latin typeface="+mj-lt"/>
-                  <a:cs typeface="JetBrains Mono" panose="02000009000000000000" pitchFamily="49" charset="0"/>
-                </a:rPr>
-              </a:br>
-              <a:r>
-                <a:rPr kumimoji="0" lang="zh-TW" altLang="zh-TW" sz="1600" b="0" i="0" u="none" strike="noStrike" cap="none" normalizeH="0" baseline="0">
-                  <a:ln>
-                    <a:noFill/>
-                  </a:ln>
-                  <a:solidFill>
-                    <a:srgbClr val="BCBEC4"/>
-                  </a:solidFill>
-                  <a:effectLst/>
-                  <a:latin typeface="+mj-lt"/>
-                  <a:cs typeface="JetBrains Mono" panose="02000009000000000000" pitchFamily="49" charset="0"/>
-                </a:rPr>
-                <a:t>            System.</a:t>
-              </a:r>
-              <a:r>
-                <a:rPr kumimoji="0" lang="zh-TW" altLang="zh-TW" sz="1600" b="0" i="1" u="none" strike="noStrike" cap="none" normalizeH="0" baseline="0">
-                  <a:ln>
-                    <a:noFill/>
-                  </a:ln>
-                  <a:solidFill>
-                    <a:srgbClr val="C77DBB"/>
-                  </a:solidFill>
-                  <a:effectLst/>
-                  <a:latin typeface="+mj-lt"/>
-                  <a:cs typeface="JetBrains Mono" panose="02000009000000000000" pitchFamily="49" charset="0"/>
-                </a:rPr>
-                <a:t>out</a:t>
-              </a:r>
-              <a:r>
-                <a:rPr kumimoji="0" lang="zh-TW" altLang="zh-TW" sz="1600" b="0" i="0" u="none" strike="noStrike" cap="none" normalizeH="0" baseline="0">
-                  <a:ln>
-                    <a:noFill/>
-                  </a:ln>
-                  <a:solidFill>
-                    <a:srgbClr val="BCBEC4"/>
-                  </a:solidFill>
-                  <a:effectLst/>
-                  <a:latin typeface="+mj-lt"/>
-                  <a:cs typeface="JetBrains Mono" panose="02000009000000000000" pitchFamily="49" charset="0"/>
-                </a:rPr>
-                <a:t>.print(e + </a:t>
-              </a:r>
-              <a:r>
-                <a:rPr kumimoji="0" lang="zh-TW" altLang="zh-TW" sz="1600" b="0" i="0" u="none" strike="noStrike" cap="none" normalizeH="0" baseline="0">
-                  <a:ln>
-                    <a:noFill/>
-                  </a:ln>
-                  <a:solidFill>
-                    <a:srgbClr val="6AAB73"/>
-                  </a:solidFill>
-                  <a:effectLst/>
-                  <a:latin typeface="+mj-lt"/>
-                  <a:cs typeface="JetBrains Mono" panose="02000009000000000000" pitchFamily="49" charset="0"/>
-                </a:rPr>
-                <a:t>" "</a:t>
-              </a:r>
-              <a:r>
-                <a:rPr kumimoji="0" lang="zh-TW" altLang="zh-TW" sz="1600" b="0" i="0" u="none" strike="noStrike" cap="none" normalizeH="0" baseline="0">
-                  <a:ln>
-                    <a:noFill/>
-                  </a:ln>
-                  <a:solidFill>
-                    <a:srgbClr val="BCBEC4"/>
-                  </a:solidFill>
-                  <a:effectLst/>
-                  <a:latin typeface="+mj-lt"/>
-                  <a:cs typeface="JetBrains Mono" panose="02000009000000000000" pitchFamily="49" charset="0"/>
-                </a:rPr>
-                <a:t>);</a:t>
-              </a:r>
-              <a:br>
-                <a:rPr kumimoji="0" lang="zh-TW" altLang="zh-TW" sz="1600" b="0" i="0" u="none" strike="noStrike" cap="none" normalizeH="0" baseline="0">
-                  <a:ln>
-                    <a:noFill/>
-                  </a:ln>
-                  <a:solidFill>
-                    <a:srgbClr val="BCBEC4"/>
-                  </a:solidFill>
-                  <a:effectLst/>
-                  <a:latin typeface="+mj-lt"/>
-                  <a:cs typeface="JetBrains Mono" panose="02000009000000000000" pitchFamily="49" charset="0"/>
-                </a:rPr>
-              </a:br>
-              <a:r>
-                <a:rPr kumimoji="0" lang="zh-TW" altLang="zh-TW" sz="1600" b="0" i="0" u="none" strike="noStrike" cap="none" normalizeH="0" baseline="0">
-                  <a:ln>
-                    <a:noFill/>
-                  </a:ln>
-                  <a:solidFill>
-                    <a:srgbClr val="BCBEC4"/>
-                  </a:solidFill>
-                  <a:effectLst/>
-                  <a:latin typeface="+mj-lt"/>
-                  <a:cs typeface="JetBrains Mono" panose="02000009000000000000" pitchFamily="49" charset="0"/>
-                </a:rPr>
-                <a:t>        }</a:t>
-              </a:r>
-              <a:br>
-                <a:rPr kumimoji="0" lang="zh-TW" altLang="zh-TW" sz="1600" b="0" i="0" u="none" strike="noStrike" cap="none" normalizeH="0" baseline="0">
-                  <a:ln>
-                    <a:noFill/>
-                  </a:ln>
-                  <a:solidFill>
-                    <a:srgbClr val="BCBEC4"/>
-                  </a:solidFill>
-                  <a:effectLst/>
-                  <a:latin typeface="+mj-lt"/>
-                  <a:cs typeface="JetBrains Mono" panose="02000009000000000000" pitchFamily="49" charset="0"/>
-                </a:rPr>
-              </a:br>
-              <a:r>
-                <a:rPr kumimoji="0" lang="zh-TW" altLang="zh-TW" sz="1600" b="0" i="0" u="none" strike="noStrike" cap="none" normalizeH="0" baseline="0">
-                  <a:ln>
-                    <a:noFill/>
-                  </a:ln>
-                  <a:solidFill>
-                    <a:srgbClr val="BCBEC4"/>
-                  </a:solidFill>
-                  <a:effectLst/>
-                  <a:latin typeface="+mj-lt"/>
-                  <a:cs typeface="JetBrains Mono" panose="02000009000000000000" pitchFamily="49" charset="0"/>
-                </a:rPr>
-                <a:t>    }</a:t>
-              </a:r>
-              <a:br>
-                <a:rPr kumimoji="0" lang="zh-TW" altLang="zh-TW" sz="1600" b="0" i="0" u="none" strike="noStrike" cap="none" normalizeH="0" baseline="0">
-                  <a:ln>
-                    <a:noFill/>
-                  </a:ln>
-                  <a:solidFill>
-                    <a:srgbClr val="BCBEC4"/>
-                  </a:solidFill>
-                  <a:effectLst/>
-                  <a:latin typeface="+mj-lt"/>
-                  <a:cs typeface="JetBrains Mono" panose="02000009000000000000" pitchFamily="49" charset="0"/>
-                </a:rPr>
-              </a:br>
-              <a:r>
-                <a:rPr kumimoji="0" lang="zh-TW" altLang="zh-TW" sz="1600" b="0" i="0" u="none" strike="noStrike" cap="none" normalizeH="0" baseline="0">
-                  <a:ln>
-                    <a:noFill/>
-                  </a:ln>
-                  <a:solidFill>
-                    <a:srgbClr val="BCBEC4"/>
-                  </a:solidFill>
-                  <a:effectLst/>
-                  <a:latin typeface="+mj-lt"/>
-                  <a:cs typeface="JetBrains Mono" panose="02000009000000000000" pitchFamily="49" charset="0"/>
-                </a:rPr>
-                <a:t>}</a:t>
-              </a:r>
-              <a:endParaRPr kumimoji="0" lang="zh-TW" altLang="zh-TW" sz="2800" b="0" i="0" u="none" strike="noStrike" cap="none" normalizeH="0" baseline="0">
-                <a:ln>
-                  <a:noFill/>
-                </a:ln>
-                <a:solidFill>
-                  <a:schemeClr val="tx1"/>
-                </a:solidFill>
-                <a:effectLst/>
-                <a:latin typeface="+mj-lt"/>
-              </a:endParaRPr>
-            </a:p>
-          </p:txBody>
-        </p:sp>
-        <p:sp>
-          <p:nvSpPr>
-            <p:cNvPr id="7" name="文字方塊 6">
-              <a:extLst>
-                <a:ext uri="{FF2B5EF4-FFF2-40B4-BE49-F238E27FC236}">
-                  <a16:creationId xmlns:a16="http://schemas.microsoft.com/office/drawing/2014/main" id="{974AD89D-FF28-4181-B8CF-71FC6DEA7AF7}"/>
-                </a:ext>
-              </a:extLst>
-            </p:cNvPr>
-            <p:cNvSpPr txBox="1"/>
-            <p:nvPr/>
-          </p:nvSpPr>
-          <p:spPr>
-            <a:xfrm>
-              <a:off x="6336504" y="6018768"/>
-              <a:ext cx="691215" cy="369332"/>
-            </a:xfrm>
-            <a:prstGeom prst="rect">
-              <a:avLst/>
-            </a:prstGeom>
-            <a:noFill/>
-          </p:spPr>
-          <p:txBody>
-            <a:bodyPr wrap="none" rtlCol="0">
-              <a:spAutoFit/>
-            </a:bodyPr>
-            <a:lstStyle/>
-            <a:p>
-              <a:r>
-                <a:rPr lang="en-US" altLang="zh-TW">
-                  <a:solidFill>
-                    <a:schemeClr val="accent3"/>
-                  </a:solidFill>
-                </a:rPr>
-                <a:t>java</a:t>
-              </a:r>
-              <a:endParaRPr lang="zh-TW" altLang="en-US">
-                <a:solidFill>
-                  <a:schemeClr val="accent3"/>
-                </a:solidFill>
-              </a:endParaRPr>
-            </a:p>
-          </p:txBody>
-        </p:sp>
-        <p:pic>
-          <p:nvPicPr>
-            <p:cNvPr id="14" name="圖片 13">
-              <a:hlinkClick r:id="rId2"/>
-              <a:extLst>
-                <a:ext uri="{FF2B5EF4-FFF2-40B4-BE49-F238E27FC236}">
-                  <a16:creationId xmlns:a16="http://schemas.microsoft.com/office/drawing/2014/main" id="{A85B0069-19C9-4FBB-A463-06A5E9E50A1E}"/>
-                </a:ext>
-              </a:extLst>
-            </p:cNvPr>
-            <p:cNvPicPr>
-              <a:picLocks noChangeAspect="1"/>
-            </p:cNvPicPr>
-            <p:nvPr/>
-          </p:nvPicPr>
-          <p:blipFill>
-            <a:blip r:embed="rId3">
-              <a:extLst>
-                <a:ext uri="{28A0092B-C50C-407E-A947-70E740481C1C}">
-                  <a14:useLocalDpi xmlns:a14="http://schemas.microsoft.com/office/drawing/2010/main" val="0"/>
-                </a:ext>
-              </a:extLst>
-            </a:blip>
-            <a:stretch>
-              <a:fillRect/>
-            </a:stretch>
-          </p:blipFill>
-          <p:spPr>
-            <a:xfrm>
-              <a:off x="6488819" y="4328382"/>
-              <a:ext cx="538900" cy="527184"/>
-            </a:xfrm>
-            <a:prstGeom prst="rect">
-              <a:avLst/>
-            </a:prstGeom>
-          </p:spPr>
-        </p:pic>
-      </p:grpSp>
-      <p:sp>
-        <p:nvSpPr>
-          <p:cNvPr id="2" name="標題 1">
-            <a:extLst>
-              <a:ext uri="{FF2B5EF4-FFF2-40B4-BE49-F238E27FC236}">
-                <a16:creationId xmlns:a16="http://schemas.microsoft.com/office/drawing/2014/main" id="{A4E252C7-16D2-40FE-A0E9-9CB0766F8729}"/>
-              </a:ext>
-            </a:extLst>
-          </p:cNvPr>
-          <p:cNvSpPr>
-            <a:spLocks noGrp="1"/>
-          </p:cNvSpPr>
-          <p:nvPr>
-            <p:ph type="title"/>
-          </p:nvPr>
-        </p:nvSpPr>
-        <p:spPr/>
-        <p:txBody>
-          <a:bodyPr/>
-          <a:lstStyle/>
-          <a:p>
-            <a:r>
-              <a:rPr lang="en-US" altLang="zh-TW"/>
-              <a:t>for-each</a:t>
-            </a:r>
-            <a:endParaRPr lang="zh-TW" altLang="en-US"/>
-          </a:p>
-        </p:txBody>
-      </p:sp>
-      <p:sp>
-        <p:nvSpPr>
-          <p:cNvPr id="3" name="內容版面配置區 2">
-            <a:extLst>
-              <a:ext uri="{FF2B5EF4-FFF2-40B4-BE49-F238E27FC236}">
-                <a16:creationId xmlns:a16="http://schemas.microsoft.com/office/drawing/2014/main" id="{2DC259F5-78E3-456A-A104-56FEBD65D0BC}"/>
-              </a:ext>
-            </a:extLst>
-          </p:cNvPr>
-          <p:cNvSpPr>
-            <a:spLocks noGrp="1"/>
-          </p:cNvSpPr>
-          <p:nvPr>
-            <p:ph idx="1"/>
-          </p:nvPr>
-        </p:nvSpPr>
-        <p:spPr>
-          <a:xfrm>
-            <a:off x="838200" y="1585913"/>
-            <a:ext cx="10515600" cy="1010186"/>
-          </a:xfrm>
-        </p:spPr>
-        <p:txBody>
-          <a:bodyPr/>
-          <a:lstStyle/>
-          <a:p>
-            <a:r>
-              <a:rPr lang="zh-TW" altLang="en-US">
-                <a:latin typeface="+mj-lt"/>
-              </a:rPr>
-              <a:t>每次</a:t>
-            </a:r>
-            <a:r>
-              <a:rPr lang="zh-TW" altLang="en-US">
-                <a:solidFill>
-                  <a:srgbClr val="00B0F0"/>
-                </a:solidFill>
-                <a:latin typeface="+mj-lt"/>
-              </a:rPr>
-              <a:t>迭代</a:t>
-            </a:r>
-            <a:r>
-              <a:rPr lang="en-US" altLang="zh-TW">
-                <a:solidFill>
-                  <a:srgbClr val="00B0F0"/>
-                </a:solidFill>
-                <a:latin typeface="+mj-lt"/>
-              </a:rPr>
-              <a:t>(iteration)</a:t>
-            </a:r>
-            <a:r>
-              <a:rPr lang="zh-TW" altLang="en-US">
-                <a:solidFill>
-                  <a:srgbClr val="00B0F0"/>
-                </a:solidFill>
-                <a:latin typeface="+mj-lt"/>
-              </a:rPr>
-              <a:t>陣列</a:t>
-            </a:r>
-            <a:r>
-              <a:rPr lang="zh-TW" altLang="en-US">
-                <a:latin typeface="+mj-lt"/>
-              </a:rPr>
-              <a:t>都寫這麼長一個 </a:t>
-            </a:r>
-            <a:r>
-              <a:rPr lang="en-US" altLang="zh-TW">
-                <a:solidFill>
-                  <a:srgbClr val="CF8E6D"/>
-                </a:solidFill>
-                <a:latin typeface="+mj-lt"/>
-              </a:rPr>
-              <a:t>for</a:t>
-            </a:r>
-            <a:r>
-              <a:rPr lang="en-US" altLang="zh-TW">
-                <a:latin typeface="+mj-lt"/>
-              </a:rPr>
-              <a:t> </a:t>
-            </a:r>
-            <a:r>
-              <a:rPr lang="zh-TW" altLang="en-US">
-                <a:solidFill>
-                  <a:srgbClr val="00B0F0"/>
-                </a:solidFill>
-                <a:latin typeface="+mj-lt"/>
-              </a:rPr>
-              <a:t>迴圈</a:t>
-            </a:r>
-            <a:r>
-              <a:rPr lang="zh-TW" altLang="en-US">
-                <a:latin typeface="+mj-lt"/>
-              </a:rPr>
-              <a:t>，實在不便</a:t>
-            </a:r>
-            <a:endParaRPr lang="en-US" altLang="zh-TW">
-              <a:latin typeface="+mj-lt"/>
-            </a:endParaRPr>
-          </a:p>
-          <a:p>
-            <a:r>
-              <a:rPr lang="zh-TW" altLang="en-US">
-                <a:latin typeface="+mj-lt"/>
-              </a:rPr>
-              <a:t>所以可以使用「</a:t>
-            </a:r>
-            <a:r>
-              <a:rPr lang="en-US" altLang="zh-TW">
-                <a:solidFill>
-                  <a:srgbClr val="00B0F0"/>
-                </a:solidFill>
-                <a:latin typeface="+mj-lt"/>
-              </a:rPr>
-              <a:t>for-each</a:t>
-            </a:r>
-            <a:r>
-              <a:rPr lang="zh-TW" altLang="en-US">
-                <a:latin typeface="+mj-lt"/>
-              </a:rPr>
-              <a:t>」來避免寫這麼長的 </a:t>
-            </a:r>
-            <a:r>
-              <a:rPr lang="en-US" altLang="zh-TW">
-                <a:solidFill>
-                  <a:srgbClr val="CF8E6D"/>
-                </a:solidFill>
-                <a:latin typeface="+mj-lt"/>
-              </a:rPr>
-              <a:t>for</a:t>
-            </a:r>
-            <a:r>
-              <a:rPr lang="en-US" altLang="zh-TW">
-                <a:solidFill>
-                  <a:srgbClr val="00B0F0"/>
-                </a:solidFill>
-                <a:latin typeface="+mj-lt"/>
-              </a:rPr>
-              <a:t> </a:t>
-            </a:r>
-            <a:r>
-              <a:rPr lang="zh-TW" altLang="en-US">
-                <a:solidFill>
-                  <a:srgbClr val="00B0F0"/>
-                </a:solidFill>
-                <a:latin typeface="+mj-lt"/>
-              </a:rPr>
-              <a:t>迴圈</a:t>
-            </a:r>
-          </a:p>
-        </p:txBody>
-      </p:sp>
-      <p:sp>
-        <p:nvSpPr>
-          <p:cNvPr id="6" name="內容版面配置區 2">
-            <a:extLst>
-              <a:ext uri="{FF2B5EF4-FFF2-40B4-BE49-F238E27FC236}">
-                <a16:creationId xmlns:a16="http://schemas.microsoft.com/office/drawing/2014/main" id="{B55F031B-028A-48C6-A537-5371770ED454}"/>
-              </a:ext>
-            </a:extLst>
-          </p:cNvPr>
-          <p:cNvSpPr txBox="1">
-            <a:spLocks/>
-          </p:cNvSpPr>
-          <p:nvPr/>
-        </p:nvSpPr>
-        <p:spPr>
-          <a:xfrm>
-            <a:off x="838200" y="3844053"/>
-            <a:ext cx="10515600" cy="529569"/>
-          </a:xfrm>
-          <a:prstGeom prst="rect">
-            <a:avLst/>
-          </a:prstGeom>
-        </p:spPr>
-        <p:txBody>
-          <a:bodyPr vert="horz" lIns="91440" tIns="45720" rIns="91440" bIns="45720" rtlCol="0">
-            <a:normAutofit/>
-          </a:bodyPr>
-          <a:lstStyle>
-            <a:lvl1pPr marL="0" indent="0" algn="l" defTabSz="914400" rtl="0" eaLnBrk="1" latinLnBrk="0" hangingPunct="1">
-              <a:lnSpc>
-                <a:spcPct val="90000"/>
-              </a:lnSpc>
-              <a:spcBef>
-                <a:spcPts val="1000"/>
-              </a:spcBef>
-              <a:buFont typeface="Arial" panose="020B0604020202020204" pitchFamily="34" charset="0"/>
-              <a:buNone/>
-              <a:defRPr sz="2800" kern="1200">
-                <a:solidFill>
-                  <a:schemeClr val="tx1"/>
-                </a:solidFill>
-                <a:latin typeface="+mn-lt"/>
-                <a:ea typeface="+mn-ea"/>
-                <a:cs typeface="+mn-cs"/>
-              </a:defRPr>
-            </a:lvl1pPr>
-            <a:lvl2pPr marL="457200" indent="0" algn="l" defTabSz="914400" rtl="0" eaLnBrk="1" latinLnBrk="0" hangingPunct="1">
-              <a:lnSpc>
-                <a:spcPct val="90000"/>
-              </a:lnSpc>
-              <a:spcBef>
-                <a:spcPts val="500"/>
-              </a:spcBef>
-              <a:buFont typeface="Arial" panose="020B0604020202020204" pitchFamily="34" charset="0"/>
-              <a:buNone/>
-              <a:defRPr sz="2400" kern="1200">
-                <a:solidFill>
-                  <a:schemeClr val="tx1"/>
-                </a:solidFill>
-                <a:latin typeface="+mn-lt"/>
-                <a:ea typeface="+mn-ea"/>
-                <a:cs typeface="+mn-cs"/>
-              </a:defRPr>
-            </a:lvl2pPr>
-            <a:lvl3pPr marL="914400" indent="0" algn="l" defTabSz="914400" rtl="0" eaLnBrk="1" latinLnBrk="0" hangingPunct="1">
-              <a:lnSpc>
-                <a:spcPct val="90000"/>
-              </a:lnSpc>
-              <a:spcBef>
-                <a:spcPts val="500"/>
-              </a:spcBef>
-              <a:buFont typeface="Arial" panose="020B0604020202020204" pitchFamily="34" charset="0"/>
-              <a:buNone/>
-              <a:defRPr sz="2000" kern="1200">
-                <a:solidFill>
-                  <a:schemeClr val="tx1"/>
-                </a:solidFill>
-                <a:latin typeface="+mn-lt"/>
-                <a:ea typeface="+mn-ea"/>
-                <a:cs typeface="+mn-cs"/>
-              </a:defRPr>
-            </a:lvl3pPr>
-            <a:lvl4pPr marL="1371600" indent="0" algn="l" defTabSz="914400" rtl="0" eaLnBrk="1" latinLnBrk="0" hangingPunct="1">
-              <a:lnSpc>
-                <a:spcPct val="90000"/>
-              </a:lnSpc>
-              <a:spcBef>
-                <a:spcPts val="500"/>
-              </a:spcBef>
-              <a:buFont typeface="Arial" panose="020B0604020202020204" pitchFamily="34" charset="0"/>
-              <a:buNone/>
-              <a:defRPr sz="1800" kern="1200">
-                <a:solidFill>
-                  <a:schemeClr val="tx1"/>
-                </a:solidFill>
-                <a:latin typeface="+mn-lt"/>
-                <a:ea typeface="+mn-ea"/>
-                <a:cs typeface="+mn-cs"/>
-              </a:defRPr>
-            </a:lvl4pPr>
-            <a:lvl5pPr marL="1828800" indent="0" algn="l" defTabSz="914400" rtl="0" eaLnBrk="1" latinLnBrk="0" hangingPunct="1">
-              <a:lnSpc>
-                <a:spcPct val="90000"/>
-              </a:lnSpc>
-              <a:spcBef>
-                <a:spcPts val="500"/>
-              </a:spcBef>
-              <a:buFont typeface="Arial" panose="020B0604020202020204" pitchFamily="34" charset="0"/>
-              <a:buNone/>
-              <a:defRPr sz="1800" kern="1200">
-                <a:solidFill>
-                  <a:schemeClr val="tx1"/>
-                </a:solidFill>
-                <a:latin typeface="+mn-lt"/>
-                <a:ea typeface="+mn-ea"/>
-                <a:cs typeface="+mn-cs"/>
-              </a:defRPr>
-            </a:lvl5pPr>
-            <a:lvl6pPr marL="2514600" indent="-228600" algn="l" defTabSz="914400" rtl="0" eaLnBrk="1" latinLnBrk="0" hangingPunct="1">
-              <a:lnSpc>
-                <a:spcPct val="90000"/>
-              </a:lnSpc>
-              <a:spcBef>
-                <a:spcPts val="500"/>
-              </a:spcBef>
-              <a:buFont typeface="Arial" panose="020B0604020202020204" pitchFamily="34" charset="0"/>
-              <a:buChar char="•"/>
-              <a:defRPr sz="1800" kern="1200">
-                <a:solidFill>
-                  <a:schemeClr val="tx1"/>
-                </a:solidFill>
-                <a:latin typeface="+mn-lt"/>
-                <a:ea typeface="+mn-ea"/>
-                <a:cs typeface="+mn-cs"/>
-              </a:defRPr>
-            </a:lvl6pPr>
-            <a:lvl7pPr marL="2971800" indent="-228600" algn="l" defTabSz="914400" rtl="0" eaLnBrk="1" latinLnBrk="0" hangingPunct="1">
-              <a:lnSpc>
-                <a:spcPct val="90000"/>
-              </a:lnSpc>
-              <a:spcBef>
-                <a:spcPts val="500"/>
-              </a:spcBef>
-              <a:buFont typeface="Arial" panose="020B0604020202020204" pitchFamily="34" charset="0"/>
-              <a:buChar char="•"/>
-              <a:defRPr sz="1800" kern="1200">
-                <a:solidFill>
-                  <a:schemeClr val="tx1"/>
-                </a:solidFill>
-                <a:latin typeface="+mn-lt"/>
-                <a:ea typeface="+mn-ea"/>
-                <a:cs typeface="+mn-cs"/>
-              </a:defRPr>
-            </a:lvl7pPr>
-            <a:lvl8pPr marL="3429000" indent="-228600" algn="l" defTabSz="914400" rtl="0" eaLnBrk="1" latinLnBrk="0" hangingPunct="1">
-              <a:lnSpc>
-                <a:spcPct val="90000"/>
-              </a:lnSpc>
-              <a:spcBef>
-                <a:spcPts val="500"/>
-              </a:spcBef>
-              <a:buFont typeface="Arial" panose="020B0604020202020204" pitchFamily="34" charset="0"/>
-              <a:buChar char="•"/>
-              <a:defRPr sz="1800" kern="1200">
-                <a:solidFill>
-                  <a:schemeClr val="tx1"/>
-                </a:solidFill>
-                <a:latin typeface="+mn-lt"/>
-                <a:ea typeface="+mn-ea"/>
-                <a:cs typeface="+mn-cs"/>
-              </a:defRPr>
-            </a:lvl8pPr>
-            <a:lvl9pPr marL="3886200" indent="-228600" algn="l" defTabSz="914400" rtl="0" eaLnBrk="1" latinLnBrk="0" hangingPunct="1">
-              <a:lnSpc>
-                <a:spcPct val="90000"/>
-              </a:lnSpc>
-              <a:spcBef>
-                <a:spcPts val="500"/>
-              </a:spcBef>
-              <a:buFont typeface="Arial" panose="020B0604020202020204" pitchFamily="34" charset="0"/>
-              <a:buChar char="•"/>
-              <a:defRPr sz="1800" kern="1200">
-                <a:solidFill>
-                  <a:schemeClr val="tx1"/>
-                </a:solidFill>
-                <a:latin typeface="+mn-lt"/>
-                <a:ea typeface="+mn-ea"/>
-                <a:cs typeface="+mn-cs"/>
-              </a:defRPr>
-            </a:lvl9pPr>
-          </a:lstStyle>
-          <a:p>
-            <a:r>
-              <a:rPr lang="zh-TW" altLang="en-US">
-                <a:latin typeface="+mj-lt"/>
-              </a:rPr>
-              <a:t>其中</a:t>
-            </a:r>
-            <a:r>
-              <a:rPr lang="zh-TW" altLang="en-US">
-                <a:solidFill>
-                  <a:srgbClr val="FFC000"/>
-                </a:solidFill>
-                <a:latin typeface="+mj-lt"/>
-              </a:rPr>
-              <a:t>變數</a:t>
-            </a:r>
-            <a:r>
-              <a:rPr lang="zh-TW" altLang="en-US">
-                <a:latin typeface="+mj-lt"/>
-              </a:rPr>
-              <a:t>會在每次循環依序變為</a:t>
-            </a:r>
-            <a:r>
-              <a:rPr lang="zh-TW" altLang="en-US">
-                <a:solidFill>
-                  <a:srgbClr val="00B0F0"/>
-                </a:solidFill>
-                <a:latin typeface="+mj-lt"/>
-              </a:rPr>
-              <a:t>陣列</a:t>
-            </a:r>
-            <a:r>
-              <a:rPr lang="zh-TW" altLang="en-US">
-                <a:latin typeface="+mj-lt"/>
-              </a:rPr>
-              <a:t>中的</a:t>
-            </a:r>
-            <a:r>
-              <a:rPr lang="zh-TW" altLang="en-US">
-                <a:solidFill>
-                  <a:srgbClr val="00B0F0"/>
-                </a:solidFill>
-                <a:latin typeface="+mj-lt"/>
-              </a:rPr>
-              <a:t>元素</a:t>
-            </a:r>
-          </a:p>
-        </p:txBody>
-      </p:sp>
-      <p:grpSp>
-        <p:nvGrpSpPr>
-          <p:cNvPr id="10" name="群組 9">
-            <a:extLst>
-              <a:ext uri="{FF2B5EF4-FFF2-40B4-BE49-F238E27FC236}">
-                <a16:creationId xmlns:a16="http://schemas.microsoft.com/office/drawing/2014/main" id="{6E68A203-3ECB-40BD-B493-98EA031301F9}"/>
-              </a:ext>
-            </a:extLst>
-          </p:cNvPr>
-          <p:cNvGrpSpPr/>
-          <p:nvPr/>
-        </p:nvGrpSpPr>
-        <p:grpSpPr>
-          <a:xfrm>
-            <a:off x="838199" y="2596099"/>
-            <a:ext cx="10515599" cy="1200329"/>
-            <a:chOff x="838199" y="2700874"/>
-            <a:chExt cx="10515599" cy="1200329"/>
-          </a:xfrm>
-        </p:grpSpPr>
-        <p:sp>
-          <p:nvSpPr>
-            <p:cNvPr id="5" name="Rectangle 2">
-              <a:extLst>
-                <a:ext uri="{FF2B5EF4-FFF2-40B4-BE49-F238E27FC236}">
-                  <a16:creationId xmlns:a16="http://schemas.microsoft.com/office/drawing/2014/main" id="{ACECFFDE-6585-4C2F-9DE4-3402E21A6200}"/>
-                </a:ext>
-              </a:extLst>
-            </p:cNvPr>
-            <p:cNvSpPr>
-              <a:spLocks noChangeArrowheads="1"/>
-            </p:cNvSpPr>
-            <p:nvPr/>
-          </p:nvSpPr>
-          <p:spPr bwMode="auto">
-            <a:xfrm>
-              <a:off x="838199" y="2700874"/>
-              <a:ext cx="10515599" cy="1200329"/>
-            </a:xfrm>
-            <a:prstGeom prst="rect">
-              <a:avLst/>
-            </a:prstGeom>
-            <a:solidFill>
-              <a:srgbClr val="1E1F22"/>
-            </a:solidFill>
-            <a:ln>
-              <a:noFill/>
-            </a:ln>
-            <a:effectLst/>
-            <a:extLst>
-              <a:ext uri="{91240B29-F687-4F45-9708-019B960494DF}">
-                <a14:hiddenLine xmlns:a14="http://schemas.microsoft.com/office/drawing/2010/main" w="9525">
-                  <a:solidFill>
-                    <a:schemeClr val="tx1"/>
-                  </a:solidFill>
-                  <a:miter lim="800000"/>
-                  <a:headEnd/>
-                  <a:tailEnd/>
-                </a14:hiddenLine>
-              </a:ext>
-              <a:ext uri="{AF507438-7753-43E0-B8FC-AC1667EBCBE1}">
-                <a14:hiddenEffects xmlns:a14="http://schemas.microsoft.com/office/drawing/2010/main">
-                  <a:effectLst>
-                    <a:outerShdw dist="35921" dir="2700000" algn="ctr" rotWithShape="0">
-                      <a:schemeClr val="bg2"/>
-                    </a:outerShdw>
-                  </a:effectLst>
-                </a14:hiddenEffects>
-              </a:ext>
-            </a:extLst>
-          </p:spPr>
-          <p:txBody>
-            <a:bodyPr vert="horz" wrap="square" lIns="91440" tIns="45720" rIns="91440" bIns="45720" numCol="1" anchor="ctr" anchorCtr="0" compatLnSpc="1">
-              <a:prstTxWarp prst="textNoShape">
-                <a:avLst/>
-              </a:prstTxWarp>
-              <a:spAutoFit/>
-            </a:bodyPr>
-            <a:lstStyle/>
-            <a:p>
-              <a:pPr marL="0" marR="0" lvl="0" indent="0" algn="l" defTabSz="914400" rtl="0" eaLnBrk="0" fontAlgn="base" latinLnBrk="0" hangingPunct="0">
-                <a:lnSpc>
-                  <a:spcPct val="100000"/>
-                </a:lnSpc>
-                <a:spcBef>
-                  <a:spcPct val="0"/>
-                </a:spcBef>
-                <a:spcAft>
-                  <a:spcPct val="0"/>
-                </a:spcAft>
-                <a:buClrTx/>
-                <a:buSzTx/>
-                <a:buFontTx/>
-                <a:buNone/>
-                <a:tabLst/>
-              </a:pPr>
-              <a:r>
-                <a:rPr kumimoji="0" lang="zh-TW" altLang="zh-TW" sz="2400" b="0" i="0" u="none" strike="noStrike" cap="none" normalizeH="0" baseline="0">
-                  <a:ln>
-                    <a:noFill/>
-                  </a:ln>
-                  <a:solidFill>
-                    <a:srgbClr val="CF8E6D"/>
-                  </a:solidFill>
-                  <a:effectLst/>
-                  <a:latin typeface="+mj-lt"/>
-                  <a:cs typeface="JetBrains Mono" panose="02000009000000000000" pitchFamily="49" charset="0"/>
-                </a:rPr>
-                <a:t>for </a:t>
-              </a:r>
-              <a:r>
-                <a:rPr kumimoji="0" lang="zh-TW" altLang="zh-TW" sz="2400" b="0" i="0" u="none" strike="noStrike" cap="none" normalizeH="0" baseline="0">
-                  <a:ln>
-                    <a:noFill/>
-                  </a:ln>
-                  <a:solidFill>
-                    <a:srgbClr val="BCBEC4"/>
-                  </a:solidFill>
-                  <a:effectLst/>
-                  <a:latin typeface="+mj-lt"/>
-                  <a:cs typeface="JetBrains Mono" panose="02000009000000000000" pitchFamily="49" charset="0"/>
-                </a:rPr>
-                <a:t>(</a:t>
-              </a:r>
-              <a:r>
-                <a:rPr lang="zh-TW" altLang="en-US" sz="2400">
-                  <a:solidFill>
-                    <a:srgbClr val="92D050"/>
-                  </a:solidFill>
-                  <a:latin typeface="+mj-lt"/>
-                  <a:ea typeface="微軟正黑體" panose="020B0604030504040204" pitchFamily="34" charset="-120"/>
-                  <a:cs typeface="JetBrains Mono" panose="02000009000000000000" pitchFamily="49" charset="0"/>
-                </a:rPr>
-                <a:t>陣列</a:t>
-              </a:r>
-              <a:r>
-                <a:rPr kumimoji="0" lang="zh-TW" altLang="zh-TW" sz="2400" b="0" i="0" u="none" strike="noStrike" cap="none" normalizeH="0" baseline="0">
-                  <a:ln>
-                    <a:noFill/>
-                  </a:ln>
-                  <a:solidFill>
-                    <a:srgbClr val="92D050"/>
-                  </a:solidFill>
-                  <a:effectLst/>
-                  <a:latin typeface="+mj-lt"/>
-                  <a:ea typeface="微軟正黑體" panose="020B0604030504040204" pitchFamily="34" charset="-120"/>
-                  <a:cs typeface="JetBrains Mono" panose="02000009000000000000" pitchFamily="49" charset="0"/>
-                </a:rPr>
-                <a:t>元素型別 </a:t>
-              </a:r>
-              <a:r>
-                <a:rPr kumimoji="0" lang="zh-TW" altLang="zh-TW" sz="2400" b="0" i="0" u="none" strike="noStrike" cap="none" normalizeH="0" baseline="0">
-                  <a:ln>
-                    <a:noFill/>
-                  </a:ln>
-                  <a:solidFill>
-                    <a:srgbClr val="FFC000"/>
-                  </a:solidFill>
-                  <a:effectLst/>
-                  <a:latin typeface="+mj-lt"/>
-                  <a:ea typeface="微軟正黑體" panose="020B0604030504040204" pitchFamily="34" charset="-120"/>
-                  <a:cs typeface="JetBrains Mono" panose="02000009000000000000" pitchFamily="49" charset="0"/>
-                </a:rPr>
-                <a:t>變數</a:t>
-              </a:r>
-              <a:r>
-                <a:rPr kumimoji="0" lang="zh-TW" altLang="zh-TW" sz="2400" b="0" i="0" u="none" strike="noStrike" cap="none" normalizeH="0" baseline="0">
-                  <a:ln>
-                    <a:noFill/>
-                  </a:ln>
-                  <a:solidFill>
-                    <a:srgbClr val="BCBEC4"/>
-                  </a:solidFill>
-                  <a:effectLst/>
-                  <a:latin typeface="+mj-lt"/>
-                  <a:ea typeface="微軟正黑體" panose="020B0604030504040204" pitchFamily="34" charset="-120"/>
-                  <a:cs typeface="JetBrains Mono" panose="02000009000000000000" pitchFamily="49" charset="0"/>
-                </a:rPr>
-                <a:t> </a:t>
-              </a:r>
-              <a:r>
-                <a:rPr kumimoji="0" lang="zh-TW" altLang="zh-TW" sz="2400" b="0" i="0" u="none" strike="noStrike" cap="none" normalizeH="0" baseline="0">
-                  <a:ln>
-                    <a:noFill/>
-                  </a:ln>
-                  <a:solidFill>
-                    <a:srgbClr val="BCBEC4"/>
-                  </a:solidFill>
-                  <a:effectLst/>
-                  <a:latin typeface="+mj-lt"/>
-                  <a:cs typeface="JetBrains Mono" panose="02000009000000000000" pitchFamily="49" charset="0"/>
-                </a:rPr>
-                <a:t>: </a:t>
-              </a:r>
-              <a:r>
-                <a:rPr kumimoji="0" lang="zh-TW" altLang="zh-TW" sz="2400" b="0" i="0" u="none" strike="noStrike" cap="none" normalizeH="0" baseline="0">
-                  <a:ln>
-                    <a:noFill/>
-                  </a:ln>
-                  <a:solidFill>
-                    <a:srgbClr val="00B0F0"/>
-                  </a:solidFill>
-                  <a:effectLst/>
-                  <a:latin typeface="+mj-lt"/>
-                  <a:ea typeface="微軟正黑體" panose="020B0604030504040204" pitchFamily="34" charset="-120"/>
-                  <a:cs typeface="JetBrains Mono" panose="02000009000000000000" pitchFamily="49" charset="0"/>
-                </a:rPr>
-                <a:t>陣列</a:t>
-              </a:r>
-              <a:r>
-                <a:rPr kumimoji="0" lang="zh-TW" altLang="zh-TW" sz="2400" b="0" i="0" u="none" strike="noStrike" cap="none" normalizeH="0" baseline="0">
-                  <a:ln>
-                    <a:noFill/>
-                  </a:ln>
-                  <a:solidFill>
-                    <a:srgbClr val="BCBEC4"/>
-                  </a:solidFill>
-                  <a:effectLst/>
-                  <a:latin typeface="+mj-lt"/>
-                  <a:cs typeface="JetBrains Mono" panose="02000009000000000000" pitchFamily="49" charset="0"/>
-                </a:rPr>
-                <a:t>) {</a:t>
-              </a:r>
-              <a:br>
-                <a:rPr kumimoji="0" lang="zh-TW" altLang="zh-TW" sz="2400" b="0" i="0" u="none" strike="noStrike" cap="none" normalizeH="0" baseline="0">
-                  <a:ln>
-                    <a:noFill/>
-                  </a:ln>
-                  <a:solidFill>
-                    <a:srgbClr val="BCBEC4"/>
-                  </a:solidFill>
-                  <a:effectLst/>
-                  <a:latin typeface="+mj-lt"/>
-                  <a:cs typeface="JetBrains Mono" panose="02000009000000000000" pitchFamily="49" charset="0"/>
-                </a:rPr>
-              </a:br>
-              <a:r>
-                <a:rPr kumimoji="0" lang="zh-TW" altLang="zh-TW" sz="2400" b="0" i="0" u="none" strike="noStrike" cap="none" normalizeH="0" baseline="0">
-                  <a:ln>
-                    <a:noFill/>
-                  </a:ln>
-                  <a:solidFill>
-                    <a:srgbClr val="BCBEC4"/>
-                  </a:solidFill>
-                  <a:effectLst/>
-                  <a:latin typeface="+mj-lt"/>
-                  <a:cs typeface="JetBrains Mono" panose="02000009000000000000" pitchFamily="49" charset="0"/>
-                </a:rPr>
-                <a:t>    </a:t>
-              </a:r>
-              <a:r>
-                <a:rPr kumimoji="0" lang="zh-TW" altLang="zh-TW" sz="2400" b="0" i="0" u="none" strike="noStrike" cap="none" normalizeH="0" baseline="0">
-                  <a:ln>
-                    <a:noFill/>
-                  </a:ln>
-                  <a:solidFill>
-                    <a:srgbClr val="FFFF00"/>
-                  </a:solidFill>
-                  <a:effectLst/>
-                  <a:latin typeface="+mj-lt"/>
-                  <a:ea typeface="微軟正黑體" panose="020B0604030504040204" pitchFamily="34" charset="-120"/>
-                  <a:cs typeface="JetBrains Mono" panose="02000009000000000000" pitchFamily="49" charset="0"/>
-                </a:rPr>
-                <a:t>陳述式</a:t>
-              </a:r>
-              <a:r>
-                <a:rPr kumimoji="0" lang="zh-TW" altLang="zh-TW" sz="2400" b="0" i="0" u="none" strike="noStrike" cap="none" normalizeH="0" baseline="0">
-                  <a:ln>
-                    <a:noFill/>
-                  </a:ln>
-                  <a:solidFill>
-                    <a:srgbClr val="FFFF00"/>
-                  </a:solidFill>
-                  <a:effectLst/>
-                  <a:latin typeface="+mj-lt"/>
-                  <a:cs typeface="JetBrains Mono" panose="02000009000000000000" pitchFamily="49" charset="0"/>
-                </a:rPr>
-                <a:t>...</a:t>
-              </a:r>
-              <a:br>
-                <a:rPr kumimoji="0" lang="zh-TW" altLang="zh-TW" sz="2400" b="0" i="0" u="none" strike="noStrike" cap="none" normalizeH="0" baseline="0">
-                  <a:ln>
-                    <a:noFill/>
-                  </a:ln>
-                  <a:solidFill>
-                    <a:srgbClr val="BCBEC4"/>
-                  </a:solidFill>
-                  <a:effectLst/>
-                  <a:latin typeface="+mj-lt"/>
-                  <a:cs typeface="JetBrains Mono" panose="02000009000000000000" pitchFamily="49" charset="0"/>
-                </a:rPr>
-              </a:br>
-              <a:r>
-                <a:rPr kumimoji="0" lang="zh-TW" altLang="zh-TW" sz="2400" b="0" i="0" u="none" strike="noStrike" cap="none" normalizeH="0" baseline="0">
-                  <a:ln>
-                    <a:noFill/>
-                  </a:ln>
-                  <a:solidFill>
-                    <a:srgbClr val="BCBEC4"/>
-                  </a:solidFill>
-                  <a:effectLst/>
-                  <a:latin typeface="+mj-lt"/>
-                  <a:cs typeface="JetBrains Mono" panose="02000009000000000000" pitchFamily="49" charset="0"/>
-                </a:rPr>
-                <a:t>}</a:t>
-              </a:r>
-              <a:endParaRPr kumimoji="0" lang="zh-TW" altLang="zh-TW" sz="4000" b="0" i="0" u="none" strike="noStrike" cap="none" normalizeH="0" baseline="0">
-                <a:ln>
-                  <a:noFill/>
-                </a:ln>
-                <a:solidFill>
-                  <a:schemeClr val="tx1"/>
-                </a:solidFill>
-                <a:effectLst/>
-                <a:latin typeface="+mj-lt"/>
-              </a:endParaRPr>
-            </a:p>
-          </p:txBody>
-        </p:sp>
-        <p:sp>
-          <p:nvSpPr>
-            <p:cNvPr id="9" name="文字方塊 8">
-              <a:extLst>
-                <a:ext uri="{FF2B5EF4-FFF2-40B4-BE49-F238E27FC236}">
-                  <a16:creationId xmlns:a16="http://schemas.microsoft.com/office/drawing/2014/main" id="{BAD85D20-F903-4971-9C6A-D4D857BCCAD0}"/>
-                </a:ext>
-              </a:extLst>
-            </p:cNvPr>
-            <p:cNvSpPr txBox="1"/>
-            <p:nvPr/>
-          </p:nvSpPr>
-          <p:spPr>
-            <a:xfrm>
-              <a:off x="10662582" y="3523190"/>
-              <a:ext cx="691215" cy="369332"/>
-            </a:xfrm>
-            <a:prstGeom prst="rect">
-              <a:avLst/>
-            </a:prstGeom>
-            <a:noFill/>
-          </p:spPr>
-          <p:txBody>
-            <a:bodyPr wrap="none" rtlCol="0">
-              <a:spAutoFit/>
-            </a:bodyPr>
-            <a:lstStyle/>
-            <a:p>
-              <a:r>
-                <a:rPr lang="en-US" altLang="zh-TW">
-                  <a:solidFill>
-                    <a:schemeClr val="accent3"/>
-                  </a:solidFill>
-                </a:rPr>
-                <a:t>java</a:t>
-              </a:r>
-              <a:endParaRPr lang="zh-TW" altLang="en-US">
-                <a:solidFill>
-                  <a:schemeClr val="accent3"/>
-                </a:solidFill>
-              </a:endParaRPr>
-            </a:p>
-          </p:txBody>
-        </p:sp>
-      </p:grpSp>
-      <p:grpSp>
-        <p:nvGrpSpPr>
-          <p:cNvPr id="11" name="群組 10">
-            <a:extLst>
-              <a:ext uri="{FF2B5EF4-FFF2-40B4-BE49-F238E27FC236}">
-                <a16:creationId xmlns:a16="http://schemas.microsoft.com/office/drawing/2014/main" id="{3BBAD1A9-0F67-4CC4-BB65-27D24EB610E5}"/>
-              </a:ext>
-            </a:extLst>
-          </p:cNvPr>
-          <p:cNvGrpSpPr/>
-          <p:nvPr/>
-        </p:nvGrpSpPr>
-        <p:grpSpPr>
-          <a:xfrm>
-            <a:off x="8260555" y="5151019"/>
-            <a:ext cx="3093242" cy="461665"/>
-            <a:chOff x="1590189" y="6150062"/>
-            <a:chExt cx="3093242" cy="461665"/>
-          </a:xfrm>
-        </p:grpSpPr>
-        <p:sp>
-          <p:nvSpPr>
-            <p:cNvPr id="12" name="Rectangle 4">
-              <a:extLst>
-                <a:ext uri="{FF2B5EF4-FFF2-40B4-BE49-F238E27FC236}">
-                  <a16:creationId xmlns:a16="http://schemas.microsoft.com/office/drawing/2014/main" id="{B00755A5-3218-47E5-83A0-6CDEB705AA6E}"/>
-                </a:ext>
-              </a:extLst>
-            </p:cNvPr>
-            <p:cNvSpPr>
-              <a:spLocks noChangeArrowheads="1"/>
-            </p:cNvSpPr>
-            <p:nvPr/>
-          </p:nvSpPr>
-          <p:spPr bwMode="auto">
-            <a:xfrm>
-              <a:off x="1590189" y="6150062"/>
-              <a:ext cx="3093242" cy="461665"/>
-            </a:xfrm>
-            <a:prstGeom prst="rect">
-              <a:avLst/>
-            </a:prstGeom>
-            <a:solidFill>
-              <a:srgbClr val="1E1F22"/>
-            </a:solidFill>
-            <a:ln w="9525">
-              <a:noFill/>
-              <a:miter lim="800000"/>
-              <a:headEnd/>
-              <a:tailEnd/>
-            </a:ln>
-            <a:effectLst/>
-            <a:extLst>
-              <a:ext uri="{AF507438-7753-43E0-B8FC-AC1667EBCBE1}">
-                <a14:hiddenEffects xmlns:a14="http://schemas.microsoft.com/office/drawing/2010/main">
-                  <a:effectLst>
-                    <a:outerShdw dist="35921" dir="2700000" algn="ctr" rotWithShape="0">
-                      <a:schemeClr val="bg2"/>
-                    </a:outerShdw>
-                  </a:effectLst>
-                </a14:hiddenEffects>
-              </a:ext>
-            </a:extLst>
-          </p:spPr>
-          <p:txBody>
-            <a:bodyPr vert="horz" wrap="square" lIns="91440" tIns="45720" rIns="91440" bIns="45720" numCol="1" anchor="ctr" anchorCtr="0" compatLnSpc="1">
-              <a:prstTxWarp prst="textNoShape">
-                <a:avLst/>
-              </a:prstTxWarp>
-              <a:spAutoFit/>
-            </a:bodyPr>
-            <a:lstStyle/>
-            <a:p>
-              <a:pPr marL="0" marR="0" lvl="0" indent="0" algn="l" defTabSz="914400" rtl="0" eaLnBrk="0" fontAlgn="base" latinLnBrk="0" hangingPunct="0">
-                <a:lnSpc>
-                  <a:spcPct val="100000"/>
-                </a:lnSpc>
-                <a:spcBef>
-                  <a:spcPct val="0"/>
-                </a:spcBef>
-                <a:spcAft>
-                  <a:spcPct val="0"/>
-                </a:spcAft>
-                <a:buClrTx/>
-                <a:buSzTx/>
-                <a:buFontTx/>
-                <a:buNone/>
-                <a:tabLst/>
-              </a:pPr>
-              <a:r>
-                <a:rPr kumimoji="0" lang="en-US" altLang="zh-TW" sz="2400" b="0" i="0" u="none" strike="noStrike" cap="none" normalizeH="0" baseline="0">
-                  <a:ln>
-                    <a:noFill/>
-                  </a:ln>
-                  <a:solidFill>
-                    <a:srgbClr val="BCBEC4"/>
-                  </a:solidFill>
-                  <a:effectLst/>
-                  <a:latin typeface="+mj-lt"/>
-                  <a:cs typeface="JetBrains Mono" panose="02000009000000000000" pitchFamily="49" charset="0"/>
-                </a:rPr>
-                <a:t>6 4 5 7 2 9</a:t>
-              </a:r>
-              <a:endParaRPr kumimoji="0" lang="zh-TW" altLang="zh-TW" sz="4000" b="0" i="0" u="none" strike="noStrike" cap="none" normalizeH="0" baseline="0">
-                <a:ln>
-                  <a:noFill/>
-                </a:ln>
-                <a:solidFill>
-                  <a:schemeClr val="tx1"/>
-                </a:solidFill>
-                <a:effectLst/>
-                <a:latin typeface="+mj-lt"/>
-              </a:endParaRPr>
-            </a:p>
-          </p:txBody>
-        </p:sp>
-        <p:sp>
-          <p:nvSpPr>
-            <p:cNvPr id="13" name="文字方塊 12">
-              <a:extLst>
-                <a:ext uri="{FF2B5EF4-FFF2-40B4-BE49-F238E27FC236}">
-                  <a16:creationId xmlns:a16="http://schemas.microsoft.com/office/drawing/2014/main" id="{06004409-0BF8-4E1A-BCB4-9EA71D5524DB}"/>
-                </a:ext>
-              </a:extLst>
-            </p:cNvPr>
-            <p:cNvSpPr txBox="1"/>
-            <p:nvPr/>
-          </p:nvSpPr>
-          <p:spPr>
-            <a:xfrm>
-              <a:off x="3902447" y="6303950"/>
-              <a:ext cx="780983" cy="307777"/>
-            </a:xfrm>
-            <a:prstGeom prst="rect">
-              <a:avLst/>
-            </a:prstGeom>
-            <a:noFill/>
-            <a:ln>
-              <a:noFill/>
-            </a:ln>
-          </p:spPr>
-          <p:txBody>
-            <a:bodyPr wrap="none" rtlCol="0">
-              <a:spAutoFit/>
-            </a:bodyPr>
-            <a:lstStyle/>
-            <a:p>
-              <a:r>
-                <a:rPr lang="en-US" altLang="zh-TW" sz="1400">
-                  <a:solidFill>
-                    <a:schemeClr val="accent3"/>
-                  </a:solidFill>
-                </a:rPr>
-                <a:t>output</a:t>
-              </a:r>
-              <a:endParaRPr lang="zh-TW" altLang="en-US" sz="1400">
-                <a:solidFill>
-                  <a:schemeClr val="accent3"/>
-                </a:solidFill>
-              </a:endParaRPr>
-            </a:p>
-          </p:txBody>
-        </p:sp>
-      </p:grpSp>
-    </p:spTree>
-    <p:extLst>
-      <p:ext uri="{BB962C8B-B14F-4D97-AF65-F5344CB8AC3E}">
-        <p14:creationId xmlns:p14="http://schemas.microsoft.com/office/powerpoint/2010/main" val="2575915868"/>
-      </p:ext>
-    </p:extLst>
-  </p:cSld>
-  <p:clrMapOvr>
-    <a:masterClrMapping/>
-  </p:clrMapOvr>
-  <p:transition spd="slow">
-    <p:push dir="u"/>
-  </p:transition>
-</p:sld>
-</file>
-
 <file path=ppt/theme/theme1.xml><?xml version="1.0" encoding="utf-8"?>
 <a:theme xmlns:a="http://schemas.openxmlformats.org/drawingml/2006/main" name="TYIC">
   <a:themeElements>

--- a/ppt/10_包裝類別與工具類別(1).pptx
+++ b/ppt/10_包裝類別與工具類別(1).pptx
@@ -5,7 +5,7 @@
     <p:sldMasterId id="2147483673" r:id="rId1"/>
   </p:sldMasterIdLst>
   <p:notesMasterIdLst>
-    <p:notesMasterId r:id="rId22"/>
+    <p:notesMasterId r:id="rId21"/>
   </p:notesMasterIdLst>
   <p:sldIdLst>
     <p:sldId id="256" r:id="rId2"/>
@@ -13,21 +13,20 @@
     <p:sldId id="258" r:id="rId4"/>
     <p:sldId id="260" r:id="rId5"/>
     <p:sldId id="261" r:id="rId6"/>
-    <p:sldId id="298" r:id="rId7"/>
-    <p:sldId id="263" r:id="rId8"/>
-    <p:sldId id="264" r:id="rId9"/>
-    <p:sldId id="265" r:id="rId10"/>
-    <p:sldId id="267" r:id="rId11"/>
-    <p:sldId id="269" r:id="rId12"/>
-    <p:sldId id="270" r:id="rId13"/>
-    <p:sldId id="268" r:id="rId14"/>
-    <p:sldId id="266" r:id="rId15"/>
-    <p:sldId id="262" r:id="rId16"/>
-    <p:sldId id="271" r:id="rId17"/>
-    <p:sldId id="294" r:id="rId18"/>
-    <p:sldId id="295" r:id="rId19"/>
-    <p:sldId id="296" r:id="rId20"/>
-    <p:sldId id="297" r:id="rId21"/>
+    <p:sldId id="263" r:id="rId7"/>
+    <p:sldId id="264" r:id="rId8"/>
+    <p:sldId id="265" r:id="rId9"/>
+    <p:sldId id="267" r:id="rId10"/>
+    <p:sldId id="269" r:id="rId11"/>
+    <p:sldId id="270" r:id="rId12"/>
+    <p:sldId id="268" r:id="rId13"/>
+    <p:sldId id="266" r:id="rId14"/>
+    <p:sldId id="262" r:id="rId15"/>
+    <p:sldId id="271" r:id="rId16"/>
+    <p:sldId id="294" r:id="rId17"/>
+    <p:sldId id="295" r:id="rId18"/>
+    <p:sldId id="296" r:id="rId19"/>
+    <p:sldId id="297" r:id="rId20"/>
   </p:sldIdLst>
   <p:sldSz cx="12192000" cy="6858000"/>
   <p:notesSz cx="6858000" cy="9144000"/>
@@ -216,7 +215,7 @@
           <a:p>
             <a:fld id="{00D1967D-2DD3-4C36-96B1-E3AA5FB7040E}" type="datetimeFigureOut">
               <a:rPr lang="zh-TW" altLang="en-US" smtClean="0"/>
-              <a:t>2024/11/14</a:t>
+              <a:t>2024/11/16</a:t>
             </a:fld>
             <a:endParaRPr lang="zh-TW" altLang="en-US"/>
           </a:p>
@@ -548,7 +547,7 @@
           <a:p>
             <a:fld id="{FC78299E-8C5D-4011-9A49-A23A440BB1DA}" type="slidenum">
               <a:rPr lang="zh-TW" altLang="en-US" smtClean="0"/>
-              <a:t>13</a:t>
+              <a:t>12</a:t>
             </a:fld>
             <a:endParaRPr lang="zh-TW" altLang="en-US"/>
           </a:p>
@@ -632,7 +631,7 @@
           <a:p>
             <a:fld id="{FC78299E-8C5D-4011-9A49-A23A440BB1DA}" type="slidenum">
               <a:rPr lang="zh-TW" altLang="en-US" smtClean="0"/>
-              <a:t>18</a:t>
+              <a:t>17</a:t>
             </a:fld>
             <a:endParaRPr lang="zh-TW" altLang="en-US"/>
           </a:p>
@@ -2433,1745 +2432,6 @@
           <a:chExt cx="0" cy="0"/>
         </a:xfrm>
       </p:grpSpPr>
-      <p:grpSp>
-        <p:nvGrpSpPr>
-          <p:cNvPr id="15" name="群組 14">
-            <a:extLst>
-              <a:ext uri="{FF2B5EF4-FFF2-40B4-BE49-F238E27FC236}">
-                <a16:creationId xmlns:a16="http://schemas.microsoft.com/office/drawing/2014/main" id="{44A0A8C2-306E-4C8E-958A-E5B2901093AA}"/>
-              </a:ext>
-            </a:extLst>
-          </p:cNvPr>
-          <p:cNvGrpSpPr/>
-          <p:nvPr/>
-        </p:nvGrpSpPr>
-        <p:grpSpPr>
-          <a:xfrm>
-            <a:off x="838200" y="4325997"/>
-            <a:ext cx="6189519" cy="2062103"/>
-            <a:chOff x="838200" y="4325997"/>
-            <a:chExt cx="6189519" cy="2062103"/>
-          </a:xfrm>
-        </p:grpSpPr>
-        <p:sp>
-          <p:nvSpPr>
-            <p:cNvPr id="4" name="Rectangle 1">
-              <a:extLst>
-                <a:ext uri="{FF2B5EF4-FFF2-40B4-BE49-F238E27FC236}">
-                  <a16:creationId xmlns:a16="http://schemas.microsoft.com/office/drawing/2014/main" id="{B0592D20-F867-4F33-B6DA-7DFDB48ACF65}"/>
-                </a:ext>
-              </a:extLst>
-            </p:cNvPr>
-            <p:cNvSpPr>
-              <a:spLocks noChangeArrowheads="1"/>
-            </p:cNvSpPr>
-            <p:nvPr/>
-          </p:nvSpPr>
-          <p:spPr bwMode="auto">
-            <a:xfrm>
-              <a:off x="838200" y="4325997"/>
-              <a:ext cx="6189519" cy="2062103"/>
-            </a:xfrm>
-            <a:prstGeom prst="rect">
-              <a:avLst/>
-            </a:prstGeom>
-            <a:solidFill>
-              <a:srgbClr val="1E1F22"/>
-            </a:solidFill>
-            <a:ln>
-              <a:noFill/>
-            </a:ln>
-            <a:effectLst/>
-            <a:extLst>
-              <a:ext uri="{91240B29-F687-4F45-9708-019B960494DF}">
-                <a14:hiddenLine xmlns:a14="http://schemas.microsoft.com/office/drawing/2010/main" w="9525">
-                  <a:solidFill>
-                    <a:schemeClr val="tx1"/>
-                  </a:solidFill>
-                  <a:miter lim="800000"/>
-                  <a:headEnd/>
-                  <a:tailEnd/>
-                </a14:hiddenLine>
-              </a:ext>
-              <a:ext uri="{AF507438-7753-43E0-B8FC-AC1667EBCBE1}">
-                <a14:hiddenEffects xmlns:a14="http://schemas.microsoft.com/office/drawing/2010/main">
-                  <a:effectLst>
-                    <a:outerShdw dist="35921" dir="2700000" algn="ctr" rotWithShape="0">
-                      <a:schemeClr val="bg2"/>
-                    </a:outerShdw>
-                  </a:effectLst>
-                </a14:hiddenEffects>
-              </a:ext>
-            </a:extLst>
-          </p:spPr>
-          <p:txBody>
-            <a:bodyPr vert="horz" wrap="square" lIns="91440" tIns="45720" rIns="91440" bIns="45720" numCol="1" anchor="ctr" anchorCtr="0" compatLnSpc="1">
-              <a:prstTxWarp prst="textNoShape">
-                <a:avLst/>
-              </a:prstTxWarp>
-              <a:spAutoFit/>
-            </a:bodyPr>
-            <a:lstStyle/>
-            <a:p>
-              <a:pPr marL="0" marR="0" lvl="0" indent="0" algn="l" defTabSz="914400" rtl="0" eaLnBrk="0" fontAlgn="base" latinLnBrk="0" hangingPunct="0">
-                <a:lnSpc>
-                  <a:spcPct val="100000"/>
-                </a:lnSpc>
-                <a:spcBef>
-                  <a:spcPct val="0"/>
-                </a:spcBef>
-                <a:spcAft>
-                  <a:spcPct val="0"/>
-                </a:spcAft>
-                <a:buClrTx/>
-                <a:buSzTx/>
-                <a:buFontTx/>
-                <a:buNone/>
-                <a:tabLst/>
-              </a:pPr>
-              <a:r>
-                <a:rPr kumimoji="0" lang="zh-TW" altLang="zh-TW" sz="1600" b="0" i="0" u="none" strike="noStrike" cap="none" normalizeH="0" baseline="0">
-                  <a:ln>
-                    <a:noFill/>
-                  </a:ln>
-                  <a:solidFill>
-                    <a:srgbClr val="CF8E6D"/>
-                  </a:solidFill>
-                  <a:effectLst/>
-                  <a:latin typeface="+mj-lt"/>
-                  <a:cs typeface="JetBrains Mono" panose="02000009000000000000" pitchFamily="49" charset="0"/>
-                </a:rPr>
-                <a:t>public class </a:t>
-              </a:r>
-              <a:r>
-                <a:rPr kumimoji="0" lang="zh-TW" altLang="zh-TW" sz="1600" b="0" i="0" u="none" strike="noStrike" cap="none" normalizeH="0" baseline="0">
-                  <a:ln>
-                    <a:noFill/>
-                  </a:ln>
-                  <a:solidFill>
-                    <a:srgbClr val="BCBEC4"/>
-                  </a:solidFill>
-                  <a:effectLst/>
-                  <a:latin typeface="+mj-lt"/>
-                  <a:cs typeface="JetBrains Mono" panose="02000009000000000000" pitchFamily="49" charset="0"/>
-                </a:rPr>
-                <a:t>Main3 {</a:t>
-              </a:r>
-              <a:br>
-                <a:rPr kumimoji="0" lang="zh-TW" altLang="zh-TW" sz="1600" b="0" i="0" u="none" strike="noStrike" cap="none" normalizeH="0" baseline="0">
-                  <a:ln>
-                    <a:noFill/>
-                  </a:ln>
-                  <a:solidFill>
-                    <a:srgbClr val="BCBEC4"/>
-                  </a:solidFill>
-                  <a:effectLst/>
-                  <a:latin typeface="+mj-lt"/>
-                  <a:cs typeface="JetBrains Mono" panose="02000009000000000000" pitchFamily="49" charset="0"/>
-                </a:rPr>
-              </a:br>
-              <a:r>
-                <a:rPr kumimoji="0" lang="zh-TW" altLang="zh-TW" sz="1600" b="0" i="0" u="none" strike="noStrike" cap="none" normalizeH="0" baseline="0">
-                  <a:ln>
-                    <a:noFill/>
-                  </a:ln>
-                  <a:solidFill>
-                    <a:srgbClr val="BCBEC4"/>
-                  </a:solidFill>
-                  <a:effectLst/>
-                  <a:latin typeface="+mj-lt"/>
-                  <a:cs typeface="JetBrains Mono" panose="02000009000000000000" pitchFamily="49" charset="0"/>
-                </a:rPr>
-                <a:t>    </a:t>
-              </a:r>
-              <a:r>
-                <a:rPr kumimoji="0" lang="zh-TW" altLang="zh-TW" sz="1600" b="0" i="0" u="none" strike="noStrike" cap="none" normalizeH="0" baseline="0">
-                  <a:ln>
-                    <a:noFill/>
-                  </a:ln>
-                  <a:solidFill>
-                    <a:srgbClr val="CF8E6D"/>
-                  </a:solidFill>
-                  <a:effectLst/>
-                  <a:latin typeface="+mj-lt"/>
-                  <a:cs typeface="JetBrains Mono" panose="02000009000000000000" pitchFamily="49" charset="0"/>
-                </a:rPr>
-                <a:t>public static void </a:t>
-              </a:r>
-              <a:r>
-                <a:rPr kumimoji="0" lang="zh-TW" altLang="zh-TW" sz="1600" b="0" i="0" u="none" strike="noStrike" cap="none" normalizeH="0" baseline="0">
-                  <a:ln>
-                    <a:noFill/>
-                  </a:ln>
-                  <a:solidFill>
-                    <a:srgbClr val="56A8F5"/>
-                  </a:solidFill>
-                  <a:effectLst/>
-                  <a:latin typeface="+mj-lt"/>
-                  <a:cs typeface="JetBrains Mono" panose="02000009000000000000" pitchFamily="49" charset="0"/>
-                </a:rPr>
-                <a:t>main</a:t>
-              </a:r>
-              <a:r>
-                <a:rPr kumimoji="0" lang="zh-TW" altLang="zh-TW" sz="1600" b="0" i="0" u="none" strike="noStrike" cap="none" normalizeH="0" baseline="0">
-                  <a:ln>
-                    <a:noFill/>
-                  </a:ln>
-                  <a:solidFill>
-                    <a:srgbClr val="BCBEC4"/>
-                  </a:solidFill>
-                  <a:effectLst/>
-                  <a:latin typeface="+mj-lt"/>
-                  <a:cs typeface="JetBrains Mono" panose="02000009000000000000" pitchFamily="49" charset="0"/>
-                </a:rPr>
-                <a:t>(String[] args) {</a:t>
-              </a:r>
-              <a:br>
-                <a:rPr kumimoji="0" lang="zh-TW" altLang="zh-TW" sz="1600" b="0" i="0" u="none" strike="noStrike" cap="none" normalizeH="0" baseline="0">
-                  <a:ln>
-                    <a:noFill/>
-                  </a:ln>
-                  <a:solidFill>
-                    <a:srgbClr val="BCBEC4"/>
-                  </a:solidFill>
-                  <a:effectLst/>
-                  <a:latin typeface="+mj-lt"/>
-                  <a:cs typeface="JetBrains Mono" panose="02000009000000000000" pitchFamily="49" charset="0"/>
-                </a:rPr>
-              </a:br>
-              <a:r>
-                <a:rPr kumimoji="0" lang="zh-TW" altLang="zh-TW" sz="1600" b="0" i="0" u="none" strike="noStrike" cap="none" normalizeH="0" baseline="0">
-                  <a:ln>
-                    <a:noFill/>
-                  </a:ln>
-                  <a:solidFill>
-                    <a:srgbClr val="BCBEC4"/>
-                  </a:solidFill>
-                  <a:effectLst/>
-                  <a:latin typeface="+mj-lt"/>
-                  <a:cs typeface="JetBrains Mono" panose="02000009000000000000" pitchFamily="49" charset="0"/>
-                </a:rPr>
-                <a:t>        </a:t>
-              </a:r>
-              <a:r>
-                <a:rPr kumimoji="0" lang="zh-TW" altLang="zh-TW" sz="1600" b="0" i="0" u="none" strike="noStrike" cap="none" normalizeH="0" baseline="0">
-                  <a:ln>
-                    <a:noFill/>
-                  </a:ln>
-                  <a:solidFill>
-                    <a:srgbClr val="CF8E6D"/>
-                  </a:solidFill>
-                  <a:effectLst/>
-                  <a:latin typeface="+mj-lt"/>
-                  <a:cs typeface="JetBrains Mono" panose="02000009000000000000" pitchFamily="49" charset="0"/>
-                </a:rPr>
-                <a:t>int</a:t>
-              </a:r>
-              <a:r>
-                <a:rPr kumimoji="0" lang="zh-TW" altLang="zh-TW" sz="1600" b="0" i="0" u="none" strike="noStrike" cap="none" normalizeH="0" baseline="0">
-                  <a:ln>
-                    <a:noFill/>
-                  </a:ln>
-                  <a:solidFill>
-                    <a:srgbClr val="BCBEC4"/>
-                  </a:solidFill>
-                  <a:effectLst/>
-                  <a:latin typeface="+mj-lt"/>
-                  <a:cs typeface="JetBrains Mono" panose="02000009000000000000" pitchFamily="49" charset="0"/>
-                </a:rPr>
-                <a:t>[] arr = {</a:t>
-              </a:r>
-              <a:r>
-                <a:rPr kumimoji="0" lang="zh-TW" altLang="zh-TW" sz="1600" b="0" i="0" u="none" strike="noStrike" cap="none" normalizeH="0" baseline="0">
-                  <a:ln>
-                    <a:noFill/>
-                  </a:ln>
-                  <a:solidFill>
-                    <a:srgbClr val="2AACB8"/>
-                  </a:solidFill>
-                  <a:effectLst/>
-                  <a:latin typeface="+mj-lt"/>
-                  <a:cs typeface="JetBrains Mono" panose="02000009000000000000" pitchFamily="49" charset="0"/>
-                </a:rPr>
-                <a:t>6</a:t>
-              </a:r>
-              <a:r>
-                <a:rPr kumimoji="0" lang="zh-TW" altLang="zh-TW" sz="1600" b="0" i="0" u="none" strike="noStrike" cap="none" normalizeH="0" baseline="0">
-                  <a:ln>
-                    <a:noFill/>
-                  </a:ln>
-                  <a:solidFill>
-                    <a:srgbClr val="BCBEC4"/>
-                  </a:solidFill>
-                  <a:effectLst/>
-                  <a:latin typeface="+mj-lt"/>
-                  <a:cs typeface="JetBrains Mono" panose="02000009000000000000" pitchFamily="49" charset="0"/>
-                </a:rPr>
-                <a:t>, </a:t>
-              </a:r>
-              <a:r>
-                <a:rPr kumimoji="0" lang="zh-TW" altLang="zh-TW" sz="1600" b="0" i="0" u="none" strike="noStrike" cap="none" normalizeH="0" baseline="0">
-                  <a:ln>
-                    <a:noFill/>
-                  </a:ln>
-                  <a:solidFill>
-                    <a:srgbClr val="2AACB8"/>
-                  </a:solidFill>
-                  <a:effectLst/>
-                  <a:latin typeface="+mj-lt"/>
-                  <a:cs typeface="JetBrains Mono" panose="02000009000000000000" pitchFamily="49" charset="0"/>
-                </a:rPr>
-                <a:t>4</a:t>
-              </a:r>
-              <a:r>
-                <a:rPr kumimoji="0" lang="zh-TW" altLang="zh-TW" sz="1600" b="0" i="0" u="none" strike="noStrike" cap="none" normalizeH="0" baseline="0">
-                  <a:ln>
-                    <a:noFill/>
-                  </a:ln>
-                  <a:solidFill>
-                    <a:srgbClr val="BCBEC4"/>
-                  </a:solidFill>
-                  <a:effectLst/>
-                  <a:latin typeface="+mj-lt"/>
-                  <a:cs typeface="JetBrains Mono" panose="02000009000000000000" pitchFamily="49" charset="0"/>
-                </a:rPr>
-                <a:t>, </a:t>
-              </a:r>
-              <a:r>
-                <a:rPr kumimoji="0" lang="zh-TW" altLang="zh-TW" sz="1600" b="0" i="0" u="none" strike="noStrike" cap="none" normalizeH="0" baseline="0">
-                  <a:ln>
-                    <a:noFill/>
-                  </a:ln>
-                  <a:solidFill>
-                    <a:srgbClr val="2AACB8"/>
-                  </a:solidFill>
-                  <a:effectLst/>
-                  <a:latin typeface="+mj-lt"/>
-                  <a:cs typeface="JetBrains Mono" panose="02000009000000000000" pitchFamily="49" charset="0"/>
-                </a:rPr>
-                <a:t>5</a:t>
-              </a:r>
-              <a:r>
-                <a:rPr kumimoji="0" lang="zh-TW" altLang="zh-TW" sz="1600" b="0" i="0" u="none" strike="noStrike" cap="none" normalizeH="0" baseline="0">
-                  <a:ln>
-                    <a:noFill/>
-                  </a:ln>
-                  <a:solidFill>
-                    <a:srgbClr val="BCBEC4"/>
-                  </a:solidFill>
-                  <a:effectLst/>
-                  <a:latin typeface="+mj-lt"/>
-                  <a:cs typeface="JetBrains Mono" panose="02000009000000000000" pitchFamily="49" charset="0"/>
-                </a:rPr>
-                <a:t>, </a:t>
-              </a:r>
-              <a:r>
-                <a:rPr kumimoji="0" lang="zh-TW" altLang="zh-TW" sz="1600" b="0" i="0" u="none" strike="noStrike" cap="none" normalizeH="0" baseline="0">
-                  <a:ln>
-                    <a:noFill/>
-                  </a:ln>
-                  <a:solidFill>
-                    <a:srgbClr val="2AACB8"/>
-                  </a:solidFill>
-                  <a:effectLst/>
-                  <a:latin typeface="+mj-lt"/>
-                  <a:cs typeface="JetBrains Mono" panose="02000009000000000000" pitchFamily="49" charset="0"/>
-                </a:rPr>
-                <a:t>7</a:t>
-              </a:r>
-              <a:r>
-                <a:rPr kumimoji="0" lang="zh-TW" altLang="zh-TW" sz="1600" b="0" i="0" u="none" strike="noStrike" cap="none" normalizeH="0" baseline="0">
-                  <a:ln>
-                    <a:noFill/>
-                  </a:ln>
-                  <a:solidFill>
-                    <a:srgbClr val="BCBEC4"/>
-                  </a:solidFill>
-                  <a:effectLst/>
-                  <a:latin typeface="+mj-lt"/>
-                  <a:cs typeface="JetBrains Mono" panose="02000009000000000000" pitchFamily="49" charset="0"/>
-                </a:rPr>
-                <a:t>, </a:t>
-              </a:r>
-              <a:r>
-                <a:rPr kumimoji="0" lang="zh-TW" altLang="zh-TW" sz="1600" b="0" i="0" u="none" strike="noStrike" cap="none" normalizeH="0" baseline="0">
-                  <a:ln>
-                    <a:noFill/>
-                  </a:ln>
-                  <a:solidFill>
-                    <a:srgbClr val="2AACB8"/>
-                  </a:solidFill>
-                  <a:effectLst/>
-                  <a:latin typeface="+mj-lt"/>
-                  <a:cs typeface="JetBrains Mono" panose="02000009000000000000" pitchFamily="49" charset="0"/>
-                </a:rPr>
-                <a:t>2</a:t>
-              </a:r>
-              <a:r>
-                <a:rPr kumimoji="0" lang="zh-TW" altLang="zh-TW" sz="1600" b="0" i="0" u="none" strike="noStrike" cap="none" normalizeH="0" baseline="0">
-                  <a:ln>
-                    <a:noFill/>
-                  </a:ln>
-                  <a:solidFill>
-                    <a:srgbClr val="BCBEC4"/>
-                  </a:solidFill>
-                  <a:effectLst/>
-                  <a:latin typeface="+mj-lt"/>
-                  <a:cs typeface="JetBrains Mono" panose="02000009000000000000" pitchFamily="49" charset="0"/>
-                </a:rPr>
-                <a:t>, </a:t>
-              </a:r>
-              <a:r>
-                <a:rPr kumimoji="0" lang="zh-TW" altLang="zh-TW" sz="1600" b="0" i="0" u="none" strike="noStrike" cap="none" normalizeH="0" baseline="0">
-                  <a:ln>
-                    <a:noFill/>
-                  </a:ln>
-                  <a:solidFill>
-                    <a:srgbClr val="2AACB8"/>
-                  </a:solidFill>
-                  <a:effectLst/>
-                  <a:latin typeface="+mj-lt"/>
-                  <a:cs typeface="JetBrains Mono" panose="02000009000000000000" pitchFamily="49" charset="0"/>
-                </a:rPr>
-                <a:t>9</a:t>
-              </a:r>
-              <a:r>
-                <a:rPr kumimoji="0" lang="zh-TW" altLang="zh-TW" sz="1600" b="0" i="0" u="none" strike="noStrike" cap="none" normalizeH="0" baseline="0">
-                  <a:ln>
-                    <a:noFill/>
-                  </a:ln>
-                  <a:solidFill>
-                    <a:srgbClr val="BCBEC4"/>
-                  </a:solidFill>
-                  <a:effectLst/>
-                  <a:latin typeface="+mj-lt"/>
-                  <a:cs typeface="JetBrains Mono" panose="02000009000000000000" pitchFamily="49" charset="0"/>
-                </a:rPr>
-                <a:t>};</a:t>
-              </a:r>
-              <a:br>
-                <a:rPr kumimoji="0" lang="zh-TW" altLang="zh-TW" sz="1600" b="0" i="0" u="none" strike="noStrike" cap="none" normalizeH="0" baseline="0">
-                  <a:ln>
-                    <a:noFill/>
-                  </a:ln>
-                  <a:solidFill>
-                    <a:srgbClr val="BCBEC4"/>
-                  </a:solidFill>
-                  <a:effectLst/>
-                  <a:latin typeface="+mj-lt"/>
-                  <a:cs typeface="JetBrains Mono" panose="02000009000000000000" pitchFamily="49" charset="0"/>
-                </a:rPr>
-              </a:br>
-              <a:r>
-                <a:rPr kumimoji="0" lang="zh-TW" altLang="zh-TW" sz="1600" b="0" i="0" u="none" strike="noStrike" cap="none" normalizeH="0" baseline="0">
-                  <a:ln>
-                    <a:noFill/>
-                  </a:ln>
-                  <a:solidFill>
-                    <a:srgbClr val="BCBEC4"/>
-                  </a:solidFill>
-                  <a:effectLst/>
-                  <a:latin typeface="+mj-lt"/>
-                  <a:cs typeface="JetBrains Mono" panose="02000009000000000000" pitchFamily="49" charset="0"/>
-                </a:rPr>
-                <a:t>        </a:t>
-              </a:r>
-              <a:r>
-                <a:rPr kumimoji="0" lang="zh-TW" altLang="zh-TW" sz="1600" b="0" i="0" u="none" strike="noStrike" cap="none" normalizeH="0" baseline="0">
-                  <a:ln>
-                    <a:noFill/>
-                  </a:ln>
-                  <a:solidFill>
-                    <a:srgbClr val="CF8E6D"/>
-                  </a:solidFill>
-                  <a:effectLst/>
-                  <a:latin typeface="+mj-lt"/>
-                  <a:cs typeface="JetBrains Mono" panose="02000009000000000000" pitchFamily="49" charset="0"/>
-                </a:rPr>
-                <a:t>for </a:t>
-              </a:r>
-              <a:r>
-                <a:rPr kumimoji="0" lang="zh-TW" altLang="zh-TW" sz="1600" b="0" i="0" u="none" strike="noStrike" cap="none" normalizeH="0" baseline="0">
-                  <a:ln>
-                    <a:noFill/>
-                  </a:ln>
-                  <a:solidFill>
-                    <a:srgbClr val="BCBEC4"/>
-                  </a:solidFill>
-                  <a:effectLst/>
-                  <a:latin typeface="+mj-lt"/>
-                  <a:cs typeface="JetBrains Mono" panose="02000009000000000000" pitchFamily="49" charset="0"/>
-                </a:rPr>
-                <a:t>(</a:t>
-              </a:r>
-              <a:r>
-                <a:rPr kumimoji="0" lang="zh-TW" altLang="zh-TW" sz="1600" b="0" i="0" u="none" strike="noStrike" cap="none" normalizeH="0" baseline="0">
-                  <a:ln>
-                    <a:noFill/>
-                  </a:ln>
-                  <a:solidFill>
-                    <a:srgbClr val="CF8E6D"/>
-                  </a:solidFill>
-                  <a:effectLst/>
-                  <a:latin typeface="+mj-lt"/>
-                  <a:cs typeface="JetBrains Mono" panose="02000009000000000000" pitchFamily="49" charset="0"/>
-                </a:rPr>
-                <a:t>int </a:t>
-              </a:r>
-              <a:r>
-                <a:rPr kumimoji="0" lang="zh-TW" altLang="zh-TW" sz="1600" b="0" i="0" u="none" strike="noStrike" cap="none" normalizeH="0" baseline="0">
-                  <a:ln>
-                    <a:noFill/>
-                  </a:ln>
-                  <a:solidFill>
-                    <a:srgbClr val="BCBEC4"/>
-                  </a:solidFill>
-                  <a:effectLst/>
-                  <a:latin typeface="+mj-lt"/>
-                  <a:cs typeface="JetBrains Mono" panose="02000009000000000000" pitchFamily="49" charset="0"/>
-                </a:rPr>
-                <a:t>e : arr) {</a:t>
-              </a:r>
-              <a:br>
-                <a:rPr kumimoji="0" lang="zh-TW" altLang="zh-TW" sz="1600" b="0" i="0" u="none" strike="noStrike" cap="none" normalizeH="0" baseline="0">
-                  <a:ln>
-                    <a:noFill/>
-                  </a:ln>
-                  <a:solidFill>
-                    <a:srgbClr val="BCBEC4"/>
-                  </a:solidFill>
-                  <a:effectLst/>
-                  <a:latin typeface="+mj-lt"/>
-                  <a:cs typeface="JetBrains Mono" panose="02000009000000000000" pitchFamily="49" charset="0"/>
-                </a:rPr>
-              </a:br>
-              <a:r>
-                <a:rPr kumimoji="0" lang="zh-TW" altLang="zh-TW" sz="1600" b="0" i="0" u="none" strike="noStrike" cap="none" normalizeH="0" baseline="0">
-                  <a:ln>
-                    <a:noFill/>
-                  </a:ln>
-                  <a:solidFill>
-                    <a:srgbClr val="BCBEC4"/>
-                  </a:solidFill>
-                  <a:effectLst/>
-                  <a:latin typeface="+mj-lt"/>
-                  <a:cs typeface="JetBrains Mono" panose="02000009000000000000" pitchFamily="49" charset="0"/>
-                </a:rPr>
-                <a:t>            System.</a:t>
-              </a:r>
-              <a:r>
-                <a:rPr kumimoji="0" lang="zh-TW" altLang="zh-TW" sz="1600" b="0" i="1" u="none" strike="noStrike" cap="none" normalizeH="0" baseline="0">
-                  <a:ln>
-                    <a:noFill/>
-                  </a:ln>
-                  <a:solidFill>
-                    <a:srgbClr val="C77DBB"/>
-                  </a:solidFill>
-                  <a:effectLst/>
-                  <a:latin typeface="+mj-lt"/>
-                  <a:cs typeface="JetBrains Mono" panose="02000009000000000000" pitchFamily="49" charset="0"/>
-                </a:rPr>
-                <a:t>out</a:t>
-              </a:r>
-              <a:r>
-                <a:rPr kumimoji="0" lang="zh-TW" altLang="zh-TW" sz="1600" b="0" i="0" u="none" strike="noStrike" cap="none" normalizeH="0" baseline="0">
-                  <a:ln>
-                    <a:noFill/>
-                  </a:ln>
-                  <a:solidFill>
-                    <a:srgbClr val="BCBEC4"/>
-                  </a:solidFill>
-                  <a:effectLst/>
-                  <a:latin typeface="+mj-lt"/>
-                  <a:cs typeface="JetBrains Mono" panose="02000009000000000000" pitchFamily="49" charset="0"/>
-                </a:rPr>
-                <a:t>.print(e + </a:t>
-              </a:r>
-              <a:r>
-                <a:rPr kumimoji="0" lang="zh-TW" altLang="zh-TW" sz="1600" b="0" i="0" u="none" strike="noStrike" cap="none" normalizeH="0" baseline="0">
-                  <a:ln>
-                    <a:noFill/>
-                  </a:ln>
-                  <a:solidFill>
-                    <a:srgbClr val="6AAB73"/>
-                  </a:solidFill>
-                  <a:effectLst/>
-                  <a:latin typeface="+mj-lt"/>
-                  <a:cs typeface="JetBrains Mono" panose="02000009000000000000" pitchFamily="49" charset="0"/>
-                </a:rPr>
-                <a:t>" "</a:t>
-              </a:r>
-              <a:r>
-                <a:rPr kumimoji="0" lang="zh-TW" altLang="zh-TW" sz="1600" b="0" i="0" u="none" strike="noStrike" cap="none" normalizeH="0" baseline="0">
-                  <a:ln>
-                    <a:noFill/>
-                  </a:ln>
-                  <a:solidFill>
-                    <a:srgbClr val="BCBEC4"/>
-                  </a:solidFill>
-                  <a:effectLst/>
-                  <a:latin typeface="+mj-lt"/>
-                  <a:cs typeface="JetBrains Mono" panose="02000009000000000000" pitchFamily="49" charset="0"/>
-                </a:rPr>
-                <a:t>);</a:t>
-              </a:r>
-              <a:br>
-                <a:rPr kumimoji="0" lang="zh-TW" altLang="zh-TW" sz="1600" b="0" i="0" u="none" strike="noStrike" cap="none" normalizeH="0" baseline="0">
-                  <a:ln>
-                    <a:noFill/>
-                  </a:ln>
-                  <a:solidFill>
-                    <a:srgbClr val="BCBEC4"/>
-                  </a:solidFill>
-                  <a:effectLst/>
-                  <a:latin typeface="+mj-lt"/>
-                  <a:cs typeface="JetBrains Mono" panose="02000009000000000000" pitchFamily="49" charset="0"/>
-                </a:rPr>
-              </a:br>
-              <a:r>
-                <a:rPr kumimoji="0" lang="zh-TW" altLang="zh-TW" sz="1600" b="0" i="0" u="none" strike="noStrike" cap="none" normalizeH="0" baseline="0">
-                  <a:ln>
-                    <a:noFill/>
-                  </a:ln>
-                  <a:solidFill>
-                    <a:srgbClr val="BCBEC4"/>
-                  </a:solidFill>
-                  <a:effectLst/>
-                  <a:latin typeface="+mj-lt"/>
-                  <a:cs typeface="JetBrains Mono" panose="02000009000000000000" pitchFamily="49" charset="0"/>
-                </a:rPr>
-                <a:t>        }</a:t>
-              </a:r>
-              <a:br>
-                <a:rPr kumimoji="0" lang="zh-TW" altLang="zh-TW" sz="1600" b="0" i="0" u="none" strike="noStrike" cap="none" normalizeH="0" baseline="0">
-                  <a:ln>
-                    <a:noFill/>
-                  </a:ln>
-                  <a:solidFill>
-                    <a:srgbClr val="BCBEC4"/>
-                  </a:solidFill>
-                  <a:effectLst/>
-                  <a:latin typeface="+mj-lt"/>
-                  <a:cs typeface="JetBrains Mono" panose="02000009000000000000" pitchFamily="49" charset="0"/>
-                </a:rPr>
-              </a:br>
-              <a:r>
-                <a:rPr kumimoji="0" lang="zh-TW" altLang="zh-TW" sz="1600" b="0" i="0" u="none" strike="noStrike" cap="none" normalizeH="0" baseline="0">
-                  <a:ln>
-                    <a:noFill/>
-                  </a:ln>
-                  <a:solidFill>
-                    <a:srgbClr val="BCBEC4"/>
-                  </a:solidFill>
-                  <a:effectLst/>
-                  <a:latin typeface="+mj-lt"/>
-                  <a:cs typeface="JetBrains Mono" panose="02000009000000000000" pitchFamily="49" charset="0"/>
-                </a:rPr>
-                <a:t>    }</a:t>
-              </a:r>
-              <a:br>
-                <a:rPr kumimoji="0" lang="zh-TW" altLang="zh-TW" sz="1600" b="0" i="0" u="none" strike="noStrike" cap="none" normalizeH="0" baseline="0">
-                  <a:ln>
-                    <a:noFill/>
-                  </a:ln>
-                  <a:solidFill>
-                    <a:srgbClr val="BCBEC4"/>
-                  </a:solidFill>
-                  <a:effectLst/>
-                  <a:latin typeface="+mj-lt"/>
-                  <a:cs typeface="JetBrains Mono" panose="02000009000000000000" pitchFamily="49" charset="0"/>
-                </a:rPr>
-              </a:br>
-              <a:r>
-                <a:rPr kumimoji="0" lang="zh-TW" altLang="zh-TW" sz="1600" b="0" i="0" u="none" strike="noStrike" cap="none" normalizeH="0" baseline="0">
-                  <a:ln>
-                    <a:noFill/>
-                  </a:ln>
-                  <a:solidFill>
-                    <a:srgbClr val="BCBEC4"/>
-                  </a:solidFill>
-                  <a:effectLst/>
-                  <a:latin typeface="+mj-lt"/>
-                  <a:cs typeface="JetBrains Mono" panose="02000009000000000000" pitchFamily="49" charset="0"/>
-                </a:rPr>
-                <a:t>}</a:t>
-              </a:r>
-              <a:endParaRPr kumimoji="0" lang="zh-TW" altLang="zh-TW" sz="2800" b="0" i="0" u="none" strike="noStrike" cap="none" normalizeH="0" baseline="0">
-                <a:ln>
-                  <a:noFill/>
-                </a:ln>
-                <a:solidFill>
-                  <a:schemeClr val="tx1"/>
-                </a:solidFill>
-                <a:effectLst/>
-                <a:latin typeface="+mj-lt"/>
-              </a:endParaRPr>
-            </a:p>
-          </p:txBody>
-        </p:sp>
-        <p:sp>
-          <p:nvSpPr>
-            <p:cNvPr id="7" name="文字方塊 6">
-              <a:extLst>
-                <a:ext uri="{FF2B5EF4-FFF2-40B4-BE49-F238E27FC236}">
-                  <a16:creationId xmlns:a16="http://schemas.microsoft.com/office/drawing/2014/main" id="{974AD89D-FF28-4181-B8CF-71FC6DEA7AF7}"/>
-                </a:ext>
-              </a:extLst>
-            </p:cNvPr>
-            <p:cNvSpPr txBox="1"/>
-            <p:nvPr/>
-          </p:nvSpPr>
-          <p:spPr>
-            <a:xfrm>
-              <a:off x="6336504" y="6018768"/>
-              <a:ext cx="691215" cy="369332"/>
-            </a:xfrm>
-            <a:prstGeom prst="rect">
-              <a:avLst/>
-            </a:prstGeom>
-            <a:noFill/>
-          </p:spPr>
-          <p:txBody>
-            <a:bodyPr wrap="none" rtlCol="0">
-              <a:spAutoFit/>
-            </a:bodyPr>
-            <a:lstStyle/>
-            <a:p>
-              <a:r>
-                <a:rPr lang="en-US" altLang="zh-TW">
-                  <a:solidFill>
-                    <a:schemeClr val="accent3"/>
-                  </a:solidFill>
-                </a:rPr>
-                <a:t>java</a:t>
-              </a:r>
-              <a:endParaRPr lang="zh-TW" altLang="en-US">
-                <a:solidFill>
-                  <a:schemeClr val="accent3"/>
-                </a:solidFill>
-              </a:endParaRPr>
-            </a:p>
-          </p:txBody>
-        </p:sp>
-        <p:pic>
-          <p:nvPicPr>
-            <p:cNvPr id="14" name="圖片 13">
-              <a:hlinkClick r:id="rId2"/>
-              <a:extLst>
-                <a:ext uri="{FF2B5EF4-FFF2-40B4-BE49-F238E27FC236}">
-                  <a16:creationId xmlns:a16="http://schemas.microsoft.com/office/drawing/2014/main" id="{A85B0069-19C9-4FBB-A463-06A5E9E50A1E}"/>
-                </a:ext>
-              </a:extLst>
-            </p:cNvPr>
-            <p:cNvPicPr>
-              <a:picLocks noChangeAspect="1"/>
-            </p:cNvPicPr>
-            <p:nvPr/>
-          </p:nvPicPr>
-          <p:blipFill>
-            <a:blip r:embed="rId3">
-              <a:extLst>
-                <a:ext uri="{28A0092B-C50C-407E-A947-70E740481C1C}">
-                  <a14:useLocalDpi xmlns:a14="http://schemas.microsoft.com/office/drawing/2010/main" val="0"/>
-                </a:ext>
-              </a:extLst>
-            </a:blip>
-            <a:stretch>
-              <a:fillRect/>
-            </a:stretch>
-          </p:blipFill>
-          <p:spPr>
-            <a:xfrm>
-              <a:off x="6488819" y="4328382"/>
-              <a:ext cx="538900" cy="527184"/>
-            </a:xfrm>
-            <a:prstGeom prst="rect">
-              <a:avLst/>
-            </a:prstGeom>
-          </p:spPr>
-        </p:pic>
-      </p:grpSp>
-      <p:sp>
-        <p:nvSpPr>
-          <p:cNvPr id="2" name="標題 1">
-            <a:extLst>
-              <a:ext uri="{FF2B5EF4-FFF2-40B4-BE49-F238E27FC236}">
-                <a16:creationId xmlns:a16="http://schemas.microsoft.com/office/drawing/2014/main" id="{A4E252C7-16D2-40FE-A0E9-9CB0766F8729}"/>
-              </a:ext>
-            </a:extLst>
-          </p:cNvPr>
-          <p:cNvSpPr>
-            <a:spLocks noGrp="1"/>
-          </p:cNvSpPr>
-          <p:nvPr>
-            <p:ph type="title"/>
-          </p:nvPr>
-        </p:nvSpPr>
-        <p:spPr/>
-        <p:txBody>
-          <a:bodyPr/>
-          <a:lstStyle/>
-          <a:p>
-            <a:r>
-              <a:rPr lang="en-US" altLang="zh-TW"/>
-              <a:t>for-each</a:t>
-            </a:r>
-            <a:endParaRPr lang="zh-TW" altLang="en-US"/>
-          </a:p>
-        </p:txBody>
-      </p:sp>
-      <p:sp>
-        <p:nvSpPr>
-          <p:cNvPr id="3" name="內容版面配置區 2">
-            <a:extLst>
-              <a:ext uri="{FF2B5EF4-FFF2-40B4-BE49-F238E27FC236}">
-                <a16:creationId xmlns:a16="http://schemas.microsoft.com/office/drawing/2014/main" id="{2DC259F5-78E3-456A-A104-56FEBD65D0BC}"/>
-              </a:ext>
-            </a:extLst>
-          </p:cNvPr>
-          <p:cNvSpPr>
-            <a:spLocks noGrp="1"/>
-          </p:cNvSpPr>
-          <p:nvPr>
-            <p:ph idx="1"/>
-          </p:nvPr>
-        </p:nvSpPr>
-        <p:spPr>
-          <a:xfrm>
-            <a:off x="838200" y="1585913"/>
-            <a:ext cx="10515600" cy="1010186"/>
-          </a:xfrm>
-        </p:spPr>
-        <p:txBody>
-          <a:bodyPr/>
-          <a:lstStyle/>
-          <a:p>
-            <a:r>
-              <a:rPr lang="zh-TW" altLang="en-US">
-                <a:latin typeface="+mj-lt"/>
-              </a:rPr>
-              <a:t>每次</a:t>
-            </a:r>
-            <a:r>
-              <a:rPr lang="zh-TW" altLang="en-US">
-                <a:solidFill>
-                  <a:srgbClr val="00B0F0"/>
-                </a:solidFill>
-                <a:latin typeface="+mj-lt"/>
-              </a:rPr>
-              <a:t>迭代</a:t>
-            </a:r>
-            <a:r>
-              <a:rPr lang="en-US" altLang="zh-TW">
-                <a:solidFill>
-                  <a:srgbClr val="00B0F0"/>
-                </a:solidFill>
-                <a:latin typeface="+mj-lt"/>
-              </a:rPr>
-              <a:t>(iteration)</a:t>
-            </a:r>
-            <a:r>
-              <a:rPr lang="zh-TW" altLang="en-US">
-                <a:solidFill>
-                  <a:srgbClr val="00B0F0"/>
-                </a:solidFill>
-                <a:latin typeface="+mj-lt"/>
-              </a:rPr>
-              <a:t>陣列</a:t>
-            </a:r>
-            <a:r>
-              <a:rPr lang="zh-TW" altLang="en-US">
-                <a:latin typeface="+mj-lt"/>
-              </a:rPr>
-              <a:t>都寫這麼長一個 </a:t>
-            </a:r>
-            <a:r>
-              <a:rPr lang="en-US" altLang="zh-TW">
-                <a:solidFill>
-                  <a:srgbClr val="CF8E6D"/>
-                </a:solidFill>
-                <a:latin typeface="+mj-lt"/>
-              </a:rPr>
-              <a:t>for</a:t>
-            </a:r>
-            <a:r>
-              <a:rPr lang="en-US" altLang="zh-TW">
-                <a:latin typeface="+mj-lt"/>
-              </a:rPr>
-              <a:t> </a:t>
-            </a:r>
-            <a:r>
-              <a:rPr lang="zh-TW" altLang="en-US">
-                <a:solidFill>
-                  <a:srgbClr val="00B0F0"/>
-                </a:solidFill>
-                <a:latin typeface="+mj-lt"/>
-              </a:rPr>
-              <a:t>迴圈</a:t>
-            </a:r>
-            <a:r>
-              <a:rPr lang="zh-TW" altLang="en-US">
-                <a:latin typeface="+mj-lt"/>
-              </a:rPr>
-              <a:t>，實在不便</a:t>
-            </a:r>
-            <a:endParaRPr lang="en-US" altLang="zh-TW">
-              <a:latin typeface="+mj-lt"/>
-            </a:endParaRPr>
-          </a:p>
-          <a:p>
-            <a:r>
-              <a:rPr lang="zh-TW" altLang="en-US">
-                <a:latin typeface="+mj-lt"/>
-              </a:rPr>
-              <a:t>所以可以使用「</a:t>
-            </a:r>
-            <a:r>
-              <a:rPr lang="en-US" altLang="zh-TW">
-                <a:solidFill>
-                  <a:srgbClr val="00B0F0"/>
-                </a:solidFill>
-                <a:latin typeface="+mj-lt"/>
-              </a:rPr>
-              <a:t>for-each</a:t>
-            </a:r>
-            <a:r>
-              <a:rPr lang="zh-TW" altLang="en-US">
-                <a:latin typeface="+mj-lt"/>
-              </a:rPr>
-              <a:t>」來避免寫這麼長的 </a:t>
-            </a:r>
-            <a:r>
-              <a:rPr lang="en-US" altLang="zh-TW">
-                <a:solidFill>
-                  <a:srgbClr val="CF8E6D"/>
-                </a:solidFill>
-                <a:latin typeface="+mj-lt"/>
-              </a:rPr>
-              <a:t>for</a:t>
-            </a:r>
-            <a:r>
-              <a:rPr lang="en-US" altLang="zh-TW">
-                <a:solidFill>
-                  <a:srgbClr val="00B0F0"/>
-                </a:solidFill>
-                <a:latin typeface="+mj-lt"/>
-              </a:rPr>
-              <a:t> </a:t>
-            </a:r>
-            <a:r>
-              <a:rPr lang="zh-TW" altLang="en-US">
-                <a:solidFill>
-                  <a:srgbClr val="00B0F0"/>
-                </a:solidFill>
-                <a:latin typeface="+mj-lt"/>
-              </a:rPr>
-              <a:t>迴圈</a:t>
-            </a:r>
-          </a:p>
-        </p:txBody>
-      </p:sp>
-      <p:sp>
-        <p:nvSpPr>
-          <p:cNvPr id="6" name="內容版面配置區 2">
-            <a:extLst>
-              <a:ext uri="{FF2B5EF4-FFF2-40B4-BE49-F238E27FC236}">
-                <a16:creationId xmlns:a16="http://schemas.microsoft.com/office/drawing/2014/main" id="{B55F031B-028A-48C6-A537-5371770ED454}"/>
-              </a:ext>
-            </a:extLst>
-          </p:cNvPr>
-          <p:cNvSpPr txBox="1">
-            <a:spLocks/>
-          </p:cNvSpPr>
-          <p:nvPr/>
-        </p:nvSpPr>
-        <p:spPr>
-          <a:xfrm>
-            <a:off x="838200" y="3844053"/>
-            <a:ext cx="10515600" cy="529569"/>
-          </a:xfrm>
-          <a:prstGeom prst="rect">
-            <a:avLst/>
-          </a:prstGeom>
-        </p:spPr>
-        <p:txBody>
-          <a:bodyPr vert="horz" lIns="91440" tIns="45720" rIns="91440" bIns="45720" rtlCol="0">
-            <a:normAutofit/>
-          </a:bodyPr>
-          <a:lstStyle>
-            <a:lvl1pPr marL="0" indent="0" algn="l" defTabSz="914400" rtl="0" eaLnBrk="1" latinLnBrk="0" hangingPunct="1">
-              <a:lnSpc>
-                <a:spcPct val="90000"/>
-              </a:lnSpc>
-              <a:spcBef>
-                <a:spcPts val="1000"/>
-              </a:spcBef>
-              <a:buFont typeface="Arial" panose="020B0604020202020204" pitchFamily="34" charset="0"/>
-              <a:buNone/>
-              <a:defRPr sz="2800" kern="1200">
-                <a:solidFill>
-                  <a:schemeClr val="tx1"/>
-                </a:solidFill>
-                <a:latin typeface="+mn-lt"/>
-                <a:ea typeface="+mn-ea"/>
-                <a:cs typeface="+mn-cs"/>
-              </a:defRPr>
-            </a:lvl1pPr>
-            <a:lvl2pPr marL="457200" indent="0" algn="l" defTabSz="914400" rtl="0" eaLnBrk="1" latinLnBrk="0" hangingPunct="1">
-              <a:lnSpc>
-                <a:spcPct val="90000"/>
-              </a:lnSpc>
-              <a:spcBef>
-                <a:spcPts val="500"/>
-              </a:spcBef>
-              <a:buFont typeface="Arial" panose="020B0604020202020204" pitchFamily="34" charset="0"/>
-              <a:buNone/>
-              <a:defRPr sz="2400" kern="1200">
-                <a:solidFill>
-                  <a:schemeClr val="tx1"/>
-                </a:solidFill>
-                <a:latin typeface="+mn-lt"/>
-                <a:ea typeface="+mn-ea"/>
-                <a:cs typeface="+mn-cs"/>
-              </a:defRPr>
-            </a:lvl2pPr>
-            <a:lvl3pPr marL="914400" indent="0" algn="l" defTabSz="914400" rtl="0" eaLnBrk="1" latinLnBrk="0" hangingPunct="1">
-              <a:lnSpc>
-                <a:spcPct val="90000"/>
-              </a:lnSpc>
-              <a:spcBef>
-                <a:spcPts val="500"/>
-              </a:spcBef>
-              <a:buFont typeface="Arial" panose="020B0604020202020204" pitchFamily="34" charset="0"/>
-              <a:buNone/>
-              <a:defRPr sz="2000" kern="1200">
-                <a:solidFill>
-                  <a:schemeClr val="tx1"/>
-                </a:solidFill>
-                <a:latin typeface="+mn-lt"/>
-                <a:ea typeface="+mn-ea"/>
-                <a:cs typeface="+mn-cs"/>
-              </a:defRPr>
-            </a:lvl3pPr>
-            <a:lvl4pPr marL="1371600" indent="0" algn="l" defTabSz="914400" rtl="0" eaLnBrk="1" latinLnBrk="0" hangingPunct="1">
-              <a:lnSpc>
-                <a:spcPct val="90000"/>
-              </a:lnSpc>
-              <a:spcBef>
-                <a:spcPts val="500"/>
-              </a:spcBef>
-              <a:buFont typeface="Arial" panose="020B0604020202020204" pitchFamily="34" charset="0"/>
-              <a:buNone/>
-              <a:defRPr sz="1800" kern="1200">
-                <a:solidFill>
-                  <a:schemeClr val="tx1"/>
-                </a:solidFill>
-                <a:latin typeface="+mn-lt"/>
-                <a:ea typeface="+mn-ea"/>
-                <a:cs typeface="+mn-cs"/>
-              </a:defRPr>
-            </a:lvl4pPr>
-            <a:lvl5pPr marL="1828800" indent="0" algn="l" defTabSz="914400" rtl="0" eaLnBrk="1" latinLnBrk="0" hangingPunct="1">
-              <a:lnSpc>
-                <a:spcPct val="90000"/>
-              </a:lnSpc>
-              <a:spcBef>
-                <a:spcPts val="500"/>
-              </a:spcBef>
-              <a:buFont typeface="Arial" panose="020B0604020202020204" pitchFamily="34" charset="0"/>
-              <a:buNone/>
-              <a:defRPr sz="1800" kern="1200">
-                <a:solidFill>
-                  <a:schemeClr val="tx1"/>
-                </a:solidFill>
-                <a:latin typeface="+mn-lt"/>
-                <a:ea typeface="+mn-ea"/>
-                <a:cs typeface="+mn-cs"/>
-              </a:defRPr>
-            </a:lvl5pPr>
-            <a:lvl6pPr marL="2514600" indent="-228600" algn="l" defTabSz="914400" rtl="0" eaLnBrk="1" latinLnBrk="0" hangingPunct="1">
-              <a:lnSpc>
-                <a:spcPct val="90000"/>
-              </a:lnSpc>
-              <a:spcBef>
-                <a:spcPts val="500"/>
-              </a:spcBef>
-              <a:buFont typeface="Arial" panose="020B0604020202020204" pitchFamily="34" charset="0"/>
-              <a:buChar char="•"/>
-              <a:defRPr sz="1800" kern="1200">
-                <a:solidFill>
-                  <a:schemeClr val="tx1"/>
-                </a:solidFill>
-                <a:latin typeface="+mn-lt"/>
-                <a:ea typeface="+mn-ea"/>
-                <a:cs typeface="+mn-cs"/>
-              </a:defRPr>
-            </a:lvl6pPr>
-            <a:lvl7pPr marL="2971800" indent="-228600" algn="l" defTabSz="914400" rtl="0" eaLnBrk="1" latinLnBrk="0" hangingPunct="1">
-              <a:lnSpc>
-                <a:spcPct val="90000"/>
-              </a:lnSpc>
-              <a:spcBef>
-                <a:spcPts val="500"/>
-              </a:spcBef>
-              <a:buFont typeface="Arial" panose="020B0604020202020204" pitchFamily="34" charset="0"/>
-              <a:buChar char="•"/>
-              <a:defRPr sz="1800" kern="1200">
-                <a:solidFill>
-                  <a:schemeClr val="tx1"/>
-                </a:solidFill>
-                <a:latin typeface="+mn-lt"/>
-                <a:ea typeface="+mn-ea"/>
-                <a:cs typeface="+mn-cs"/>
-              </a:defRPr>
-            </a:lvl7pPr>
-            <a:lvl8pPr marL="3429000" indent="-228600" algn="l" defTabSz="914400" rtl="0" eaLnBrk="1" latinLnBrk="0" hangingPunct="1">
-              <a:lnSpc>
-                <a:spcPct val="90000"/>
-              </a:lnSpc>
-              <a:spcBef>
-                <a:spcPts val="500"/>
-              </a:spcBef>
-              <a:buFont typeface="Arial" panose="020B0604020202020204" pitchFamily="34" charset="0"/>
-              <a:buChar char="•"/>
-              <a:defRPr sz="1800" kern="1200">
-                <a:solidFill>
-                  <a:schemeClr val="tx1"/>
-                </a:solidFill>
-                <a:latin typeface="+mn-lt"/>
-                <a:ea typeface="+mn-ea"/>
-                <a:cs typeface="+mn-cs"/>
-              </a:defRPr>
-            </a:lvl8pPr>
-            <a:lvl9pPr marL="3886200" indent="-228600" algn="l" defTabSz="914400" rtl="0" eaLnBrk="1" latinLnBrk="0" hangingPunct="1">
-              <a:lnSpc>
-                <a:spcPct val="90000"/>
-              </a:lnSpc>
-              <a:spcBef>
-                <a:spcPts val="500"/>
-              </a:spcBef>
-              <a:buFont typeface="Arial" panose="020B0604020202020204" pitchFamily="34" charset="0"/>
-              <a:buChar char="•"/>
-              <a:defRPr sz="1800" kern="1200">
-                <a:solidFill>
-                  <a:schemeClr val="tx1"/>
-                </a:solidFill>
-                <a:latin typeface="+mn-lt"/>
-                <a:ea typeface="+mn-ea"/>
-                <a:cs typeface="+mn-cs"/>
-              </a:defRPr>
-            </a:lvl9pPr>
-          </a:lstStyle>
-          <a:p>
-            <a:r>
-              <a:rPr lang="zh-TW" altLang="en-US">
-                <a:latin typeface="+mj-lt"/>
-              </a:rPr>
-              <a:t>其中</a:t>
-            </a:r>
-            <a:r>
-              <a:rPr lang="zh-TW" altLang="en-US">
-                <a:solidFill>
-                  <a:srgbClr val="FFC000"/>
-                </a:solidFill>
-                <a:latin typeface="+mj-lt"/>
-              </a:rPr>
-              <a:t>變數</a:t>
-            </a:r>
-            <a:r>
-              <a:rPr lang="zh-TW" altLang="en-US">
-                <a:latin typeface="+mj-lt"/>
-              </a:rPr>
-              <a:t>會在每次循環依序變為</a:t>
-            </a:r>
-            <a:r>
-              <a:rPr lang="zh-TW" altLang="en-US">
-                <a:solidFill>
-                  <a:srgbClr val="00B0F0"/>
-                </a:solidFill>
-                <a:latin typeface="+mj-lt"/>
-              </a:rPr>
-              <a:t>陣列</a:t>
-            </a:r>
-            <a:r>
-              <a:rPr lang="zh-TW" altLang="en-US">
-                <a:latin typeface="+mj-lt"/>
-              </a:rPr>
-              <a:t>中的</a:t>
-            </a:r>
-            <a:r>
-              <a:rPr lang="zh-TW" altLang="en-US">
-                <a:solidFill>
-                  <a:srgbClr val="00B0F0"/>
-                </a:solidFill>
-                <a:latin typeface="+mj-lt"/>
-              </a:rPr>
-              <a:t>元素</a:t>
-            </a:r>
-          </a:p>
-        </p:txBody>
-      </p:sp>
-      <p:grpSp>
-        <p:nvGrpSpPr>
-          <p:cNvPr id="10" name="群組 9">
-            <a:extLst>
-              <a:ext uri="{FF2B5EF4-FFF2-40B4-BE49-F238E27FC236}">
-                <a16:creationId xmlns:a16="http://schemas.microsoft.com/office/drawing/2014/main" id="{6E68A203-3ECB-40BD-B493-98EA031301F9}"/>
-              </a:ext>
-            </a:extLst>
-          </p:cNvPr>
-          <p:cNvGrpSpPr/>
-          <p:nvPr/>
-        </p:nvGrpSpPr>
-        <p:grpSpPr>
-          <a:xfrm>
-            <a:off x="838199" y="2596099"/>
-            <a:ext cx="10515599" cy="1200329"/>
-            <a:chOff x="838199" y="2700874"/>
-            <a:chExt cx="10515599" cy="1200329"/>
-          </a:xfrm>
-        </p:grpSpPr>
-        <p:sp>
-          <p:nvSpPr>
-            <p:cNvPr id="5" name="Rectangle 2">
-              <a:extLst>
-                <a:ext uri="{FF2B5EF4-FFF2-40B4-BE49-F238E27FC236}">
-                  <a16:creationId xmlns:a16="http://schemas.microsoft.com/office/drawing/2014/main" id="{ACECFFDE-6585-4C2F-9DE4-3402E21A6200}"/>
-                </a:ext>
-              </a:extLst>
-            </p:cNvPr>
-            <p:cNvSpPr>
-              <a:spLocks noChangeArrowheads="1"/>
-            </p:cNvSpPr>
-            <p:nvPr/>
-          </p:nvSpPr>
-          <p:spPr bwMode="auto">
-            <a:xfrm>
-              <a:off x="838199" y="2700874"/>
-              <a:ext cx="10515599" cy="1200329"/>
-            </a:xfrm>
-            <a:prstGeom prst="rect">
-              <a:avLst/>
-            </a:prstGeom>
-            <a:solidFill>
-              <a:srgbClr val="1E1F22"/>
-            </a:solidFill>
-            <a:ln>
-              <a:noFill/>
-            </a:ln>
-            <a:effectLst/>
-            <a:extLst>
-              <a:ext uri="{91240B29-F687-4F45-9708-019B960494DF}">
-                <a14:hiddenLine xmlns:a14="http://schemas.microsoft.com/office/drawing/2010/main" w="9525">
-                  <a:solidFill>
-                    <a:schemeClr val="tx1"/>
-                  </a:solidFill>
-                  <a:miter lim="800000"/>
-                  <a:headEnd/>
-                  <a:tailEnd/>
-                </a14:hiddenLine>
-              </a:ext>
-              <a:ext uri="{AF507438-7753-43E0-B8FC-AC1667EBCBE1}">
-                <a14:hiddenEffects xmlns:a14="http://schemas.microsoft.com/office/drawing/2010/main">
-                  <a:effectLst>
-                    <a:outerShdw dist="35921" dir="2700000" algn="ctr" rotWithShape="0">
-                      <a:schemeClr val="bg2"/>
-                    </a:outerShdw>
-                  </a:effectLst>
-                </a14:hiddenEffects>
-              </a:ext>
-            </a:extLst>
-          </p:spPr>
-          <p:txBody>
-            <a:bodyPr vert="horz" wrap="square" lIns="91440" tIns="45720" rIns="91440" bIns="45720" numCol="1" anchor="ctr" anchorCtr="0" compatLnSpc="1">
-              <a:prstTxWarp prst="textNoShape">
-                <a:avLst/>
-              </a:prstTxWarp>
-              <a:spAutoFit/>
-            </a:bodyPr>
-            <a:lstStyle/>
-            <a:p>
-              <a:pPr marL="0" marR="0" lvl="0" indent="0" algn="l" defTabSz="914400" rtl="0" eaLnBrk="0" fontAlgn="base" latinLnBrk="0" hangingPunct="0">
-                <a:lnSpc>
-                  <a:spcPct val="100000"/>
-                </a:lnSpc>
-                <a:spcBef>
-                  <a:spcPct val="0"/>
-                </a:spcBef>
-                <a:spcAft>
-                  <a:spcPct val="0"/>
-                </a:spcAft>
-                <a:buClrTx/>
-                <a:buSzTx/>
-                <a:buFontTx/>
-                <a:buNone/>
-                <a:tabLst/>
-              </a:pPr>
-              <a:r>
-                <a:rPr kumimoji="0" lang="zh-TW" altLang="zh-TW" sz="2400" b="0" i="0" u="none" strike="noStrike" cap="none" normalizeH="0" baseline="0">
-                  <a:ln>
-                    <a:noFill/>
-                  </a:ln>
-                  <a:solidFill>
-                    <a:srgbClr val="CF8E6D"/>
-                  </a:solidFill>
-                  <a:effectLst/>
-                  <a:latin typeface="+mj-lt"/>
-                  <a:cs typeface="JetBrains Mono" panose="02000009000000000000" pitchFamily="49" charset="0"/>
-                </a:rPr>
-                <a:t>for </a:t>
-              </a:r>
-              <a:r>
-                <a:rPr kumimoji="0" lang="zh-TW" altLang="zh-TW" sz="2400" b="0" i="0" u="none" strike="noStrike" cap="none" normalizeH="0" baseline="0">
-                  <a:ln>
-                    <a:noFill/>
-                  </a:ln>
-                  <a:solidFill>
-                    <a:srgbClr val="BCBEC4"/>
-                  </a:solidFill>
-                  <a:effectLst/>
-                  <a:latin typeface="+mj-lt"/>
-                  <a:cs typeface="JetBrains Mono" panose="02000009000000000000" pitchFamily="49" charset="0"/>
-                </a:rPr>
-                <a:t>(</a:t>
-              </a:r>
-              <a:r>
-                <a:rPr lang="zh-TW" altLang="en-US" sz="2400">
-                  <a:solidFill>
-                    <a:srgbClr val="92D050"/>
-                  </a:solidFill>
-                  <a:latin typeface="+mj-lt"/>
-                  <a:ea typeface="微軟正黑體" panose="020B0604030504040204" pitchFamily="34" charset="-120"/>
-                  <a:cs typeface="JetBrains Mono" panose="02000009000000000000" pitchFamily="49" charset="0"/>
-                </a:rPr>
-                <a:t>陣列</a:t>
-              </a:r>
-              <a:r>
-                <a:rPr kumimoji="0" lang="zh-TW" altLang="zh-TW" sz="2400" b="0" i="0" u="none" strike="noStrike" cap="none" normalizeH="0" baseline="0">
-                  <a:ln>
-                    <a:noFill/>
-                  </a:ln>
-                  <a:solidFill>
-                    <a:srgbClr val="92D050"/>
-                  </a:solidFill>
-                  <a:effectLst/>
-                  <a:latin typeface="+mj-lt"/>
-                  <a:ea typeface="微軟正黑體" panose="020B0604030504040204" pitchFamily="34" charset="-120"/>
-                  <a:cs typeface="JetBrains Mono" panose="02000009000000000000" pitchFamily="49" charset="0"/>
-                </a:rPr>
-                <a:t>元素型別 </a:t>
-              </a:r>
-              <a:r>
-                <a:rPr kumimoji="0" lang="zh-TW" altLang="zh-TW" sz="2400" b="0" i="0" u="none" strike="noStrike" cap="none" normalizeH="0" baseline="0">
-                  <a:ln>
-                    <a:noFill/>
-                  </a:ln>
-                  <a:solidFill>
-                    <a:srgbClr val="FFC000"/>
-                  </a:solidFill>
-                  <a:effectLst/>
-                  <a:latin typeface="+mj-lt"/>
-                  <a:ea typeface="微軟正黑體" panose="020B0604030504040204" pitchFamily="34" charset="-120"/>
-                  <a:cs typeface="JetBrains Mono" panose="02000009000000000000" pitchFamily="49" charset="0"/>
-                </a:rPr>
-                <a:t>變數</a:t>
-              </a:r>
-              <a:r>
-                <a:rPr kumimoji="0" lang="zh-TW" altLang="zh-TW" sz="2400" b="0" i="0" u="none" strike="noStrike" cap="none" normalizeH="0" baseline="0">
-                  <a:ln>
-                    <a:noFill/>
-                  </a:ln>
-                  <a:solidFill>
-                    <a:srgbClr val="BCBEC4"/>
-                  </a:solidFill>
-                  <a:effectLst/>
-                  <a:latin typeface="+mj-lt"/>
-                  <a:ea typeface="微軟正黑體" panose="020B0604030504040204" pitchFamily="34" charset="-120"/>
-                  <a:cs typeface="JetBrains Mono" panose="02000009000000000000" pitchFamily="49" charset="0"/>
-                </a:rPr>
-                <a:t> </a:t>
-              </a:r>
-              <a:r>
-                <a:rPr kumimoji="0" lang="zh-TW" altLang="zh-TW" sz="2400" b="0" i="0" u="none" strike="noStrike" cap="none" normalizeH="0" baseline="0">
-                  <a:ln>
-                    <a:noFill/>
-                  </a:ln>
-                  <a:solidFill>
-                    <a:srgbClr val="BCBEC4"/>
-                  </a:solidFill>
-                  <a:effectLst/>
-                  <a:latin typeface="+mj-lt"/>
-                  <a:cs typeface="JetBrains Mono" panose="02000009000000000000" pitchFamily="49" charset="0"/>
-                </a:rPr>
-                <a:t>: </a:t>
-              </a:r>
-              <a:r>
-                <a:rPr kumimoji="0" lang="zh-TW" altLang="zh-TW" sz="2400" b="0" i="0" u="none" strike="noStrike" cap="none" normalizeH="0" baseline="0">
-                  <a:ln>
-                    <a:noFill/>
-                  </a:ln>
-                  <a:solidFill>
-                    <a:srgbClr val="00B0F0"/>
-                  </a:solidFill>
-                  <a:effectLst/>
-                  <a:latin typeface="+mj-lt"/>
-                  <a:ea typeface="微軟正黑體" panose="020B0604030504040204" pitchFamily="34" charset="-120"/>
-                  <a:cs typeface="JetBrains Mono" panose="02000009000000000000" pitchFamily="49" charset="0"/>
-                </a:rPr>
-                <a:t>陣列</a:t>
-              </a:r>
-              <a:r>
-                <a:rPr kumimoji="0" lang="zh-TW" altLang="zh-TW" sz="2400" b="0" i="0" u="none" strike="noStrike" cap="none" normalizeH="0" baseline="0">
-                  <a:ln>
-                    <a:noFill/>
-                  </a:ln>
-                  <a:solidFill>
-                    <a:srgbClr val="BCBEC4"/>
-                  </a:solidFill>
-                  <a:effectLst/>
-                  <a:latin typeface="+mj-lt"/>
-                  <a:cs typeface="JetBrains Mono" panose="02000009000000000000" pitchFamily="49" charset="0"/>
-                </a:rPr>
-                <a:t>) {</a:t>
-              </a:r>
-              <a:br>
-                <a:rPr kumimoji="0" lang="zh-TW" altLang="zh-TW" sz="2400" b="0" i="0" u="none" strike="noStrike" cap="none" normalizeH="0" baseline="0">
-                  <a:ln>
-                    <a:noFill/>
-                  </a:ln>
-                  <a:solidFill>
-                    <a:srgbClr val="BCBEC4"/>
-                  </a:solidFill>
-                  <a:effectLst/>
-                  <a:latin typeface="+mj-lt"/>
-                  <a:cs typeface="JetBrains Mono" panose="02000009000000000000" pitchFamily="49" charset="0"/>
-                </a:rPr>
-              </a:br>
-              <a:r>
-                <a:rPr kumimoji="0" lang="zh-TW" altLang="zh-TW" sz="2400" b="0" i="0" u="none" strike="noStrike" cap="none" normalizeH="0" baseline="0">
-                  <a:ln>
-                    <a:noFill/>
-                  </a:ln>
-                  <a:solidFill>
-                    <a:srgbClr val="BCBEC4"/>
-                  </a:solidFill>
-                  <a:effectLst/>
-                  <a:latin typeface="+mj-lt"/>
-                  <a:cs typeface="JetBrains Mono" panose="02000009000000000000" pitchFamily="49" charset="0"/>
-                </a:rPr>
-                <a:t>    </a:t>
-              </a:r>
-              <a:r>
-                <a:rPr kumimoji="0" lang="zh-TW" altLang="zh-TW" sz="2400" b="0" i="0" u="none" strike="noStrike" cap="none" normalizeH="0" baseline="0">
-                  <a:ln>
-                    <a:noFill/>
-                  </a:ln>
-                  <a:solidFill>
-                    <a:srgbClr val="FFFF00"/>
-                  </a:solidFill>
-                  <a:effectLst/>
-                  <a:latin typeface="+mj-lt"/>
-                  <a:ea typeface="微軟正黑體" panose="020B0604030504040204" pitchFamily="34" charset="-120"/>
-                  <a:cs typeface="JetBrains Mono" panose="02000009000000000000" pitchFamily="49" charset="0"/>
-                </a:rPr>
-                <a:t>陳述式</a:t>
-              </a:r>
-              <a:r>
-                <a:rPr kumimoji="0" lang="zh-TW" altLang="zh-TW" sz="2400" b="0" i="0" u="none" strike="noStrike" cap="none" normalizeH="0" baseline="0">
-                  <a:ln>
-                    <a:noFill/>
-                  </a:ln>
-                  <a:solidFill>
-                    <a:srgbClr val="FFFF00"/>
-                  </a:solidFill>
-                  <a:effectLst/>
-                  <a:latin typeface="+mj-lt"/>
-                  <a:cs typeface="JetBrains Mono" panose="02000009000000000000" pitchFamily="49" charset="0"/>
-                </a:rPr>
-                <a:t>...</a:t>
-              </a:r>
-              <a:br>
-                <a:rPr kumimoji="0" lang="zh-TW" altLang="zh-TW" sz="2400" b="0" i="0" u="none" strike="noStrike" cap="none" normalizeH="0" baseline="0">
-                  <a:ln>
-                    <a:noFill/>
-                  </a:ln>
-                  <a:solidFill>
-                    <a:srgbClr val="BCBEC4"/>
-                  </a:solidFill>
-                  <a:effectLst/>
-                  <a:latin typeface="+mj-lt"/>
-                  <a:cs typeface="JetBrains Mono" panose="02000009000000000000" pitchFamily="49" charset="0"/>
-                </a:rPr>
-              </a:br>
-              <a:r>
-                <a:rPr kumimoji="0" lang="zh-TW" altLang="zh-TW" sz="2400" b="0" i="0" u="none" strike="noStrike" cap="none" normalizeH="0" baseline="0">
-                  <a:ln>
-                    <a:noFill/>
-                  </a:ln>
-                  <a:solidFill>
-                    <a:srgbClr val="BCBEC4"/>
-                  </a:solidFill>
-                  <a:effectLst/>
-                  <a:latin typeface="+mj-lt"/>
-                  <a:cs typeface="JetBrains Mono" panose="02000009000000000000" pitchFamily="49" charset="0"/>
-                </a:rPr>
-                <a:t>}</a:t>
-              </a:r>
-              <a:endParaRPr kumimoji="0" lang="zh-TW" altLang="zh-TW" sz="4000" b="0" i="0" u="none" strike="noStrike" cap="none" normalizeH="0" baseline="0">
-                <a:ln>
-                  <a:noFill/>
-                </a:ln>
-                <a:solidFill>
-                  <a:schemeClr val="tx1"/>
-                </a:solidFill>
-                <a:effectLst/>
-                <a:latin typeface="+mj-lt"/>
-              </a:endParaRPr>
-            </a:p>
-          </p:txBody>
-        </p:sp>
-        <p:sp>
-          <p:nvSpPr>
-            <p:cNvPr id="9" name="文字方塊 8">
-              <a:extLst>
-                <a:ext uri="{FF2B5EF4-FFF2-40B4-BE49-F238E27FC236}">
-                  <a16:creationId xmlns:a16="http://schemas.microsoft.com/office/drawing/2014/main" id="{BAD85D20-F903-4971-9C6A-D4D857BCCAD0}"/>
-                </a:ext>
-              </a:extLst>
-            </p:cNvPr>
-            <p:cNvSpPr txBox="1"/>
-            <p:nvPr/>
-          </p:nvSpPr>
-          <p:spPr>
-            <a:xfrm>
-              <a:off x="10662582" y="3523190"/>
-              <a:ext cx="691215" cy="369332"/>
-            </a:xfrm>
-            <a:prstGeom prst="rect">
-              <a:avLst/>
-            </a:prstGeom>
-            <a:noFill/>
-          </p:spPr>
-          <p:txBody>
-            <a:bodyPr wrap="none" rtlCol="0">
-              <a:spAutoFit/>
-            </a:bodyPr>
-            <a:lstStyle/>
-            <a:p>
-              <a:r>
-                <a:rPr lang="en-US" altLang="zh-TW">
-                  <a:solidFill>
-                    <a:schemeClr val="accent3"/>
-                  </a:solidFill>
-                </a:rPr>
-                <a:t>java</a:t>
-              </a:r>
-              <a:endParaRPr lang="zh-TW" altLang="en-US">
-                <a:solidFill>
-                  <a:schemeClr val="accent3"/>
-                </a:solidFill>
-              </a:endParaRPr>
-            </a:p>
-          </p:txBody>
-        </p:sp>
-      </p:grpSp>
-      <p:grpSp>
-        <p:nvGrpSpPr>
-          <p:cNvPr id="11" name="群組 10">
-            <a:extLst>
-              <a:ext uri="{FF2B5EF4-FFF2-40B4-BE49-F238E27FC236}">
-                <a16:creationId xmlns:a16="http://schemas.microsoft.com/office/drawing/2014/main" id="{3BBAD1A9-0F67-4CC4-BB65-27D24EB610E5}"/>
-              </a:ext>
-            </a:extLst>
-          </p:cNvPr>
-          <p:cNvGrpSpPr/>
-          <p:nvPr/>
-        </p:nvGrpSpPr>
-        <p:grpSpPr>
-          <a:xfrm>
-            <a:off x="8260555" y="5151019"/>
-            <a:ext cx="3093242" cy="461665"/>
-            <a:chOff x="1590189" y="6150062"/>
-            <a:chExt cx="3093242" cy="461665"/>
-          </a:xfrm>
-        </p:grpSpPr>
-        <p:sp>
-          <p:nvSpPr>
-            <p:cNvPr id="12" name="Rectangle 4">
-              <a:extLst>
-                <a:ext uri="{FF2B5EF4-FFF2-40B4-BE49-F238E27FC236}">
-                  <a16:creationId xmlns:a16="http://schemas.microsoft.com/office/drawing/2014/main" id="{B00755A5-3218-47E5-83A0-6CDEB705AA6E}"/>
-                </a:ext>
-              </a:extLst>
-            </p:cNvPr>
-            <p:cNvSpPr>
-              <a:spLocks noChangeArrowheads="1"/>
-            </p:cNvSpPr>
-            <p:nvPr/>
-          </p:nvSpPr>
-          <p:spPr bwMode="auto">
-            <a:xfrm>
-              <a:off x="1590189" y="6150062"/>
-              <a:ext cx="3093242" cy="461665"/>
-            </a:xfrm>
-            <a:prstGeom prst="rect">
-              <a:avLst/>
-            </a:prstGeom>
-            <a:solidFill>
-              <a:srgbClr val="1E1F22"/>
-            </a:solidFill>
-            <a:ln w="9525">
-              <a:noFill/>
-              <a:miter lim="800000"/>
-              <a:headEnd/>
-              <a:tailEnd/>
-            </a:ln>
-            <a:effectLst/>
-            <a:extLst>
-              <a:ext uri="{AF507438-7753-43E0-B8FC-AC1667EBCBE1}">
-                <a14:hiddenEffects xmlns:a14="http://schemas.microsoft.com/office/drawing/2010/main">
-                  <a:effectLst>
-                    <a:outerShdw dist="35921" dir="2700000" algn="ctr" rotWithShape="0">
-                      <a:schemeClr val="bg2"/>
-                    </a:outerShdw>
-                  </a:effectLst>
-                </a14:hiddenEffects>
-              </a:ext>
-            </a:extLst>
-          </p:spPr>
-          <p:txBody>
-            <a:bodyPr vert="horz" wrap="square" lIns="91440" tIns="45720" rIns="91440" bIns="45720" numCol="1" anchor="ctr" anchorCtr="0" compatLnSpc="1">
-              <a:prstTxWarp prst="textNoShape">
-                <a:avLst/>
-              </a:prstTxWarp>
-              <a:spAutoFit/>
-            </a:bodyPr>
-            <a:lstStyle/>
-            <a:p>
-              <a:pPr marL="0" marR="0" lvl="0" indent="0" algn="l" defTabSz="914400" rtl="0" eaLnBrk="0" fontAlgn="base" latinLnBrk="0" hangingPunct="0">
-                <a:lnSpc>
-                  <a:spcPct val="100000"/>
-                </a:lnSpc>
-                <a:spcBef>
-                  <a:spcPct val="0"/>
-                </a:spcBef>
-                <a:spcAft>
-                  <a:spcPct val="0"/>
-                </a:spcAft>
-                <a:buClrTx/>
-                <a:buSzTx/>
-                <a:buFontTx/>
-                <a:buNone/>
-                <a:tabLst/>
-              </a:pPr>
-              <a:r>
-                <a:rPr kumimoji="0" lang="en-US" altLang="zh-TW" sz="2400" b="0" i="0" u="none" strike="noStrike" cap="none" normalizeH="0" baseline="0">
-                  <a:ln>
-                    <a:noFill/>
-                  </a:ln>
-                  <a:solidFill>
-                    <a:srgbClr val="BCBEC4"/>
-                  </a:solidFill>
-                  <a:effectLst/>
-                  <a:latin typeface="+mj-lt"/>
-                  <a:cs typeface="JetBrains Mono" panose="02000009000000000000" pitchFamily="49" charset="0"/>
-                </a:rPr>
-                <a:t>6 4 5 7 2 9</a:t>
-              </a:r>
-              <a:endParaRPr kumimoji="0" lang="zh-TW" altLang="zh-TW" sz="4000" b="0" i="0" u="none" strike="noStrike" cap="none" normalizeH="0" baseline="0">
-                <a:ln>
-                  <a:noFill/>
-                </a:ln>
-                <a:solidFill>
-                  <a:schemeClr val="tx1"/>
-                </a:solidFill>
-                <a:effectLst/>
-                <a:latin typeface="+mj-lt"/>
-              </a:endParaRPr>
-            </a:p>
-          </p:txBody>
-        </p:sp>
-        <p:sp>
-          <p:nvSpPr>
-            <p:cNvPr id="13" name="文字方塊 12">
-              <a:extLst>
-                <a:ext uri="{FF2B5EF4-FFF2-40B4-BE49-F238E27FC236}">
-                  <a16:creationId xmlns:a16="http://schemas.microsoft.com/office/drawing/2014/main" id="{06004409-0BF8-4E1A-BCB4-9EA71D5524DB}"/>
-                </a:ext>
-              </a:extLst>
-            </p:cNvPr>
-            <p:cNvSpPr txBox="1"/>
-            <p:nvPr/>
-          </p:nvSpPr>
-          <p:spPr>
-            <a:xfrm>
-              <a:off x="3902447" y="6303950"/>
-              <a:ext cx="780983" cy="307777"/>
-            </a:xfrm>
-            <a:prstGeom prst="rect">
-              <a:avLst/>
-            </a:prstGeom>
-            <a:noFill/>
-            <a:ln>
-              <a:noFill/>
-            </a:ln>
-          </p:spPr>
-          <p:txBody>
-            <a:bodyPr wrap="none" rtlCol="0">
-              <a:spAutoFit/>
-            </a:bodyPr>
-            <a:lstStyle/>
-            <a:p>
-              <a:r>
-                <a:rPr lang="en-US" altLang="zh-TW" sz="1400">
-                  <a:solidFill>
-                    <a:schemeClr val="accent3"/>
-                  </a:solidFill>
-                </a:rPr>
-                <a:t>output</a:t>
-              </a:r>
-              <a:endParaRPr lang="zh-TW" altLang="en-US" sz="1400">
-                <a:solidFill>
-                  <a:schemeClr val="accent3"/>
-                </a:solidFill>
-              </a:endParaRPr>
-            </a:p>
-          </p:txBody>
-        </p:sp>
-      </p:grpSp>
-    </p:spTree>
-    <p:extLst>
-      <p:ext uri="{BB962C8B-B14F-4D97-AF65-F5344CB8AC3E}">
-        <p14:creationId xmlns:p14="http://schemas.microsoft.com/office/powerpoint/2010/main" val="2575915868"/>
-      </p:ext>
-    </p:extLst>
-  </p:cSld>
-  <p:clrMapOvr>
-    <a:masterClrMapping/>
-  </p:clrMapOvr>
-  <p:transition spd="slow">
-    <p:push dir="u"/>
-  </p:transition>
-</p:sld>
-</file>
-
-<file path=ppt/slides/slide11.xml><?xml version="1.0" encoding="utf-8"?>
-<p:sld xmlns:a="http://schemas.openxmlformats.org/drawingml/2006/main" xmlns:r="http://schemas.openxmlformats.org/officeDocument/2006/relationships" xmlns:p="http://schemas.openxmlformats.org/presentationml/2006/main">
-  <p:cSld>
-    <p:spTree>
-      <p:nvGrpSpPr>
-        <p:cNvPr id="1" name=""/>
-        <p:cNvGrpSpPr/>
-        <p:nvPr/>
-      </p:nvGrpSpPr>
-      <p:grpSpPr>
-        <a:xfrm>
-          <a:off x="0" y="0"/>
-          <a:ext cx="0" cy="0"/>
-          <a:chOff x="0" y="0"/>
-          <a:chExt cx="0" cy="0"/>
-        </a:xfrm>
-      </p:grpSpPr>
       <p:sp>
         <p:nvSpPr>
           <p:cNvPr id="2" name="標題 1">
@@ -5489,7 +3749,7 @@
 </p:sld>
 </file>
 
-<file path=ppt/slides/slide12.xml><?xml version="1.0" encoding="utf-8"?>
+<file path=ppt/slides/slide11.xml><?xml version="1.0" encoding="utf-8"?>
 <p:sld xmlns:a="http://schemas.openxmlformats.org/drawingml/2006/main" xmlns:r="http://schemas.openxmlformats.org/officeDocument/2006/relationships" xmlns:p="http://schemas.openxmlformats.org/presentationml/2006/main">
   <p:cSld>
     <p:spTree>
@@ -9508,7 +7768,7 @@
 </p:sld>
 </file>
 
-<file path=ppt/slides/slide13.xml><?xml version="1.0" encoding="utf-8"?>
+<file path=ppt/slides/slide12.xml><?xml version="1.0" encoding="utf-8"?>
 <p:sld xmlns:a="http://schemas.openxmlformats.org/drawingml/2006/main" xmlns:r="http://schemas.openxmlformats.org/officeDocument/2006/relationships" xmlns:p="http://schemas.openxmlformats.org/presentationml/2006/main">
   <p:cSld>
     <p:spTree>
@@ -12008,7 +10268,7 @@
 </p:sld>
 </file>
 
-<file path=ppt/slides/slide14.xml><?xml version="1.0" encoding="utf-8"?>
+<file path=ppt/slides/slide13.xml><?xml version="1.0" encoding="utf-8"?>
 <p:sld xmlns:a="http://schemas.openxmlformats.org/drawingml/2006/main" xmlns:r="http://schemas.openxmlformats.org/officeDocument/2006/relationships" xmlns:p="http://schemas.openxmlformats.org/presentationml/2006/main">
   <p:cSld>
     <p:spTree>
@@ -12090,7 +10350,7 @@
           <a:p>
             <a:r>
               <a:rPr lang="zh-TW" altLang="en-US"/>
-              <a:t>剛剛所介紹的其實叫做</a:t>
+              <a:t>剛剛所介紹的叫做</a:t>
             </a:r>
             <a:r>
               <a:rPr lang="zh-TW" altLang="en-US">
@@ -13732,7 +11992,7 @@
 </p:sld>
 </file>
 
-<file path=ppt/slides/slide15.xml><?xml version="1.0" encoding="utf-8"?>
+<file path=ppt/slides/slide14.xml><?xml version="1.0" encoding="utf-8"?>
 <p:sld xmlns:a="http://schemas.openxmlformats.org/drawingml/2006/main" xmlns:r="http://schemas.openxmlformats.org/officeDocument/2006/relationships" xmlns:p="http://schemas.openxmlformats.org/presentationml/2006/main">
   <p:cSld>
     <p:spTree>
@@ -14440,7 +12700,7 @@
 </p:sld>
 </file>
 
-<file path=ppt/slides/slide16.xml><?xml version="1.0" encoding="utf-8"?>
+<file path=ppt/slides/slide15.xml><?xml version="1.0" encoding="utf-8"?>
 <p:sld xmlns:a="http://schemas.openxmlformats.org/drawingml/2006/main" xmlns:r="http://schemas.openxmlformats.org/officeDocument/2006/relationships" xmlns:p="http://schemas.openxmlformats.org/presentationml/2006/main">
   <p:cSld>
     <p:spTree>
@@ -16128,7 +14388,7 @@
 </p:sld>
 </file>
 
-<file path=ppt/slides/slide17.xml><?xml version="1.0" encoding="utf-8"?>
+<file path=ppt/slides/slide16.xml><?xml version="1.0" encoding="utf-8"?>
 <p:sld xmlns:a="http://schemas.openxmlformats.org/drawingml/2006/main" xmlns:r="http://schemas.openxmlformats.org/officeDocument/2006/relationships" xmlns:p="http://schemas.openxmlformats.org/presentationml/2006/main">
   <p:cSld>
     <p:spTree>
@@ -16701,7 +14961,7 @@
 </p:sld>
 </file>
 
-<file path=ppt/slides/slide18.xml><?xml version="1.0" encoding="utf-8"?>
+<file path=ppt/slides/slide17.xml><?xml version="1.0" encoding="utf-8"?>
 <p:sld xmlns:a="http://schemas.openxmlformats.org/drawingml/2006/main" xmlns:r="http://schemas.openxmlformats.org/officeDocument/2006/relationships" xmlns:p="http://schemas.openxmlformats.org/presentationml/2006/main">
   <p:cSld>
     <p:spTree>
@@ -18973,7 +17233,7 @@
 </p:sld>
 </file>
 
-<file path=ppt/slides/slide19.xml><?xml version="1.0" encoding="utf-8"?>
+<file path=ppt/slides/slide18.xml><?xml version="1.0" encoding="utf-8"?>
 <p:sld xmlns:a="http://schemas.openxmlformats.org/drawingml/2006/main" xmlns:r="http://schemas.openxmlformats.org/officeDocument/2006/relationships" xmlns:p="http://schemas.openxmlformats.org/presentationml/2006/main">
   <p:cSld>
     <p:spTree>
@@ -19666,6 +17926,641 @@
     <p:extLst>
       <p:ext uri="{BB962C8B-B14F-4D97-AF65-F5344CB8AC3E}">
         <p14:creationId xmlns:p14="http://schemas.microsoft.com/office/powerpoint/2010/main" val="2209087254"/>
+      </p:ext>
+    </p:extLst>
+  </p:cSld>
+  <p:clrMapOvr>
+    <a:masterClrMapping/>
+  </p:clrMapOvr>
+  <p:transition spd="slow">
+    <p:push dir="u"/>
+  </p:transition>
+</p:sld>
+</file>
+
+<file path=ppt/slides/slide19.xml><?xml version="1.0" encoding="utf-8"?>
+<p:sld xmlns:a="http://schemas.openxmlformats.org/drawingml/2006/main" xmlns:r="http://schemas.openxmlformats.org/officeDocument/2006/relationships" xmlns:p="http://schemas.openxmlformats.org/presentationml/2006/main">
+  <p:cSld>
+    <p:spTree>
+      <p:nvGrpSpPr>
+        <p:cNvPr id="1" name=""/>
+        <p:cNvGrpSpPr/>
+        <p:nvPr/>
+      </p:nvGrpSpPr>
+      <p:grpSpPr>
+        <a:xfrm>
+          <a:off x="0" y="0"/>
+          <a:ext cx="0" cy="0"/>
+          <a:chOff x="0" y="0"/>
+          <a:chExt cx="0" cy="0"/>
+        </a:xfrm>
+      </p:grpSpPr>
+      <p:sp>
+        <p:nvSpPr>
+          <p:cNvPr id="2" name="標題 1">
+            <a:extLst>
+              <a:ext uri="{FF2B5EF4-FFF2-40B4-BE49-F238E27FC236}">
+                <a16:creationId xmlns:a16="http://schemas.microsoft.com/office/drawing/2014/main" id="{4719A5B4-D40D-422E-B23B-EDE38E50F36F}"/>
+              </a:ext>
+            </a:extLst>
+          </p:cNvPr>
+          <p:cNvSpPr>
+            <a:spLocks noGrp="1"/>
+          </p:cNvSpPr>
+          <p:nvPr>
+            <p:ph type="title"/>
+          </p:nvPr>
+        </p:nvSpPr>
+        <p:spPr/>
+        <p:txBody>
+          <a:bodyPr/>
+          <a:lstStyle/>
+          <a:p>
+            <a:r>
+              <a:rPr lang="zh-TW" altLang="en-US"/>
+              <a:t>數學</a:t>
+            </a:r>
+          </a:p>
+        </p:txBody>
+      </p:sp>
+      <p:sp>
+        <p:nvSpPr>
+          <p:cNvPr id="3" name="內容版面配置區 2">
+            <a:extLst>
+              <a:ext uri="{FF2B5EF4-FFF2-40B4-BE49-F238E27FC236}">
+                <a16:creationId xmlns:a16="http://schemas.microsoft.com/office/drawing/2014/main" id="{DC8DB342-EFC6-4F92-ACCD-F175FF2F1960}"/>
+              </a:ext>
+            </a:extLst>
+          </p:cNvPr>
+          <p:cNvSpPr>
+            <a:spLocks noGrp="1"/>
+          </p:cNvSpPr>
+          <p:nvPr>
+            <p:ph idx="1"/>
+          </p:nvPr>
+        </p:nvSpPr>
+        <p:spPr>
+          <a:xfrm>
+            <a:off x="838200" y="1622424"/>
+            <a:ext cx="10515600" cy="4575176"/>
+          </a:xfrm>
+        </p:spPr>
+        <p:txBody>
+          <a:bodyPr/>
+          <a:lstStyle/>
+          <a:p>
+            <a:r>
+              <a:rPr lang="zh-TW" altLang="en-US">
+                <a:solidFill>
+                  <a:srgbClr val="00B0F0"/>
+                </a:solidFill>
+              </a:rPr>
+              <a:t>返回值型別</a:t>
+            </a:r>
+            <a:r>
+              <a:rPr lang="zh-TW" altLang="en-US"/>
+              <a:t>皆為 </a:t>
+            </a:r>
+            <a:r>
+              <a:rPr lang="en-US" altLang="zh-TW">
+                <a:solidFill>
+                  <a:srgbClr val="CF8E6D"/>
+                </a:solidFill>
+              </a:rPr>
+              <a:t>long</a:t>
+            </a:r>
+            <a:r>
+              <a:rPr lang="zh-TW" altLang="en-US"/>
+              <a:t>，且皆只有一個 </a:t>
+            </a:r>
+            <a:r>
+              <a:rPr lang="en-US" altLang="zh-TW">
+                <a:solidFill>
+                  <a:srgbClr val="CF8E6D"/>
+                </a:solidFill>
+              </a:rPr>
+              <a:t>double</a:t>
+            </a:r>
+            <a:r>
+              <a:rPr lang="zh-TW" altLang="en-US"/>
+              <a:t> </a:t>
+            </a:r>
+            <a:r>
+              <a:rPr lang="zh-TW" altLang="en-US">
+                <a:solidFill>
+                  <a:srgbClr val="00B0F0"/>
+                </a:solidFill>
+              </a:rPr>
+              <a:t>參數</a:t>
+            </a:r>
+            <a:r>
+              <a:rPr lang="zh-TW" altLang="en-US"/>
+              <a:t>：</a:t>
+            </a:r>
+            <a:endParaRPr lang="en-US" altLang="zh-TW"/>
+          </a:p>
+          <a:p>
+            <a:r>
+              <a:rPr lang="en-US" altLang="zh-TW">
+                <a:solidFill>
+                  <a:srgbClr val="92D050"/>
+                </a:solidFill>
+              </a:rPr>
+              <a:t>round(</a:t>
+            </a:r>
+            <a:r>
+              <a:rPr lang="zh-TW" altLang="en-US">
+                <a:solidFill>
+                  <a:srgbClr val="92D050"/>
+                </a:solidFill>
+              </a:rPr>
+              <a:t>四捨五入</a:t>
+            </a:r>
+            <a:r>
+              <a:rPr lang="en-US" altLang="zh-TW">
+                <a:solidFill>
+                  <a:srgbClr val="92D050"/>
+                </a:solidFill>
+              </a:rPr>
+              <a:t>)</a:t>
+            </a:r>
+            <a:r>
+              <a:rPr lang="zh-TW" altLang="en-US"/>
+              <a:t>、</a:t>
+            </a:r>
+            <a:r>
+              <a:rPr lang="en-US" altLang="zh-TW">
+                <a:solidFill>
+                  <a:srgbClr val="92D050"/>
+                </a:solidFill>
+              </a:rPr>
+              <a:t>floor(</a:t>
+            </a:r>
+            <a:r>
+              <a:rPr lang="zh-TW" altLang="en-US">
+                <a:solidFill>
+                  <a:srgbClr val="92D050"/>
+                </a:solidFill>
+              </a:rPr>
+              <a:t>向下取整</a:t>
+            </a:r>
+            <a:r>
+              <a:rPr lang="en-US" altLang="zh-TW">
+                <a:solidFill>
+                  <a:srgbClr val="92D050"/>
+                </a:solidFill>
+              </a:rPr>
+              <a:t>)</a:t>
+            </a:r>
+            <a:r>
+              <a:rPr lang="zh-TW" altLang="en-US"/>
+              <a:t>、</a:t>
+            </a:r>
+            <a:r>
+              <a:rPr lang="en-US" altLang="zh-TW">
+                <a:solidFill>
+                  <a:srgbClr val="92D050"/>
+                </a:solidFill>
+              </a:rPr>
+              <a:t>ceil(</a:t>
+            </a:r>
+            <a:r>
+              <a:rPr lang="zh-TW" altLang="en-US">
+                <a:solidFill>
+                  <a:srgbClr val="92D050"/>
+                </a:solidFill>
+              </a:rPr>
+              <a:t>向上取整</a:t>
+            </a:r>
+            <a:r>
+              <a:rPr lang="en-US" altLang="zh-TW">
+                <a:solidFill>
+                  <a:srgbClr val="92D050"/>
+                </a:solidFill>
+              </a:rPr>
+              <a:t>)</a:t>
+            </a:r>
+          </a:p>
+          <a:p>
+            <a:r>
+              <a:rPr lang="zh-TW" altLang="en-US">
+                <a:solidFill>
+                  <a:srgbClr val="00B0F0"/>
+                </a:solidFill>
+              </a:rPr>
+              <a:t>返回值型別</a:t>
+            </a:r>
+            <a:r>
+              <a:rPr lang="zh-TW" altLang="en-US"/>
+              <a:t>皆為 </a:t>
+            </a:r>
+            <a:r>
+              <a:rPr lang="en-US" altLang="zh-TW">
+                <a:solidFill>
+                  <a:srgbClr val="CF8E6D"/>
+                </a:solidFill>
+              </a:rPr>
+              <a:t>double</a:t>
+            </a:r>
+            <a:r>
+              <a:rPr lang="zh-TW" altLang="en-US"/>
+              <a:t>，且皆只有兩個 </a:t>
+            </a:r>
+            <a:r>
+              <a:rPr lang="en-US" altLang="zh-TW">
+                <a:solidFill>
+                  <a:srgbClr val="CF8E6D"/>
+                </a:solidFill>
+              </a:rPr>
+              <a:t>double</a:t>
+            </a:r>
+            <a:r>
+              <a:rPr lang="zh-TW" altLang="en-US"/>
+              <a:t> </a:t>
+            </a:r>
+            <a:r>
+              <a:rPr lang="zh-TW" altLang="en-US">
+                <a:solidFill>
+                  <a:srgbClr val="00B0F0"/>
+                </a:solidFill>
+              </a:rPr>
+              <a:t>參數</a:t>
+            </a:r>
+            <a:r>
+              <a:rPr lang="zh-TW" altLang="en-US"/>
+              <a:t>：</a:t>
+            </a:r>
+            <a:endParaRPr lang="en-US" altLang="zh-TW"/>
+          </a:p>
+          <a:p>
+            <a:r>
+              <a:rPr lang="en-US" altLang="zh-TW">
+                <a:solidFill>
+                  <a:srgbClr val="92D050"/>
+                </a:solidFill>
+              </a:rPr>
+              <a:t>pow(</a:t>
+            </a:r>
+            <a:r>
+              <a:rPr lang="zh-TW" altLang="en-US">
+                <a:solidFill>
+                  <a:srgbClr val="92D050"/>
+                </a:solidFill>
+              </a:rPr>
+              <a:t>指數</a:t>
+            </a:r>
+            <a:r>
+              <a:rPr lang="en-US" altLang="zh-TW">
+                <a:solidFill>
+                  <a:srgbClr val="92D050"/>
+                </a:solidFill>
+              </a:rPr>
+              <a:t>)</a:t>
+            </a:r>
+            <a:r>
+              <a:rPr lang="zh-TW" altLang="en-US"/>
+              <a:t>、</a:t>
+            </a:r>
+            <a:r>
+              <a:rPr lang="en-US" altLang="zh-TW">
+                <a:solidFill>
+                  <a:srgbClr val="92D050"/>
+                </a:solidFill>
+              </a:rPr>
+              <a:t>max(</a:t>
+            </a:r>
+            <a:r>
+              <a:rPr lang="zh-TW" altLang="en-US">
+                <a:solidFill>
+                  <a:srgbClr val="92D050"/>
+                </a:solidFill>
+              </a:rPr>
+              <a:t>取最大</a:t>
+            </a:r>
+            <a:r>
+              <a:rPr lang="en-US" altLang="zh-TW">
+                <a:solidFill>
+                  <a:srgbClr val="92D050"/>
+                </a:solidFill>
+              </a:rPr>
+              <a:t>)</a:t>
+            </a:r>
+            <a:r>
+              <a:rPr lang="zh-TW" altLang="en-US"/>
+              <a:t>、</a:t>
+            </a:r>
+            <a:r>
+              <a:rPr lang="en-US" altLang="zh-TW">
+                <a:solidFill>
+                  <a:srgbClr val="92D050"/>
+                </a:solidFill>
+              </a:rPr>
+              <a:t>min(</a:t>
+            </a:r>
+            <a:r>
+              <a:rPr lang="zh-TW" altLang="en-US">
+                <a:solidFill>
+                  <a:srgbClr val="92D050"/>
+                </a:solidFill>
+              </a:rPr>
+              <a:t>取最小</a:t>
+            </a:r>
+            <a:r>
+              <a:rPr lang="en-US" altLang="zh-TW">
+                <a:solidFill>
+                  <a:srgbClr val="92D050"/>
+                </a:solidFill>
+              </a:rPr>
+              <a:t>)</a:t>
+            </a:r>
+          </a:p>
+          <a:p>
+            <a:r>
+              <a:rPr lang="zh-TW" altLang="en-US"/>
+              <a:t>以及限制數值範圍的</a:t>
+            </a:r>
+            <a:r>
+              <a:rPr lang="zh-TW" altLang="en-US">
+                <a:solidFill>
+                  <a:srgbClr val="00B0F0"/>
+                </a:solidFill>
+              </a:rPr>
+              <a:t>方法</a:t>
+            </a:r>
+            <a:r>
+              <a:rPr lang="zh-TW" altLang="en-US"/>
+              <a:t>，保證</a:t>
+            </a:r>
+            <a:r>
+              <a:rPr lang="zh-TW" altLang="en-US">
+                <a:solidFill>
+                  <a:srgbClr val="00B0F0"/>
+                </a:solidFill>
+              </a:rPr>
+              <a:t> </a:t>
+            </a:r>
+            <a:r>
+              <a:rPr lang="en-US" altLang="zh-TW">
+                <a:solidFill>
+                  <a:srgbClr val="00B0F0"/>
+                </a:solidFill>
+              </a:rPr>
+              <a:t>value </a:t>
+            </a:r>
+            <a:r>
+              <a:rPr lang="zh-TW" altLang="en-US"/>
+              <a:t>不超過 </a:t>
+            </a:r>
+            <a:r>
+              <a:rPr lang="en-US" altLang="zh-TW">
+                <a:solidFill>
+                  <a:srgbClr val="00B0F0"/>
+                </a:solidFill>
+              </a:rPr>
+              <a:t>max </a:t>
+            </a:r>
+            <a:r>
+              <a:rPr lang="zh-TW" altLang="en-US"/>
+              <a:t>或</a:t>
+            </a:r>
+            <a:r>
+              <a:rPr lang="zh-TW" altLang="en-US">
+                <a:solidFill>
+                  <a:srgbClr val="00B0F0"/>
+                </a:solidFill>
+              </a:rPr>
+              <a:t> </a:t>
+            </a:r>
+            <a:r>
+              <a:rPr lang="en-US" altLang="zh-TW">
+                <a:solidFill>
+                  <a:srgbClr val="00B0F0"/>
+                </a:solidFill>
+              </a:rPr>
+              <a:t>min</a:t>
+            </a:r>
+            <a:r>
+              <a:rPr lang="zh-TW" altLang="en-US"/>
+              <a:t>：</a:t>
+            </a:r>
+            <a:endParaRPr lang="fr-FR" altLang="zh-TW"/>
+          </a:p>
+          <a:p>
+            <a:r>
+              <a:rPr lang="fr-FR" altLang="zh-TW">
+                <a:solidFill>
+                  <a:srgbClr val="CF8E6D"/>
+                </a:solidFill>
+              </a:rPr>
+              <a:t>double</a:t>
+            </a:r>
+            <a:r>
+              <a:rPr lang="fr-FR" altLang="zh-TW">
+                <a:solidFill>
+                  <a:srgbClr val="92D050"/>
+                </a:solidFill>
+              </a:rPr>
+              <a:t> clamp</a:t>
+            </a:r>
+            <a:r>
+              <a:rPr lang="fr-FR" altLang="zh-TW">
+                <a:solidFill>
+                  <a:srgbClr val="00B0F0"/>
+                </a:solidFill>
+              </a:rPr>
+              <a:t>(</a:t>
+            </a:r>
+            <a:r>
+              <a:rPr lang="fr-FR" altLang="zh-TW">
+                <a:solidFill>
+                  <a:srgbClr val="CF8E6D"/>
+                </a:solidFill>
+              </a:rPr>
+              <a:t>double</a:t>
+            </a:r>
+            <a:r>
+              <a:rPr lang="fr-FR" altLang="zh-TW">
+                <a:solidFill>
+                  <a:srgbClr val="92D050"/>
+                </a:solidFill>
+              </a:rPr>
+              <a:t> </a:t>
+            </a:r>
+            <a:r>
+              <a:rPr lang="fr-FR" altLang="zh-TW">
+                <a:solidFill>
+                  <a:srgbClr val="00B0F0"/>
+                </a:solidFill>
+              </a:rPr>
+              <a:t>value, </a:t>
+            </a:r>
+            <a:r>
+              <a:rPr lang="fr-FR" altLang="zh-TW">
+                <a:solidFill>
+                  <a:srgbClr val="CF8E6D"/>
+                </a:solidFill>
+              </a:rPr>
+              <a:t>double</a:t>
+            </a:r>
+            <a:r>
+              <a:rPr lang="fr-FR" altLang="zh-TW">
+                <a:solidFill>
+                  <a:srgbClr val="92D050"/>
+                </a:solidFill>
+              </a:rPr>
+              <a:t> </a:t>
+            </a:r>
+            <a:r>
+              <a:rPr lang="fr-FR" altLang="zh-TW">
+                <a:solidFill>
+                  <a:srgbClr val="00B0F0"/>
+                </a:solidFill>
+              </a:rPr>
+              <a:t>min,</a:t>
+            </a:r>
+            <a:r>
+              <a:rPr lang="fr-FR" altLang="zh-TW">
+                <a:solidFill>
+                  <a:srgbClr val="92D050"/>
+                </a:solidFill>
+              </a:rPr>
+              <a:t> </a:t>
+            </a:r>
+            <a:r>
+              <a:rPr lang="fr-FR" altLang="zh-TW">
+                <a:solidFill>
+                  <a:srgbClr val="CF8E6D"/>
+                </a:solidFill>
+              </a:rPr>
+              <a:t>double</a:t>
+            </a:r>
+            <a:r>
+              <a:rPr lang="fr-FR" altLang="zh-TW">
+                <a:solidFill>
+                  <a:srgbClr val="92D050"/>
+                </a:solidFill>
+              </a:rPr>
+              <a:t> </a:t>
+            </a:r>
+            <a:r>
+              <a:rPr lang="fr-FR" altLang="zh-TW">
+                <a:solidFill>
+                  <a:srgbClr val="00B0F0"/>
+                </a:solidFill>
+              </a:rPr>
+              <a:t>max)</a:t>
+            </a:r>
+          </a:p>
+          <a:p>
+            <a:r>
+              <a:rPr lang="zh-TW" altLang="en-US"/>
+              <a:t>該類別也定義了一些數學常數：</a:t>
+            </a:r>
+            <a:endParaRPr lang="en-US" altLang="zh-TW"/>
+          </a:p>
+          <a:p>
+            <a:r>
+              <a:rPr lang="en-US" altLang="zh-TW">
+                <a:solidFill>
+                  <a:srgbClr val="92D050"/>
+                </a:solidFill>
+              </a:rPr>
+              <a:t>PI(3.141...)</a:t>
+            </a:r>
+            <a:r>
+              <a:rPr lang="zh-TW" altLang="en-US"/>
+              <a:t>、</a:t>
+            </a:r>
+            <a:r>
+              <a:rPr lang="en-US" altLang="zh-TW">
+                <a:solidFill>
+                  <a:srgbClr val="92D050"/>
+                </a:solidFill>
+              </a:rPr>
+              <a:t>E(2.718...)</a:t>
+            </a:r>
+            <a:r>
+              <a:rPr lang="zh-TW" altLang="en-US"/>
+              <a:t>、</a:t>
+            </a:r>
+            <a:r>
+              <a:rPr lang="en-US" altLang="zh-TW">
+                <a:solidFill>
+                  <a:srgbClr val="92D050"/>
+                </a:solidFill>
+              </a:rPr>
+              <a:t>TAU(2</a:t>
+            </a:r>
+            <a:r>
+              <a:rPr lang="zh-TW" altLang="en-US">
+                <a:solidFill>
+                  <a:srgbClr val="92D050"/>
+                </a:solidFill>
+              </a:rPr>
+              <a:t>倍</a:t>
+            </a:r>
+            <a:r>
+              <a:rPr lang="en-US" altLang="zh-TW">
+                <a:solidFill>
+                  <a:srgbClr val="92D050"/>
+                </a:solidFill>
+              </a:rPr>
+              <a:t>PI</a:t>
+            </a:r>
+            <a:r>
+              <a:rPr lang="zh-TW" altLang="en-US">
+                <a:solidFill>
+                  <a:srgbClr val="92D050"/>
+                </a:solidFill>
+              </a:rPr>
+              <a:t>，</a:t>
+            </a:r>
+            <a:r>
+              <a:rPr lang="en-US" altLang="zh-TW">
+                <a:solidFill>
+                  <a:srgbClr val="92D050"/>
+                </a:solidFill>
+              </a:rPr>
+              <a:t>6.283...)</a:t>
+            </a:r>
+          </a:p>
+          <a:p>
+            <a:r>
+              <a:rPr lang="zh-TW" altLang="en-US"/>
+              <a:t>以上這些</a:t>
+            </a:r>
+            <a:r>
+              <a:rPr lang="zh-TW" altLang="en-US">
+                <a:solidFill>
+                  <a:srgbClr val="00B0F0"/>
+                </a:solidFill>
+              </a:rPr>
+              <a:t>方法</a:t>
+            </a:r>
+            <a:r>
+              <a:rPr lang="zh-TW" altLang="en-US"/>
+              <a:t>和</a:t>
+            </a:r>
+            <a:r>
+              <a:rPr lang="zh-TW" altLang="en-US">
+                <a:solidFill>
+                  <a:srgbClr val="00B0F0"/>
+                </a:solidFill>
+              </a:rPr>
+              <a:t>欄位</a:t>
+            </a:r>
+            <a:r>
+              <a:rPr lang="zh-TW" altLang="en-US"/>
+              <a:t>，在其他程式語言中也基本上都有提供</a:t>
+            </a:r>
+            <a:endParaRPr lang="fr-FR" altLang="zh-TW"/>
+          </a:p>
+        </p:txBody>
+      </p:sp>
+    </p:spTree>
+    <p:extLst>
+      <p:ext uri="{BB962C8B-B14F-4D97-AF65-F5344CB8AC3E}">
+        <p14:creationId xmlns:p14="http://schemas.microsoft.com/office/powerpoint/2010/main" val="1764439659"/>
       </p:ext>
     </p:extLst>
   </p:cSld>
@@ -20120,641 +19015,6 @@
     <p:extLst>
       <p:ext uri="{BB962C8B-B14F-4D97-AF65-F5344CB8AC3E}">
         <p14:creationId xmlns:p14="http://schemas.microsoft.com/office/powerpoint/2010/main" val="294454275"/>
-      </p:ext>
-    </p:extLst>
-  </p:cSld>
-  <p:clrMapOvr>
-    <a:masterClrMapping/>
-  </p:clrMapOvr>
-  <p:transition spd="slow">
-    <p:push dir="u"/>
-  </p:transition>
-</p:sld>
-</file>
-
-<file path=ppt/slides/slide20.xml><?xml version="1.0" encoding="utf-8"?>
-<p:sld xmlns:a="http://schemas.openxmlformats.org/drawingml/2006/main" xmlns:r="http://schemas.openxmlformats.org/officeDocument/2006/relationships" xmlns:p="http://schemas.openxmlformats.org/presentationml/2006/main">
-  <p:cSld>
-    <p:spTree>
-      <p:nvGrpSpPr>
-        <p:cNvPr id="1" name=""/>
-        <p:cNvGrpSpPr/>
-        <p:nvPr/>
-      </p:nvGrpSpPr>
-      <p:grpSpPr>
-        <a:xfrm>
-          <a:off x="0" y="0"/>
-          <a:ext cx="0" cy="0"/>
-          <a:chOff x="0" y="0"/>
-          <a:chExt cx="0" cy="0"/>
-        </a:xfrm>
-      </p:grpSpPr>
-      <p:sp>
-        <p:nvSpPr>
-          <p:cNvPr id="2" name="標題 1">
-            <a:extLst>
-              <a:ext uri="{FF2B5EF4-FFF2-40B4-BE49-F238E27FC236}">
-                <a16:creationId xmlns:a16="http://schemas.microsoft.com/office/drawing/2014/main" id="{4719A5B4-D40D-422E-B23B-EDE38E50F36F}"/>
-              </a:ext>
-            </a:extLst>
-          </p:cNvPr>
-          <p:cNvSpPr>
-            <a:spLocks noGrp="1"/>
-          </p:cNvSpPr>
-          <p:nvPr>
-            <p:ph type="title"/>
-          </p:nvPr>
-        </p:nvSpPr>
-        <p:spPr/>
-        <p:txBody>
-          <a:bodyPr/>
-          <a:lstStyle/>
-          <a:p>
-            <a:r>
-              <a:rPr lang="zh-TW" altLang="en-US"/>
-              <a:t>數學</a:t>
-            </a:r>
-          </a:p>
-        </p:txBody>
-      </p:sp>
-      <p:sp>
-        <p:nvSpPr>
-          <p:cNvPr id="3" name="內容版面配置區 2">
-            <a:extLst>
-              <a:ext uri="{FF2B5EF4-FFF2-40B4-BE49-F238E27FC236}">
-                <a16:creationId xmlns:a16="http://schemas.microsoft.com/office/drawing/2014/main" id="{DC8DB342-EFC6-4F92-ACCD-F175FF2F1960}"/>
-              </a:ext>
-            </a:extLst>
-          </p:cNvPr>
-          <p:cNvSpPr>
-            <a:spLocks noGrp="1"/>
-          </p:cNvSpPr>
-          <p:nvPr>
-            <p:ph idx="1"/>
-          </p:nvPr>
-        </p:nvSpPr>
-        <p:spPr>
-          <a:xfrm>
-            <a:off x="838200" y="1622424"/>
-            <a:ext cx="10515600" cy="4575176"/>
-          </a:xfrm>
-        </p:spPr>
-        <p:txBody>
-          <a:bodyPr/>
-          <a:lstStyle/>
-          <a:p>
-            <a:r>
-              <a:rPr lang="zh-TW" altLang="en-US">
-                <a:solidFill>
-                  <a:srgbClr val="00B0F0"/>
-                </a:solidFill>
-              </a:rPr>
-              <a:t>返回值型別</a:t>
-            </a:r>
-            <a:r>
-              <a:rPr lang="zh-TW" altLang="en-US"/>
-              <a:t>皆為 </a:t>
-            </a:r>
-            <a:r>
-              <a:rPr lang="en-US" altLang="zh-TW">
-                <a:solidFill>
-                  <a:srgbClr val="CF8E6D"/>
-                </a:solidFill>
-              </a:rPr>
-              <a:t>long</a:t>
-            </a:r>
-            <a:r>
-              <a:rPr lang="zh-TW" altLang="en-US"/>
-              <a:t>，且皆只有一個 </a:t>
-            </a:r>
-            <a:r>
-              <a:rPr lang="en-US" altLang="zh-TW">
-                <a:solidFill>
-                  <a:srgbClr val="CF8E6D"/>
-                </a:solidFill>
-              </a:rPr>
-              <a:t>double</a:t>
-            </a:r>
-            <a:r>
-              <a:rPr lang="zh-TW" altLang="en-US"/>
-              <a:t> </a:t>
-            </a:r>
-            <a:r>
-              <a:rPr lang="zh-TW" altLang="en-US">
-                <a:solidFill>
-                  <a:srgbClr val="00B0F0"/>
-                </a:solidFill>
-              </a:rPr>
-              <a:t>參數</a:t>
-            </a:r>
-            <a:r>
-              <a:rPr lang="zh-TW" altLang="en-US"/>
-              <a:t>：</a:t>
-            </a:r>
-            <a:endParaRPr lang="en-US" altLang="zh-TW"/>
-          </a:p>
-          <a:p>
-            <a:r>
-              <a:rPr lang="en-US" altLang="zh-TW">
-                <a:solidFill>
-                  <a:srgbClr val="92D050"/>
-                </a:solidFill>
-              </a:rPr>
-              <a:t>round(</a:t>
-            </a:r>
-            <a:r>
-              <a:rPr lang="zh-TW" altLang="en-US">
-                <a:solidFill>
-                  <a:srgbClr val="92D050"/>
-                </a:solidFill>
-              </a:rPr>
-              <a:t>四捨五入</a:t>
-            </a:r>
-            <a:r>
-              <a:rPr lang="en-US" altLang="zh-TW">
-                <a:solidFill>
-                  <a:srgbClr val="92D050"/>
-                </a:solidFill>
-              </a:rPr>
-              <a:t>)</a:t>
-            </a:r>
-            <a:r>
-              <a:rPr lang="zh-TW" altLang="en-US"/>
-              <a:t>、</a:t>
-            </a:r>
-            <a:r>
-              <a:rPr lang="en-US" altLang="zh-TW">
-                <a:solidFill>
-                  <a:srgbClr val="92D050"/>
-                </a:solidFill>
-              </a:rPr>
-              <a:t>floor(</a:t>
-            </a:r>
-            <a:r>
-              <a:rPr lang="zh-TW" altLang="en-US">
-                <a:solidFill>
-                  <a:srgbClr val="92D050"/>
-                </a:solidFill>
-              </a:rPr>
-              <a:t>向下取整</a:t>
-            </a:r>
-            <a:r>
-              <a:rPr lang="en-US" altLang="zh-TW">
-                <a:solidFill>
-                  <a:srgbClr val="92D050"/>
-                </a:solidFill>
-              </a:rPr>
-              <a:t>)</a:t>
-            </a:r>
-            <a:r>
-              <a:rPr lang="zh-TW" altLang="en-US"/>
-              <a:t>、</a:t>
-            </a:r>
-            <a:r>
-              <a:rPr lang="en-US" altLang="zh-TW">
-                <a:solidFill>
-                  <a:srgbClr val="92D050"/>
-                </a:solidFill>
-              </a:rPr>
-              <a:t>ceil(</a:t>
-            </a:r>
-            <a:r>
-              <a:rPr lang="zh-TW" altLang="en-US">
-                <a:solidFill>
-                  <a:srgbClr val="92D050"/>
-                </a:solidFill>
-              </a:rPr>
-              <a:t>向上取整</a:t>
-            </a:r>
-            <a:r>
-              <a:rPr lang="en-US" altLang="zh-TW">
-                <a:solidFill>
-                  <a:srgbClr val="92D050"/>
-                </a:solidFill>
-              </a:rPr>
-              <a:t>)</a:t>
-            </a:r>
-          </a:p>
-          <a:p>
-            <a:r>
-              <a:rPr lang="zh-TW" altLang="en-US">
-                <a:solidFill>
-                  <a:srgbClr val="00B0F0"/>
-                </a:solidFill>
-              </a:rPr>
-              <a:t>返回值型別</a:t>
-            </a:r>
-            <a:r>
-              <a:rPr lang="zh-TW" altLang="en-US"/>
-              <a:t>皆為 </a:t>
-            </a:r>
-            <a:r>
-              <a:rPr lang="en-US" altLang="zh-TW">
-                <a:solidFill>
-                  <a:srgbClr val="CF8E6D"/>
-                </a:solidFill>
-              </a:rPr>
-              <a:t>double</a:t>
-            </a:r>
-            <a:r>
-              <a:rPr lang="zh-TW" altLang="en-US"/>
-              <a:t>，且皆只有兩個 </a:t>
-            </a:r>
-            <a:r>
-              <a:rPr lang="en-US" altLang="zh-TW">
-                <a:solidFill>
-                  <a:srgbClr val="CF8E6D"/>
-                </a:solidFill>
-              </a:rPr>
-              <a:t>double</a:t>
-            </a:r>
-            <a:r>
-              <a:rPr lang="zh-TW" altLang="en-US"/>
-              <a:t> </a:t>
-            </a:r>
-            <a:r>
-              <a:rPr lang="zh-TW" altLang="en-US">
-                <a:solidFill>
-                  <a:srgbClr val="00B0F0"/>
-                </a:solidFill>
-              </a:rPr>
-              <a:t>參數</a:t>
-            </a:r>
-            <a:r>
-              <a:rPr lang="zh-TW" altLang="en-US"/>
-              <a:t>：</a:t>
-            </a:r>
-            <a:endParaRPr lang="en-US" altLang="zh-TW"/>
-          </a:p>
-          <a:p>
-            <a:r>
-              <a:rPr lang="en-US" altLang="zh-TW">
-                <a:solidFill>
-                  <a:srgbClr val="92D050"/>
-                </a:solidFill>
-              </a:rPr>
-              <a:t>pow(</a:t>
-            </a:r>
-            <a:r>
-              <a:rPr lang="zh-TW" altLang="en-US">
-                <a:solidFill>
-                  <a:srgbClr val="92D050"/>
-                </a:solidFill>
-              </a:rPr>
-              <a:t>指數</a:t>
-            </a:r>
-            <a:r>
-              <a:rPr lang="en-US" altLang="zh-TW">
-                <a:solidFill>
-                  <a:srgbClr val="92D050"/>
-                </a:solidFill>
-              </a:rPr>
-              <a:t>)</a:t>
-            </a:r>
-            <a:r>
-              <a:rPr lang="zh-TW" altLang="en-US"/>
-              <a:t>、</a:t>
-            </a:r>
-            <a:r>
-              <a:rPr lang="en-US" altLang="zh-TW">
-                <a:solidFill>
-                  <a:srgbClr val="92D050"/>
-                </a:solidFill>
-              </a:rPr>
-              <a:t>max(</a:t>
-            </a:r>
-            <a:r>
-              <a:rPr lang="zh-TW" altLang="en-US">
-                <a:solidFill>
-                  <a:srgbClr val="92D050"/>
-                </a:solidFill>
-              </a:rPr>
-              <a:t>取最大</a:t>
-            </a:r>
-            <a:r>
-              <a:rPr lang="en-US" altLang="zh-TW">
-                <a:solidFill>
-                  <a:srgbClr val="92D050"/>
-                </a:solidFill>
-              </a:rPr>
-              <a:t>)</a:t>
-            </a:r>
-            <a:r>
-              <a:rPr lang="zh-TW" altLang="en-US"/>
-              <a:t>、</a:t>
-            </a:r>
-            <a:r>
-              <a:rPr lang="en-US" altLang="zh-TW">
-                <a:solidFill>
-                  <a:srgbClr val="92D050"/>
-                </a:solidFill>
-              </a:rPr>
-              <a:t>min(</a:t>
-            </a:r>
-            <a:r>
-              <a:rPr lang="zh-TW" altLang="en-US">
-                <a:solidFill>
-                  <a:srgbClr val="92D050"/>
-                </a:solidFill>
-              </a:rPr>
-              <a:t>取最小</a:t>
-            </a:r>
-            <a:r>
-              <a:rPr lang="en-US" altLang="zh-TW">
-                <a:solidFill>
-                  <a:srgbClr val="92D050"/>
-                </a:solidFill>
-              </a:rPr>
-              <a:t>)</a:t>
-            </a:r>
-          </a:p>
-          <a:p>
-            <a:r>
-              <a:rPr lang="zh-TW" altLang="en-US"/>
-              <a:t>以及限制數值範圍的</a:t>
-            </a:r>
-            <a:r>
-              <a:rPr lang="zh-TW" altLang="en-US">
-                <a:solidFill>
-                  <a:srgbClr val="00B0F0"/>
-                </a:solidFill>
-              </a:rPr>
-              <a:t>方法</a:t>
-            </a:r>
-            <a:r>
-              <a:rPr lang="zh-TW" altLang="en-US"/>
-              <a:t>，保證</a:t>
-            </a:r>
-            <a:r>
-              <a:rPr lang="zh-TW" altLang="en-US">
-                <a:solidFill>
-                  <a:srgbClr val="00B0F0"/>
-                </a:solidFill>
-              </a:rPr>
-              <a:t> </a:t>
-            </a:r>
-            <a:r>
-              <a:rPr lang="en-US" altLang="zh-TW">
-                <a:solidFill>
-                  <a:srgbClr val="00B0F0"/>
-                </a:solidFill>
-              </a:rPr>
-              <a:t>value </a:t>
-            </a:r>
-            <a:r>
-              <a:rPr lang="zh-TW" altLang="en-US"/>
-              <a:t>不超過 </a:t>
-            </a:r>
-            <a:r>
-              <a:rPr lang="en-US" altLang="zh-TW">
-                <a:solidFill>
-                  <a:srgbClr val="00B0F0"/>
-                </a:solidFill>
-              </a:rPr>
-              <a:t>max </a:t>
-            </a:r>
-            <a:r>
-              <a:rPr lang="zh-TW" altLang="en-US"/>
-              <a:t>或</a:t>
-            </a:r>
-            <a:r>
-              <a:rPr lang="zh-TW" altLang="en-US">
-                <a:solidFill>
-                  <a:srgbClr val="00B0F0"/>
-                </a:solidFill>
-              </a:rPr>
-              <a:t> </a:t>
-            </a:r>
-            <a:r>
-              <a:rPr lang="en-US" altLang="zh-TW">
-                <a:solidFill>
-                  <a:srgbClr val="00B0F0"/>
-                </a:solidFill>
-              </a:rPr>
-              <a:t>min</a:t>
-            </a:r>
-            <a:r>
-              <a:rPr lang="zh-TW" altLang="en-US"/>
-              <a:t>：</a:t>
-            </a:r>
-            <a:endParaRPr lang="fr-FR" altLang="zh-TW"/>
-          </a:p>
-          <a:p>
-            <a:r>
-              <a:rPr lang="fr-FR" altLang="zh-TW">
-                <a:solidFill>
-                  <a:srgbClr val="CF8E6D"/>
-                </a:solidFill>
-              </a:rPr>
-              <a:t>double</a:t>
-            </a:r>
-            <a:r>
-              <a:rPr lang="fr-FR" altLang="zh-TW">
-                <a:solidFill>
-                  <a:srgbClr val="92D050"/>
-                </a:solidFill>
-              </a:rPr>
-              <a:t> clamp</a:t>
-            </a:r>
-            <a:r>
-              <a:rPr lang="fr-FR" altLang="zh-TW">
-                <a:solidFill>
-                  <a:srgbClr val="00B0F0"/>
-                </a:solidFill>
-              </a:rPr>
-              <a:t>(</a:t>
-            </a:r>
-            <a:r>
-              <a:rPr lang="fr-FR" altLang="zh-TW">
-                <a:solidFill>
-                  <a:srgbClr val="CF8E6D"/>
-                </a:solidFill>
-              </a:rPr>
-              <a:t>double</a:t>
-            </a:r>
-            <a:r>
-              <a:rPr lang="fr-FR" altLang="zh-TW">
-                <a:solidFill>
-                  <a:srgbClr val="92D050"/>
-                </a:solidFill>
-              </a:rPr>
-              <a:t> </a:t>
-            </a:r>
-            <a:r>
-              <a:rPr lang="fr-FR" altLang="zh-TW">
-                <a:solidFill>
-                  <a:srgbClr val="00B0F0"/>
-                </a:solidFill>
-              </a:rPr>
-              <a:t>value, </a:t>
-            </a:r>
-            <a:r>
-              <a:rPr lang="fr-FR" altLang="zh-TW">
-                <a:solidFill>
-                  <a:srgbClr val="CF8E6D"/>
-                </a:solidFill>
-              </a:rPr>
-              <a:t>double</a:t>
-            </a:r>
-            <a:r>
-              <a:rPr lang="fr-FR" altLang="zh-TW">
-                <a:solidFill>
-                  <a:srgbClr val="92D050"/>
-                </a:solidFill>
-              </a:rPr>
-              <a:t> </a:t>
-            </a:r>
-            <a:r>
-              <a:rPr lang="fr-FR" altLang="zh-TW">
-                <a:solidFill>
-                  <a:srgbClr val="00B0F0"/>
-                </a:solidFill>
-              </a:rPr>
-              <a:t>min,</a:t>
-            </a:r>
-            <a:r>
-              <a:rPr lang="fr-FR" altLang="zh-TW">
-                <a:solidFill>
-                  <a:srgbClr val="92D050"/>
-                </a:solidFill>
-              </a:rPr>
-              <a:t> </a:t>
-            </a:r>
-            <a:r>
-              <a:rPr lang="fr-FR" altLang="zh-TW">
-                <a:solidFill>
-                  <a:srgbClr val="CF8E6D"/>
-                </a:solidFill>
-              </a:rPr>
-              <a:t>double</a:t>
-            </a:r>
-            <a:r>
-              <a:rPr lang="fr-FR" altLang="zh-TW">
-                <a:solidFill>
-                  <a:srgbClr val="92D050"/>
-                </a:solidFill>
-              </a:rPr>
-              <a:t> </a:t>
-            </a:r>
-            <a:r>
-              <a:rPr lang="fr-FR" altLang="zh-TW">
-                <a:solidFill>
-                  <a:srgbClr val="00B0F0"/>
-                </a:solidFill>
-              </a:rPr>
-              <a:t>max)</a:t>
-            </a:r>
-          </a:p>
-          <a:p>
-            <a:r>
-              <a:rPr lang="zh-TW" altLang="en-US"/>
-              <a:t>該類別也定義了一些數學常數：</a:t>
-            </a:r>
-            <a:endParaRPr lang="en-US" altLang="zh-TW"/>
-          </a:p>
-          <a:p>
-            <a:r>
-              <a:rPr lang="en-US" altLang="zh-TW">
-                <a:solidFill>
-                  <a:srgbClr val="92D050"/>
-                </a:solidFill>
-              </a:rPr>
-              <a:t>PI(3.141...)</a:t>
-            </a:r>
-            <a:r>
-              <a:rPr lang="zh-TW" altLang="en-US"/>
-              <a:t>、</a:t>
-            </a:r>
-            <a:r>
-              <a:rPr lang="en-US" altLang="zh-TW">
-                <a:solidFill>
-                  <a:srgbClr val="92D050"/>
-                </a:solidFill>
-              </a:rPr>
-              <a:t>E(2.718...)</a:t>
-            </a:r>
-            <a:r>
-              <a:rPr lang="zh-TW" altLang="en-US"/>
-              <a:t>、</a:t>
-            </a:r>
-            <a:r>
-              <a:rPr lang="en-US" altLang="zh-TW">
-                <a:solidFill>
-                  <a:srgbClr val="92D050"/>
-                </a:solidFill>
-              </a:rPr>
-              <a:t>TAU(2</a:t>
-            </a:r>
-            <a:r>
-              <a:rPr lang="zh-TW" altLang="en-US">
-                <a:solidFill>
-                  <a:srgbClr val="92D050"/>
-                </a:solidFill>
-              </a:rPr>
-              <a:t>倍</a:t>
-            </a:r>
-            <a:r>
-              <a:rPr lang="en-US" altLang="zh-TW">
-                <a:solidFill>
-                  <a:srgbClr val="92D050"/>
-                </a:solidFill>
-              </a:rPr>
-              <a:t>PI</a:t>
-            </a:r>
-            <a:r>
-              <a:rPr lang="zh-TW" altLang="en-US">
-                <a:solidFill>
-                  <a:srgbClr val="92D050"/>
-                </a:solidFill>
-              </a:rPr>
-              <a:t>，</a:t>
-            </a:r>
-            <a:r>
-              <a:rPr lang="en-US" altLang="zh-TW">
-                <a:solidFill>
-                  <a:srgbClr val="92D050"/>
-                </a:solidFill>
-              </a:rPr>
-              <a:t>6.283...)</a:t>
-            </a:r>
-          </a:p>
-          <a:p>
-            <a:r>
-              <a:rPr lang="zh-TW" altLang="en-US"/>
-              <a:t>以上這些</a:t>
-            </a:r>
-            <a:r>
-              <a:rPr lang="zh-TW" altLang="en-US">
-                <a:solidFill>
-                  <a:srgbClr val="00B0F0"/>
-                </a:solidFill>
-              </a:rPr>
-              <a:t>方法</a:t>
-            </a:r>
-            <a:r>
-              <a:rPr lang="zh-TW" altLang="en-US"/>
-              <a:t>和</a:t>
-            </a:r>
-            <a:r>
-              <a:rPr lang="zh-TW" altLang="en-US">
-                <a:solidFill>
-                  <a:srgbClr val="00B0F0"/>
-                </a:solidFill>
-              </a:rPr>
-              <a:t>欄位</a:t>
-            </a:r>
-            <a:r>
-              <a:rPr lang="zh-TW" altLang="en-US"/>
-              <a:t>，在其他程式語言中也基本上都有提供</a:t>
-            </a:r>
-            <a:endParaRPr lang="fr-FR" altLang="zh-TW"/>
-          </a:p>
-        </p:txBody>
-      </p:sp>
-    </p:spTree>
-    <p:extLst>
-      <p:ext uri="{BB962C8B-B14F-4D97-AF65-F5344CB8AC3E}">
-        <p14:creationId xmlns:p14="http://schemas.microsoft.com/office/powerpoint/2010/main" val="1764439659"/>
       </p:ext>
     </p:extLst>
   </p:cSld>
@@ -26085,92 +24345,6 @@
           <p:cNvPr id="2" name="標題 1">
             <a:extLst>
               <a:ext uri="{FF2B5EF4-FFF2-40B4-BE49-F238E27FC236}">
-                <a16:creationId xmlns:a16="http://schemas.microsoft.com/office/drawing/2014/main" id="{23F35C5A-168C-46F4-A9F6-5FE0C62DE3FE}"/>
-              </a:ext>
-            </a:extLst>
-          </p:cNvPr>
-          <p:cNvSpPr>
-            <a:spLocks noGrp="1"/>
-          </p:cNvSpPr>
-          <p:nvPr>
-            <p:ph type="title"/>
-          </p:nvPr>
-        </p:nvSpPr>
-        <p:spPr/>
-        <p:txBody>
-          <a:bodyPr/>
-          <a:lstStyle/>
-          <a:p>
-            <a:r>
-              <a:rPr lang="zh-TW" altLang="en-US"/>
-              <a:t>大數</a:t>
-            </a:r>
-          </a:p>
-        </p:txBody>
-      </p:sp>
-      <p:sp>
-        <p:nvSpPr>
-          <p:cNvPr id="3" name="內容版面配置區 2">
-            <a:extLst>
-              <a:ext uri="{FF2B5EF4-FFF2-40B4-BE49-F238E27FC236}">
-                <a16:creationId xmlns:a16="http://schemas.microsoft.com/office/drawing/2014/main" id="{650A794E-D459-4B02-84DD-195FCD8840BE}"/>
-              </a:ext>
-            </a:extLst>
-          </p:cNvPr>
-          <p:cNvSpPr>
-            <a:spLocks noGrp="1"/>
-          </p:cNvSpPr>
-          <p:nvPr>
-            <p:ph idx="1"/>
-          </p:nvPr>
-        </p:nvSpPr>
-        <p:spPr/>
-        <p:txBody>
-          <a:bodyPr/>
-          <a:lstStyle/>
-          <a:p>
-            <a:endParaRPr lang="zh-TW" altLang="en-US"/>
-          </a:p>
-        </p:txBody>
-      </p:sp>
-    </p:spTree>
-    <p:extLst>
-      <p:ext uri="{BB962C8B-B14F-4D97-AF65-F5344CB8AC3E}">
-        <p14:creationId xmlns:p14="http://schemas.microsoft.com/office/powerpoint/2010/main" val="3750251136"/>
-      </p:ext>
-    </p:extLst>
-  </p:cSld>
-  <p:clrMapOvr>
-    <a:masterClrMapping/>
-  </p:clrMapOvr>
-  <p:transition spd="slow">
-    <p:push dir="u"/>
-  </p:transition>
-</p:sld>
-</file>
-
-<file path=ppt/slides/slide7.xml><?xml version="1.0" encoding="utf-8"?>
-<p:sld xmlns:a="http://schemas.openxmlformats.org/drawingml/2006/main" xmlns:r="http://schemas.openxmlformats.org/officeDocument/2006/relationships" xmlns:p="http://schemas.openxmlformats.org/presentationml/2006/main">
-  <p:cSld>
-    <p:spTree>
-      <p:nvGrpSpPr>
-        <p:cNvPr id="1" name=""/>
-        <p:cNvGrpSpPr/>
-        <p:nvPr/>
-      </p:nvGrpSpPr>
-      <p:grpSpPr>
-        <a:xfrm>
-          <a:off x="0" y="0"/>
-          <a:ext cx="0" cy="0"/>
-          <a:chOff x="0" y="0"/>
-          <a:chExt cx="0" cy="0"/>
-        </a:xfrm>
-      </p:grpSpPr>
-      <p:sp>
-        <p:nvSpPr>
-          <p:cNvPr id="2" name="標題 1">
-            <a:extLst>
-              <a:ext uri="{FF2B5EF4-FFF2-40B4-BE49-F238E27FC236}">
                 <a16:creationId xmlns:a16="http://schemas.microsoft.com/office/drawing/2014/main" id="{1793904D-B0D4-4C01-B1F4-E61C392F1554}"/>
               </a:ext>
             </a:extLst>
@@ -27366,7 +25540,7 @@
 </p:sld>
 </file>
 
-<file path=ppt/slides/slide8.xml><?xml version="1.0" encoding="utf-8"?>
+<file path=ppt/slides/slide7.xml><?xml version="1.0" encoding="utf-8"?>
 <p:sld xmlns:a="http://schemas.openxmlformats.org/drawingml/2006/main" xmlns:r="http://schemas.openxmlformats.org/officeDocument/2006/relationships" xmlns:p="http://schemas.openxmlformats.org/presentationml/2006/main">
   <p:cSld>
     <p:spTree>
@@ -29025,7 +27199,7 @@
 </p:sld>
 </file>
 
-<file path=ppt/slides/slide9.xml><?xml version="1.0" encoding="utf-8"?>
+<file path=ppt/slides/slide8.xml><?xml version="1.0" encoding="utf-8"?>
 <p:sld xmlns:a="http://schemas.openxmlformats.org/drawingml/2006/main" xmlns:r="http://schemas.openxmlformats.org/officeDocument/2006/relationships" xmlns:p="http://schemas.openxmlformats.org/presentationml/2006/main">
   <p:cSld>
     <p:spTree>
@@ -33059,6 +31233,1745 @@
 </p:sld>
 </file>
 
+<file path=ppt/slides/slide9.xml><?xml version="1.0" encoding="utf-8"?>
+<p:sld xmlns:a="http://schemas.openxmlformats.org/drawingml/2006/main" xmlns:r="http://schemas.openxmlformats.org/officeDocument/2006/relationships" xmlns:p="http://schemas.openxmlformats.org/presentationml/2006/main">
+  <p:cSld>
+    <p:spTree>
+      <p:nvGrpSpPr>
+        <p:cNvPr id="1" name=""/>
+        <p:cNvGrpSpPr/>
+        <p:nvPr/>
+      </p:nvGrpSpPr>
+      <p:grpSpPr>
+        <a:xfrm>
+          <a:off x="0" y="0"/>
+          <a:ext cx="0" cy="0"/>
+          <a:chOff x="0" y="0"/>
+          <a:chExt cx="0" cy="0"/>
+        </a:xfrm>
+      </p:grpSpPr>
+      <p:grpSp>
+        <p:nvGrpSpPr>
+          <p:cNvPr id="15" name="群組 14">
+            <a:extLst>
+              <a:ext uri="{FF2B5EF4-FFF2-40B4-BE49-F238E27FC236}">
+                <a16:creationId xmlns:a16="http://schemas.microsoft.com/office/drawing/2014/main" id="{44A0A8C2-306E-4C8E-958A-E5B2901093AA}"/>
+              </a:ext>
+            </a:extLst>
+          </p:cNvPr>
+          <p:cNvGrpSpPr/>
+          <p:nvPr/>
+        </p:nvGrpSpPr>
+        <p:grpSpPr>
+          <a:xfrm>
+            <a:off x="838200" y="4325997"/>
+            <a:ext cx="6189519" cy="2062103"/>
+            <a:chOff x="838200" y="4325997"/>
+            <a:chExt cx="6189519" cy="2062103"/>
+          </a:xfrm>
+        </p:grpSpPr>
+        <p:sp>
+          <p:nvSpPr>
+            <p:cNvPr id="4" name="Rectangle 1">
+              <a:extLst>
+                <a:ext uri="{FF2B5EF4-FFF2-40B4-BE49-F238E27FC236}">
+                  <a16:creationId xmlns:a16="http://schemas.microsoft.com/office/drawing/2014/main" id="{B0592D20-F867-4F33-B6DA-7DFDB48ACF65}"/>
+                </a:ext>
+              </a:extLst>
+            </p:cNvPr>
+            <p:cNvSpPr>
+              <a:spLocks noChangeArrowheads="1"/>
+            </p:cNvSpPr>
+            <p:nvPr/>
+          </p:nvSpPr>
+          <p:spPr bwMode="auto">
+            <a:xfrm>
+              <a:off x="838200" y="4325997"/>
+              <a:ext cx="6189519" cy="2062103"/>
+            </a:xfrm>
+            <a:prstGeom prst="rect">
+              <a:avLst/>
+            </a:prstGeom>
+            <a:solidFill>
+              <a:srgbClr val="1E1F22"/>
+            </a:solidFill>
+            <a:ln>
+              <a:noFill/>
+            </a:ln>
+            <a:effectLst/>
+            <a:extLst>
+              <a:ext uri="{91240B29-F687-4F45-9708-019B960494DF}">
+                <a14:hiddenLine xmlns:a14="http://schemas.microsoft.com/office/drawing/2010/main" w="9525">
+                  <a:solidFill>
+                    <a:schemeClr val="tx1"/>
+                  </a:solidFill>
+                  <a:miter lim="800000"/>
+                  <a:headEnd/>
+                  <a:tailEnd/>
+                </a14:hiddenLine>
+              </a:ext>
+              <a:ext uri="{AF507438-7753-43E0-B8FC-AC1667EBCBE1}">
+                <a14:hiddenEffects xmlns:a14="http://schemas.microsoft.com/office/drawing/2010/main">
+                  <a:effectLst>
+                    <a:outerShdw dist="35921" dir="2700000" algn="ctr" rotWithShape="0">
+                      <a:schemeClr val="bg2"/>
+                    </a:outerShdw>
+                  </a:effectLst>
+                </a14:hiddenEffects>
+              </a:ext>
+            </a:extLst>
+          </p:spPr>
+          <p:txBody>
+            <a:bodyPr vert="horz" wrap="square" lIns="91440" tIns="45720" rIns="91440" bIns="45720" numCol="1" anchor="ctr" anchorCtr="0" compatLnSpc="1">
+              <a:prstTxWarp prst="textNoShape">
+                <a:avLst/>
+              </a:prstTxWarp>
+              <a:spAutoFit/>
+            </a:bodyPr>
+            <a:lstStyle/>
+            <a:p>
+              <a:pPr marL="0" marR="0" lvl="0" indent="0" algn="l" defTabSz="914400" rtl="0" eaLnBrk="0" fontAlgn="base" latinLnBrk="0" hangingPunct="0">
+                <a:lnSpc>
+                  <a:spcPct val="100000"/>
+                </a:lnSpc>
+                <a:spcBef>
+                  <a:spcPct val="0"/>
+                </a:spcBef>
+                <a:spcAft>
+                  <a:spcPct val="0"/>
+                </a:spcAft>
+                <a:buClrTx/>
+                <a:buSzTx/>
+                <a:buFontTx/>
+                <a:buNone/>
+                <a:tabLst/>
+              </a:pPr>
+              <a:r>
+                <a:rPr kumimoji="0" lang="zh-TW" altLang="zh-TW" sz="1600" b="0" i="0" u="none" strike="noStrike" cap="none" normalizeH="0" baseline="0">
+                  <a:ln>
+                    <a:noFill/>
+                  </a:ln>
+                  <a:solidFill>
+                    <a:srgbClr val="CF8E6D"/>
+                  </a:solidFill>
+                  <a:effectLst/>
+                  <a:latin typeface="+mj-lt"/>
+                  <a:cs typeface="JetBrains Mono" panose="02000009000000000000" pitchFamily="49" charset="0"/>
+                </a:rPr>
+                <a:t>public class </a:t>
+              </a:r>
+              <a:r>
+                <a:rPr kumimoji="0" lang="zh-TW" altLang="zh-TW" sz="1600" b="0" i="0" u="none" strike="noStrike" cap="none" normalizeH="0" baseline="0">
+                  <a:ln>
+                    <a:noFill/>
+                  </a:ln>
+                  <a:solidFill>
+                    <a:srgbClr val="BCBEC4"/>
+                  </a:solidFill>
+                  <a:effectLst/>
+                  <a:latin typeface="+mj-lt"/>
+                  <a:cs typeface="JetBrains Mono" panose="02000009000000000000" pitchFamily="49" charset="0"/>
+                </a:rPr>
+                <a:t>Main3 {</a:t>
+              </a:r>
+              <a:br>
+                <a:rPr kumimoji="0" lang="zh-TW" altLang="zh-TW" sz="1600" b="0" i="0" u="none" strike="noStrike" cap="none" normalizeH="0" baseline="0">
+                  <a:ln>
+                    <a:noFill/>
+                  </a:ln>
+                  <a:solidFill>
+                    <a:srgbClr val="BCBEC4"/>
+                  </a:solidFill>
+                  <a:effectLst/>
+                  <a:latin typeface="+mj-lt"/>
+                  <a:cs typeface="JetBrains Mono" panose="02000009000000000000" pitchFamily="49" charset="0"/>
+                </a:rPr>
+              </a:br>
+              <a:r>
+                <a:rPr kumimoji="0" lang="zh-TW" altLang="zh-TW" sz="1600" b="0" i="0" u="none" strike="noStrike" cap="none" normalizeH="0" baseline="0">
+                  <a:ln>
+                    <a:noFill/>
+                  </a:ln>
+                  <a:solidFill>
+                    <a:srgbClr val="BCBEC4"/>
+                  </a:solidFill>
+                  <a:effectLst/>
+                  <a:latin typeface="+mj-lt"/>
+                  <a:cs typeface="JetBrains Mono" panose="02000009000000000000" pitchFamily="49" charset="0"/>
+                </a:rPr>
+                <a:t>    </a:t>
+              </a:r>
+              <a:r>
+                <a:rPr kumimoji="0" lang="zh-TW" altLang="zh-TW" sz="1600" b="0" i="0" u="none" strike="noStrike" cap="none" normalizeH="0" baseline="0">
+                  <a:ln>
+                    <a:noFill/>
+                  </a:ln>
+                  <a:solidFill>
+                    <a:srgbClr val="CF8E6D"/>
+                  </a:solidFill>
+                  <a:effectLst/>
+                  <a:latin typeface="+mj-lt"/>
+                  <a:cs typeface="JetBrains Mono" panose="02000009000000000000" pitchFamily="49" charset="0"/>
+                </a:rPr>
+                <a:t>public static void </a:t>
+              </a:r>
+              <a:r>
+                <a:rPr kumimoji="0" lang="zh-TW" altLang="zh-TW" sz="1600" b="0" i="0" u="none" strike="noStrike" cap="none" normalizeH="0" baseline="0">
+                  <a:ln>
+                    <a:noFill/>
+                  </a:ln>
+                  <a:solidFill>
+                    <a:srgbClr val="56A8F5"/>
+                  </a:solidFill>
+                  <a:effectLst/>
+                  <a:latin typeface="+mj-lt"/>
+                  <a:cs typeface="JetBrains Mono" panose="02000009000000000000" pitchFamily="49" charset="0"/>
+                </a:rPr>
+                <a:t>main</a:t>
+              </a:r>
+              <a:r>
+                <a:rPr kumimoji="0" lang="zh-TW" altLang="zh-TW" sz="1600" b="0" i="0" u="none" strike="noStrike" cap="none" normalizeH="0" baseline="0">
+                  <a:ln>
+                    <a:noFill/>
+                  </a:ln>
+                  <a:solidFill>
+                    <a:srgbClr val="BCBEC4"/>
+                  </a:solidFill>
+                  <a:effectLst/>
+                  <a:latin typeface="+mj-lt"/>
+                  <a:cs typeface="JetBrains Mono" panose="02000009000000000000" pitchFamily="49" charset="0"/>
+                </a:rPr>
+                <a:t>(String[] args) {</a:t>
+              </a:r>
+              <a:br>
+                <a:rPr kumimoji="0" lang="zh-TW" altLang="zh-TW" sz="1600" b="0" i="0" u="none" strike="noStrike" cap="none" normalizeH="0" baseline="0">
+                  <a:ln>
+                    <a:noFill/>
+                  </a:ln>
+                  <a:solidFill>
+                    <a:srgbClr val="BCBEC4"/>
+                  </a:solidFill>
+                  <a:effectLst/>
+                  <a:latin typeface="+mj-lt"/>
+                  <a:cs typeface="JetBrains Mono" panose="02000009000000000000" pitchFamily="49" charset="0"/>
+                </a:rPr>
+              </a:br>
+              <a:r>
+                <a:rPr kumimoji="0" lang="zh-TW" altLang="zh-TW" sz="1600" b="0" i="0" u="none" strike="noStrike" cap="none" normalizeH="0" baseline="0">
+                  <a:ln>
+                    <a:noFill/>
+                  </a:ln>
+                  <a:solidFill>
+                    <a:srgbClr val="BCBEC4"/>
+                  </a:solidFill>
+                  <a:effectLst/>
+                  <a:latin typeface="+mj-lt"/>
+                  <a:cs typeface="JetBrains Mono" panose="02000009000000000000" pitchFamily="49" charset="0"/>
+                </a:rPr>
+                <a:t>        </a:t>
+              </a:r>
+              <a:r>
+                <a:rPr kumimoji="0" lang="zh-TW" altLang="zh-TW" sz="1600" b="0" i="0" u="none" strike="noStrike" cap="none" normalizeH="0" baseline="0">
+                  <a:ln>
+                    <a:noFill/>
+                  </a:ln>
+                  <a:solidFill>
+                    <a:srgbClr val="CF8E6D"/>
+                  </a:solidFill>
+                  <a:effectLst/>
+                  <a:latin typeface="+mj-lt"/>
+                  <a:cs typeface="JetBrains Mono" panose="02000009000000000000" pitchFamily="49" charset="0"/>
+                </a:rPr>
+                <a:t>int</a:t>
+              </a:r>
+              <a:r>
+                <a:rPr kumimoji="0" lang="zh-TW" altLang="zh-TW" sz="1600" b="0" i="0" u="none" strike="noStrike" cap="none" normalizeH="0" baseline="0">
+                  <a:ln>
+                    <a:noFill/>
+                  </a:ln>
+                  <a:solidFill>
+                    <a:srgbClr val="BCBEC4"/>
+                  </a:solidFill>
+                  <a:effectLst/>
+                  <a:latin typeface="+mj-lt"/>
+                  <a:cs typeface="JetBrains Mono" panose="02000009000000000000" pitchFamily="49" charset="0"/>
+                </a:rPr>
+                <a:t>[] arr = {</a:t>
+              </a:r>
+              <a:r>
+                <a:rPr kumimoji="0" lang="zh-TW" altLang="zh-TW" sz="1600" b="0" i="0" u="none" strike="noStrike" cap="none" normalizeH="0" baseline="0">
+                  <a:ln>
+                    <a:noFill/>
+                  </a:ln>
+                  <a:solidFill>
+                    <a:srgbClr val="2AACB8"/>
+                  </a:solidFill>
+                  <a:effectLst/>
+                  <a:latin typeface="+mj-lt"/>
+                  <a:cs typeface="JetBrains Mono" panose="02000009000000000000" pitchFamily="49" charset="0"/>
+                </a:rPr>
+                <a:t>6</a:t>
+              </a:r>
+              <a:r>
+                <a:rPr kumimoji="0" lang="zh-TW" altLang="zh-TW" sz="1600" b="0" i="0" u="none" strike="noStrike" cap="none" normalizeH="0" baseline="0">
+                  <a:ln>
+                    <a:noFill/>
+                  </a:ln>
+                  <a:solidFill>
+                    <a:srgbClr val="BCBEC4"/>
+                  </a:solidFill>
+                  <a:effectLst/>
+                  <a:latin typeface="+mj-lt"/>
+                  <a:cs typeface="JetBrains Mono" panose="02000009000000000000" pitchFamily="49" charset="0"/>
+                </a:rPr>
+                <a:t>, </a:t>
+              </a:r>
+              <a:r>
+                <a:rPr kumimoji="0" lang="zh-TW" altLang="zh-TW" sz="1600" b="0" i="0" u="none" strike="noStrike" cap="none" normalizeH="0" baseline="0">
+                  <a:ln>
+                    <a:noFill/>
+                  </a:ln>
+                  <a:solidFill>
+                    <a:srgbClr val="2AACB8"/>
+                  </a:solidFill>
+                  <a:effectLst/>
+                  <a:latin typeface="+mj-lt"/>
+                  <a:cs typeface="JetBrains Mono" panose="02000009000000000000" pitchFamily="49" charset="0"/>
+                </a:rPr>
+                <a:t>4</a:t>
+              </a:r>
+              <a:r>
+                <a:rPr kumimoji="0" lang="zh-TW" altLang="zh-TW" sz="1600" b="0" i="0" u="none" strike="noStrike" cap="none" normalizeH="0" baseline="0">
+                  <a:ln>
+                    <a:noFill/>
+                  </a:ln>
+                  <a:solidFill>
+                    <a:srgbClr val="BCBEC4"/>
+                  </a:solidFill>
+                  <a:effectLst/>
+                  <a:latin typeface="+mj-lt"/>
+                  <a:cs typeface="JetBrains Mono" panose="02000009000000000000" pitchFamily="49" charset="0"/>
+                </a:rPr>
+                <a:t>, </a:t>
+              </a:r>
+              <a:r>
+                <a:rPr kumimoji="0" lang="zh-TW" altLang="zh-TW" sz="1600" b="0" i="0" u="none" strike="noStrike" cap="none" normalizeH="0" baseline="0">
+                  <a:ln>
+                    <a:noFill/>
+                  </a:ln>
+                  <a:solidFill>
+                    <a:srgbClr val="2AACB8"/>
+                  </a:solidFill>
+                  <a:effectLst/>
+                  <a:latin typeface="+mj-lt"/>
+                  <a:cs typeface="JetBrains Mono" panose="02000009000000000000" pitchFamily="49" charset="0"/>
+                </a:rPr>
+                <a:t>5</a:t>
+              </a:r>
+              <a:r>
+                <a:rPr kumimoji="0" lang="zh-TW" altLang="zh-TW" sz="1600" b="0" i="0" u="none" strike="noStrike" cap="none" normalizeH="0" baseline="0">
+                  <a:ln>
+                    <a:noFill/>
+                  </a:ln>
+                  <a:solidFill>
+                    <a:srgbClr val="BCBEC4"/>
+                  </a:solidFill>
+                  <a:effectLst/>
+                  <a:latin typeface="+mj-lt"/>
+                  <a:cs typeface="JetBrains Mono" panose="02000009000000000000" pitchFamily="49" charset="0"/>
+                </a:rPr>
+                <a:t>, </a:t>
+              </a:r>
+              <a:r>
+                <a:rPr kumimoji="0" lang="zh-TW" altLang="zh-TW" sz="1600" b="0" i="0" u="none" strike="noStrike" cap="none" normalizeH="0" baseline="0">
+                  <a:ln>
+                    <a:noFill/>
+                  </a:ln>
+                  <a:solidFill>
+                    <a:srgbClr val="2AACB8"/>
+                  </a:solidFill>
+                  <a:effectLst/>
+                  <a:latin typeface="+mj-lt"/>
+                  <a:cs typeface="JetBrains Mono" panose="02000009000000000000" pitchFamily="49" charset="0"/>
+                </a:rPr>
+                <a:t>7</a:t>
+              </a:r>
+              <a:r>
+                <a:rPr kumimoji="0" lang="zh-TW" altLang="zh-TW" sz="1600" b="0" i="0" u="none" strike="noStrike" cap="none" normalizeH="0" baseline="0">
+                  <a:ln>
+                    <a:noFill/>
+                  </a:ln>
+                  <a:solidFill>
+                    <a:srgbClr val="BCBEC4"/>
+                  </a:solidFill>
+                  <a:effectLst/>
+                  <a:latin typeface="+mj-lt"/>
+                  <a:cs typeface="JetBrains Mono" panose="02000009000000000000" pitchFamily="49" charset="0"/>
+                </a:rPr>
+                <a:t>, </a:t>
+              </a:r>
+              <a:r>
+                <a:rPr kumimoji="0" lang="zh-TW" altLang="zh-TW" sz="1600" b="0" i="0" u="none" strike="noStrike" cap="none" normalizeH="0" baseline="0">
+                  <a:ln>
+                    <a:noFill/>
+                  </a:ln>
+                  <a:solidFill>
+                    <a:srgbClr val="2AACB8"/>
+                  </a:solidFill>
+                  <a:effectLst/>
+                  <a:latin typeface="+mj-lt"/>
+                  <a:cs typeface="JetBrains Mono" panose="02000009000000000000" pitchFamily="49" charset="0"/>
+                </a:rPr>
+                <a:t>2</a:t>
+              </a:r>
+              <a:r>
+                <a:rPr kumimoji="0" lang="zh-TW" altLang="zh-TW" sz="1600" b="0" i="0" u="none" strike="noStrike" cap="none" normalizeH="0" baseline="0">
+                  <a:ln>
+                    <a:noFill/>
+                  </a:ln>
+                  <a:solidFill>
+                    <a:srgbClr val="BCBEC4"/>
+                  </a:solidFill>
+                  <a:effectLst/>
+                  <a:latin typeface="+mj-lt"/>
+                  <a:cs typeface="JetBrains Mono" panose="02000009000000000000" pitchFamily="49" charset="0"/>
+                </a:rPr>
+                <a:t>, </a:t>
+              </a:r>
+              <a:r>
+                <a:rPr kumimoji="0" lang="zh-TW" altLang="zh-TW" sz="1600" b="0" i="0" u="none" strike="noStrike" cap="none" normalizeH="0" baseline="0">
+                  <a:ln>
+                    <a:noFill/>
+                  </a:ln>
+                  <a:solidFill>
+                    <a:srgbClr val="2AACB8"/>
+                  </a:solidFill>
+                  <a:effectLst/>
+                  <a:latin typeface="+mj-lt"/>
+                  <a:cs typeface="JetBrains Mono" panose="02000009000000000000" pitchFamily="49" charset="0"/>
+                </a:rPr>
+                <a:t>9</a:t>
+              </a:r>
+              <a:r>
+                <a:rPr kumimoji="0" lang="zh-TW" altLang="zh-TW" sz="1600" b="0" i="0" u="none" strike="noStrike" cap="none" normalizeH="0" baseline="0">
+                  <a:ln>
+                    <a:noFill/>
+                  </a:ln>
+                  <a:solidFill>
+                    <a:srgbClr val="BCBEC4"/>
+                  </a:solidFill>
+                  <a:effectLst/>
+                  <a:latin typeface="+mj-lt"/>
+                  <a:cs typeface="JetBrains Mono" panose="02000009000000000000" pitchFamily="49" charset="0"/>
+                </a:rPr>
+                <a:t>};</a:t>
+              </a:r>
+              <a:br>
+                <a:rPr kumimoji="0" lang="zh-TW" altLang="zh-TW" sz="1600" b="0" i="0" u="none" strike="noStrike" cap="none" normalizeH="0" baseline="0">
+                  <a:ln>
+                    <a:noFill/>
+                  </a:ln>
+                  <a:solidFill>
+                    <a:srgbClr val="BCBEC4"/>
+                  </a:solidFill>
+                  <a:effectLst/>
+                  <a:latin typeface="+mj-lt"/>
+                  <a:cs typeface="JetBrains Mono" panose="02000009000000000000" pitchFamily="49" charset="0"/>
+                </a:rPr>
+              </a:br>
+              <a:r>
+                <a:rPr kumimoji="0" lang="zh-TW" altLang="zh-TW" sz="1600" b="0" i="0" u="none" strike="noStrike" cap="none" normalizeH="0" baseline="0">
+                  <a:ln>
+                    <a:noFill/>
+                  </a:ln>
+                  <a:solidFill>
+                    <a:srgbClr val="BCBEC4"/>
+                  </a:solidFill>
+                  <a:effectLst/>
+                  <a:latin typeface="+mj-lt"/>
+                  <a:cs typeface="JetBrains Mono" panose="02000009000000000000" pitchFamily="49" charset="0"/>
+                </a:rPr>
+                <a:t>        </a:t>
+              </a:r>
+              <a:r>
+                <a:rPr kumimoji="0" lang="zh-TW" altLang="zh-TW" sz="1600" b="0" i="0" u="none" strike="noStrike" cap="none" normalizeH="0" baseline="0">
+                  <a:ln>
+                    <a:noFill/>
+                  </a:ln>
+                  <a:solidFill>
+                    <a:srgbClr val="CF8E6D"/>
+                  </a:solidFill>
+                  <a:effectLst/>
+                  <a:latin typeface="+mj-lt"/>
+                  <a:cs typeface="JetBrains Mono" panose="02000009000000000000" pitchFamily="49" charset="0"/>
+                </a:rPr>
+                <a:t>for </a:t>
+              </a:r>
+              <a:r>
+                <a:rPr kumimoji="0" lang="zh-TW" altLang="zh-TW" sz="1600" b="0" i="0" u="none" strike="noStrike" cap="none" normalizeH="0" baseline="0">
+                  <a:ln>
+                    <a:noFill/>
+                  </a:ln>
+                  <a:solidFill>
+                    <a:srgbClr val="BCBEC4"/>
+                  </a:solidFill>
+                  <a:effectLst/>
+                  <a:latin typeface="+mj-lt"/>
+                  <a:cs typeface="JetBrains Mono" panose="02000009000000000000" pitchFamily="49" charset="0"/>
+                </a:rPr>
+                <a:t>(</a:t>
+              </a:r>
+              <a:r>
+                <a:rPr kumimoji="0" lang="zh-TW" altLang="zh-TW" sz="1600" b="0" i="0" u="none" strike="noStrike" cap="none" normalizeH="0" baseline="0">
+                  <a:ln>
+                    <a:noFill/>
+                  </a:ln>
+                  <a:solidFill>
+                    <a:srgbClr val="CF8E6D"/>
+                  </a:solidFill>
+                  <a:effectLst/>
+                  <a:latin typeface="+mj-lt"/>
+                  <a:cs typeface="JetBrains Mono" panose="02000009000000000000" pitchFamily="49" charset="0"/>
+                </a:rPr>
+                <a:t>int </a:t>
+              </a:r>
+              <a:r>
+                <a:rPr kumimoji="0" lang="zh-TW" altLang="zh-TW" sz="1600" b="0" i="0" u="none" strike="noStrike" cap="none" normalizeH="0" baseline="0">
+                  <a:ln>
+                    <a:noFill/>
+                  </a:ln>
+                  <a:solidFill>
+                    <a:srgbClr val="BCBEC4"/>
+                  </a:solidFill>
+                  <a:effectLst/>
+                  <a:latin typeface="+mj-lt"/>
+                  <a:cs typeface="JetBrains Mono" panose="02000009000000000000" pitchFamily="49" charset="0"/>
+                </a:rPr>
+                <a:t>e : arr) {</a:t>
+              </a:r>
+              <a:br>
+                <a:rPr kumimoji="0" lang="zh-TW" altLang="zh-TW" sz="1600" b="0" i="0" u="none" strike="noStrike" cap="none" normalizeH="0" baseline="0">
+                  <a:ln>
+                    <a:noFill/>
+                  </a:ln>
+                  <a:solidFill>
+                    <a:srgbClr val="BCBEC4"/>
+                  </a:solidFill>
+                  <a:effectLst/>
+                  <a:latin typeface="+mj-lt"/>
+                  <a:cs typeface="JetBrains Mono" panose="02000009000000000000" pitchFamily="49" charset="0"/>
+                </a:rPr>
+              </a:br>
+              <a:r>
+                <a:rPr kumimoji="0" lang="zh-TW" altLang="zh-TW" sz="1600" b="0" i="0" u="none" strike="noStrike" cap="none" normalizeH="0" baseline="0">
+                  <a:ln>
+                    <a:noFill/>
+                  </a:ln>
+                  <a:solidFill>
+                    <a:srgbClr val="BCBEC4"/>
+                  </a:solidFill>
+                  <a:effectLst/>
+                  <a:latin typeface="+mj-lt"/>
+                  <a:cs typeface="JetBrains Mono" panose="02000009000000000000" pitchFamily="49" charset="0"/>
+                </a:rPr>
+                <a:t>            System.</a:t>
+              </a:r>
+              <a:r>
+                <a:rPr kumimoji="0" lang="zh-TW" altLang="zh-TW" sz="1600" b="0" i="1" u="none" strike="noStrike" cap="none" normalizeH="0" baseline="0">
+                  <a:ln>
+                    <a:noFill/>
+                  </a:ln>
+                  <a:solidFill>
+                    <a:srgbClr val="C77DBB"/>
+                  </a:solidFill>
+                  <a:effectLst/>
+                  <a:latin typeface="+mj-lt"/>
+                  <a:cs typeface="JetBrains Mono" panose="02000009000000000000" pitchFamily="49" charset="0"/>
+                </a:rPr>
+                <a:t>out</a:t>
+              </a:r>
+              <a:r>
+                <a:rPr kumimoji="0" lang="zh-TW" altLang="zh-TW" sz="1600" b="0" i="0" u="none" strike="noStrike" cap="none" normalizeH="0" baseline="0">
+                  <a:ln>
+                    <a:noFill/>
+                  </a:ln>
+                  <a:solidFill>
+                    <a:srgbClr val="BCBEC4"/>
+                  </a:solidFill>
+                  <a:effectLst/>
+                  <a:latin typeface="+mj-lt"/>
+                  <a:cs typeface="JetBrains Mono" panose="02000009000000000000" pitchFamily="49" charset="0"/>
+                </a:rPr>
+                <a:t>.print(e + </a:t>
+              </a:r>
+              <a:r>
+                <a:rPr kumimoji="0" lang="zh-TW" altLang="zh-TW" sz="1600" b="0" i="0" u="none" strike="noStrike" cap="none" normalizeH="0" baseline="0">
+                  <a:ln>
+                    <a:noFill/>
+                  </a:ln>
+                  <a:solidFill>
+                    <a:srgbClr val="6AAB73"/>
+                  </a:solidFill>
+                  <a:effectLst/>
+                  <a:latin typeface="+mj-lt"/>
+                  <a:cs typeface="JetBrains Mono" panose="02000009000000000000" pitchFamily="49" charset="0"/>
+                </a:rPr>
+                <a:t>" "</a:t>
+              </a:r>
+              <a:r>
+                <a:rPr kumimoji="0" lang="zh-TW" altLang="zh-TW" sz="1600" b="0" i="0" u="none" strike="noStrike" cap="none" normalizeH="0" baseline="0">
+                  <a:ln>
+                    <a:noFill/>
+                  </a:ln>
+                  <a:solidFill>
+                    <a:srgbClr val="BCBEC4"/>
+                  </a:solidFill>
+                  <a:effectLst/>
+                  <a:latin typeface="+mj-lt"/>
+                  <a:cs typeface="JetBrains Mono" panose="02000009000000000000" pitchFamily="49" charset="0"/>
+                </a:rPr>
+                <a:t>);</a:t>
+              </a:r>
+              <a:br>
+                <a:rPr kumimoji="0" lang="zh-TW" altLang="zh-TW" sz="1600" b="0" i="0" u="none" strike="noStrike" cap="none" normalizeH="0" baseline="0">
+                  <a:ln>
+                    <a:noFill/>
+                  </a:ln>
+                  <a:solidFill>
+                    <a:srgbClr val="BCBEC4"/>
+                  </a:solidFill>
+                  <a:effectLst/>
+                  <a:latin typeface="+mj-lt"/>
+                  <a:cs typeface="JetBrains Mono" panose="02000009000000000000" pitchFamily="49" charset="0"/>
+                </a:rPr>
+              </a:br>
+              <a:r>
+                <a:rPr kumimoji="0" lang="zh-TW" altLang="zh-TW" sz="1600" b="0" i="0" u="none" strike="noStrike" cap="none" normalizeH="0" baseline="0">
+                  <a:ln>
+                    <a:noFill/>
+                  </a:ln>
+                  <a:solidFill>
+                    <a:srgbClr val="BCBEC4"/>
+                  </a:solidFill>
+                  <a:effectLst/>
+                  <a:latin typeface="+mj-lt"/>
+                  <a:cs typeface="JetBrains Mono" panose="02000009000000000000" pitchFamily="49" charset="0"/>
+                </a:rPr>
+                <a:t>        }</a:t>
+              </a:r>
+              <a:br>
+                <a:rPr kumimoji="0" lang="zh-TW" altLang="zh-TW" sz="1600" b="0" i="0" u="none" strike="noStrike" cap="none" normalizeH="0" baseline="0">
+                  <a:ln>
+                    <a:noFill/>
+                  </a:ln>
+                  <a:solidFill>
+                    <a:srgbClr val="BCBEC4"/>
+                  </a:solidFill>
+                  <a:effectLst/>
+                  <a:latin typeface="+mj-lt"/>
+                  <a:cs typeface="JetBrains Mono" panose="02000009000000000000" pitchFamily="49" charset="0"/>
+                </a:rPr>
+              </a:br>
+              <a:r>
+                <a:rPr kumimoji="0" lang="zh-TW" altLang="zh-TW" sz="1600" b="0" i="0" u="none" strike="noStrike" cap="none" normalizeH="0" baseline="0">
+                  <a:ln>
+                    <a:noFill/>
+                  </a:ln>
+                  <a:solidFill>
+                    <a:srgbClr val="BCBEC4"/>
+                  </a:solidFill>
+                  <a:effectLst/>
+                  <a:latin typeface="+mj-lt"/>
+                  <a:cs typeface="JetBrains Mono" panose="02000009000000000000" pitchFamily="49" charset="0"/>
+                </a:rPr>
+                <a:t>    }</a:t>
+              </a:r>
+              <a:br>
+                <a:rPr kumimoji="0" lang="zh-TW" altLang="zh-TW" sz="1600" b="0" i="0" u="none" strike="noStrike" cap="none" normalizeH="0" baseline="0">
+                  <a:ln>
+                    <a:noFill/>
+                  </a:ln>
+                  <a:solidFill>
+                    <a:srgbClr val="BCBEC4"/>
+                  </a:solidFill>
+                  <a:effectLst/>
+                  <a:latin typeface="+mj-lt"/>
+                  <a:cs typeface="JetBrains Mono" panose="02000009000000000000" pitchFamily="49" charset="0"/>
+                </a:rPr>
+              </a:br>
+              <a:r>
+                <a:rPr kumimoji="0" lang="zh-TW" altLang="zh-TW" sz="1600" b="0" i="0" u="none" strike="noStrike" cap="none" normalizeH="0" baseline="0">
+                  <a:ln>
+                    <a:noFill/>
+                  </a:ln>
+                  <a:solidFill>
+                    <a:srgbClr val="BCBEC4"/>
+                  </a:solidFill>
+                  <a:effectLst/>
+                  <a:latin typeface="+mj-lt"/>
+                  <a:cs typeface="JetBrains Mono" panose="02000009000000000000" pitchFamily="49" charset="0"/>
+                </a:rPr>
+                <a:t>}</a:t>
+              </a:r>
+              <a:endParaRPr kumimoji="0" lang="zh-TW" altLang="zh-TW" sz="2800" b="0" i="0" u="none" strike="noStrike" cap="none" normalizeH="0" baseline="0">
+                <a:ln>
+                  <a:noFill/>
+                </a:ln>
+                <a:solidFill>
+                  <a:schemeClr val="tx1"/>
+                </a:solidFill>
+                <a:effectLst/>
+                <a:latin typeface="+mj-lt"/>
+              </a:endParaRPr>
+            </a:p>
+          </p:txBody>
+        </p:sp>
+        <p:sp>
+          <p:nvSpPr>
+            <p:cNvPr id="7" name="文字方塊 6">
+              <a:extLst>
+                <a:ext uri="{FF2B5EF4-FFF2-40B4-BE49-F238E27FC236}">
+                  <a16:creationId xmlns:a16="http://schemas.microsoft.com/office/drawing/2014/main" id="{974AD89D-FF28-4181-B8CF-71FC6DEA7AF7}"/>
+                </a:ext>
+              </a:extLst>
+            </p:cNvPr>
+            <p:cNvSpPr txBox="1"/>
+            <p:nvPr/>
+          </p:nvSpPr>
+          <p:spPr>
+            <a:xfrm>
+              <a:off x="6336504" y="6018768"/>
+              <a:ext cx="691215" cy="369332"/>
+            </a:xfrm>
+            <a:prstGeom prst="rect">
+              <a:avLst/>
+            </a:prstGeom>
+            <a:noFill/>
+          </p:spPr>
+          <p:txBody>
+            <a:bodyPr wrap="none" rtlCol="0">
+              <a:spAutoFit/>
+            </a:bodyPr>
+            <a:lstStyle/>
+            <a:p>
+              <a:r>
+                <a:rPr lang="en-US" altLang="zh-TW">
+                  <a:solidFill>
+                    <a:schemeClr val="accent3"/>
+                  </a:solidFill>
+                </a:rPr>
+                <a:t>java</a:t>
+              </a:r>
+              <a:endParaRPr lang="zh-TW" altLang="en-US">
+                <a:solidFill>
+                  <a:schemeClr val="accent3"/>
+                </a:solidFill>
+              </a:endParaRPr>
+            </a:p>
+          </p:txBody>
+        </p:sp>
+        <p:pic>
+          <p:nvPicPr>
+            <p:cNvPr id="14" name="圖片 13">
+              <a:hlinkClick r:id="rId2"/>
+              <a:extLst>
+                <a:ext uri="{FF2B5EF4-FFF2-40B4-BE49-F238E27FC236}">
+                  <a16:creationId xmlns:a16="http://schemas.microsoft.com/office/drawing/2014/main" id="{A85B0069-19C9-4FBB-A463-06A5E9E50A1E}"/>
+                </a:ext>
+              </a:extLst>
+            </p:cNvPr>
+            <p:cNvPicPr>
+              <a:picLocks noChangeAspect="1"/>
+            </p:cNvPicPr>
+            <p:nvPr/>
+          </p:nvPicPr>
+          <p:blipFill>
+            <a:blip r:embed="rId3">
+              <a:extLst>
+                <a:ext uri="{28A0092B-C50C-407E-A947-70E740481C1C}">
+                  <a14:useLocalDpi xmlns:a14="http://schemas.microsoft.com/office/drawing/2010/main" val="0"/>
+                </a:ext>
+              </a:extLst>
+            </a:blip>
+            <a:stretch>
+              <a:fillRect/>
+            </a:stretch>
+          </p:blipFill>
+          <p:spPr>
+            <a:xfrm>
+              <a:off x="6488819" y="4328382"/>
+              <a:ext cx="538900" cy="527184"/>
+            </a:xfrm>
+            <a:prstGeom prst="rect">
+              <a:avLst/>
+            </a:prstGeom>
+          </p:spPr>
+        </p:pic>
+      </p:grpSp>
+      <p:sp>
+        <p:nvSpPr>
+          <p:cNvPr id="2" name="標題 1">
+            <a:extLst>
+              <a:ext uri="{FF2B5EF4-FFF2-40B4-BE49-F238E27FC236}">
+                <a16:creationId xmlns:a16="http://schemas.microsoft.com/office/drawing/2014/main" id="{A4E252C7-16D2-40FE-A0E9-9CB0766F8729}"/>
+              </a:ext>
+            </a:extLst>
+          </p:cNvPr>
+          <p:cNvSpPr>
+            <a:spLocks noGrp="1"/>
+          </p:cNvSpPr>
+          <p:nvPr>
+            <p:ph type="title"/>
+          </p:nvPr>
+        </p:nvSpPr>
+        <p:spPr/>
+        <p:txBody>
+          <a:bodyPr/>
+          <a:lstStyle/>
+          <a:p>
+            <a:r>
+              <a:rPr lang="en-US" altLang="zh-TW"/>
+              <a:t>for-each</a:t>
+            </a:r>
+            <a:endParaRPr lang="zh-TW" altLang="en-US"/>
+          </a:p>
+        </p:txBody>
+      </p:sp>
+      <p:sp>
+        <p:nvSpPr>
+          <p:cNvPr id="3" name="內容版面配置區 2">
+            <a:extLst>
+              <a:ext uri="{FF2B5EF4-FFF2-40B4-BE49-F238E27FC236}">
+                <a16:creationId xmlns:a16="http://schemas.microsoft.com/office/drawing/2014/main" id="{2DC259F5-78E3-456A-A104-56FEBD65D0BC}"/>
+              </a:ext>
+            </a:extLst>
+          </p:cNvPr>
+          <p:cNvSpPr>
+            <a:spLocks noGrp="1"/>
+          </p:cNvSpPr>
+          <p:nvPr>
+            <p:ph idx="1"/>
+          </p:nvPr>
+        </p:nvSpPr>
+        <p:spPr>
+          <a:xfrm>
+            <a:off x="838200" y="1585913"/>
+            <a:ext cx="10515600" cy="1010186"/>
+          </a:xfrm>
+        </p:spPr>
+        <p:txBody>
+          <a:bodyPr/>
+          <a:lstStyle/>
+          <a:p>
+            <a:r>
+              <a:rPr lang="zh-TW" altLang="en-US">
+                <a:latin typeface="+mj-lt"/>
+              </a:rPr>
+              <a:t>每次</a:t>
+            </a:r>
+            <a:r>
+              <a:rPr lang="zh-TW" altLang="en-US">
+                <a:solidFill>
+                  <a:srgbClr val="00B0F0"/>
+                </a:solidFill>
+                <a:latin typeface="+mj-lt"/>
+              </a:rPr>
+              <a:t>迭代</a:t>
+            </a:r>
+            <a:r>
+              <a:rPr lang="en-US" altLang="zh-TW">
+                <a:solidFill>
+                  <a:srgbClr val="00B0F0"/>
+                </a:solidFill>
+                <a:latin typeface="+mj-lt"/>
+              </a:rPr>
+              <a:t>(iteration)</a:t>
+            </a:r>
+            <a:r>
+              <a:rPr lang="zh-TW" altLang="en-US">
+                <a:solidFill>
+                  <a:srgbClr val="00B0F0"/>
+                </a:solidFill>
+                <a:latin typeface="+mj-lt"/>
+              </a:rPr>
+              <a:t>陣列</a:t>
+            </a:r>
+            <a:r>
+              <a:rPr lang="zh-TW" altLang="en-US">
+                <a:latin typeface="+mj-lt"/>
+              </a:rPr>
+              <a:t>都寫這麼長一個 </a:t>
+            </a:r>
+            <a:r>
+              <a:rPr lang="en-US" altLang="zh-TW">
+                <a:solidFill>
+                  <a:srgbClr val="CF8E6D"/>
+                </a:solidFill>
+                <a:latin typeface="+mj-lt"/>
+              </a:rPr>
+              <a:t>for</a:t>
+            </a:r>
+            <a:r>
+              <a:rPr lang="en-US" altLang="zh-TW">
+                <a:latin typeface="+mj-lt"/>
+              </a:rPr>
+              <a:t> </a:t>
+            </a:r>
+            <a:r>
+              <a:rPr lang="zh-TW" altLang="en-US">
+                <a:solidFill>
+                  <a:srgbClr val="00B0F0"/>
+                </a:solidFill>
+                <a:latin typeface="+mj-lt"/>
+              </a:rPr>
+              <a:t>迴圈</a:t>
+            </a:r>
+            <a:r>
+              <a:rPr lang="zh-TW" altLang="en-US">
+                <a:latin typeface="+mj-lt"/>
+              </a:rPr>
+              <a:t>，實在不便</a:t>
+            </a:r>
+            <a:endParaRPr lang="en-US" altLang="zh-TW">
+              <a:latin typeface="+mj-lt"/>
+            </a:endParaRPr>
+          </a:p>
+          <a:p>
+            <a:r>
+              <a:rPr lang="zh-TW" altLang="en-US">
+                <a:latin typeface="+mj-lt"/>
+              </a:rPr>
+              <a:t>所以可以使用「</a:t>
+            </a:r>
+            <a:r>
+              <a:rPr lang="en-US" altLang="zh-TW">
+                <a:solidFill>
+                  <a:srgbClr val="00B0F0"/>
+                </a:solidFill>
+                <a:latin typeface="+mj-lt"/>
+              </a:rPr>
+              <a:t>for-each</a:t>
+            </a:r>
+            <a:r>
+              <a:rPr lang="zh-TW" altLang="en-US">
+                <a:latin typeface="+mj-lt"/>
+              </a:rPr>
+              <a:t>」來避免寫這麼長的 </a:t>
+            </a:r>
+            <a:r>
+              <a:rPr lang="en-US" altLang="zh-TW">
+                <a:solidFill>
+                  <a:srgbClr val="CF8E6D"/>
+                </a:solidFill>
+                <a:latin typeface="+mj-lt"/>
+              </a:rPr>
+              <a:t>for</a:t>
+            </a:r>
+            <a:r>
+              <a:rPr lang="en-US" altLang="zh-TW">
+                <a:solidFill>
+                  <a:srgbClr val="00B0F0"/>
+                </a:solidFill>
+                <a:latin typeface="+mj-lt"/>
+              </a:rPr>
+              <a:t> </a:t>
+            </a:r>
+            <a:r>
+              <a:rPr lang="zh-TW" altLang="en-US">
+                <a:solidFill>
+                  <a:srgbClr val="00B0F0"/>
+                </a:solidFill>
+                <a:latin typeface="+mj-lt"/>
+              </a:rPr>
+              <a:t>迴圈</a:t>
+            </a:r>
+          </a:p>
+        </p:txBody>
+      </p:sp>
+      <p:sp>
+        <p:nvSpPr>
+          <p:cNvPr id="6" name="內容版面配置區 2">
+            <a:extLst>
+              <a:ext uri="{FF2B5EF4-FFF2-40B4-BE49-F238E27FC236}">
+                <a16:creationId xmlns:a16="http://schemas.microsoft.com/office/drawing/2014/main" id="{B55F031B-028A-48C6-A537-5371770ED454}"/>
+              </a:ext>
+            </a:extLst>
+          </p:cNvPr>
+          <p:cNvSpPr txBox="1">
+            <a:spLocks/>
+          </p:cNvSpPr>
+          <p:nvPr/>
+        </p:nvSpPr>
+        <p:spPr>
+          <a:xfrm>
+            <a:off x="838200" y="3844053"/>
+            <a:ext cx="10515600" cy="529569"/>
+          </a:xfrm>
+          <a:prstGeom prst="rect">
+            <a:avLst/>
+          </a:prstGeom>
+        </p:spPr>
+        <p:txBody>
+          <a:bodyPr vert="horz" lIns="91440" tIns="45720" rIns="91440" bIns="45720" rtlCol="0">
+            <a:normAutofit/>
+          </a:bodyPr>
+          <a:lstStyle>
+            <a:lvl1pPr marL="0" indent="0" algn="l" defTabSz="914400" rtl="0" eaLnBrk="1" latinLnBrk="0" hangingPunct="1">
+              <a:lnSpc>
+                <a:spcPct val="90000"/>
+              </a:lnSpc>
+              <a:spcBef>
+                <a:spcPts val="1000"/>
+              </a:spcBef>
+              <a:buFont typeface="Arial" panose="020B0604020202020204" pitchFamily="34" charset="0"/>
+              <a:buNone/>
+              <a:defRPr sz="2800" kern="1200">
+                <a:solidFill>
+                  <a:schemeClr val="tx1"/>
+                </a:solidFill>
+                <a:latin typeface="+mn-lt"/>
+                <a:ea typeface="+mn-ea"/>
+                <a:cs typeface="+mn-cs"/>
+              </a:defRPr>
+            </a:lvl1pPr>
+            <a:lvl2pPr marL="457200" indent="0" algn="l" defTabSz="914400" rtl="0" eaLnBrk="1" latinLnBrk="0" hangingPunct="1">
+              <a:lnSpc>
+                <a:spcPct val="90000"/>
+              </a:lnSpc>
+              <a:spcBef>
+                <a:spcPts val="500"/>
+              </a:spcBef>
+              <a:buFont typeface="Arial" panose="020B0604020202020204" pitchFamily="34" charset="0"/>
+              <a:buNone/>
+              <a:defRPr sz="2400" kern="1200">
+                <a:solidFill>
+                  <a:schemeClr val="tx1"/>
+                </a:solidFill>
+                <a:latin typeface="+mn-lt"/>
+                <a:ea typeface="+mn-ea"/>
+                <a:cs typeface="+mn-cs"/>
+              </a:defRPr>
+            </a:lvl2pPr>
+            <a:lvl3pPr marL="914400" indent="0" algn="l" defTabSz="914400" rtl="0" eaLnBrk="1" latinLnBrk="0" hangingPunct="1">
+              <a:lnSpc>
+                <a:spcPct val="90000"/>
+              </a:lnSpc>
+              <a:spcBef>
+                <a:spcPts val="500"/>
+              </a:spcBef>
+              <a:buFont typeface="Arial" panose="020B0604020202020204" pitchFamily="34" charset="0"/>
+              <a:buNone/>
+              <a:defRPr sz="2000" kern="1200">
+                <a:solidFill>
+                  <a:schemeClr val="tx1"/>
+                </a:solidFill>
+                <a:latin typeface="+mn-lt"/>
+                <a:ea typeface="+mn-ea"/>
+                <a:cs typeface="+mn-cs"/>
+              </a:defRPr>
+            </a:lvl3pPr>
+            <a:lvl4pPr marL="1371600" indent="0" algn="l" defTabSz="914400" rtl="0" eaLnBrk="1" latinLnBrk="0" hangingPunct="1">
+              <a:lnSpc>
+                <a:spcPct val="90000"/>
+              </a:lnSpc>
+              <a:spcBef>
+                <a:spcPts val="500"/>
+              </a:spcBef>
+              <a:buFont typeface="Arial" panose="020B0604020202020204" pitchFamily="34" charset="0"/>
+              <a:buNone/>
+              <a:defRPr sz="1800" kern="1200">
+                <a:solidFill>
+                  <a:schemeClr val="tx1"/>
+                </a:solidFill>
+                <a:latin typeface="+mn-lt"/>
+                <a:ea typeface="+mn-ea"/>
+                <a:cs typeface="+mn-cs"/>
+              </a:defRPr>
+            </a:lvl4pPr>
+            <a:lvl5pPr marL="1828800" indent="0" algn="l" defTabSz="914400" rtl="0" eaLnBrk="1" latinLnBrk="0" hangingPunct="1">
+              <a:lnSpc>
+                <a:spcPct val="90000"/>
+              </a:lnSpc>
+              <a:spcBef>
+                <a:spcPts val="500"/>
+              </a:spcBef>
+              <a:buFont typeface="Arial" panose="020B0604020202020204" pitchFamily="34" charset="0"/>
+              <a:buNone/>
+              <a:defRPr sz="1800" kern="1200">
+                <a:solidFill>
+                  <a:schemeClr val="tx1"/>
+                </a:solidFill>
+                <a:latin typeface="+mn-lt"/>
+                <a:ea typeface="+mn-ea"/>
+                <a:cs typeface="+mn-cs"/>
+              </a:defRPr>
+            </a:lvl5pPr>
+            <a:lvl6pPr marL="2514600" indent="-228600" algn="l" defTabSz="914400" rtl="0" eaLnBrk="1" latinLnBrk="0" hangingPunct="1">
+              <a:lnSpc>
+                <a:spcPct val="90000"/>
+              </a:lnSpc>
+              <a:spcBef>
+                <a:spcPts val="500"/>
+              </a:spcBef>
+              <a:buFont typeface="Arial" panose="020B0604020202020204" pitchFamily="34" charset="0"/>
+              <a:buChar char="•"/>
+              <a:defRPr sz="1800" kern="1200">
+                <a:solidFill>
+                  <a:schemeClr val="tx1"/>
+                </a:solidFill>
+                <a:latin typeface="+mn-lt"/>
+                <a:ea typeface="+mn-ea"/>
+                <a:cs typeface="+mn-cs"/>
+              </a:defRPr>
+            </a:lvl6pPr>
+            <a:lvl7pPr marL="2971800" indent="-228600" algn="l" defTabSz="914400" rtl="0" eaLnBrk="1" latinLnBrk="0" hangingPunct="1">
+              <a:lnSpc>
+                <a:spcPct val="90000"/>
+              </a:lnSpc>
+              <a:spcBef>
+                <a:spcPts val="500"/>
+              </a:spcBef>
+              <a:buFont typeface="Arial" panose="020B0604020202020204" pitchFamily="34" charset="0"/>
+              <a:buChar char="•"/>
+              <a:defRPr sz="1800" kern="1200">
+                <a:solidFill>
+                  <a:schemeClr val="tx1"/>
+                </a:solidFill>
+                <a:latin typeface="+mn-lt"/>
+                <a:ea typeface="+mn-ea"/>
+                <a:cs typeface="+mn-cs"/>
+              </a:defRPr>
+            </a:lvl7pPr>
+            <a:lvl8pPr marL="3429000" indent="-228600" algn="l" defTabSz="914400" rtl="0" eaLnBrk="1" latinLnBrk="0" hangingPunct="1">
+              <a:lnSpc>
+                <a:spcPct val="90000"/>
+              </a:lnSpc>
+              <a:spcBef>
+                <a:spcPts val="500"/>
+              </a:spcBef>
+              <a:buFont typeface="Arial" panose="020B0604020202020204" pitchFamily="34" charset="0"/>
+              <a:buChar char="•"/>
+              <a:defRPr sz="1800" kern="1200">
+                <a:solidFill>
+                  <a:schemeClr val="tx1"/>
+                </a:solidFill>
+                <a:latin typeface="+mn-lt"/>
+                <a:ea typeface="+mn-ea"/>
+                <a:cs typeface="+mn-cs"/>
+              </a:defRPr>
+            </a:lvl8pPr>
+            <a:lvl9pPr marL="3886200" indent="-228600" algn="l" defTabSz="914400" rtl="0" eaLnBrk="1" latinLnBrk="0" hangingPunct="1">
+              <a:lnSpc>
+                <a:spcPct val="90000"/>
+              </a:lnSpc>
+              <a:spcBef>
+                <a:spcPts val="500"/>
+              </a:spcBef>
+              <a:buFont typeface="Arial" panose="020B0604020202020204" pitchFamily="34" charset="0"/>
+              <a:buChar char="•"/>
+              <a:defRPr sz="1800" kern="1200">
+                <a:solidFill>
+                  <a:schemeClr val="tx1"/>
+                </a:solidFill>
+                <a:latin typeface="+mn-lt"/>
+                <a:ea typeface="+mn-ea"/>
+                <a:cs typeface="+mn-cs"/>
+              </a:defRPr>
+            </a:lvl9pPr>
+          </a:lstStyle>
+          <a:p>
+            <a:r>
+              <a:rPr lang="zh-TW" altLang="en-US">
+                <a:latin typeface="+mj-lt"/>
+              </a:rPr>
+              <a:t>其中</a:t>
+            </a:r>
+            <a:r>
+              <a:rPr lang="zh-TW" altLang="en-US">
+                <a:solidFill>
+                  <a:srgbClr val="FFC000"/>
+                </a:solidFill>
+                <a:latin typeface="+mj-lt"/>
+              </a:rPr>
+              <a:t>變數</a:t>
+            </a:r>
+            <a:r>
+              <a:rPr lang="zh-TW" altLang="en-US">
+                <a:latin typeface="+mj-lt"/>
+              </a:rPr>
+              <a:t>會在每次循環依序變為</a:t>
+            </a:r>
+            <a:r>
+              <a:rPr lang="zh-TW" altLang="en-US">
+                <a:solidFill>
+                  <a:srgbClr val="00B0F0"/>
+                </a:solidFill>
+                <a:latin typeface="+mj-lt"/>
+              </a:rPr>
+              <a:t>陣列</a:t>
+            </a:r>
+            <a:r>
+              <a:rPr lang="zh-TW" altLang="en-US">
+                <a:latin typeface="+mj-lt"/>
+              </a:rPr>
+              <a:t>中的</a:t>
+            </a:r>
+            <a:r>
+              <a:rPr lang="zh-TW" altLang="en-US">
+                <a:solidFill>
+                  <a:srgbClr val="00B0F0"/>
+                </a:solidFill>
+                <a:latin typeface="+mj-lt"/>
+              </a:rPr>
+              <a:t>元素</a:t>
+            </a:r>
+          </a:p>
+        </p:txBody>
+      </p:sp>
+      <p:grpSp>
+        <p:nvGrpSpPr>
+          <p:cNvPr id="10" name="群組 9">
+            <a:extLst>
+              <a:ext uri="{FF2B5EF4-FFF2-40B4-BE49-F238E27FC236}">
+                <a16:creationId xmlns:a16="http://schemas.microsoft.com/office/drawing/2014/main" id="{6E68A203-3ECB-40BD-B493-98EA031301F9}"/>
+              </a:ext>
+            </a:extLst>
+          </p:cNvPr>
+          <p:cNvGrpSpPr/>
+          <p:nvPr/>
+        </p:nvGrpSpPr>
+        <p:grpSpPr>
+          <a:xfrm>
+            <a:off x="838199" y="2596099"/>
+            <a:ext cx="10515599" cy="1200329"/>
+            <a:chOff x="838199" y="2700874"/>
+            <a:chExt cx="10515599" cy="1200329"/>
+          </a:xfrm>
+        </p:grpSpPr>
+        <p:sp>
+          <p:nvSpPr>
+            <p:cNvPr id="5" name="Rectangle 2">
+              <a:extLst>
+                <a:ext uri="{FF2B5EF4-FFF2-40B4-BE49-F238E27FC236}">
+                  <a16:creationId xmlns:a16="http://schemas.microsoft.com/office/drawing/2014/main" id="{ACECFFDE-6585-4C2F-9DE4-3402E21A6200}"/>
+                </a:ext>
+              </a:extLst>
+            </p:cNvPr>
+            <p:cNvSpPr>
+              <a:spLocks noChangeArrowheads="1"/>
+            </p:cNvSpPr>
+            <p:nvPr/>
+          </p:nvSpPr>
+          <p:spPr bwMode="auto">
+            <a:xfrm>
+              <a:off x="838199" y="2700874"/>
+              <a:ext cx="10515599" cy="1200329"/>
+            </a:xfrm>
+            <a:prstGeom prst="rect">
+              <a:avLst/>
+            </a:prstGeom>
+            <a:solidFill>
+              <a:srgbClr val="1E1F22"/>
+            </a:solidFill>
+            <a:ln>
+              <a:noFill/>
+            </a:ln>
+            <a:effectLst/>
+            <a:extLst>
+              <a:ext uri="{91240B29-F687-4F45-9708-019B960494DF}">
+                <a14:hiddenLine xmlns:a14="http://schemas.microsoft.com/office/drawing/2010/main" w="9525">
+                  <a:solidFill>
+                    <a:schemeClr val="tx1"/>
+                  </a:solidFill>
+                  <a:miter lim="800000"/>
+                  <a:headEnd/>
+                  <a:tailEnd/>
+                </a14:hiddenLine>
+              </a:ext>
+              <a:ext uri="{AF507438-7753-43E0-B8FC-AC1667EBCBE1}">
+                <a14:hiddenEffects xmlns:a14="http://schemas.microsoft.com/office/drawing/2010/main">
+                  <a:effectLst>
+                    <a:outerShdw dist="35921" dir="2700000" algn="ctr" rotWithShape="0">
+                      <a:schemeClr val="bg2"/>
+                    </a:outerShdw>
+                  </a:effectLst>
+                </a14:hiddenEffects>
+              </a:ext>
+            </a:extLst>
+          </p:spPr>
+          <p:txBody>
+            <a:bodyPr vert="horz" wrap="square" lIns="91440" tIns="45720" rIns="91440" bIns="45720" numCol="1" anchor="ctr" anchorCtr="0" compatLnSpc="1">
+              <a:prstTxWarp prst="textNoShape">
+                <a:avLst/>
+              </a:prstTxWarp>
+              <a:spAutoFit/>
+            </a:bodyPr>
+            <a:lstStyle/>
+            <a:p>
+              <a:pPr marL="0" marR="0" lvl="0" indent="0" algn="l" defTabSz="914400" rtl="0" eaLnBrk="0" fontAlgn="base" latinLnBrk="0" hangingPunct="0">
+                <a:lnSpc>
+                  <a:spcPct val="100000"/>
+                </a:lnSpc>
+                <a:spcBef>
+                  <a:spcPct val="0"/>
+                </a:spcBef>
+                <a:spcAft>
+                  <a:spcPct val="0"/>
+                </a:spcAft>
+                <a:buClrTx/>
+                <a:buSzTx/>
+                <a:buFontTx/>
+                <a:buNone/>
+                <a:tabLst/>
+              </a:pPr>
+              <a:r>
+                <a:rPr kumimoji="0" lang="zh-TW" altLang="zh-TW" sz="2400" b="0" i="0" u="none" strike="noStrike" cap="none" normalizeH="0" baseline="0">
+                  <a:ln>
+                    <a:noFill/>
+                  </a:ln>
+                  <a:solidFill>
+                    <a:srgbClr val="CF8E6D"/>
+                  </a:solidFill>
+                  <a:effectLst/>
+                  <a:latin typeface="+mj-lt"/>
+                  <a:cs typeface="JetBrains Mono" panose="02000009000000000000" pitchFamily="49" charset="0"/>
+                </a:rPr>
+                <a:t>for </a:t>
+              </a:r>
+              <a:r>
+                <a:rPr kumimoji="0" lang="zh-TW" altLang="zh-TW" sz="2400" b="0" i="0" u="none" strike="noStrike" cap="none" normalizeH="0" baseline="0">
+                  <a:ln>
+                    <a:noFill/>
+                  </a:ln>
+                  <a:solidFill>
+                    <a:srgbClr val="BCBEC4"/>
+                  </a:solidFill>
+                  <a:effectLst/>
+                  <a:latin typeface="+mj-lt"/>
+                  <a:cs typeface="JetBrains Mono" panose="02000009000000000000" pitchFamily="49" charset="0"/>
+                </a:rPr>
+                <a:t>(</a:t>
+              </a:r>
+              <a:r>
+                <a:rPr lang="zh-TW" altLang="en-US" sz="2400">
+                  <a:solidFill>
+                    <a:srgbClr val="92D050"/>
+                  </a:solidFill>
+                  <a:latin typeface="+mj-lt"/>
+                  <a:ea typeface="微軟正黑體" panose="020B0604030504040204" pitchFamily="34" charset="-120"/>
+                  <a:cs typeface="JetBrains Mono" panose="02000009000000000000" pitchFamily="49" charset="0"/>
+                </a:rPr>
+                <a:t>陣列</a:t>
+              </a:r>
+              <a:r>
+                <a:rPr kumimoji="0" lang="zh-TW" altLang="zh-TW" sz="2400" b="0" i="0" u="none" strike="noStrike" cap="none" normalizeH="0" baseline="0">
+                  <a:ln>
+                    <a:noFill/>
+                  </a:ln>
+                  <a:solidFill>
+                    <a:srgbClr val="92D050"/>
+                  </a:solidFill>
+                  <a:effectLst/>
+                  <a:latin typeface="+mj-lt"/>
+                  <a:ea typeface="微軟正黑體" panose="020B0604030504040204" pitchFamily="34" charset="-120"/>
+                  <a:cs typeface="JetBrains Mono" panose="02000009000000000000" pitchFamily="49" charset="0"/>
+                </a:rPr>
+                <a:t>元素型別 </a:t>
+              </a:r>
+              <a:r>
+                <a:rPr kumimoji="0" lang="zh-TW" altLang="zh-TW" sz="2400" b="0" i="0" u="none" strike="noStrike" cap="none" normalizeH="0" baseline="0">
+                  <a:ln>
+                    <a:noFill/>
+                  </a:ln>
+                  <a:solidFill>
+                    <a:srgbClr val="FFC000"/>
+                  </a:solidFill>
+                  <a:effectLst/>
+                  <a:latin typeface="+mj-lt"/>
+                  <a:ea typeface="微軟正黑體" panose="020B0604030504040204" pitchFamily="34" charset="-120"/>
+                  <a:cs typeface="JetBrains Mono" panose="02000009000000000000" pitchFamily="49" charset="0"/>
+                </a:rPr>
+                <a:t>變數</a:t>
+              </a:r>
+              <a:r>
+                <a:rPr kumimoji="0" lang="zh-TW" altLang="zh-TW" sz="2400" b="0" i="0" u="none" strike="noStrike" cap="none" normalizeH="0" baseline="0">
+                  <a:ln>
+                    <a:noFill/>
+                  </a:ln>
+                  <a:solidFill>
+                    <a:srgbClr val="BCBEC4"/>
+                  </a:solidFill>
+                  <a:effectLst/>
+                  <a:latin typeface="+mj-lt"/>
+                  <a:ea typeface="微軟正黑體" panose="020B0604030504040204" pitchFamily="34" charset="-120"/>
+                  <a:cs typeface="JetBrains Mono" panose="02000009000000000000" pitchFamily="49" charset="0"/>
+                </a:rPr>
+                <a:t> </a:t>
+              </a:r>
+              <a:r>
+                <a:rPr kumimoji="0" lang="zh-TW" altLang="zh-TW" sz="2400" b="0" i="0" u="none" strike="noStrike" cap="none" normalizeH="0" baseline="0">
+                  <a:ln>
+                    <a:noFill/>
+                  </a:ln>
+                  <a:solidFill>
+                    <a:srgbClr val="BCBEC4"/>
+                  </a:solidFill>
+                  <a:effectLst/>
+                  <a:latin typeface="+mj-lt"/>
+                  <a:cs typeface="JetBrains Mono" panose="02000009000000000000" pitchFamily="49" charset="0"/>
+                </a:rPr>
+                <a:t>: </a:t>
+              </a:r>
+              <a:r>
+                <a:rPr kumimoji="0" lang="zh-TW" altLang="zh-TW" sz="2400" b="0" i="0" u="none" strike="noStrike" cap="none" normalizeH="0" baseline="0">
+                  <a:ln>
+                    <a:noFill/>
+                  </a:ln>
+                  <a:solidFill>
+                    <a:srgbClr val="00B0F0"/>
+                  </a:solidFill>
+                  <a:effectLst/>
+                  <a:latin typeface="+mj-lt"/>
+                  <a:ea typeface="微軟正黑體" panose="020B0604030504040204" pitchFamily="34" charset="-120"/>
+                  <a:cs typeface="JetBrains Mono" panose="02000009000000000000" pitchFamily="49" charset="0"/>
+                </a:rPr>
+                <a:t>陣列</a:t>
+              </a:r>
+              <a:r>
+                <a:rPr kumimoji="0" lang="zh-TW" altLang="zh-TW" sz="2400" b="0" i="0" u="none" strike="noStrike" cap="none" normalizeH="0" baseline="0">
+                  <a:ln>
+                    <a:noFill/>
+                  </a:ln>
+                  <a:solidFill>
+                    <a:srgbClr val="BCBEC4"/>
+                  </a:solidFill>
+                  <a:effectLst/>
+                  <a:latin typeface="+mj-lt"/>
+                  <a:cs typeface="JetBrains Mono" panose="02000009000000000000" pitchFamily="49" charset="0"/>
+                </a:rPr>
+                <a:t>) {</a:t>
+              </a:r>
+              <a:br>
+                <a:rPr kumimoji="0" lang="zh-TW" altLang="zh-TW" sz="2400" b="0" i="0" u="none" strike="noStrike" cap="none" normalizeH="0" baseline="0">
+                  <a:ln>
+                    <a:noFill/>
+                  </a:ln>
+                  <a:solidFill>
+                    <a:srgbClr val="BCBEC4"/>
+                  </a:solidFill>
+                  <a:effectLst/>
+                  <a:latin typeface="+mj-lt"/>
+                  <a:cs typeface="JetBrains Mono" panose="02000009000000000000" pitchFamily="49" charset="0"/>
+                </a:rPr>
+              </a:br>
+              <a:r>
+                <a:rPr kumimoji="0" lang="zh-TW" altLang="zh-TW" sz="2400" b="0" i="0" u="none" strike="noStrike" cap="none" normalizeH="0" baseline="0">
+                  <a:ln>
+                    <a:noFill/>
+                  </a:ln>
+                  <a:solidFill>
+                    <a:srgbClr val="BCBEC4"/>
+                  </a:solidFill>
+                  <a:effectLst/>
+                  <a:latin typeface="+mj-lt"/>
+                  <a:cs typeface="JetBrains Mono" panose="02000009000000000000" pitchFamily="49" charset="0"/>
+                </a:rPr>
+                <a:t>    </a:t>
+              </a:r>
+              <a:r>
+                <a:rPr kumimoji="0" lang="zh-TW" altLang="zh-TW" sz="2400" b="0" i="0" u="none" strike="noStrike" cap="none" normalizeH="0" baseline="0">
+                  <a:ln>
+                    <a:noFill/>
+                  </a:ln>
+                  <a:solidFill>
+                    <a:srgbClr val="FFFF00"/>
+                  </a:solidFill>
+                  <a:effectLst/>
+                  <a:latin typeface="+mj-lt"/>
+                  <a:ea typeface="微軟正黑體" panose="020B0604030504040204" pitchFamily="34" charset="-120"/>
+                  <a:cs typeface="JetBrains Mono" panose="02000009000000000000" pitchFamily="49" charset="0"/>
+                </a:rPr>
+                <a:t>陳述式</a:t>
+              </a:r>
+              <a:r>
+                <a:rPr kumimoji="0" lang="zh-TW" altLang="zh-TW" sz="2400" b="0" i="0" u="none" strike="noStrike" cap="none" normalizeH="0" baseline="0">
+                  <a:ln>
+                    <a:noFill/>
+                  </a:ln>
+                  <a:solidFill>
+                    <a:srgbClr val="FFFF00"/>
+                  </a:solidFill>
+                  <a:effectLst/>
+                  <a:latin typeface="+mj-lt"/>
+                  <a:cs typeface="JetBrains Mono" panose="02000009000000000000" pitchFamily="49" charset="0"/>
+                </a:rPr>
+                <a:t>...</a:t>
+              </a:r>
+              <a:br>
+                <a:rPr kumimoji="0" lang="zh-TW" altLang="zh-TW" sz="2400" b="0" i="0" u="none" strike="noStrike" cap="none" normalizeH="0" baseline="0">
+                  <a:ln>
+                    <a:noFill/>
+                  </a:ln>
+                  <a:solidFill>
+                    <a:srgbClr val="BCBEC4"/>
+                  </a:solidFill>
+                  <a:effectLst/>
+                  <a:latin typeface="+mj-lt"/>
+                  <a:cs typeface="JetBrains Mono" panose="02000009000000000000" pitchFamily="49" charset="0"/>
+                </a:rPr>
+              </a:br>
+              <a:r>
+                <a:rPr kumimoji="0" lang="zh-TW" altLang="zh-TW" sz="2400" b="0" i="0" u="none" strike="noStrike" cap="none" normalizeH="0" baseline="0">
+                  <a:ln>
+                    <a:noFill/>
+                  </a:ln>
+                  <a:solidFill>
+                    <a:srgbClr val="BCBEC4"/>
+                  </a:solidFill>
+                  <a:effectLst/>
+                  <a:latin typeface="+mj-lt"/>
+                  <a:cs typeface="JetBrains Mono" panose="02000009000000000000" pitchFamily="49" charset="0"/>
+                </a:rPr>
+                <a:t>}</a:t>
+              </a:r>
+              <a:endParaRPr kumimoji="0" lang="zh-TW" altLang="zh-TW" sz="4000" b="0" i="0" u="none" strike="noStrike" cap="none" normalizeH="0" baseline="0">
+                <a:ln>
+                  <a:noFill/>
+                </a:ln>
+                <a:solidFill>
+                  <a:schemeClr val="tx1"/>
+                </a:solidFill>
+                <a:effectLst/>
+                <a:latin typeface="+mj-lt"/>
+              </a:endParaRPr>
+            </a:p>
+          </p:txBody>
+        </p:sp>
+        <p:sp>
+          <p:nvSpPr>
+            <p:cNvPr id="9" name="文字方塊 8">
+              <a:extLst>
+                <a:ext uri="{FF2B5EF4-FFF2-40B4-BE49-F238E27FC236}">
+                  <a16:creationId xmlns:a16="http://schemas.microsoft.com/office/drawing/2014/main" id="{BAD85D20-F903-4971-9C6A-D4D857BCCAD0}"/>
+                </a:ext>
+              </a:extLst>
+            </p:cNvPr>
+            <p:cNvSpPr txBox="1"/>
+            <p:nvPr/>
+          </p:nvSpPr>
+          <p:spPr>
+            <a:xfrm>
+              <a:off x="10662582" y="3523190"/>
+              <a:ext cx="691215" cy="369332"/>
+            </a:xfrm>
+            <a:prstGeom prst="rect">
+              <a:avLst/>
+            </a:prstGeom>
+            <a:noFill/>
+          </p:spPr>
+          <p:txBody>
+            <a:bodyPr wrap="none" rtlCol="0">
+              <a:spAutoFit/>
+            </a:bodyPr>
+            <a:lstStyle/>
+            <a:p>
+              <a:r>
+                <a:rPr lang="en-US" altLang="zh-TW">
+                  <a:solidFill>
+                    <a:schemeClr val="accent3"/>
+                  </a:solidFill>
+                </a:rPr>
+                <a:t>java</a:t>
+              </a:r>
+              <a:endParaRPr lang="zh-TW" altLang="en-US">
+                <a:solidFill>
+                  <a:schemeClr val="accent3"/>
+                </a:solidFill>
+              </a:endParaRPr>
+            </a:p>
+          </p:txBody>
+        </p:sp>
+      </p:grpSp>
+      <p:grpSp>
+        <p:nvGrpSpPr>
+          <p:cNvPr id="11" name="群組 10">
+            <a:extLst>
+              <a:ext uri="{FF2B5EF4-FFF2-40B4-BE49-F238E27FC236}">
+                <a16:creationId xmlns:a16="http://schemas.microsoft.com/office/drawing/2014/main" id="{3BBAD1A9-0F67-4CC4-BB65-27D24EB610E5}"/>
+              </a:ext>
+            </a:extLst>
+          </p:cNvPr>
+          <p:cNvGrpSpPr/>
+          <p:nvPr/>
+        </p:nvGrpSpPr>
+        <p:grpSpPr>
+          <a:xfrm>
+            <a:off x="8260555" y="5151019"/>
+            <a:ext cx="3093242" cy="461665"/>
+            <a:chOff x="1590189" y="6150062"/>
+            <a:chExt cx="3093242" cy="461665"/>
+          </a:xfrm>
+        </p:grpSpPr>
+        <p:sp>
+          <p:nvSpPr>
+            <p:cNvPr id="12" name="Rectangle 4">
+              <a:extLst>
+                <a:ext uri="{FF2B5EF4-FFF2-40B4-BE49-F238E27FC236}">
+                  <a16:creationId xmlns:a16="http://schemas.microsoft.com/office/drawing/2014/main" id="{B00755A5-3218-47E5-83A0-6CDEB705AA6E}"/>
+                </a:ext>
+              </a:extLst>
+            </p:cNvPr>
+            <p:cNvSpPr>
+              <a:spLocks noChangeArrowheads="1"/>
+            </p:cNvSpPr>
+            <p:nvPr/>
+          </p:nvSpPr>
+          <p:spPr bwMode="auto">
+            <a:xfrm>
+              <a:off x="1590189" y="6150062"/>
+              <a:ext cx="3093242" cy="461665"/>
+            </a:xfrm>
+            <a:prstGeom prst="rect">
+              <a:avLst/>
+            </a:prstGeom>
+            <a:solidFill>
+              <a:srgbClr val="1E1F22"/>
+            </a:solidFill>
+            <a:ln w="9525">
+              <a:noFill/>
+              <a:miter lim="800000"/>
+              <a:headEnd/>
+              <a:tailEnd/>
+            </a:ln>
+            <a:effectLst/>
+            <a:extLst>
+              <a:ext uri="{AF507438-7753-43E0-B8FC-AC1667EBCBE1}">
+                <a14:hiddenEffects xmlns:a14="http://schemas.microsoft.com/office/drawing/2010/main">
+                  <a:effectLst>
+                    <a:outerShdw dist="35921" dir="2700000" algn="ctr" rotWithShape="0">
+                      <a:schemeClr val="bg2"/>
+                    </a:outerShdw>
+                  </a:effectLst>
+                </a14:hiddenEffects>
+              </a:ext>
+            </a:extLst>
+          </p:spPr>
+          <p:txBody>
+            <a:bodyPr vert="horz" wrap="square" lIns="91440" tIns="45720" rIns="91440" bIns="45720" numCol="1" anchor="ctr" anchorCtr="0" compatLnSpc="1">
+              <a:prstTxWarp prst="textNoShape">
+                <a:avLst/>
+              </a:prstTxWarp>
+              <a:spAutoFit/>
+            </a:bodyPr>
+            <a:lstStyle/>
+            <a:p>
+              <a:pPr marL="0" marR="0" lvl="0" indent="0" algn="l" defTabSz="914400" rtl="0" eaLnBrk="0" fontAlgn="base" latinLnBrk="0" hangingPunct="0">
+                <a:lnSpc>
+                  <a:spcPct val="100000"/>
+                </a:lnSpc>
+                <a:spcBef>
+                  <a:spcPct val="0"/>
+                </a:spcBef>
+                <a:spcAft>
+                  <a:spcPct val="0"/>
+                </a:spcAft>
+                <a:buClrTx/>
+                <a:buSzTx/>
+                <a:buFontTx/>
+                <a:buNone/>
+                <a:tabLst/>
+              </a:pPr>
+              <a:r>
+                <a:rPr kumimoji="0" lang="en-US" altLang="zh-TW" sz="2400" b="0" i="0" u="none" strike="noStrike" cap="none" normalizeH="0" baseline="0">
+                  <a:ln>
+                    <a:noFill/>
+                  </a:ln>
+                  <a:solidFill>
+                    <a:srgbClr val="BCBEC4"/>
+                  </a:solidFill>
+                  <a:effectLst/>
+                  <a:latin typeface="+mj-lt"/>
+                  <a:cs typeface="JetBrains Mono" panose="02000009000000000000" pitchFamily="49" charset="0"/>
+                </a:rPr>
+                <a:t>6 4 5 7 2 9</a:t>
+              </a:r>
+              <a:endParaRPr kumimoji="0" lang="zh-TW" altLang="zh-TW" sz="4000" b="0" i="0" u="none" strike="noStrike" cap="none" normalizeH="0" baseline="0">
+                <a:ln>
+                  <a:noFill/>
+                </a:ln>
+                <a:solidFill>
+                  <a:schemeClr val="tx1"/>
+                </a:solidFill>
+                <a:effectLst/>
+                <a:latin typeface="+mj-lt"/>
+              </a:endParaRPr>
+            </a:p>
+          </p:txBody>
+        </p:sp>
+        <p:sp>
+          <p:nvSpPr>
+            <p:cNvPr id="13" name="文字方塊 12">
+              <a:extLst>
+                <a:ext uri="{FF2B5EF4-FFF2-40B4-BE49-F238E27FC236}">
+                  <a16:creationId xmlns:a16="http://schemas.microsoft.com/office/drawing/2014/main" id="{06004409-0BF8-4E1A-BCB4-9EA71D5524DB}"/>
+                </a:ext>
+              </a:extLst>
+            </p:cNvPr>
+            <p:cNvSpPr txBox="1"/>
+            <p:nvPr/>
+          </p:nvSpPr>
+          <p:spPr>
+            <a:xfrm>
+              <a:off x="3902447" y="6303950"/>
+              <a:ext cx="780983" cy="307777"/>
+            </a:xfrm>
+            <a:prstGeom prst="rect">
+              <a:avLst/>
+            </a:prstGeom>
+            <a:noFill/>
+            <a:ln>
+              <a:noFill/>
+            </a:ln>
+          </p:spPr>
+          <p:txBody>
+            <a:bodyPr wrap="none" rtlCol="0">
+              <a:spAutoFit/>
+            </a:bodyPr>
+            <a:lstStyle/>
+            <a:p>
+              <a:r>
+                <a:rPr lang="en-US" altLang="zh-TW" sz="1400">
+                  <a:solidFill>
+                    <a:schemeClr val="accent3"/>
+                  </a:solidFill>
+                </a:rPr>
+                <a:t>output</a:t>
+              </a:r>
+              <a:endParaRPr lang="zh-TW" altLang="en-US" sz="1400">
+                <a:solidFill>
+                  <a:schemeClr val="accent3"/>
+                </a:solidFill>
+              </a:endParaRPr>
+            </a:p>
+          </p:txBody>
+        </p:sp>
+      </p:grpSp>
+    </p:spTree>
+    <p:extLst>
+      <p:ext uri="{BB962C8B-B14F-4D97-AF65-F5344CB8AC3E}">
+        <p14:creationId xmlns:p14="http://schemas.microsoft.com/office/powerpoint/2010/main" val="2575915868"/>
+      </p:ext>
+    </p:extLst>
+  </p:cSld>
+  <p:clrMapOvr>
+    <a:masterClrMapping/>
+  </p:clrMapOvr>
+  <p:transition spd="slow">
+    <p:push dir="u"/>
+  </p:transition>
+</p:sld>
+</file>
+
 <file path=ppt/theme/theme1.xml><?xml version="1.0" encoding="utf-8"?>
 <a:theme xmlns:a="http://schemas.openxmlformats.org/drawingml/2006/main" name="TYIC">
   <a:themeElements>

--- a/ppt/10_包裝類別與工具類別(1).pptx
+++ b/ppt/10_包裝類別與工具類別(1).pptx
@@ -215,7 +215,7 @@
           <a:p>
             <a:fld id="{00D1967D-2DD3-4C36-96B1-E3AA5FB7040E}" type="datetimeFigureOut">
               <a:rPr lang="zh-TW" altLang="en-US" smtClean="0"/>
-              <a:t>2024/11/16</a:t>
+              <a:t>2024/11/30</a:t>
             </a:fld>
             <a:endParaRPr lang="zh-TW" altLang="en-US"/>
           </a:p>
@@ -24358,7 +24358,7 @@
         </p:nvSpPr>
         <p:spPr>
           <a:xfrm>
-            <a:off x="838200" y="2060"/>
+            <a:off x="838200" y="365125"/>
             <a:ext cx="10515600" cy="1325563"/>
           </a:xfrm>
         </p:spPr>
@@ -24375,10 +24375,10 @@
       </p:sp>
       <p:sp>
         <p:nvSpPr>
-          <p:cNvPr id="3" name="內容版面配置區 2">
+          <p:cNvPr id="5" name="內容版面配置區 4">
             <a:extLst>
               <a:ext uri="{FF2B5EF4-FFF2-40B4-BE49-F238E27FC236}">
-                <a16:creationId xmlns:a16="http://schemas.microsoft.com/office/drawing/2014/main" id="{FA40C98A-4B49-4503-9F5E-41CCE02CBE2D}"/>
+                <a16:creationId xmlns:a16="http://schemas.microsoft.com/office/drawing/2014/main" id="{71951768-2B78-4D4A-B892-E56CA159324A}"/>
               </a:ext>
             </a:extLst>
           </p:cNvPr>
@@ -24391,8 +24391,8 @@
         </p:nvSpPr>
         <p:spPr>
           <a:xfrm>
-            <a:off x="421341" y="1082734"/>
-            <a:ext cx="11349318" cy="2035478"/>
+            <a:off x="421341" y="1463811"/>
+            <a:ext cx="11349318" cy="1549690"/>
           </a:xfrm>
         </p:spPr>
         <p:txBody>
@@ -24403,27 +24403,27 @@
           <a:p>
             <a:r>
               <a:rPr lang="zh-TW" altLang="en-US"/>
-              <a:t>考慮儲存 </a:t>
+              <a:t>在 </a:t>
             </a:r>
             <a:r>
               <a:rPr lang="en-US" altLang="zh-TW"/>
-              <a:t>2</a:t>
+              <a:t>Java </a:t>
             </a:r>
             <a:r>
               <a:rPr lang="zh-TW" altLang="en-US"/>
-              <a:t> 個學生的資料，可能可以</a:t>
+              <a:t>中，</a:t>
             </a:r>
             <a:r>
               <a:rPr lang="zh-TW" altLang="en-US">
                 <a:solidFill>
-                  <a:srgbClr val="FFC000"/>
-                </a:solidFill>
-              </a:rPr>
-              <a:t>宣告</a:t>
+                  <a:srgbClr val="00B0F0"/>
+                </a:solidFill>
+              </a:rPr>
+              <a:t>陣列</a:t>
             </a:r>
             <a:r>
               <a:rPr lang="zh-TW" altLang="en-US"/>
-              <a:t>兩個</a:t>
+              <a:t>也是個</a:t>
             </a:r>
             <a:r>
               <a:rPr lang="zh-TW" altLang="en-US">
@@ -24431,160 +24431,38 @@
                   <a:srgbClr val="00B0F0"/>
                 </a:solidFill>
               </a:rPr>
-              <a:t>變數</a:t>
-            </a:r>
-            <a:r>
-              <a:rPr lang="zh-TW" altLang="en-US"/>
-              <a:t>來儲存</a:t>
-            </a:r>
-            <a:endParaRPr lang="en-US" altLang="zh-TW"/>
-          </a:p>
-          <a:p>
-            <a:r>
-              <a:rPr lang="zh-TW" altLang="en-US"/>
-              <a:t>但考慮儲存 </a:t>
-            </a:r>
-            <a:r>
-              <a:rPr lang="en-US" altLang="zh-TW"/>
-              <a:t>100</a:t>
-            </a:r>
-            <a:r>
-              <a:rPr lang="zh-TW" altLang="en-US"/>
-              <a:t> 個學生的資料，</a:t>
-            </a:r>
-            <a:r>
-              <a:rPr lang="zh-TW" altLang="en-US">
-                <a:solidFill>
-                  <a:srgbClr val="FFC000"/>
-                </a:solidFill>
-              </a:rPr>
-              <a:t>宣告</a:t>
-            </a:r>
-            <a:r>
-              <a:rPr lang="zh-TW" altLang="en-US"/>
-              <a:t> </a:t>
-            </a:r>
-            <a:r>
-              <a:rPr lang="en-US" altLang="zh-TW"/>
-              <a:t>100 </a:t>
-            </a:r>
-            <a:r>
-              <a:rPr lang="zh-TW" altLang="en-US"/>
-              <a:t>個</a:t>
-            </a:r>
-            <a:r>
-              <a:rPr lang="zh-TW" altLang="en-US">
-                <a:solidFill>
-                  <a:srgbClr val="00B0F0"/>
-                </a:solidFill>
-              </a:rPr>
-              <a:t>變數</a:t>
-            </a:r>
-            <a:r>
-              <a:rPr lang="zh-TW" altLang="en-US"/>
-              <a:t>顯然不太現實</a:t>
-            </a:r>
-            <a:endParaRPr lang="en-US" altLang="zh-TW"/>
-          </a:p>
-          <a:p>
-            <a:r>
-              <a:rPr lang="zh-TW" altLang="en-US"/>
-              <a:t>此時便可以使用</a:t>
-            </a:r>
-            <a:r>
-              <a:rPr lang="zh-TW" altLang="en-US">
-                <a:solidFill>
-                  <a:srgbClr val="00B0F0"/>
-                </a:solidFill>
-              </a:rPr>
-              <a:t>陣列</a:t>
-            </a:r>
-            <a:r>
-              <a:rPr lang="en-US" altLang="zh-TW">
-                <a:solidFill>
-                  <a:srgbClr val="00B0F0"/>
-                </a:solidFill>
-              </a:rPr>
-              <a:t>(array)</a:t>
-            </a:r>
-            <a:r>
-              <a:rPr lang="zh-TW" altLang="en-US"/>
-              <a:t>來</a:t>
-            </a:r>
-            <a:r>
-              <a:rPr lang="zh-TW" altLang="en-US">
-                <a:solidFill>
-                  <a:srgbClr val="FFFF00"/>
-                </a:solidFill>
-              </a:rPr>
-              <a:t>儲存多個相同</a:t>
-            </a:r>
-            <a:r>
-              <a:rPr lang="zh-TW" altLang="en-US">
-                <a:solidFill>
-                  <a:srgbClr val="00B0F0"/>
-                </a:solidFill>
-              </a:rPr>
-              <a:t>型別</a:t>
-            </a:r>
-            <a:r>
-              <a:rPr lang="zh-TW" altLang="en-US">
-                <a:solidFill>
-                  <a:srgbClr val="FFFF00"/>
-                </a:solidFill>
-              </a:rPr>
-              <a:t>的資料</a:t>
+              <a:t>物件</a:t>
             </a:r>
             <a:endParaRPr lang="en-US" altLang="zh-TW">
               <a:solidFill>
-                <a:srgbClr val="FFFF00"/>
+                <a:srgbClr val="00B0F0"/>
               </a:solidFill>
             </a:endParaRPr>
           </a:p>
           <a:p>
             <a:r>
+              <a:rPr lang="zh-TW" altLang="en-US"/>
+              <a:t>並且</a:t>
+            </a:r>
+            <a:r>
               <a:rPr lang="zh-TW" altLang="en-US">
                 <a:solidFill>
-                  <a:srgbClr val="00B0F0"/>
-                </a:solidFill>
-              </a:rPr>
-              <a:t>陣列</a:t>
+                  <a:srgbClr val="FFC000"/>
+                </a:solidFill>
+              </a:rPr>
+              <a:t>直接繼承 </a:t>
+            </a:r>
+            <a:r>
+              <a:rPr lang="en-US" altLang="zh-TW">
+                <a:solidFill>
+                  <a:srgbClr val="92D050"/>
+                </a:solidFill>
+              </a:rPr>
+              <a:t>Object</a:t>
             </a:r>
             <a:r>
               <a:rPr lang="zh-TW" altLang="en-US"/>
-              <a:t>也是個</a:t>
-            </a:r>
-            <a:r>
-              <a:rPr lang="zh-TW" altLang="en-US">
-                <a:solidFill>
-                  <a:srgbClr val="00B0F0"/>
-                </a:solidFill>
-              </a:rPr>
-              <a:t>物件</a:t>
-            </a:r>
-            <a:r>
-              <a:rPr lang="zh-TW" altLang="en-US"/>
-              <a:t>，並且</a:t>
-            </a:r>
-            <a:r>
-              <a:rPr lang="zh-TW" altLang="en-US">
-                <a:solidFill>
-                  <a:srgbClr val="FFC000"/>
-                </a:solidFill>
-              </a:rPr>
-              <a:t>直接繼承 </a:t>
-            </a:r>
-            <a:r>
-              <a:rPr lang="en-US" altLang="zh-TW">
-                <a:solidFill>
-                  <a:srgbClr val="92D050"/>
-                </a:solidFill>
-              </a:rPr>
-              <a:t>Object</a:t>
-            </a:r>
-            <a:r>
-              <a:rPr lang="zh-TW" altLang="en-US"/>
-              <a:t>，但沒有</a:t>
+              <a:t>，但是沒有</a:t>
             </a:r>
             <a:r>
               <a:rPr lang="zh-TW" altLang="en-US">
@@ -24606,9 +24484,28 @@
               </a:rPr>
               <a:t>方法</a:t>
             </a:r>
+            <a:endParaRPr lang="en-US" altLang="zh-TW">
+              <a:solidFill>
+                <a:srgbClr val="00B0F0"/>
+              </a:solidFill>
+            </a:endParaRPr>
+          </a:p>
+          <a:p>
             <a:r>
               <a:rPr lang="zh-TW" altLang="en-US"/>
-              <a:t>：</a:t>
+              <a:t>建立</a:t>
+            </a:r>
+            <a:r>
+              <a:rPr lang="zh-TW" altLang="en-US">
+                <a:solidFill>
+                  <a:srgbClr val="00B0F0"/>
+                </a:solidFill>
+              </a:rPr>
+              <a:t>陣列</a:t>
+            </a:r>
+            <a:r>
+              <a:rPr lang="zh-TW" altLang="en-US"/>
+              <a:t>的方式如下：</a:t>
             </a:r>
             <a:endParaRPr lang="en-US" altLang="zh-TW"/>
           </a:p>
@@ -24628,7 +24525,7 @@
         </p:nvGrpSpPr>
         <p:grpSpPr>
           <a:xfrm>
-            <a:off x="421341" y="3078153"/>
+            <a:off x="421341" y="3013501"/>
             <a:ext cx="11349318" cy="830997"/>
             <a:chOff x="421341" y="3013501"/>
             <a:chExt cx="11349318" cy="830997"/>
@@ -25134,8 +25031,8 @@
         </p:nvSpPr>
         <p:spPr>
           <a:xfrm>
-            <a:off x="421341" y="3942052"/>
-            <a:ext cx="11349318" cy="2607830"/>
+            <a:off x="421341" y="3903794"/>
+            <a:ext cx="11349318" cy="2611582"/>
           </a:xfrm>
           <a:prstGeom prst="rect">
             <a:avLst/>
@@ -25311,72 +25208,6 @@
           </a:lstStyle>
           <a:p>
             <a:r>
-              <a:rPr lang="zh-TW" altLang="en-US">
-                <a:solidFill>
-                  <a:srgbClr val="00B0F0"/>
-                </a:solidFill>
-              </a:rPr>
-              <a:t>陣列</a:t>
-            </a:r>
-            <a:r>
-              <a:rPr lang="zh-TW" altLang="en-US"/>
-              <a:t>裡每個儲存的值稱為</a:t>
-            </a:r>
-            <a:r>
-              <a:rPr lang="zh-TW" altLang="en-US">
-                <a:solidFill>
-                  <a:srgbClr val="00B0F0"/>
-                </a:solidFill>
-              </a:rPr>
-              <a:t>元素</a:t>
-            </a:r>
-            <a:r>
-              <a:rPr lang="en-US" altLang="zh-TW">
-                <a:solidFill>
-                  <a:srgbClr val="00B0F0"/>
-                </a:solidFill>
-              </a:rPr>
-              <a:t>(element)</a:t>
-            </a:r>
-            <a:r>
-              <a:rPr lang="zh-TW" altLang="en-US">
-                <a:solidFill>
-                  <a:srgbClr val="00B0F0"/>
-                </a:solidFill>
-              </a:rPr>
-              <a:t>，陣列型別</a:t>
-            </a:r>
-            <a:r>
-              <a:rPr lang="zh-TW" altLang="en-US"/>
-              <a:t>為 </a:t>
-            </a:r>
-            <a:r>
-              <a:rPr lang="en-US" altLang="zh-TW"/>
-              <a:t>"</a:t>
-            </a:r>
-            <a:r>
-              <a:rPr lang="zh-TW" altLang="en-US">
-                <a:solidFill>
-                  <a:srgbClr val="92D050"/>
-                </a:solidFill>
-              </a:rPr>
-              <a:t>元素型別</a:t>
-            </a:r>
-            <a:r>
-              <a:rPr lang="en-US" altLang="zh-TW">
-                <a:solidFill>
-                  <a:srgbClr val="92D050"/>
-                </a:solidFill>
-              </a:rPr>
-              <a:t>[]</a:t>
-            </a:r>
-            <a:r>
-              <a:rPr lang="en-US" altLang="zh-TW"/>
-              <a:t>"</a:t>
-            </a:r>
-          </a:p>
-          <a:p>
-            <a:r>
               <a:rPr lang="zh-TW" altLang="en-US"/>
               <a:t>第一種創建方式指定了</a:t>
             </a:r>
@@ -25521,6 +25352,56 @@
               <a:t>後不可變</a:t>
             </a:r>
             <a:endParaRPr lang="en-US" altLang="zh-TW"/>
+          </a:p>
+          <a:p>
+            <a:r>
+              <a:rPr lang="zh-TW" altLang="en-US">
+                <a:solidFill>
+                  <a:srgbClr val="00B0F0"/>
+                </a:solidFill>
+              </a:rPr>
+              <a:t>陣列</a:t>
+            </a:r>
+            <a:r>
+              <a:rPr lang="zh-TW" altLang="en-US"/>
+              <a:t>的</a:t>
+            </a:r>
+            <a:r>
+              <a:rPr lang="zh-TW" altLang="en-US">
+                <a:solidFill>
+                  <a:srgbClr val="00B0F0"/>
+                </a:solidFill>
+              </a:rPr>
+              <a:t>型別</a:t>
+            </a:r>
+            <a:r>
+              <a:rPr lang="zh-TW" altLang="en-US"/>
+              <a:t>為 </a:t>
+            </a:r>
+            <a:r>
+              <a:rPr lang="en-US" altLang="zh-TW"/>
+              <a:t>"</a:t>
+            </a:r>
+            <a:r>
+              <a:rPr lang="zh-TW" altLang="en-US">
+                <a:solidFill>
+                  <a:srgbClr val="92D050"/>
+                </a:solidFill>
+              </a:rPr>
+              <a:t>元素型別</a:t>
+            </a:r>
+            <a:r>
+              <a:rPr lang="en-US" altLang="zh-TW">
+                <a:solidFill>
+                  <a:srgbClr val="92D050"/>
+                </a:solidFill>
+              </a:rPr>
+              <a:t>[]</a:t>
+            </a:r>
+            <a:r>
+              <a:rPr lang="en-US" altLang="zh-TW"/>
+              <a:t>"</a:t>
+            </a:r>
           </a:p>
         </p:txBody>
       </p:sp>
@@ -25573,7 +25454,12 @@
             <p:ph type="title"/>
           </p:nvPr>
         </p:nvSpPr>
-        <p:spPr/>
+        <p:spPr>
+          <a:xfrm>
+            <a:off x="838200" y="365125"/>
+            <a:ext cx="10515600" cy="1325563"/>
+          </a:xfrm>
+        </p:spPr>
         <p:txBody>
           <a:bodyPr/>
           <a:lstStyle/>
@@ -25587,10 +25473,10 @@
       </p:sp>
       <p:sp>
         <p:nvSpPr>
-          <p:cNvPr id="3" name="內容版面配置區 2">
+          <p:cNvPr id="5" name="內容版面配置區 4">
             <a:extLst>
               <a:ext uri="{FF2B5EF4-FFF2-40B4-BE49-F238E27FC236}">
-                <a16:creationId xmlns:a16="http://schemas.microsoft.com/office/drawing/2014/main" id="{59A667E3-A377-45E9-8E15-611828122DB8}"/>
+                <a16:creationId xmlns:a16="http://schemas.microsoft.com/office/drawing/2014/main" id="{3EAADB7C-4B03-43C0-BC93-372192D5FA68}"/>
               </a:ext>
             </a:extLst>
           </p:cNvPr>
@@ -25603,12 +25489,14 @@
         </p:nvSpPr>
         <p:spPr>
           <a:xfrm>
-            <a:off x="838200" y="1690688"/>
-            <a:ext cx="10515600" cy="1032103"/>
+            <a:off x="838200" y="1626036"/>
+            <a:ext cx="10515600" cy="1603375"/>
           </a:xfrm>
         </p:spPr>
         <p:txBody>
-          <a:bodyPr/>
+          <a:bodyPr>
+            <a:normAutofit/>
+          </a:bodyPr>
           <a:lstStyle/>
           <a:p>
             <a:r>
@@ -25637,7 +25525,14 @@
             </a:r>
             <a:r>
               <a:rPr lang="zh-TW" altLang="en-US"/>
-              <a:t>時，如果使用第一種</a:t>
+              <a:t>時</a:t>
+            </a:r>
+            <a:endParaRPr lang="en-US" altLang="zh-TW"/>
+          </a:p>
+          <a:p>
+            <a:r>
+              <a:rPr lang="zh-TW" altLang="en-US"/>
+              <a:t>若使用第一種</a:t>
             </a:r>
             <a:r>
               <a:rPr lang="en-US" altLang="zh-TW"/>
@@ -25645,7 +25540,7 @@
             </a:r>
             <a:r>
               <a:rPr lang="zh-TW" altLang="en-US"/>
-              <a:t>指定值</a:t>
+              <a:t>指定內容</a:t>
             </a:r>
             <a:r>
               <a:rPr lang="en-US" altLang="zh-TW"/>
@@ -25653,7 +25548,7 @@
             </a:r>
             <a:r>
               <a:rPr lang="zh-TW" altLang="en-US"/>
-              <a:t>方法創建</a:t>
+              <a:t>的方式創建</a:t>
             </a:r>
             <a:r>
               <a:rPr lang="zh-TW" altLang="en-US">
@@ -25672,7 +25567,7 @@
           <a:p>
             <a:r>
               <a:rPr lang="zh-TW" altLang="en-US"/>
-              <a:t>可以省略前方的 </a:t>
+              <a:t>則可以省略前方的 </a:t>
             </a:r>
             <a:r>
               <a:rPr lang="en-US" altLang="zh-TW"/>
@@ -25738,7 +25633,7 @@
         </p:nvGrpSpPr>
         <p:grpSpPr>
           <a:xfrm>
-            <a:off x="838199" y="2722791"/>
+            <a:off x="838199" y="3229411"/>
             <a:ext cx="10515601" cy="830997"/>
             <a:chOff x="838199" y="2777046"/>
             <a:chExt cx="10515601" cy="830997"/>
@@ -26381,8 +26276,8 @@
         </p:nvSpPr>
         <p:spPr>
           <a:xfrm>
-            <a:off x="838200" y="3643167"/>
-            <a:ext cx="10515600" cy="1564861"/>
+            <a:off x="838200" y="4152741"/>
+            <a:ext cx="10515600" cy="1129182"/>
           </a:xfrm>
           <a:prstGeom prst="rect">
             <a:avLst/>
@@ -26607,7 +26502,7 @@
             </a:r>
             <a:r>
               <a:rPr lang="zh-TW" altLang="en-US"/>
-              <a:t>，儲存</a:t>
+              <a:t>，代表</a:t>
             </a:r>
             <a:r>
               <a:rPr lang="zh-TW" altLang="en-US">
@@ -26692,45 +26587,11 @@
               </a:rPr>
               <a:t>存取</a:t>
             </a:r>
-            <a:endParaRPr lang="en-US" altLang="zh-TW">
+            <a:endParaRPr lang="zh-TW" altLang="en-US">
               <a:solidFill>
-                <a:srgbClr val="FFC000"/>
+                <a:srgbClr val="00B0F0"/>
               </a:solidFill>
             </a:endParaRPr>
-          </a:p>
-          <a:p>
-            <a:r>
-              <a:rPr lang="zh-TW" altLang="en-US">
-                <a:solidFill>
-                  <a:srgbClr val="00B0F0"/>
-                </a:solidFill>
-              </a:rPr>
-              <a:t>下標運算</a:t>
-            </a:r>
-            <a:r>
-              <a:rPr lang="zh-TW" altLang="en-US"/>
-              <a:t>可為</a:t>
-            </a:r>
-            <a:r>
-              <a:rPr lang="zh-TW" altLang="en-US">
-                <a:solidFill>
-                  <a:srgbClr val="00B0F0"/>
-                </a:solidFill>
-              </a:rPr>
-              <a:t>陳述式</a:t>
-            </a:r>
-            <a:r>
-              <a:rPr lang="zh-TW" altLang="en-US"/>
-              <a:t>或</a:t>
-            </a:r>
-            <a:r>
-              <a:rPr lang="zh-TW" altLang="en-US">
-                <a:solidFill>
-                  <a:srgbClr val="00B0F0"/>
-                </a:solidFill>
-              </a:rPr>
-              <a:t>表達陳述式</a:t>
-            </a:r>
           </a:p>
         </p:txBody>
       </p:sp>
@@ -26748,7 +26609,7 @@
         </p:nvGrpSpPr>
         <p:grpSpPr>
           <a:xfrm>
-            <a:off x="838199" y="5145275"/>
+            <a:off x="838199" y="5143423"/>
             <a:ext cx="10515601" cy="461665"/>
             <a:chOff x="838199" y="2961712"/>
             <a:chExt cx="10515601" cy="461665"/>
@@ -26964,7 +26825,7 @@
         </p:nvSpPr>
         <p:spPr>
           <a:xfrm>
-            <a:off x="838200" y="5762026"/>
+            <a:off x="838200" y="5760174"/>
             <a:ext cx="10515600" cy="461665"/>
           </a:xfrm>
           <a:prstGeom prst="rect">
@@ -32060,7 +31921,9 @@
           </a:xfrm>
         </p:spPr>
         <p:txBody>
-          <a:bodyPr/>
+          <a:bodyPr>
+            <a:normAutofit/>
+          </a:bodyPr>
           <a:lstStyle/>
           <a:p>
             <a:r>
@@ -32141,7 +32004,7 @@
               <a:rPr lang="zh-TW" altLang="en-US">
                 <a:latin typeface="+mj-lt"/>
               </a:rPr>
-              <a:t>所以可以使用「</a:t>
+              <a:t>所以在不需要索引值的情況下，可以使用「</a:t>
             </a:r>
             <a:r>
               <a:rPr lang="en-US" altLang="zh-TW">
@@ -32156,35 +32019,14 @@
               <a:rPr lang="zh-TW" altLang="en-US">
                 <a:latin typeface="+mj-lt"/>
               </a:rPr>
-              <a:t>」來避免寫這麼長的 </a:t>
-            </a:r>
-            <a:r>
-              <a:rPr lang="en-US" altLang="zh-TW">
-                <a:solidFill>
-                  <a:srgbClr val="CF8E6D"/>
-                </a:solidFill>
-                <a:latin typeface="+mj-lt"/>
-              </a:rPr>
-              <a:t>for</a:t>
-            </a:r>
-            <a:r>
-              <a:rPr lang="en-US" altLang="zh-TW">
-                <a:solidFill>
-                  <a:srgbClr val="00B0F0"/>
-                </a:solidFill>
-                <a:latin typeface="+mj-lt"/>
-              </a:rPr>
-              <a:t> </a:t>
-            </a:r>
-            <a:r>
-              <a:rPr lang="zh-TW" altLang="en-US">
-                <a:solidFill>
-                  <a:srgbClr val="00B0F0"/>
-                </a:solidFill>
-                <a:latin typeface="+mj-lt"/>
-              </a:rPr>
-              <a:t>迴圈</a:t>
-            </a:r>
+              <a:t>」來替代</a:t>
+            </a:r>
+            <a:endParaRPr lang="zh-TW" altLang="en-US">
+              <a:solidFill>
+                <a:srgbClr val="00B0F0"/>
+              </a:solidFill>
+              <a:latin typeface="+mj-lt"/>
+            </a:endParaRPr>
           </a:p>
         </p:txBody>
       </p:sp>
@@ -32806,10 +32648,10 @@
         </p:nvGrpSpPr>
         <p:grpSpPr>
           <a:xfrm>
-            <a:off x="8260555" y="5151019"/>
-            <a:ext cx="3093242" cy="461665"/>
-            <a:chOff x="1590189" y="6150062"/>
-            <a:chExt cx="3093242" cy="461665"/>
+            <a:off x="7841673" y="5151019"/>
+            <a:ext cx="3512124" cy="461665"/>
+            <a:chOff x="1171307" y="6150062"/>
+            <a:chExt cx="3512124" cy="461665"/>
           </a:xfrm>
         </p:grpSpPr>
         <p:sp>
@@ -32828,8 +32670,8 @@
           </p:nvSpPr>
           <p:spPr bwMode="auto">
             <a:xfrm>
-              <a:off x="1590189" y="6150062"/>
-              <a:ext cx="3093242" cy="461665"/>
+              <a:off x="1171307" y="6150062"/>
+              <a:ext cx="3512124" cy="461665"/>
             </a:xfrm>
             <a:prstGeom prst="rect">
               <a:avLst/>

--- a/ppt/10_包裝類別與工具類別(1).pptx
+++ b/ppt/10_包裝類別與工具類別(1).pptx
@@ -215,7 +215,7 @@
           <a:p>
             <a:fld id="{00D1967D-2DD3-4C36-96B1-E3AA5FB7040E}" type="datetimeFigureOut">
               <a:rPr lang="zh-TW" altLang="en-US" smtClean="0"/>
-              <a:t>2024/11/30</a:t>
+              <a:t>2024/12/6</a:t>
             </a:fld>
             <a:endParaRPr lang="zh-TW" altLang="en-US"/>
           </a:p>
@@ -3721,6 +3721,7 @@
                   <a:solidFill>
                     <a:schemeClr val="accent3"/>
                   </a:solidFill>
+                  <a:latin typeface="+mj-lt"/>
                 </a:rPr>
                 <a:t>java</a:t>
               </a:r>
@@ -3728,6 +3729,7 @@
                 <a:solidFill>
                   <a:schemeClr val="accent3"/>
                 </a:solidFill>
+                <a:latin typeface="+mj-lt"/>
               </a:endParaRPr>
             </a:p>
           </p:txBody>

--- a/ppt/10_包裝類別與工具類別(1).pptx
+++ b/ppt/10_包裝類別與工具類別(1).pptx
@@ -17,10 +17,10 @@
     <p:sldId id="264" r:id="rId8"/>
     <p:sldId id="265" r:id="rId9"/>
     <p:sldId id="267" r:id="rId10"/>
-    <p:sldId id="269" r:id="rId11"/>
-    <p:sldId id="270" r:id="rId12"/>
-    <p:sldId id="268" r:id="rId13"/>
-    <p:sldId id="266" r:id="rId14"/>
+    <p:sldId id="266" r:id="rId11"/>
+    <p:sldId id="268" r:id="rId12"/>
+    <p:sldId id="269" r:id="rId13"/>
+    <p:sldId id="270" r:id="rId14"/>
     <p:sldId id="262" r:id="rId15"/>
     <p:sldId id="271" r:id="rId16"/>
     <p:sldId id="294" r:id="rId17"/>
@@ -215,7 +215,7 @@
           <a:p>
             <a:fld id="{00D1967D-2DD3-4C36-96B1-E3AA5FB7040E}" type="datetimeFigureOut">
               <a:rPr lang="zh-TW" altLang="en-US" smtClean="0"/>
-              <a:t>2024/12/6</a:t>
+              <a:t>2024/12/11</a:t>
             </a:fld>
             <a:endParaRPr lang="zh-TW" altLang="en-US"/>
           </a:p>
@@ -547,7 +547,7 @@
           <a:p>
             <a:fld id="{FC78299E-8C5D-4011-9A49-A23A440BB1DA}" type="slidenum">
               <a:rPr lang="zh-TW" altLang="en-US" smtClean="0"/>
-              <a:t>12</a:t>
+              <a:t>11</a:t>
             </a:fld>
             <a:endParaRPr lang="zh-TW" altLang="en-US"/>
           </a:p>
@@ -2437,6 +2437,4230 @@
           <p:cNvPr id="2" name="標題 1">
             <a:extLst>
               <a:ext uri="{FF2B5EF4-FFF2-40B4-BE49-F238E27FC236}">
+                <a16:creationId xmlns:a16="http://schemas.microsoft.com/office/drawing/2014/main" id="{9E7EBD78-595A-45AC-8D6B-84480DED8321}"/>
+              </a:ext>
+            </a:extLst>
+          </p:cNvPr>
+          <p:cNvSpPr>
+            <a:spLocks noGrp="1"/>
+          </p:cNvSpPr>
+          <p:nvPr>
+            <p:ph type="title"/>
+          </p:nvPr>
+        </p:nvSpPr>
+        <p:spPr>
+          <a:xfrm>
+            <a:off x="838200" y="0"/>
+            <a:ext cx="10515600" cy="1325563"/>
+          </a:xfrm>
+        </p:spPr>
+        <p:txBody>
+          <a:bodyPr/>
+          <a:lstStyle/>
+          <a:p>
+            <a:r>
+              <a:rPr lang="en-US" altLang="zh-TW"/>
+              <a:t>k</a:t>
+            </a:r>
+            <a:r>
+              <a:rPr lang="zh-TW" altLang="en-US"/>
+              <a:t> 維陣列</a:t>
+            </a:r>
+          </a:p>
+        </p:txBody>
+      </p:sp>
+      <p:sp>
+        <p:nvSpPr>
+          <p:cNvPr id="3" name="內容版面配置區 2">
+            <a:extLst>
+              <a:ext uri="{FF2B5EF4-FFF2-40B4-BE49-F238E27FC236}">
+                <a16:creationId xmlns:a16="http://schemas.microsoft.com/office/drawing/2014/main" id="{76BE04D8-4B18-4A47-AB32-1032E7B1BA57}"/>
+              </a:ext>
+            </a:extLst>
+          </p:cNvPr>
+          <p:cNvSpPr>
+            <a:spLocks noGrp="1"/>
+          </p:cNvSpPr>
+          <p:nvPr>
+            <p:ph idx="1"/>
+          </p:nvPr>
+        </p:nvSpPr>
+        <p:spPr>
+          <a:xfrm>
+            <a:off x="838200" y="1025525"/>
+            <a:ext cx="10515600" cy="3042444"/>
+          </a:xfrm>
+        </p:spPr>
+        <p:txBody>
+          <a:bodyPr/>
+          <a:lstStyle/>
+          <a:p>
+            <a:r>
+              <a:rPr lang="zh-TW" altLang="en-US"/>
+              <a:t>剛剛所介紹的叫做</a:t>
+            </a:r>
+            <a:r>
+              <a:rPr lang="zh-TW" altLang="en-US">
+                <a:solidFill>
+                  <a:srgbClr val="00B0F0"/>
+                </a:solidFill>
+              </a:rPr>
+              <a:t>一維陣列</a:t>
+            </a:r>
+            <a:r>
+              <a:rPr lang="en-US" altLang="zh-TW">
+                <a:solidFill>
+                  <a:srgbClr val="00B0F0"/>
+                </a:solidFill>
+              </a:rPr>
+              <a:t>(1D array)</a:t>
+            </a:r>
+          </a:p>
+          <a:p>
+            <a:r>
+              <a:rPr lang="zh-TW" altLang="en-US"/>
+              <a:t>由 </a:t>
+            </a:r>
+            <a:r>
+              <a:rPr lang="en-US" altLang="zh-TW"/>
+              <a:t>1</a:t>
+            </a:r>
+            <a:r>
+              <a:rPr lang="zh-TW" altLang="en-US"/>
+              <a:t> 個</a:t>
+            </a:r>
+            <a:r>
+              <a:rPr lang="zh-TW" altLang="en-US">
+                <a:solidFill>
+                  <a:srgbClr val="00B0F0"/>
+                </a:solidFill>
+              </a:rPr>
+              <a:t>索引值</a:t>
+            </a:r>
+            <a:r>
+              <a:rPr lang="zh-TW" altLang="en-US"/>
+              <a:t>確定</a:t>
+            </a:r>
+            <a:r>
+              <a:rPr lang="zh-TW" altLang="en-US">
+                <a:solidFill>
+                  <a:srgbClr val="00B0F0"/>
+                </a:solidFill>
+              </a:rPr>
+              <a:t>元素</a:t>
+            </a:r>
+            <a:endParaRPr lang="en-US" altLang="zh-TW">
+              <a:solidFill>
+                <a:srgbClr val="00B0F0"/>
+              </a:solidFill>
+            </a:endParaRPr>
+          </a:p>
+          <a:p>
+            <a:r>
+              <a:rPr lang="zh-TW" altLang="en-US"/>
+              <a:t>而</a:t>
+            </a:r>
+            <a:r>
+              <a:rPr lang="zh-TW" altLang="en-US">
+                <a:solidFill>
+                  <a:srgbClr val="00B0F0"/>
+                </a:solidFill>
+              </a:rPr>
+              <a:t>二維陣列</a:t>
+            </a:r>
+            <a:r>
+              <a:rPr lang="en-US" altLang="zh-TW">
+                <a:solidFill>
+                  <a:srgbClr val="00B0F0"/>
+                </a:solidFill>
+              </a:rPr>
+              <a:t>(2D array)</a:t>
+            </a:r>
+            <a:r>
+              <a:rPr lang="zh-TW" altLang="en-US"/>
+              <a:t>由 </a:t>
+            </a:r>
+            <a:r>
+              <a:rPr lang="en-US" altLang="zh-TW"/>
+              <a:t>2</a:t>
+            </a:r>
+            <a:r>
+              <a:rPr lang="zh-TW" altLang="en-US"/>
+              <a:t> 個</a:t>
+            </a:r>
+            <a:r>
+              <a:rPr lang="zh-TW" altLang="en-US">
+                <a:solidFill>
+                  <a:srgbClr val="00B0F0"/>
+                </a:solidFill>
+              </a:rPr>
+              <a:t>索引值</a:t>
+            </a:r>
+            <a:r>
+              <a:rPr lang="zh-TW" altLang="en-US"/>
+              <a:t>確定</a:t>
+            </a:r>
+            <a:r>
+              <a:rPr lang="zh-TW" altLang="en-US">
+                <a:solidFill>
+                  <a:srgbClr val="00B0F0"/>
+                </a:solidFill>
+              </a:rPr>
+              <a:t>元素</a:t>
+            </a:r>
+            <a:endParaRPr lang="en-US" altLang="zh-TW">
+              <a:solidFill>
+                <a:srgbClr val="00B0F0"/>
+              </a:solidFill>
+            </a:endParaRPr>
+          </a:p>
+          <a:p>
+            <a:r>
+              <a:rPr lang="en-US" altLang="zh-TW">
+                <a:solidFill>
+                  <a:srgbClr val="00B0F0"/>
+                </a:solidFill>
+              </a:rPr>
+              <a:t>k</a:t>
+            </a:r>
+            <a:r>
+              <a:rPr lang="zh-TW" altLang="en-US">
+                <a:solidFill>
+                  <a:srgbClr val="00B0F0"/>
+                </a:solidFill>
+              </a:rPr>
+              <a:t> 維陣列</a:t>
+            </a:r>
+            <a:r>
+              <a:rPr lang="zh-TW" altLang="en-US"/>
+              <a:t>由 </a:t>
+            </a:r>
+            <a:r>
+              <a:rPr lang="en-US" altLang="zh-TW"/>
+              <a:t>k</a:t>
+            </a:r>
+            <a:r>
+              <a:rPr lang="zh-TW" altLang="en-US"/>
+              <a:t> 個</a:t>
+            </a:r>
+            <a:r>
+              <a:rPr lang="zh-TW" altLang="en-US">
+                <a:solidFill>
+                  <a:srgbClr val="00B0F0"/>
+                </a:solidFill>
+              </a:rPr>
+              <a:t>索引值</a:t>
+            </a:r>
+            <a:r>
+              <a:rPr lang="zh-TW" altLang="en-US"/>
+              <a:t>確定</a:t>
+            </a:r>
+            <a:r>
+              <a:rPr lang="zh-TW" altLang="en-US">
+                <a:solidFill>
+                  <a:srgbClr val="00B0F0"/>
+                </a:solidFill>
+              </a:rPr>
+              <a:t>元素</a:t>
+            </a:r>
+            <a:endParaRPr lang="en-US" altLang="zh-TW">
+              <a:solidFill>
+                <a:srgbClr val="00B0F0"/>
+              </a:solidFill>
+            </a:endParaRPr>
+          </a:p>
+          <a:p>
+            <a:r>
+              <a:rPr lang="zh-TW" altLang="en-US"/>
+              <a:t>在 </a:t>
+            </a:r>
+            <a:r>
+              <a:rPr lang="en-US" altLang="zh-TW"/>
+              <a:t>Java </a:t>
+            </a:r>
+            <a:r>
+              <a:rPr lang="zh-TW" altLang="en-US"/>
+              <a:t>中，</a:t>
+            </a:r>
+            <a:r>
+              <a:rPr lang="zh-TW" altLang="en-US">
+                <a:solidFill>
+                  <a:srgbClr val="00B0F0"/>
+                </a:solidFill>
+              </a:rPr>
+              <a:t>二維陣列</a:t>
+            </a:r>
+            <a:r>
+              <a:rPr lang="zh-TW" altLang="en-US"/>
+              <a:t>就是</a:t>
+            </a:r>
+            <a:r>
+              <a:rPr lang="zh-TW" altLang="en-US">
+                <a:solidFill>
+                  <a:srgbClr val="00B0F0"/>
+                </a:solidFill>
+              </a:rPr>
+              <a:t>元素型別</a:t>
+            </a:r>
+            <a:r>
+              <a:rPr lang="zh-TW" altLang="en-US"/>
+              <a:t>為</a:t>
+            </a:r>
+            <a:r>
+              <a:rPr lang="zh-TW" altLang="en-US">
+                <a:solidFill>
+                  <a:srgbClr val="00B0F0"/>
+                </a:solidFill>
+              </a:rPr>
+              <a:t>一維陣列</a:t>
+            </a:r>
+            <a:r>
+              <a:rPr lang="zh-TW" altLang="en-US"/>
+              <a:t>的</a:t>
+            </a:r>
+            <a:r>
+              <a:rPr lang="zh-TW" altLang="en-US">
+                <a:solidFill>
+                  <a:srgbClr val="00B0F0"/>
+                </a:solidFill>
+              </a:rPr>
+              <a:t>一維陣列</a:t>
+            </a:r>
+            <a:endParaRPr lang="en-US" altLang="zh-TW">
+              <a:solidFill>
+                <a:srgbClr val="00B0F0"/>
+              </a:solidFill>
+            </a:endParaRPr>
+          </a:p>
+          <a:p>
+            <a:r>
+              <a:rPr lang="en-US" altLang="zh-TW">
+                <a:solidFill>
+                  <a:srgbClr val="00B0F0"/>
+                </a:solidFill>
+              </a:rPr>
+              <a:t>k</a:t>
+            </a:r>
+            <a:r>
+              <a:rPr lang="zh-TW" altLang="en-US">
+                <a:solidFill>
+                  <a:srgbClr val="00B0F0"/>
+                </a:solidFill>
+              </a:rPr>
+              <a:t> 維陣列</a:t>
+            </a:r>
+            <a:r>
+              <a:rPr lang="zh-TW" altLang="en-US"/>
+              <a:t>就是</a:t>
+            </a:r>
+            <a:r>
+              <a:rPr lang="zh-TW" altLang="en-US">
+                <a:solidFill>
+                  <a:srgbClr val="00B0F0"/>
+                </a:solidFill>
+              </a:rPr>
+              <a:t>元素型別</a:t>
+            </a:r>
+            <a:r>
+              <a:rPr lang="zh-TW" altLang="en-US"/>
+              <a:t>為</a:t>
+            </a:r>
+            <a:r>
+              <a:rPr lang="en-US" altLang="zh-TW">
+                <a:solidFill>
+                  <a:srgbClr val="00B0F0"/>
+                </a:solidFill>
+              </a:rPr>
+              <a:t>(k</a:t>
+            </a:r>
+            <a:r>
+              <a:rPr lang="zh-TW" altLang="en-US">
+                <a:solidFill>
+                  <a:srgbClr val="00B0F0"/>
+                </a:solidFill>
+              </a:rPr>
+              <a:t> </a:t>
+            </a:r>
+            <a:r>
+              <a:rPr lang="en-US" altLang="zh-TW">
+                <a:solidFill>
+                  <a:srgbClr val="00B0F0"/>
+                </a:solidFill>
+              </a:rPr>
+              <a:t>–</a:t>
+            </a:r>
+            <a:r>
+              <a:rPr lang="zh-TW" altLang="en-US">
+                <a:solidFill>
+                  <a:srgbClr val="00B0F0"/>
+                </a:solidFill>
+              </a:rPr>
+              <a:t> </a:t>
+            </a:r>
+            <a:r>
+              <a:rPr lang="en-US" altLang="zh-TW">
+                <a:solidFill>
+                  <a:srgbClr val="00B0F0"/>
+                </a:solidFill>
+              </a:rPr>
+              <a:t>1)</a:t>
+            </a:r>
+            <a:r>
+              <a:rPr lang="zh-TW" altLang="en-US">
+                <a:solidFill>
+                  <a:srgbClr val="00B0F0"/>
+                </a:solidFill>
+              </a:rPr>
+              <a:t>維陣列</a:t>
+            </a:r>
+            <a:r>
+              <a:rPr lang="zh-TW" altLang="en-US"/>
+              <a:t>的</a:t>
+            </a:r>
+            <a:r>
+              <a:rPr lang="zh-TW" altLang="en-US">
+                <a:solidFill>
+                  <a:srgbClr val="00B0F0"/>
+                </a:solidFill>
+              </a:rPr>
+              <a:t>一維陣列</a:t>
+            </a:r>
+          </a:p>
+        </p:txBody>
+      </p:sp>
+      <p:grpSp>
+        <p:nvGrpSpPr>
+          <p:cNvPr id="7" name="群組 6">
+            <a:extLst>
+              <a:ext uri="{FF2B5EF4-FFF2-40B4-BE49-F238E27FC236}">
+                <a16:creationId xmlns:a16="http://schemas.microsoft.com/office/drawing/2014/main" id="{48B63D89-77F4-4BAF-BA14-71FE4D958E2F}"/>
+              </a:ext>
+            </a:extLst>
+          </p:cNvPr>
+          <p:cNvGrpSpPr/>
+          <p:nvPr/>
+        </p:nvGrpSpPr>
+        <p:grpSpPr>
+          <a:xfrm>
+            <a:off x="838200" y="4067969"/>
+            <a:ext cx="6777316" cy="2462213"/>
+            <a:chOff x="838200" y="4001294"/>
+            <a:chExt cx="6777316" cy="2462213"/>
+          </a:xfrm>
+        </p:grpSpPr>
+        <p:sp>
+          <p:nvSpPr>
+            <p:cNvPr id="4" name="Rectangle 1">
+              <a:extLst>
+                <a:ext uri="{FF2B5EF4-FFF2-40B4-BE49-F238E27FC236}">
+                  <a16:creationId xmlns:a16="http://schemas.microsoft.com/office/drawing/2014/main" id="{AECA89DA-56ED-4F29-9A6E-F17DD49DC353}"/>
+                </a:ext>
+              </a:extLst>
+            </p:cNvPr>
+            <p:cNvSpPr>
+              <a:spLocks noChangeArrowheads="1"/>
+            </p:cNvSpPr>
+            <p:nvPr/>
+          </p:nvSpPr>
+          <p:spPr bwMode="auto">
+            <a:xfrm>
+              <a:off x="838200" y="4001294"/>
+              <a:ext cx="6777316" cy="2462213"/>
+            </a:xfrm>
+            <a:prstGeom prst="rect">
+              <a:avLst/>
+            </a:prstGeom>
+            <a:solidFill>
+              <a:srgbClr val="1E1F22"/>
+            </a:solidFill>
+            <a:ln>
+              <a:noFill/>
+            </a:ln>
+            <a:effectLst/>
+            <a:extLst>
+              <a:ext uri="{91240B29-F687-4F45-9708-019B960494DF}">
+                <a14:hiddenLine xmlns:a14="http://schemas.microsoft.com/office/drawing/2010/main" w="9525">
+                  <a:solidFill>
+                    <a:schemeClr val="tx1"/>
+                  </a:solidFill>
+                  <a:miter lim="800000"/>
+                  <a:headEnd/>
+                  <a:tailEnd/>
+                </a14:hiddenLine>
+              </a:ext>
+              <a:ext uri="{AF507438-7753-43E0-B8FC-AC1667EBCBE1}">
+                <a14:hiddenEffects xmlns:a14="http://schemas.microsoft.com/office/drawing/2010/main">
+                  <a:effectLst>
+                    <a:outerShdw dist="35921" dir="2700000" algn="ctr" rotWithShape="0">
+                      <a:schemeClr val="bg2"/>
+                    </a:outerShdw>
+                  </a:effectLst>
+                </a14:hiddenEffects>
+              </a:ext>
+            </a:extLst>
+          </p:spPr>
+          <p:txBody>
+            <a:bodyPr vert="horz" wrap="square" lIns="91440" tIns="45720" rIns="91440" bIns="45720" numCol="1" anchor="ctr" anchorCtr="0" compatLnSpc="1">
+              <a:prstTxWarp prst="textNoShape">
+                <a:avLst/>
+              </a:prstTxWarp>
+              <a:spAutoFit/>
+            </a:bodyPr>
+            <a:lstStyle/>
+            <a:p>
+              <a:pPr marL="0" marR="0" lvl="0" indent="0" algn="l" defTabSz="914400" rtl="0" eaLnBrk="0" fontAlgn="base" latinLnBrk="0" hangingPunct="0">
+                <a:lnSpc>
+                  <a:spcPct val="100000"/>
+                </a:lnSpc>
+                <a:spcBef>
+                  <a:spcPct val="0"/>
+                </a:spcBef>
+                <a:spcAft>
+                  <a:spcPct val="0"/>
+                </a:spcAft>
+                <a:buClrTx/>
+                <a:buSzTx/>
+                <a:buFontTx/>
+                <a:buNone/>
+                <a:tabLst/>
+              </a:pPr>
+              <a:r>
+                <a:rPr kumimoji="0" lang="zh-TW" altLang="zh-TW" sz="1400" b="0" i="0" u="none" strike="noStrike" cap="none" normalizeH="0" baseline="0">
+                  <a:ln>
+                    <a:noFill/>
+                  </a:ln>
+                  <a:solidFill>
+                    <a:srgbClr val="CF8E6D"/>
+                  </a:solidFill>
+                  <a:effectLst/>
+                  <a:latin typeface="+mj-lt"/>
+                  <a:cs typeface="JetBrains Mono" panose="02000009000000000000" pitchFamily="49" charset="0"/>
+                </a:rPr>
+                <a:t>public class </a:t>
+              </a:r>
+              <a:r>
+                <a:rPr kumimoji="0" lang="zh-TW" altLang="zh-TW" sz="1400" b="0" i="0" u="none" strike="noStrike" cap="none" normalizeH="0" baseline="0">
+                  <a:ln>
+                    <a:noFill/>
+                  </a:ln>
+                  <a:solidFill>
+                    <a:srgbClr val="BCBEC4"/>
+                  </a:solidFill>
+                  <a:effectLst/>
+                  <a:latin typeface="+mj-lt"/>
+                  <a:cs typeface="JetBrains Mono" panose="02000009000000000000" pitchFamily="49" charset="0"/>
+                </a:rPr>
+                <a:t>Main4 {</a:t>
+              </a:r>
+              <a:br>
+                <a:rPr kumimoji="0" lang="zh-TW" altLang="zh-TW" sz="1400" b="0" i="0" u="none" strike="noStrike" cap="none" normalizeH="0" baseline="0">
+                  <a:ln>
+                    <a:noFill/>
+                  </a:ln>
+                  <a:solidFill>
+                    <a:srgbClr val="BCBEC4"/>
+                  </a:solidFill>
+                  <a:effectLst/>
+                  <a:latin typeface="+mj-lt"/>
+                  <a:cs typeface="JetBrains Mono" panose="02000009000000000000" pitchFamily="49" charset="0"/>
+                </a:rPr>
+              </a:br>
+              <a:r>
+                <a:rPr kumimoji="0" lang="zh-TW" altLang="zh-TW" sz="1400" b="0" i="0" u="none" strike="noStrike" cap="none" normalizeH="0" baseline="0">
+                  <a:ln>
+                    <a:noFill/>
+                  </a:ln>
+                  <a:solidFill>
+                    <a:srgbClr val="BCBEC4"/>
+                  </a:solidFill>
+                  <a:effectLst/>
+                  <a:latin typeface="+mj-lt"/>
+                  <a:cs typeface="JetBrains Mono" panose="02000009000000000000" pitchFamily="49" charset="0"/>
+                </a:rPr>
+                <a:t>    </a:t>
+              </a:r>
+              <a:r>
+                <a:rPr kumimoji="0" lang="zh-TW" altLang="zh-TW" sz="1400" b="0" i="0" u="none" strike="noStrike" cap="none" normalizeH="0" baseline="0">
+                  <a:ln>
+                    <a:noFill/>
+                  </a:ln>
+                  <a:solidFill>
+                    <a:srgbClr val="CF8E6D"/>
+                  </a:solidFill>
+                  <a:effectLst/>
+                  <a:latin typeface="+mj-lt"/>
+                  <a:cs typeface="JetBrains Mono" panose="02000009000000000000" pitchFamily="49" charset="0"/>
+                </a:rPr>
+                <a:t>public static void </a:t>
+              </a:r>
+              <a:r>
+                <a:rPr kumimoji="0" lang="zh-TW" altLang="zh-TW" sz="1400" b="0" i="0" u="none" strike="noStrike" cap="none" normalizeH="0" baseline="0">
+                  <a:ln>
+                    <a:noFill/>
+                  </a:ln>
+                  <a:solidFill>
+                    <a:srgbClr val="56A8F5"/>
+                  </a:solidFill>
+                  <a:effectLst/>
+                  <a:latin typeface="+mj-lt"/>
+                  <a:cs typeface="JetBrains Mono" panose="02000009000000000000" pitchFamily="49" charset="0"/>
+                </a:rPr>
+                <a:t>main</a:t>
+              </a:r>
+              <a:r>
+                <a:rPr kumimoji="0" lang="zh-TW" altLang="zh-TW" sz="1400" b="0" i="0" u="none" strike="noStrike" cap="none" normalizeH="0" baseline="0">
+                  <a:ln>
+                    <a:noFill/>
+                  </a:ln>
+                  <a:solidFill>
+                    <a:srgbClr val="BCBEC4"/>
+                  </a:solidFill>
+                  <a:effectLst/>
+                  <a:latin typeface="+mj-lt"/>
+                  <a:cs typeface="JetBrains Mono" panose="02000009000000000000" pitchFamily="49" charset="0"/>
+                </a:rPr>
+                <a:t>(String[] args) {</a:t>
+              </a:r>
+              <a:br>
+                <a:rPr kumimoji="0" lang="zh-TW" altLang="zh-TW" sz="1400" b="0" i="0" u="none" strike="noStrike" cap="none" normalizeH="0" baseline="0">
+                  <a:ln>
+                    <a:noFill/>
+                  </a:ln>
+                  <a:solidFill>
+                    <a:srgbClr val="BCBEC4"/>
+                  </a:solidFill>
+                  <a:effectLst/>
+                  <a:latin typeface="+mj-lt"/>
+                  <a:cs typeface="JetBrains Mono" panose="02000009000000000000" pitchFamily="49" charset="0"/>
+                </a:rPr>
+              </a:br>
+              <a:r>
+                <a:rPr kumimoji="0" lang="zh-TW" altLang="zh-TW" sz="1400" b="0" i="0" u="none" strike="noStrike" cap="none" normalizeH="0" baseline="0">
+                  <a:ln>
+                    <a:noFill/>
+                  </a:ln>
+                  <a:solidFill>
+                    <a:srgbClr val="BCBEC4"/>
+                  </a:solidFill>
+                  <a:effectLst/>
+                  <a:latin typeface="+mj-lt"/>
+                  <a:cs typeface="JetBrains Mono" panose="02000009000000000000" pitchFamily="49" charset="0"/>
+                </a:rPr>
+                <a:t>        </a:t>
+              </a:r>
+              <a:r>
+                <a:rPr kumimoji="0" lang="zh-TW" altLang="zh-TW" sz="1400" b="0" i="0" u="none" strike="noStrike" cap="none" normalizeH="0" baseline="0">
+                  <a:ln>
+                    <a:noFill/>
+                  </a:ln>
+                  <a:solidFill>
+                    <a:srgbClr val="CF8E6D"/>
+                  </a:solidFill>
+                  <a:effectLst/>
+                  <a:latin typeface="+mj-lt"/>
+                  <a:cs typeface="JetBrains Mono" panose="02000009000000000000" pitchFamily="49" charset="0"/>
+                </a:rPr>
+                <a:t>int</a:t>
+              </a:r>
+              <a:r>
+                <a:rPr kumimoji="0" lang="zh-TW" altLang="zh-TW" sz="1400" b="0" i="0" u="none" strike="noStrike" cap="none" normalizeH="0" baseline="0">
+                  <a:ln>
+                    <a:noFill/>
+                  </a:ln>
+                  <a:solidFill>
+                    <a:srgbClr val="BCBEC4"/>
+                  </a:solidFill>
+                  <a:effectLst/>
+                  <a:latin typeface="+mj-lt"/>
+                  <a:cs typeface="JetBrains Mono" panose="02000009000000000000" pitchFamily="49" charset="0"/>
+                </a:rPr>
+                <a:t>[][] arr = {{</a:t>
+              </a:r>
+              <a:r>
+                <a:rPr kumimoji="0" lang="zh-TW" altLang="zh-TW" sz="1400" b="0" i="0" u="none" strike="noStrike" cap="none" normalizeH="0" baseline="0">
+                  <a:ln>
+                    <a:noFill/>
+                  </a:ln>
+                  <a:solidFill>
+                    <a:srgbClr val="2AACB8"/>
+                  </a:solidFill>
+                  <a:effectLst/>
+                  <a:latin typeface="+mj-lt"/>
+                  <a:cs typeface="JetBrains Mono" panose="02000009000000000000" pitchFamily="49" charset="0"/>
+                </a:rPr>
+                <a:t>2</a:t>
+              </a:r>
+              <a:r>
+                <a:rPr kumimoji="0" lang="zh-TW" altLang="zh-TW" sz="1400" b="0" i="0" u="none" strike="noStrike" cap="none" normalizeH="0" baseline="0">
+                  <a:ln>
+                    <a:noFill/>
+                  </a:ln>
+                  <a:solidFill>
+                    <a:srgbClr val="BCBEC4"/>
+                  </a:solidFill>
+                  <a:effectLst/>
+                  <a:latin typeface="+mj-lt"/>
+                  <a:cs typeface="JetBrains Mono" panose="02000009000000000000" pitchFamily="49" charset="0"/>
+                </a:rPr>
+                <a:t>, </a:t>
+              </a:r>
+              <a:r>
+                <a:rPr kumimoji="0" lang="zh-TW" altLang="zh-TW" sz="1400" b="0" i="0" u="none" strike="noStrike" cap="none" normalizeH="0" baseline="0">
+                  <a:ln>
+                    <a:noFill/>
+                  </a:ln>
+                  <a:solidFill>
+                    <a:srgbClr val="2AACB8"/>
+                  </a:solidFill>
+                  <a:effectLst/>
+                  <a:latin typeface="+mj-lt"/>
+                  <a:cs typeface="JetBrains Mono" panose="02000009000000000000" pitchFamily="49" charset="0"/>
+                </a:rPr>
+                <a:t>1</a:t>
+              </a:r>
+              <a:r>
+                <a:rPr kumimoji="0" lang="zh-TW" altLang="zh-TW" sz="1400" b="0" i="0" u="none" strike="noStrike" cap="none" normalizeH="0" baseline="0">
+                  <a:ln>
+                    <a:noFill/>
+                  </a:ln>
+                  <a:solidFill>
+                    <a:srgbClr val="BCBEC4"/>
+                  </a:solidFill>
+                  <a:effectLst/>
+                  <a:latin typeface="+mj-lt"/>
+                  <a:cs typeface="JetBrains Mono" panose="02000009000000000000" pitchFamily="49" charset="0"/>
+                </a:rPr>
+                <a:t>, </a:t>
+              </a:r>
+              <a:r>
+                <a:rPr kumimoji="0" lang="zh-TW" altLang="zh-TW" sz="1400" b="0" i="0" u="none" strike="noStrike" cap="none" normalizeH="0" baseline="0">
+                  <a:ln>
+                    <a:noFill/>
+                  </a:ln>
+                  <a:solidFill>
+                    <a:srgbClr val="2AACB8"/>
+                  </a:solidFill>
+                  <a:effectLst/>
+                  <a:latin typeface="+mj-lt"/>
+                  <a:cs typeface="JetBrains Mono" panose="02000009000000000000" pitchFamily="49" charset="0"/>
+                </a:rPr>
+                <a:t>4</a:t>
+              </a:r>
+              <a:r>
+                <a:rPr kumimoji="0" lang="zh-TW" altLang="zh-TW" sz="1400" b="0" i="0" u="none" strike="noStrike" cap="none" normalizeH="0" baseline="0">
+                  <a:ln>
+                    <a:noFill/>
+                  </a:ln>
+                  <a:solidFill>
+                    <a:srgbClr val="BCBEC4"/>
+                  </a:solidFill>
+                  <a:effectLst/>
+                  <a:latin typeface="+mj-lt"/>
+                  <a:cs typeface="JetBrains Mono" panose="02000009000000000000" pitchFamily="49" charset="0"/>
+                </a:rPr>
+                <a:t>}, {</a:t>
+              </a:r>
+              <a:r>
+                <a:rPr kumimoji="0" lang="zh-TW" altLang="zh-TW" sz="1400" b="0" i="0" u="none" strike="noStrike" cap="none" normalizeH="0" baseline="0">
+                  <a:ln>
+                    <a:noFill/>
+                  </a:ln>
+                  <a:solidFill>
+                    <a:srgbClr val="2AACB8"/>
+                  </a:solidFill>
+                  <a:effectLst/>
+                  <a:latin typeface="+mj-lt"/>
+                  <a:cs typeface="JetBrains Mono" panose="02000009000000000000" pitchFamily="49" charset="0"/>
+                </a:rPr>
+                <a:t>7</a:t>
+              </a:r>
+              <a:r>
+                <a:rPr kumimoji="0" lang="zh-TW" altLang="zh-TW" sz="1400" b="0" i="0" u="none" strike="noStrike" cap="none" normalizeH="0" baseline="0">
+                  <a:ln>
+                    <a:noFill/>
+                  </a:ln>
+                  <a:solidFill>
+                    <a:srgbClr val="BCBEC4"/>
+                  </a:solidFill>
+                  <a:effectLst/>
+                  <a:latin typeface="+mj-lt"/>
+                  <a:cs typeface="JetBrains Mono" panose="02000009000000000000" pitchFamily="49" charset="0"/>
+                </a:rPr>
+                <a:t>, </a:t>
+              </a:r>
+              <a:r>
+                <a:rPr kumimoji="0" lang="zh-TW" altLang="zh-TW" sz="1400" b="0" i="0" u="none" strike="noStrike" cap="none" normalizeH="0" baseline="0">
+                  <a:ln>
+                    <a:noFill/>
+                  </a:ln>
+                  <a:solidFill>
+                    <a:srgbClr val="2AACB8"/>
+                  </a:solidFill>
+                  <a:effectLst/>
+                  <a:latin typeface="+mj-lt"/>
+                  <a:cs typeface="JetBrains Mono" panose="02000009000000000000" pitchFamily="49" charset="0"/>
+                </a:rPr>
+                <a:t>4</a:t>
+              </a:r>
+              <a:r>
+                <a:rPr kumimoji="0" lang="zh-TW" altLang="zh-TW" sz="1400" b="0" i="0" u="none" strike="noStrike" cap="none" normalizeH="0" baseline="0">
+                  <a:ln>
+                    <a:noFill/>
+                  </a:ln>
+                  <a:solidFill>
+                    <a:srgbClr val="BCBEC4"/>
+                  </a:solidFill>
+                  <a:effectLst/>
+                  <a:latin typeface="+mj-lt"/>
+                  <a:cs typeface="JetBrains Mono" panose="02000009000000000000" pitchFamily="49" charset="0"/>
+                </a:rPr>
+                <a:t>}, {</a:t>
+              </a:r>
+              <a:r>
+                <a:rPr kumimoji="0" lang="zh-TW" altLang="zh-TW" sz="1400" b="0" i="0" u="none" strike="noStrike" cap="none" normalizeH="0" baseline="0">
+                  <a:ln>
+                    <a:noFill/>
+                  </a:ln>
+                  <a:solidFill>
+                    <a:srgbClr val="2AACB8"/>
+                  </a:solidFill>
+                  <a:effectLst/>
+                  <a:latin typeface="+mj-lt"/>
+                  <a:cs typeface="JetBrains Mono" panose="02000009000000000000" pitchFamily="49" charset="0"/>
+                </a:rPr>
+                <a:t>8</a:t>
+              </a:r>
+              <a:r>
+                <a:rPr kumimoji="0" lang="zh-TW" altLang="zh-TW" sz="1400" b="0" i="0" u="none" strike="noStrike" cap="none" normalizeH="0" baseline="0">
+                  <a:ln>
+                    <a:noFill/>
+                  </a:ln>
+                  <a:solidFill>
+                    <a:srgbClr val="BCBEC4"/>
+                  </a:solidFill>
+                  <a:effectLst/>
+                  <a:latin typeface="+mj-lt"/>
+                  <a:cs typeface="JetBrains Mono" panose="02000009000000000000" pitchFamily="49" charset="0"/>
+                </a:rPr>
+                <a:t>, </a:t>
+              </a:r>
+              <a:r>
+                <a:rPr kumimoji="0" lang="zh-TW" altLang="zh-TW" sz="1400" b="0" i="0" u="none" strike="noStrike" cap="none" normalizeH="0" baseline="0">
+                  <a:ln>
+                    <a:noFill/>
+                  </a:ln>
+                  <a:solidFill>
+                    <a:srgbClr val="2AACB8"/>
+                  </a:solidFill>
+                  <a:effectLst/>
+                  <a:latin typeface="+mj-lt"/>
+                  <a:cs typeface="JetBrains Mono" panose="02000009000000000000" pitchFamily="49" charset="0"/>
+                </a:rPr>
+                <a:t>3</a:t>
+              </a:r>
+              <a:r>
+                <a:rPr kumimoji="0" lang="zh-TW" altLang="zh-TW" sz="1400" b="0" i="0" u="none" strike="noStrike" cap="none" normalizeH="0" baseline="0">
+                  <a:ln>
+                    <a:noFill/>
+                  </a:ln>
+                  <a:solidFill>
+                    <a:srgbClr val="BCBEC4"/>
+                  </a:solidFill>
+                  <a:effectLst/>
+                  <a:latin typeface="+mj-lt"/>
+                  <a:cs typeface="JetBrains Mono" panose="02000009000000000000" pitchFamily="49" charset="0"/>
+                </a:rPr>
+                <a:t>, </a:t>
+              </a:r>
+              <a:r>
+                <a:rPr kumimoji="0" lang="zh-TW" altLang="zh-TW" sz="1400" b="0" i="0" u="none" strike="noStrike" cap="none" normalizeH="0" baseline="0">
+                  <a:ln>
+                    <a:noFill/>
+                  </a:ln>
+                  <a:solidFill>
+                    <a:srgbClr val="2AACB8"/>
+                  </a:solidFill>
+                  <a:effectLst/>
+                  <a:latin typeface="+mj-lt"/>
+                  <a:cs typeface="JetBrains Mono" panose="02000009000000000000" pitchFamily="49" charset="0"/>
+                </a:rPr>
+                <a:t>6</a:t>
+              </a:r>
+              <a:r>
+                <a:rPr kumimoji="0" lang="zh-TW" altLang="zh-TW" sz="1400" b="0" i="0" u="none" strike="noStrike" cap="none" normalizeH="0" baseline="0">
+                  <a:ln>
+                    <a:noFill/>
+                  </a:ln>
+                  <a:solidFill>
+                    <a:srgbClr val="BCBEC4"/>
+                  </a:solidFill>
+                  <a:effectLst/>
+                  <a:latin typeface="+mj-lt"/>
+                  <a:cs typeface="JetBrains Mono" panose="02000009000000000000" pitchFamily="49" charset="0"/>
+                </a:rPr>
+                <a:t>, </a:t>
+              </a:r>
+              <a:r>
+                <a:rPr kumimoji="0" lang="zh-TW" altLang="zh-TW" sz="1400" b="0" i="0" u="none" strike="noStrike" cap="none" normalizeH="0" baseline="0">
+                  <a:ln>
+                    <a:noFill/>
+                  </a:ln>
+                  <a:solidFill>
+                    <a:srgbClr val="2AACB8"/>
+                  </a:solidFill>
+                  <a:effectLst/>
+                  <a:latin typeface="+mj-lt"/>
+                  <a:cs typeface="JetBrains Mono" panose="02000009000000000000" pitchFamily="49" charset="0"/>
+                </a:rPr>
+                <a:t>4</a:t>
+              </a:r>
+              <a:r>
+                <a:rPr kumimoji="0" lang="zh-TW" altLang="zh-TW" sz="1400" b="0" i="0" u="none" strike="noStrike" cap="none" normalizeH="0" baseline="0">
+                  <a:ln>
+                    <a:noFill/>
+                  </a:ln>
+                  <a:solidFill>
+                    <a:srgbClr val="BCBEC4"/>
+                  </a:solidFill>
+                  <a:effectLst/>
+                  <a:latin typeface="+mj-lt"/>
+                  <a:cs typeface="JetBrains Mono" panose="02000009000000000000" pitchFamily="49" charset="0"/>
+                </a:rPr>
+                <a:t>}, {</a:t>
+              </a:r>
+              <a:r>
+                <a:rPr kumimoji="0" lang="zh-TW" altLang="zh-TW" sz="1400" b="0" i="0" u="none" strike="noStrike" cap="none" normalizeH="0" baseline="0">
+                  <a:ln>
+                    <a:noFill/>
+                  </a:ln>
+                  <a:solidFill>
+                    <a:srgbClr val="2AACB8"/>
+                  </a:solidFill>
+                  <a:effectLst/>
+                  <a:latin typeface="+mj-lt"/>
+                  <a:cs typeface="JetBrains Mono" panose="02000009000000000000" pitchFamily="49" charset="0"/>
+                </a:rPr>
+                <a:t>7</a:t>
+              </a:r>
+              <a:r>
+                <a:rPr kumimoji="0" lang="zh-TW" altLang="zh-TW" sz="1400" b="0" i="0" u="none" strike="noStrike" cap="none" normalizeH="0" baseline="0">
+                  <a:ln>
+                    <a:noFill/>
+                  </a:ln>
+                  <a:solidFill>
+                    <a:srgbClr val="BCBEC4"/>
+                  </a:solidFill>
+                  <a:effectLst/>
+                  <a:latin typeface="+mj-lt"/>
+                  <a:cs typeface="JetBrains Mono" panose="02000009000000000000" pitchFamily="49" charset="0"/>
+                </a:rPr>
+                <a:t>}};</a:t>
+              </a:r>
+              <a:br>
+                <a:rPr kumimoji="0" lang="zh-TW" altLang="zh-TW" sz="1400" b="0" i="0" u="none" strike="noStrike" cap="none" normalizeH="0" baseline="0">
+                  <a:ln>
+                    <a:noFill/>
+                  </a:ln>
+                  <a:solidFill>
+                    <a:srgbClr val="BCBEC4"/>
+                  </a:solidFill>
+                  <a:effectLst/>
+                  <a:latin typeface="+mj-lt"/>
+                  <a:cs typeface="JetBrains Mono" panose="02000009000000000000" pitchFamily="49" charset="0"/>
+                </a:rPr>
+              </a:br>
+              <a:r>
+                <a:rPr kumimoji="0" lang="zh-TW" altLang="zh-TW" sz="1400" b="0" i="0" u="none" strike="noStrike" cap="none" normalizeH="0" baseline="0">
+                  <a:ln>
+                    <a:noFill/>
+                  </a:ln>
+                  <a:solidFill>
+                    <a:srgbClr val="BCBEC4"/>
+                  </a:solidFill>
+                  <a:effectLst/>
+                  <a:latin typeface="+mj-lt"/>
+                  <a:cs typeface="JetBrains Mono" panose="02000009000000000000" pitchFamily="49" charset="0"/>
+                </a:rPr>
+                <a:t>        </a:t>
+              </a:r>
+              <a:r>
+                <a:rPr kumimoji="0" lang="zh-TW" altLang="zh-TW" sz="1400" b="0" i="0" u="none" strike="noStrike" cap="none" normalizeH="0" baseline="0">
+                  <a:ln>
+                    <a:noFill/>
+                  </a:ln>
+                  <a:solidFill>
+                    <a:srgbClr val="CF8E6D"/>
+                  </a:solidFill>
+                  <a:effectLst/>
+                  <a:latin typeface="+mj-lt"/>
+                  <a:cs typeface="JetBrains Mono" panose="02000009000000000000" pitchFamily="49" charset="0"/>
+                </a:rPr>
+                <a:t>for </a:t>
+              </a:r>
+              <a:r>
+                <a:rPr kumimoji="0" lang="zh-TW" altLang="zh-TW" sz="1400" b="0" i="0" u="none" strike="noStrike" cap="none" normalizeH="0" baseline="0">
+                  <a:ln>
+                    <a:noFill/>
+                  </a:ln>
+                  <a:solidFill>
+                    <a:srgbClr val="BCBEC4"/>
+                  </a:solidFill>
+                  <a:effectLst/>
+                  <a:latin typeface="+mj-lt"/>
+                  <a:cs typeface="JetBrains Mono" panose="02000009000000000000" pitchFamily="49" charset="0"/>
+                </a:rPr>
+                <a:t>(</a:t>
+              </a:r>
+              <a:r>
+                <a:rPr kumimoji="0" lang="zh-TW" altLang="zh-TW" sz="1400" b="0" i="0" u="none" strike="noStrike" cap="none" normalizeH="0" baseline="0">
+                  <a:ln>
+                    <a:noFill/>
+                  </a:ln>
+                  <a:solidFill>
+                    <a:srgbClr val="CF8E6D"/>
+                  </a:solidFill>
+                  <a:effectLst/>
+                  <a:latin typeface="+mj-lt"/>
+                  <a:cs typeface="JetBrains Mono" panose="02000009000000000000" pitchFamily="49" charset="0"/>
+                </a:rPr>
+                <a:t>int</a:t>
+              </a:r>
+              <a:r>
+                <a:rPr kumimoji="0" lang="zh-TW" altLang="zh-TW" sz="1400" b="0" i="0" u="none" strike="noStrike" cap="none" normalizeH="0" baseline="0">
+                  <a:ln>
+                    <a:noFill/>
+                  </a:ln>
+                  <a:solidFill>
+                    <a:srgbClr val="BCBEC4"/>
+                  </a:solidFill>
+                  <a:effectLst/>
+                  <a:latin typeface="+mj-lt"/>
+                  <a:cs typeface="JetBrains Mono" panose="02000009000000000000" pitchFamily="49" charset="0"/>
+                </a:rPr>
+                <a:t>[] subArr : arr) {</a:t>
+              </a:r>
+              <a:br>
+                <a:rPr kumimoji="0" lang="zh-TW" altLang="zh-TW" sz="1400" b="0" i="0" u="none" strike="noStrike" cap="none" normalizeH="0" baseline="0">
+                  <a:ln>
+                    <a:noFill/>
+                  </a:ln>
+                  <a:solidFill>
+                    <a:srgbClr val="BCBEC4"/>
+                  </a:solidFill>
+                  <a:effectLst/>
+                  <a:latin typeface="+mj-lt"/>
+                  <a:cs typeface="JetBrains Mono" panose="02000009000000000000" pitchFamily="49" charset="0"/>
+                </a:rPr>
+              </a:br>
+              <a:r>
+                <a:rPr kumimoji="0" lang="zh-TW" altLang="zh-TW" sz="1400" b="0" i="0" u="none" strike="noStrike" cap="none" normalizeH="0" baseline="0">
+                  <a:ln>
+                    <a:noFill/>
+                  </a:ln>
+                  <a:solidFill>
+                    <a:srgbClr val="BCBEC4"/>
+                  </a:solidFill>
+                  <a:effectLst/>
+                  <a:latin typeface="+mj-lt"/>
+                  <a:cs typeface="JetBrains Mono" panose="02000009000000000000" pitchFamily="49" charset="0"/>
+                </a:rPr>
+                <a:t>            </a:t>
+              </a:r>
+              <a:r>
+                <a:rPr kumimoji="0" lang="zh-TW" altLang="zh-TW" sz="1400" b="0" i="0" u="none" strike="noStrike" cap="none" normalizeH="0" baseline="0">
+                  <a:ln>
+                    <a:noFill/>
+                  </a:ln>
+                  <a:solidFill>
+                    <a:srgbClr val="CF8E6D"/>
+                  </a:solidFill>
+                  <a:effectLst/>
+                  <a:latin typeface="+mj-lt"/>
+                  <a:cs typeface="JetBrains Mono" panose="02000009000000000000" pitchFamily="49" charset="0"/>
+                </a:rPr>
+                <a:t>for </a:t>
+              </a:r>
+              <a:r>
+                <a:rPr kumimoji="0" lang="zh-TW" altLang="zh-TW" sz="1400" b="0" i="0" u="none" strike="noStrike" cap="none" normalizeH="0" baseline="0">
+                  <a:ln>
+                    <a:noFill/>
+                  </a:ln>
+                  <a:solidFill>
+                    <a:srgbClr val="BCBEC4"/>
+                  </a:solidFill>
+                  <a:effectLst/>
+                  <a:latin typeface="+mj-lt"/>
+                  <a:cs typeface="JetBrains Mono" panose="02000009000000000000" pitchFamily="49" charset="0"/>
+                </a:rPr>
+                <a:t>(</a:t>
+              </a:r>
+              <a:r>
+                <a:rPr kumimoji="0" lang="zh-TW" altLang="zh-TW" sz="1400" b="0" i="0" u="none" strike="noStrike" cap="none" normalizeH="0" baseline="0">
+                  <a:ln>
+                    <a:noFill/>
+                  </a:ln>
+                  <a:solidFill>
+                    <a:srgbClr val="CF8E6D"/>
+                  </a:solidFill>
+                  <a:effectLst/>
+                  <a:latin typeface="+mj-lt"/>
+                  <a:cs typeface="JetBrains Mono" panose="02000009000000000000" pitchFamily="49" charset="0"/>
+                </a:rPr>
+                <a:t>int </a:t>
+              </a:r>
+              <a:r>
+                <a:rPr kumimoji="0" lang="zh-TW" altLang="zh-TW" sz="1400" b="0" i="0" u="none" strike="noStrike" cap="none" normalizeH="0" baseline="0">
+                  <a:ln>
+                    <a:noFill/>
+                  </a:ln>
+                  <a:solidFill>
+                    <a:srgbClr val="BCBEC4"/>
+                  </a:solidFill>
+                  <a:effectLst/>
+                  <a:latin typeface="+mj-lt"/>
+                  <a:cs typeface="JetBrains Mono" panose="02000009000000000000" pitchFamily="49" charset="0"/>
+                </a:rPr>
+                <a:t>e : subArr) {</a:t>
+              </a:r>
+              <a:br>
+                <a:rPr kumimoji="0" lang="zh-TW" altLang="zh-TW" sz="1400" b="0" i="0" u="none" strike="noStrike" cap="none" normalizeH="0" baseline="0">
+                  <a:ln>
+                    <a:noFill/>
+                  </a:ln>
+                  <a:solidFill>
+                    <a:srgbClr val="BCBEC4"/>
+                  </a:solidFill>
+                  <a:effectLst/>
+                  <a:latin typeface="+mj-lt"/>
+                  <a:cs typeface="JetBrains Mono" panose="02000009000000000000" pitchFamily="49" charset="0"/>
+                </a:rPr>
+              </a:br>
+              <a:r>
+                <a:rPr kumimoji="0" lang="zh-TW" altLang="zh-TW" sz="1400" b="0" i="0" u="none" strike="noStrike" cap="none" normalizeH="0" baseline="0">
+                  <a:ln>
+                    <a:noFill/>
+                  </a:ln>
+                  <a:solidFill>
+                    <a:srgbClr val="BCBEC4"/>
+                  </a:solidFill>
+                  <a:effectLst/>
+                  <a:latin typeface="+mj-lt"/>
+                  <a:cs typeface="JetBrains Mono" panose="02000009000000000000" pitchFamily="49" charset="0"/>
+                </a:rPr>
+                <a:t>                System.</a:t>
+              </a:r>
+              <a:r>
+                <a:rPr kumimoji="0" lang="zh-TW" altLang="zh-TW" sz="1400" b="0" i="1" u="none" strike="noStrike" cap="none" normalizeH="0" baseline="0">
+                  <a:ln>
+                    <a:noFill/>
+                  </a:ln>
+                  <a:solidFill>
+                    <a:srgbClr val="C77DBB"/>
+                  </a:solidFill>
+                  <a:effectLst/>
+                  <a:latin typeface="+mj-lt"/>
+                  <a:cs typeface="JetBrains Mono" panose="02000009000000000000" pitchFamily="49" charset="0"/>
+                </a:rPr>
+                <a:t>out</a:t>
+              </a:r>
+              <a:r>
+                <a:rPr kumimoji="0" lang="zh-TW" altLang="zh-TW" sz="1400" b="0" i="0" u="none" strike="noStrike" cap="none" normalizeH="0" baseline="0">
+                  <a:ln>
+                    <a:noFill/>
+                  </a:ln>
+                  <a:solidFill>
+                    <a:srgbClr val="BCBEC4"/>
+                  </a:solidFill>
+                  <a:effectLst/>
+                  <a:latin typeface="+mj-lt"/>
+                  <a:cs typeface="JetBrains Mono" panose="02000009000000000000" pitchFamily="49" charset="0"/>
+                </a:rPr>
+                <a:t>.print(e + </a:t>
+              </a:r>
+              <a:r>
+                <a:rPr kumimoji="0" lang="zh-TW" altLang="zh-TW" sz="1400" b="0" i="0" u="none" strike="noStrike" cap="none" normalizeH="0" baseline="0">
+                  <a:ln>
+                    <a:noFill/>
+                  </a:ln>
+                  <a:solidFill>
+                    <a:srgbClr val="6AAB73"/>
+                  </a:solidFill>
+                  <a:effectLst/>
+                  <a:latin typeface="+mj-lt"/>
+                  <a:cs typeface="JetBrains Mono" panose="02000009000000000000" pitchFamily="49" charset="0"/>
+                </a:rPr>
+                <a:t>" "</a:t>
+              </a:r>
+              <a:r>
+                <a:rPr kumimoji="0" lang="zh-TW" altLang="zh-TW" sz="1400" b="0" i="0" u="none" strike="noStrike" cap="none" normalizeH="0" baseline="0">
+                  <a:ln>
+                    <a:noFill/>
+                  </a:ln>
+                  <a:solidFill>
+                    <a:srgbClr val="BCBEC4"/>
+                  </a:solidFill>
+                  <a:effectLst/>
+                  <a:latin typeface="+mj-lt"/>
+                  <a:cs typeface="JetBrains Mono" panose="02000009000000000000" pitchFamily="49" charset="0"/>
+                </a:rPr>
+                <a:t>);</a:t>
+              </a:r>
+              <a:br>
+                <a:rPr kumimoji="0" lang="zh-TW" altLang="zh-TW" sz="1400" b="0" i="0" u="none" strike="noStrike" cap="none" normalizeH="0" baseline="0">
+                  <a:ln>
+                    <a:noFill/>
+                  </a:ln>
+                  <a:solidFill>
+                    <a:srgbClr val="BCBEC4"/>
+                  </a:solidFill>
+                  <a:effectLst/>
+                  <a:latin typeface="+mj-lt"/>
+                  <a:cs typeface="JetBrains Mono" panose="02000009000000000000" pitchFamily="49" charset="0"/>
+                </a:rPr>
+              </a:br>
+              <a:r>
+                <a:rPr kumimoji="0" lang="zh-TW" altLang="zh-TW" sz="1400" b="0" i="0" u="none" strike="noStrike" cap="none" normalizeH="0" baseline="0">
+                  <a:ln>
+                    <a:noFill/>
+                  </a:ln>
+                  <a:solidFill>
+                    <a:srgbClr val="BCBEC4"/>
+                  </a:solidFill>
+                  <a:effectLst/>
+                  <a:latin typeface="+mj-lt"/>
+                  <a:cs typeface="JetBrains Mono" panose="02000009000000000000" pitchFamily="49" charset="0"/>
+                </a:rPr>
+                <a:t>            }</a:t>
+              </a:r>
+              <a:br>
+                <a:rPr kumimoji="0" lang="zh-TW" altLang="zh-TW" sz="1400" b="0" i="0" u="none" strike="noStrike" cap="none" normalizeH="0" baseline="0">
+                  <a:ln>
+                    <a:noFill/>
+                  </a:ln>
+                  <a:solidFill>
+                    <a:srgbClr val="BCBEC4"/>
+                  </a:solidFill>
+                  <a:effectLst/>
+                  <a:latin typeface="+mj-lt"/>
+                  <a:cs typeface="JetBrains Mono" panose="02000009000000000000" pitchFamily="49" charset="0"/>
+                </a:rPr>
+              </a:br>
+              <a:r>
+                <a:rPr kumimoji="0" lang="zh-TW" altLang="zh-TW" sz="1400" b="0" i="0" u="none" strike="noStrike" cap="none" normalizeH="0" baseline="0">
+                  <a:ln>
+                    <a:noFill/>
+                  </a:ln>
+                  <a:solidFill>
+                    <a:srgbClr val="BCBEC4"/>
+                  </a:solidFill>
+                  <a:effectLst/>
+                  <a:latin typeface="+mj-lt"/>
+                  <a:cs typeface="JetBrains Mono" panose="02000009000000000000" pitchFamily="49" charset="0"/>
+                </a:rPr>
+                <a:t>            System.</a:t>
+              </a:r>
+              <a:r>
+                <a:rPr kumimoji="0" lang="zh-TW" altLang="zh-TW" sz="1400" b="0" i="1" u="none" strike="noStrike" cap="none" normalizeH="0" baseline="0">
+                  <a:ln>
+                    <a:noFill/>
+                  </a:ln>
+                  <a:solidFill>
+                    <a:srgbClr val="C77DBB"/>
+                  </a:solidFill>
+                  <a:effectLst/>
+                  <a:latin typeface="+mj-lt"/>
+                  <a:cs typeface="JetBrains Mono" panose="02000009000000000000" pitchFamily="49" charset="0"/>
+                </a:rPr>
+                <a:t>out</a:t>
+              </a:r>
+              <a:r>
+                <a:rPr kumimoji="0" lang="zh-TW" altLang="zh-TW" sz="1400" b="0" i="0" u="none" strike="noStrike" cap="none" normalizeH="0" baseline="0">
+                  <a:ln>
+                    <a:noFill/>
+                  </a:ln>
+                  <a:solidFill>
+                    <a:srgbClr val="BCBEC4"/>
+                  </a:solidFill>
+                  <a:effectLst/>
+                  <a:latin typeface="+mj-lt"/>
+                  <a:cs typeface="JetBrains Mono" panose="02000009000000000000" pitchFamily="49" charset="0"/>
+                </a:rPr>
+                <a:t>.println();</a:t>
+              </a:r>
+              <a:br>
+                <a:rPr kumimoji="0" lang="zh-TW" altLang="zh-TW" sz="1400" b="0" i="0" u="none" strike="noStrike" cap="none" normalizeH="0" baseline="0">
+                  <a:ln>
+                    <a:noFill/>
+                  </a:ln>
+                  <a:solidFill>
+                    <a:srgbClr val="BCBEC4"/>
+                  </a:solidFill>
+                  <a:effectLst/>
+                  <a:latin typeface="+mj-lt"/>
+                  <a:cs typeface="JetBrains Mono" panose="02000009000000000000" pitchFamily="49" charset="0"/>
+                </a:rPr>
+              </a:br>
+              <a:r>
+                <a:rPr kumimoji="0" lang="zh-TW" altLang="zh-TW" sz="1400" b="0" i="0" u="none" strike="noStrike" cap="none" normalizeH="0" baseline="0">
+                  <a:ln>
+                    <a:noFill/>
+                  </a:ln>
+                  <a:solidFill>
+                    <a:srgbClr val="BCBEC4"/>
+                  </a:solidFill>
+                  <a:effectLst/>
+                  <a:latin typeface="+mj-lt"/>
+                  <a:cs typeface="JetBrains Mono" panose="02000009000000000000" pitchFamily="49" charset="0"/>
+                </a:rPr>
+                <a:t>        }</a:t>
+              </a:r>
+              <a:br>
+                <a:rPr kumimoji="0" lang="zh-TW" altLang="zh-TW" sz="1400" b="0" i="0" u="none" strike="noStrike" cap="none" normalizeH="0" baseline="0">
+                  <a:ln>
+                    <a:noFill/>
+                  </a:ln>
+                  <a:solidFill>
+                    <a:srgbClr val="BCBEC4"/>
+                  </a:solidFill>
+                  <a:effectLst/>
+                  <a:latin typeface="+mj-lt"/>
+                  <a:cs typeface="JetBrains Mono" panose="02000009000000000000" pitchFamily="49" charset="0"/>
+                </a:rPr>
+              </a:br>
+              <a:r>
+                <a:rPr kumimoji="0" lang="zh-TW" altLang="zh-TW" sz="1400" b="0" i="0" u="none" strike="noStrike" cap="none" normalizeH="0" baseline="0">
+                  <a:ln>
+                    <a:noFill/>
+                  </a:ln>
+                  <a:solidFill>
+                    <a:srgbClr val="BCBEC4"/>
+                  </a:solidFill>
+                  <a:effectLst/>
+                  <a:latin typeface="+mj-lt"/>
+                  <a:cs typeface="JetBrains Mono" panose="02000009000000000000" pitchFamily="49" charset="0"/>
+                </a:rPr>
+                <a:t>    }</a:t>
+              </a:r>
+              <a:br>
+                <a:rPr kumimoji="0" lang="zh-TW" altLang="zh-TW" sz="1400" b="0" i="0" u="none" strike="noStrike" cap="none" normalizeH="0" baseline="0">
+                  <a:ln>
+                    <a:noFill/>
+                  </a:ln>
+                  <a:solidFill>
+                    <a:srgbClr val="BCBEC4"/>
+                  </a:solidFill>
+                  <a:effectLst/>
+                  <a:latin typeface="+mj-lt"/>
+                  <a:cs typeface="JetBrains Mono" panose="02000009000000000000" pitchFamily="49" charset="0"/>
+                </a:rPr>
+              </a:br>
+              <a:r>
+                <a:rPr kumimoji="0" lang="zh-TW" altLang="zh-TW" sz="1400" b="0" i="0" u="none" strike="noStrike" cap="none" normalizeH="0" baseline="0">
+                  <a:ln>
+                    <a:noFill/>
+                  </a:ln>
+                  <a:solidFill>
+                    <a:srgbClr val="BCBEC4"/>
+                  </a:solidFill>
+                  <a:effectLst/>
+                  <a:latin typeface="+mj-lt"/>
+                  <a:cs typeface="JetBrains Mono" panose="02000009000000000000" pitchFamily="49" charset="0"/>
+                </a:rPr>
+                <a:t>}</a:t>
+              </a:r>
+              <a:endParaRPr kumimoji="0" lang="zh-TW" altLang="zh-TW" sz="2400" b="0" i="0" u="none" strike="noStrike" cap="none" normalizeH="0" baseline="0">
+                <a:ln>
+                  <a:noFill/>
+                </a:ln>
+                <a:solidFill>
+                  <a:schemeClr val="tx1"/>
+                </a:solidFill>
+                <a:effectLst/>
+                <a:latin typeface="+mj-lt"/>
+              </a:endParaRPr>
+            </a:p>
+          </p:txBody>
+        </p:sp>
+        <p:sp>
+          <p:nvSpPr>
+            <p:cNvPr id="5" name="文字方塊 4">
+              <a:extLst>
+                <a:ext uri="{FF2B5EF4-FFF2-40B4-BE49-F238E27FC236}">
+                  <a16:creationId xmlns:a16="http://schemas.microsoft.com/office/drawing/2014/main" id="{7A5534B7-F200-4ED6-B021-8B3C333F1E2B}"/>
+                </a:ext>
+              </a:extLst>
+            </p:cNvPr>
+            <p:cNvSpPr txBox="1"/>
+            <p:nvPr/>
+          </p:nvSpPr>
+          <p:spPr>
+            <a:xfrm>
+              <a:off x="6924301" y="6094175"/>
+              <a:ext cx="691215" cy="369332"/>
+            </a:xfrm>
+            <a:prstGeom prst="rect">
+              <a:avLst/>
+            </a:prstGeom>
+            <a:noFill/>
+          </p:spPr>
+          <p:txBody>
+            <a:bodyPr wrap="none" rtlCol="0">
+              <a:spAutoFit/>
+            </a:bodyPr>
+            <a:lstStyle/>
+            <a:p>
+              <a:r>
+                <a:rPr lang="en-US" altLang="zh-TW">
+                  <a:solidFill>
+                    <a:schemeClr val="accent3"/>
+                  </a:solidFill>
+                </a:rPr>
+                <a:t>java</a:t>
+              </a:r>
+              <a:endParaRPr lang="zh-TW" altLang="en-US">
+                <a:solidFill>
+                  <a:schemeClr val="accent3"/>
+                </a:solidFill>
+              </a:endParaRPr>
+            </a:p>
+          </p:txBody>
+        </p:sp>
+        <p:pic>
+          <p:nvPicPr>
+            <p:cNvPr id="6" name="圖片 5">
+              <a:hlinkClick r:id="rId2"/>
+              <a:extLst>
+                <a:ext uri="{FF2B5EF4-FFF2-40B4-BE49-F238E27FC236}">
+                  <a16:creationId xmlns:a16="http://schemas.microsoft.com/office/drawing/2014/main" id="{7B1A3259-2095-4B72-923F-F86532B9D8C5}"/>
+                </a:ext>
+              </a:extLst>
+            </p:cNvPr>
+            <p:cNvPicPr>
+              <a:picLocks noChangeAspect="1"/>
+            </p:cNvPicPr>
+            <p:nvPr/>
+          </p:nvPicPr>
+          <p:blipFill>
+            <a:blip r:embed="rId3">
+              <a:extLst>
+                <a:ext uri="{28A0092B-C50C-407E-A947-70E740481C1C}">
+                  <a14:useLocalDpi xmlns:a14="http://schemas.microsoft.com/office/drawing/2010/main" val="0"/>
+                </a:ext>
+              </a:extLst>
+            </a:blip>
+            <a:stretch>
+              <a:fillRect/>
+            </a:stretch>
+          </p:blipFill>
+          <p:spPr>
+            <a:xfrm>
+              <a:off x="7076616" y="4001294"/>
+              <a:ext cx="538900" cy="527184"/>
+            </a:xfrm>
+            <a:prstGeom prst="rect">
+              <a:avLst/>
+            </a:prstGeom>
+          </p:spPr>
+        </p:pic>
+      </p:grpSp>
+      <p:grpSp>
+        <p:nvGrpSpPr>
+          <p:cNvPr id="11" name="群組 10">
+            <a:extLst>
+              <a:ext uri="{FF2B5EF4-FFF2-40B4-BE49-F238E27FC236}">
+                <a16:creationId xmlns:a16="http://schemas.microsoft.com/office/drawing/2014/main" id="{1CEB58FB-B2E4-4586-9AED-0BCA07894AFE}"/>
+              </a:ext>
+            </a:extLst>
+          </p:cNvPr>
+          <p:cNvGrpSpPr/>
+          <p:nvPr/>
+        </p:nvGrpSpPr>
+        <p:grpSpPr>
+          <a:xfrm>
+            <a:off x="8669059" y="4701623"/>
+            <a:ext cx="2684741" cy="1323439"/>
+            <a:chOff x="8669058" y="4701623"/>
+            <a:chExt cx="2684741" cy="1323439"/>
+          </a:xfrm>
+        </p:grpSpPr>
+        <p:sp>
+          <p:nvSpPr>
+            <p:cNvPr id="9" name="Rectangle 1">
+              <a:extLst>
+                <a:ext uri="{FF2B5EF4-FFF2-40B4-BE49-F238E27FC236}">
+                  <a16:creationId xmlns:a16="http://schemas.microsoft.com/office/drawing/2014/main" id="{00850F7E-5D91-40F8-B3B7-D349D83CD586}"/>
+                </a:ext>
+              </a:extLst>
+            </p:cNvPr>
+            <p:cNvSpPr>
+              <a:spLocks noChangeArrowheads="1"/>
+            </p:cNvSpPr>
+            <p:nvPr/>
+          </p:nvSpPr>
+          <p:spPr bwMode="auto">
+            <a:xfrm>
+              <a:off x="8669058" y="4701623"/>
+              <a:ext cx="2684740" cy="1323439"/>
+            </a:xfrm>
+            <a:prstGeom prst="rect">
+              <a:avLst/>
+            </a:prstGeom>
+            <a:solidFill>
+              <a:srgbClr val="1E1F22"/>
+            </a:solidFill>
+            <a:ln w="9525">
+              <a:noFill/>
+              <a:miter lim="800000"/>
+              <a:headEnd/>
+              <a:tailEnd/>
+            </a:ln>
+            <a:effectLst/>
+            <a:extLst>
+              <a:ext uri="{AF507438-7753-43E0-B8FC-AC1667EBCBE1}">
+                <a14:hiddenEffects xmlns:a14="http://schemas.microsoft.com/office/drawing/2010/main">
+                  <a:effectLst>
+                    <a:outerShdw dist="35921" dir="2700000" algn="ctr" rotWithShape="0">
+                      <a:schemeClr val="bg2"/>
+                    </a:outerShdw>
+                  </a:effectLst>
+                </a14:hiddenEffects>
+              </a:ext>
+            </a:extLst>
+          </p:spPr>
+          <p:txBody>
+            <a:bodyPr vert="horz" wrap="square" lIns="91440" tIns="45720" rIns="91440" bIns="45720" numCol="1" anchor="ctr" anchorCtr="0" compatLnSpc="1">
+              <a:prstTxWarp prst="textNoShape">
+                <a:avLst/>
+              </a:prstTxWarp>
+              <a:spAutoFit/>
+            </a:bodyPr>
+            <a:lstStyle/>
+            <a:p>
+              <a:pPr marL="0" marR="0" lvl="0" indent="0" algn="l" defTabSz="914400" rtl="0" eaLnBrk="0" fontAlgn="base" latinLnBrk="0" hangingPunct="0">
+                <a:lnSpc>
+                  <a:spcPct val="100000"/>
+                </a:lnSpc>
+                <a:spcBef>
+                  <a:spcPct val="0"/>
+                </a:spcBef>
+                <a:spcAft>
+                  <a:spcPct val="0"/>
+                </a:spcAft>
+                <a:buClrTx/>
+                <a:buSzTx/>
+                <a:buFontTx/>
+                <a:buNone/>
+                <a:tabLst/>
+              </a:pPr>
+              <a:r>
+                <a:rPr kumimoji="0" lang="en-US" altLang="zh-TW" sz="2000" b="0" i="0" u="none" strike="noStrike" cap="none" normalizeH="0" baseline="0">
+                  <a:ln>
+                    <a:noFill/>
+                  </a:ln>
+                  <a:solidFill>
+                    <a:srgbClr val="BCBEC4"/>
+                  </a:solidFill>
+                  <a:effectLst/>
+                  <a:latin typeface="+mj-lt"/>
+                  <a:cs typeface="JetBrains Mono" panose="02000009000000000000" pitchFamily="49" charset="0"/>
+                </a:rPr>
+                <a:t>2 1 4 </a:t>
+              </a:r>
+            </a:p>
+            <a:p>
+              <a:pPr marL="0" marR="0" lvl="0" indent="0" algn="l" defTabSz="914400" rtl="0" eaLnBrk="0" fontAlgn="base" latinLnBrk="0" hangingPunct="0">
+                <a:lnSpc>
+                  <a:spcPct val="100000"/>
+                </a:lnSpc>
+                <a:spcBef>
+                  <a:spcPct val="0"/>
+                </a:spcBef>
+                <a:spcAft>
+                  <a:spcPct val="0"/>
+                </a:spcAft>
+                <a:buClrTx/>
+                <a:buSzTx/>
+                <a:buFontTx/>
+                <a:buNone/>
+                <a:tabLst/>
+              </a:pPr>
+              <a:r>
+                <a:rPr kumimoji="0" lang="en-US" altLang="zh-TW" sz="2000" b="0" i="0" u="none" strike="noStrike" cap="none" normalizeH="0" baseline="0">
+                  <a:ln>
+                    <a:noFill/>
+                  </a:ln>
+                  <a:solidFill>
+                    <a:srgbClr val="BCBEC4"/>
+                  </a:solidFill>
+                  <a:effectLst/>
+                  <a:latin typeface="+mj-lt"/>
+                  <a:cs typeface="JetBrains Mono" panose="02000009000000000000" pitchFamily="49" charset="0"/>
+                </a:rPr>
+                <a:t>7 4 </a:t>
+              </a:r>
+            </a:p>
+            <a:p>
+              <a:pPr marL="0" marR="0" lvl="0" indent="0" algn="l" defTabSz="914400" rtl="0" eaLnBrk="0" fontAlgn="base" latinLnBrk="0" hangingPunct="0">
+                <a:lnSpc>
+                  <a:spcPct val="100000"/>
+                </a:lnSpc>
+                <a:spcBef>
+                  <a:spcPct val="0"/>
+                </a:spcBef>
+                <a:spcAft>
+                  <a:spcPct val="0"/>
+                </a:spcAft>
+                <a:buClrTx/>
+                <a:buSzTx/>
+                <a:buFontTx/>
+                <a:buNone/>
+                <a:tabLst/>
+              </a:pPr>
+              <a:r>
+                <a:rPr kumimoji="0" lang="en-US" altLang="zh-TW" sz="2000" b="0" i="0" u="none" strike="noStrike" cap="none" normalizeH="0" baseline="0">
+                  <a:ln>
+                    <a:noFill/>
+                  </a:ln>
+                  <a:solidFill>
+                    <a:srgbClr val="BCBEC4"/>
+                  </a:solidFill>
+                  <a:effectLst/>
+                  <a:latin typeface="+mj-lt"/>
+                  <a:cs typeface="JetBrains Mono" panose="02000009000000000000" pitchFamily="49" charset="0"/>
+                </a:rPr>
+                <a:t>8 3 6 4 </a:t>
+              </a:r>
+            </a:p>
+            <a:p>
+              <a:pPr marL="0" marR="0" lvl="0" indent="0" algn="l" defTabSz="914400" rtl="0" eaLnBrk="0" fontAlgn="base" latinLnBrk="0" hangingPunct="0">
+                <a:lnSpc>
+                  <a:spcPct val="100000"/>
+                </a:lnSpc>
+                <a:spcBef>
+                  <a:spcPct val="0"/>
+                </a:spcBef>
+                <a:spcAft>
+                  <a:spcPct val="0"/>
+                </a:spcAft>
+                <a:buClrTx/>
+                <a:buSzTx/>
+                <a:buFontTx/>
+                <a:buNone/>
+                <a:tabLst/>
+              </a:pPr>
+              <a:r>
+                <a:rPr kumimoji="0" lang="en-US" altLang="zh-TW" sz="2000" b="0" i="0" u="none" strike="noStrike" cap="none" normalizeH="0" baseline="0">
+                  <a:ln>
+                    <a:noFill/>
+                  </a:ln>
+                  <a:solidFill>
+                    <a:srgbClr val="BCBEC4"/>
+                  </a:solidFill>
+                  <a:effectLst/>
+                  <a:latin typeface="+mj-lt"/>
+                  <a:cs typeface="JetBrains Mono" panose="02000009000000000000" pitchFamily="49" charset="0"/>
+                </a:rPr>
+                <a:t>7 </a:t>
+              </a:r>
+              <a:endParaRPr kumimoji="0" lang="zh-TW" altLang="zh-TW" sz="3600" b="0" i="0" u="none" strike="noStrike" cap="none" normalizeH="0" baseline="0">
+                <a:ln>
+                  <a:noFill/>
+                </a:ln>
+                <a:solidFill>
+                  <a:schemeClr val="tx1"/>
+                </a:solidFill>
+                <a:effectLst/>
+                <a:latin typeface="+mj-lt"/>
+              </a:endParaRPr>
+            </a:p>
+          </p:txBody>
+        </p:sp>
+        <p:sp>
+          <p:nvSpPr>
+            <p:cNvPr id="10" name="文字方塊 9">
+              <a:extLst>
+                <a:ext uri="{FF2B5EF4-FFF2-40B4-BE49-F238E27FC236}">
+                  <a16:creationId xmlns:a16="http://schemas.microsoft.com/office/drawing/2014/main" id="{06EFFC38-ACDF-43F1-A698-1C30A6EAE905}"/>
+                </a:ext>
+              </a:extLst>
+            </p:cNvPr>
+            <p:cNvSpPr txBox="1"/>
+            <p:nvPr/>
+          </p:nvSpPr>
+          <p:spPr>
+            <a:xfrm>
+              <a:off x="10572816" y="5717285"/>
+              <a:ext cx="780983" cy="307777"/>
+            </a:xfrm>
+            <a:prstGeom prst="rect">
+              <a:avLst/>
+            </a:prstGeom>
+            <a:noFill/>
+            <a:ln>
+              <a:noFill/>
+            </a:ln>
+          </p:spPr>
+          <p:txBody>
+            <a:bodyPr wrap="none" rtlCol="0">
+              <a:spAutoFit/>
+            </a:bodyPr>
+            <a:lstStyle/>
+            <a:p>
+              <a:r>
+                <a:rPr lang="en-US" altLang="zh-TW" sz="1400">
+                  <a:solidFill>
+                    <a:schemeClr val="accent3"/>
+                  </a:solidFill>
+                </a:rPr>
+                <a:t>output</a:t>
+              </a:r>
+              <a:endParaRPr lang="zh-TW" altLang="en-US" sz="1400">
+                <a:solidFill>
+                  <a:schemeClr val="accent3"/>
+                </a:solidFill>
+              </a:endParaRPr>
+            </a:p>
+          </p:txBody>
+        </p:sp>
+      </p:grpSp>
+    </p:spTree>
+    <p:extLst>
+      <p:ext uri="{BB962C8B-B14F-4D97-AF65-F5344CB8AC3E}">
+        <p14:creationId xmlns:p14="http://schemas.microsoft.com/office/powerpoint/2010/main" val="2328767400"/>
+      </p:ext>
+    </p:extLst>
+  </p:cSld>
+  <p:clrMapOvr>
+    <a:masterClrMapping/>
+  </p:clrMapOvr>
+  <p:transition spd="slow">
+    <p:push dir="u"/>
+  </p:transition>
+</p:sld>
+</file>
+
+<file path=ppt/slides/slide11.xml><?xml version="1.0" encoding="utf-8"?>
+<p:sld xmlns:a="http://schemas.openxmlformats.org/drawingml/2006/main" xmlns:r="http://schemas.openxmlformats.org/officeDocument/2006/relationships" xmlns:p="http://schemas.openxmlformats.org/presentationml/2006/main">
+  <p:cSld>
+    <p:spTree>
+      <p:nvGrpSpPr>
+        <p:cNvPr id="1" name=""/>
+        <p:cNvGrpSpPr/>
+        <p:nvPr/>
+      </p:nvGrpSpPr>
+      <p:grpSpPr>
+        <a:xfrm>
+          <a:off x="0" y="0"/>
+          <a:ext cx="0" cy="0"/>
+          <a:chOff x="0" y="0"/>
+          <a:chExt cx="0" cy="0"/>
+        </a:xfrm>
+      </p:grpSpPr>
+      <p:sp>
+        <p:nvSpPr>
+          <p:cNvPr id="2" name="標題 1">
+            <a:extLst>
+              <a:ext uri="{FF2B5EF4-FFF2-40B4-BE49-F238E27FC236}">
+                <a16:creationId xmlns:a16="http://schemas.microsoft.com/office/drawing/2014/main" id="{D488328E-5CCE-47E4-82B4-6C988EA0044A}"/>
+              </a:ext>
+            </a:extLst>
+          </p:cNvPr>
+          <p:cNvSpPr>
+            <a:spLocks noGrp="1"/>
+          </p:cNvSpPr>
+          <p:nvPr>
+            <p:ph type="title"/>
+          </p:nvPr>
+        </p:nvSpPr>
+        <p:spPr>
+          <a:xfrm>
+            <a:off x="838200" y="0"/>
+            <a:ext cx="10515600" cy="1325563"/>
+          </a:xfrm>
+        </p:spPr>
+        <p:txBody>
+          <a:bodyPr/>
+          <a:lstStyle/>
+          <a:p>
+            <a:r>
+              <a:rPr lang="zh-TW" altLang="en-US"/>
+              <a:t>陣列工具類別</a:t>
+            </a:r>
+          </a:p>
+        </p:txBody>
+      </p:sp>
+      <p:sp>
+        <p:nvSpPr>
+          <p:cNvPr id="3" name="內容版面配置區 2">
+            <a:extLst>
+              <a:ext uri="{FF2B5EF4-FFF2-40B4-BE49-F238E27FC236}">
+                <a16:creationId xmlns:a16="http://schemas.microsoft.com/office/drawing/2014/main" id="{5F6E6AE5-4660-4582-A794-2A2ACA1B6976}"/>
+              </a:ext>
+            </a:extLst>
+          </p:cNvPr>
+          <p:cNvSpPr>
+            <a:spLocks noGrp="1"/>
+          </p:cNvSpPr>
+          <p:nvPr>
+            <p:ph idx="1"/>
+          </p:nvPr>
+        </p:nvSpPr>
+        <p:spPr>
+          <a:xfrm>
+            <a:off x="838200" y="920565"/>
+            <a:ext cx="10515600" cy="2784690"/>
+          </a:xfrm>
+        </p:spPr>
+        <p:txBody>
+          <a:bodyPr>
+            <a:normAutofit/>
+          </a:bodyPr>
+          <a:lstStyle/>
+          <a:p>
+            <a:r>
+              <a:rPr lang="zh-TW" altLang="en-US" sz="2400">
+                <a:solidFill>
+                  <a:srgbClr val="00B0F0"/>
+                </a:solidFill>
+              </a:rPr>
+              <a:t>陣列</a:t>
+            </a:r>
+            <a:r>
+              <a:rPr lang="zh-TW" altLang="en-US" sz="2400"/>
+              <a:t>的</a:t>
+            </a:r>
+            <a:r>
+              <a:rPr lang="zh-TW" altLang="en-US" sz="2400">
+                <a:solidFill>
+                  <a:srgbClr val="00B0F0"/>
+                </a:solidFill>
+              </a:rPr>
+              <a:t>工具類別</a:t>
+            </a:r>
+            <a:r>
+              <a:rPr lang="zh-TW" altLang="en-US" sz="2400"/>
+              <a:t>是 </a:t>
+            </a:r>
+            <a:r>
+              <a:rPr lang="en-US" altLang="zh-TW" sz="2400">
+                <a:solidFill>
+                  <a:srgbClr val="00B050"/>
+                </a:solidFill>
+              </a:rPr>
+              <a:t>java</a:t>
+            </a:r>
+            <a:r>
+              <a:rPr lang="en-US" altLang="zh-TW" sz="2400">
+                <a:solidFill>
+                  <a:srgbClr val="00B0F0"/>
+                </a:solidFill>
+              </a:rPr>
+              <a:t>.</a:t>
+            </a:r>
+            <a:r>
+              <a:rPr lang="en-US" altLang="zh-TW" sz="2400">
+                <a:solidFill>
+                  <a:srgbClr val="FFFF00"/>
+                </a:solidFill>
+              </a:rPr>
+              <a:t>util</a:t>
+            </a:r>
+            <a:r>
+              <a:rPr lang="en-US" altLang="zh-TW" sz="2400">
+                <a:solidFill>
+                  <a:srgbClr val="00B0F0"/>
+                </a:solidFill>
+              </a:rPr>
+              <a:t>.</a:t>
+            </a:r>
+            <a:r>
+              <a:rPr lang="en-US" altLang="zh-TW" sz="2400">
+                <a:solidFill>
+                  <a:srgbClr val="FFC000"/>
+                </a:solidFill>
+              </a:rPr>
+              <a:t>Arrays</a:t>
+            </a:r>
+          </a:p>
+          <a:p>
+            <a:r>
+              <a:rPr lang="zh-TW" altLang="en-US" sz="2400"/>
+              <a:t>當中定義了許多關於</a:t>
+            </a:r>
+            <a:r>
+              <a:rPr lang="zh-TW" altLang="en-US" sz="2400">
+                <a:solidFill>
+                  <a:srgbClr val="00B0F0"/>
+                </a:solidFill>
+              </a:rPr>
+              <a:t>陣列</a:t>
+            </a:r>
+            <a:r>
+              <a:rPr lang="zh-TW" altLang="en-US" sz="2400"/>
+              <a:t>的</a:t>
+            </a:r>
+            <a:r>
+              <a:rPr lang="zh-TW" altLang="en-US" sz="2400">
+                <a:solidFill>
+                  <a:srgbClr val="00B0F0"/>
+                </a:solidFill>
+              </a:rPr>
+              <a:t>公開靜態方法</a:t>
+            </a:r>
+            <a:r>
+              <a:rPr lang="zh-TW" altLang="en-US" sz="2400"/>
+              <a:t>，如：</a:t>
+            </a:r>
+            <a:endParaRPr lang="en-US" altLang="zh-TW" sz="2400"/>
+          </a:p>
+          <a:p>
+            <a:r>
+              <a:rPr lang="en-US" altLang="zh-TW" sz="2400">
+                <a:solidFill>
+                  <a:srgbClr val="00B0F0"/>
+                </a:solidFill>
+              </a:rPr>
+              <a:t>arrType</a:t>
+            </a:r>
+            <a:r>
+              <a:rPr lang="en-US" altLang="zh-TW" sz="2400">
+                <a:solidFill>
+                  <a:srgbClr val="92D050"/>
+                </a:solidFill>
+              </a:rPr>
+              <a:t> copyOf(</a:t>
+            </a:r>
+            <a:r>
+              <a:rPr lang="en-US" altLang="zh-TW" sz="2400">
+                <a:solidFill>
+                  <a:srgbClr val="00B0F0"/>
+                </a:solidFill>
+              </a:rPr>
+              <a:t>srcArray, newArrLength</a:t>
+            </a:r>
+            <a:r>
+              <a:rPr lang="en-US" altLang="zh-TW" sz="2400">
+                <a:solidFill>
+                  <a:srgbClr val="92D050"/>
+                </a:solidFill>
+              </a:rPr>
+              <a:t>)</a:t>
+            </a:r>
+            <a:r>
+              <a:rPr lang="zh-TW" altLang="en-US" sz="2400"/>
+              <a:t>、</a:t>
+            </a:r>
+            <a:r>
+              <a:rPr lang="en-US" altLang="zh-TW" sz="2400">
+                <a:solidFill>
+                  <a:srgbClr val="CF8E6D"/>
+                </a:solidFill>
+              </a:rPr>
+              <a:t>void</a:t>
+            </a:r>
+            <a:r>
+              <a:rPr lang="en-US" altLang="zh-TW" sz="2400"/>
+              <a:t> </a:t>
+            </a:r>
+            <a:r>
+              <a:rPr lang="en-US" altLang="zh-TW" sz="2400">
+                <a:solidFill>
+                  <a:srgbClr val="92D050"/>
+                </a:solidFill>
+              </a:rPr>
+              <a:t>sort(</a:t>
+            </a:r>
+            <a:r>
+              <a:rPr lang="en-US" altLang="zh-TW" sz="2400">
+                <a:solidFill>
+                  <a:srgbClr val="00B0F0"/>
+                </a:solidFill>
+              </a:rPr>
+              <a:t>array</a:t>
+            </a:r>
+            <a:r>
+              <a:rPr lang="en-US" altLang="zh-TW" sz="2400">
+                <a:solidFill>
+                  <a:srgbClr val="92D050"/>
+                </a:solidFill>
+              </a:rPr>
+              <a:t>)</a:t>
+            </a:r>
+            <a:endParaRPr lang="en-US" altLang="zh-TW" sz="2400"/>
+          </a:p>
+          <a:p>
+            <a:r>
+              <a:rPr lang="en-US" altLang="zh-TW" sz="2400">
+                <a:solidFill>
+                  <a:srgbClr val="CF8E6D"/>
+                </a:solidFill>
+              </a:rPr>
+              <a:t>void</a:t>
+            </a:r>
+            <a:r>
+              <a:rPr lang="en-US" altLang="zh-TW" sz="2400"/>
+              <a:t> </a:t>
+            </a:r>
+            <a:r>
+              <a:rPr lang="en-US" altLang="zh-TW" sz="2400">
+                <a:solidFill>
+                  <a:srgbClr val="92D050"/>
+                </a:solidFill>
+              </a:rPr>
+              <a:t>equals(</a:t>
+            </a:r>
+            <a:r>
+              <a:rPr lang="en-US" altLang="zh-TW" sz="2400">
+                <a:solidFill>
+                  <a:srgbClr val="00B0F0"/>
+                </a:solidFill>
+              </a:rPr>
+              <a:t>arr1, arr2</a:t>
+            </a:r>
+            <a:r>
+              <a:rPr lang="en-US" altLang="zh-TW" sz="2400">
+                <a:solidFill>
+                  <a:srgbClr val="92D050"/>
+                </a:solidFill>
+              </a:rPr>
+              <a:t>)</a:t>
+            </a:r>
+            <a:r>
+              <a:rPr lang="zh-TW" altLang="en-US" sz="2400"/>
+              <a:t>、</a:t>
+            </a:r>
+            <a:r>
+              <a:rPr lang="en-US" altLang="zh-TW" sz="2400">
+                <a:solidFill>
+                  <a:srgbClr val="FFC000"/>
+                </a:solidFill>
+              </a:rPr>
+              <a:t>String</a:t>
+            </a:r>
+            <a:r>
+              <a:rPr lang="en-US" altLang="zh-TW" sz="2400"/>
+              <a:t> </a:t>
+            </a:r>
+            <a:r>
+              <a:rPr lang="en-US" altLang="zh-TW" sz="2400">
+                <a:solidFill>
+                  <a:srgbClr val="92D050"/>
+                </a:solidFill>
+              </a:rPr>
+              <a:t>toString(</a:t>
+            </a:r>
+            <a:r>
+              <a:rPr lang="en-US" altLang="zh-TW" sz="2400">
+                <a:solidFill>
+                  <a:srgbClr val="00B0F0"/>
+                </a:solidFill>
+              </a:rPr>
+              <a:t>array</a:t>
+            </a:r>
+            <a:r>
+              <a:rPr lang="en-US" altLang="zh-TW" sz="2400">
+                <a:solidFill>
+                  <a:srgbClr val="92D050"/>
+                </a:solidFill>
+              </a:rPr>
+              <a:t>)</a:t>
+            </a:r>
+            <a:endParaRPr lang="en-US" altLang="zh-TW" sz="2400"/>
+          </a:p>
+          <a:p>
+            <a:r>
+              <a:rPr lang="en-US" altLang="zh-TW" sz="2400">
+                <a:solidFill>
+                  <a:srgbClr val="CF8E6D"/>
+                </a:solidFill>
+              </a:rPr>
+              <a:t>void</a:t>
+            </a:r>
+            <a:r>
+              <a:rPr lang="en-US" altLang="zh-TW" sz="2400"/>
+              <a:t> </a:t>
+            </a:r>
+            <a:r>
+              <a:rPr lang="en-US" altLang="zh-TW" sz="2400">
+                <a:solidFill>
+                  <a:srgbClr val="92D050"/>
+                </a:solidFill>
+              </a:rPr>
+              <a:t>fill(</a:t>
+            </a:r>
+            <a:r>
+              <a:rPr lang="en-US" altLang="zh-TW" sz="2400">
+                <a:solidFill>
+                  <a:srgbClr val="00B0F0"/>
+                </a:solidFill>
+              </a:rPr>
+              <a:t>array, value</a:t>
+            </a:r>
+            <a:r>
+              <a:rPr lang="en-US" altLang="zh-TW" sz="2400">
+                <a:solidFill>
+                  <a:srgbClr val="92D050"/>
+                </a:solidFill>
+              </a:rPr>
+              <a:t>)</a:t>
+            </a:r>
+            <a:r>
+              <a:rPr lang="zh-TW" altLang="en-US" sz="2400"/>
+              <a:t>、</a:t>
+            </a:r>
+            <a:r>
+              <a:rPr lang="en-US" altLang="zh-TW" sz="2400">
+                <a:solidFill>
+                  <a:srgbClr val="CF8E6D"/>
+                </a:solidFill>
+              </a:rPr>
+              <a:t>int</a:t>
+            </a:r>
+            <a:r>
+              <a:rPr lang="en-US" altLang="zh-TW" sz="2400"/>
+              <a:t> </a:t>
+            </a:r>
+            <a:r>
+              <a:rPr lang="en-US" altLang="zh-TW" sz="2400">
+                <a:solidFill>
+                  <a:srgbClr val="92D050"/>
+                </a:solidFill>
+              </a:rPr>
+              <a:t>binarySearch(</a:t>
+            </a:r>
+            <a:r>
+              <a:rPr lang="en-US" altLang="zh-TW" sz="2400">
+                <a:solidFill>
+                  <a:srgbClr val="00B0F0"/>
+                </a:solidFill>
+              </a:rPr>
+              <a:t>array, value</a:t>
+            </a:r>
+            <a:r>
+              <a:rPr lang="en-US" altLang="zh-TW" sz="2400">
+                <a:solidFill>
+                  <a:srgbClr val="92D050"/>
+                </a:solidFill>
+              </a:rPr>
+              <a:t>)</a:t>
+            </a:r>
+          </a:p>
+          <a:p>
+            <a:r>
+              <a:rPr lang="zh-TW" altLang="en-US" sz="2400"/>
+              <a:t>更多方法可以在 </a:t>
+            </a:r>
+            <a:r>
+              <a:rPr lang="en-US" altLang="zh-TW" sz="2400">
+                <a:solidFill>
+                  <a:srgbClr val="FFFF00"/>
+                </a:solidFill>
+              </a:rPr>
+              <a:t>Java API</a:t>
+            </a:r>
+            <a:r>
+              <a:rPr lang="en-US" altLang="zh-TW" sz="2400">
+                <a:solidFill>
+                  <a:srgbClr val="00B0F0"/>
+                </a:solidFill>
+              </a:rPr>
+              <a:t> </a:t>
+            </a:r>
+            <a:r>
+              <a:rPr lang="zh-TW" altLang="en-US" sz="2400"/>
+              <a:t>中查找：</a:t>
+            </a:r>
+            <a:endParaRPr lang="zh-TW" altLang="en-US" sz="2400">
+              <a:solidFill>
+                <a:srgbClr val="00B0F0"/>
+              </a:solidFill>
+            </a:endParaRPr>
+          </a:p>
+        </p:txBody>
+      </p:sp>
+      <p:grpSp>
+        <p:nvGrpSpPr>
+          <p:cNvPr id="13" name="群組 12">
+            <a:extLst>
+              <a:ext uri="{FF2B5EF4-FFF2-40B4-BE49-F238E27FC236}">
+                <a16:creationId xmlns:a16="http://schemas.microsoft.com/office/drawing/2014/main" id="{32B6FAAB-EAF4-4FE0-8148-98A008A7F0F6}"/>
+              </a:ext>
+            </a:extLst>
+          </p:cNvPr>
+          <p:cNvGrpSpPr/>
+          <p:nvPr/>
+        </p:nvGrpSpPr>
+        <p:grpSpPr>
+          <a:xfrm>
+            <a:off x="838201" y="3677547"/>
+            <a:ext cx="5176186" cy="2864003"/>
+            <a:chOff x="838201" y="3594823"/>
+            <a:chExt cx="5176186" cy="2864003"/>
+          </a:xfrm>
+        </p:grpSpPr>
+        <p:sp>
+          <p:nvSpPr>
+            <p:cNvPr id="12" name="Rectangle 2">
+              <a:extLst>
+                <a:ext uri="{FF2B5EF4-FFF2-40B4-BE49-F238E27FC236}">
+                  <a16:creationId xmlns:a16="http://schemas.microsoft.com/office/drawing/2014/main" id="{FCF54123-C4B9-429E-B8D2-11B3E77D7330}"/>
+                </a:ext>
+              </a:extLst>
+            </p:cNvPr>
+            <p:cNvSpPr>
+              <a:spLocks noChangeArrowheads="1"/>
+            </p:cNvSpPr>
+            <p:nvPr/>
+          </p:nvSpPr>
+          <p:spPr bwMode="auto">
+            <a:xfrm>
+              <a:off x="838201" y="3594823"/>
+              <a:ext cx="5176186" cy="2862322"/>
+            </a:xfrm>
+            <a:prstGeom prst="rect">
+              <a:avLst/>
+            </a:prstGeom>
+            <a:solidFill>
+              <a:srgbClr val="1E1F22"/>
+            </a:solidFill>
+            <a:ln>
+              <a:noFill/>
+            </a:ln>
+            <a:effectLst/>
+            <a:extLst>
+              <a:ext uri="{91240B29-F687-4F45-9708-019B960494DF}">
+                <a14:hiddenLine xmlns:a14="http://schemas.microsoft.com/office/drawing/2010/main" w="9525">
+                  <a:solidFill>
+                    <a:schemeClr val="tx1"/>
+                  </a:solidFill>
+                  <a:miter lim="800000"/>
+                  <a:headEnd/>
+                  <a:tailEnd/>
+                </a14:hiddenLine>
+              </a:ext>
+              <a:ext uri="{AF507438-7753-43E0-B8FC-AC1667EBCBE1}">
+                <a14:hiddenEffects xmlns:a14="http://schemas.microsoft.com/office/drawing/2010/main">
+                  <a:effectLst>
+                    <a:outerShdw dist="35921" dir="2700000" algn="ctr" rotWithShape="0">
+                      <a:schemeClr val="bg2"/>
+                    </a:outerShdw>
+                  </a:effectLst>
+                </a14:hiddenEffects>
+              </a:ext>
+            </a:extLst>
+          </p:spPr>
+          <p:txBody>
+            <a:bodyPr vert="horz" wrap="square" lIns="91440" tIns="45720" rIns="91440" bIns="45720" numCol="1" anchor="ctr" anchorCtr="0" compatLnSpc="1">
+              <a:prstTxWarp prst="textNoShape">
+                <a:avLst/>
+              </a:prstTxWarp>
+              <a:spAutoFit/>
+            </a:bodyPr>
+            <a:lstStyle/>
+            <a:p>
+              <a:pPr marL="0" marR="0" lvl="0" indent="0" algn="l" defTabSz="914400" rtl="0" eaLnBrk="0" fontAlgn="base" latinLnBrk="0" hangingPunct="0">
+                <a:lnSpc>
+                  <a:spcPct val="100000"/>
+                </a:lnSpc>
+                <a:spcBef>
+                  <a:spcPct val="0"/>
+                </a:spcBef>
+                <a:spcAft>
+                  <a:spcPct val="0"/>
+                </a:spcAft>
+                <a:buClrTx/>
+                <a:buSzTx/>
+                <a:buFontTx/>
+                <a:buNone/>
+                <a:tabLst/>
+              </a:pPr>
+              <a:r>
+                <a:rPr kumimoji="0" lang="zh-TW" altLang="zh-TW" sz="1200" b="0" i="0" u="none" strike="noStrike" cap="none" normalizeH="0" baseline="0">
+                  <a:ln>
+                    <a:noFill/>
+                  </a:ln>
+                  <a:solidFill>
+                    <a:srgbClr val="CF8E6D"/>
+                  </a:solidFill>
+                  <a:effectLst/>
+                  <a:latin typeface="+mj-lt"/>
+                  <a:cs typeface="JetBrains Mono" panose="02000009000000000000" pitchFamily="49" charset="0"/>
+                </a:rPr>
+                <a:t>import </a:t>
+              </a:r>
+              <a:r>
+                <a:rPr kumimoji="0" lang="zh-TW" altLang="zh-TW" sz="1200" b="0" i="0" u="none" strike="noStrike" cap="none" normalizeH="0" baseline="0">
+                  <a:ln>
+                    <a:noFill/>
+                  </a:ln>
+                  <a:solidFill>
+                    <a:srgbClr val="BCBEC4"/>
+                  </a:solidFill>
+                  <a:effectLst/>
+                  <a:latin typeface="+mj-lt"/>
+                  <a:cs typeface="JetBrains Mono" panose="02000009000000000000" pitchFamily="49" charset="0"/>
+                </a:rPr>
+                <a:t>java.util.Arrays;</a:t>
+              </a:r>
+              <a:br>
+                <a:rPr kumimoji="0" lang="zh-TW" altLang="zh-TW" sz="1200" b="0" i="0" u="none" strike="noStrike" cap="none" normalizeH="0" baseline="0">
+                  <a:ln>
+                    <a:noFill/>
+                  </a:ln>
+                  <a:solidFill>
+                    <a:srgbClr val="BCBEC4"/>
+                  </a:solidFill>
+                  <a:effectLst/>
+                  <a:latin typeface="+mj-lt"/>
+                  <a:cs typeface="JetBrains Mono" panose="02000009000000000000" pitchFamily="49" charset="0"/>
+                </a:rPr>
+              </a:br>
+              <a:br>
+                <a:rPr kumimoji="0" lang="zh-TW" altLang="zh-TW" sz="1200" b="0" i="0" u="none" strike="noStrike" cap="none" normalizeH="0" baseline="0">
+                  <a:ln>
+                    <a:noFill/>
+                  </a:ln>
+                  <a:solidFill>
+                    <a:srgbClr val="BCBEC4"/>
+                  </a:solidFill>
+                  <a:effectLst/>
+                  <a:latin typeface="+mj-lt"/>
+                  <a:cs typeface="JetBrains Mono" panose="02000009000000000000" pitchFamily="49" charset="0"/>
+                </a:rPr>
+              </a:br>
+              <a:r>
+                <a:rPr kumimoji="0" lang="zh-TW" altLang="zh-TW" sz="1200" b="0" i="0" u="none" strike="noStrike" cap="none" normalizeH="0" baseline="0">
+                  <a:ln>
+                    <a:noFill/>
+                  </a:ln>
+                  <a:solidFill>
+                    <a:srgbClr val="CF8E6D"/>
+                  </a:solidFill>
+                  <a:effectLst/>
+                  <a:latin typeface="+mj-lt"/>
+                  <a:cs typeface="JetBrains Mono" panose="02000009000000000000" pitchFamily="49" charset="0"/>
+                </a:rPr>
+                <a:t>public class </a:t>
+              </a:r>
+              <a:r>
+                <a:rPr kumimoji="0" lang="zh-TW" altLang="zh-TW" sz="1200" b="0" i="0" u="none" strike="noStrike" cap="none" normalizeH="0" baseline="0">
+                  <a:ln>
+                    <a:noFill/>
+                  </a:ln>
+                  <a:solidFill>
+                    <a:srgbClr val="BCBEC4"/>
+                  </a:solidFill>
+                  <a:effectLst/>
+                  <a:latin typeface="+mj-lt"/>
+                  <a:cs typeface="JetBrains Mono" panose="02000009000000000000" pitchFamily="49" charset="0"/>
+                </a:rPr>
+                <a:t>Main1 {</a:t>
+              </a:r>
+              <a:br>
+                <a:rPr kumimoji="0" lang="zh-TW" altLang="zh-TW" sz="1200" b="0" i="0" u="none" strike="noStrike" cap="none" normalizeH="0" baseline="0">
+                  <a:ln>
+                    <a:noFill/>
+                  </a:ln>
+                  <a:solidFill>
+                    <a:srgbClr val="BCBEC4"/>
+                  </a:solidFill>
+                  <a:effectLst/>
+                  <a:latin typeface="+mj-lt"/>
+                  <a:cs typeface="JetBrains Mono" panose="02000009000000000000" pitchFamily="49" charset="0"/>
+                </a:rPr>
+              </a:br>
+              <a:r>
+                <a:rPr kumimoji="0" lang="zh-TW" altLang="zh-TW" sz="1200" b="0" i="0" u="none" strike="noStrike" cap="none" normalizeH="0" baseline="0">
+                  <a:ln>
+                    <a:noFill/>
+                  </a:ln>
+                  <a:solidFill>
+                    <a:srgbClr val="BCBEC4"/>
+                  </a:solidFill>
+                  <a:effectLst/>
+                  <a:latin typeface="+mj-lt"/>
+                  <a:cs typeface="JetBrains Mono" panose="02000009000000000000" pitchFamily="49" charset="0"/>
+                </a:rPr>
+                <a:t>    </a:t>
+              </a:r>
+              <a:r>
+                <a:rPr kumimoji="0" lang="zh-TW" altLang="zh-TW" sz="1200" b="0" i="0" u="none" strike="noStrike" cap="none" normalizeH="0" baseline="0">
+                  <a:ln>
+                    <a:noFill/>
+                  </a:ln>
+                  <a:solidFill>
+                    <a:srgbClr val="CF8E6D"/>
+                  </a:solidFill>
+                  <a:effectLst/>
+                  <a:latin typeface="+mj-lt"/>
+                  <a:cs typeface="JetBrains Mono" panose="02000009000000000000" pitchFamily="49" charset="0"/>
+                </a:rPr>
+                <a:t>public static void </a:t>
+              </a:r>
+              <a:r>
+                <a:rPr kumimoji="0" lang="zh-TW" altLang="zh-TW" sz="1200" b="0" i="0" u="none" strike="noStrike" cap="none" normalizeH="0" baseline="0">
+                  <a:ln>
+                    <a:noFill/>
+                  </a:ln>
+                  <a:solidFill>
+                    <a:srgbClr val="56A8F5"/>
+                  </a:solidFill>
+                  <a:effectLst/>
+                  <a:latin typeface="+mj-lt"/>
+                  <a:cs typeface="JetBrains Mono" panose="02000009000000000000" pitchFamily="49" charset="0"/>
+                </a:rPr>
+                <a:t>main</a:t>
+              </a:r>
+              <a:r>
+                <a:rPr kumimoji="0" lang="zh-TW" altLang="zh-TW" sz="1200" b="0" i="0" u="none" strike="noStrike" cap="none" normalizeH="0" baseline="0">
+                  <a:ln>
+                    <a:noFill/>
+                  </a:ln>
+                  <a:solidFill>
+                    <a:srgbClr val="BCBEC4"/>
+                  </a:solidFill>
+                  <a:effectLst/>
+                  <a:latin typeface="+mj-lt"/>
+                  <a:cs typeface="JetBrains Mono" panose="02000009000000000000" pitchFamily="49" charset="0"/>
+                </a:rPr>
+                <a:t>(String[] args) {</a:t>
+              </a:r>
+              <a:br>
+                <a:rPr kumimoji="0" lang="zh-TW" altLang="zh-TW" sz="1200" b="0" i="0" u="none" strike="noStrike" cap="none" normalizeH="0" baseline="0">
+                  <a:ln>
+                    <a:noFill/>
+                  </a:ln>
+                  <a:solidFill>
+                    <a:srgbClr val="BCBEC4"/>
+                  </a:solidFill>
+                  <a:effectLst/>
+                  <a:latin typeface="+mj-lt"/>
+                  <a:cs typeface="JetBrains Mono" panose="02000009000000000000" pitchFamily="49" charset="0"/>
+                </a:rPr>
+              </a:br>
+              <a:r>
+                <a:rPr kumimoji="0" lang="zh-TW" altLang="zh-TW" sz="1200" b="0" i="0" u="none" strike="noStrike" cap="none" normalizeH="0" baseline="0">
+                  <a:ln>
+                    <a:noFill/>
+                  </a:ln>
+                  <a:solidFill>
+                    <a:srgbClr val="BCBEC4"/>
+                  </a:solidFill>
+                  <a:effectLst/>
+                  <a:latin typeface="+mj-lt"/>
+                  <a:cs typeface="JetBrains Mono" panose="02000009000000000000" pitchFamily="49" charset="0"/>
+                </a:rPr>
+                <a:t>        </a:t>
+              </a:r>
+              <a:r>
+                <a:rPr kumimoji="0" lang="zh-TW" altLang="zh-TW" sz="1200" b="0" i="0" u="none" strike="noStrike" cap="none" normalizeH="0" baseline="0">
+                  <a:ln>
+                    <a:noFill/>
+                  </a:ln>
+                  <a:solidFill>
+                    <a:srgbClr val="CF8E6D"/>
+                  </a:solidFill>
+                  <a:effectLst/>
+                  <a:latin typeface="+mj-lt"/>
+                  <a:cs typeface="JetBrains Mono" panose="02000009000000000000" pitchFamily="49" charset="0"/>
+                </a:rPr>
+                <a:t>int</a:t>
+              </a:r>
+              <a:r>
+                <a:rPr kumimoji="0" lang="zh-TW" altLang="zh-TW" sz="1200" b="0" i="0" u="none" strike="noStrike" cap="none" normalizeH="0" baseline="0">
+                  <a:ln>
+                    <a:noFill/>
+                  </a:ln>
+                  <a:solidFill>
+                    <a:srgbClr val="BCBEC4"/>
+                  </a:solidFill>
+                  <a:effectLst/>
+                  <a:latin typeface="+mj-lt"/>
+                  <a:cs typeface="JetBrains Mono" panose="02000009000000000000" pitchFamily="49" charset="0"/>
+                </a:rPr>
+                <a:t>[] arr1 = {</a:t>
+              </a:r>
+              <a:r>
+                <a:rPr kumimoji="0" lang="zh-TW" altLang="zh-TW" sz="1200" b="0" i="0" u="none" strike="noStrike" cap="none" normalizeH="0" baseline="0">
+                  <a:ln>
+                    <a:noFill/>
+                  </a:ln>
+                  <a:solidFill>
+                    <a:srgbClr val="2AACB8"/>
+                  </a:solidFill>
+                  <a:effectLst/>
+                  <a:latin typeface="+mj-lt"/>
+                  <a:cs typeface="JetBrains Mono" panose="02000009000000000000" pitchFamily="49" charset="0"/>
+                </a:rPr>
+                <a:t>1</a:t>
+              </a:r>
+              <a:r>
+                <a:rPr kumimoji="0" lang="zh-TW" altLang="zh-TW" sz="1200" b="0" i="0" u="none" strike="noStrike" cap="none" normalizeH="0" baseline="0">
+                  <a:ln>
+                    <a:noFill/>
+                  </a:ln>
+                  <a:solidFill>
+                    <a:srgbClr val="BCBEC4"/>
+                  </a:solidFill>
+                  <a:effectLst/>
+                  <a:latin typeface="+mj-lt"/>
+                  <a:cs typeface="JetBrains Mono" panose="02000009000000000000" pitchFamily="49" charset="0"/>
+                </a:rPr>
+                <a:t>, </a:t>
+              </a:r>
+              <a:r>
+                <a:rPr kumimoji="0" lang="zh-TW" altLang="zh-TW" sz="1200" b="0" i="0" u="none" strike="noStrike" cap="none" normalizeH="0" baseline="0">
+                  <a:ln>
+                    <a:noFill/>
+                  </a:ln>
+                  <a:solidFill>
+                    <a:srgbClr val="2AACB8"/>
+                  </a:solidFill>
+                  <a:effectLst/>
+                  <a:latin typeface="+mj-lt"/>
+                  <a:cs typeface="JetBrains Mono" panose="02000009000000000000" pitchFamily="49" charset="0"/>
+                </a:rPr>
+                <a:t>4</a:t>
+              </a:r>
+              <a:r>
+                <a:rPr kumimoji="0" lang="zh-TW" altLang="zh-TW" sz="1200" b="0" i="0" u="none" strike="noStrike" cap="none" normalizeH="0" baseline="0">
+                  <a:ln>
+                    <a:noFill/>
+                  </a:ln>
+                  <a:solidFill>
+                    <a:srgbClr val="BCBEC4"/>
+                  </a:solidFill>
+                  <a:effectLst/>
+                  <a:latin typeface="+mj-lt"/>
+                  <a:cs typeface="JetBrains Mono" panose="02000009000000000000" pitchFamily="49" charset="0"/>
+                </a:rPr>
+                <a:t>, </a:t>
+              </a:r>
+              <a:r>
+                <a:rPr kumimoji="0" lang="zh-TW" altLang="zh-TW" sz="1200" b="0" i="0" u="none" strike="noStrike" cap="none" normalizeH="0" baseline="0">
+                  <a:ln>
+                    <a:noFill/>
+                  </a:ln>
+                  <a:solidFill>
+                    <a:srgbClr val="2AACB8"/>
+                  </a:solidFill>
+                  <a:effectLst/>
+                  <a:latin typeface="+mj-lt"/>
+                  <a:cs typeface="JetBrains Mono" panose="02000009000000000000" pitchFamily="49" charset="0"/>
+                </a:rPr>
+                <a:t>7</a:t>
+              </a:r>
+              <a:r>
+                <a:rPr kumimoji="0" lang="zh-TW" altLang="zh-TW" sz="1200" b="0" i="0" u="none" strike="noStrike" cap="none" normalizeH="0" baseline="0">
+                  <a:ln>
+                    <a:noFill/>
+                  </a:ln>
+                  <a:solidFill>
+                    <a:srgbClr val="BCBEC4"/>
+                  </a:solidFill>
+                  <a:effectLst/>
+                  <a:latin typeface="+mj-lt"/>
+                  <a:cs typeface="JetBrains Mono" panose="02000009000000000000" pitchFamily="49" charset="0"/>
+                </a:rPr>
+                <a:t>, </a:t>
+              </a:r>
+              <a:r>
+                <a:rPr kumimoji="0" lang="zh-TW" altLang="zh-TW" sz="1200" b="0" i="0" u="none" strike="noStrike" cap="none" normalizeH="0" baseline="0">
+                  <a:ln>
+                    <a:noFill/>
+                  </a:ln>
+                  <a:solidFill>
+                    <a:srgbClr val="2AACB8"/>
+                  </a:solidFill>
+                  <a:effectLst/>
+                  <a:latin typeface="+mj-lt"/>
+                  <a:cs typeface="JetBrains Mono" panose="02000009000000000000" pitchFamily="49" charset="0"/>
+                </a:rPr>
+                <a:t>2</a:t>
+              </a:r>
+              <a:r>
+                <a:rPr kumimoji="0" lang="zh-TW" altLang="zh-TW" sz="1200" b="0" i="0" u="none" strike="noStrike" cap="none" normalizeH="0" baseline="0">
+                  <a:ln>
+                    <a:noFill/>
+                  </a:ln>
+                  <a:solidFill>
+                    <a:srgbClr val="BCBEC4"/>
+                  </a:solidFill>
+                  <a:effectLst/>
+                  <a:latin typeface="+mj-lt"/>
+                  <a:cs typeface="JetBrains Mono" panose="02000009000000000000" pitchFamily="49" charset="0"/>
+                </a:rPr>
+                <a:t>, </a:t>
+              </a:r>
+              <a:r>
+                <a:rPr kumimoji="0" lang="zh-TW" altLang="zh-TW" sz="1200" b="0" i="0" u="none" strike="noStrike" cap="none" normalizeH="0" baseline="0">
+                  <a:ln>
+                    <a:noFill/>
+                  </a:ln>
+                  <a:solidFill>
+                    <a:srgbClr val="2AACB8"/>
+                  </a:solidFill>
+                  <a:effectLst/>
+                  <a:latin typeface="+mj-lt"/>
+                  <a:cs typeface="JetBrains Mono" panose="02000009000000000000" pitchFamily="49" charset="0"/>
+                </a:rPr>
+                <a:t>5</a:t>
+              </a:r>
+              <a:r>
+                <a:rPr kumimoji="0" lang="zh-TW" altLang="zh-TW" sz="1200" b="0" i="0" u="none" strike="noStrike" cap="none" normalizeH="0" baseline="0">
+                  <a:ln>
+                    <a:noFill/>
+                  </a:ln>
+                  <a:solidFill>
+                    <a:srgbClr val="BCBEC4"/>
+                  </a:solidFill>
+                  <a:effectLst/>
+                  <a:latin typeface="+mj-lt"/>
+                  <a:cs typeface="JetBrains Mono" panose="02000009000000000000" pitchFamily="49" charset="0"/>
+                </a:rPr>
+                <a:t>, </a:t>
+              </a:r>
+              <a:r>
+                <a:rPr kumimoji="0" lang="zh-TW" altLang="zh-TW" sz="1200" b="0" i="0" u="none" strike="noStrike" cap="none" normalizeH="0" baseline="0">
+                  <a:ln>
+                    <a:noFill/>
+                  </a:ln>
+                  <a:solidFill>
+                    <a:srgbClr val="2AACB8"/>
+                  </a:solidFill>
+                  <a:effectLst/>
+                  <a:latin typeface="+mj-lt"/>
+                  <a:cs typeface="JetBrains Mono" panose="02000009000000000000" pitchFamily="49" charset="0"/>
+                </a:rPr>
+                <a:t>8</a:t>
+              </a:r>
+              <a:r>
+                <a:rPr kumimoji="0" lang="zh-TW" altLang="zh-TW" sz="1200" b="0" i="0" u="none" strike="noStrike" cap="none" normalizeH="0" baseline="0">
+                  <a:ln>
+                    <a:noFill/>
+                  </a:ln>
+                  <a:solidFill>
+                    <a:srgbClr val="BCBEC4"/>
+                  </a:solidFill>
+                  <a:effectLst/>
+                  <a:latin typeface="+mj-lt"/>
+                  <a:cs typeface="JetBrains Mono" panose="02000009000000000000" pitchFamily="49" charset="0"/>
+                </a:rPr>
+                <a:t>, </a:t>
+              </a:r>
+              <a:r>
+                <a:rPr kumimoji="0" lang="zh-TW" altLang="zh-TW" sz="1200" b="0" i="0" u="none" strike="noStrike" cap="none" normalizeH="0" baseline="0">
+                  <a:ln>
+                    <a:noFill/>
+                  </a:ln>
+                  <a:solidFill>
+                    <a:srgbClr val="2AACB8"/>
+                  </a:solidFill>
+                  <a:effectLst/>
+                  <a:latin typeface="+mj-lt"/>
+                  <a:cs typeface="JetBrains Mono" panose="02000009000000000000" pitchFamily="49" charset="0"/>
+                </a:rPr>
+                <a:t>3</a:t>
+              </a:r>
+              <a:r>
+                <a:rPr kumimoji="0" lang="zh-TW" altLang="zh-TW" sz="1200" b="0" i="0" u="none" strike="noStrike" cap="none" normalizeH="0" baseline="0">
+                  <a:ln>
+                    <a:noFill/>
+                  </a:ln>
+                  <a:solidFill>
+                    <a:srgbClr val="BCBEC4"/>
+                  </a:solidFill>
+                  <a:effectLst/>
+                  <a:latin typeface="+mj-lt"/>
+                  <a:cs typeface="JetBrains Mono" panose="02000009000000000000" pitchFamily="49" charset="0"/>
+                </a:rPr>
+                <a:t>, </a:t>
+              </a:r>
+              <a:r>
+                <a:rPr kumimoji="0" lang="zh-TW" altLang="zh-TW" sz="1200" b="0" i="0" u="none" strike="noStrike" cap="none" normalizeH="0" baseline="0">
+                  <a:ln>
+                    <a:noFill/>
+                  </a:ln>
+                  <a:solidFill>
+                    <a:srgbClr val="2AACB8"/>
+                  </a:solidFill>
+                  <a:effectLst/>
+                  <a:latin typeface="+mj-lt"/>
+                  <a:cs typeface="JetBrains Mono" panose="02000009000000000000" pitchFamily="49" charset="0"/>
+                </a:rPr>
+                <a:t>6</a:t>
+              </a:r>
+              <a:r>
+                <a:rPr kumimoji="0" lang="zh-TW" altLang="zh-TW" sz="1200" b="0" i="0" u="none" strike="noStrike" cap="none" normalizeH="0" baseline="0">
+                  <a:ln>
+                    <a:noFill/>
+                  </a:ln>
+                  <a:solidFill>
+                    <a:srgbClr val="BCBEC4"/>
+                  </a:solidFill>
+                  <a:effectLst/>
+                  <a:latin typeface="+mj-lt"/>
+                  <a:cs typeface="JetBrains Mono" panose="02000009000000000000" pitchFamily="49" charset="0"/>
+                </a:rPr>
+                <a:t>, </a:t>
+              </a:r>
+              <a:r>
+                <a:rPr kumimoji="0" lang="zh-TW" altLang="zh-TW" sz="1200" b="0" i="0" u="none" strike="noStrike" cap="none" normalizeH="0" baseline="0">
+                  <a:ln>
+                    <a:noFill/>
+                  </a:ln>
+                  <a:solidFill>
+                    <a:srgbClr val="2AACB8"/>
+                  </a:solidFill>
+                  <a:effectLst/>
+                  <a:latin typeface="+mj-lt"/>
+                  <a:cs typeface="JetBrains Mono" panose="02000009000000000000" pitchFamily="49" charset="0"/>
+                </a:rPr>
+                <a:t>9</a:t>
+              </a:r>
+              <a:r>
+                <a:rPr kumimoji="0" lang="zh-TW" altLang="zh-TW" sz="1200" b="0" i="0" u="none" strike="noStrike" cap="none" normalizeH="0" baseline="0">
+                  <a:ln>
+                    <a:noFill/>
+                  </a:ln>
+                  <a:solidFill>
+                    <a:srgbClr val="BCBEC4"/>
+                  </a:solidFill>
+                  <a:effectLst/>
+                  <a:latin typeface="+mj-lt"/>
+                  <a:cs typeface="JetBrains Mono" panose="02000009000000000000" pitchFamily="49" charset="0"/>
+                </a:rPr>
+                <a:t>};</a:t>
+              </a:r>
+              <a:br>
+                <a:rPr kumimoji="0" lang="zh-TW" altLang="zh-TW" sz="1200" b="0" i="0" u="none" strike="noStrike" cap="none" normalizeH="0" baseline="0">
+                  <a:ln>
+                    <a:noFill/>
+                  </a:ln>
+                  <a:solidFill>
+                    <a:srgbClr val="BCBEC4"/>
+                  </a:solidFill>
+                  <a:effectLst/>
+                  <a:latin typeface="+mj-lt"/>
+                  <a:cs typeface="JetBrains Mono" panose="02000009000000000000" pitchFamily="49" charset="0"/>
+                </a:rPr>
+              </a:br>
+              <a:r>
+                <a:rPr kumimoji="0" lang="zh-TW" altLang="zh-TW" sz="1200" b="0" i="0" u="none" strike="noStrike" cap="none" normalizeH="0" baseline="0">
+                  <a:ln>
+                    <a:noFill/>
+                  </a:ln>
+                  <a:solidFill>
+                    <a:srgbClr val="BCBEC4"/>
+                  </a:solidFill>
+                  <a:effectLst/>
+                  <a:latin typeface="+mj-lt"/>
+                  <a:cs typeface="JetBrains Mono" panose="02000009000000000000" pitchFamily="49" charset="0"/>
+                </a:rPr>
+                <a:t>        </a:t>
+              </a:r>
+              <a:r>
+                <a:rPr kumimoji="0" lang="zh-TW" altLang="zh-TW" sz="1200" b="0" i="0" u="none" strike="noStrike" cap="none" normalizeH="0" baseline="0">
+                  <a:ln>
+                    <a:noFill/>
+                  </a:ln>
+                  <a:solidFill>
+                    <a:srgbClr val="CF8E6D"/>
+                  </a:solidFill>
+                  <a:effectLst/>
+                  <a:latin typeface="+mj-lt"/>
+                  <a:cs typeface="JetBrains Mono" panose="02000009000000000000" pitchFamily="49" charset="0"/>
+                </a:rPr>
+                <a:t>int</a:t>
+              </a:r>
+              <a:r>
+                <a:rPr kumimoji="0" lang="zh-TW" altLang="zh-TW" sz="1200" b="0" i="0" u="none" strike="noStrike" cap="none" normalizeH="0" baseline="0">
+                  <a:ln>
+                    <a:noFill/>
+                  </a:ln>
+                  <a:solidFill>
+                    <a:srgbClr val="BCBEC4"/>
+                  </a:solidFill>
+                  <a:effectLst/>
+                  <a:latin typeface="+mj-lt"/>
+                  <a:cs typeface="JetBrains Mono" panose="02000009000000000000" pitchFamily="49" charset="0"/>
+                </a:rPr>
+                <a:t>[] arr2 = Arrays.</a:t>
+              </a:r>
+              <a:r>
+                <a:rPr kumimoji="0" lang="zh-TW" altLang="zh-TW" sz="1200" b="0" i="1" u="none" strike="noStrike" cap="none" normalizeH="0" baseline="0">
+                  <a:ln>
+                    <a:noFill/>
+                  </a:ln>
+                  <a:solidFill>
+                    <a:srgbClr val="BCBEC4"/>
+                  </a:solidFill>
+                  <a:effectLst/>
+                  <a:latin typeface="+mj-lt"/>
+                  <a:cs typeface="JetBrains Mono" panose="02000009000000000000" pitchFamily="49" charset="0"/>
+                </a:rPr>
+                <a:t>copyOf</a:t>
+              </a:r>
+              <a:r>
+                <a:rPr kumimoji="0" lang="zh-TW" altLang="zh-TW" sz="1200" b="0" i="0" u="none" strike="noStrike" cap="none" normalizeH="0" baseline="0">
+                  <a:ln>
+                    <a:noFill/>
+                  </a:ln>
+                  <a:solidFill>
+                    <a:srgbClr val="BCBEC4"/>
+                  </a:solidFill>
+                  <a:effectLst/>
+                  <a:latin typeface="+mj-lt"/>
+                  <a:cs typeface="JetBrains Mono" panose="02000009000000000000" pitchFamily="49" charset="0"/>
+                </a:rPr>
+                <a:t>(arr1, arr1.</a:t>
+              </a:r>
+              <a:r>
+                <a:rPr kumimoji="0" lang="zh-TW" altLang="zh-TW" sz="1200" b="0" i="0" u="none" strike="noStrike" cap="none" normalizeH="0" baseline="0">
+                  <a:ln>
+                    <a:noFill/>
+                  </a:ln>
+                  <a:solidFill>
+                    <a:srgbClr val="C77DBB"/>
+                  </a:solidFill>
+                  <a:effectLst/>
+                  <a:latin typeface="+mj-lt"/>
+                  <a:cs typeface="JetBrains Mono" panose="02000009000000000000" pitchFamily="49" charset="0"/>
+                </a:rPr>
+                <a:t>length</a:t>
+              </a:r>
+              <a:r>
+                <a:rPr kumimoji="0" lang="zh-TW" altLang="zh-TW" sz="1200" b="0" i="0" u="none" strike="noStrike" cap="none" normalizeH="0" baseline="0">
+                  <a:ln>
+                    <a:noFill/>
+                  </a:ln>
+                  <a:solidFill>
+                    <a:srgbClr val="BCBEC4"/>
+                  </a:solidFill>
+                  <a:effectLst/>
+                  <a:latin typeface="+mj-lt"/>
+                  <a:cs typeface="JetBrains Mono" panose="02000009000000000000" pitchFamily="49" charset="0"/>
+                </a:rPr>
+                <a:t>);</a:t>
+              </a:r>
+              <a:br>
+                <a:rPr kumimoji="0" lang="zh-TW" altLang="zh-TW" sz="1200" b="0" i="0" u="none" strike="noStrike" cap="none" normalizeH="0" baseline="0">
+                  <a:ln>
+                    <a:noFill/>
+                  </a:ln>
+                  <a:solidFill>
+                    <a:srgbClr val="BCBEC4"/>
+                  </a:solidFill>
+                  <a:effectLst/>
+                  <a:latin typeface="+mj-lt"/>
+                  <a:cs typeface="JetBrains Mono" panose="02000009000000000000" pitchFamily="49" charset="0"/>
+                </a:rPr>
+              </a:br>
+              <a:r>
+                <a:rPr kumimoji="0" lang="zh-TW" altLang="zh-TW" sz="1200" b="0" i="0" u="none" strike="noStrike" cap="none" normalizeH="0" baseline="0">
+                  <a:ln>
+                    <a:noFill/>
+                  </a:ln>
+                  <a:solidFill>
+                    <a:srgbClr val="BCBEC4"/>
+                  </a:solidFill>
+                  <a:effectLst/>
+                  <a:latin typeface="+mj-lt"/>
+                  <a:cs typeface="JetBrains Mono" panose="02000009000000000000" pitchFamily="49" charset="0"/>
+                </a:rPr>
+                <a:t>        System.</a:t>
+              </a:r>
+              <a:r>
+                <a:rPr kumimoji="0" lang="zh-TW" altLang="zh-TW" sz="1200" b="0" i="1" u="none" strike="noStrike" cap="none" normalizeH="0" baseline="0">
+                  <a:ln>
+                    <a:noFill/>
+                  </a:ln>
+                  <a:solidFill>
+                    <a:srgbClr val="C77DBB"/>
+                  </a:solidFill>
+                  <a:effectLst/>
+                  <a:latin typeface="+mj-lt"/>
+                  <a:cs typeface="JetBrains Mono" panose="02000009000000000000" pitchFamily="49" charset="0"/>
+                </a:rPr>
+                <a:t>out</a:t>
+              </a:r>
+              <a:r>
+                <a:rPr kumimoji="0" lang="zh-TW" altLang="zh-TW" sz="1200" b="0" i="0" u="none" strike="noStrike" cap="none" normalizeH="0" baseline="0">
+                  <a:ln>
+                    <a:noFill/>
+                  </a:ln>
+                  <a:solidFill>
+                    <a:srgbClr val="BCBEC4"/>
+                  </a:solidFill>
+                  <a:effectLst/>
+                  <a:latin typeface="+mj-lt"/>
+                  <a:cs typeface="JetBrains Mono" panose="02000009000000000000" pitchFamily="49" charset="0"/>
+                </a:rPr>
+                <a:t>.println(Arrays.</a:t>
+              </a:r>
+              <a:r>
+                <a:rPr kumimoji="0" lang="zh-TW" altLang="zh-TW" sz="1200" b="0" i="1" u="none" strike="noStrike" cap="none" normalizeH="0" baseline="0">
+                  <a:ln>
+                    <a:noFill/>
+                  </a:ln>
+                  <a:solidFill>
+                    <a:srgbClr val="BCBEC4"/>
+                  </a:solidFill>
+                  <a:effectLst/>
+                  <a:latin typeface="+mj-lt"/>
+                  <a:cs typeface="JetBrains Mono" panose="02000009000000000000" pitchFamily="49" charset="0"/>
+                </a:rPr>
+                <a:t>equals</a:t>
+              </a:r>
+              <a:r>
+                <a:rPr kumimoji="0" lang="zh-TW" altLang="zh-TW" sz="1200" b="0" i="0" u="none" strike="noStrike" cap="none" normalizeH="0" baseline="0">
+                  <a:ln>
+                    <a:noFill/>
+                  </a:ln>
+                  <a:solidFill>
+                    <a:srgbClr val="BCBEC4"/>
+                  </a:solidFill>
+                  <a:effectLst/>
+                  <a:latin typeface="+mj-lt"/>
+                  <a:cs typeface="JetBrains Mono" panose="02000009000000000000" pitchFamily="49" charset="0"/>
+                </a:rPr>
+                <a:t>(arr1, arr2));</a:t>
+              </a:r>
+              <a:br>
+                <a:rPr kumimoji="0" lang="zh-TW" altLang="zh-TW" sz="1200" b="0" i="0" u="none" strike="noStrike" cap="none" normalizeH="0" baseline="0">
+                  <a:ln>
+                    <a:noFill/>
+                  </a:ln>
+                  <a:solidFill>
+                    <a:srgbClr val="BCBEC4"/>
+                  </a:solidFill>
+                  <a:effectLst/>
+                  <a:latin typeface="+mj-lt"/>
+                  <a:cs typeface="JetBrains Mono" panose="02000009000000000000" pitchFamily="49" charset="0"/>
+                </a:rPr>
+              </a:br>
+              <a:r>
+                <a:rPr kumimoji="0" lang="zh-TW" altLang="zh-TW" sz="1200" b="0" i="0" u="none" strike="noStrike" cap="none" normalizeH="0" baseline="0">
+                  <a:ln>
+                    <a:noFill/>
+                  </a:ln>
+                  <a:solidFill>
+                    <a:srgbClr val="BCBEC4"/>
+                  </a:solidFill>
+                  <a:effectLst/>
+                  <a:latin typeface="+mj-lt"/>
+                  <a:cs typeface="JetBrains Mono" panose="02000009000000000000" pitchFamily="49" charset="0"/>
+                </a:rPr>
+                <a:t>        Arrays.</a:t>
+              </a:r>
+              <a:r>
+                <a:rPr kumimoji="0" lang="zh-TW" altLang="zh-TW" sz="1200" b="0" i="1" u="none" strike="noStrike" cap="none" normalizeH="0" baseline="0">
+                  <a:ln>
+                    <a:noFill/>
+                  </a:ln>
+                  <a:solidFill>
+                    <a:srgbClr val="BCBEC4"/>
+                  </a:solidFill>
+                  <a:effectLst/>
+                  <a:latin typeface="+mj-lt"/>
+                  <a:cs typeface="JetBrains Mono" panose="02000009000000000000" pitchFamily="49" charset="0"/>
+                </a:rPr>
+                <a:t>sort</a:t>
+              </a:r>
+              <a:r>
+                <a:rPr kumimoji="0" lang="zh-TW" altLang="zh-TW" sz="1200" b="0" i="0" u="none" strike="noStrike" cap="none" normalizeH="0" baseline="0">
+                  <a:ln>
+                    <a:noFill/>
+                  </a:ln>
+                  <a:solidFill>
+                    <a:srgbClr val="BCBEC4"/>
+                  </a:solidFill>
+                  <a:effectLst/>
+                  <a:latin typeface="+mj-lt"/>
+                  <a:cs typeface="JetBrains Mono" panose="02000009000000000000" pitchFamily="49" charset="0"/>
+                </a:rPr>
+                <a:t>(arr1);</a:t>
+              </a:r>
+              <a:br>
+                <a:rPr kumimoji="0" lang="zh-TW" altLang="zh-TW" sz="1200" b="0" i="0" u="none" strike="noStrike" cap="none" normalizeH="0" baseline="0">
+                  <a:ln>
+                    <a:noFill/>
+                  </a:ln>
+                  <a:solidFill>
+                    <a:srgbClr val="BCBEC4"/>
+                  </a:solidFill>
+                  <a:effectLst/>
+                  <a:latin typeface="+mj-lt"/>
+                  <a:cs typeface="JetBrains Mono" panose="02000009000000000000" pitchFamily="49" charset="0"/>
+                </a:rPr>
+              </a:br>
+              <a:r>
+                <a:rPr kumimoji="0" lang="zh-TW" altLang="zh-TW" sz="1200" b="0" i="0" u="none" strike="noStrike" cap="none" normalizeH="0" baseline="0">
+                  <a:ln>
+                    <a:noFill/>
+                  </a:ln>
+                  <a:solidFill>
+                    <a:srgbClr val="BCBEC4"/>
+                  </a:solidFill>
+                  <a:effectLst/>
+                  <a:latin typeface="+mj-lt"/>
+                  <a:cs typeface="JetBrains Mono" panose="02000009000000000000" pitchFamily="49" charset="0"/>
+                </a:rPr>
+                <a:t>        System.</a:t>
+              </a:r>
+              <a:r>
+                <a:rPr kumimoji="0" lang="zh-TW" altLang="zh-TW" sz="1200" b="0" i="1" u="none" strike="noStrike" cap="none" normalizeH="0" baseline="0">
+                  <a:ln>
+                    <a:noFill/>
+                  </a:ln>
+                  <a:solidFill>
+                    <a:srgbClr val="C77DBB"/>
+                  </a:solidFill>
+                  <a:effectLst/>
+                  <a:latin typeface="+mj-lt"/>
+                  <a:cs typeface="JetBrains Mono" panose="02000009000000000000" pitchFamily="49" charset="0"/>
+                </a:rPr>
+                <a:t>out</a:t>
+              </a:r>
+              <a:r>
+                <a:rPr kumimoji="0" lang="zh-TW" altLang="zh-TW" sz="1200" b="0" i="0" u="none" strike="noStrike" cap="none" normalizeH="0" baseline="0">
+                  <a:ln>
+                    <a:noFill/>
+                  </a:ln>
+                  <a:solidFill>
+                    <a:srgbClr val="BCBEC4"/>
+                  </a:solidFill>
+                  <a:effectLst/>
+                  <a:latin typeface="+mj-lt"/>
+                  <a:cs typeface="JetBrains Mono" panose="02000009000000000000" pitchFamily="49" charset="0"/>
+                </a:rPr>
+                <a:t>.println(Arrays.</a:t>
+              </a:r>
+              <a:r>
+                <a:rPr kumimoji="0" lang="zh-TW" altLang="zh-TW" sz="1200" b="0" i="1" u="none" strike="noStrike" cap="none" normalizeH="0" baseline="0">
+                  <a:ln>
+                    <a:noFill/>
+                  </a:ln>
+                  <a:solidFill>
+                    <a:srgbClr val="BCBEC4"/>
+                  </a:solidFill>
+                  <a:effectLst/>
+                  <a:latin typeface="+mj-lt"/>
+                  <a:cs typeface="JetBrains Mono" panose="02000009000000000000" pitchFamily="49" charset="0"/>
+                </a:rPr>
+                <a:t>binarySearch</a:t>
+              </a:r>
+              <a:r>
+                <a:rPr kumimoji="0" lang="zh-TW" altLang="zh-TW" sz="1200" b="0" i="0" u="none" strike="noStrike" cap="none" normalizeH="0" baseline="0">
+                  <a:ln>
+                    <a:noFill/>
+                  </a:ln>
+                  <a:solidFill>
+                    <a:srgbClr val="BCBEC4"/>
+                  </a:solidFill>
+                  <a:effectLst/>
+                  <a:latin typeface="+mj-lt"/>
+                  <a:cs typeface="JetBrains Mono" panose="02000009000000000000" pitchFamily="49" charset="0"/>
+                </a:rPr>
+                <a:t>(arr1, </a:t>
+              </a:r>
+              <a:r>
+                <a:rPr kumimoji="0" lang="zh-TW" altLang="zh-TW" sz="1200" b="0" i="0" u="none" strike="noStrike" cap="none" normalizeH="0" baseline="0">
+                  <a:ln>
+                    <a:noFill/>
+                  </a:ln>
+                  <a:solidFill>
+                    <a:srgbClr val="2AACB8"/>
+                  </a:solidFill>
+                  <a:effectLst/>
+                  <a:latin typeface="+mj-lt"/>
+                  <a:cs typeface="JetBrains Mono" panose="02000009000000000000" pitchFamily="49" charset="0"/>
+                </a:rPr>
+                <a:t>2</a:t>
+              </a:r>
+              <a:r>
+                <a:rPr kumimoji="0" lang="zh-TW" altLang="zh-TW" sz="1200" b="0" i="0" u="none" strike="noStrike" cap="none" normalizeH="0" baseline="0">
+                  <a:ln>
+                    <a:noFill/>
+                  </a:ln>
+                  <a:solidFill>
+                    <a:srgbClr val="BCBEC4"/>
+                  </a:solidFill>
+                  <a:effectLst/>
+                  <a:latin typeface="+mj-lt"/>
+                  <a:cs typeface="JetBrains Mono" panose="02000009000000000000" pitchFamily="49" charset="0"/>
+                </a:rPr>
+                <a:t>));</a:t>
+              </a:r>
+              <a:br>
+                <a:rPr kumimoji="0" lang="zh-TW" altLang="zh-TW" sz="1200" b="0" i="0" u="none" strike="noStrike" cap="none" normalizeH="0" baseline="0">
+                  <a:ln>
+                    <a:noFill/>
+                  </a:ln>
+                  <a:solidFill>
+                    <a:srgbClr val="BCBEC4"/>
+                  </a:solidFill>
+                  <a:effectLst/>
+                  <a:latin typeface="+mj-lt"/>
+                  <a:cs typeface="JetBrains Mono" panose="02000009000000000000" pitchFamily="49" charset="0"/>
+                </a:rPr>
+              </a:br>
+              <a:r>
+                <a:rPr kumimoji="0" lang="zh-TW" altLang="zh-TW" sz="1200" b="0" i="0" u="none" strike="noStrike" cap="none" normalizeH="0" baseline="0">
+                  <a:ln>
+                    <a:noFill/>
+                  </a:ln>
+                  <a:solidFill>
+                    <a:srgbClr val="BCBEC4"/>
+                  </a:solidFill>
+                  <a:effectLst/>
+                  <a:latin typeface="+mj-lt"/>
+                  <a:cs typeface="JetBrains Mono" panose="02000009000000000000" pitchFamily="49" charset="0"/>
+                </a:rPr>
+                <a:t>        System.</a:t>
+              </a:r>
+              <a:r>
+                <a:rPr kumimoji="0" lang="zh-TW" altLang="zh-TW" sz="1200" b="0" i="1" u="none" strike="noStrike" cap="none" normalizeH="0" baseline="0">
+                  <a:ln>
+                    <a:noFill/>
+                  </a:ln>
+                  <a:solidFill>
+                    <a:srgbClr val="C77DBB"/>
+                  </a:solidFill>
+                  <a:effectLst/>
+                  <a:latin typeface="+mj-lt"/>
+                  <a:cs typeface="JetBrains Mono" panose="02000009000000000000" pitchFamily="49" charset="0"/>
+                </a:rPr>
+                <a:t>out</a:t>
+              </a:r>
+              <a:r>
+                <a:rPr kumimoji="0" lang="zh-TW" altLang="zh-TW" sz="1200" b="0" i="0" u="none" strike="noStrike" cap="none" normalizeH="0" baseline="0">
+                  <a:ln>
+                    <a:noFill/>
+                  </a:ln>
+                  <a:solidFill>
+                    <a:srgbClr val="BCBEC4"/>
+                  </a:solidFill>
+                  <a:effectLst/>
+                  <a:latin typeface="+mj-lt"/>
+                  <a:cs typeface="JetBrains Mono" panose="02000009000000000000" pitchFamily="49" charset="0"/>
+                </a:rPr>
+                <a:t>.println(Arrays.</a:t>
+              </a:r>
+              <a:r>
+                <a:rPr kumimoji="0" lang="zh-TW" altLang="zh-TW" sz="1200" b="0" i="1" u="none" strike="noStrike" cap="none" normalizeH="0" baseline="0">
+                  <a:ln>
+                    <a:noFill/>
+                  </a:ln>
+                  <a:solidFill>
+                    <a:srgbClr val="BCBEC4"/>
+                  </a:solidFill>
+                  <a:effectLst/>
+                  <a:latin typeface="+mj-lt"/>
+                  <a:cs typeface="JetBrains Mono" panose="02000009000000000000" pitchFamily="49" charset="0"/>
+                </a:rPr>
+                <a:t>toString</a:t>
+              </a:r>
+              <a:r>
+                <a:rPr kumimoji="0" lang="zh-TW" altLang="zh-TW" sz="1200" b="0" i="0" u="none" strike="noStrike" cap="none" normalizeH="0" baseline="0">
+                  <a:ln>
+                    <a:noFill/>
+                  </a:ln>
+                  <a:solidFill>
+                    <a:srgbClr val="BCBEC4"/>
+                  </a:solidFill>
+                  <a:effectLst/>
+                  <a:latin typeface="+mj-lt"/>
+                  <a:cs typeface="JetBrains Mono" panose="02000009000000000000" pitchFamily="49" charset="0"/>
+                </a:rPr>
+                <a:t>(arr1));</a:t>
+              </a:r>
+              <a:br>
+                <a:rPr kumimoji="0" lang="zh-TW" altLang="zh-TW" sz="1200" b="0" i="0" u="none" strike="noStrike" cap="none" normalizeH="0" baseline="0">
+                  <a:ln>
+                    <a:noFill/>
+                  </a:ln>
+                  <a:solidFill>
+                    <a:srgbClr val="BCBEC4"/>
+                  </a:solidFill>
+                  <a:effectLst/>
+                  <a:latin typeface="+mj-lt"/>
+                  <a:cs typeface="JetBrains Mono" panose="02000009000000000000" pitchFamily="49" charset="0"/>
+                </a:rPr>
+              </a:br>
+              <a:r>
+                <a:rPr kumimoji="0" lang="zh-TW" altLang="zh-TW" sz="1200" b="0" i="0" u="none" strike="noStrike" cap="none" normalizeH="0" baseline="0">
+                  <a:ln>
+                    <a:noFill/>
+                  </a:ln>
+                  <a:solidFill>
+                    <a:srgbClr val="BCBEC4"/>
+                  </a:solidFill>
+                  <a:effectLst/>
+                  <a:latin typeface="+mj-lt"/>
+                  <a:cs typeface="JetBrains Mono" panose="02000009000000000000" pitchFamily="49" charset="0"/>
+                </a:rPr>
+                <a:t>        </a:t>
+              </a:r>
+              <a:r>
+                <a:rPr kumimoji="0" lang="zh-TW" altLang="zh-TW" sz="1200" b="0" i="0" u="none" strike="noStrike" cap="none" normalizeH="0" baseline="0">
+                  <a:ln>
+                    <a:noFill/>
+                  </a:ln>
+                  <a:solidFill>
+                    <a:srgbClr val="CF8E6D"/>
+                  </a:solidFill>
+                  <a:effectLst/>
+                  <a:latin typeface="+mj-lt"/>
+                  <a:cs typeface="JetBrains Mono" panose="02000009000000000000" pitchFamily="49" charset="0"/>
+                </a:rPr>
+                <a:t>int</a:t>
+              </a:r>
+              <a:r>
+                <a:rPr kumimoji="0" lang="zh-TW" altLang="zh-TW" sz="1200" b="0" i="0" u="none" strike="noStrike" cap="none" normalizeH="0" baseline="0">
+                  <a:ln>
+                    <a:noFill/>
+                  </a:ln>
+                  <a:solidFill>
+                    <a:srgbClr val="BCBEC4"/>
+                  </a:solidFill>
+                  <a:effectLst/>
+                  <a:latin typeface="+mj-lt"/>
+                  <a:cs typeface="JetBrains Mono" panose="02000009000000000000" pitchFamily="49" charset="0"/>
+                </a:rPr>
+                <a:t>[] arr3 = </a:t>
+              </a:r>
+              <a:r>
+                <a:rPr kumimoji="0" lang="zh-TW" altLang="zh-TW" sz="1200" b="0" i="0" u="none" strike="noStrike" cap="none" normalizeH="0" baseline="0">
+                  <a:ln>
+                    <a:noFill/>
+                  </a:ln>
+                  <a:solidFill>
+                    <a:srgbClr val="CF8E6D"/>
+                  </a:solidFill>
+                  <a:effectLst/>
+                  <a:latin typeface="+mj-lt"/>
+                  <a:cs typeface="JetBrains Mono" panose="02000009000000000000" pitchFamily="49" charset="0"/>
+                </a:rPr>
+                <a:t>new int</a:t>
+              </a:r>
+              <a:r>
+                <a:rPr kumimoji="0" lang="zh-TW" altLang="zh-TW" sz="1200" b="0" i="0" u="none" strike="noStrike" cap="none" normalizeH="0" baseline="0">
+                  <a:ln>
+                    <a:noFill/>
+                  </a:ln>
+                  <a:solidFill>
+                    <a:srgbClr val="BCBEC4"/>
+                  </a:solidFill>
+                  <a:effectLst/>
+                  <a:latin typeface="+mj-lt"/>
+                  <a:cs typeface="JetBrains Mono" panose="02000009000000000000" pitchFamily="49" charset="0"/>
+                </a:rPr>
+                <a:t>[</a:t>
+              </a:r>
+              <a:r>
+                <a:rPr kumimoji="0" lang="zh-TW" altLang="zh-TW" sz="1200" b="0" i="0" u="none" strike="noStrike" cap="none" normalizeH="0" baseline="0">
+                  <a:ln>
+                    <a:noFill/>
+                  </a:ln>
+                  <a:solidFill>
+                    <a:srgbClr val="2AACB8"/>
+                  </a:solidFill>
+                  <a:effectLst/>
+                  <a:latin typeface="+mj-lt"/>
+                  <a:cs typeface="JetBrains Mono" panose="02000009000000000000" pitchFamily="49" charset="0"/>
+                </a:rPr>
+                <a:t>4</a:t>
+              </a:r>
+              <a:r>
+                <a:rPr kumimoji="0" lang="zh-TW" altLang="zh-TW" sz="1200" b="0" i="0" u="none" strike="noStrike" cap="none" normalizeH="0" baseline="0">
+                  <a:ln>
+                    <a:noFill/>
+                  </a:ln>
+                  <a:solidFill>
+                    <a:srgbClr val="BCBEC4"/>
+                  </a:solidFill>
+                  <a:effectLst/>
+                  <a:latin typeface="+mj-lt"/>
+                  <a:cs typeface="JetBrains Mono" panose="02000009000000000000" pitchFamily="49" charset="0"/>
+                </a:rPr>
+                <a:t>];</a:t>
+              </a:r>
+              <a:br>
+                <a:rPr kumimoji="0" lang="zh-TW" altLang="zh-TW" sz="1200" b="0" i="0" u="none" strike="noStrike" cap="none" normalizeH="0" baseline="0">
+                  <a:ln>
+                    <a:noFill/>
+                  </a:ln>
+                  <a:solidFill>
+                    <a:srgbClr val="BCBEC4"/>
+                  </a:solidFill>
+                  <a:effectLst/>
+                  <a:latin typeface="+mj-lt"/>
+                  <a:cs typeface="JetBrains Mono" panose="02000009000000000000" pitchFamily="49" charset="0"/>
+                </a:rPr>
+              </a:br>
+              <a:r>
+                <a:rPr kumimoji="0" lang="zh-TW" altLang="zh-TW" sz="1200" b="0" i="0" u="none" strike="noStrike" cap="none" normalizeH="0" baseline="0">
+                  <a:ln>
+                    <a:noFill/>
+                  </a:ln>
+                  <a:solidFill>
+                    <a:srgbClr val="BCBEC4"/>
+                  </a:solidFill>
+                  <a:effectLst/>
+                  <a:latin typeface="+mj-lt"/>
+                  <a:cs typeface="JetBrains Mono" panose="02000009000000000000" pitchFamily="49" charset="0"/>
+                </a:rPr>
+                <a:t>        Arrays.</a:t>
+              </a:r>
+              <a:r>
+                <a:rPr kumimoji="0" lang="zh-TW" altLang="zh-TW" sz="1200" b="0" i="1" u="none" strike="noStrike" cap="none" normalizeH="0" baseline="0">
+                  <a:ln>
+                    <a:noFill/>
+                  </a:ln>
+                  <a:solidFill>
+                    <a:srgbClr val="BCBEC4"/>
+                  </a:solidFill>
+                  <a:effectLst/>
+                  <a:latin typeface="+mj-lt"/>
+                  <a:cs typeface="JetBrains Mono" panose="02000009000000000000" pitchFamily="49" charset="0"/>
+                </a:rPr>
+                <a:t>fill</a:t>
+              </a:r>
+              <a:r>
+                <a:rPr kumimoji="0" lang="zh-TW" altLang="zh-TW" sz="1200" b="0" i="0" u="none" strike="noStrike" cap="none" normalizeH="0" baseline="0">
+                  <a:ln>
+                    <a:noFill/>
+                  </a:ln>
+                  <a:solidFill>
+                    <a:srgbClr val="BCBEC4"/>
+                  </a:solidFill>
+                  <a:effectLst/>
+                  <a:latin typeface="+mj-lt"/>
+                  <a:cs typeface="JetBrains Mono" panose="02000009000000000000" pitchFamily="49" charset="0"/>
+                </a:rPr>
+                <a:t>(arr3, </a:t>
+              </a:r>
+              <a:r>
+                <a:rPr kumimoji="0" lang="zh-TW" altLang="zh-TW" sz="1200" b="0" i="0" u="none" strike="noStrike" cap="none" normalizeH="0" baseline="0">
+                  <a:ln>
+                    <a:noFill/>
+                  </a:ln>
+                  <a:solidFill>
+                    <a:srgbClr val="2AACB8"/>
+                  </a:solidFill>
+                  <a:effectLst/>
+                  <a:latin typeface="+mj-lt"/>
+                  <a:cs typeface="JetBrains Mono" panose="02000009000000000000" pitchFamily="49" charset="0"/>
+                </a:rPr>
+                <a:t>6</a:t>
+              </a:r>
+              <a:r>
+                <a:rPr kumimoji="0" lang="zh-TW" altLang="zh-TW" sz="1200" b="0" i="0" u="none" strike="noStrike" cap="none" normalizeH="0" baseline="0">
+                  <a:ln>
+                    <a:noFill/>
+                  </a:ln>
+                  <a:solidFill>
+                    <a:srgbClr val="BCBEC4"/>
+                  </a:solidFill>
+                  <a:effectLst/>
+                  <a:latin typeface="+mj-lt"/>
+                  <a:cs typeface="JetBrains Mono" panose="02000009000000000000" pitchFamily="49" charset="0"/>
+                </a:rPr>
+                <a:t>);</a:t>
+              </a:r>
+              <a:br>
+                <a:rPr kumimoji="0" lang="zh-TW" altLang="zh-TW" sz="1200" b="0" i="0" u="none" strike="noStrike" cap="none" normalizeH="0" baseline="0">
+                  <a:ln>
+                    <a:noFill/>
+                  </a:ln>
+                  <a:solidFill>
+                    <a:srgbClr val="BCBEC4"/>
+                  </a:solidFill>
+                  <a:effectLst/>
+                  <a:latin typeface="+mj-lt"/>
+                  <a:cs typeface="JetBrains Mono" panose="02000009000000000000" pitchFamily="49" charset="0"/>
+                </a:rPr>
+              </a:br>
+              <a:r>
+                <a:rPr kumimoji="0" lang="zh-TW" altLang="zh-TW" sz="1200" b="0" i="0" u="none" strike="noStrike" cap="none" normalizeH="0" baseline="0">
+                  <a:ln>
+                    <a:noFill/>
+                  </a:ln>
+                  <a:solidFill>
+                    <a:srgbClr val="BCBEC4"/>
+                  </a:solidFill>
+                  <a:effectLst/>
+                  <a:latin typeface="+mj-lt"/>
+                  <a:cs typeface="JetBrains Mono" panose="02000009000000000000" pitchFamily="49" charset="0"/>
+                </a:rPr>
+                <a:t>        System.</a:t>
+              </a:r>
+              <a:r>
+                <a:rPr kumimoji="0" lang="zh-TW" altLang="zh-TW" sz="1200" b="0" i="1" u="none" strike="noStrike" cap="none" normalizeH="0" baseline="0">
+                  <a:ln>
+                    <a:noFill/>
+                  </a:ln>
+                  <a:solidFill>
+                    <a:srgbClr val="C77DBB"/>
+                  </a:solidFill>
+                  <a:effectLst/>
+                  <a:latin typeface="+mj-lt"/>
+                  <a:cs typeface="JetBrains Mono" panose="02000009000000000000" pitchFamily="49" charset="0"/>
+                </a:rPr>
+                <a:t>out</a:t>
+              </a:r>
+              <a:r>
+                <a:rPr kumimoji="0" lang="zh-TW" altLang="zh-TW" sz="1200" b="0" i="0" u="none" strike="noStrike" cap="none" normalizeH="0" baseline="0">
+                  <a:ln>
+                    <a:noFill/>
+                  </a:ln>
+                  <a:solidFill>
+                    <a:srgbClr val="BCBEC4"/>
+                  </a:solidFill>
+                  <a:effectLst/>
+                  <a:latin typeface="+mj-lt"/>
+                  <a:cs typeface="JetBrains Mono" panose="02000009000000000000" pitchFamily="49" charset="0"/>
+                </a:rPr>
+                <a:t>.println(Arrays.</a:t>
+              </a:r>
+              <a:r>
+                <a:rPr kumimoji="0" lang="zh-TW" altLang="zh-TW" sz="1200" b="0" i="1" u="none" strike="noStrike" cap="none" normalizeH="0" baseline="0">
+                  <a:ln>
+                    <a:noFill/>
+                  </a:ln>
+                  <a:solidFill>
+                    <a:srgbClr val="BCBEC4"/>
+                  </a:solidFill>
+                  <a:effectLst/>
+                  <a:latin typeface="+mj-lt"/>
+                  <a:cs typeface="JetBrains Mono" panose="02000009000000000000" pitchFamily="49" charset="0"/>
+                </a:rPr>
+                <a:t>toString</a:t>
+              </a:r>
+              <a:r>
+                <a:rPr kumimoji="0" lang="zh-TW" altLang="zh-TW" sz="1200" b="0" i="0" u="none" strike="noStrike" cap="none" normalizeH="0" baseline="0">
+                  <a:ln>
+                    <a:noFill/>
+                  </a:ln>
+                  <a:solidFill>
+                    <a:srgbClr val="BCBEC4"/>
+                  </a:solidFill>
+                  <a:effectLst/>
+                  <a:latin typeface="+mj-lt"/>
+                  <a:cs typeface="JetBrains Mono" panose="02000009000000000000" pitchFamily="49" charset="0"/>
+                </a:rPr>
+                <a:t>(arr3));</a:t>
+              </a:r>
+              <a:br>
+                <a:rPr kumimoji="0" lang="zh-TW" altLang="zh-TW" sz="1200" b="0" i="0" u="none" strike="noStrike" cap="none" normalizeH="0" baseline="0">
+                  <a:ln>
+                    <a:noFill/>
+                  </a:ln>
+                  <a:solidFill>
+                    <a:srgbClr val="BCBEC4"/>
+                  </a:solidFill>
+                  <a:effectLst/>
+                  <a:latin typeface="+mj-lt"/>
+                  <a:cs typeface="JetBrains Mono" panose="02000009000000000000" pitchFamily="49" charset="0"/>
+                </a:rPr>
+              </a:br>
+              <a:r>
+                <a:rPr kumimoji="0" lang="zh-TW" altLang="zh-TW" sz="1200" b="0" i="0" u="none" strike="noStrike" cap="none" normalizeH="0" baseline="0">
+                  <a:ln>
+                    <a:noFill/>
+                  </a:ln>
+                  <a:solidFill>
+                    <a:srgbClr val="BCBEC4"/>
+                  </a:solidFill>
+                  <a:effectLst/>
+                  <a:latin typeface="+mj-lt"/>
+                  <a:cs typeface="JetBrains Mono" panose="02000009000000000000" pitchFamily="49" charset="0"/>
+                </a:rPr>
+                <a:t>    }</a:t>
+              </a:r>
+              <a:br>
+                <a:rPr kumimoji="0" lang="zh-TW" altLang="zh-TW" sz="1200" b="0" i="0" u="none" strike="noStrike" cap="none" normalizeH="0" baseline="0">
+                  <a:ln>
+                    <a:noFill/>
+                  </a:ln>
+                  <a:solidFill>
+                    <a:srgbClr val="BCBEC4"/>
+                  </a:solidFill>
+                  <a:effectLst/>
+                  <a:latin typeface="+mj-lt"/>
+                  <a:cs typeface="JetBrains Mono" panose="02000009000000000000" pitchFamily="49" charset="0"/>
+                </a:rPr>
+              </a:br>
+              <a:r>
+                <a:rPr kumimoji="0" lang="zh-TW" altLang="zh-TW" sz="1200" b="0" i="0" u="none" strike="noStrike" cap="none" normalizeH="0" baseline="0">
+                  <a:ln>
+                    <a:noFill/>
+                  </a:ln>
+                  <a:solidFill>
+                    <a:srgbClr val="BCBEC4"/>
+                  </a:solidFill>
+                  <a:effectLst/>
+                  <a:latin typeface="+mj-lt"/>
+                  <a:cs typeface="JetBrains Mono" panose="02000009000000000000" pitchFamily="49" charset="0"/>
+                </a:rPr>
+                <a:t>}</a:t>
+              </a:r>
+              <a:endParaRPr kumimoji="0" lang="zh-TW" altLang="zh-TW" sz="2000" b="0" i="0" u="none" strike="noStrike" cap="none" normalizeH="0" baseline="0">
+                <a:ln>
+                  <a:noFill/>
+                </a:ln>
+                <a:solidFill>
+                  <a:schemeClr val="tx1"/>
+                </a:solidFill>
+                <a:effectLst/>
+                <a:latin typeface="+mj-lt"/>
+              </a:endParaRPr>
+            </a:p>
+          </p:txBody>
+        </p:sp>
+        <p:sp>
+          <p:nvSpPr>
+            <p:cNvPr id="6" name="文字方塊 5">
+              <a:extLst>
+                <a:ext uri="{FF2B5EF4-FFF2-40B4-BE49-F238E27FC236}">
+                  <a16:creationId xmlns:a16="http://schemas.microsoft.com/office/drawing/2014/main" id="{C0C55B38-6813-48D3-AC97-7D1FE0D19FAA}"/>
+                </a:ext>
+              </a:extLst>
+            </p:cNvPr>
+            <p:cNvSpPr txBox="1"/>
+            <p:nvPr/>
+          </p:nvSpPr>
+          <p:spPr>
+            <a:xfrm>
+              <a:off x="5323171" y="6089494"/>
+              <a:ext cx="691215" cy="369332"/>
+            </a:xfrm>
+            <a:prstGeom prst="rect">
+              <a:avLst/>
+            </a:prstGeom>
+            <a:noFill/>
+          </p:spPr>
+          <p:txBody>
+            <a:bodyPr wrap="none" rtlCol="0">
+              <a:spAutoFit/>
+            </a:bodyPr>
+            <a:lstStyle/>
+            <a:p>
+              <a:r>
+                <a:rPr lang="en-US" altLang="zh-TW">
+                  <a:solidFill>
+                    <a:schemeClr val="accent3"/>
+                  </a:solidFill>
+                </a:rPr>
+                <a:t>java</a:t>
+              </a:r>
+              <a:endParaRPr lang="zh-TW" altLang="en-US">
+                <a:solidFill>
+                  <a:schemeClr val="accent3"/>
+                </a:solidFill>
+              </a:endParaRPr>
+            </a:p>
+          </p:txBody>
+        </p:sp>
+        <p:pic>
+          <p:nvPicPr>
+            <p:cNvPr id="7" name="圖片 6">
+              <a:hlinkClick r:id="rId3"/>
+              <a:extLst>
+                <a:ext uri="{FF2B5EF4-FFF2-40B4-BE49-F238E27FC236}">
+                  <a16:creationId xmlns:a16="http://schemas.microsoft.com/office/drawing/2014/main" id="{33599E07-0DB7-4935-ABF9-23B771190C9E}"/>
+                </a:ext>
+              </a:extLst>
+            </p:cNvPr>
+            <p:cNvPicPr>
+              <a:picLocks noChangeAspect="1"/>
+            </p:cNvPicPr>
+            <p:nvPr/>
+          </p:nvPicPr>
+          <p:blipFill>
+            <a:blip r:embed="rId4">
+              <a:extLst>
+                <a:ext uri="{28A0092B-C50C-407E-A947-70E740481C1C}">
+                  <a14:useLocalDpi xmlns:a14="http://schemas.microsoft.com/office/drawing/2010/main" val="0"/>
+                </a:ext>
+              </a:extLst>
+            </a:blip>
+            <a:stretch>
+              <a:fillRect/>
+            </a:stretch>
+          </p:blipFill>
+          <p:spPr>
+            <a:xfrm>
+              <a:off x="5484572" y="3596504"/>
+              <a:ext cx="529814" cy="518296"/>
+            </a:xfrm>
+            <a:prstGeom prst="rect">
+              <a:avLst/>
+            </a:prstGeom>
+          </p:spPr>
+        </p:pic>
+      </p:grpSp>
+      <p:grpSp>
+        <p:nvGrpSpPr>
+          <p:cNvPr id="15" name="群組 14">
+            <a:extLst>
+              <a:ext uri="{FF2B5EF4-FFF2-40B4-BE49-F238E27FC236}">
+                <a16:creationId xmlns:a16="http://schemas.microsoft.com/office/drawing/2014/main" id="{86FBC9E6-29D0-49B3-B9E8-4F2FBA37B635}"/>
+              </a:ext>
+            </a:extLst>
+          </p:cNvPr>
+          <p:cNvGrpSpPr/>
+          <p:nvPr/>
+        </p:nvGrpSpPr>
+        <p:grpSpPr>
+          <a:xfrm>
+            <a:off x="6257365" y="3677547"/>
+            <a:ext cx="5096436" cy="1323439"/>
+            <a:chOff x="6257365" y="4286786"/>
+            <a:chExt cx="5096436" cy="1323439"/>
+          </a:xfrm>
+        </p:grpSpPr>
+        <p:sp>
+          <p:nvSpPr>
+            <p:cNvPr id="5" name="Rectangle 1">
+              <a:extLst>
+                <a:ext uri="{FF2B5EF4-FFF2-40B4-BE49-F238E27FC236}">
+                  <a16:creationId xmlns:a16="http://schemas.microsoft.com/office/drawing/2014/main" id="{CEFE5C42-B8C9-461C-BFA3-22AC1170B151}"/>
+                </a:ext>
+              </a:extLst>
+            </p:cNvPr>
+            <p:cNvSpPr>
+              <a:spLocks noChangeArrowheads="1"/>
+            </p:cNvSpPr>
+            <p:nvPr/>
+          </p:nvSpPr>
+          <p:spPr bwMode="auto">
+            <a:xfrm>
+              <a:off x="6257365" y="4286786"/>
+              <a:ext cx="5096436" cy="1323439"/>
+            </a:xfrm>
+            <a:prstGeom prst="rect">
+              <a:avLst/>
+            </a:prstGeom>
+            <a:solidFill>
+              <a:srgbClr val="1E1F22"/>
+            </a:solidFill>
+            <a:ln>
+              <a:noFill/>
+            </a:ln>
+            <a:effectLst/>
+            <a:extLst>
+              <a:ext uri="{91240B29-F687-4F45-9708-019B960494DF}">
+                <a14:hiddenLine xmlns:a14="http://schemas.microsoft.com/office/drawing/2010/main" w="9525">
+                  <a:solidFill>
+                    <a:schemeClr val="tx1"/>
+                  </a:solidFill>
+                  <a:miter lim="800000"/>
+                  <a:headEnd/>
+                  <a:tailEnd/>
+                </a14:hiddenLine>
+              </a:ext>
+              <a:ext uri="{AF507438-7753-43E0-B8FC-AC1667EBCBE1}">
+                <a14:hiddenEffects xmlns:a14="http://schemas.microsoft.com/office/drawing/2010/main">
+                  <a:effectLst>
+                    <a:outerShdw dist="35921" dir="2700000" algn="ctr" rotWithShape="0">
+                      <a:schemeClr val="bg2"/>
+                    </a:outerShdw>
+                  </a:effectLst>
+                </a14:hiddenEffects>
+              </a:ext>
+            </a:extLst>
+          </p:spPr>
+          <p:txBody>
+            <a:bodyPr vert="horz" wrap="square" lIns="91440" tIns="45720" rIns="91440" bIns="45720" numCol="1" anchor="ctr" anchorCtr="0" compatLnSpc="1">
+              <a:prstTxWarp prst="textNoShape">
+                <a:avLst/>
+              </a:prstTxWarp>
+              <a:spAutoFit/>
+            </a:bodyPr>
+            <a:lstStyle/>
+            <a:p>
+              <a:pPr marL="0" marR="0" lvl="0" indent="0" algn="l" defTabSz="914400" rtl="0" eaLnBrk="0" fontAlgn="base" latinLnBrk="0" hangingPunct="0">
+                <a:lnSpc>
+                  <a:spcPct val="100000"/>
+                </a:lnSpc>
+                <a:spcBef>
+                  <a:spcPct val="0"/>
+                </a:spcBef>
+                <a:spcAft>
+                  <a:spcPct val="0"/>
+                </a:spcAft>
+                <a:buClrTx/>
+                <a:buSzTx/>
+                <a:buFontTx/>
+                <a:buNone/>
+                <a:tabLst/>
+              </a:pPr>
+              <a:r>
+                <a:rPr kumimoji="0" lang="en-US" altLang="zh-TW" sz="2000" b="0" i="0" u="none" strike="noStrike" cap="none" normalizeH="0" baseline="0">
+                  <a:ln>
+                    <a:noFill/>
+                  </a:ln>
+                  <a:solidFill>
+                    <a:srgbClr val="BCBEC4"/>
+                  </a:solidFill>
+                  <a:effectLst/>
+                  <a:latin typeface="+mj-lt"/>
+                  <a:cs typeface="JetBrains Mono" panose="02000009000000000000" pitchFamily="49" charset="0"/>
+                </a:rPr>
+                <a:t>true</a:t>
+              </a:r>
+            </a:p>
+            <a:p>
+              <a:pPr marL="0" marR="0" lvl="0" indent="0" algn="l" defTabSz="914400" rtl="0" eaLnBrk="0" fontAlgn="base" latinLnBrk="0" hangingPunct="0">
+                <a:lnSpc>
+                  <a:spcPct val="100000"/>
+                </a:lnSpc>
+                <a:spcBef>
+                  <a:spcPct val="0"/>
+                </a:spcBef>
+                <a:spcAft>
+                  <a:spcPct val="0"/>
+                </a:spcAft>
+                <a:buClrTx/>
+                <a:buSzTx/>
+                <a:buFontTx/>
+                <a:buNone/>
+                <a:tabLst/>
+              </a:pPr>
+              <a:r>
+                <a:rPr kumimoji="0" lang="en-US" altLang="zh-TW" sz="2000" b="0" i="0" u="none" strike="noStrike" cap="none" normalizeH="0" baseline="0">
+                  <a:ln>
+                    <a:noFill/>
+                  </a:ln>
+                  <a:solidFill>
+                    <a:srgbClr val="BCBEC4"/>
+                  </a:solidFill>
+                  <a:effectLst/>
+                  <a:latin typeface="+mj-lt"/>
+                  <a:cs typeface="JetBrains Mono" panose="02000009000000000000" pitchFamily="49" charset="0"/>
+                </a:rPr>
+                <a:t>4</a:t>
+              </a:r>
+            </a:p>
+            <a:p>
+              <a:pPr marL="0" marR="0" lvl="0" indent="0" algn="l" defTabSz="914400" rtl="0" eaLnBrk="0" fontAlgn="base" latinLnBrk="0" hangingPunct="0">
+                <a:lnSpc>
+                  <a:spcPct val="100000"/>
+                </a:lnSpc>
+                <a:spcBef>
+                  <a:spcPct val="0"/>
+                </a:spcBef>
+                <a:spcAft>
+                  <a:spcPct val="0"/>
+                </a:spcAft>
+                <a:buClrTx/>
+                <a:buSzTx/>
+                <a:buFontTx/>
+                <a:buNone/>
+                <a:tabLst/>
+              </a:pPr>
+              <a:r>
+                <a:rPr kumimoji="0" lang="en-US" altLang="zh-TW" sz="2000" b="0" i="0" u="none" strike="noStrike" cap="none" normalizeH="0" baseline="0">
+                  <a:ln>
+                    <a:noFill/>
+                  </a:ln>
+                  <a:solidFill>
+                    <a:srgbClr val="BCBEC4"/>
+                  </a:solidFill>
+                  <a:effectLst/>
+                  <a:latin typeface="+mj-lt"/>
+                  <a:cs typeface="JetBrains Mono" panose="02000009000000000000" pitchFamily="49" charset="0"/>
+                </a:rPr>
+                <a:t>[1, 2, 3, 4, 5, 6, 7, 8, 9]</a:t>
+              </a:r>
+            </a:p>
+            <a:p>
+              <a:pPr marL="0" marR="0" lvl="0" indent="0" algn="l" defTabSz="914400" rtl="0" eaLnBrk="0" fontAlgn="base" latinLnBrk="0" hangingPunct="0">
+                <a:lnSpc>
+                  <a:spcPct val="100000"/>
+                </a:lnSpc>
+                <a:spcBef>
+                  <a:spcPct val="0"/>
+                </a:spcBef>
+                <a:spcAft>
+                  <a:spcPct val="0"/>
+                </a:spcAft>
+                <a:buClrTx/>
+                <a:buSzTx/>
+                <a:buFontTx/>
+                <a:buNone/>
+                <a:tabLst/>
+              </a:pPr>
+              <a:r>
+                <a:rPr kumimoji="0" lang="en-US" altLang="zh-TW" sz="2000" b="0" i="0" u="none" strike="noStrike" cap="none" normalizeH="0" baseline="0">
+                  <a:ln>
+                    <a:noFill/>
+                  </a:ln>
+                  <a:solidFill>
+                    <a:srgbClr val="BCBEC4"/>
+                  </a:solidFill>
+                  <a:effectLst/>
+                  <a:latin typeface="+mj-lt"/>
+                  <a:cs typeface="JetBrains Mono" panose="02000009000000000000" pitchFamily="49" charset="0"/>
+                </a:rPr>
+                <a:t>[6, 6, 6, 6]</a:t>
+              </a:r>
+              <a:endParaRPr kumimoji="0" lang="zh-TW" altLang="zh-TW" sz="3600" b="0" i="0" u="none" strike="noStrike" cap="none" normalizeH="0" baseline="0">
+                <a:ln>
+                  <a:noFill/>
+                </a:ln>
+                <a:solidFill>
+                  <a:schemeClr val="tx1"/>
+                </a:solidFill>
+                <a:effectLst/>
+                <a:latin typeface="+mj-lt"/>
+              </a:endParaRPr>
+            </a:p>
+          </p:txBody>
+        </p:sp>
+        <p:sp>
+          <p:nvSpPr>
+            <p:cNvPr id="9" name="文字方塊 8">
+              <a:extLst>
+                <a:ext uri="{FF2B5EF4-FFF2-40B4-BE49-F238E27FC236}">
+                  <a16:creationId xmlns:a16="http://schemas.microsoft.com/office/drawing/2014/main" id="{E198FF69-8428-431F-B41C-FB88F9D7250F}"/>
+                </a:ext>
+              </a:extLst>
+            </p:cNvPr>
+            <p:cNvSpPr txBox="1"/>
+            <p:nvPr/>
+          </p:nvSpPr>
+          <p:spPr>
+            <a:xfrm>
+              <a:off x="10409311" y="5240893"/>
+              <a:ext cx="944489" cy="369332"/>
+            </a:xfrm>
+            <a:prstGeom prst="rect">
+              <a:avLst/>
+            </a:prstGeom>
+            <a:noFill/>
+          </p:spPr>
+          <p:txBody>
+            <a:bodyPr wrap="none" rtlCol="0">
+              <a:spAutoFit/>
+            </a:bodyPr>
+            <a:lstStyle/>
+            <a:p>
+              <a:r>
+                <a:rPr lang="en-US" altLang="zh-TW">
+                  <a:solidFill>
+                    <a:schemeClr val="accent3"/>
+                  </a:solidFill>
+                </a:rPr>
+                <a:t>output</a:t>
+              </a:r>
+              <a:endParaRPr lang="zh-TW" altLang="en-US">
+                <a:solidFill>
+                  <a:schemeClr val="accent3"/>
+                </a:solidFill>
+              </a:endParaRPr>
+            </a:p>
+          </p:txBody>
+        </p:sp>
+      </p:grpSp>
+      <p:grpSp>
+        <p:nvGrpSpPr>
+          <p:cNvPr id="17" name="群組 16">
+            <a:extLst>
+              <a:ext uri="{FF2B5EF4-FFF2-40B4-BE49-F238E27FC236}">
+                <a16:creationId xmlns:a16="http://schemas.microsoft.com/office/drawing/2014/main" id="{1BBB3C80-EC26-4771-828A-8EF0EC272F92}"/>
+              </a:ext>
+            </a:extLst>
+          </p:cNvPr>
+          <p:cNvGrpSpPr/>
+          <p:nvPr/>
+        </p:nvGrpSpPr>
+        <p:grpSpPr>
+          <a:xfrm>
+            <a:off x="6014386" y="3208101"/>
+            <a:ext cx="1972408" cy="394266"/>
+            <a:chOff x="9430050" y="6123076"/>
+            <a:chExt cx="1972408" cy="394266"/>
+          </a:xfrm>
+        </p:grpSpPr>
+        <p:pic>
+          <p:nvPicPr>
+            <p:cNvPr id="18" name="圖片 17">
+              <a:hlinkClick r:id="rId5"/>
+              <a:extLst>
+                <a:ext uri="{FF2B5EF4-FFF2-40B4-BE49-F238E27FC236}">
+                  <a16:creationId xmlns:a16="http://schemas.microsoft.com/office/drawing/2014/main" id="{8FF3936C-26BF-4447-9761-7A814A9F245D}"/>
+                </a:ext>
+              </a:extLst>
+            </p:cNvPr>
+            <p:cNvPicPr>
+              <a:picLocks noChangeAspect="1"/>
+            </p:cNvPicPr>
+            <p:nvPr/>
+          </p:nvPicPr>
+          <p:blipFill>
+            <a:blip r:embed="rId6">
+              <a:extLst>
+                <a:ext uri="{28A0092B-C50C-407E-A947-70E740481C1C}">
+                  <a14:useLocalDpi xmlns:a14="http://schemas.microsoft.com/office/drawing/2010/main" val="0"/>
+                </a:ext>
+              </a:extLst>
+            </a:blip>
+            <a:stretch>
+              <a:fillRect/>
+            </a:stretch>
+          </p:blipFill>
+          <p:spPr>
+            <a:xfrm>
+              <a:off x="11008192" y="6123076"/>
+              <a:ext cx="394266" cy="394266"/>
+            </a:xfrm>
+            <a:prstGeom prst="rect">
+              <a:avLst/>
+            </a:prstGeom>
+          </p:spPr>
+        </p:pic>
+        <p:sp>
+          <p:nvSpPr>
+            <p:cNvPr id="19" name="文字方塊 18">
+              <a:extLst>
+                <a:ext uri="{FF2B5EF4-FFF2-40B4-BE49-F238E27FC236}">
+                  <a16:creationId xmlns:a16="http://schemas.microsoft.com/office/drawing/2014/main" id="{0E0FC05A-3C70-48A1-9593-0BFEA937CBA3}"/>
+                </a:ext>
+              </a:extLst>
+            </p:cNvPr>
+            <p:cNvSpPr txBox="1"/>
+            <p:nvPr/>
+          </p:nvSpPr>
+          <p:spPr>
+            <a:xfrm>
+              <a:off x="9430050" y="6135543"/>
+              <a:ext cx="1577676" cy="369332"/>
+            </a:xfrm>
+            <a:prstGeom prst="rect">
+              <a:avLst/>
+            </a:prstGeom>
+            <a:noFill/>
+          </p:spPr>
+          <p:txBody>
+            <a:bodyPr wrap="none" rtlCol="0">
+              <a:spAutoFit/>
+            </a:bodyPr>
+            <a:lstStyle/>
+            <a:p>
+              <a:r>
+                <a:rPr lang="en-US" altLang="zh-TW"/>
+                <a:t>Java 21 API</a:t>
+              </a:r>
+              <a:endParaRPr lang="zh-TW" altLang="en-US"/>
+            </a:p>
+          </p:txBody>
+        </p:sp>
+      </p:grpSp>
+      <p:sp>
+        <p:nvSpPr>
+          <p:cNvPr id="21" name="內容版面配置區 2">
+            <a:extLst>
+              <a:ext uri="{FF2B5EF4-FFF2-40B4-BE49-F238E27FC236}">
+                <a16:creationId xmlns:a16="http://schemas.microsoft.com/office/drawing/2014/main" id="{991D5C5A-E848-4517-A087-753BCA4D487C}"/>
+              </a:ext>
+            </a:extLst>
+          </p:cNvPr>
+          <p:cNvSpPr txBox="1">
+            <a:spLocks/>
+          </p:cNvSpPr>
+          <p:nvPr/>
+        </p:nvSpPr>
+        <p:spPr>
+          <a:xfrm>
+            <a:off x="6257364" y="5077257"/>
+            <a:ext cx="5096436" cy="1431160"/>
+          </a:xfrm>
+          <a:prstGeom prst="rect">
+            <a:avLst/>
+          </a:prstGeom>
+        </p:spPr>
+        <p:txBody>
+          <a:bodyPr vert="horz" lIns="91440" tIns="45720" rIns="91440" bIns="45720" rtlCol="0">
+            <a:normAutofit/>
+          </a:bodyPr>
+          <a:lstStyle>
+            <a:lvl1pPr marL="0" indent="0" algn="l" defTabSz="914400" rtl="0" eaLnBrk="1" latinLnBrk="0" hangingPunct="1">
+              <a:lnSpc>
+                <a:spcPct val="90000"/>
+              </a:lnSpc>
+              <a:spcBef>
+                <a:spcPts val="1000"/>
+              </a:spcBef>
+              <a:buFont typeface="Arial" panose="020B0604020202020204" pitchFamily="34" charset="0"/>
+              <a:buNone/>
+              <a:defRPr sz="2800" kern="1200">
+                <a:solidFill>
+                  <a:schemeClr val="tx1"/>
+                </a:solidFill>
+                <a:latin typeface="+mn-lt"/>
+                <a:ea typeface="+mn-ea"/>
+                <a:cs typeface="+mn-cs"/>
+              </a:defRPr>
+            </a:lvl1pPr>
+            <a:lvl2pPr marL="457200" indent="0" algn="l" defTabSz="914400" rtl="0" eaLnBrk="1" latinLnBrk="0" hangingPunct="1">
+              <a:lnSpc>
+                <a:spcPct val="90000"/>
+              </a:lnSpc>
+              <a:spcBef>
+                <a:spcPts val="500"/>
+              </a:spcBef>
+              <a:buFont typeface="Arial" panose="020B0604020202020204" pitchFamily="34" charset="0"/>
+              <a:buNone/>
+              <a:defRPr sz="2400" kern="1200">
+                <a:solidFill>
+                  <a:schemeClr val="tx1"/>
+                </a:solidFill>
+                <a:latin typeface="+mn-lt"/>
+                <a:ea typeface="+mn-ea"/>
+                <a:cs typeface="+mn-cs"/>
+              </a:defRPr>
+            </a:lvl2pPr>
+            <a:lvl3pPr marL="914400" indent="0" algn="l" defTabSz="914400" rtl="0" eaLnBrk="1" latinLnBrk="0" hangingPunct="1">
+              <a:lnSpc>
+                <a:spcPct val="90000"/>
+              </a:lnSpc>
+              <a:spcBef>
+                <a:spcPts val="500"/>
+              </a:spcBef>
+              <a:buFont typeface="Arial" panose="020B0604020202020204" pitchFamily="34" charset="0"/>
+              <a:buNone/>
+              <a:defRPr sz="2000" kern="1200">
+                <a:solidFill>
+                  <a:schemeClr val="tx1"/>
+                </a:solidFill>
+                <a:latin typeface="+mn-lt"/>
+                <a:ea typeface="+mn-ea"/>
+                <a:cs typeface="+mn-cs"/>
+              </a:defRPr>
+            </a:lvl3pPr>
+            <a:lvl4pPr marL="1371600" indent="0" algn="l" defTabSz="914400" rtl="0" eaLnBrk="1" latinLnBrk="0" hangingPunct="1">
+              <a:lnSpc>
+                <a:spcPct val="90000"/>
+              </a:lnSpc>
+              <a:spcBef>
+                <a:spcPts val="500"/>
+              </a:spcBef>
+              <a:buFont typeface="Arial" panose="020B0604020202020204" pitchFamily="34" charset="0"/>
+              <a:buNone/>
+              <a:defRPr sz="1800" kern="1200">
+                <a:solidFill>
+                  <a:schemeClr val="tx1"/>
+                </a:solidFill>
+                <a:latin typeface="+mn-lt"/>
+                <a:ea typeface="+mn-ea"/>
+                <a:cs typeface="+mn-cs"/>
+              </a:defRPr>
+            </a:lvl4pPr>
+            <a:lvl5pPr marL="1828800" indent="0" algn="l" defTabSz="914400" rtl="0" eaLnBrk="1" latinLnBrk="0" hangingPunct="1">
+              <a:lnSpc>
+                <a:spcPct val="90000"/>
+              </a:lnSpc>
+              <a:spcBef>
+                <a:spcPts val="500"/>
+              </a:spcBef>
+              <a:buFont typeface="Arial" panose="020B0604020202020204" pitchFamily="34" charset="0"/>
+              <a:buNone/>
+              <a:defRPr sz="1800" kern="1200">
+                <a:solidFill>
+                  <a:schemeClr val="tx1"/>
+                </a:solidFill>
+                <a:latin typeface="+mn-lt"/>
+                <a:ea typeface="+mn-ea"/>
+                <a:cs typeface="+mn-cs"/>
+              </a:defRPr>
+            </a:lvl5pPr>
+            <a:lvl6pPr marL="2514600" indent="-228600" algn="l" defTabSz="914400" rtl="0" eaLnBrk="1" latinLnBrk="0" hangingPunct="1">
+              <a:lnSpc>
+                <a:spcPct val="90000"/>
+              </a:lnSpc>
+              <a:spcBef>
+                <a:spcPts val="500"/>
+              </a:spcBef>
+              <a:buFont typeface="Arial" panose="020B0604020202020204" pitchFamily="34" charset="0"/>
+              <a:buChar char="•"/>
+              <a:defRPr sz="1800" kern="1200">
+                <a:solidFill>
+                  <a:schemeClr val="tx1"/>
+                </a:solidFill>
+                <a:latin typeface="+mn-lt"/>
+                <a:ea typeface="+mn-ea"/>
+                <a:cs typeface="+mn-cs"/>
+              </a:defRPr>
+            </a:lvl6pPr>
+            <a:lvl7pPr marL="2971800" indent="-228600" algn="l" defTabSz="914400" rtl="0" eaLnBrk="1" latinLnBrk="0" hangingPunct="1">
+              <a:lnSpc>
+                <a:spcPct val="90000"/>
+              </a:lnSpc>
+              <a:spcBef>
+                <a:spcPts val="500"/>
+              </a:spcBef>
+              <a:buFont typeface="Arial" panose="020B0604020202020204" pitchFamily="34" charset="0"/>
+              <a:buChar char="•"/>
+              <a:defRPr sz="1800" kern="1200">
+                <a:solidFill>
+                  <a:schemeClr val="tx1"/>
+                </a:solidFill>
+                <a:latin typeface="+mn-lt"/>
+                <a:ea typeface="+mn-ea"/>
+                <a:cs typeface="+mn-cs"/>
+              </a:defRPr>
+            </a:lvl7pPr>
+            <a:lvl8pPr marL="3429000" indent="-228600" algn="l" defTabSz="914400" rtl="0" eaLnBrk="1" latinLnBrk="0" hangingPunct="1">
+              <a:lnSpc>
+                <a:spcPct val="90000"/>
+              </a:lnSpc>
+              <a:spcBef>
+                <a:spcPts val="500"/>
+              </a:spcBef>
+              <a:buFont typeface="Arial" panose="020B0604020202020204" pitchFamily="34" charset="0"/>
+              <a:buChar char="•"/>
+              <a:defRPr sz="1800" kern="1200">
+                <a:solidFill>
+                  <a:schemeClr val="tx1"/>
+                </a:solidFill>
+                <a:latin typeface="+mn-lt"/>
+                <a:ea typeface="+mn-ea"/>
+                <a:cs typeface="+mn-cs"/>
+              </a:defRPr>
+            </a:lvl8pPr>
+            <a:lvl9pPr marL="3886200" indent="-228600" algn="l" defTabSz="914400" rtl="0" eaLnBrk="1" latinLnBrk="0" hangingPunct="1">
+              <a:lnSpc>
+                <a:spcPct val="90000"/>
+              </a:lnSpc>
+              <a:spcBef>
+                <a:spcPts val="500"/>
+              </a:spcBef>
+              <a:buFont typeface="Arial" panose="020B0604020202020204" pitchFamily="34" charset="0"/>
+              <a:buChar char="•"/>
+              <a:defRPr sz="1800" kern="1200">
+                <a:solidFill>
+                  <a:schemeClr val="tx1"/>
+                </a:solidFill>
+                <a:latin typeface="+mn-lt"/>
+                <a:ea typeface="+mn-ea"/>
+                <a:cs typeface="+mn-cs"/>
+              </a:defRPr>
+            </a:lvl9pPr>
+          </a:lstStyle>
+          <a:p>
+            <a:r>
+              <a:rPr lang="zh-TW" altLang="en-US" sz="2400"/>
+              <a:t>特別注意，呼叫 </a:t>
+            </a:r>
+            <a:r>
+              <a:rPr lang="en-US" altLang="zh-TW" sz="2400">
+                <a:solidFill>
+                  <a:srgbClr val="92D050"/>
+                </a:solidFill>
+              </a:rPr>
+              <a:t>binarySearch </a:t>
+            </a:r>
+            <a:r>
+              <a:rPr lang="zh-TW" altLang="en-US" sz="2400"/>
+              <a:t>前</a:t>
+            </a:r>
+            <a:endParaRPr lang="en-US" altLang="zh-TW" sz="2400"/>
+          </a:p>
+          <a:p>
+            <a:r>
+              <a:rPr lang="zh-TW" altLang="en-US" sz="2400"/>
+              <a:t>一定要先將</a:t>
+            </a:r>
+            <a:r>
+              <a:rPr lang="zh-TW" altLang="en-US" sz="2400">
+                <a:solidFill>
+                  <a:srgbClr val="00B0F0"/>
+                </a:solidFill>
+              </a:rPr>
+              <a:t>陣列</a:t>
+            </a:r>
+            <a:r>
+              <a:rPr lang="zh-TW" altLang="en-US" sz="2400"/>
+              <a:t>由小到大</a:t>
+            </a:r>
+            <a:r>
+              <a:rPr lang="zh-TW" altLang="en-US" sz="2400">
+                <a:solidFill>
+                  <a:srgbClr val="FFC000"/>
+                </a:solidFill>
+              </a:rPr>
+              <a:t>排序</a:t>
+            </a:r>
+            <a:r>
+              <a:rPr lang="en-US" altLang="zh-TW" sz="2400">
+                <a:solidFill>
+                  <a:srgbClr val="FFC000"/>
+                </a:solidFill>
+              </a:rPr>
+              <a:t>(sort)</a:t>
+            </a:r>
+          </a:p>
+          <a:p>
+            <a:r>
+              <a:rPr lang="zh-TW" altLang="en-US" sz="2400"/>
+              <a:t>這與</a:t>
+            </a:r>
+            <a:r>
+              <a:rPr lang="zh-TW" altLang="en-US" sz="2400">
+                <a:solidFill>
+                  <a:srgbClr val="00B0F0"/>
+                </a:solidFill>
+              </a:rPr>
+              <a:t>二分搜尋法</a:t>
+            </a:r>
+            <a:r>
+              <a:rPr lang="zh-TW" altLang="en-US" sz="2400"/>
+              <a:t>原理有關</a:t>
+            </a:r>
+          </a:p>
+        </p:txBody>
+      </p:sp>
+    </p:spTree>
+    <p:extLst>
+      <p:ext uri="{BB962C8B-B14F-4D97-AF65-F5344CB8AC3E}">
+        <p14:creationId xmlns:p14="http://schemas.microsoft.com/office/powerpoint/2010/main" val="2408527210"/>
+      </p:ext>
+    </p:extLst>
+  </p:cSld>
+  <p:clrMapOvr>
+    <a:masterClrMapping/>
+  </p:clrMapOvr>
+  <p:transition spd="slow">
+    <p:push dir="u"/>
+  </p:transition>
+</p:sld>
+</file>
+
+<file path=ppt/slides/slide12.xml><?xml version="1.0" encoding="utf-8"?>
+<p:sld xmlns:a="http://schemas.openxmlformats.org/drawingml/2006/main" xmlns:r="http://schemas.openxmlformats.org/officeDocument/2006/relationships" xmlns:p="http://schemas.openxmlformats.org/presentationml/2006/main">
+  <p:cSld>
+    <p:spTree>
+      <p:nvGrpSpPr>
+        <p:cNvPr id="1" name=""/>
+        <p:cNvGrpSpPr/>
+        <p:nvPr/>
+      </p:nvGrpSpPr>
+      <p:grpSpPr>
+        <a:xfrm>
+          <a:off x="0" y="0"/>
+          <a:ext cx="0" cy="0"/>
+          <a:chOff x="0" y="0"/>
+          <a:chExt cx="0" cy="0"/>
+        </a:xfrm>
+      </p:grpSpPr>
+      <p:sp>
+        <p:nvSpPr>
+          <p:cNvPr id="2" name="標題 1">
+            <a:extLst>
+              <a:ext uri="{FF2B5EF4-FFF2-40B4-BE49-F238E27FC236}">
                 <a16:creationId xmlns:a16="http://schemas.microsoft.com/office/drawing/2014/main" id="{C978EADA-3C5F-4A69-93C0-0060093F0CCE}"/>
               </a:ext>
             </a:extLst>
@@ -3751,7 +7975,7 @@
 </p:sld>
 </file>
 
-<file path=ppt/slides/slide11.xml><?xml version="1.0" encoding="utf-8"?>
+<file path=ppt/slides/slide13.xml><?xml version="1.0" encoding="utf-8"?>
 <p:sld xmlns:a="http://schemas.openxmlformats.org/drawingml/2006/main" xmlns:r="http://schemas.openxmlformats.org/officeDocument/2006/relationships" xmlns:p="http://schemas.openxmlformats.org/presentationml/2006/main">
   <p:cSld>
     <p:spTree>
@@ -7758,4230 +11982,6 @@
     <p:extLst>
       <p:ext uri="{BB962C8B-B14F-4D97-AF65-F5344CB8AC3E}">
         <p14:creationId xmlns:p14="http://schemas.microsoft.com/office/powerpoint/2010/main" val="452865406"/>
-      </p:ext>
-    </p:extLst>
-  </p:cSld>
-  <p:clrMapOvr>
-    <a:masterClrMapping/>
-  </p:clrMapOvr>
-  <p:transition spd="slow">
-    <p:push dir="u"/>
-  </p:transition>
-</p:sld>
-</file>
-
-<file path=ppt/slides/slide12.xml><?xml version="1.0" encoding="utf-8"?>
-<p:sld xmlns:a="http://schemas.openxmlformats.org/drawingml/2006/main" xmlns:r="http://schemas.openxmlformats.org/officeDocument/2006/relationships" xmlns:p="http://schemas.openxmlformats.org/presentationml/2006/main">
-  <p:cSld>
-    <p:spTree>
-      <p:nvGrpSpPr>
-        <p:cNvPr id="1" name=""/>
-        <p:cNvGrpSpPr/>
-        <p:nvPr/>
-      </p:nvGrpSpPr>
-      <p:grpSpPr>
-        <a:xfrm>
-          <a:off x="0" y="0"/>
-          <a:ext cx="0" cy="0"/>
-          <a:chOff x="0" y="0"/>
-          <a:chExt cx="0" cy="0"/>
-        </a:xfrm>
-      </p:grpSpPr>
-      <p:sp>
-        <p:nvSpPr>
-          <p:cNvPr id="2" name="標題 1">
-            <a:extLst>
-              <a:ext uri="{FF2B5EF4-FFF2-40B4-BE49-F238E27FC236}">
-                <a16:creationId xmlns:a16="http://schemas.microsoft.com/office/drawing/2014/main" id="{D488328E-5CCE-47E4-82B4-6C988EA0044A}"/>
-              </a:ext>
-            </a:extLst>
-          </p:cNvPr>
-          <p:cNvSpPr>
-            <a:spLocks noGrp="1"/>
-          </p:cNvSpPr>
-          <p:nvPr>
-            <p:ph type="title"/>
-          </p:nvPr>
-        </p:nvSpPr>
-        <p:spPr>
-          <a:xfrm>
-            <a:off x="838200" y="0"/>
-            <a:ext cx="10515600" cy="1325563"/>
-          </a:xfrm>
-        </p:spPr>
-        <p:txBody>
-          <a:bodyPr/>
-          <a:lstStyle/>
-          <a:p>
-            <a:r>
-              <a:rPr lang="zh-TW" altLang="en-US"/>
-              <a:t>陣列工具類別</a:t>
-            </a:r>
-          </a:p>
-        </p:txBody>
-      </p:sp>
-      <p:sp>
-        <p:nvSpPr>
-          <p:cNvPr id="3" name="內容版面配置區 2">
-            <a:extLst>
-              <a:ext uri="{FF2B5EF4-FFF2-40B4-BE49-F238E27FC236}">
-                <a16:creationId xmlns:a16="http://schemas.microsoft.com/office/drawing/2014/main" id="{5F6E6AE5-4660-4582-A794-2A2ACA1B6976}"/>
-              </a:ext>
-            </a:extLst>
-          </p:cNvPr>
-          <p:cNvSpPr>
-            <a:spLocks noGrp="1"/>
-          </p:cNvSpPr>
-          <p:nvPr>
-            <p:ph idx="1"/>
-          </p:nvPr>
-        </p:nvSpPr>
-        <p:spPr>
-          <a:xfrm>
-            <a:off x="838200" y="920565"/>
-            <a:ext cx="10515600" cy="2784690"/>
-          </a:xfrm>
-        </p:spPr>
-        <p:txBody>
-          <a:bodyPr>
-            <a:normAutofit/>
-          </a:bodyPr>
-          <a:lstStyle/>
-          <a:p>
-            <a:r>
-              <a:rPr lang="zh-TW" altLang="en-US" sz="2400">
-                <a:solidFill>
-                  <a:srgbClr val="00B0F0"/>
-                </a:solidFill>
-              </a:rPr>
-              <a:t>陣列</a:t>
-            </a:r>
-            <a:r>
-              <a:rPr lang="zh-TW" altLang="en-US" sz="2400"/>
-              <a:t>的</a:t>
-            </a:r>
-            <a:r>
-              <a:rPr lang="zh-TW" altLang="en-US" sz="2400">
-                <a:solidFill>
-                  <a:srgbClr val="00B0F0"/>
-                </a:solidFill>
-              </a:rPr>
-              <a:t>工具類別</a:t>
-            </a:r>
-            <a:r>
-              <a:rPr lang="zh-TW" altLang="en-US" sz="2400"/>
-              <a:t>是 </a:t>
-            </a:r>
-            <a:r>
-              <a:rPr lang="en-US" altLang="zh-TW" sz="2400">
-                <a:solidFill>
-                  <a:srgbClr val="00B050"/>
-                </a:solidFill>
-              </a:rPr>
-              <a:t>java</a:t>
-            </a:r>
-            <a:r>
-              <a:rPr lang="en-US" altLang="zh-TW" sz="2400">
-                <a:solidFill>
-                  <a:srgbClr val="00B0F0"/>
-                </a:solidFill>
-              </a:rPr>
-              <a:t>.</a:t>
-            </a:r>
-            <a:r>
-              <a:rPr lang="en-US" altLang="zh-TW" sz="2400">
-                <a:solidFill>
-                  <a:srgbClr val="FFFF00"/>
-                </a:solidFill>
-              </a:rPr>
-              <a:t>util</a:t>
-            </a:r>
-            <a:r>
-              <a:rPr lang="en-US" altLang="zh-TW" sz="2400">
-                <a:solidFill>
-                  <a:srgbClr val="00B0F0"/>
-                </a:solidFill>
-              </a:rPr>
-              <a:t>.</a:t>
-            </a:r>
-            <a:r>
-              <a:rPr lang="en-US" altLang="zh-TW" sz="2400">
-                <a:solidFill>
-                  <a:srgbClr val="FFC000"/>
-                </a:solidFill>
-              </a:rPr>
-              <a:t>Arrays</a:t>
-            </a:r>
-          </a:p>
-          <a:p>
-            <a:r>
-              <a:rPr lang="zh-TW" altLang="en-US" sz="2400"/>
-              <a:t>當中定義了許多關於</a:t>
-            </a:r>
-            <a:r>
-              <a:rPr lang="zh-TW" altLang="en-US" sz="2400">
-                <a:solidFill>
-                  <a:srgbClr val="00B0F0"/>
-                </a:solidFill>
-              </a:rPr>
-              <a:t>陣列</a:t>
-            </a:r>
-            <a:r>
-              <a:rPr lang="zh-TW" altLang="en-US" sz="2400"/>
-              <a:t>的</a:t>
-            </a:r>
-            <a:r>
-              <a:rPr lang="zh-TW" altLang="en-US" sz="2400">
-                <a:solidFill>
-                  <a:srgbClr val="00B0F0"/>
-                </a:solidFill>
-              </a:rPr>
-              <a:t>公開靜態方法</a:t>
-            </a:r>
-            <a:r>
-              <a:rPr lang="zh-TW" altLang="en-US" sz="2400"/>
-              <a:t>，如：</a:t>
-            </a:r>
-            <a:endParaRPr lang="en-US" altLang="zh-TW" sz="2400"/>
-          </a:p>
-          <a:p>
-            <a:r>
-              <a:rPr lang="en-US" altLang="zh-TW" sz="2400">
-                <a:solidFill>
-                  <a:srgbClr val="00B0F0"/>
-                </a:solidFill>
-              </a:rPr>
-              <a:t>arrType</a:t>
-            </a:r>
-            <a:r>
-              <a:rPr lang="en-US" altLang="zh-TW" sz="2400">
-                <a:solidFill>
-                  <a:srgbClr val="92D050"/>
-                </a:solidFill>
-              </a:rPr>
-              <a:t> copyOf(</a:t>
-            </a:r>
-            <a:r>
-              <a:rPr lang="en-US" altLang="zh-TW" sz="2400">
-                <a:solidFill>
-                  <a:srgbClr val="00B0F0"/>
-                </a:solidFill>
-              </a:rPr>
-              <a:t>srcArray, newArrLength</a:t>
-            </a:r>
-            <a:r>
-              <a:rPr lang="en-US" altLang="zh-TW" sz="2400">
-                <a:solidFill>
-                  <a:srgbClr val="92D050"/>
-                </a:solidFill>
-              </a:rPr>
-              <a:t>)</a:t>
-            </a:r>
-            <a:r>
-              <a:rPr lang="zh-TW" altLang="en-US" sz="2400"/>
-              <a:t>、</a:t>
-            </a:r>
-            <a:r>
-              <a:rPr lang="en-US" altLang="zh-TW" sz="2400">
-                <a:solidFill>
-                  <a:srgbClr val="CF8E6D"/>
-                </a:solidFill>
-              </a:rPr>
-              <a:t>void</a:t>
-            </a:r>
-            <a:r>
-              <a:rPr lang="en-US" altLang="zh-TW" sz="2400"/>
-              <a:t> </a:t>
-            </a:r>
-            <a:r>
-              <a:rPr lang="en-US" altLang="zh-TW" sz="2400">
-                <a:solidFill>
-                  <a:srgbClr val="92D050"/>
-                </a:solidFill>
-              </a:rPr>
-              <a:t>sort(</a:t>
-            </a:r>
-            <a:r>
-              <a:rPr lang="en-US" altLang="zh-TW" sz="2400">
-                <a:solidFill>
-                  <a:srgbClr val="00B0F0"/>
-                </a:solidFill>
-              </a:rPr>
-              <a:t>array</a:t>
-            </a:r>
-            <a:r>
-              <a:rPr lang="en-US" altLang="zh-TW" sz="2400">
-                <a:solidFill>
-                  <a:srgbClr val="92D050"/>
-                </a:solidFill>
-              </a:rPr>
-              <a:t>)</a:t>
-            </a:r>
-            <a:endParaRPr lang="en-US" altLang="zh-TW" sz="2400"/>
-          </a:p>
-          <a:p>
-            <a:r>
-              <a:rPr lang="en-US" altLang="zh-TW" sz="2400">
-                <a:solidFill>
-                  <a:srgbClr val="CF8E6D"/>
-                </a:solidFill>
-              </a:rPr>
-              <a:t>void</a:t>
-            </a:r>
-            <a:r>
-              <a:rPr lang="en-US" altLang="zh-TW" sz="2400"/>
-              <a:t> </a:t>
-            </a:r>
-            <a:r>
-              <a:rPr lang="en-US" altLang="zh-TW" sz="2400">
-                <a:solidFill>
-                  <a:srgbClr val="92D050"/>
-                </a:solidFill>
-              </a:rPr>
-              <a:t>equals(</a:t>
-            </a:r>
-            <a:r>
-              <a:rPr lang="en-US" altLang="zh-TW" sz="2400">
-                <a:solidFill>
-                  <a:srgbClr val="00B0F0"/>
-                </a:solidFill>
-              </a:rPr>
-              <a:t>arr1, arr2</a:t>
-            </a:r>
-            <a:r>
-              <a:rPr lang="en-US" altLang="zh-TW" sz="2400">
-                <a:solidFill>
-                  <a:srgbClr val="92D050"/>
-                </a:solidFill>
-              </a:rPr>
-              <a:t>)</a:t>
-            </a:r>
-            <a:r>
-              <a:rPr lang="zh-TW" altLang="en-US" sz="2400"/>
-              <a:t>、</a:t>
-            </a:r>
-            <a:r>
-              <a:rPr lang="en-US" altLang="zh-TW" sz="2400">
-                <a:solidFill>
-                  <a:srgbClr val="FFC000"/>
-                </a:solidFill>
-              </a:rPr>
-              <a:t>String</a:t>
-            </a:r>
-            <a:r>
-              <a:rPr lang="en-US" altLang="zh-TW" sz="2400"/>
-              <a:t> </a:t>
-            </a:r>
-            <a:r>
-              <a:rPr lang="en-US" altLang="zh-TW" sz="2400">
-                <a:solidFill>
-                  <a:srgbClr val="92D050"/>
-                </a:solidFill>
-              </a:rPr>
-              <a:t>toString(</a:t>
-            </a:r>
-            <a:r>
-              <a:rPr lang="en-US" altLang="zh-TW" sz="2400">
-                <a:solidFill>
-                  <a:srgbClr val="00B0F0"/>
-                </a:solidFill>
-              </a:rPr>
-              <a:t>array</a:t>
-            </a:r>
-            <a:r>
-              <a:rPr lang="en-US" altLang="zh-TW" sz="2400">
-                <a:solidFill>
-                  <a:srgbClr val="92D050"/>
-                </a:solidFill>
-              </a:rPr>
-              <a:t>)</a:t>
-            </a:r>
-            <a:endParaRPr lang="en-US" altLang="zh-TW" sz="2400"/>
-          </a:p>
-          <a:p>
-            <a:r>
-              <a:rPr lang="en-US" altLang="zh-TW" sz="2400">
-                <a:solidFill>
-                  <a:srgbClr val="CF8E6D"/>
-                </a:solidFill>
-              </a:rPr>
-              <a:t>void</a:t>
-            </a:r>
-            <a:r>
-              <a:rPr lang="en-US" altLang="zh-TW" sz="2400"/>
-              <a:t> </a:t>
-            </a:r>
-            <a:r>
-              <a:rPr lang="en-US" altLang="zh-TW" sz="2400">
-                <a:solidFill>
-                  <a:srgbClr val="92D050"/>
-                </a:solidFill>
-              </a:rPr>
-              <a:t>fill(</a:t>
-            </a:r>
-            <a:r>
-              <a:rPr lang="en-US" altLang="zh-TW" sz="2400">
-                <a:solidFill>
-                  <a:srgbClr val="00B0F0"/>
-                </a:solidFill>
-              </a:rPr>
-              <a:t>array, value</a:t>
-            </a:r>
-            <a:r>
-              <a:rPr lang="en-US" altLang="zh-TW" sz="2400">
-                <a:solidFill>
-                  <a:srgbClr val="92D050"/>
-                </a:solidFill>
-              </a:rPr>
-              <a:t>)</a:t>
-            </a:r>
-            <a:r>
-              <a:rPr lang="zh-TW" altLang="en-US" sz="2400"/>
-              <a:t>、</a:t>
-            </a:r>
-            <a:r>
-              <a:rPr lang="en-US" altLang="zh-TW" sz="2400">
-                <a:solidFill>
-                  <a:srgbClr val="CF8E6D"/>
-                </a:solidFill>
-              </a:rPr>
-              <a:t>int</a:t>
-            </a:r>
-            <a:r>
-              <a:rPr lang="en-US" altLang="zh-TW" sz="2400"/>
-              <a:t> </a:t>
-            </a:r>
-            <a:r>
-              <a:rPr lang="en-US" altLang="zh-TW" sz="2400">
-                <a:solidFill>
-                  <a:srgbClr val="92D050"/>
-                </a:solidFill>
-              </a:rPr>
-              <a:t>binarySearch(</a:t>
-            </a:r>
-            <a:r>
-              <a:rPr lang="en-US" altLang="zh-TW" sz="2400">
-                <a:solidFill>
-                  <a:srgbClr val="00B0F0"/>
-                </a:solidFill>
-              </a:rPr>
-              <a:t>array, value</a:t>
-            </a:r>
-            <a:r>
-              <a:rPr lang="en-US" altLang="zh-TW" sz="2400">
-                <a:solidFill>
-                  <a:srgbClr val="92D050"/>
-                </a:solidFill>
-              </a:rPr>
-              <a:t>)</a:t>
-            </a:r>
-          </a:p>
-          <a:p>
-            <a:r>
-              <a:rPr lang="zh-TW" altLang="en-US" sz="2400"/>
-              <a:t>更多方法可以在 </a:t>
-            </a:r>
-            <a:r>
-              <a:rPr lang="en-US" altLang="zh-TW" sz="2400">
-                <a:solidFill>
-                  <a:srgbClr val="FFFF00"/>
-                </a:solidFill>
-              </a:rPr>
-              <a:t>Java API</a:t>
-            </a:r>
-            <a:r>
-              <a:rPr lang="en-US" altLang="zh-TW" sz="2400">
-                <a:solidFill>
-                  <a:srgbClr val="00B0F0"/>
-                </a:solidFill>
-              </a:rPr>
-              <a:t> </a:t>
-            </a:r>
-            <a:r>
-              <a:rPr lang="zh-TW" altLang="en-US" sz="2400"/>
-              <a:t>中查找：</a:t>
-            </a:r>
-            <a:endParaRPr lang="zh-TW" altLang="en-US" sz="2400">
-              <a:solidFill>
-                <a:srgbClr val="00B0F0"/>
-              </a:solidFill>
-            </a:endParaRPr>
-          </a:p>
-        </p:txBody>
-      </p:sp>
-      <p:grpSp>
-        <p:nvGrpSpPr>
-          <p:cNvPr id="13" name="群組 12">
-            <a:extLst>
-              <a:ext uri="{FF2B5EF4-FFF2-40B4-BE49-F238E27FC236}">
-                <a16:creationId xmlns:a16="http://schemas.microsoft.com/office/drawing/2014/main" id="{32B6FAAB-EAF4-4FE0-8148-98A008A7F0F6}"/>
-              </a:ext>
-            </a:extLst>
-          </p:cNvPr>
-          <p:cNvGrpSpPr/>
-          <p:nvPr/>
-        </p:nvGrpSpPr>
-        <p:grpSpPr>
-          <a:xfrm>
-            <a:off x="838201" y="3677547"/>
-            <a:ext cx="5176186" cy="2864003"/>
-            <a:chOff x="838201" y="3594823"/>
-            <a:chExt cx="5176186" cy="2864003"/>
-          </a:xfrm>
-        </p:grpSpPr>
-        <p:sp>
-          <p:nvSpPr>
-            <p:cNvPr id="12" name="Rectangle 2">
-              <a:extLst>
-                <a:ext uri="{FF2B5EF4-FFF2-40B4-BE49-F238E27FC236}">
-                  <a16:creationId xmlns:a16="http://schemas.microsoft.com/office/drawing/2014/main" id="{FCF54123-C4B9-429E-B8D2-11B3E77D7330}"/>
-                </a:ext>
-              </a:extLst>
-            </p:cNvPr>
-            <p:cNvSpPr>
-              <a:spLocks noChangeArrowheads="1"/>
-            </p:cNvSpPr>
-            <p:nvPr/>
-          </p:nvSpPr>
-          <p:spPr bwMode="auto">
-            <a:xfrm>
-              <a:off x="838201" y="3594823"/>
-              <a:ext cx="5176186" cy="2862322"/>
-            </a:xfrm>
-            <a:prstGeom prst="rect">
-              <a:avLst/>
-            </a:prstGeom>
-            <a:solidFill>
-              <a:srgbClr val="1E1F22"/>
-            </a:solidFill>
-            <a:ln>
-              <a:noFill/>
-            </a:ln>
-            <a:effectLst/>
-            <a:extLst>
-              <a:ext uri="{91240B29-F687-4F45-9708-019B960494DF}">
-                <a14:hiddenLine xmlns:a14="http://schemas.microsoft.com/office/drawing/2010/main" w="9525">
-                  <a:solidFill>
-                    <a:schemeClr val="tx1"/>
-                  </a:solidFill>
-                  <a:miter lim="800000"/>
-                  <a:headEnd/>
-                  <a:tailEnd/>
-                </a14:hiddenLine>
-              </a:ext>
-              <a:ext uri="{AF507438-7753-43E0-B8FC-AC1667EBCBE1}">
-                <a14:hiddenEffects xmlns:a14="http://schemas.microsoft.com/office/drawing/2010/main">
-                  <a:effectLst>
-                    <a:outerShdw dist="35921" dir="2700000" algn="ctr" rotWithShape="0">
-                      <a:schemeClr val="bg2"/>
-                    </a:outerShdw>
-                  </a:effectLst>
-                </a14:hiddenEffects>
-              </a:ext>
-            </a:extLst>
-          </p:spPr>
-          <p:txBody>
-            <a:bodyPr vert="horz" wrap="square" lIns="91440" tIns="45720" rIns="91440" bIns="45720" numCol="1" anchor="ctr" anchorCtr="0" compatLnSpc="1">
-              <a:prstTxWarp prst="textNoShape">
-                <a:avLst/>
-              </a:prstTxWarp>
-              <a:spAutoFit/>
-            </a:bodyPr>
-            <a:lstStyle/>
-            <a:p>
-              <a:pPr marL="0" marR="0" lvl="0" indent="0" algn="l" defTabSz="914400" rtl="0" eaLnBrk="0" fontAlgn="base" latinLnBrk="0" hangingPunct="0">
-                <a:lnSpc>
-                  <a:spcPct val="100000"/>
-                </a:lnSpc>
-                <a:spcBef>
-                  <a:spcPct val="0"/>
-                </a:spcBef>
-                <a:spcAft>
-                  <a:spcPct val="0"/>
-                </a:spcAft>
-                <a:buClrTx/>
-                <a:buSzTx/>
-                <a:buFontTx/>
-                <a:buNone/>
-                <a:tabLst/>
-              </a:pPr>
-              <a:r>
-                <a:rPr kumimoji="0" lang="zh-TW" altLang="zh-TW" sz="1200" b="0" i="0" u="none" strike="noStrike" cap="none" normalizeH="0" baseline="0">
-                  <a:ln>
-                    <a:noFill/>
-                  </a:ln>
-                  <a:solidFill>
-                    <a:srgbClr val="CF8E6D"/>
-                  </a:solidFill>
-                  <a:effectLst/>
-                  <a:latin typeface="+mj-lt"/>
-                  <a:cs typeface="JetBrains Mono" panose="02000009000000000000" pitchFamily="49" charset="0"/>
-                </a:rPr>
-                <a:t>import </a:t>
-              </a:r>
-              <a:r>
-                <a:rPr kumimoji="0" lang="zh-TW" altLang="zh-TW" sz="1200" b="0" i="0" u="none" strike="noStrike" cap="none" normalizeH="0" baseline="0">
-                  <a:ln>
-                    <a:noFill/>
-                  </a:ln>
-                  <a:solidFill>
-                    <a:srgbClr val="BCBEC4"/>
-                  </a:solidFill>
-                  <a:effectLst/>
-                  <a:latin typeface="+mj-lt"/>
-                  <a:cs typeface="JetBrains Mono" panose="02000009000000000000" pitchFamily="49" charset="0"/>
-                </a:rPr>
-                <a:t>java.util.Arrays;</a:t>
-              </a:r>
-              <a:br>
-                <a:rPr kumimoji="0" lang="zh-TW" altLang="zh-TW" sz="1200" b="0" i="0" u="none" strike="noStrike" cap="none" normalizeH="0" baseline="0">
-                  <a:ln>
-                    <a:noFill/>
-                  </a:ln>
-                  <a:solidFill>
-                    <a:srgbClr val="BCBEC4"/>
-                  </a:solidFill>
-                  <a:effectLst/>
-                  <a:latin typeface="+mj-lt"/>
-                  <a:cs typeface="JetBrains Mono" panose="02000009000000000000" pitchFamily="49" charset="0"/>
-                </a:rPr>
-              </a:br>
-              <a:br>
-                <a:rPr kumimoji="0" lang="zh-TW" altLang="zh-TW" sz="1200" b="0" i="0" u="none" strike="noStrike" cap="none" normalizeH="0" baseline="0">
-                  <a:ln>
-                    <a:noFill/>
-                  </a:ln>
-                  <a:solidFill>
-                    <a:srgbClr val="BCBEC4"/>
-                  </a:solidFill>
-                  <a:effectLst/>
-                  <a:latin typeface="+mj-lt"/>
-                  <a:cs typeface="JetBrains Mono" panose="02000009000000000000" pitchFamily="49" charset="0"/>
-                </a:rPr>
-              </a:br>
-              <a:r>
-                <a:rPr kumimoji="0" lang="zh-TW" altLang="zh-TW" sz="1200" b="0" i="0" u="none" strike="noStrike" cap="none" normalizeH="0" baseline="0">
-                  <a:ln>
-                    <a:noFill/>
-                  </a:ln>
-                  <a:solidFill>
-                    <a:srgbClr val="CF8E6D"/>
-                  </a:solidFill>
-                  <a:effectLst/>
-                  <a:latin typeface="+mj-lt"/>
-                  <a:cs typeface="JetBrains Mono" panose="02000009000000000000" pitchFamily="49" charset="0"/>
-                </a:rPr>
-                <a:t>public class </a:t>
-              </a:r>
-              <a:r>
-                <a:rPr kumimoji="0" lang="zh-TW" altLang="zh-TW" sz="1200" b="0" i="0" u="none" strike="noStrike" cap="none" normalizeH="0" baseline="0">
-                  <a:ln>
-                    <a:noFill/>
-                  </a:ln>
-                  <a:solidFill>
-                    <a:srgbClr val="BCBEC4"/>
-                  </a:solidFill>
-                  <a:effectLst/>
-                  <a:latin typeface="+mj-lt"/>
-                  <a:cs typeface="JetBrains Mono" panose="02000009000000000000" pitchFamily="49" charset="0"/>
-                </a:rPr>
-                <a:t>Main1 {</a:t>
-              </a:r>
-              <a:br>
-                <a:rPr kumimoji="0" lang="zh-TW" altLang="zh-TW" sz="1200" b="0" i="0" u="none" strike="noStrike" cap="none" normalizeH="0" baseline="0">
-                  <a:ln>
-                    <a:noFill/>
-                  </a:ln>
-                  <a:solidFill>
-                    <a:srgbClr val="BCBEC4"/>
-                  </a:solidFill>
-                  <a:effectLst/>
-                  <a:latin typeface="+mj-lt"/>
-                  <a:cs typeface="JetBrains Mono" panose="02000009000000000000" pitchFamily="49" charset="0"/>
-                </a:rPr>
-              </a:br>
-              <a:r>
-                <a:rPr kumimoji="0" lang="zh-TW" altLang="zh-TW" sz="1200" b="0" i="0" u="none" strike="noStrike" cap="none" normalizeH="0" baseline="0">
-                  <a:ln>
-                    <a:noFill/>
-                  </a:ln>
-                  <a:solidFill>
-                    <a:srgbClr val="BCBEC4"/>
-                  </a:solidFill>
-                  <a:effectLst/>
-                  <a:latin typeface="+mj-lt"/>
-                  <a:cs typeface="JetBrains Mono" panose="02000009000000000000" pitchFamily="49" charset="0"/>
-                </a:rPr>
-                <a:t>    </a:t>
-              </a:r>
-              <a:r>
-                <a:rPr kumimoji="0" lang="zh-TW" altLang="zh-TW" sz="1200" b="0" i="0" u="none" strike="noStrike" cap="none" normalizeH="0" baseline="0">
-                  <a:ln>
-                    <a:noFill/>
-                  </a:ln>
-                  <a:solidFill>
-                    <a:srgbClr val="CF8E6D"/>
-                  </a:solidFill>
-                  <a:effectLst/>
-                  <a:latin typeface="+mj-lt"/>
-                  <a:cs typeface="JetBrains Mono" panose="02000009000000000000" pitchFamily="49" charset="0"/>
-                </a:rPr>
-                <a:t>public static void </a:t>
-              </a:r>
-              <a:r>
-                <a:rPr kumimoji="0" lang="zh-TW" altLang="zh-TW" sz="1200" b="0" i="0" u="none" strike="noStrike" cap="none" normalizeH="0" baseline="0">
-                  <a:ln>
-                    <a:noFill/>
-                  </a:ln>
-                  <a:solidFill>
-                    <a:srgbClr val="56A8F5"/>
-                  </a:solidFill>
-                  <a:effectLst/>
-                  <a:latin typeface="+mj-lt"/>
-                  <a:cs typeface="JetBrains Mono" panose="02000009000000000000" pitchFamily="49" charset="0"/>
-                </a:rPr>
-                <a:t>main</a:t>
-              </a:r>
-              <a:r>
-                <a:rPr kumimoji="0" lang="zh-TW" altLang="zh-TW" sz="1200" b="0" i="0" u="none" strike="noStrike" cap="none" normalizeH="0" baseline="0">
-                  <a:ln>
-                    <a:noFill/>
-                  </a:ln>
-                  <a:solidFill>
-                    <a:srgbClr val="BCBEC4"/>
-                  </a:solidFill>
-                  <a:effectLst/>
-                  <a:latin typeface="+mj-lt"/>
-                  <a:cs typeface="JetBrains Mono" panose="02000009000000000000" pitchFamily="49" charset="0"/>
-                </a:rPr>
-                <a:t>(String[] args) {</a:t>
-              </a:r>
-              <a:br>
-                <a:rPr kumimoji="0" lang="zh-TW" altLang="zh-TW" sz="1200" b="0" i="0" u="none" strike="noStrike" cap="none" normalizeH="0" baseline="0">
-                  <a:ln>
-                    <a:noFill/>
-                  </a:ln>
-                  <a:solidFill>
-                    <a:srgbClr val="BCBEC4"/>
-                  </a:solidFill>
-                  <a:effectLst/>
-                  <a:latin typeface="+mj-lt"/>
-                  <a:cs typeface="JetBrains Mono" panose="02000009000000000000" pitchFamily="49" charset="0"/>
-                </a:rPr>
-              </a:br>
-              <a:r>
-                <a:rPr kumimoji="0" lang="zh-TW" altLang="zh-TW" sz="1200" b="0" i="0" u="none" strike="noStrike" cap="none" normalizeH="0" baseline="0">
-                  <a:ln>
-                    <a:noFill/>
-                  </a:ln>
-                  <a:solidFill>
-                    <a:srgbClr val="BCBEC4"/>
-                  </a:solidFill>
-                  <a:effectLst/>
-                  <a:latin typeface="+mj-lt"/>
-                  <a:cs typeface="JetBrains Mono" panose="02000009000000000000" pitchFamily="49" charset="0"/>
-                </a:rPr>
-                <a:t>        </a:t>
-              </a:r>
-              <a:r>
-                <a:rPr kumimoji="0" lang="zh-TW" altLang="zh-TW" sz="1200" b="0" i="0" u="none" strike="noStrike" cap="none" normalizeH="0" baseline="0">
-                  <a:ln>
-                    <a:noFill/>
-                  </a:ln>
-                  <a:solidFill>
-                    <a:srgbClr val="CF8E6D"/>
-                  </a:solidFill>
-                  <a:effectLst/>
-                  <a:latin typeface="+mj-lt"/>
-                  <a:cs typeface="JetBrains Mono" panose="02000009000000000000" pitchFamily="49" charset="0"/>
-                </a:rPr>
-                <a:t>int</a:t>
-              </a:r>
-              <a:r>
-                <a:rPr kumimoji="0" lang="zh-TW" altLang="zh-TW" sz="1200" b="0" i="0" u="none" strike="noStrike" cap="none" normalizeH="0" baseline="0">
-                  <a:ln>
-                    <a:noFill/>
-                  </a:ln>
-                  <a:solidFill>
-                    <a:srgbClr val="BCBEC4"/>
-                  </a:solidFill>
-                  <a:effectLst/>
-                  <a:latin typeface="+mj-lt"/>
-                  <a:cs typeface="JetBrains Mono" panose="02000009000000000000" pitchFamily="49" charset="0"/>
-                </a:rPr>
-                <a:t>[] arr1 = {</a:t>
-              </a:r>
-              <a:r>
-                <a:rPr kumimoji="0" lang="zh-TW" altLang="zh-TW" sz="1200" b="0" i="0" u="none" strike="noStrike" cap="none" normalizeH="0" baseline="0">
-                  <a:ln>
-                    <a:noFill/>
-                  </a:ln>
-                  <a:solidFill>
-                    <a:srgbClr val="2AACB8"/>
-                  </a:solidFill>
-                  <a:effectLst/>
-                  <a:latin typeface="+mj-lt"/>
-                  <a:cs typeface="JetBrains Mono" panose="02000009000000000000" pitchFamily="49" charset="0"/>
-                </a:rPr>
-                <a:t>1</a:t>
-              </a:r>
-              <a:r>
-                <a:rPr kumimoji="0" lang="zh-TW" altLang="zh-TW" sz="1200" b="0" i="0" u="none" strike="noStrike" cap="none" normalizeH="0" baseline="0">
-                  <a:ln>
-                    <a:noFill/>
-                  </a:ln>
-                  <a:solidFill>
-                    <a:srgbClr val="BCBEC4"/>
-                  </a:solidFill>
-                  <a:effectLst/>
-                  <a:latin typeface="+mj-lt"/>
-                  <a:cs typeface="JetBrains Mono" panose="02000009000000000000" pitchFamily="49" charset="0"/>
-                </a:rPr>
-                <a:t>, </a:t>
-              </a:r>
-              <a:r>
-                <a:rPr kumimoji="0" lang="zh-TW" altLang="zh-TW" sz="1200" b="0" i="0" u="none" strike="noStrike" cap="none" normalizeH="0" baseline="0">
-                  <a:ln>
-                    <a:noFill/>
-                  </a:ln>
-                  <a:solidFill>
-                    <a:srgbClr val="2AACB8"/>
-                  </a:solidFill>
-                  <a:effectLst/>
-                  <a:latin typeface="+mj-lt"/>
-                  <a:cs typeface="JetBrains Mono" panose="02000009000000000000" pitchFamily="49" charset="0"/>
-                </a:rPr>
-                <a:t>4</a:t>
-              </a:r>
-              <a:r>
-                <a:rPr kumimoji="0" lang="zh-TW" altLang="zh-TW" sz="1200" b="0" i="0" u="none" strike="noStrike" cap="none" normalizeH="0" baseline="0">
-                  <a:ln>
-                    <a:noFill/>
-                  </a:ln>
-                  <a:solidFill>
-                    <a:srgbClr val="BCBEC4"/>
-                  </a:solidFill>
-                  <a:effectLst/>
-                  <a:latin typeface="+mj-lt"/>
-                  <a:cs typeface="JetBrains Mono" panose="02000009000000000000" pitchFamily="49" charset="0"/>
-                </a:rPr>
-                <a:t>, </a:t>
-              </a:r>
-              <a:r>
-                <a:rPr kumimoji="0" lang="zh-TW" altLang="zh-TW" sz="1200" b="0" i="0" u="none" strike="noStrike" cap="none" normalizeH="0" baseline="0">
-                  <a:ln>
-                    <a:noFill/>
-                  </a:ln>
-                  <a:solidFill>
-                    <a:srgbClr val="2AACB8"/>
-                  </a:solidFill>
-                  <a:effectLst/>
-                  <a:latin typeface="+mj-lt"/>
-                  <a:cs typeface="JetBrains Mono" panose="02000009000000000000" pitchFamily="49" charset="0"/>
-                </a:rPr>
-                <a:t>7</a:t>
-              </a:r>
-              <a:r>
-                <a:rPr kumimoji="0" lang="zh-TW" altLang="zh-TW" sz="1200" b="0" i="0" u="none" strike="noStrike" cap="none" normalizeH="0" baseline="0">
-                  <a:ln>
-                    <a:noFill/>
-                  </a:ln>
-                  <a:solidFill>
-                    <a:srgbClr val="BCBEC4"/>
-                  </a:solidFill>
-                  <a:effectLst/>
-                  <a:latin typeface="+mj-lt"/>
-                  <a:cs typeface="JetBrains Mono" panose="02000009000000000000" pitchFamily="49" charset="0"/>
-                </a:rPr>
-                <a:t>, </a:t>
-              </a:r>
-              <a:r>
-                <a:rPr kumimoji="0" lang="zh-TW" altLang="zh-TW" sz="1200" b="0" i="0" u="none" strike="noStrike" cap="none" normalizeH="0" baseline="0">
-                  <a:ln>
-                    <a:noFill/>
-                  </a:ln>
-                  <a:solidFill>
-                    <a:srgbClr val="2AACB8"/>
-                  </a:solidFill>
-                  <a:effectLst/>
-                  <a:latin typeface="+mj-lt"/>
-                  <a:cs typeface="JetBrains Mono" panose="02000009000000000000" pitchFamily="49" charset="0"/>
-                </a:rPr>
-                <a:t>2</a:t>
-              </a:r>
-              <a:r>
-                <a:rPr kumimoji="0" lang="zh-TW" altLang="zh-TW" sz="1200" b="0" i="0" u="none" strike="noStrike" cap="none" normalizeH="0" baseline="0">
-                  <a:ln>
-                    <a:noFill/>
-                  </a:ln>
-                  <a:solidFill>
-                    <a:srgbClr val="BCBEC4"/>
-                  </a:solidFill>
-                  <a:effectLst/>
-                  <a:latin typeface="+mj-lt"/>
-                  <a:cs typeface="JetBrains Mono" panose="02000009000000000000" pitchFamily="49" charset="0"/>
-                </a:rPr>
-                <a:t>, </a:t>
-              </a:r>
-              <a:r>
-                <a:rPr kumimoji="0" lang="zh-TW" altLang="zh-TW" sz="1200" b="0" i="0" u="none" strike="noStrike" cap="none" normalizeH="0" baseline="0">
-                  <a:ln>
-                    <a:noFill/>
-                  </a:ln>
-                  <a:solidFill>
-                    <a:srgbClr val="2AACB8"/>
-                  </a:solidFill>
-                  <a:effectLst/>
-                  <a:latin typeface="+mj-lt"/>
-                  <a:cs typeface="JetBrains Mono" panose="02000009000000000000" pitchFamily="49" charset="0"/>
-                </a:rPr>
-                <a:t>5</a:t>
-              </a:r>
-              <a:r>
-                <a:rPr kumimoji="0" lang="zh-TW" altLang="zh-TW" sz="1200" b="0" i="0" u="none" strike="noStrike" cap="none" normalizeH="0" baseline="0">
-                  <a:ln>
-                    <a:noFill/>
-                  </a:ln>
-                  <a:solidFill>
-                    <a:srgbClr val="BCBEC4"/>
-                  </a:solidFill>
-                  <a:effectLst/>
-                  <a:latin typeface="+mj-lt"/>
-                  <a:cs typeface="JetBrains Mono" panose="02000009000000000000" pitchFamily="49" charset="0"/>
-                </a:rPr>
-                <a:t>, </a:t>
-              </a:r>
-              <a:r>
-                <a:rPr kumimoji="0" lang="zh-TW" altLang="zh-TW" sz="1200" b="0" i="0" u="none" strike="noStrike" cap="none" normalizeH="0" baseline="0">
-                  <a:ln>
-                    <a:noFill/>
-                  </a:ln>
-                  <a:solidFill>
-                    <a:srgbClr val="2AACB8"/>
-                  </a:solidFill>
-                  <a:effectLst/>
-                  <a:latin typeface="+mj-lt"/>
-                  <a:cs typeface="JetBrains Mono" panose="02000009000000000000" pitchFamily="49" charset="0"/>
-                </a:rPr>
-                <a:t>8</a:t>
-              </a:r>
-              <a:r>
-                <a:rPr kumimoji="0" lang="zh-TW" altLang="zh-TW" sz="1200" b="0" i="0" u="none" strike="noStrike" cap="none" normalizeH="0" baseline="0">
-                  <a:ln>
-                    <a:noFill/>
-                  </a:ln>
-                  <a:solidFill>
-                    <a:srgbClr val="BCBEC4"/>
-                  </a:solidFill>
-                  <a:effectLst/>
-                  <a:latin typeface="+mj-lt"/>
-                  <a:cs typeface="JetBrains Mono" panose="02000009000000000000" pitchFamily="49" charset="0"/>
-                </a:rPr>
-                <a:t>, </a:t>
-              </a:r>
-              <a:r>
-                <a:rPr kumimoji="0" lang="zh-TW" altLang="zh-TW" sz="1200" b="0" i="0" u="none" strike="noStrike" cap="none" normalizeH="0" baseline="0">
-                  <a:ln>
-                    <a:noFill/>
-                  </a:ln>
-                  <a:solidFill>
-                    <a:srgbClr val="2AACB8"/>
-                  </a:solidFill>
-                  <a:effectLst/>
-                  <a:latin typeface="+mj-lt"/>
-                  <a:cs typeface="JetBrains Mono" panose="02000009000000000000" pitchFamily="49" charset="0"/>
-                </a:rPr>
-                <a:t>3</a:t>
-              </a:r>
-              <a:r>
-                <a:rPr kumimoji="0" lang="zh-TW" altLang="zh-TW" sz="1200" b="0" i="0" u="none" strike="noStrike" cap="none" normalizeH="0" baseline="0">
-                  <a:ln>
-                    <a:noFill/>
-                  </a:ln>
-                  <a:solidFill>
-                    <a:srgbClr val="BCBEC4"/>
-                  </a:solidFill>
-                  <a:effectLst/>
-                  <a:latin typeface="+mj-lt"/>
-                  <a:cs typeface="JetBrains Mono" panose="02000009000000000000" pitchFamily="49" charset="0"/>
-                </a:rPr>
-                <a:t>, </a:t>
-              </a:r>
-              <a:r>
-                <a:rPr kumimoji="0" lang="zh-TW" altLang="zh-TW" sz="1200" b="0" i="0" u="none" strike="noStrike" cap="none" normalizeH="0" baseline="0">
-                  <a:ln>
-                    <a:noFill/>
-                  </a:ln>
-                  <a:solidFill>
-                    <a:srgbClr val="2AACB8"/>
-                  </a:solidFill>
-                  <a:effectLst/>
-                  <a:latin typeface="+mj-lt"/>
-                  <a:cs typeface="JetBrains Mono" panose="02000009000000000000" pitchFamily="49" charset="0"/>
-                </a:rPr>
-                <a:t>6</a:t>
-              </a:r>
-              <a:r>
-                <a:rPr kumimoji="0" lang="zh-TW" altLang="zh-TW" sz="1200" b="0" i="0" u="none" strike="noStrike" cap="none" normalizeH="0" baseline="0">
-                  <a:ln>
-                    <a:noFill/>
-                  </a:ln>
-                  <a:solidFill>
-                    <a:srgbClr val="BCBEC4"/>
-                  </a:solidFill>
-                  <a:effectLst/>
-                  <a:latin typeface="+mj-lt"/>
-                  <a:cs typeface="JetBrains Mono" panose="02000009000000000000" pitchFamily="49" charset="0"/>
-                </a:rPr>
-                <a:t>, </a:t>
-              </a:r>
-              <a:r>
-                <a:rPr kumimoji="0" lang="zh-TW" altLang="zh-TW" sz="1200" b="0" i="0" u="none" strike="noStrike" cap="none" normalizeH="0" baseline="0">
-                  <a:ln>
-                    <a:noFill/>
-                  </a:ln>
-                  <a:solidFill>
-                    <a:srgbClr val="2AACB8"/>
-                  </a:solidFill>
-                  <a:effectLst/>
-                  <a:latin typeface="+mj-lt"/>
-                  <a:cs typeface="JetBrains Mono" panose="02000009000000000000" pitchFamily="49" charset="0"/>
-                </a:rPr>
-                <a:t>9</a:t>
-              </a:r>
-              <a:r>
-                <a:rPr kumimoji="0" lang="zh-TW" altLang="zh-TW" sz="1200" b="0" i="0" u="none" strike="noStrike" cap="none" normalizeH="0" baseline="0">
-                  <a:ln>
-                    <a:noFill/>
-                  </a:ln>
-                  <a:solidFill>
-                    <a:srgbClr val="BCBEC4"/>
-                  </a:solidFill>
-                  <a:effectLst/>
-                  <a:latin typeface="+mj-lt"/>
-                  <a:cs typeface="JetBrains Mono" panose="02000009000000000000" pitchFamily="49" charset="0"/>
-                </a:rPr>
-                <a:t>};</a:t>
-              </a:r>
-              <a:br>
-                <a:rPr kumimoji="0" lang="zh-TW" altLang="zh-TW" sz="1200" b="0" i="0" u="none" strike="noStrike" cap="none" normalizeH="0" baseline="0">
-                  <a:ln>
-                    <a:noFill/>
-                  </a:ln>
-                  <a:solidFill>
-                    <a:srgbClr val="BCBEC4"/>
-                  </a:solidFill>
-                  <a:effectLst/>
-                  <a:latin typeface="+mj-lt"/>
-                  <a:cs typeface="JetBrains Mono" panose="02000009000000000000" pitchFamily="49" charset="0"/>
-                </a:rPr>
-              </a:br>
-              <a:r>
-                <a:rPr kumimoji="0" lang="zh-TW" altLang="zh-TW" sz="1200" b="0" i="0" u="none" strike="noStrike" cap="none" normalizeH="0" baseline="0">
-                  <a:ln>
-                    <a:noFill/>
-                  </a:ln>
-                  <a:solidFill>
-                    <a:srgbClr val="BCBEC4"/>
-                  </a:solidFill>
-                  <a:effectLst/>
-                  <a:latin typeface="+mj-lt"/>
-                  <a:cs typeface="JetBrains Mono" panose="02000009000000000000" pitchFamily="49" charset="0"/>
-                </a:rPr>
-                <a:t>        </a:t>
-              </a:r>
-              <a:r>
-                <a:rPr kumimoji="0" lang="zh-TW" altLang="zh-TW" sz="1200" b="0" i="0" u="none" strike="noStrike" cap="none" normalizeH="0" baseline="0">
-                  <a:ln>
-                    <a:noFill/>
-                  </a:ln>
-                  <a:solidFill>
-                    <a:srgbClr val="CF8E6D"/>
-                  </a:solidFill>
-                  <a:effectLst/>
-                  <a:latin typeface="+mj-lt"/>
-                  <a:cs typeface="JetBrains Mono" panose="02000009000000000000" pitchFamily="49" charset="0"/>
-                </a:rPr>
-                <a:t>int</a:t>
-              </a:r>
-              <a:r>
-                <a:rPr kumimoji="0" lang="zh-TW" altLang="zh-TW" sz="1200" b="0" i="0" u="none" strike="noStrike" cap="none" normalizeH="0" baseline="0">
-                  <a:ln>
-                    <a:noFill/>
-                  </a:ln>
-                  <a:solidFill>
-                    <a:srgbClr val="BCBEC4"/>
-                  </a:solidFill>
-                  <a:effectLst/>
-                  <a:latin typeface="+mj-lt"/>
-                  <a:cs typeface="JetBrains Mono" panose="02000009000000000000" pitchFamily="49" charset="0"/>
-                </a:rPr>
-                <a:t>[] arr2 = Arrays.</a:t>
-              </a:r>
-              <a:r>
-                <a:rPr kumimoji="0" lang="zh-TW" altLang="zh-TW" sz="1200" b="0" i="1" u="none" strike="noStrike" cap="none" normalizeH="0" baseline="0">
-                  <a:ln>
-                    <a:noFill/>
-                  </a:ln>
-                  <a:solidFill>
-                    <a:srgbClr val="BCBEC4"/>
-                  </a:solidFill>
-                  <a:effectLst/>
-                  <a:latin typeface="+mj-lt"/>
-                  <a:cs typeface="JetBrains Mono" panose="02000009000000000000" pitchFamily="49" charset="0"/>
-                </a:rPr>
-                <a:t>copyOf</a:t>
-              </a:r>
-              <a:r>
-                <a:rPr kumimoji="0" lang="zh-TW" altLang="zh-TW" sz="1200" b="0" i="0" u="none" strike="noStrike" cap="none" normalizeH="0" baseline="0">
-                  <a:ln>
-                    <a:noFill/>
-                  </a:ln>
-                  <a:solidFill>
-                    <a:srgbClr val="BCBEC4"/>
-                  </a:solidFill>
-                  <a:effectLst/>
-                  <a:latin typeface="+mj-lt"/>
-                  <a:cs typeface="JetBrains Mono" panose="02000009000000000000" pitchFamily="49" charset="0"/>
-                </a:rPr>
-                <a:t>(arr1, arr1.</a:t>
-              </a:r>
-              <a:r>
-                <a:rPr kumimoji="0" lang="zh-TW" altLang="zh-TW" sz="1200" b="0" i="0" u="none" strike="noStrike" cap="none" normalizeH="0" baseline="0">
-                  <a:ln>
-                    <a:noFill/>
-                  </a:ln>
-                  <a:solidFill>
-                    <a:srgbClr val="C77DBB"/>
-                  </a:solidFill>
-                  <a:effectLst/>
-                  <a:latin typeface="+mj-lt"/>
-                  <a:cs typeface="JetBrains Mono" panose="02000009000000000000" pitchFamily="49" charset="0"/>
-                </a:rPr>
-                <a:t>length</a:t>
-              </a:r>
-              <a:r>
-                <a:rPr kumimoji="0" lang="zh-TW" altLang="zh-TW" sz="1200" b="0" i="0" u="none" strike="noStrike" cap="none" normalizeH="0" baseline="0">
-                  <a:ln>
-                    <a:noFill/>
-                  </a:ln>
-                  <a:solidFill>
-                    <a:srgbClr val="BCBEC4"/>
-                  </a:solidFill>
-                  <a:effectLst/>
-                  <a:latin typeface="+mj-lt"/>
-                  <a:cs typeface="JetBrains Mono" panose="02000009000000000000" pitchFamily="49" charset="0"/>
-                </a:rPr>
-                <a:t>);</a:t>
-              </a:r>
-              <a:br>
-                <a:rPr kumimoji="0" lang="zh-TW" altLang="zh-TW" sz="1200" b="0" i="0" u="none" strike="noStrike" cap="none" normalizeH="0" baseline="0">
-                  <a:ln>
-                    <a:noFill/>
-                  </a:ln>
-                  <a:solidFill>
-                    <a:srgbClr val="BCBEC4"/>
-                  </a:solidFill>
-                  <a:effectLst/>
-                  <a:latin typeface="+mj-lt"/>
-                  <a:cs typeface="JetBrains Mono" panose="02000009000000000000" pitchFamily="49" charset="0"/>
-                </a:rPr>
-              </a:br>
-              <a:r>
-                <a:rPr kumimoji="0" lang="zh-TW" altLang="zh-TW" sz="1200" b="0" i="0" u="none" strike="noStrike" cap="none" normalizeH="0" baseline="0">
-                  <a:ln>
-                    <a:noFill/>
-                  </a:ln>
-                  <a:solidFill>
-                    <a:srgbClr val="BCBEC4"/>
-                  </a:solidFill>
-                  <a:effectLst/>
-                  <a:latin typeface="+mj-lt"/>
-                  <a:cs typeface="JetBrains Mono" panose="02000009000000000000" pitchFamily="49" charset="0"/>
-                </a:rPr>
-                <a:t>        System.</a:t>
-              </a:r>
-              <a:r>
-                <a:rPr kumimoji="0" lang="zh-TW" altLang="zh-TW" sz="1200" b="0" i="1" u="none" strike="noStrike" cap="none" normalizeH="0" baseline="0">
-                  <a:ln>
-                    <a:noFill/>
-                  </a:ln>
-                  <a:solidFill>
-                    <a:srgbClr val="C77DBB"/>
-                  </a:solidFill>
-                  <a:effectLst/>
-                  <a:latin typeface="+mj-lt"/>
-                  <a:cs typeface="JetBrains Mono" panose="02000009000000000000" pitchFamily="49" charset="0"/>
-                </a:rPr>
-                <a:t>out</a:t>
-              </a:r>
-              <a:r>
-                <a:rPr kumimoji="0" lang="zh-TW" altLang="zh-TW" sz="1200" b="0" i="0" u="none" strike="noStrike" cap="none" normalizeH="0" baseline="0">
-                  <a:ln>
-                    <a:noFill/>
-                  </a:ln>
-                  <a:solidFill>
-                    <a:srgbClr val="BCBEC4"/>
-                  </a:solidFill>
-                  <a:effectLst/>
-                  <a:latin typeface="+mj-lt"/>
-                  <a:cs typeface="JetBrains Mono" panose="02000009000000000000" pitchFamily="49" charset="0"/>
-                </a:rPr>
-                <a:t>.println(Arrays.</a:t>
-              </a:r>
-              <a:r>
-                <a:rPr kumimoji="0" lang="zh-TW" altLang="zh-TW" sz="1200" b="0" i="1" u="none" strike="noStrike" cap="none" normalizeH="0" baseline="0">
-                  <a:ln>
-                    <a:noFill/>
-                  </a:ln>
-                  <a:solidFill>
-                    <a:srgbClr val="BCBEC4"/>
-                  </a:solidFill>
-                  <a:effectLst/>
-                  <a:latin typeface="+mj-lt"/>
-                  <a:cs typeface="JetBrains Mono" panose="02000009000000000000" pitchFamily="49" charset="0"/>
-                </a:rPr>
-                <a:t>equals</a:t>
-              </a:r>
-              <a:r>
-                <a:rPr kumimoji="0" lang="zh-TW" altLang="zh-TW" sz="1200" b="0" i="0" u="none" strike="noStrike" cap="none" normalizeH="0" baseline="0">
-                  <a:ln>
-                    <a:noFill/>
-                  </a:ln>
-                  <a:solidFill>
-                    <a:srgbClr val="BCBEC4"/>
-                  </a:solidFill>
-                  <a:effectLst/>
-                  <a:latin typeface="+mj-lt"/>
-                  <a:cs typeface="JetBrains Mono" panose="02000009000000000000" pitchFamily="49" charset="0"/>
-                </a:rPr>
-                <a:t>(arr1, arr2));</a:t>
-              </a:r>
-              <a:br>
-                <a:rPr kumimoji="0" lang="zh-TW" altLang="zh-TW" sz="1200" b="0" i="0" u="none" strike="noStrike" cap="none" normalizeH="0" baseline="0">
-                  <a:ln>
-                    <a:noFill/>
-                  </a:ln>
-                  <a:solidFill>
-                    <a:srgbClr val="BCBEC4"/>
-                  </a:solidFill>
-                  <a:effectLst/>
-                  <a:latin typeface="+mj-lt"/>
-                  <a:cs typeface="JetBrains Mono" panose="02000009000000000000" pitchFamily="49" charset="0"/>
-                </a:rPr>
-              </a:br>
-              <a:r>
-                <a:rPr kumimoji="0" lang="zh-TW" altLang="zh-TW" sz="1200" b="0" i="0" u="none" strike="noStrike" cap="none" normalizeH="0" baseline="0">
-                  <a:ln>
-                    <a:noFill/>
-                  </a:ln>
-                  <a:solidFill>
-                    <a:srgbClr val="BCBEC4"/>
-                  </a:solidFill>
-                  <a:effectLst/>
-                  <a:latin typeface="+mj-lt"/>
-                  <a:cs typeface="JetBrains Mono" panose="02000009000000000000" pitchFamily="49" charset="0"/>
-                </a:rPr>
-                <a:t>        Arrays.</a:t>
-              </a:r>
-              <a:r>
-                <a:rPr kumimoji="0" lang="zh-TW" altLang="zh-TW" sz="1200" b="0" i="1" u="none" strike="noStrike" cap="none" normalizeH="0" baseline="0">
-                  <a:ln>
-                    <a:noFill/>
-                  </a:ln>
-                  <a:solidFill>
-                    <a:srgbClr val="BCBEC4"/>
-                  </a:solidFill>
-                  <a:effectLst/>
-                  <a:latin typeface="+mj-lt"/>
-                  <a:cs typeface="JetBrains Mono" panose="02000009000000000000" pitchFamily="49" charset="0"/>
-                </a:rPr>
-                <a:t>sort</a:t>
-              </a:r>
-              <a:r>
-                <a:rPr kumimoji="0" lang="zh-TW" altLang="zh-TW" sz="1200" b="0" i="0" u="none" strike="noStrike" cap="none" normalizeH="0" baseline="0">
-                  <a:ln>
-                    <a:noFill/>
-                  </a:ln>
-                  <a:solidFill>
-                    <a:srgbClr val="BCBEC4"/>
-                  </a:solidFill>
-                  <a:effectLst/>
-                  <a:latin typeface="+mj-lt"/>
-                  <a:cs typeface="JetBrains Mono" panose="02000009000000000000" pitchFamily="49" charset="0"/>
-                </a:rPr>
-                <a:t>(arr1);</a:t>
-              </a:r>
-              <a:br>
-                <a:rPr kumimoji="0" lang="zh-TW" altLang="zh-TW" sz="1200" b="0" i="0" u="none" strike="noStrike" cap="none" normalizeH="0" baseline="0">
-                  <a:ln>
-                    <a:noFill/>
-                  </a:ln>
-                  <a:solidFill>
-                    <a:srgbClr val="BCBEC4"/>
-                  </a:solidFill>
-                  <a:effectLst/>
-                  <a:latin typeface="+mj-lt"/>
-                  <a:cs typeface="JetBrains Mono" panose="02000009000000000000" pitchFamily="49" charset="0"/>
-                </a:rPr>
-              </a:br>
-              <a:r>
-                <a:rPr kumimoji="0" lang="zh-TW" altLang="zh-TW" sz="1200" b="0" i="0" u="none" strike="noStrike" cap="none" normalizeH="0" baseline="0">
-                  <a:ln>
-                    <a:noFill/>
-                  </a:ln>
-                  <a:solidFill>
-                    <a:srgbClr val="BCBEC4"/>
-                  </a:solidFill>
-                  <a:effectLst/>
-                  <a:latin typeface="+mj-lt"/>
-                  <a:cs typeface="JetBrains Mono" panose="02000009000000000000" pitchFamily="49" charset="0"/>
-                </a:rPr>
-                <a:t>        System.</a:t>
-              </a:r>
-              <a:r>
-                <a:rPr kumimoji="0" lang="zh-TW" altLang="zh-TW" sz="1200" b="0" i="1" u="none" strike="noStrike" cap="none" normalizeH="0" baseline="0">
-                  <a:ln>
-                    <a:noFill/>
-                  </a:ln>
-                  <a:solidFill>
-                    <a:srgbClr val="C77DBB"/>
-                  </a:solidFill>
-                  <a:effectLst/>
-                  <a:latin typeface="+mj-lt"/>
-                  <a:cs typeface="JetBrains Mono" panose="02000009000000000000" pitchFamily="49" charset="0"/>
-                </a:rPr>
-                <a:t>out</a:t>
-              </a:r>
-              <a:r>
-                <a:rPr kumimoji="0" lang="zh-TW" altLang="zh-TW" sz="1200" b="0" i="0" u="none" strike="noStrike" cap="none" normalizeH="0" baseline="0">
-                  <a:ln>
-                    <a:noFill/>
-                  </a:ln>
-                  <a:solidFill>
-                    <a:srgbClr val="BCBEC4"/>
-                  </a:solidFill>
-                  <a:effectLst/>
-                  <a:latin typeface="+mj-lt"/>
-                  <a:cs typeface="JetBrains Mono" panose="02000009000000000000" pitchFamily="49" charset="0"/>
-                </a:rPr>
-                <a:t>.println(Arrays.</a:t>
-              </a:r>
-              <a:r>
-                <a:rPr kumimoji="0" lang="zh-TW" altLang="zh-TW" sz="1200" b="0" i="1" u="none" strike="noStrike" cap="none" normalizeH="0" baseline="0">
-                  <a:ln>
-                    <a:noFill/>
-                  </a:ln>
-                  <a:solidFill>
-                    <a:srgbClr val="BCBEC4"/>
-                  </a:solidFill>
-                  <a:effectLst/>
-                  <a:latin typeface="+mj-lt"/>
-                  <a:cs typeface="JetBrains Mono" panose="02000009000000000000" pitchFamily="49" charset="0"/>
-                </a:rPr>
-                <a:t>binarySearch</a:t>
-              </a:r>
-              <a:r>
-                <a:rPr kumimoji="0" lang="zh-TW" altLang="zh-TW" sz="1200" b="0" i="0" u="none" strike="noStrike" cap="none" normalizeH="0" baseline="0">
-                  <a:ln>
-                    <a:noFill/>
-                  </a:ln>
-                  <a:solidFill>
-                    <a:srgbClr val="BCBEC4"/>
-                  </a:solidFill>
-                  <a:effectLst/>
-                  <a:latin typeface="+mj-lt"/>
-                  <a:cs typeface="JetBrains Mono" panose="02000009000000000000" pitchFamily="49" charset="0"/>
-                </a:rPr>
-                <a:t>(arr1, </a:t>
-              </a:r>
-              <a:r>
-                <a:rPr kumimoji="0" lang="zh-TW" altLang="zh-TW" sz="1200" b="0" i="0" u="none" strike="noStrike" cap="none" normalizeH="0" baseline="0">
-                  <a:ln>
-                    <a:noFill/>
-                  </a:ln>
-                  <a:solidFill>
-                    <a:srgbClr val="2AACB8"/>
-                  </a:solidFill>
-                  <a:effectLst/>
-                  <a:latin typeface="+mj-lt"/>
-                  <a:cs typeface="JetBrains Mono" panose="02000009000000000000" pitchFamily="49" charset="0"/>
-                </a:rPr>
-                <a:t>2</a:t>
-              </a:r>
-              <a:r>
-                <a:rPr kumimoji="0" lang="zh-TW" altLang="zh-TW" sz="1200" b="0" i="0" u="none" strike="noStrike" cap="none" normalizeH="0" baseline="0">
-                  <a:ln>
-                    <a:noFill/>
-                  </a:ln>
-                  <a:solidFill>
-                    <a:srgbClr val="BCBEC4"/>
-                  </a:solidFill>
-                  <a:effectLst/>
-                  <a:latin typeface="+mj-lt"/>
-                  <a:cs typeface="JetBrains Mono" panose="02000009000000000000" pitchFamily="49" charset="0"/>
-                </a:rPr>
-                <a:t>));</a:t>
-              </a:r>
-              <a:br>
-                <a:rPr kumimoji="0" lang="zh-TW" altLang="zh-TW" sz="1200" b="0" i="0" u="none" strike="noStrike" cap="none" normalizeH="0" baseline="0">
-                  <a:ln>
-                    <a:noFill/>
-                  </a:ln>
-                  <a:solidFill>
-                    <a:srgbClr val="BCBEC4"/>
-                  </a:solidFill>
-                  <a:effectLst/>
-                  <a:latin typeface="+mj-lt"/>
-                  <a:cs typeface="JetBrains Mono" panose="02000009000000000000" pitchFamily="49" charset="0"/>
-                </a:rPr>
-              </a:br>
-              <a:r>
-                <a:rPr kumimoji="0" lang="zh-TW" altLang="zh-TW" sz="1200" b="0" i="0" u="none" strike="noStrike" cap="none" normalizeH="0" baseline="0">
-                  <a:ln>
-                    <a:noFill/>
-                  </a:ln>
-                  <a:solidFill>
-                    <a:srgbClr val="BCBEC4"/>
-                  </a:solidFill>
-                  <a:effectLst/>
-                  <a:latin typeface="+mj-lt"/>
-                  <a:cs typeface="JetBrains Mono" panose="02000009000000000000" pitchFamily="49" charset="0"/>
-                </a:rPr>
-                <a:t>        System.</a:t>
-              </a:r>
-              <a:r>
-                <a:rPr kumimoji="0" lang="zh-TW" altLang="zh-TW" sz="1200" b="0" i="1" u="none" strike="noStrike" cap="none" normalizeH="0" baseline="0">
-                  <a:ln>
-                    <a:noFill/>
-                  </a:ln>
-                  <a:solidFill>
-                    <a:srgbClr val="C77DBB"/>
-                  </a:solidFill>
-                  <a:effectLst/>
-                  <a:latin typeface="+mj-lt"/>
-                  <a:cs typeface="JetBrains Mono" panose="02000009000000000000" pitchFamily="49" charset="0"/>
-                </a:rPr>
-                <a:t>out</a:t>
-              </a:r>
-              <a:r>
-                <a:rPr kumimoji="0" lang="zh-TW" altLang="zh-TW" sz="1200" b="0" i="0" u="none" strike="noStrike" cap="none" normalizeH="0" baseline="0">
-                  <a:ln>
-                    <a:noFill/>
-                  </a:ln>
-                  <a:solidFill>
-                    <a:srgbClr val="BCBEC4"/>
-                  </a:solidFill>
-                  <a:effectLst/>
-                  <a:latin typeface="+mj-lt"/>
-                  <a:cs typeface="JetBrains Mono" panose="02000009000000000000" pitchFamily="49" charset="0"/>
-                </a:rPr>
-                <a:t>.println(Arrays.</a:t>
-              </a:r>
-              <a:r>
-                <a:rPr kumimoji="0" lang="zh-TW" altLang="zh-TW" sz="1200" b="0" i="1" u="none" strike="noStrike" cap="none" normalizeH="0" baseline="0">
-                  <a:ln>
-                    <a:noFill/>
-                  </a:ln>
-                  <a:solidFill>
-                    <a:srgbClr val="BCBEC4"/>
-                  </a:solidFill>
-                  <a:effectLst/>
-                  <a:latin typeface="+mj-lt"/>
-                  <a:cs typeface="JetBrains Mono" panose="02000009000000000000" pitchFamily="49" charset="0"/>
-                </a:rPr>
-                <a:t>toString</a:t>
-              </a:r>
-              <a:r>
-                <a:rPr kumimoji="0" lang="zh-TW" altLang="zh-TW" sz="1200" b="0" i="0" u="none" strike="noStrike" cap="none" normalizeH="0" baseline="0">
-                  <a:ln>
-                    <a:noFill/>
-                  </a:ln>
-                  <a:solidFill>
-                    <a:srgbClr val="BCBEC4"/>
-                  </a:solidFill>
-                  <a:effectLst/>
-                  <a:latin typeface="+mj-lt"/>
-                  <a:cs typeface="JetBrains Mono" panose="02000009000000000000" pitchFamily="49" charset="0"/>
-                </a:rPr>
-                <a:t>(arr1));</a:t>
-              </a:r>
-              <a:br>
-                <a:rPr kumimoji="0" lang="zh-TW" altLang="zh-TW" sz="1200" b="0" i="0" u="none" strike="noStrike" cap="none" normalizeH="0" baseline="0">
-                  <a:ln>
-                    <a:noFill/>
-                  </a:ln>
-                  <a:solidFill>
-                    <a:srgbClr val="BCBEC4"/>
-                  </a:solidFill>
-                  <a:effectLst/>
-                  <a:latin typeface="+mj-lt"/>
-                  <a:cs typeface="JetBrains Mono" panose="02000009000000000000" pitchFamily="49" charset="0"/>
-                </a:rPr>
-              </a:br>
-              <a:r>
-                <a:rPr kumimoji="0" lang="zh-TW" altLang="zh-TW" sz="1200" b="0" i="0" u="none" strike="noStrike" cap="none" normalizeH="0" baseline="0">
-                  <a:ln>
-                    <a:noFill/>
-                  </a:ln>
-                  <a:solidFill>
-                    <a:srgbClr val="BCBEC4"/>
-                  </a:solidFill>
-                  <a:effectLst/>
-                  <a:latin typeface="+mj-lt"/>
-                  <a:cs typeface="JetBrains Mono" panose="02000009000000000000" pitchFamily="49" charset="0"/>
-                </a:rPr>
-                <a:t>        </a:t>
-              </a:r>
-              <a:r>
-                <a:rPr kumimoji="0" lang="zh-TW" altLang="zh-TW" sz="1200" b="0" i="0" u="none" strike="noStrike" cap="none" normalizeH="0" baseline="0">
-                  <a:ln>
-                    <a:noFill/>
-                  </a:ln>
-                  <a:solidFill>
-                    <a:srgbClr val="CF8E6D"/>
-                  </a:solidFill>
-                  <a:effectLst/>
-                  <a:latin typeface="+mj-lt"/>
-                  <a:cs typeface="JetBrains Mono" panose="02000009000000000000" pitchFamily="49" charset="0"/>
-                </a:rPr>
-                <a:t>int</a:t>
-              </a:r>
-              <a:r>
-                <a:rPr kumimoji="0" lang="zh-TW" altLang="zh-TW" sz="1200" b="0" i="0" u="none" strike="noStrike" cap="none" normalizeH="0" baseline="0">
-                  <a:ln>
-                    <a:noFill/>
-                  </a:ln>
-                  <a:solidFill>
-                    <a:srgbClr val="BCBEC4"/>
-                  </a:solidFill>
-                  <a:effectLst/>
-                  <a:latin typeface="+mj-lt"/>
-                  <a:cs typeface="JetBrains Mono" panose="02000009000000000000" pitchFamily="49" charset="0"/>
-                </a:rPr>
-                <a:t>[] arr3 = </a:t>
-              </a:r>
-              <a:r>
-                <a:rPr kumimoji="0" lang="zh-TW" altLang="zh-TW" sz="1200" b="0" i="0" u="none" strike="noStrike" cap="none" normalizeH="0" baseline="0">
-                  <a:ln>
-                    <a:noFill/>
-                  </a:ln>
-                  <a:solidFill>
-                    <a:srgbClr val="CF8E6D"/>
-                  </a:solidFill>
-                  <a:effectLst/>
-                  <a:latin typeface="+mj-lt"/>
-                  <a:cs typeface="JetBrains Mono" panose="02000009000000000000" pitchFamily="49" charset="0"/>
-                </a:rPr>
-                <a:t>new int</a:t>
-              </a:r>
-              <a:r>
-                <a:rPr kumimoji="0" lang="zh-TW" altLang="zh-TW" sz="1200" b="0" i="0" u="none" strike="noStrike" cap="none" normalizeH="0" baseline="0">
-                  <a:ln>
-                    <a:noFill/>
-                  </a:ln>
-                  <a:solidFill>
-                    <a:srgbClr val="BCBEC4"/>
-                  </a:solidFill>
-                  <a:effectLst/>
-                  <a:latin typeface="+mj-lt"/>
-                  <a:cs typeface="JetBrains Mono" panose="02000009000000000000" pitchFamily="49" charset="0"/>
-                </a:rPr>
-                <a:t>[</a:t>
-              </a:r>
-              <a:r>
-                <a:rPr kumimoji="0" lang="zh-TW" altLang="zh-TW" sz="1200" b="0" i="0" u="none" strike="noStrike" cap="none" normalizeH="0" baseline="0">
-                  <a:ln>
-                    <a:noFill/>
-                  </a:ln>
-                  <a:solidFill>
-                    <a:srgbClr val="2AACB8"/>
-                  </a:solidFill>
-                  <a:effectLst/>
-                  <a:latin typeface="+mj-lt"/>
-                  <a:cs typeface="JetBrains Mono" panose="02000009000000000000" pitchFamily="49" charset="0"/>
-                </a:rPr>
-                <a:t>4</a:t>
-              </a:r>
-              <a:r>
-                <a:rPr kumimoji="0" lang="zh-TW" altLang="zh-TW" sz="1200" b="0" i="0" u="none" strike="noStrike" cap="none" normalizeH="0" baseline="0">
-                  <a:ln>
-                    <a:noFill/>
-                  </a:ln>
-                  <a:solidFill>
-                    <a:srgbClr val="BCBEC4"/>
-                  </a:solidFill>
-                  <a:effectLst/>
-                  <a:latin typeface="+mj-lt"/>
-                  <a:cs typeface="JetBrains Mono" panose="02000009000000000000" pitchFamily="49" charset="0"/>
-                </a:rPr>
-                <a:t>];</a:t>
-              </a:r>
-              <a:br>
-                <a:rPr kumimoji="0" lang="zh-TW" altLang="zh-TW" sz="1200" b="0" i="0" u="none" strike="noStrike" cap="none" normalizeH="0" baseline="0">
-                  <a:ln>
-                    <a:noFill/>
-                  </a:ln>
-                  <a:solidFill>
-                    <a:srgbClr val="BCBEC4"/>
-                  </a:solidFill>
-                  <a:effectLst/>
-                  <a:latin typeface="+mj-lt"/>
-                  <a:cs typeface="JetBrains Mono" panose="02000009000000000000" pitchFamily="49" charset="0"/>
-                </a:rPr>
-              </a:br>
-              <a:r>
-                <a:rPr kumimoji="0" lang="zh-TW" altLang="zh-TW" sz="1200" b="0" i="0" u="none" strike="noStrike" cap="none" normalizeH="0" baseline="0">
-                  <a:ln>
-                    <a:noFill/>
-                  </a:ln>
-                  <a:solidFill>
-                    <a:srgbClr val="BCBEC4"/>
-                  </a:solidFill>
-                  <a:effectLst/>
-                  <a:latin typeface="+mj-lt"/>
-                  <a:cs typeface="JetBrains Mono" panose="02000009000000000000" pitchFamily="49" charset="0"/>
-                </a:rPr>
-                <a:t>        Arrays.</a:t>
-              </a:r>
-              <a:r>
-                <a:rPr kumimoji="0" lang="zh-TW" altLang="zh-TW" sz="1200" b="0" i="1" u="none" strike="noStrike" cap="none" normalizeH="0" baseline="0">
-                  <a:ln>
-                    <a:noFill/>
-                  </a:ln>
-                  <a:solidFill>
-                    <a:srgbClr val="BCBEC4"/>
-                  </a:solidFill>
-                  <a:effectLst/>
-                  <a:latin typeface="+mj-lt"/>
-                  <a:cs typeface="JetBrains Mono" panose="02000009000000000000" pitchFamily="49" charset="0"/>
-                </a:rPr>
-                <a:t>fill</a:t>
-              </a:r>
-              <a:r>
-                <a:rPr kumimoji="0" lang="zh-TW" altLang="zh-TW" sz="1200" b="0" i="0" u="none" strike="noStrike" cap="none" normalizeH="0" baseline="0">
-                  <a:ln>
-                    <a:noFill/>
-                  </a:ln>
-                  <a:solidFill>
-                    <a:srgbClr val="BCBEC4"/>
-                  </a:solidFill>
-                  <a:effectLst/>
-                  <a:latin typeface="+mj-lt"/>
-                  <a:cs typeface="JetBrains Mono" panose="02000009000000000000" pitchFamily="49" charset="0"/>
-                </a:rPr>
-                <a:t>(arr3, </a:t>
-              </a:r>
-              <a:r>
-                <a:rPr kumimoji="0" lang="zh-TW" altLang="zh-TW" sz="1200" b="0" i="0" u="none" strike="noStrike" cap="none" normalizeH="0" baseline="0">
-                  <a:ln>
-                    <a:noFill/>
-                  </a:ln>
-                  <a:solidFill>
-                    <a:srgbClr val="2AACB8"/>
-                  </a:solidFill>
-                  <a:effectLst/>
-                  <a:latin typeface="+mj-lt"/>
-                  <a:cs typeface="JetBrains Mono" panose="02000009000000000000" pitchFamily="49" charset="0"/>
-                </a:rPr>
-                <a:t>6</a:t>
-              </a:r>
-              <a:r>
-                <a:rPr kumimoji="0" lang="zh-TW" altLang="zh-TW" sz="1200" b="0" i="0" u="none" strike="noStrike" cap="none" normalizeH="0" baseline="0">
-                  <a:ln>
-                    <a:noFill/>
-                  </a:ln>
-                  <a:solidFill>
-                    <a:srgbClr val="BCBEC4"/>
-                  </a:solidFill>
-                  <a:effectLst/>
-                  <a:latin typeface="+mj-lt"/>
-                  <a:cs typeface="JetBrains Mono" panose="02000009000000000000" pitchFamily="49" charset="0"/>
-                </a:rPr>
-                <a:t>);</a:t>
-              </a:r>
-              <a:br>
-                <a:rPr kumimoji="0" lang="zh-TW" altLang="zh-TW" sz="1200" b="0" i="0" u="none" strike="noStrike" cap="none" normalizeH="0" baseline="0">
-                  <a:ln>
-                    <a:noFill/>
-                  </a:ln>
-                  <a:solidFill>
-                    <a:srgbClr val="BCBEC4"/>
-                  </a:solidFill>
-                  <a:effectLst/>
-                  <a:latin typeface="+mj-lt"/>
-                  <a:cs typeface="JetBrains Mono" panose="02000009000000000000" pitchFamily="49" charset="0"/>
-                </a:rPr>
-              </a:br>
-              <a:r>
-                <a:rPr kumimoji="0" lang="zh-TW" altLang="zh-TW" sz="1200" b="0" i="0" u="none" strike="noStrike" cap="none" normalizeH="0" baseline="0">
-                  <a:ln>
-                    <a:noFill/>
-                  </a:ln>
-                  <a:solidFill>
-                    <a:srgbClr val="BCBEC4"/>
-                  </a:solidFill>
-                  <a:effectLst/>
-                  <a:latin typeface="+mj-lt"/>
-                  <a:cs typeface="JetBrains Mono" panose="02000009000000000000" pitchFamily="49" charset="0"/>
-                </a:rPr>
-                <a:t>        System.</a:t>
-              </a:r>
-              <a:r>
-                <a:rPr kumimoji="0" lang="zh-TW" altLang="zh-TW" sz="1200" b="0" i="1" u="none" strike="noStrike" cap="none" normalizeH="0" baseline="0">
-                  <a:ln>
-                    <a:noFill/>
-                  </a:ln>
-                  <a:solidFill>
-                    <a:srgbClr val="C77DBB"/>
-                  </a:solidFill>
-                  <a:effectLst/>
-                  <a:latin typeface="+mj-lt"/>
-                  <a:cs typeface="JetBrains Mono" panose="02000009000000000000" pitchFamily="49" charset="0"/>
-                </a:rPr>
-                <a:t>out</a:t>
-              </a:r>
-              <a:r>
-                <a:rPr kumimoji="0" lang="zh-TW" altLang="zh-TW" sz="1200" b="0" i="0" u="none" strike="noStrike" cap="none" normalizeH="0" baseline="0">
-                  <a:ln>
-                    <a:noFill/>
-                  </a:ln>
-                  <a:solidFill>
-                    <a:srgbClr val="BCBEC4"/>
-                  </a:solidFill>
-                  <a:effectLst/>
-                  <a:latin typeface="+mj-lt"/>
-                  <a:cs typeface="JetBrains Mono" panose="02000009000000000000" pitchFamily="49" charset="0"/>
-                </a:rPr>
-                <a:t>.println(Arrays.</a:t>
-              </a:r>
-              <a:r>
-                <a:rPr kumimoji="0" lang="zh-TW" altLang="zh-TW" sz="1200" b="0" i="1" u="none" strike="noStrike" cap="none" normalizeH="0" baseline="0">
-                  <a:ln>
-                    <a:noFill/>
-                  </a:ln>
-                  <a:solidFill>
-                    <a:srgbClr val="BCBEC4"/>
-                  </a:solidFill>
-                  <a:effectLst/>
-                  <a:latin typeface="+mj-lt"/>
-                  <a:cs typeface="JetBrains Mono" panose="02000009000000000000" pitchFamily="49" charset="0"/>
-                </a:rPr>
-                <a:t>toString</a:t>
-              </a:r>
-              <a:r>
-                <a:rPr kumimoji="0" lang="zh-TW" altLang="zh-TW" sz="1200" b="0" i="0" u="none" strike="noStrike" cap="none" normalizeH="0" baseline="0">
-                  <a:ln>
-                    <a:noFill/>
-                  </a:ln>
-                  <a:solidFill>
-                    <a:srgbClr val="BCBEC4"/>
-                  </a:solidFill>
-                  <a:effectLst/>
-                  <a:latin typeface="+mj-lt"/>
-                  <a:cs typeface="JetBrains Mono" panose="02000009000000000000" pitchFamily="49" charset="0"/>
-                </a:rPr>
-                <a:t>(arr3));</a:t>
-              </a:r>
-              <a:br>
-                <a:rPr kumimoji="0" lang="zh-TW" altLang="zh-TW" sz="1200" b="0" i="0" u="none" strike="noStrike" cap="none" normalizeH="0" baseline="0">
-                  <a:ln>
-                    <a:noFill/>
-                  </a:ln>
-                  <a:solidFill>
-                    <a:srgbClr val="BCBEC4"/>
-                  </a:solidFill>
-                  <a:effectLst/>
-                  <a:latin typeface="+mj-lt"/>
-                  <a:cs typeface="JetBrains Mono" panose="02000009000000000000" pitchFamily="49" charset="0"/>
-                </a:rPr>
-              </a:br>
-              <a:r>
-                <a:rPr kumimoji="0" lang="zh-TW" altLang="zh-TW" sz="1200" b="0" i="0" u="none" strike="noStrike" cap="none" normalizeH="0" baseline="0">
-                  <a:ln>
-                    <a:noFill/>
-                  </a:ln>
-                  <a:solidFill>
-                    <a:srgbClr val="BCBEC4"/>
-                  </a:solidFill>
-                  <a:effectLst/>
-                  <a:latin typeface="+mj-lt"/>
-                  <a:cs typeface="JetBrains Mono" panose="02000009000000000000" pitchFamily="49" charset="0"/>
-                </a:rPr>
-                <a:t>    }</a:t>
-              </a:r>
-              <a:br>
-                <a:rPr kumimoji="0" lang="zh-TW" altLang="zh-TW" sz="1200" b="0" i="0" u="none" strike="noStrike" cap="none" normalizeH="0" baseline="0">
-                  <a:ln>
-                    <a:noFill/>
-                  </a:ln>
-                  <a:solidFill>
-                    <a:srgbClr val="BCBEC4"/>
-                  </a:solidFill>
-                  <a:effectLst/>
-                  <a:latin typeface="+mj-lt"/>
-                  <a:cs typeface="JetBrains Mono" panose="02000009000000000000" pitchFamily="49" charset="0"/>
-                </a:rPr>
-              </a:br>
-              <a:r>
-                <a:rPr kumimoji="0" lang="zh-TW" altLang="zh-TW" sz="1200" b="0" i="0" u="none" strike="noStrike" cap="none" normalizeH="0" baseline="0">
-                  <a:ln>
-                    <a:noFill/>
-                  </a:ln>
-                  <a:solidFill>
-                    <a:srgbClr val="BCBEC4"/>
-                  </a:solidFill>
-                  <a:effectLst/>
-                  <a:latin typeface="+mj-lt"/>
-                  <a:cs typeface="JetBrains Mono" panose="02000009000000000000" pitchFamily="49" charset="0"/>
-                </a:rPr>
-                <a:t>}</a:t>
-              </a:r>
-              <a:endParaRPr kumimoji="0" lang="zh-TW" altLang="zh-TW" sz="2000" b="0" i="0" u="none" strike="noStrike" cap="none" normalizeH="0" baseline="0">
-                <a:ln>
-                  <a:noFill/>
-                </a:ln>
-                <a:solidFill>
-                  <a:schemeClr val="tx1"/>
-                </a:solidFill>
-                <a:effectLst/>
-                <a:latin typeface="+mj-lt"/>
-              </a:endParaRPr>
-            </a:p>
-          </p:txBody>
-        </p:sp>
-        <p:sp>
-          <p:nvSpPr>
-            <p:cNvPr id="6" name="文字方塊 5">
-              <a:extLst>
-                <a:ext uri="{FF2B5EF4-FFF2-40B4-BE49-F238E27FC236}">
-                  <a16:creationId xmlns:a16="http://schemas.microsoft.com/office/drawing/2014/main" id="{C0C55B38-6813-48D3-AC97-7D1FE0D19FAA}"/>
-                </a:ext>
-              </a:extLst>
-            </p:cNvPr>
-            <p:cNvSpPr txBox="1"/>
-            <p:nvPr/>
-          </p:nvSpPr>
-          <p:spPr>
-            <a:xfrm>
-              <a:off x="5323171" y="6089494"/>
-              <a:ext cx="691215" cy="369332"/>
-            </a:xfrm>
-            <a:prstGeom prst="rect">
-              <a:avLst/>
-            </a:prstGeom>
-            <a:noFill/>
-          </p:spPr>
-          <p:txBody>
-            <a:bodyPr wrap="none" rtlCol="0">
-              <a:spAutoFit/>
-            </a:bodyPr>
-            <a:lstStyle/>
-            <a:p>
-              <a:r>
-                <a:rPr lang="en-US" altLang="zh-TW">
-                  <a:solidFill>
-                    <a:schemeClr val="accent3"/>
-                  </a:solidFill>
-                </a:rPr>
-                <a:t>java</a:t>
-              </a:r>
-              <a:endParaRPr lang="zh-TW" altLang="en-US">
-                <a:solidFill>
-                  <a:schemeClr val="accent3"/>
-                </a:solidFill>
-              </a:endParaRPr>
-            </a:p>
-          </p:txBody>
-        </p:sp>
-        <p:pic>
-          <p:nvPicPr>
-            <p:cNvPr id="7" name="圖片 6">
-              <a:hlinkClick r:id="rId3"/>
-              <a:extLst>
-                <a:ext uri="{FF2B5EF4-FFF2-40B4-BE49-F238E27FC236}">
-                  <a16:creationId xmlns:a16="http://schemas.microsoft.com/office/drawing/2014/main" id="{33599E07-0DB7-4935-ABF9-23B771190C9E}"/>
-                </a:ext>
-              </a:extLst>
-            </p:cNvPr>
-            <p:cNvPicPr>
-              <a:picLocks noChangeAspect="1"/>
-            </p:cNvPicPr>
-            <p:nvPr/>
-          </p:nvPicPr>
-          <p:blipFill>
-            <a:blip r:embed="rId4">
-              <a:extLst>
-                <a:ext uri="{28A0092B-C50C-407E-A947-70E740481C1C}">
-                  <a14:useLocalDpi xmlns:a14="http://schemas.microsoft.com/office/drawing/2010/main" val="0"/>
-                </a:ext>
-              </a:extLst>
-            </a:blip>
-            <a:stretch>
-              <a:fillRect/>
-            </a:stretch>
-          </p:blipFill>
-          <p:spPr>
-            <a:xfrm>
-              <a:off x="5484572" y="3596504"/>
-              <a:ext cx="529814" cy="518296"/>
-            </a:xfrm>
-            <a:prstGeom prst="rect">
-              <a:avLst/>
-            </a:prstGeom>
-          </p:spPr>
-        </p:pic>
-      </p:grpSp>
-      <p:grpSp>
-        <p:nvGrpSpPr>
-          <p:cNvPr id="15" name="群組 14">
-            <a:extLst>
-              <a:ext uri="{FF2B5EF4-FFF2-40B4-BE49-F238E27FC236}">
-                <a16:creationId xmlns:a16="http://schemas.microsoft.com/office/drawing/2014/main" id="{86FBC9E6-29D0-49B3-B9E8-4F2FBA37B635}"/>
-              </a:ext>
-            </a:extLst>
-          </p:cNvPr>
-          <p:cNvGrpSpPr/>
-          <p:nvPr/>
-        </p:nvGrpSpPr>
-        <p:grpSpPr>
-          <a:xfrm>
-            <a:off x="6257365" y="3677547"/>
-            <a:ext cx="5096436" cy="1323439"/>
-            <a:chOff x="6257365" y="4286786"/>
-            <a:chExt cx="5096436" cy="1323439"/>
-          </a:xfrm>
-        </p:grpSpPr>
-        <p:sp>
-          <p:nvSpPr>
-            <p:cNvPr id="5" name="Rectangle 1">
-              <a:extLst>
-                <a:ext uri="{FF2B5EF4-FFF2-40B4-BE49-F238E27FC236}">
-                  <a16:creationId xmlns:a16="http://schemas.microsoft.com/office/drawing/2014/main" id="{CEFE5C42-B8C9-461C-BFA3-22AC1170B151}"/>
-                </a:ext>
-              </a:extLst>
-            </p:cNvPr>
-            <p:cNvSpPr>
-              <a:spLocks noChangeArrowheads="1"/>
-            </p:cNvSpPr>
-            <p:nvPr/>
-          </p:nvSpPr>
-          <p:spPr bwMode="auto">
-            <a:xfrm>
-              <a:off x="6257365" y="4286786"/>
-              <a:ext cx="5096436" cy="1323439"/>
-            </a:xfrm>
-            <a:prstGeom prst="rect">
-              <a:avLst/>
-            </a:prstGeom>
-            <a:solidFill>
-              <a:srgbClr val="1E1F22"/>
-            </a:solidFill>
-            <a:ln>
-              <a:noFill/>
-            </a:ln>
-            <a:effectLst/>
-            <a:extLst>
-              <a:ext uri="{91240B29-F687-4F45-9708-019B960494DF}">
-                <a14:hiddenLine xmlns:a14="http://schemas.microsoft.com/office/drawing/2010/main" w="9525">
-                  <a:solidFill>
-                    <a:schemeClr val="tx1"/>
-                  </a:solidFill>
-                  <a:miter lim="800000"/>
-                  <a:headEnd/>
-                  <a:tailEnd/>
-                </a14:hiddenLine>
-              </a:ext>
-              <a:ext uri="{AF507438-7753-43E0-B8FC-AC1667EBCBE1}">
-                <a14:hiddenEffects xmlns:a14="http://schemas.microsoft.com/office/drawing/2010/main">
-                  <a:effectLst>
-                    <a:outerShdw dist="35921" dir="2700000" algn="ctr" rotWithShape="0">
-                      <a:schemeClr val="bg2"/>
-                    </a:outerShdw>
-                  </a:effectLst>
-                </a14:hiddenEffects>
-              </a:ext>
-            </a:extLst>
-          </p:spPr>
-          <p:txBody>
-            <a:bodyPr vert="horz" wrap="square" lIns="91440" tIns="45720" rIns="91440" bIns="45720" numCol="1" anchor="ctr" anchorCtr="0" compatLnSpc="1">
-              <a:prstTxWarp prst="textNoShape">
-                <a:avLst/>
-              </a:prstTxWarp>
-              <a:spAutoFit/>
-            </a:bodyPr>
-            <a:lstStyle/>
-            <a:p>
-              <a:pPr marL="0" marR="0" lvl="0" indent="0" algn="l" defTabSz="914400" rtl="0" eaLnBrk="0" fontAlgn="base" latinLnBrk="0" hangingPunct="0">
-                <a:lnSpc>
-                  <a:spcPct val="100000"/>
-                </a:lnSpc>
-                <a:spcBef>
-                  <a:spcPct val="0"/>
-                </a:spcBef>
-                <a:spcAft>
-                  <a:spcPct val="0"/>
-                </a:spcAft>
-                <a:buClrTx/>
-                <a:buSzTx/>
-                <a:buFontTx/>
-                <a:buNone/>
-                <a:tabLst/>
-              </a:pPr>
-              <a:r>
-                <a:rPr kumimoji="0" lang="en-US" altLang="zh-TW" sz="2000" b="0" i="0" u="none" strike="noStrike" cap="none" normalizeH="0" baseline="0">
-                  <a:ln>
-                    <a:noFill/>
-                  </a:ln>
-                  <a:solidFill>
-                    <a:srgbClr val="BCBEC4"/>
-                  </a:solidFill>
-                  <a:effectLst/>
-                  <a:latin typeface="+mj-lt"/>
-                  <a:cs typeface="JetBrains Mono" panose="02000009000000000000" pitchFamily="49" charset="0"/>
-                </a:rPr>
-                <a:t>true</a:t>
-              </a:r>
-            </a:p>
-            <a:p>
-              <a:pPr marL="0" marR="0" lvl="0" indent="0" algn="l" defTabSz="914400" rtl="0" eaLnBrk="0" fontAlgn="base" latinLnBrk="0" hangingPunct="0">
-                <a:lnSpc>
-                  <a:spcPct val="100000"/>
-                </a:lnSpc>
-                <a:spcBef>
-                  <a:spcPct val="0"/>
-                </a:spcBef>
-                <a:spcAft>
-                  <a:spcPct val="0"/>
-                </a:spcAft>
-                <a:buClrTx/>
-                <a:buSzTx/>
-                <a:buFontTx/>
-                <a:buNone/>
-                <a:tabLst/>
-              </a:pPr>
-              <a:r>
-                <a:rPr kumimoji="0" lang="en-US" altLang="zh-TW" sz="2000" b="0" i="0" u="none" strike="noStrike" cap="none" normalizeH="0" baseline="0">
-                  <a:ln>
-                    <a:noFill/>
-                  </a:ln>
-                  <a:solidFill>
-                    <a:srgbClr val="BCBEC4"/>
-                  </a:solidFill>
-                  <a:effectLst/>
-                  <a:latin typeface="+mj-lt"/>
-                  <a:cs typeface="JetBrains Mono" panose="02000009000000000000" pitchFamily="49" charset="0"/>
-                </a:rPr>
-                <a:t>4</a:t>
-              </a:r>
-            </a:p>
-            <a:p>
-              <a:pPr marL="0" marR="0" lvl="0" indent="0" algn="l" defTabSz="914400" rtl="0" eaLnBrk="0" fontAlgn="base" latinLnBrk="0" hangingPunct="0">
-                <a:lnSpc>
-                  <a:spcPct val="100000"/>
-                </a:lnSpc>
-                <a:spcBef>
-                  <a:spcPct val="0"/>
-                </a:spcBef>
-                <a:spcAft>
-                  <a:spcPct val="0"/>
-                </a:spcAft>
-                <a:buClrTx/>
-                <a:buSzTx/>
-                <a:buFontTx/>
-                <a:buNone/>
-                <a:tabLst/>
-              </a:pPr>
-              <a:r>
-                <a:rPr kumimoji="0" lang="en-US" altLang="zh-TW" sz="2000" b="0" i="0" u="none" strike="noStrike" cap="none" normalizeH="0" baseline="0">
-                  <a:ln>
-                    <a:noFill/>
-                  </a:ln>
-                  <a:solidFill>
-                    <a:srgbClr val="BCBEC4"/>
-                  </a:solidFill>
-                  <a:effectLst/>
-                  <a:latin typeface="+mj-lt"/>
-                  <a:cs typeface="JetBrains Mono" panose="02000009000000000000" pitchFamily="49" charset="0"/>
-                </a:rPr>
-                <a:t>[1, 2, 3, 4, 5, 6, 7, 8, 9]</a:t>
-              </a:r>
-            </a:p>
-            <a:p>
-              <a:pPr marL="0" marR="0" lvl="0" indent="0" algn="l" defTabSz="914400" rtl="0" eaLnBrk="0" fontAlgn="base" latinLnBrk="0" hangingPunct="0">
-                <a:lnSpc>
-                  <a:spcPct val="100000"/>
-                </a:lnSpc>
-                <a:spcBef>
-                  <a:spcPct val="0"/>
-                </a:spcBef>
-                <a:spcAft>
-                  <a:spcPct val="0"/>
-                </a:spcAft>
-                <a:buClrTx/>
-                <a:buSzTx/>
-                <a:buFontTx/>
-                <a:buNone/>
-                <a:tabLst/>
-              </a:pPr>
-              <a:r>
-                <a:rPr kumimoji="0" lang="en-US" altLang="zh-TW" sz="2000" b="0" i="0" u="none" strike="noStrike" cap="none" normalizeH="0" baseline="0">
-                  <a:ln>
-                    <a:noFill/>
-                  </a:ln>
-                  <a:solidFill>
-                    <a:srgbClr val="BCBEC4"/>
-                  </a:solidFill>
-                  <a:effectLst/>
-                  <a:latin typeface="+mj-lt"/>
-                  <a:cs typeface="JetBrains Mono" panose="02000009000000000000" pitchFamily="49" charset="0"/>
-                </a:rPr>
-                <a:t>[6, 6, 6, 6]</a:t>
-              </a:r>
-              <a:endParaRPr kumimoji="0" lang="zh-TW" altLang="zh-TW" sz="3600" b="0" i="0" u="none" strike="noStrike" cap="none" normalizeH="0" baseline="0">
-                <a:ln>
-                  <a:noFill/>
-                </a:ln>
-                <a:solidFill>
-                  <a:schemeClr val="tx1"/>
-                </a:solidFill>
-                <a:effectLst/>
-                <a:latin typeface="+mj-lt"/>
-              </a:endParaRPr>
-            </a:p>
-          </p:txBody>
-        </p:sp>
-        <p:sp>
-          <p:nvSpPr>
-            <p:cNvPr id="9" name="文字方塊 8">
-              <a:extLst>
-                <a:ext uri="{FF2B5EF4-FFF2-40B4-BE49-F238E27FC236}">
-                  <a16:creationId xmlns:a16="http://schemas.microsoft.com/office/drawing/2014/main" id="{E198FF69-8428-431F-B41C-FB88F9D7250F}"/>
-                </a:ext>
-              </a:extLst>
-            </p:cNvPr>
-            <p:cNvSpPr txBox="1"/>
-            <p:nvPr/>
-          </p:nvSpPr>
-          <p:spPr>
-            <a:xfrm>
-              <a:off x="10409311" y="5240893"/>
-              <a:ext cx="944489" cy="369332"/>
-            </a:xfrm>
-            <a:prstGeom prst="rect">
-              <a:avLst/>
-            </a:prstGeom>
-            <a:noFill/>
-          </p:spPr>
-          <p:txBody>
-            <a:bodyPr wrap="none" rtlCol="0">
-              <a:spAutoFit/>
-            </a:bodyPr>
-            <a:lstStyle/>
-            <a:p>
-              <a:r>
-                <a:rPr lang="en-US" altLang="zh-TW">
-                  <a:solidFill>
-                    <a:schemeClr val="accent3"/>
-                  </a:solidFill>
-                </a:rPr>
-                <a:t>output</a:t>
-              </a:r>
-              <a:endParaRPr lang="zh-TW" altLang="en-US">
-                <a:solidFill>
-                  <a:schemeClr val="accent3"/>
-                </a:solidFill>
-              </a:endParaRPr>
-            </a:p>
-          </p:txBody>
-        </p:sp>
-      </p:grpSp>
-      <p:grpSp>
-        <p:nvGrpSpPr>
-          <p:cNvPr id="17" name="群組 16">
-            <a:extLst>
-              <a:ext uri="{FF2B5EF4-FFF2-40B4-BE49-F238E27FC236}">
-                <a16:creationId xmlns:a16="http://schemas.microsoft.com/office/drawing/2014/main" id="{1BBB3C80-EC26-4771-828A-8EF0EC272F92}"/>
-              </a:ext>
-            </a:extLst>
-          </p:cNvPr>
-          <p:cNvGrpSpPr/>
-          <p:nvPr/>
-        </p:nvGrpSpPr>
-        <p:grpSpPr>
-          <a:xfrm>
-            <a:off x="6014386" y="3208101"/>
-            <a:ext cx="1972408" cy="394266"/>
-            <a:chOff x="9430050" y="6123076"/>
-            <a:chExt cx="1972408" cy="394266"/>
-          </a:xfrm>
-        </p:grpSpPr>
-        <p:pic>
-          <p:nvPicPr>
-            <p:cNvPr id="18" name="圖片 17">
-              <a:hlinkClick r:id="rId5"/>
-              <a:extLst>
-                <a:ext uri="{FF2B5EF4-FFF2-40B4-BE49-F238E27FC236}">
-                  <a16:creationId xmlns:a16="http://schemas.microsoft.com/office/drawing/2014/main" id="{8FF3936C-26BF-4447-9761-7A814A9F245D}"/>
-                </a:ext>
-              </a:extLst>
-            </p:cNvPr>
-            <p:cNvPicPr>
-              <a:picLocks noChangeAspect="1"/>
-            </p:cNvPicPr>
-            <p:nvPr/>
-          </p:nvPicPr>
-          <p:blipFill>
-            <a:blip r:embed="rId6">
-              <a:extLst>
-                <a:ext uri="{28A0092B-C50C-407E-A947-70E740481C1C}">
-                  <a14:useLocalDpi xmlns:a14="http://schemas.microsoft.com/office/drawing/2010/main" val="0"/>
-                </a:ext>
-              </a:extLst>
-            </a:blip>
-            <a:stretch>
-              <a:fillRect/>
-            </a:stretch>
-          </p:blipFill>
-          <p:spPr>
-            <a:xfrm>
-              <a:off x="11008192" y="6123076"/>
-              <a:ext cx="394266" cy="394266"/>
-            </a:xfrm>
-            <a:prstGeom prst="rect">
-              <a:avLst/>
-            </a:prstGeom>
-          </p:spPr>
-        </p:pic>
-        <p:sp>
-          <p:nvSpPr>
-            <p:cNvPr id="19" name="文字方塊 18">
-              <a:extLst>
-                <a:ext uri="{FF2B5EF4-FFF2-40B4-BE49-F238E27FC236}">
-                  <a16:creationId xmlns:a16="http://schemas.microsoft.com/office/drawing/2014/main" id="{0E0FC05A-3C70-48A1-9593-0BFEA937CBA3}"/>
-                </a:ext>
-              </a:extLst>
-            </p:cNvPr>
-            <p:cNvSpPr txBox="1"/>
-            <p:nvPr/>
-          </p:nvSpPr>
-          <p:spPr>
-            <a:xfrm>
-              <a:off x="9430050" y="6135543"/>
-              <a:ext cx="1577676" cy="369332"/>
-            </a:xfrm>
-            <a:prstGeom prst="rect">
-              <a:avLst/>
-            </a:prstGeom>
-            <a:noFill/>
-          </p:spPr>
-          <p:txBody>
-            <a:bodyPr wrap="none" rtlCol="0">
-              <a:spAutoFit/>
-            </a:bodyPr>
-            <a:lstStyle/>
-            <a:p>
-              <a:r>
-                <a:rPr lang="en-US" altLang="zh-TW"/>
-                <a:t>Java 21 API</a:t>
-              </a:r>
-              <a:endParaRPr lang="zh-TW" altLang="en-US"/>
-            </a:p>
-          </p:txBody>
-        </p:sp>
-      </p:grpSp>
-      <p:sp>
-        <p:nvSpPr>
-          <p:cNvPr id="21" name="內容版面配置區 2">
-            <a:extLst>
-              <a:ext uri="{FF2B5EF4-FFF2-40B4-BE49-F238E27FC236}">
-                <a16:creationId xmlns:a16="http://schemas.microsoft.com/office/drawing/2014/main" id="{991D5C5A-E848-4517-A087-753BCA4D487C}"/>
-              </a:ext>
-            </a:extLst>
-          </p:cNvPr>
-          <p:cNvSpPr txBox="1">
-            <a:spLocks/>
-          </p:cNvSpPr>
-          <p:nvPr/>
-        </p:nvSpPr>
-        <p:spPr>
-          <a:xfrm>
-            <a:off x="6257364" y="5077257"/>
-            <a:ext cx="5096436" cy="1431160"/>
-          </a:xfrm>
-          <a:prstGeom prst="rect">
-            <a:avLst/>
-          </a:prstGeom>
-        </p:spPr>
-        <p:txBody>
-          <a:bodyPr vert="horz" lIns="91440" tIns="45720" rIns="91440" bIns="45720" rtlCol="0">
-            <a:normAutofit/>
-          </a:bodyPr>
-          <a:lstStyle>
-            <a:lvl1pPr marL="0" indent="0" algn="l" defTabSz="914400" rtl="0" eaLnBrk="1" latinLnBrk="0" hangingPunct="1">
-              <a:lnSpc>
-                <a:spcPct val="90000"/>
-              </a:lnSpc>
-              <a:spcBef>
-                <a:spcPts val="1000"/>
-              </a:spcBef>
-              <a:buFont typeface="Arial" panose="020B0604020202020204" pitchFamily="34" charset="0"/>
-              <a:buNone/>
-              <a:defRPr sz="2800" kern="1200">
-                <a:solidFill>
-                  <a:schemeClr val="tx1"/>
-                </a:solidFill>
-                <a:latin typeface="+mn-lt"/>
-                <a:ea typeface="+mn-ea"/>
-                <a:cs typeface="+mn-cs"/>
-              </a:defRPr>
-            </a:lvl1pPr>
-            <a:lvl2pPr marL="457200" indent="0" algn="l" defTabSz="914400" rtl="0" eaLnBrk="1" latinLnBrk="0" hangingPunct="1">
-              <a:lnSpc>
-                <a:spcPct val="90000"/>
-              </a:lnSpc>
-              <a:spcBef>
-                <a:spcPts val="500"/>
-              </a:spcBef>
-              <a:buFont typeface="Arial" panose="020B0604020202020204" pitchFamily="34" charset="0"/>
-              <a:buNone/>
-              <a:defRPr sz="2400" kern="1200">
-                <a:solidFill>
-                  <a:schemeClr val="tx1"/>
-                </a:solidFill>
-                <a:latin typeface="+mn-lt"/>
-                <a:ea typeface="+mn-ea"/>
-                <a:cs typeface="+mn-cs"/>
-              </a:defRPr>
-            </a:lvl2pPr>
-            <a:lvl3pPr marL="914400" indent="0" algn="l" defTabSz="914400" rtl="0" eaLnBrk="1" latinLnBrk="0" hangingPunct="1">
-              <a:lnSpc>
-                <a:spcPct val="90000"/>
-              </a:lnSpc>
-              <a:spcBef>
-                <a:spcPts val="500"/>
-              </a:spcBef>
-              <a:buFont typeface="Arial" panose="020B0604020202020204" pitchFamily="34" charset="0"/>
-              <a:buNone/>
-              <a:defRPr sz="2000" kern="1200">
-                <a:solidFill>
-                  <a:schemeClr val="tx1"/>
-                </a:solidFill>
-                <a:latin typeface="+mn-lt"/>
-                <a:ea typeface="+mn-ea"/>
-                <a:cs typeface="+mn-cs"/>
-              </a:defRPr>
-            </a:lvl3pPr>
-            <a:lvl4pPr marL="1371600" indent="0" algn="l" defTabSz="914400" rtl="0" eaLnBrk="1" latinLnBrk="0" hangingPunct="1">
-              <a:lnSpc>
-                <a:spcPct val="90000"/>
-              </a:lnSpc>
-              <a:spcBef>
-                <a:spcPts val="500"/>
-              </a:spcBef>
-              <a:buFont typeface="Arial" panose="020B0604020202020204" pitchFamily="34" charset="0"/>
-              <a:buNone/>
-              <a:defRPr sz="1800" kern="1200">
-                <a:solidFill>
-                  <a:schemeClr val="tx1"/>
-                </a:solidFill>
-                <a:latin typeface="+mn-lt"/>
-                <a:ea typeface="+mn-ea"/>
-                <a:cs typeface="+mn-cs"/>
-              </a:defRPr>
-            </a:lvl4pPr>
-            <a:lvl5pPr marL="1828800" indent="0" algn="l" defTabSz="914400" rtl="0" eaLnBrk="1" latinLnBrk="0" hangingPunct="1">
-              <a:lnSpc>
-                <a:spcPct val="90000"/>
-              </a:lnSpc>
-              <a:spcBef>
-                <a:spcPts val="500"/>
-              </a:spcBef>
-              <a:buFont typeface="Arial" panose="020B0604020202020204" pitchFamily="34" charset="0"/>
-              <a:buNone/>
-              <a:defRPr sz="1800" kern="1200">
-                <a:solidFill>
-                  <a:schemeClr val="tx1"/>
-                </a:solidFill>
-                <a:latin typeface="+mn-lt"/>
-                <a:ea typeface="+mn-ea"/>
-                <a:cs typeface="+mn-cs"/>
-              </a:defRPr>
-            </a:lvl5pPr>
-            <a:lvl6pPr marL="2514600" indent="-228600" algn="l" defTabSz="914400" rtl="0" eaLnBrk="1" latinLnBrk="0" hangingPunct="1">
-              <a:lnSpc>
-                <a:spcPct val="90000"/>
-              </a:lnSpc>
-              <a:spcBef>
-                <a:spcPts val="500"/>
-              </a:spcBef>
-              <a:buFont typeface="Arial" panose="020B0604020202020204" pitchFamily="34" charset="0"/>
-              <a:buChar char="•"/>
-              <a:defRPr sz="1800" kern="1200">
-                <a:solidFill>
-                  <a:schemeClr val="tx1"/>
-                </a:solidFill>
-                <a:latin typeface="+mn-lt"/>
-                <a:ea typeface="+mn-ea"/>
-                <a:cs typeface="+mn-cs"/>
-              </a:defRPr>
-            </a:lvl6pPr>
-            <a:lvl7pPr marL="2971800" indent="-228600" algn="l" defTabSz="914400" rtl="0" eaLnBrk="1" latinLnBrk="0" hangingPunct="1">
-              <a:lnSpc>
-                <a:spcPct val="90000"/>
-              </a:lnSpc>
-              <a:spcBef>
-                <a:spcPts val="500"/>
-              </a:spcBef>
-              <a:buFont typeface="Arial" panose="020B0604020202020204" pitchFamily="34" charset="0"/>
-              <a:buChar char="•"/>
-              <a:defRPr sz="1800" kern="1200">
-                <a:solidFill>
-                  <a:schemeClr val="tx1"/>
-                </a:solidFill>
-                <a:latin typeface="+mn-lt"/>
-                <a:ea typeface="+mn-ea"/>
-                <a:cs typeface="+mn-cs"/>
-              </a:defRPr>
-            </a:lvl7pPr>
-            <a:lvl8pPr marL="3429000" indent="-228600" algn="l" defTabSz="914400" rtl="0" eaLnBrk="1" latinLnBrk="0" hangingPunct="1">
-              <a:lnSpc>
-                <a:spcPct val="90000"/>
-              </a:lnSpc>
-              <a:spcBef>
-                <a:spcPts val="500"/>
-              </a:spcBef>
-              <a:buFont typeface="Arial" panose="020B0604020202020204" pitchFamily="34" charset="0"/>
-              <a:buChar char="•"/>
-              <a:defRPr sz="1800" kern="1200">
-                <a:solidFill>
-                  <a:schemeClr val="tx1"/>
-                </a:solidFill>
-                <a:latin typeface="+mn-lt"/>
-                <a:ea typeface="+mn-ea"/>
-                <a:cs typeface="+mn-cs"/>
-              </a:defRPr>
-            </a:lvl8pPr>
-            <a:lvl9pPr marL="3886200" indent="-228600" algn="l" defTabSz="914400" rtl="0" eaLnBrk="1" latinLnBrk="0" hangingPunct="1">
-              <a:lnSpc>
-                <a:spcPct val="90000"/>
-              </a:lnSpc>
-              <a:spcBef>
-                <a:spcPts val="500"/>
-              </a:spcBef>
-              <a:buFont typeface="Arial" panose="020B0604020202020204" pitchFamily="34" charset="0"/>
-              <a:buChar char="•"/>
-              <a:defRPr sz="1800" kern="1200">
-                <a:solidFill>
-                  <a:schemeClr val="tx1"/>
-                </a:solidFill>
-                <a:latin typeface="+mn-lt"/>
-                <a:ea typeface="+mn-ea"/>
-                <a:cs typeface="+mn-cs"/>
-              </a:defRPr>
-            </a:lvl9pPr>
-          </a:lstStyle>
-          <a:p>
-            <a:r>
-              <a:rPr lang="zh-TW" altLang="en-US" sz="2400"/>
-              <a:t>特別注意，呼叫 </a:t>
-            </a:r>
-            <a:r>
-              <a:rPr lang="en-US" altLang="zh-TW" sz="2400">
-                <a:solidFill>
-                  <a:srgbClr val="92D050"/>
-                </a:solidFill>
-              </a:rPr>
-              <a:t>binarySearch </a:t>
-            </a:r>
-            <a:r>
-              <a:rPr lang="zh-TW" altLang="en-US" sz="2400"/>
-              <a:t>前</a:t>
-            </a:r>
-            <a:endParaRPr lang="en-US" altLang="zh-TW" sz="2400"/>
-          </a:p>
-          <a:p>
-            <a:r>
-              <a:rPr lang="zh-TW" altLang="en-US" sz="2400"/>
-              <a:t>一定要先將</a:t>
-            </a:r>
-            <a:r>
-              <a:rPr lang="zh-TW" altLang="en-US" sz="2400">
-                <a:solidFill>
-                  <a:srgbClr val="00B0F0"/>
-                </a:solidFill>
-              </a:rPr>
-              <a:t>陣列</a:t>
-            </a:r>
-            <a:r>
-              <a:rPr lang="zh-TW" altLang="en-US" sz="2400"/>
-              <a:t>由小到大</a:t>
-            </a:r>
-            <a:r>
-              <a:rPr lang="zh-TW" altLang="en-US" sz="2400">
-                <a:solidFill>
-                  <a:srgbClr val="FFC000"/>
-                </a:solidFill>
-              </a:rPr>
-              <a:t>排序</a:t>
-            </a:r>
-            <a:r>
-              <a:rPr lang="en-US" altLang="zh-TW" sz="2400">
-                <a:solidFill>
-                  <a:srgbClr val="FFC000"/>
-                </a:solidFill>
-              </a:rPr>
-              <a:t>(sort)</a:t>
-            </a:r>
-          </a:p>
-          <a:p>
-            <a:r>
-              <a:rPr lang="zh-TW" altLang="en-US" sz="2400"/>
-              <a:t>這與</a:t>
-            </a:r>
-            <a:r>
-              <a:rPr lang="zh-TW" altLang="en-US" sz="2400">
-                <a:solidFill>
-                  <a:srgbClr val="00B0F0"/>
-                </a:solidFill>
-              </a:rPr>
-              <a:t>二分搜尋法</a:t>
-            </a:r>
-            <a:r>
-              <a:rPr lang="zh-TW" altLang="en-US" sz="2400"/>
-              <a:t>原理有關</a:t>
-            </a:r>
-          </a:p>
-        </p:txBody>
-      </p:sp>
-    </p:spTree>
-    <p:extLst>
-      <p:ext uri="{BB962C8B-B14F-4D97-AF65-F5344CB8AC3E}">
-        <p14:creationId xmlns:p14="http://schemas.microsoft.com/office/powerpoint/2010/main" val="2408527210"/>
-      </p:ext>
-    </p:extLst>
-  </p:cSld>
-  <p:clrMapOvr>
-    <a:masterClrMapping/>
-  </p:clrMapOvr>
-  <p:transition spd="slow">
-    <p:push dir="u"/>
-  </p:transition>
-</p:sld>
-</file>
-
-<file path=ppt/slides/slide13.xml><?xml version="1.0" encoding="utf-8"?>
-<p:sld xmlns:a="http://schemas.openxmlformats.org/drawingml/2006/main" xmlns:r="http://schemas.openxmlformats.org/officeDocument/2006/relationships" xmlns:p="http://schemas.openxmlformats.org/presentationml/2006/main">
-  <p:cSld>
-    <p:spTree>
-      <p:nvGrpSpPr>
-        <p:cNvPr id="1" name=""/>
-        <p:cNvGrpSpPr/>
-        <p:nvPr/>
-      </p:nvGrpSpPr>
-      <p:grpSpPr>
-        <a:xfrm>
-          <a:off x="0" y="0"/>
-          <a:ext cx="0" cy="0"/>
-          <a:chOff x="0" y="0"/>
-          <a:chExt cx="0" cy="0"/>
-        </a:xfrm>
-      </p:grpSpPr>
-      <p:sp>
-        <p:nvSpPr>
-          <p:cNvPr id="2" name="標題 1">
-            <a:extLst>
-              <a:ext uri="{FF2B5EF4-FFF2-40B4-BE49-F238E27FC236}">
-                <a16:creationId xmlns:a16="http://schemas.microsoft.com/office/drawing/2014/main" id="{9E7EBD78-595A-45AC-8D6B-84480DED8321}"/>
-              </a:ext>
-            </a:extLst>
-          </p:cNvPr>
-          <p:cNvSpPr>
-            <a:spLocks noGrp="1"/>
-          </p:cNvSpPr>
-          <p:nvPr>
-            <p:ph type="title"/>
-          </p:nvPr>
-        </p:nvSpPr>
-        <p:spPr>
-          <a:xfrm>
-            <a:off x="838200" y="0"/>
-            <a:ext cx="10515600" cy="1325563"/>
-          </a:xfrm>
-        </p:spPr>
-        <p:txBody>
-          <a:bodyPr/>
-          <a:lstStyle/>
-          <a:p>
-            <a:r>
-              <a:rPr lang="en-US" altLang="zh-TW"/>
-              <a:t>k</a:t>
-            </a:r>
-            <a:r>
-              <a:rPr lang="zh-TW" altLang="en-US"/>
-              <a:t> 維陣列</a:t>
-            </a:r>
-          </a:p>
-        </p:txBody>
-      </p:sp>
-      <p:sp>
-        <p:nvSpPr>
-          <p:cNvPr id="3" name="內容版面配置區 2">
-            <a:extLst>
-              <a:ext uri="{FF2B5EF4-FFF2-40B4-BE49-F238E27FC236}">
-                <a16:creationId xmlns:a16="http://schemas.microsoft.com/office/drawing/2014/main" id="{76BE04D8-4B18-4A47-AB32-1032E7B1BA57}"/>
-              </a:ext>
-            </a:extLst>
-          </p:cNvPr>
-          <p:cNvSpPr>
-            <a:spLocks noGrp="1"/>
-          </p:cNvSpPr>
-          <p:nvPr>
-            <p:ph idx="1"/>
-          </p:nvPr>
-        </p:nvSpPr>
-        <p:spPr>
-          <a:xfrm>
-            <a:off x="838200" y="1025525"/>
-            <a:ext cx="10515600" cy="3042444"/>
-          </a:xfrm>
-        </p:spPr>
-        <p:txBody>
-          <a:bodyPr/>
-          <a:lstStyle/>
-          <a:p>
-            <a:r>
-              <a:rPr lang="zh-TW" altLang="en-US"/>
-              <a:t>剛剛所介紹的叫做</a:t>
-            </a:r>
-            <a:r>
-              <a:rPr lang="zh-TW" altLang="en-US">
-                <a:solidFill>
-                  <a:srgbClr val="00B0F0"/>
-                </a:solidFill>
-              </a:rPr>
-              <a:t>一維陣列</a:t>
-            </a:r>
-            <a:r>
-              <a:rPr lang="en-US" altLang="zh-TW">
-                <a:solidFill>
-                  <a:srgbClr val="00B0F0"/>
-                </a:solidFill>
-              </a:rPr>
-              <a:t>(1D array)</a:t>
-            </a:r>
-          </a:p>
-          <a:p>
-            <a:r>
-              <a:rPr lang="zh-TW" altLang="en-US"/>
-              <a:t>由 </a:t>
-            </a:r>
-            <a:r>
-              <a:rPr lang="en-US" altLang="zh-TW"/>
-              <a:t>1</a:t>
-            </a:r>
-            <a:r>
-              <a:rPr lang="zh-TW" altLang="en-US"/>
-              <a:t> 個</a:t>
-            </a:r>
-            <a:r>
-              <a:rPr lang="zh-TW" altLang="en-US">
-                <a:solidFill>
-                  <a:srgbClr val="00B0F0"/>
-                </a:solidFill>
-              </a:rPr>
-              <a:t>索引值</a:t>
-            </a:r>
-            <a:r>
-              <a:rPr lang="zh-TW" altLang="en-US"/>
-              <a:t>確定</a:t>
-            </a:r>
-            <a:r>
-              <a:rPr lang="zh-TW" altLang="en-US">
-                <a:solidFill>
-                  <a:srgbClr val="00B0F0"/>
-                </a:solidFill>
-              </a:rPr>
-              <a:t>元素</a:t>
-            </a:r>
-            <a:endParaRPr lang="en-US" altLang="zh-TW">
-              <a:solidFill>
-                <a:srgbClr val="00B0F0"/>
-              </a:solidFill>
-            </a:endParaRPr>
-          </a:p>
-          <a:p>
-            <a:r>
-              <a:rPr lang="zh-TW" altLang="en-US"/>
-              <a:t>而</a:t>
-            </a:r>
-            <a:r>
-              <a:rPr lang="zh-TW" altLang="en-US">
-                <a:solidFill>
-                  <a:srgbClr val="00B0F0"/>
-                </a:solidFill>
-              </a:rPr>
-              <a:t>二維陣列</a:t>
-            </a:r>
-            <a:r>
-              <a:rPr lang="en-US" altLang="zh-TW">
-                <a:solidFill>
-                  <a:srgbClr val="00B0F0"/>
-                </a:solidFill>
-              </a:rPr>
-              <a:t>(2D array)</a:t>
-            </a:r>
-            <a:r>
-              <a:rPr lang="zh-TW" altLang="en-US"/>
-              <a:t>由 </a:t>
-            </a:r>
-            <a:r>
-              <a:rPr lang="en-US" altLang="zh-TW"/>
-              <a:t>2</a:t>
-            </a:r>
-            <a:r>
-              <a:rPr lang="zh-TW" altLang="en-US"/>
-              <a:t> 個</a:t>
-            </a:r>
-            <a:r>
-              <a:rPr lang="zh-TW" altLang="en-US">
-                <a:solidFill>
-                  <a:srgbClr val="00B0F0"/>
-                </a:solidFill>
-              </a:rPr>
-              <a:t>索引值</a:t>
-            </a:r>
-            <a:r>
-              <a:rPr lang="zh-TW" altLang="en-US"/>
-              <a:t>確定</a:t>
-            </a:r>
-            <a:r>
-              <a:rPr lang="zh-TW" altLang="en-US">
-                <a:solidFill>
-                  <a:srgbClr val="00B0F0"/>
-                </a:solidFill>
-              </a:rPr>
-              <a:t>元素</a:t>
-            </a:r>
-            <a:endParaRPr lang="en-US" altLang="zh-TW">
-              <a:solidFill>
-                <a:srgbClr val="00B0F0"/>
-              </a:solidFill>
-            </a:endParaRPr>
-          </a:p>
-          <a:p>
-            <a:r>
-              <a:rPr lang="en-US" altLang="zh-TW">
-                <a:solidFill>
-                  <a:srgbClr val="00B0F0"/>
-                </a:solidFill>
-              </a:rPr>
-              <a:t>k</a:t>
-            </a:r>
-            <a:r>
-              <a:rPr lang="zh-TW" altLang="en-US">
-                <a:solidFill>
-                  <a:srgbClr val="00B0F0"/>
-                </a:solidFill>
-              </a:rPr>
-              <a:t> 維陣列</a:t>
-            </a:r>
-            <a:r>
-              <a:rPr lang="zh-TW" altLang="en-US"/>
-              <a:t>由 </a:t>
-            </a:r>
-            <a:r>
-              <a:rPr lang="en-US" altLang="zh-TW"/>
-              <a:t>k</a:t>
-            </a:r>
-            <a:r>
-              <a:rPr lang="zh-TW" altLang="en-US"/>
-              <a:t> 個</a:t>
-            </a:r>
-            <a:r>
-              <a:rPr lang="zh-TW" altLang="en-US">
-                <a:solidFill>
-                  <a:srgbClr val="00B0F0"/>
-                </a:solidFill>
-              </a:rPr>
-              <a:t>索引值</a:t>
-            </a:r>
-            <a:r>
-              <a:rPr lang="zh-TW" altLang="en-US"/>
-              <a:t>確定</a:t>
-            </a:r>
-            <a:r>
-              <a:rPr lang="zh-TW" altLang="en-US">
-                <a:solidFill>
-                  <a:srgbClr val="00B0F0"/>
-                </a:solidFill>
-              </a:rPr>
-              <a:t>元素</a:t>
-            </a:r>
-            <a:endParaRPr lang="en-US" altLang="zh-TW">
-              <a:solidFill>
-                <a:srgbClr val="00B0F0"/>
-              </a:solidFill>
-            </a:endParaRPr>
-          </a:p>
-          <a:p>
-            <a:r>
-              <a:rPr lang="zh-TW" altLang="en-US"/>
-              <a:t>在 </a:t>
-            </a:r>
-            <a:r>
-              <a:rPr lang="en-US" altLang="zh-TW"/>
-              <a:t>Java </a:t>
-            </a:r>
-            <a:r>
-              <a:rPr lang="zh-TW" altLang="en-US"/>
-              <a:t>中，</a:t>
-            </a:r>
-            <a:r>
-              <a:rPr lang="zh-TW" altLang="en-US">
-                <a:solidFill>
-                  <a:srgbClr val="00B0F0"/>
-                </a:solidFill>
-              </a:rPr>
-              <a:t>二維陣列</a:t>
-            </a:r>
-            <a:r>
-              <a:rPr lang="zh-TW" altLang="en-US"/>
-              <a:t>就是</a:t>
-            </a:r>
-            <a:r>
-              <a:rPr lang="zh-TW" altLang="en-US">
-                <a:solidFill>
-                  <a:srgbClr val="00B0F0"/>
-                </a:solidFill>
-              </a:rPr>
-              <a:t>元素型別</a:t>
-            </a:r>
-            <a:r>
-              <a:rPr lang="zh-TW" altLang="en-US"/>
-              <a:t>為</a:t>
-            </a:r>
-            <a:r>
-              <a:rPr lang="zh-TW" altLang="en-US">
-                <a:solidFill>
-                  <a:srgbClr val="00B0F0"/>
-                </a:solidFill>
-              </a:rPr>
-              <a:t>一維陣列</a:t>
-            </a:r>
-            <a:r>
-              <a:rPr lang="zh-TW" altLang="en-US"/>
-              <a:t>的</a:t>
-            </a:r>
-            <a:r>
-              <a:rPr lang="zh-TW" altLang="en-US">
-                <a:solidFill>
-                  <a:srgbClr val="00B0F0"/>
-                </a:solidFill>
-              </a:rPr>
-              <a:t>一維陣列</a:t>
-            </a:r>
-            <a:endParaRPr lang="en-US" altLang="zh-TW">
-              <a:solidFill>
-                <a:srgbClr val="00B0F0"/>
-              </a:solidFill>
-            </a:endParaRPr>
-          </a:p>
-          <a:p>
-            <a:r>
-              <a:rPr lang="en-US" altLang="zh-TW">
-                <a:solidFill>
-                  <a:srgbClr val="00B0F0"/>
-                </a:solidFill>
-              </a:rPr>
-              <a:t>k</a:t>
-            </a:r>
-            <a:r>
-              <a:rPr lang="zh-TW" altLang="en-US">
-                <a:solidFill>
-                  <a:srgbClr val="00B0F0"/>
-                </a:solidFill>
-              </a:rPr>
-              <a:t> 維陣列</a:t>
-            </a:r>
-            <a:r>
-              <a:rPr lang="zh-TW" altLang="en-US"/>
-              <a:t>就是</a:t>
-            </a:r>
-            <a:r>
-              <a:rPr lang="zh-TW" altLang="en-US">
-                <a:solidFill>
-                  <a:srgbClr val="00B0F0"/>
-                </a:solidFill>
-              </a:rPr>
-              <a:t>元素型別</a:t>
-            </a:r>
-            <a:r>
-              <a:rPr lang="zh-TW" altLang="en-US"/>
-              <a:t>為</a:t>
-            </a:r>
-            <a:r>
-              <a:rPr lang="en-US" altLang="zh-TW">
-                <a:solidFill>
-                  <a:srgbClr val="00B0F0"/>
-                </a:solidFill>
-              </a:rPr>
-              <a:t>(k</a:t>
-            </a:r>
-            <a:r>
-              <a:rPr lang="zh-TW" altLang="en-US">
-                <a:solidFill>
-                  <a:srgbClr val="00B0F0"/>
-                </a:solidFill>
-              </a:rPr>
-              <a:t> </a:t>
-            </a:r>
-            <a:r>
-              <a:rPr lang="en-US" altLang="zh-TW">
-                <a:solidFill>
-                  <a:srgbClr val="00B0F0"/>
-                </a:solidFill>
-              </a:rPr>
-              <a:t>–</a:t>
-            </a:r>
-            <a:r>
-              <a:rPr lang="zh-TW" altLang="en-US">
-                <a:solidFill>
-                  <a:srgbClr val="00B0F0"/>
-                </a:solidFill>
-              </a:rPr>
-              <a:t> </a:t>
-            </a:r>
-            <a:r>
-              <a:rPr lang="en-US" altLang="zh-TW">
-                <a:solidFill>
-                  <a:srgbClr val="00B0F0"/>
-                </a:solidFill>
-              </a:rPr>
-              <a:t>1)</a:t>
-            </a:r>
-            <a:r>
-              <a:rPr lang="zh-TW" altLang="en-US">
-                <a:solidFill>
-                  <a:srgbClr val="00B0F0"/>
-                </a:solidFill>
-              </a:rPr>
-              <a:t>維陣列</a:t>
-            </a:r>
-            <a:r>
-              <a:rPr lang="zh-TW" altLang="en-US"/>
-              <a:t>的</a:t>
-            </a:r>
-            <a:r>
-              <a:rPr lang="zh-TW" altLang="en-US">
-                <a:solidFill>
-                  <a:srgbClr val="00B0F0"/>
-                </a:solidFill>
-              </a:rPr>
-              <a:t>一維陣列</a:t>
-            </a:r>
-          </a:p>
-        </p:txBody>
-      </p:sp>
-      <p:grpSp>
-        <p:nvGrpSpPr>
-          <p:cNvPr id="7" name="群組 6">
-            <a:extLst>
-              <a:ext uri="{FF2B5EF4-FFF2-40B4-BE49-F238E27FC236}">
-                <a16:creationId xmlns:a16="http://schemas.microsoft.com/office/drawing/2014/main" id="{48B63D89-77F4-4BAF-BA14-71FE4D958E2F}"/>
-              </a:ext>
-            </a:extLst>
-          </p:cNvPr>
-          <p:cNvGrpSpPr/>
-          <p:nvPr/>
-        </p:nvGrpSpPr>
-        <p:grpSpPr>
-          <a:xfrm>
-            <a:off x="838200" y="4067969"/>
-            <a:ext cx="6777316" cy="2462213"/>
-            <a:chOff x="838200" y="4001294"/>
-            <a:chExt cx="6777316" cy="2462213"/>
-          </a:xfrm>
-        </p:grpSpPr>
-        <p:sp>
-          <p:nvSpPr>
-            <p:cNvPr id="4" name="Rectangle 1">
-              <a:extLst>
-                <a:ext uri="{FF2B5EF4-FFF2-40B4-BE49-F238E27FC236}">
-                  <a16:creationId xmlns:a16="http://schemas.microsoft.com/office/drawing/2014/main" id="{AECA89DA-56ED-4F29-9A6E-F17DD49DC353}"/>
-                </a:ext>
-              </a:extLst>
-            </p:cNvPr>
-            <p:cNvSpPr>
-              <a:spLocks noChangeArrowheads="1"/>
-            </p:cNvSpPr>
-            <p:nvPr/>
-          </p:nvSpPr>
-          <p:spPr bwMode="auto">
-            <a:xfrm>
-              <a:off x="838200" y="4001294"/>
-              <a:ext cx="6777316" cy="2462213"/>
-            </a:xfrm>
-            <a:prstGeom prst="rect">
-              <a:avLst/>
-            </a:prstGeom>
-            <a:solidFill>
-              <a:srgbClr val="1E1F22"/>
-            </a:solidFill>
-            <a:ln>
-              <a:noFill/>
-            </a:ln>
-            <a:effectLst/>
-            <a:extLst>
-              <a:ext uri="{91240B29-F687-4F45-9708-019B960494DF}">
-                <a14:hiddenLine xmlns:a14="http://schemas.microsoft.com/office/drawing/2010/main" w="9525">
-                  <a:solidFill>
-                    <a:schemeClr val="tx1"/>
-                  </a:solidFill>
-                  <a:miter lim="800000"/>
-                  <a:headEnd/>
-                  <a:tailEnd/>
-                </a14:hiddenLine>
-              </a:ext>
-              <a:ext uri="{AF507438-7753-43E0-B8FC-AC1667EBCBE1}">
-                <a14:hiddenEffects xmlns:a14="http://schemas.microsoft.com/office/drawing/2010/main">
-                  <a:effectLst>
-                    <a:outerShdw dist="35921" dir="2700000" algn="ctr" rotWithShape="0">
-                      <a:schemeClr val="bg2"/>
-                    </a:outerShdw>
-                  </a:effectLst>
-                </a14:hiddenEffects>
-              </a:ext>
-            </a:extLst>
-          </p:spPr>
-          <p:txBody>
-            <a:bodyPr vert="horz" wrap="square" lIns="91440" tIns="45720" rIns="91440" bIns="45720" numCol="1" anchor="ctr" anchorCtr="0" compatLnSpc="1">
-              <a:prstTxWarp prst="textNoShape">
-                <a:avLst/>
-              </a:prstTxWarp>
-              <a:spAutoFit/>
-            </a:bodyPr>
-            <a:lstStyle/>
-            <a:p>
-              <a:pPr marL="0" marR="0" lvl="0" indent="0" algn="l" defTabSz="914400" rtl="0" eaLnBrk="0" fontAlgn="base" latinLnBrk="0" hangingPunct="0">
-                <a:lnSpc>
-                  <a:spcPct val="100000"/>
-                </a:lnSpc>
-                <a:spcBef>
-                  <a:spcPct val="0"/>
-                </a:spcBef>
-                <a:spcAft>
-                  <a:spcPct val="0"/>
-                </a:spcAft>
-                <a:buClrTx/>
-                <a:buSzTx/>
-                <a:buFontTx/>
-                <a:buNone/>
-                <a:tabLst/>
-              </a:pPr>
-              <a:r>
-                <a:rPr kumimoji="0" lang="zh-TW" altLang="zh-TW" sz="1400" b="0" i="0" u="none" strike="noStrike" cap="none" normalizeH="0" baseline="0">
-                  <a:ln>
-                    <a:noFill/>
-                  </a:ln>
-                  <a:solidFill>
-                    <a:srgbClr val="CF8E6D"/>
-                  </a:solidFill>
-                  <a:effectLst/>
-                  <a:latin typeface="+mj-lt"/>
-                  <a:cs typeface="JetBrains Mono" panose="02000009000000000000" pitchFamily="49" charset="0"/>
-                </a:rPr>
-                <a:t>public class </a:t>
-              </a:r>
-              <a:r>
-                <a:rPr kumimoji="0" lang="zh-TW" altLang="zh-TW" sz="1400" b="0" i="0" u="none" strike="noStrike" cap="none" normalizeH="0" baseline="0">
-                  <a:ln>
-                    <a:noFill/>
-                  </a:ln>
-                  <a:solidFill>
-                    <a:srgbClr val="BCBEC4"/>
-                  </a:solidFill>
-                  <a:effectLst/>
-                  <a:latin typeface="+mj-lt"/>
-                  <a:cs typeface="JetBrains Mono" panose="02000009000000000000" pitchFamily="49" charset="0"/>
-                </a:rPr>
-                <a:t>Main4 {</a:t>
-              </a:r>
-              <a:br>
-                <a:rPr kumimoji="0" lang="zh-TW" altLang="zh-TW" sz="1400" b="0" i="0" u="none" strike="noStrike" cap="none" normalizeH="0" baseline="0">
-                  <a:ln>
-                    <a:noFill/>
-                  </a:ln>
-                  <a:solidFill>
-                    <a:srgbClr val="BCBEC4"/>
-                  </a:solidFill>
-                  <a:effectLst/>
-                  <a:latin typeface="+mj-lt"/>
-                  <a:cs typeface="JetBrains Mono" panose="02000009000000000000" pitchFamily="49" charset="0"/>
-                </a:rPr>
-              </a:br>
-              <a:r>
-                <a:rPr kumimoji="0" lang="zh-TW" altLang="zh-TW" sz="1400" b="0" i="0" u="none" strike="noStrike" cap="none" normalizeH="0" baseline="0">
-                  <a:ln>
-                    <a:noFill/>
-                  </a:ln>
-                  <a:solidFill>
-                    <a:srgbClr val="BCBEC4"/>
-                  </a:solidFill>
-                  <a:effectLst/>
-                  <a:latin typeface="+mj-lt"/>
-                  <a:cs typeface="JetBrains Mono" panose="02000009000000000000" pitchFamily="49" charset="0"/>
-                </a:rPr>
-                <a:t>    </a:t>
-              </a:r>
-              <a:r>
-                <a:rPr kumimoji="0" lang="zh-TW" altLang="zh-TW" sz="1400" b="0" i="0" u="none" strike="noStrike" cap="none" normalizeH="0" baseline="0">
-                  <a:ln>
-                    <a:noFill/>
-                  </a:ln>
-                  <a:solidFill>
-                    <a:srgbClr val="CF8E6D"/>
-                  </a:solidFill>
-                  <a:effectLst/>
-                  <a:latin typeface="+mj-lt"/>
-                  <a:cs typeface="JetBrains Mono" panose="02000009000000000000" pitchFamily="49" charset="0"/>
-                </a:rPr>
-                <a:t>public static void </a:t>
-              </a:r>
-              <a:r>
-                <a:rPr kumimoji="0" lang="zh-TW" altLang="zh-TW" sz="1400" b="0" i="0" u="none" strike="noStrike" cap="none" normalizeH="0" baseline="0">
-                  <a:ln>
-                    <a:noFill/>
-                  </a:ln>
-                  <a:solidFill>
-                    <a:srgbClr val="56A8F5"/>
-                  </a:solidFill>
-                  <a:effectLst/>
-                  <a:latin typeface="+mj-lt"/>
-                  <a:cs typeface="JetBrains Mono" panose="02000009000000000000" pitchFamily="49" charset="0"/>
-                </a:rPr>
-                <a:t>main</a:t>
-              </a:r>
-              <a:r>
-                <a:rPr kumimoji="0" lang="zh-TW" altLang="zh-TW" sz="1400" b="0" i="0" u="none" strike="noStrike" cap="none" normalizeH="0" baseline="0">
-                  <a:ln>
-                    <a:noFill/>
-                  </a:ln>
-                  <a:solidFill>
-                    <a:srgbClr val="BCBEC4"/>
-                  </a:solidFill>
-                  <a:effectLst/>
-                  <a:latin typeface="+mj-lt"/>
-                  <a:cs typeface="JetBrains Mono" panose="02000009000000000000" pitchFamily="49" charset="0"/>
-                </a:rPr>
-                <a:t>(String[] args) {</a:t>
-              </a:r>
-              <a:br>
-                <a:rPr kumimoji="0" lang="zh-TW" altLang="zh-TW" sz="1400" b="0" i="0" u="none" strike="noStrike" cap="none" normalizeH="0" baseline="0">
-                  <a:ln>
-                    <a:noFill/>
-                  </a:ln>
-                  <a:solidFill>
-                    <a:srgbClr val="BCBEC4"/>
-                  </a:solidFill>
-                  <a:effectLst/>
-                  <a:latin typeface="+mj-lt"/>
-                  <a:cs typeface="JetBrains Mono" panose="02000009000000000000" pitchFamily="49" charset="0"/>
-                </a:rPr>
-              </a:br>
-              <a:r>
-                <a:rPr kumimoji="0" lang="zh-TW" altLang="zh-TW" sz="1400" b="0" i="0" u="none" strike="noStrike" cap="none" normalizeH="0" baseline="0">
-                  <a:ln>
-                    <a:noFill/>
-                  </a:ln>
-                  <a:solidFill>
-                    <a:srgbClr val="BCBEC4"/>
-                  </a:solidFill>
-                  <a:effectLst/>
-                  <a:latin typeface="+mj-lt"/>
-                  <a:cs typeface="JetBrains Mono" panose="02000009000000000000" pitchFamily="49" charset="0"/>
-                </a:rPr>
-                <a:t>        </a:t>
-              </a:r>
-              <a:r>
-                <a:rPr kumimoji="0" lang="zh-TW" altLang="zh-TW" sz="1400" b="0" i="0" u="none" strike="noStrike" cap="none" normalizeH="0" baseline="0">
-                  <a:ln>
-                    <a:noFill/>
-                  </a:ln>
-                  <a:solidFill>
-                    <a:srgbClr val="CF8E6D"/>
-                  </a:solidFill>
-                  <a:effectLst/>
-                  <a:latin typeface="+mj-lt"/>
-                  <a:cs typeface="JetBrains Mono" panose="02000009000000000000" pitchFamily="49" charset="0"/>
-                </a:rPr>
-                <a:t>int</a:t>
-              </a:r>
-              <a:r>
-                <a:rPr kumimoji="0" lang="zh-TW" altLang="zh-TW" sz="1400" b="0" i="0" u="none" strike="noStrike" cap="none" normalizeH="0" baseline="0">
-                  <a:ln>
-                    <a:noFill/>
-                  </a:ln>
-                  <a:solidFill>
-                    <a:srgbClr val="BCBEC4"/>
-                  </a:solidFill>
-                  <a:effectLst/>
-                  <a:latin typeface="+mj-lt"/>
-                  <a:cs typeface="JetBrains Mono" panose="02000009000000000000" pitchFamily="49" charset="0"/>
-                </a:rPr>
-                <a:t>[][] arr = {{</a:t>
-              </a:r>
-              <a:r>
-                <a:rPr kumimoji="0" lang="zh-TW" altLang="zh-TW" sz="1400" b="0" i="0" u="none" strike="noStrike" cap="none" normalizeH="0" baseline="0">
-                  <a:ln>
-                    <a:noFill/>
-                  </a:ln>
-                  <a:solidFill>
-                    <a:srgbClr val="2AACB8"/>
-                  </a:solidFill>
-                  <a:effectLst/>
-                  <a:latin typeface="+mj-lt"/>
-                  <a:cs typeface="JetBrains Mono" panose="02000009000000000000" pitchFamily="49" charset="0"/>
-                </a:rPr>
-                <a:t>2</a:t>
-              </a:r>
-              <a:r>
-                <a:rPr kumimoji="0" lang="zh-TW" altLang="zh-TW" sz="1400" b="0" i="0" u="none" strike="noStrike" cap="none" normalizeH="0" baseline="0">
-                  <a:ln>
-                    <a:noFill/>
-                  </a:ln>
-                  <a:solidFill>
-                    <a:srgbClr val="BCBEC4"/>
-                  </a:solidFill>
-                  <a:effectLst/>
-                  <a:latin typeface="+mj-lt"/>
-                  <a:cs typeface="JetBrains Mono" panose="02000009000000000000" pitchFamily="49" charset="0"/>
-                </a:rPr>
-                <a:t>, </a:t>
-              </a:r>
-              <a:r>
-                <a:rPr kumimoji="0" lang="zh-TW" altLang="zh-TW" sz="1400" b="0" i="0" u="none" strike="noStrike" cap="none" normalizeH="0" baseline="0">
-                  <a:ln>
-                    <a:noFill/>
-                  </a:ln>
-                  <a:solidFill>
-                    <a:srgbClr val="2AACB8"/>
-                  </a:solidFill>
-                  <a:effectLst/>
-                  <a:latin typeface="+mj-lt"/>
-                  <a:cs typeface="JetBrains Mono" panose="02000009000000000000" pitchFamily="49" charset="0"/>
-                </a:rPr>
-                <a:t>1</a:t>
-              </a:r>
-              <a:r>
-                <a:rPr kumimoji="0" lang="zh-TW" altLang="zh-TW" sz="1400" b="0" i="0" u="none" strike="noStrike" cap="none" normalizeH="0" baseline="0">
-                  <a:ln>
-                    <a:noFill/>
-                  </a:ln>
-                  <a:solidFill>
-                    <a:srgbClr val="BCBEC4"/>
-                  </a:solidFill>
-                  <a:effectLst/>
-                  <a:latin typeface="+mj-lt"/>
-                  <a:cs typeface="JetBrains Mono" panose="02000009000000000000" pitchFamily="49" charset="0"/>
-                </a:rPr>
-                <a:t>, </a:t>
-              </a:r>
-              <a:r>
-                <a:rPr kumimoji="0" lang="zh-TW" altLang="zh-TW" sz="1400" b="0" i="0" u="none" strike="noStrike" cap="none" normalizeH="0" baseline="0">
-                  <a:ln>
-                    <a:noFill/>
-                  </a:ln>
-                  <a:solidFill>
-                    <a:srgbClr val="2AACB8"/>
-                  </a:solidFill>
-                  <a:effectLst/>
-                  <a:latin typeface="+mj-lt"/>
-                  <a:cs typeface="JetBrains Mono" panose="02000009000000000000" pitchFamily="49" charset="0"/>
-                </a:rPr>
-                <a:t>4</a:t>
-              </a:r>
-              <a:r>
-                <a:rPr kumimoji="0" lang="zh-TW" altLang="zh-TW" sz="1400" b="0" i="0" u="none" strike="noStrike" cap="none" normalizeH="0" baseline="0">
-                  <a:ln>
-                    <a:noFill/>
-                  </a:ln>
-                  <a:solidFill>
-                    <a:srgbClr val="BCBEC4"/>
-                  </a:solidFill>
-                  <a:effectLst/>
-                  <a:latin typeface="+mj-lt"/>
-                  <a:cs typeface="JetBrains Mono" panose="02000009000000000000" pitchFamily="49" charset="0"/>
-                </a:rPr>
-                <a:t>}, {</a:t>
-              </a:r>
-              <a:r>
-                <a:rPr kumimoji="0" lang="zh-TW" altLang="zh-TW" sz="1400" b="0" i="0" u="none" strike="noStrike" cap="none" normalizeH="0" baseline="0">
-                  <a:ln>
-                    <a:noFill/>
-                  </a:ln>
-                  <a:solidFill>
-                    <a:srgbClr val="2AACB8"/>
-                  </a:solidFill>
-                  <a:effectLst/>
-                  <a:latin typeface="+mj-lt"/>
-                  <a:cs typeface="JetBrains Mono" panose="02000009000000000000" pitchFamily="49" charset="0"/>
-                </a:rPr>
-                <a:t>7</a:t>
-              </a:r>
-              <a:r>
-                <a:rPr kumimoji="0" lang="zh-TW" altLang="zh-TW" sz="1400" b="0" i="0" u="none" strike="noStrike" cap="none" normalizeH="0" baseline="0">
-                  <a:ln>
-                    <a:noFill/>
-                  </a:ln>
-                  <a:solidFill>
-                    <a:srgbClr val="BCBEC4"/>
-                  </a:solidFill>
-                  <a:effectLst/>
-                  <a:latin typeface="+mj-lt"/>
-                  <a:cs typeface="JetBrains Mono" panose="02000009000000000000" pitchFamily="49" charset="0"/>
-                </a:rPr>
-                <a:t>, </a:t>
-              </a:r>
-              <a:r>
-                <a:rPr kumimoji="0" lang="zh-TW" altLang="zh-TW" sz="1400" b="0" i="0" u="none" strike="noStrike" cap="none" normalizeH="0" baseline="0">
-                  <a:ln>
-                    <a:noFill/>
-                  </a:ln>
-                  <a:solidFill>
-                    <a:srgbClr val="2AACB8"/>
-                  </a:solidFill>
-                  <a:effectLst/>
-                  <a:latin typeface="+mj-lt"/>
-                  <a:cs typeface="JetBrains Mono" panose="02000009000000000000" pitchFamily="49" charset="0"/>
-                </a:rPr>
-                <a:t>4</a:t>
-              </a:r>
-              <a:r>
-                <a:rPr kumimoji="0" lang="zh-TW" altLang="zh-TW" sz="1400" b="0" i="0" u="none" strike="noStrike" cap="none" normalizeH="0" baseline="0">
-                  <a:ln>
-                    <a:noFill/>
-                  </a:ln>
-                  <a:solidFill>
-                    <a:srgbClr val="BCBEC4"/>
-                  </a:solidFill>
-                  <a:effectLst/>
-                  <a:latin typeface="+mj-lt"/>
-                  <a:cs typeface="JetBrains Mono" panose="02000009000000000000" pitchFamily="49" charset="0"/>
-                </a:rPr>
-                <a:t>}, {</a:t>
-              </a:r>
-              <a:r>
-                <a:rPr kumimoji="0" lang="zh-TW" altLang="zh-TW" sz="1400" b="0" i="0" u="none" strike="noStrike" cap="none" normalizeH="0" baseline="0">
-                  <a:ln>
-                    <a:noFill/>
-                  </a:ln>
-                  <a:solidFill>
-                    <a:srgbClr val="2AACB8"/>
-                  </a:solidFill>
-                  <a:effectLst/>
-                  <a:latin typeface="+mj-lt"/>
-                  <a:cs typeface="JetBrains Mono" panose="02000009000000000000" pitchFamily="49" charset="0"/>
-                </a:rPr>
-                <a:t>8</a:t>
-              </a:r>
-              <a:r>
-                <a:rPr kumimoji="0" lang="zh-TW" altLang="zh-TW" sz="1400" b="0" i="0" u="none" strike="noStrike" cap="none" normalizeH="0" baseline="0">
-                  <a:ln>
-                    <a:noFill/>
-                  </a:ln>
-                  <a:solidFill>
-                    <a:srgbClr val="BCBEC4"/>
-                  </a:solidFill>
-                  <a:effectLst/>
-                  <a:latin typeface="+mj-lt"/>
-                  <a:cs typeface="JetBrains Mono" panose="02000009000000000000" pitchFamily="49" charset="0"/>
-                </a:rPr>
-                <a:t>, </a:t>
-              </a:r>
-              <a:r>
-                <a:rPr kumimoji="0" lang="zh-TW" altLang="zh-TW" sz="1400" b="0" i="0" u="none" strike="noStrike" cap="none" normalizeH="0" baseline="0">
-                  <a:ln>
-                    <a:noFill/>
-                  </a:ln>
-                  <a:solidFill>
-                    <a:srgbClr val="2AACB8"/>
-                  </a:solidFill>
-                  <a:effectLst/>
-                  <a:latin typeface="+mj-lt"/>
-                  <a:cs typeface="JetBrains Mono" panose="02000009000000000000" pitchFamily="49" charset="0"/>
-                </a:rPr>
-                <a:t>3</a:t>
-              </a:r>
-              <a:r>
-                <a:rPr kumimoji="0" lang="zh-TW" altLang="zh-TW" sz="1400" b="0" i="0" u="none" strike="noStrike" cap="none" normalizeH="0" baseline="0">
-                  <a:ln>
-                    <a:noFill/>
-                  </a:ln>
-                  <a:solidFill>
-                    <a:srgbClr val="BCBEC4"/>
-                  </a:solidFill>
-                  <a:effectLst/>
-                  <a:latin typeface="+mj-lt"/>
-                  <a:cs typeface="JetBrains Mono" panose="02000009000000000000" pitchFamily="49" charset="0"/>
-                </a:rPr>
-                <a:t>, </a:t>
-              </a:r>
-              <a:r>
-                <a:rPr kumimoji="0" lang="zh-TW" altLang="zh-TW" sz="1400" b="0" i="0" u="none" strike="noStrike" cap="none" normalizeH="0" baseline="0">
-                  <a:ln>
-                    <a:noFill/>
-                  </a:ln>
-                  <a:solidFill>
-                    <a:srgbClr val="2AACB8"/>
-                  </a:solidFill>
-                  <a:effectLst/>
-                  <a:latin typeface="+mj-lt"/>
-                  <a:cs typeface="JetBrains Mono" panose="02000009000000000000" pitchFamily="49" charset="0"/>
-                </a:rPr>
-                <a:t>6</a:t>
-              </a:r>
-              <a:r>
-                <a:rPr kumimoji="0" lang="zh-TW" altLang="zh-TW" sz="1400" b="0" i="0" u="none" strike="noStrike" cap="none" normalizeH="0" baseline="0">
-                  <a:ln>
-                    <a:noFill/>
-                  </a:ln>
-                  <a:solidFill>
-                    <a:srgbClr val="BCBEC4"/>
-                  </a:solidFill>
-                  <a:effectLst/>
-                  <a:latin typeface="+mj-lt"/>
-                  <a:cs typeface="JetBrains Mono" panose="02000009000000000000" pitchFamily="49" charset="0"/>
-                </a:rPr>
-                <a:t>, </a:t>
-              </a:r>
-              <a:r>
-                <a:rPr kumimoji="0" lang="zh-TW" altLang="zh-TW" sz="1400" b="0" i="0" u="none" strike="noStrike" cap="none" normalizeH="0" baseline="0">
-                  <a:ln>
-                    <a:noFill/>
-                  </a:ln>
-                  <a:solidFill>
-                    <a:srgbClr val="2AACB8"/>
-                  </a:solidFill>
-                  <a:effectLst/>
-                  <a:latin typeface="+mj-lt"/>
-                  <a:cs typeface="JetBrains Mono" panose="02000009000000000000" pitchFamily="49" charset="0"/>
-                </a:rPr>
-                <a:t>4</a:t>
-              </a:r>
-              <a:r>
-                <a:rPr kumimoji="0" lang="zh-TW" altLang="zh-TW" sz="1400" b="0" i="0" u="none" strike="noStrike" cap="none" normalizeH="0" baseline="0">
-                  <a:ln>
-                    <a:noFill/>
-                  </a:ln>
-                  <a:solidFill>
-                    <a:srgbClr val="BCBEC4"/>
-                  </a:solidFill>
-                  <a:effectLst/>
-                  <a:latin typeface="+mj-lt"/>
-                  <a:cs typeface="JetBrains Mono" panose="02000009000000000000" pitchFamily="49" charset="0"/>
-                </a:rPr>
-                <a:t>}, {</a:t>
-              </a:r>
-              <a:r>
-                <a:rPr kumimoji="0" lang="zh-TW" altLang="zh-TW" sz="1400" b="0" i="0" u="none" strike="noStrike" cap="none" normalizeH="0" baseline="0">
-                  <a:ln>
-                    <a:noFill/>
-                  </a:ln>
-                  <a:solidFill>
-                    <a:srgbClr val="2AACB8"/>
-                  </a:solidFill>
-                  <a:effectLst/>
-                  <a:latin typeface="+mj-lt"/>
-                  <a:cs typeface="JetBrains Mono" panose="02000009000000000000" pitchFamily="49" charset="0"/>
-                </a:rPr>
-                <a:t>7</a:t>
-              </a:r>
-              <a:r>
-                <a:rPr kumimoji="0" lang="zh-TW" altLang="zh-TW" sz="1400" b="0" i="0" u="none" strike="noStrike" cap="none" normalizeH="0" baseline="0">
-                  <a:ln>
-                    <a:noFill/>
-                  </a:ln>
-                  <a:solidFill>
-                    <a:srgbClr val="BCBEC4"/>
-                  </a:solidFill>
-                  <a:effectLst/>
-                  <a:latin typeface="+mj-lt"/>
-                  <a:cs typeface="JetBrains Mono" panose="02000009000000000000" pitchFamily="49" charset="0"/>
-                </a:rPr>
-                <a:t>}};</a:t>
-              </a:r>
-              <a:br>
-                <a:rPr kumimoji="0" lang="zh-TW" altLang="zh-TW" sz="1400" b="0" i="0" u="none" strike="noStrike" cap="none" normalizeH="0" baseline="0">
-                  <a:ln>
-                    <a:noFill/>
-                  </a:ln>
-                  <a:solidFill>
-                    <a:srgbClr val="BCBEC4"/>
-                  </a:solidFill>
-                  <a:effectLst/>
-                  <a:latin typeface="+mj-lt"/>
-                  <a:cs typeface="JetBrains Mono" panose="02000009000000000000" pitchFamily="49" charset="0"/>
-                </a:rPr>
-              </a:br>
-              <a:r>
-                <a:rPr kumimoji="0" lang="zh-TW" altLang="zh-TW" sz="1400" b="0" i="0" u="none" strike="noStrike" cap="none" normalizeH="0" baseline="0">
-                  <a:ln>
-                    <a:noFill/>
-                  </a:ln>
-                  <a:solidFill>
-                    <a:srgbClr val="BCBEC4"/>
-                  </a:solidFill>
-                  <a:effectLst/>
-                  <a:latin typeface="+mj-lt"/>
-                  <a:cs typeface="JetBrains Mono" panose="02000009000000000000" pitchFamily="49" charset="0"/>
-                </a:rPr>
-                <a:t>        </a:t>
-              </a:r>
-              <a:r>
-                <a:rPr kumimoji="0" lang="zh-TW" altLang="zh-TW" sz="1400" b="0" i="0" u="none" strike="noStrike" cap="none" normalizeH="0" baseline="0">
-                  <a:ln>
-                    <a:noFill/>
-                  </a:ln>
-                  <a:solidFill>
-                    <a:srgbClr val="CF8E6D"/>
-                  </a:solidFill>
-                  <a:effectLst/>
-                  <a:latin typeface="+mj-lt"/>
-                  <a:cs typeface="JetBrains Mono" panose="02000009000000000000" pitchFamily="49" charset="0"/>
-                </a:rPr>
-                <a:t>for </a:t>
-              </a:r>
-              <a:r>
-                <a:rPr kumimoji="0" lang="zh-TW" altLang="zh-TW" sz="1400" b="0" i="0" u="none" strike="noStrike" cap="none" normalizeH="0" baseline="0">
-                  <a:ln>
-                    <a:noFill/>
-                  </a:ln>
-                  <a:solidFill>
-                    <a:srgbClr val="BCBEC4"/>
-                  </a:solidFill>
-                  <a:effectLst/>
-                  <a:latin typeface="+mj-lt"/>
-                  <a:cs typeface="JetBrains Mono" panose="02000009000000000000" pitchFamily="49" charset="0"/>
-                </a:rPr>
-                <a:t>(</a:t>
-              </a:r>
-              <a:r>
-                <a:rPr kumimoji="0" lang="zh-TW" altLang="zh-TW" sz="1400" b="0" i="0" u="none" strike="noStrike" cap="none" normalizeH="0" baseline="0">
-                  <a:ln>
-                    <a:noFill/>
-                  </a:ln>
-                  <a:solidFill>
-                    <a:srgbClr val="CF8E6D"/>
-                  </a:solidFill>
-                  <a:effectLst/>
-                  <a:latin typeface="+mj-lt"/>
-                  <a:cs typeface="JetBrains Mono" panose="02000009000000000000" pitchFamily="49" charset="0"/>
-                </a:rPr>
-                <a:t>int</a:t>
-              </a:r>
-              <a:r>
-                <a:rPr kumimoji="0" lang="zh-TW" altLang="zh-TW" sz="1400" b="0" i="0" u="none" strike="noStrike" cap="none" normalizeH="0" baseline="0">
-                  <a:ln>
-                    <a:noFill/>
-                  </a:ln>
-                  <a:solidFill>
-                    <a:srgbClr val="BCBEC4"/>
-                  </a:solidFill>
-                  <a:effectLst/>
-                  <a:latin typeface="+mj-lt"/>
-                  <a:cs typeface="JetBrains Mono" panose="02000009000000000000" pitchFamily="49" charset="0"/>
-                </a:rPr>
-                <a:t>[] subArr : arr) {</a:t>
-              </a:r>
-              <a:br>
-                <a:rPr kumimoji="0" lang="zh-TW" altLang="zh-TW" sz="1400" b="0" i="0" u="none" strike="noStrike" cap="none" normalizeH="0" baseline="0">
-                  <a:ln>
-                    <a:noFill/>
-                  </a:ln>
-                  <a:solidFill>
-                    <a:srgbClr val="BCBEC4"/>
-                  </a:solidFill>
-                  <a:effectLst/>
-                  <a:latin typeface="+mj-lt"/>
-                  <a:cs typeface="JetBrains Mono" panose="02000009000000000000" pitchFamily="49" charset="0"/>
-                </a:rPr>
-              </a:br>
-              <a:r>
-                <a:rPr kumimoji="0" lang="zh-TW" altLang="zh-TW" sz="1400" b="0" i="0" u="none" strike="noStrike" cap="none" normalizeH="0" baseline="0">
-                  <a:ln>
-                    <a:noFill/>
-                  </a:ln>
-                  <a:solidFill>
-                    <a:srgbClr val="BCBEC4"/>
-                  </a:solidFill>
-                  <a:effectLst/>
-                  <a:latin typeface="+mj-lt"/>
-                  <a:cs typeface="JetBrains Mono" panose="02000009000000000000" pitchFamily="49" charset="0"/>
-                </a:rPr>
-                <a:t>            </a:t>
-              </a:r>
-              <a:r>
-                <a:rPr kumimoji="0" lang="zh-TW" altLang="zh-TW" sz="1400" b="0" i="0" u="none" strike="noStrike" cap="none" normalizeH="0" baseline="0">
-                  <a:ln>
-                    <a:noFill/>
-                  </a:ln>
-                  <a:solidFill>
-                    <a:srgbClr val="CF8E6D"/>
-                  </a:solidFill>
-                  <a:effectLst/>
-                  <a:latin typeface="+mj-lt"/>
-                  <a:cs typeface="JetBrains Mono" panose="02000009000000000000" pitchFamily="49" charset="0"/>
-                </a:rPr>
-                <a:t>for </a:t>
-              </a:r>
-              <a:r>
-                <a:rPr kumimoji="0" lang="zh-TW" altLang="zh-TW" sz="1400" b="0" i="0" u="none" strike="noStrike" cap="none" normalizeH="0" baseline="0">
-                  <a:ln>
-                    <a:noFill/>
-                  </a:ln>
-                  <a:solidFill>
-                    <a:srgbClr val="BCBEC4"/>
-                  </a:solidFill>
-                  <a:effectLst/>
-                  <a:latin typeface="+mj-lt"/>
-                  <a:cs typeface="JetBrains Mono" panose="02000009000000000000" pitchFamily="49" charset="0"/>
-                </a:rPr>
-                <a:t>(</a:t>
-              </a:r>
-              <a:r>
-                <a:rPr kumimoji="0" lang="zh-TW" altLang="zh-TW" sz="1400" b="0" i="0" u="none" strike="noStrike" cap="none" normalizeH="0" baseline="0">
-                  <a:ln>
-                    <a:noFill/>
-                  </a:ln>
-                  <a:solidFill>
-                    <a:srgbClr val="CF8E6D"/>
-                  </a:solidFill>
-                  <a:effectLst/>
-                  <a:latin typeface="+mj-lt"/>
-                  <a:cs typeface="JetBrains Mono" panose="02000009000000000000" pitchFamily="49" charset="0"/>
-                </a:rPr>
-                <a:t>int </a:t>
-              </a:r>
-              <a:r>
-                <a:rPr kumimoji="0" lang="zh-TW" altLang="zh-TW" sz="1400" b="0" i="0" u="none" strike="noStrike" cap="none" normalizeH="0" baseline="0">
-                  <a:ln>
-                    <a:noFill/>
-                  </a:ln>
-                  <a:solidFill>
-                    <a:srgbClr val="BCBEC4"/>
-                  </a:solidFill>
-                  <a:effectLst/>
-                  <a:latin typeface="+mj-lt"/>
-                  <a:cs typeface="JetBrains Mono" panose="02000009000000000000" pitchFamily="49" charset="0"/>
-                </a:rPr>
-                <a:t>e : subArr) {</a:t>
-              </a:r>
-              <a:br>
-                <a:rPr kumimoji="0" lang="zh-TW" altLang="zh-TW" sz="1400" b="0" i="0" u="none" strike="noStrike" cap="none" normalizeH="0" baseline="0">
-                  <a:ln>
-                    <a:noFill/>
-                  </a:ln>
-                  <a:solidFill>
-                    <a:srgbClr val="BCBEC4"/>
-                  </a:solidFill>
-                  <a:effectLst/>
-                  <a:latin typeface="+mj-lt"/>
-                  <a:cs typeface="JetBrains Mono" panose="02000009000000000000" pitchFamily="49" charset="0"/>
-                </a:rPr>
-              </a:br>
-              <a:r>
-                <a:rPr kumimoji="0" lang="zh-TW" altLang="zh-TW" sz="1400" b="0" i="0" u="none" strike="noStrike" cap="none" normalizeH="0" baseline="0">
-                  <a:ln>
-                    <a:noFill/>
-                  </a:ln>
-                  <a:solidFill>
-                    <a:srgbClr val="BCBEC4"/>
-                  </a:solidFill>
-                  <a:effectLst/>
-                  <a:latin typeface="+mj-lt"/>
-                  <a:cs typeface="JetBrains Mono" panose="02000009000000000000" pitchFamily="49" charset="0"/>
-                </a:rPr>
-                <a:t>                System.</a:t>
-              </a:r>
-              <a:r>
-                <a:rPr kumimoji="0" lang="zh-TW" altLang="zh-TW" sz="1400" b="0" i="1" u="none" strike="noStrike" cap="none" normalizeH="0" baseline="0">
-                  <a:ln>
-                    <a:noFill/>
-                  </a:ln>
-                  <a:solidFill>
-                    <a:srgbClr val="C77DBB"/>
-                  </a:solidFill>
-                  <a:effectLst/>
-                  <a:latin typeface="+mj-lt"/>
-                  <a:cs typeface="JetBrains Mono" panose="02000009000000000000" pitchFamily="49" charset="0"/>
-                </a:rPr>
-                <a:t>out</a:t>
-              </a:r>
-              <a:r>
-                <a:rPr kumimoji="0" lang="zh-TW" altLang="zh-TW" sz="1400" b="0" i="0" u="none" strike="noStrike" cap="none" normalizeH="0" baseline="0">
-                  <a:ln>
-                    <a:noFill/>
-                  </a:ln>
-                  <a:solidFill>
-                    <a:srgbClr val="BCBEC4"/>
-                  </a:solidFill>
-                  <a:effectLst/>
-                  <a:latin typeface="+mj-lt"/>
-                  <a:cs typeface="JetBrains Mono" panose="02000009000000000000" pitchFamily="49" charset="0"/>
-                </a:rPr>
-                <a:t>.print(e + </a:t>
-              </a:r>
-              <a:r>
-                <a:rPr kumimoji="0" lang="zh-TW" altLang="zh-TW" sz="1400" b="0" i="0" u="none" strike="noStrike" cap="none" normalizeH="0" baseline="0">
-                  <a:ln>
-                    <a:noFill/>
-                  </a:ln>
-                  <a:solidFill>
-                    <a:srgbClr val="6AAB73"/>
-                  </a:solidFill>
-                  <a:effectLst/>
-                  <a:latin typeface="+mj-lt"/>
-                  <a:cs typeface="JetBrains Mono" panose="02000009000000000000" pitchFamily="49" charset="0"/>
-                </a:rPr>
-                <a:t>" "</a:t>
-              </a:r>
-              <a:r>
-                <a:rPr kumimoji="0" lang="zh-TW" altLang="zh-TW" sz="1400" b="0" i="0" u="none" strike="noStrike" cap="none" normalizeH="0" baseline="0">
-                  <a:ln>
-                    <a:noFill/>
-                  </a:ln>
-                  <a:solidFill>
-                    <a:srgbClr val="BCBEC4"/>
-                  </a:solidFill>
-                  <a:effectLst/>
-                  <a:latin typeface="+mj-lt"/>
-                  <a:cs typeface="JetBrains Mono" panose="02000009000000000000" pitchFamily="49" charset="0"/>
-                </a:rPr>
-                <a:t>);</a:t>
-              </a:r>
-              <a:br>
-                <a:rPr kumimoji="0" lang="zh-TW" altLang="zh-TW" sz="1400" b="0" i="0" u="none" strike="noStrike" cap="none" normalizeH="0" baseline="0">
-                  <a:ln>
-                    <a:noFill/>
-                  </a:ln>
-                  <a:solidFill>
-                    <a:srgbClr val="BCBEC4"/>
-                  </a:solidFill>
-                  <a:effectLst/>
-                  <a:latin typeface="+mj-lt"/>
-                  <a:cs typeface="JetBrains Mono" panose="02000009000000000000" pitchFamily="49" charset="0"/>
-                </a:rPr>
-              </a:br>
-              <a:r>
-                <a:rPr kumimoji="0" lang="zh-TW" altLang="zh-TW" sz="1400" b="0" i="0" u="none" strike="noStrike" cap="none" normalizeH="0" baseline="0">
-                  <a:ln>
-                    <a:noFill/>
-                  </a:ln>
-                  <a:solidFill>
-                    <a:srgbClr val="BCBEC4"/>
-                  </a:solidFill>
-                  <a:effectLst/>
-                  <a:latin typeface="+mj-lt"/>
-                  <a:cs typeface="JetBrains Mono" panose="02000009000000000000" pitchFamily="49" charset="0"/>
-                </a:rPr>
-                <a:t>            }</a:t>
-              </a:r>
-              <a:br>
-                <a:rPr kumimoji="0" lang="zh-TW" altLang="zh-TW" sz="1400" b="0" i="0" u="none" strike="noStrike" cap="none" normalizeH="0" baseline="0">
-                  <a:ln>
-                    <a:noFill/>
-                  </a:ln>
-                  <a:solidFill>
-                    <a:srgbClr val="BCBEC4"/>
-                  </a:solidFill>
-                  <a:effectLst/>
-                  <a:latin typeface="+mj-lt"/>
-                  <a:cs typeface="JetBrains Mono" panose="02000009000000000000" pitchFamily="49" charset="0"/>
-                </a:rPr>
-              </a:br>
-              <a:r>
-                <a:rPr kumimoji="0" lang="zh-TW" altLang="zh-TW" sz="1400" b="0" i="0" u="none" strike="noStrike" cap="none" normalizeH="0" baseline="0">
-                  <a:ln>
-                    <a:noFill/>
-                  </a:ln>
-                  <a:solidFill>
-                    <a:srgbClr val="BCBEC4"/>
-                  </a:solidFill>
-                  <a:effectLst/>
-                  <a:latin typeface="+mj-lt"/>
-                  <a:cs typeface="JetBrains Mono" panose="02000009000000000000" pitchFamily="49" charset="0"/>
-                </a:rPr>
-                <a:t>            System.</a:t>
-              </a:r>
-              <a:r>
-                <a:rPr kumimoji="0" lang="zh-TW" altLang="zh-TW" sz="1400" b="0" i="1" u="none" strike="noStrike" cap="none" normalizeH="0" baseline="0">
-                  <a:ln>
-                    <a:noFill/>
-                  </a:ln>
-                  <a:solidFill>
-                    <a:srgbClr val="C77DBB"/>
-                  </a:solidFill>
-                  <a:effectLst/>
-                  <a:latin typeface="+mj-lt"/>
-                  <a:cs typeface="JetBrains Mono" panose="02000009000000000000" pitchFamily="49" charset="0"/>
-                </a:rPr>
-                <a:t>out</a:t>
-              </a:r>
-              <a:r>
-                <a:rPr kumimoji="0" lang="zh-TW" altLang="zh-TW" sz="1400" b="0" i="0" u="none" strike="noStrike" cap="none" normalizeH="0" baseline="0">
-                  <a:ln>
-                    <a:noFill/>
-                  </a:ln>
-                  <a:solidFill>
-                    <a:srgbClr val="BCBEC4"/>
-                  </a:solidFill>
-                  <a:effectLst/>
-                  <a:latin typeface="+mj-lt"/>
-                  <a:cs typeface="JetBrains Mono" panose="02000009000000000000" pitchFamily="49" charset="0"/>
-                </a:rPr>
-                <a:t>.println();</a:t>
-              </a:r>
-              <a:br>
-                <a:rPr kumimoji="0" lang="zh-TW" altLang="zh-TW" sz="1400" b="0" i="0" u="none" strike="noStrike" cap="none" normalizeH="0" baseline="0">
-                  <a:ln>
-                    <a:noFill/>
-                  </a:ln>
-                  <a:solidFill>
-                    <a:srgbClr val="BCBEC4"/>
-                  </a:solidFill>
-                  <a:effectLst/>
-                  <a:latin typeface="+mj-lt"/>
-                  <a:cs typeface="JetBrains Mono" panose="02000009000000000000" pitchFamily="49" charset="0"/>
-                </a:rPr>
-              </a:br>
-              <a:r>
-                <a:rPr kumimoji="0" lang="zh-TW" altLang="zh-TW" sz="1400" b="0" i="0" u="none" strike="noStrike" cap="none" normalizeH="0" baseline="0">
-                  <a:ln>
-                    <a:noFill/>
-                  </a:ln>
-                  <a:solidFill>
-                    <a:srgbClr val="BCBEC4"/>
-                  </a:solidFill>
-                  <a:effectLst/>
-                  <a:latin typeface="+mj-lt"/>
-                  <a:cs typeface="JetBrains Mono" panose="02000009000000000000" pitchFamily="49" charset="0"/>
-                </a:rPr>
-                <a:t>        }</a:t>
-              </a:r>
-              <a:br>
-                <a:rPr kumimoji="0" lang="zh-TW" altLang="zh-TW" sz="1400" b="0" i="0" u="none" strike="noStrike" cap="none" normalizeH="0" baseline="0">
-                  <a:ln>
-                    <a:noFill/>
-                  </a:ln>
-                  <a:solidFill>
-                    <a:srgbClr val="BCBEC4"/>
-                  </a:solidFill>
-                  <a:effectLst/>
-                  <a:latin typeface="+mj-lt"/>
-                  <a:cs typeface="JetBrains Mono" panose="02000009000000000000" pitchFamily="49" charset="0"/>
-                </a:rPr>
-              </a:br>
-              <a:r>
-                <a:rPr kumimoji="0" lang="zh-TW" altLang="zh-TW" sz="1400" b="0" i="0" u="none" strike="noStrike" cap="none" normalizeH="0" baseline="0">
-                  <a:ln>
-                    <a:noFill/>
-                  </a:ln>
-                  <a:solidFill>
-                    <a:srgbClr val="BCBEC4"/>
-                  </a:solidFill>
-                  <a:effectLst/>
-                  <a:latin typeface="+mj-lt"/>
-                  <a:cs typeface="JetBrains Mono" panose="02000009000000000000" pitchFamily="49" charset="0"/>
-                </a:rPr>
-                <a:t>    }</a:t>
-              </a:r>
-              <a:br>
-                <a:rPr kumimoji="0" lang="zh-TW" altLang="zh-TW" sz="1400" b="0" i="0" u="none" strike="noStrike" cap="none" normalizeH="0" baseline="0">
-                  <a:ln>
-                    <a:noFill/>
-                  </a:ln>
-                  <a:solidFill>
-                    <a:srgbClr val="BCBEC4"/>
-                  </a:solidFill>
-                  <a:effectLst/>
-                  <a:latin typeface="+mj-lt"/>
-                  <a:cs typeface="JetBrains Mono" panose="02000009000000000000" pitchFamily="49" charset="0"/>
-                </a:rPr>
-              </a:br>
-              <a:r>
-                <a:rPr kumimoji="0" lang="zh-TW" altLang="zh-TW" sz="1400" b="0" i="0" u="none" strike="noStrike" cap="none" normalizeH="0" baseline="0">
-                  <a:ln>
-                    <a:noFill/>
-                  </a:ln>
-                  <a:solidFill>
-                    <a:srgbClr val="BCBEC4"/>
-                  </a:solidFill>
-                  <a:effectLst/>
-                  <a:latin typeface="+mj-lt"/>
-                  <a:cs typeface="JetBrains Mono" panose="02000009000000000000" pitchFamily="49" charset="0"/>
-                </a:rPr>
-                <a:t>}</a:t>
-              </a:r>
-              <a:endParaRPr kumimoji="0" lang="zh-TW" altLang="zh-TW" sz="2400" b="0" i="0" u="none" strike="noStrike" cap="none" normalizeH="0" baseline="0">
-                <a:ln>
-                  <a:noFill/>
-                </a:ln>
-                <a:solidFill>
-                  <a:schemeClr val="tx1"/>
-                </a:solidFill>
-                <a:effectLst/>
-                <a:latin typeface="+mj-lt"/>
-              </a:endParaRPr>
-            </a:p>
-          </p:txBody>
-        </p:sp>
-        <p:sp>
-          <p:nvSpPr>
-            <p:cNvPr id="5" name="文字方塊 4">
-              <a:extLst>
-                <a:ext uri="{FF2B5EF4-FFF2-40B4-BE49-F238E27FC236}">
-                  <a16:creationId xmlns:a16="http://schemas.microsoft.com/office/drawing/2014/main" id="{7A5534B7-F200-4ED6-B021-8B3C333F1E2B}"/>
-                </a:ext>
-              </a:extLst>
-            </p:cNvPr>
-            <p:cNvSpPr txBox="1"/>
-            <p:nvPr/>
-          </p:nvSpPr>
-          <p:spPr>
-            <a:xfrm>
-              <a:off x="6924301" y="6094175"/>
-              <a:ext cx="691215" cy="369332"/>
-            </a:xfrm>
-            <a:prstGeom prst="rect">
-              <a:avLst/>
-            </a:prstGeom>
-            <a:noFill/>
-          </p:spPr>
-          <p:txBody>
-            <a:bodyPr wrap="none" rtlCol="0">
-              <a:spAutoFit/>
-            </a:bodyPr>
-            <a:lstStyle/>
-            <a:p>
-              <a:r>
-                <a:rPr lang="en-US" altLang="zh-TW">
-                  <a:solidFill>
-                    <a:schemeClr val="accent3"/>
-                  </a:solidFill>
-                </a:rPr>
-                <a:t>java</a:t>
-              </a:r>
-              <a:endParaRPr lang="zh-TW" altLang="en-US">
-                <a:solidFill>
-                  <a:schemeClr val="accent3"/>
-                </a:solidFill>
-              </a:endParaRPr>
-            </a:p>
-          </p:txBody>
-        </p:sp>
-        <p:pic>
-          <p:nvPicPr>
-            <p:cNvPr id="6" name="圖片 5">
-              <a:hlinkClick r:id="rId2"/>
-              <a:extLst>
-                <a:ext uri="{FF2B5EF4-FFF2-40B4-BE49-F238E27FC236}">
-                  <a16:creationId xmlns:a16="http://schemas.microsoft.com/office/drawing/2014/main" id="{7B1A3259-2095-4B72-923F-F86532B9D8C5}"/>
-                </a:ext>
-              </a:extLst>
-            </p:cNvPr>
-            <p:cNvPicPr>
-              <a:picLocks noChangeAspect="1"/>
-            </p:cNvPicPr>
-            <p:nvPr/>
-          </p:nvPicPr>
-          <p:blipFill>
-            <a:blip r:embed="rId3">
-              <a:extLst>
-                <a:ext uri="{28A0092B-C50C-407E-A947-70E740481C1C}">
-                  <a14:useLocalDpi xmlns:a14="http://schemas.microsoft.com/office/drawing/2010/main" val="0"/>
-                </a:ext>
-              </a:extLst>
-            </a:blip>
-            <a:stretch>
-              <a:fillRect/>
-            </a:stretch>
-          </p:blipFill>
-          <p:spPr>
-            <a:xfrm>
-              <a:off x="7076616" y="4001294"/>
-              <a:ext cx="538900" cy="527184"/>
-            </a:xfrm>
-            <a:prstGeom prst="rect">
-              <a:avLst/>
-            </a:prstGeom>
-          </p:spPr>
-        </p:pic>
-      </p:grpSp>
-      <p:grpSp>
-        <p:nvGrpSpPr>
-          <p:cNvPr id="11" name="群組 10">
-            <a:extLst>
-              <a:ext uri="{FF2B5EF4-FFF2-40B4-BE49-F238E27FC236}">
-                <a16:creationId xmlns:a16="http://schemas.microsoft.com/office/drawing/2014/main" id="{1CEB58FB-B2E4-4586-9AED-0BCA07894AFE}"/>
-              </a:ext>
-            </a:extLst>
-          </p:cNvPr>
-          <p:cNvGrpSpPr/>
-          <p:nvPr/>
-        </p:nvGrpSpPr>
-        <p:grpSpPr>
-          <a:xfrm>
-            <a:off x="8669059" y="4701623"/>
-            <a:ext cx="2684741" cy="1323439"/>
-            <a:chOff x="8669058" y="4701623"/>
-            <a:chExt cx="2684741" cy="1323439"/>
-          </a:xfrm>
-        </p:grpSpPr>
-        <p:sp>
-          <p:nvSpPr>
-            <p:cNvPr id="9" name="Rectangle 1">
-              <a:extLst>
-                <a:ext uri="{FF2B5EF4-FFF2-40B4-BE49-F238E27FC236}">
-                  <a16:creationId xmlns:a16="http://schemas.microsoft.com/office/drawing/2014/main" id="{00850F7E-5D91-40F8-B3B7-D349D83CD586}"/>
-                </a:ext>
-              </a:extLst>
-            </p:cNvPr>
-            <p:cNvSpPr>
-              <a:spLocks noChangeArrowheads="1"/>
-            </p:cNvSpPr>
-            <p:nvPr/>
-          </p:nvSpPr>
-          <p:spPr bwMode="auto">
-            <a:xfrm>
-              <a:off x="8669058" y="4701623"/>
-              <a:ext cx="2684740" cy="1323439"/>
-            </a:xfrm>
-            <a:prstGeom prst="rect">
-              <a:avLst/>
-            </a:prstGeom>
-            <a:solidFill>
-              <a:srgbClr val="1E1F22"/>
-            </a:solidFill>
-            <a:ln w="9525">
-              <a:noFill/>
-              <a:miter lim="800000"/>
-              <a:headEnd/>
-              <a:tailEnd/>
-            </a:ln>
-            <a:effectLst/>
-            <a:extLst>
-              <a:ext uri="{AF507438-7753-43E0-B8FC-AC1667EBCBE1}">
-                <a14:hiddenEffects xmlns:a14="http://schemas.microsoft.com/office/drawing/2010/main">
-                  <a:effectLst>
-                    <a:outerShdw dist="35921" dir="2700000" algn="ctr" rotWithShape="0">
-                      <a:schemeClr val="bg2"/>
-                    </a:outerShdw>
-                  </a:effectLst>
-                </a14:hiddenEffects>
-              </a:ext>
-            </a:extLst>
-          </p:spPr>
-          <p:txBody>
-            <a:bodyPr vert="horz" wrap="square" lIns="91440" tIns="45720" rIns="91440" bIns="45720" numCol="1" anchor="ctr" anchorCtr="0" compatLnSpc="1">
-              <a:prstTxWarp prst="textNoShape">
-                <a:avLst/>
-              </a:prstTxWarp>
-              <a:spAutoFit/>
-            </a:bodyPr>
-            <a:lstStyle/>
-            <a:p>
-              <a:pPr marL="0" marR="0" lvl="0" indent="0" algn="l" defTabSz="914400" rtl="0" eaLnBrk="0" fontAlgn="base" latinLnBrk="0" hangingPunct="0">
-                <a:lnSpc>
-                  <a:spcPct val="100000"/>
-                </a:lnSpc>
-                <a:spcBef>
-                  <a:spcPct val="0"/>
-                </a:spcBef>
-                <a:spcAft>
-                  <a:spcPct val="0"/>
-                </a:spcAft>
-                <a:buClrTx/>
-                <a:buSzTx/>
-                <a:buFontTx/>
-                <a:buNone/>
-                <a:tabLst/>
-              </a:pPr>
-              <a:r>
-                <a:rPr kumimoji="0" lang="en-US" altLang="zh-TW" sz="2000" b="0" i="0" u="none" strike="noStrike" cap="none" normalizeH="0" baseline="0">
-                  <a:ln>
-                    <a:noFill/>
-                  </a:ln>
-                  <a:solidFill>
-                    <a:srgbClr val="BCBEC4"/>
-                  </a:solidFill>
-                  <a:effectLst/>
-                  <a:latin typeface="+mj-lt"/>
-                  <a:cs typeface="JetBrains Mono" panose="02000009000000000000" pitchFamily="49" charset="0"/>
-                </a:rPr>
-                <a:t>2 1 4 </a:t>
-              </a:r>
-            </a:p>
-            <a:p>
-              <a:pPr marL="0" marR="0" lvl="0" indent="0" algn="l" defTabSz="914400" rtl="0" eaLnBrk="0" fontAlgn="base" latinLnBrk="0" hangingPunct="0">
-                <a:lnSpc>
-                  <a:spcPct val="100000"/>
-                </a:lnSpc>
-                <a:spcBef>
-                  <a:spcPct val="0"/>
-                </a:spcBef>
-                <a:spcAft>
-                  <a:spcPct val="0"/>
-                </a:spcAft>
-                <a:buClrTx/>
-                <a:buSzTx/>
-                <a:buFontTx/>
-                <a:buNone/>
-                <a:tabLst/>
-              </a:pPr>
-              <a:r>
-                <a:rPr kumimoji="0" lang="en-US" altLang="zh-TW" sz="2000" b="0" i="0" u="none" strike="noStrike" cap="none" normalizeH="0" baseline="0">
-                  <a:ln>
-                    <a:noFill/>
-                  </a:ln>
-                  <a:solidFill>
-                    <a:srgbClr val="BCBEC4"/>
-                  </a:solidFill>
-                  <a:effectLst/>
-                  <a:latin typeface="+mj-lt"/>
-                  <a:cs typeface="JetBrains Mono" panose="02000009000000000000" pitchFamily="49" charset="0"/>
-                </a:rPr>
-                <a:t>7 4 </a:t>
-              </a:r>
-            </a:p>
-            <a:p>
-              <a:pPr marL="0" marR="0" lvl="0" indent="0" algn="l" defTabSz="914400" rtl="0" eaLnBrk="0" fontAlgn="base" latinLnBrk="0" hangingPunct="0">
-                <a:lnSpc>
-                  <a:spcPct val="100000"/>
-                </a:lnSpc>
-                <a:spcBef>
-                  <a:spcPct val="0"/>
-                </a:spcBef>
-                <a:spcAft>
-                  <a:spcPct val="0"/>
-                </a:spcAft>
-                <a:buClrTx/>
-                <a:buSzTx/>
-                <a:buFontTx/>
-                <a:buNone/>
-                <a:tabLst/>
-              </a:pPr>
-              <a:r>
-                <a:rPr kumimoji="0" lang="en-US" altLang="zh-TW" sz="2000" b="0" i="0" u="none" strike="noStrike" cap="none" normalizeH="0" baseline="0">
-                  <a:ln>
-                    <a:noFill/>
-                  </a:ln>
-                  <a:solidFill>
-                    <a:srgbClr val="BCBEC4"/>
-                  </a:solidFill>
-                  <a:effectLst/>
-                  <a:latin typeface="+mj-lt"/>
-                  <a:cs typeface="JetBrains Mono" panose="02000009000000000000" pitchFamily="49" charset="0"/>
-                </a:rPr>
-                <a:t>8 3 6 4 </a:t>
-              </a:r>
-            </a:p>
-            <a:p>
-              <a:pPr marL="0" marR="0" lvl="0" indent="0" algn="l" defTabSz="914400" rtl="0" eaLnBrk="0" fontAlgn="base" latinLnBrk="0" hangingPunct="0">
-                <a:lnSpc>
-                  <a:spcPct val="100000"/>
-                </a:lnSpc>
-                <a:spcBef>
-                  <a:spcPct val="0"/>
-                </a:spcBef>
-                <a:spcAft>
-                  <a:spcPct val="0"/>
-                </a:spcAft>
-                <a:buClrTx/>
-                <a:buSzTx/>
-                <a:buFontTx/>
-                <a:buNone/>
-                <a:tabLst/>
-              </a:pPr>
-              <a:r>
-                <a:rPr kumimoji="0" lang="en-US" altLang="zh-TW" sz="2000" b="0" i="0" u="none" strike="noStrike" cap="none" normalizeH="0" baseline="0">
-                  <a:ln>
-                    <a:noFill/>
-                  </a:ln>
-                  <a:solidFill>
-                    <a:srgbClr val="BCBEC4"/>
-                  </a:solidFill>
-                  <a:effectLst/>
-                  <a:latin typeface="+mj-lt"/>
-                  <a:cs typeface="JetBrains Mono" panose="02000009000000000000" pitchFamily="49" charset="0"/>
-                </a:rPr>
-                <a:t>7 </a:t>
-              </a:r>
-              <a:endParaRPr kumimoji="0" lang="zh-TW" altLang="zh-TW" sz="3600" b="0" i="0" u="none" strike="noStrike" cap="none" normalizeH="0" baseline="0">
-                <a:ln>
-                  <a:noFill/>
-                </a:ln>
-                <a:solidFill>
-                  <a:schemeClr val="tx1"/>
-                </a:solidFill>
-                <a:effectLst/>
-                <a:latin typeface="+mj-lt"/>
-              </a:endParaRPr>
-            </a:p>
-          </p:txBody>
-        </p:sp>
-        <p:sp>
-          <p:nvSpPr>
-            <p:cNvPr id="10" name="文字方塊 9">
-              <a:extLst>
-                <a:ext uri="{FF2B5EF4-FFF2-40B4-BE49-F238E27FC236}">
-                  <a16:creationId xmlns:a16="http://schemas.microsoft.com/office/drawing/2014/main" id="{06EFFC38-ACDF-43F1-A698-1C30A6EAE905}"/>
-                </a:ext>
-              </a:extLst>
-            </p:cNvPr>
-            <p:cNvSpPr txBox="1"/>
-            <p:nvPr/>
-          </p:nvSpPr>
-          <p:spPr>
-            <a:xfrm>
-              <a:off x="10572816" y="5717285"/>
-              <a:ext cx="780983" cy="307777"/>
-            </a:xfrm>
-            <a:prstGeom prst="rect">
-              <a:avLst/>
-            </a:prstGeom>
-            <a:noFill/>
-            <a:ln>
-              <a:noFill/>
-            </a:ln>
-          </p:spPr>
-          <p:txBody>
-            <a:bodyPr wrap="none" rtlCol="0">
-              <a:spAutoFit/>
-            </a:bodyPr>
-            <a:lstStyle/>
-            <a:p>
-              <a:r>
-                <a:rPr lang="en-US" altLang="zh-TW" sz="1400">
-                  <a:solidFill>
-                    <a:schemeClr val="accent3"/>
-                  </a:solidFill>
-                </a:rPr>
-                <a:t>output</a:t>
-              </a:r>
-              <a:endParaRPr lang="zh-TW" altLang="en-US" sz="1400">
-                <a:solidFill>
-                  <a:schemeClr val="accent3"/>
-                </a:solidFill>
-              </a:endParaRPr>
-            </a:p>
-          </p:txBody>
-        </p:sp>
-      </p:grpSp>
-    </p:spTree>
-    <p:extLst>
-      <p:ext uri="{BB962C8B-B14F-4D97-AF65-F5344CB8AC3E}">
-        <p14:creationId xmlns:p14="http://schemas.microsoft.com/office/powerpoint/2010/main" val="2328767400"/>
       </p:ext>
     </p:extLst>
   </p:cSld>
@@ -25300,7 +25300,7 @@
             </a:r>
             <a:r>
               <a:rPr lang="zh-TW" altLang="en-US"/>
-              <a:t>，並沒有指定內容</a:t>
+              <a:t>，並沒有指定內容，內容為預設值</a:t>
             </a:r>
             <a:endParaRPr lang="en-US" altLang="zh-TW"/>
           </a:p>

--- a/ppt/10_包裝類別與工具類別(1).pptx
+++ b/ppt/10_包裝類別與工具類別(1).pptx
@@ -215,7 +215,7 @@
           <a:p>
             <a:fld id="{00D1967D-2DD3-4C36-96B1-E3AA5FB7040E}" type="datetimeFigureOut">
               <a:rPr lang="zh-TW" altLang="en-US" smtClean="0"/>
-              <a:t>2024/12/11</a:t>
+              <a:t>2025/2/8</a:t>
             </a:fld>
             <a:endParaRPr lang="zh-TW" altLang="en-US"/>
           </a:p>
@@ -12656,7 +12656,7 @@
           <a:p>
             <a:r>
               <a:rPr lang="zh-TW" altLang="en-US"/>
-              <a:t>不管是哪個程式語言，</a:t>
+              <a:t>在大部分程式語言中，</a:t>
             </a:r>
             <a:r>
               <a:rPr lang="zh-TW" altLang="en-US">
@@ -15153,7 +15153,7 @@
           <a:p>
             <a:r>
               <a:rPr lang="zh-TW" altLang="en-US"/>
-              <a:t>在區間</a:t>
+              <a:t>在半開區間</a:t>
             </a:r>
             <a:r>
               <a:rPr lang="zh-TW" altLang="en-US">
@@ -17268,7 +17268,12 @@
             <p:ph type="title"/>
           </p:nvPr>
         </p:nvSpPr>
-        <p:spPr/>
+        <p:spPr>
+          <a:xfrm>
+            <a:off x="838200" y="0"/>
+            <a:ext cx="10515600" cy="1325563"/>
+          </a:xfrm>
+        </p:spPr>
         <p:txBody>
           <a:bodyPr/>
           <a:lstStyle/>
@@ -17298,7 +17303,7 @@
         </p:nvSpPr>
         <p:spPr>
           <a:xfrm>
-            <a:off x="838200" y="1433513"/>
+            <a:off x="838200" y="1239550"/>
             <a:ext cx="10515600" cy="5135562"/>
           </a:xfrm>
         </p:spPr>

--- a/ppt/10_包裝類別與工具類別(1).pptx
+++ b/ppt/10_包裝類別與工具類別(1).pptx
@@ -2,7 +2,7 @@
 <file path=ppt/presentation.xml><?xml version="1.0" encoding="utf-8"?>
 <p:presentation xmlns:a="http://schemas.openxmlformats.org/drawingml/2006/main" xmlns:r="http://schemas.openxmlformats.org/officeDocument/2006/relationships" xmlns:p="http://schemas.openxmlformats.org/presentationml/2006/main" saveSubsetFonts="1">
   <p:sldMasterIdLst>
-    <p:sldMasterId id="2147483673" r:id="rId1"/>
+    <p:sldMasterId id="2147483678" r:id="rId1"/>
   </p:sldMasterIdLst>
   <p:notesMasterIdLst>
     <p:notesMasterId r:id="rId21"/>
@@ -215,7 +215,7 @@
           <a:p>
             <a:fld id="{00D1967D-2DD3-4C36-96B1-E3AA5FB7040E}" type="datetimeFigureOut">
               <a:rPr lang="zh-TW" altLang="en-US" smtClean="0"/>
-              <a:t>2025/2/8</a:t>
+              <a:t>2025/2/11</a:t>
             </a:fld>
             <a:endParaRPr lang="zh-TW" altLang="en-US"/>
           </a:p>
@@ -777,7 +777,7 @@
     </p:spTree>
     <p:extLst>
       <p:ext uri="{BB962C8B-B14F-4D97-AF65-F5344CB8AC3E}">
-        <p14:creationId xmlns:p14="http://schemas.microsoft.com/office/powerpoint/2010/main" val="3186961285"/>
+        <p14:creationId xmlns:p14="http://schemas.microsoft.com/office/powerpoint/2010/main" val="530912068"/>
       </p:ext>
     </p:extLst>
   </p:cSld>
@@ -1161,7 +1161,7 @@
     </p:spTree>
     <p:extLst>
       <p:ext uri="{BB962C8B-B14F-4D97-AF65-F5344CB8AC3E}">
-        <p14:creationId xmlns:p14="http://schemas.microsoft.com/office/powerpoint/2010/main" val="807839498"/>
+        <p14:creationId xmlns:p14="http://schemas.microsoft.com/office/powerpoint/2010/main" val="1817957660"/>
       </p:ext>
     </p:extLst>
   </p:cSld>
@@ -1488,7 +1488,7 @@
     </p:spTree>
     <p:extLst>
       <p:ext uri="{BB962C8B-B14F-4D97-AF65-F5344CB8AC3E}">
-        <p14:creationId xmlns:p14="http://schemas.microsoft.com/office/powerpoint/2010/main" val="2584664529"/>
+        <p14:creationId xmlns:p14="http://schemas.microsoft.com/office/powerpoint/2010/main" val="2103501318"/>
       </p:ext>
     </p:extLst>
   </p:cSld>
@@ -1787,7 +1787,7 @@
     </p:spTree>
     <p:extLst>
       <p:ext uri="{BB962C8B-B14F-4D97-AF65-F5344CB8AC3E}">
-        <p14:creationId xmlns:p14="http://schemas.microsoft.com/office/powerpoint/2010/main" val="3784814558"/>
+        <p14:creationId xmlns:p14="http://schemas.microsoft.com/office/powerpoint/2010/main" val="3970994421"/>
       </p:ext>
     </p:extLst>
   </p:cSld>
@@ -2020,16 +2020,16 @@
     </p:spTree>
     <p:extLst>
       <p:ext uri="{BB962C8B-B14F-4D97-AF65-F5344CB8AC3E}">
-        <p14:creationId xmlns:p14="http://schemas.microsoft.com/office/powerpoint/2010/main" val="2772154389"/>
+        <p14:creationId xmlns:p14="http://schemas.microsoft.com/office/powerpoint/2010/main" val="2319878900"/>
       </p:ext>
     </p:extLst>
   </p:cSld>
   <p:clrMap bg1="dk1" tx1="lt1" bg2="dk2" tx2="lt2" accent1="accent1" accent2="accent2" accent3="accent3" accent4="accent4" accent5="accent5" accent6="accent6" hlink="hlink" folHlink="folHlink"/>
   <p:sldLayoutIdLst>
-    <p:sldLayoutId id="2147483674" r:id="rId1"/>
-    <p:sldLayoutId id="2147483675" r:id="rId2"/>
-    <p:sldLayoutId id="2147483676" r:id="rId3"/>
-    <p:sldLayoutId id="2147483677" r:id="rId4"/>
+    <p:sldLayoutId id="2147483679" r:id="rId1"/>
+    <p:sldLayoutId id="2147483680" r:id="rId2"/>
+    <p:sldLayoutId id="2147483681" r:id="rId3"/>
+    <p:sldLayoutId id="2147483682" r:id="rId4"/>
   </p:sldLayoutIdLst>
   <p:transition spd="slow">
     <p:push dir="u"/>
@@ -24363,12 +24363,7 @@
             <p:ph type="title"/>
           </p:nvPr>
         </p:nvSpPr>
-        <p:spPr>
-          <a:xfrm>
-            <a:off x="838200" y="365125"/>
-            <a:ext cx="10515600" cy="1325563"/>
-          </a:xfrm>
-        </p:spPr>
+        <p:spPr/>
         <p:txBody>
           <a:bodyPr/>
           <a:lstStyle/>
@@ -25461,12 +25456,7 @@
             <p:ph type="title"/>
           </p:nvPr>
         </p:nvSpPr>
-        <p:spPr>
-          <a:xfrm>
-            <a:off x="838200" y="365125"/>
-            <a:ext cx="10515600" cy="1325563"/>
-          </a:xfrm>
-        </p:spPr>
+        <p:spPr/>
         <p:txBody>
           <a:bodyPr/>
           <a:lstStyle/>
@@ -33042,7 +33032,7 @@
   <a:extraClrSchemeLst/>
   <a:extLst>
     <a:ext uri="{05A4C25C-085E-4340-85A3-A5531E510DB2}">
-      <thm15:themeFamily xmlns:thm15="http://schemas.microsoft.com/office/thememl/2012/main" name="TYIC" id="{1CBE48E2-41FD-4EDA-8801-606A138B7FC3}" vid="{F6EAACDE-0833-4468-B256-0551E0034979}"/>
+      <thm15:themeFamily xmlns:thm15="http://schemas.microsoft.com/office/thememl/2012/main" name="TYIC" id="{F8B8016E-470C-4FE5-A78C-33B2A9D17434}" vid="{BC6C4CDA-A093-4978-B969-B6482D48D481}"/>
     </a:ext>
   </a:extLst>
 </a:theme>

--- a/ppt/10_包裝類別與工具類別(1).pptx
+++ b/ppt/10_包裝類別與工具類別(1).pptx
@@ -2,7 +2,7 @@
 <file path=ppt/presentation.xml><?xml version="1.0" encoding="utf-8"?>
 <p:presentation xmlns:a="http://schemas.openxmlformats.org/drawingml/2006/main" xmlns:r="http://schemas.openxmlformats.org/officeDocument/2006/relationships" xmlns:p="http://schemas.openxmlformats.org/presentationml/2006/main" saveSubsetFonts="1">
   <p:sldMasterIdLst>
-    <p:sldMasterId id="2147483678" r:id="rId1"/>
+    <p:sldMasterId id="2147483683" r:id="rId1"/>
   </p:sldMasterIdLst>
   <p:notesMasterIdLst>
     <p:notesMasterId r:id="rId21"/>
@@ -215,7 +215,7 @@
           <a:p>
             <a:fld id="{00D1967D-2DD3-4C36-96B1-E3AA5FB7040E}" type="datetimeFigureOut">
               <a:rPr lang="zh-TW" altLang="en-US" smtClean="0"/>
-              <a:t>2025/2/11</a:t>
+              <a:t>2025/2/28</a:t>
             </a:fld>
             <a:endParaRPr lang="zh-TW" altLang="en-US"/>
           </a:p>
@@ -777,14 +777,14 @@
     </p:spTree>
     <p:extLst>
       <p:ext uri="{BB962C8B-B14F-4D97-AF65-F5344CB8AC3E}">
-        <p14:creationId xmlns:p14="http://schemas.microsoft.com/office/powerpoint/2010/main" val="530912068"/>
+        <p14:creationId xmlns:p14="http://schemas.microsoft.com/office/powerpoint/2010/main" val="843534893"/>
       </p:ext>
     </p:extLst>
   </p:cSld>
   <p:clrMapOvr>
     <a:masterClrMapping/>
   </p:clrMapOvr>
-  <p:transition spd="slow">
+  <p:transition>
     <p:push dir="u"/>
   </p:transition>
 </p:sldLayout>
@@ -1161,14 +1161,14 @@
     </p:spTree>
     <p:extLst>
       <p:ext uri="{BB962C8B-B14F-4D97-AF65-F5344CB8AC3E}">
-        <p14:creationId xmlns:p14="http://schemas.microsoft.com/office/powerpoint/2010/main" val="1817957660"/>
+        <p14:creationId xmlns:p14="http://schemas.microsoft.com/office/powerpoint/2010/main" val="309912781"/>
       </p:ext>
     </p:extLst>
   </p:cSld>
   <p:clrMapOvr>
     <a:masterClrMapping/>
   </p:clrMapOvr>
-  <p:transition spd="slow">
+  <p:transition>
     <p:push dir="u"/>
   </p:transition>
 </p:sldLayout>
@@ -1488,14 +1488,14 @@
     </p:spTree>
     <p:extLst>
       <p:ext uri="{BB962C8B-B14F-4D97-AF65-F5344CB8AC3E}">
-        <p14:creationId xmlns:p14="http://schemas.microsoft.com/office/powerpoint/2010/main" val="2103501318"/>
+        <p14:creationId xmlns:p14="http://schemas.microsoft.com/office/powerpoint/2010/main" val="1227513261"/>
       </p:ext>
     </p:extLst>
   </p:cSld>
   <p:clrMapOvr>
     <a:masterClrMapping/>
   </p:clrMapOvr>
-  <p:transition spd="slow">
+  <p:transition>
     <p:push dir="u"/>
   </p:transition>
 </p:sldLayout>
@@ -1787,14 +1787,14 @@
     </p:spTree>
     <p:extLst>
       <p:ext uri="{BB962C8B-B14F-4D97-AF65-F5344CB8AC3E}">
-        <p14:creationId xmlns:p14="http://schemas.microsoft.com/office/powerpoint/2010/main" val="3970994421"/>
+        <p14:creationId xmlns:p14="http://schemas.microsoft.com/office/powerpoint/2010/main" val="3248637487"/>
       </p:ext>
     </p:extLst>
   </p:cSld>
   <p:clrMapOvr>
     <a:masterClrMapping/>
   </p:clrMapOvr>
-  <p:transition spd="slow">
+  <p:transition>
     <p:push dir="u"/>
   </p:transition>
 </p:sldLayout>
@@ -2020,18 +2020,18 @@
     </p:spTree>
     <p:extLst>
       <p:ext uri="{BB962C8B-B14F-4D97-AF65-F5344CB8AC3E}">
-        <p14:creationId xmlns:p14="http://schemas.microsoft.com/office/powerpoint/2010/main" val="2319878900"/>
+        <p14:creationId xmlns:p14="http://schemas.microsoft.com/office/powerpoint/2010/main" val="2704138394"/>
       </p:ext>
     </p:extLst>
   </p:cSld>
   <p:clrMap bg1="dk1" tx1="lt1" bg2="dk2" tx2="lt2" accent1="accent1" accent2="accent2" accent3="accent3" accent4="accent4" accent5="accent5" accent6="accent6" hlink="hlink" folHlink="folHlink"/>
   <p:sldLayoutIdLst>
-    <p:sldLayoutId id="2147483679" r:id="rId1"/>
-    <p:sldLayoutId id="2147483680" r:id="rId2"/>
-    <p:sldLayoutId id="2147483681" r:id="rId3"/>
-    <p:sldLayoutId id="2147483682" r:id="rId4"/>
+    <p:sldLayoutId id="2147483684" r:id="rId1"/>
+    <p:sldLayoutId id="2147483685" r:id="rId2"/>
+    <p:sldLayoutId id="2147483686" r:id="rId3"/>
+    <p:sldLayoutId id="2147483687" r:id="rId4"/>
   </p:sldLayoutIdLst>
-  <p:transition spd="slow">
+  <p:transition>
     <p:push dir="u"/>
   </p:transition>
   <p:txStyles>
@@ -2409,7 +2409,7 @@
   <p:clrMapOvr>
     <a:masterClrMapping/>
   </p:clrMapOvr>
-  <p:transition spd="slow">
+  <p:transition>
     <p:push dir="u"/>
   </p:transition>
 </p:sld>
@@ -4133,7 +4133,7 @@
   <p:clrMapOvr>
     <a:masterClrMapping/>
   </p:clrMapOvr>
-  <p:transition spd="slow">
+  <p:transition>
     <p:push dir="u"/>
   </p:transition>
 </p:sld>
@@ -6633,7 +6633,7 @@
   <p:clrMapOvr>
     <a:masterClrMapping/>
   </p:clrMapOvr>
-  <p:transition spd="slow">
+  <p:transition>
     <p:push dir="u"/>
   </p:transition>
 </p:sld>
@@ -7969,7 +7969,7 @@
   <p:clrMapOvr>
     <a:masterClrMapping/>
   </p:clrMapOvr>
-  <p:transition spd="slow">
+  <p:transition>
     <p:push dir="u"/>
   </p:transition>
 </p:sld>
@@ -11988,7 +11988,7 @@
   <p:clrMapOvr>
     <a:masterClrMapping/>
   </p:clrMapOvr>
-  <p:transition spd="slow">
+  <p:transition>
     <p:push dir="u"/>
   </p:transition>
 </p:sld>
@@ -12696,7 +12696,7 @@
   <p:clrMapOvr>
     <a:masterClrMapping/>
   </p:clrMapOvr>
-  <p:transition spd="slow">
+  <p:transition>
     <p:push dir="u"/>
   </p:transition>
 </p:sld>
@@ -14384,7 +14384,7 @@
   <p:clrMapOvr>
     <a:masterClrMapping/>
   </p:clrMapOvr>
-  <p:transition spd="slow">
+  <p:transition>
     <p:push dir="u"/>
   </p:transition>
 </p:sld>
@@ -14957,7 +14957,7 @@
   <p:clrMapOvr>
     <a:masterClrMapping/>
   </p:clrMapOvr>
-  <p:transition spd="slow">
+  <p:transition>
     <p:push dir="u"/>
   </p:transition>
 </p:sld>
@@ -17229,7 +17229,7 @@
   <p:clrMapOvr>
     <a:masterClrMapping/>
   </p:clrMapOvr>
-  <p:transition spd="slow">
+  <p:transition>
     <p:push dir="u"/>
   </p:transition>
 </p:sld>
@@ -17939,7 +17939,7 @@
   <p:clrMapOvr>
     <a:masterClrMapping/>
   </p:clrMapOvr>
-  <p:transition spd="slow">
+  <p:transition>
     <p:push dir="u"/>
   </p:transition>
 </p:sld>
@@ -18574,7 +18574,7 @@
   <p:clrMapOvr>
     <a:masterClrMapping/>
   </p:clrMapOvr>
-  <p:transition spd="slow">
+  <p:transition>
     <p:push dir="u"/>
   </p:transition>
 </p:sld>
@@ -19028,7 +19028,7 @@
   <p:clrMapOvr>
     <a:masterClrMapping/>
   </p:clrMapOvr>
-  <p:transition spd="slow">
+  <p:transition>
     <p:push dir="u"/>
   </p:transition>
 </p:sld>
@@ -19436,7 +19436,7 @@
   <p:clrMapOvr>
     <a:masterClrMapping/>
   </p:clrMapOvr>
-  <p:transition spd="slow">
+  <p:transition>
     <p:push dir="u"/>
   </p:transition>
 </p:sld>
@@ -21659,7 +21659,7 @@
   <p:clrMapOvr>
     <a:masterClrMapping/>
   </p:clrMapOvr>
-  <p:transition spd="slow">
+  <p:transition>
     <p:push dir="u"/>
   </p:transition>
   <p:timing>
@@ -23987,7 +23987,7 @@
   <p:clrMapOvr>
     <a:masterClrMapping/>
   </p:clrMapOvr>
-  <p:transition spd="slow">
+  <p:transition>
     <p:push dir="u"/>
   </p:transition>
   <p:timing>
@@ -25417,7 +25417,7 @@
   <p:clrMapOvr>
     <a:masterClrMapping/>
   </p:clrMapOvr>
-  <p:transition spd="slow">
+  <p:transition>
     <p:push dir="u"/>
   </p:transition>
 </p:sld>
@@ -27051,7 +27051,7 @@
   <p:clrMapOvr>
     <a:masterClrMapping/>
   </p:clrMapOvr>
-  <p:transition spd="slow">
+  <p:transition>
     <p:push dir="u"/>
   </p:transition>
 </p:sld>
@@ -31085,7 +31085,7 @@
   <p:clrMapOvr>
     <a:masterClrMapping/>
   </p:clrMapOvr>
-  <p:transition spd="slow">
+  <p:transition>
     <p:push dir="u"/>
   </p:transition>
 </p:sld>
@@ -32805,7 +32805,7 @@
   <p:clrMapOvr>
     <a:masterClrMapping/>
   </p:clrMapOvr>
-  <p:transition spd="slow">
+  <p:transition>
     <p:push dir="u"/>
   </p:transition>
 </p:sld>
@@ -33032,7 +33032,7 @@
   <a:extraClrSchemeLst/>
   <a:extLst>
     <a:ext uri="{05A4C25C-085E-4340-85A3-A5531E510DB2}">
-      <thm15:themeFamily xmlns:thm15="http://schemas.microsoft.com/office/thememl/2012/main" name="TYIC" id="{F8B8016E-470C-4FE5-A78C-33B2A9D17434}" vid="{BC6C4CDA-A093-4978-B969-B6482D48D481}"/>
+      <thm15:themeFamily xmlns:thm15="http://schemas.microsoft.com/office/thememl/2012/main" name="TYIC" id="{5F22F33A-EA50-4F22-9F2C-8A64A179567F}" vid="{3247D5A2-1B78-4AF4-9AA5-9AF4332DE771}"/>
     </a:ext>
   </a:extLst>
 </a:theme>

--- a/ppt/10_包裝類別與工具類別(1).pptx
+++ b/ppt/10_包裝類別與工具類別(1).pptx
@@ -21,12 +21,12 @@
     <p:sldId id="268" r:id="rId12"/>
     <p:sldId id="269" r:id="rId13"/>
     <p:sldId id="270" r:id="rId14"/>
-    <p:sldId id="262" r:id="rId15"/>
-    <p:sldId id="271" r:id="rId16"/>
-    <p:sldId id="294" r:id="rId17"/>
-    <p:sldId id="295" r:id="rId18"/>
-    <p:sldId id="296" r:id="rId19"/>
-    <p:sldId id="297" r:id="rId20"/>
+    <p:sldId id="296" r:id="rId15"/>
+    <p:sldId id="297" r:id="rId16"/>
+    <p:sldId id="262" r:id="rId17"/>
+    <p:sldId id="271" r:id="rId18"/>
+    <p:sldId id="294" r:id="rId19"/>
+    <p:sldId id="295" r:id="rId20"/>
   </p:sldIdLst>
   <p:sldSz cx="12192000" cy="6858000"/>
   <p:notesSz cx="6858000" cy="9144000"/>
@@ -215,7 +215,7 @@
           <a:p>
             <a:fld id="{00D1967D-2DD3-4C36-96B1-E3AA5FB7040E}" type="datetimeFigureOut">
               <a:rPr lang="zh-TW" altLang="en-US" smtClean="0"/>
-              <a:t>2025/2/28</a:t>
+              <a:t>2025/3/29</a:t>
             </a:fld>
             <a:endParaRPr lang="zh-TW" altLang="en-US"/>
           </a:p>
@@ -631,7 +631,7 @@
           <a:p>
             <a:fld id="{FC78299E-8C5D-4011-9A49-A23A440BB1DA}" type="slidenum">
               <a:rPr lang="zh-TW" altLang="en-US" smtClean="0"/>
-              <a:t>17</a:t>
+              <a:t>19</a:t>
             </a:fld>
             <a:endParaRPr lang="zh-TW" altLang="en-US"/>
           </a:p>
@@ -12016,6 +12016,1351 @@
           <p:cNvPr id="2" name="標題 1">
             <a:extLst>
               <a:ext uri="{FF2B5EF4-FFF2-40B4-BE49-F238E27FC236}">
+                <a16:creationId xmlns:a16="http://schemas.microsoft.com/office/drawing/2014/main" id="{FCB469D4-7265-4AC3-A1A4-C5B433A4E83D}"/>
+              </a:ext>
+            </a:extLst>
+          </p:cNvPr>
+          <p:cNvSpPr>
+            <a:spLocks noGrp="1"/>
+          </p:cNvSpPr>
+          <p:nvPr>
+            <p:ph type="title"/>
+          </p:nvPr>
+        </p:nvSpPr>
+        <p:spPr>
+          <a:xfrm>
+            <a:off x="838200" y="0"/>
+            <a:ext cx="10515600" cy="1325563"/>
+          </a:xfrm>
+        </p:spPr>
+        <p:txBody>
+          <a:bodyPr/>
+          <a:lstStyle/>
+          <a:p>
+            <a:r>
+              <a:rPr lang="zh-TW" altLang="en-US"/>
+              <a:t>數學</a:t>
+            </a:r>
+          </a:p>
+        </p:txBody>
+      </p:sp>
+      <p:sp>
+        <p:nvSpPr>
+          <p:cNvPr id="3" name="內容版面配置區 2">
+            <a:extLst>
+              <a:ext uri="{FF2B5EF4-FFF2-40B4-BE49-F238E27FC236}">
+                <a16:creationId xmlns:a16="http://schemas.microsoft.com/office/drawing/2014/main" id="{C8082964-69AE-4A8A-894E-0E8C4EC86FC5}"/>
+              </a:ext>
+            </a:extLst>
+          </p:cNvPr>
+          <p:cNvSpPr>
+            <a:spLocks noGrp="1"/>
+          </p:cNvSpPr>
+          <p:nvPr>
+            <p:ph idx="1"/>
+          </p:nvPr>
+        </p:nvSpPr>
+        <p:spPr>
+          <a:xfrm>
+            <a:off x="838200" y="1239550"/>
+            <a:ext cx="10515600" cy="5135562"/>
+          </a:xfrm>
+        </p:spPr>
+        <p:txBody>
+          <a:bodyPr>
+            <a:normAutofit/>
+          </a:bodyPr>
+          <a:lstStyle/>
+          <a:p>
+            <a:r>
+              <a:rPr lang="zh-TW" altLang="en-US"/>
+              <a:t>在 </a:t>
+            </a:r>
+            <a:r>
+              <a:rPr lang="en-US" altLang="zh-TW"/>
+              <a:t>Java</a:t>
+            </a:r>
+            <a:r>
+              <a:rPr lang="zh-TW" altLang="en-US"/>
+              <a:t> 中，關於數學的東西多半定義在 </a:t>
+            </a:r>
+            <a:r>
+              <a:rPr lang="en-US" altLang="zh-TW">
+                <a:solidFill>
+                  <a:srgbClr val="00B050"/>
+                </a:solidFill>
+              </a:rPr>
+              <a:t>java</a:t>
+            </a:r>
+            <a:r>
+              <a:rPr lang="en-US" altLang="zh-TW">
+                <a:solidFill>
+                  <a:srgbClr val="00B0F0"/>
+                </a:solidFill>
+              </a:rPr>
+              <a:t>.</a:t>
+            </a:r>
+            <a:r>
+              <a:rPr lang="en-US" altLang="zh-TW">
+                <a:solidFill>
+                  <a:srgbClr val="FFFF00"/>
+                </a:solidFill>
+              </a:rPr>
+              <a:t>lang</a:t>
+            </a:r>
+            <a:r>
+              <a:rPr lang="en-US" altLang="zh-TW">
+                <a:solidFill>
+                  <a:srgbClr val="00B0F0"/>
+                </a:solidFill>
+              </a:rPr>
+              <a:t>.</a:t>
+            </a:r>
+            <a:r>
+              <a:rPr lang="en-US" altLang="zh-TW">
+                <a:solidFill>
+                  <a:srgbClr val="FFC000"/>
+                </a:solidFill>
+              </a:rPr>
+              <a:t>Math</a:t>
+            </a:r>
+          </a:p>
+          <a:p>
+            <a:r>
+              <a:rPr lang="zh-TW" altLang="en-US"/>
+              <a:t>其中的</a:t>
+            </a:r>
+            <a:r>
+              <a:rPr lang="zh-TW" altLang="en-US">
+                <a:solidFill>
+                  <a:srgbClr val="00B0F0"/>
+                </a:solidFill>
+              </a:rPr>
+              <a:t>靜態方法</a:t>
+            </a:r>
+            <a:r>
+              <a:rPr lang="zh-TW" altLang="en-US"/>
+              <a:t>有許多，下方為部分</a:t>
+            </a:r>
+            <a:r>
+              <a:rPr lang="zh-TW" altLang="en-US">
+                <a:solidFill>
+                  <a:srgbClr val="00B0F0"/>
+                </a:solidFill>
+              </a:rPr>
+              <a:t>靜態方法</a:t>
+            </a:r>
+            <a:endParaRPr lang="en-US" altLang="zh-TW">
+              <a:solidFill>
+                <a:srgbClr val="00B0F0"/>
+              </a:solidFill>
+            </a:endParaRPr>
+          </a:p>
+          <a:p>
+            <a:r>
+              <a:rPr lang="zh-TW" altLang="en-US">
+                <a:solidFill>
+                  <a:srgbClr val="00B0F0"/>
+                </a:solidFill>
+              </a:rPr>
+              <a:t>返回值型別</a:t>
+            </a:r>
+            <a:r>
+              <a:rPr lang="zh-TW" altLang="en-US"/>
+              <a:t>皆為 </a:t>
+            </a:r>
+            <a:r>
+              <a:rPr lang="en-US" altLang="zh-TW">
+                <a:solidFill>
+                  <a:srgbClr val="CF8E6D"/>
+                </a:solidFill>
+              </a:rPr>
+              <a:t>double</a:t>
+            </a:r>
+            <a:r>
+              <a:rPr lang="zh-TW" altLang="en-US"/>
+              <a:t>，且皆只有一個 </a:t>
+            </a:r>
+            <a:r>
+              <a:rPr lang="en-US" altLang="zh-TW">
+                <a:solidFill>
+                  <a:srgbClr val="CF8E6D"/>
+                </a:solidFill>
+              </a:rPr>
+              <a:t>double</a:t>
+            </a:r>
+            <a:r>
+              <a:rPr lang="zh-TW" altLang="en-US"/>
+              <a:t> </a:t>
+            </a:r>
+            <a:r>
+              <a:rPr lang="zh-TW" altLang="en-US">
+                <a:solidFill>
+                  <a:srgbClr val="00B0F0"/>
+                </a:solidFill>
+              </a:rPr>
+              <a:t>參數</a:t>
+            </a:r>
+            <a:r>
+              <a:rPr lang="zh-TW" altLang="en-US"/>
+              <a:t>：</a:t>
+            </a:r>
+            <a:endParaRPr lang="en-US" altLang="zh-TW"/>
+          </a:p>
+          <a:p>
+            <a:r>
+              <a:rPr lang="zh-TW" altLang="en-US"/>
+              <a:t>基礎運算：</a:t>
+            </a:r>
+            <a:r>
+              <a:rPr lang="en-US" altLang="zh-TW">
+                <a:solidFill>
+                  <a:srgbClr val="92D050"/>
+                </a:solidFill>
+              </a:rPr>
+              <a:t>abs(</a:t>
+            </a:r>
+            <a:r>
+              <a:rPr lang="zh-TW" altLang="en-US">
+                <a:solidFill>
+                  <a:srgbClr val="92D050"/>
+                </a:solidFill>
+              </a:rPr>
+              <a:t>絕對值</a:t>
+            </a:r>
+            <a:r>
+              <a:rPr lang="en-US" altLang="zh-TW">
+                <a:solidFill>
+                  <a:srgbClr val="92D050"/>
+                </a:solidFill>
+              </a:rPr>
+              <a:t>)</a:t>
+            </a:r>
+            <a:r>
+              <a:rPr lang="zh-TW" altLang="en-US"/>
+              <a:t>、</a:t>
+            </a:r>
+            <a:r>
+              <a:rPr lang="en-US" altLang="zh-TW">
+                <a:solidFill>
+                  <a:srgbClr val="92D050"/>
+                </a:solidFill>
+              </a:rPr>
+              <a:t>sqrt(</a:t>
+            </a:r>
+            <a:r>
+              <a:rPr lang="zh-TW" altLang="en-US">
+                <a:solidFill>
+                  <a:srgbClr val="92D050"/>
+                </a:solidFill>
+              </a:rPr>
+              <a:t>開根號</a:t>
+            </a:r>
+            <a:r>
+              <a:rPr lang="en-US" altLang="zh-TW">
+                <a:solidFill>
+                  <a:srgbClr val="92D050"/>
+                </a:solidFill>
+              </a:rPr>
+              <a:t>)</a:t>
+            </a:r>
+            <a:r>
+              <a:rPr lang="zh-TW" altLang="en-US"/>
+              <a:t>、</a:t>
+            </a:r>
+            <a:r>
+              <a:rPr lang="en-US" altLang="zh-TW">
+                <a:solidFill>
+                  <a:srgbClr val="92D050"/>
+                </a:solidFill>
+              </a:rPr>
+              <a:t>cbrt(</a:t>
+            </a:r>
+            <a:r>
+              <a:rPr lang="zh-TW" altLang="en-US">
+                <a:solidFill>
+                  <a:srgbClr val="92D050"/>
+                </a:solidFill>
+              </a:rPr>
+              <a:t>開三次方根</a:t>
+            </a:r>
+            <a:r>
+              <a:rPr lang="en-US" altLang="zh-TW">
+                <a:solidFill>
+                  <a:srgbClr val="92D050"/>
+                </a:solidFill>
+              </a:rPr>
+              <a:t>)</a:t>
+            </a:r>
+          </a:p>
+          <a:p>
+            <a:r>
+              <a:rPr lang="en-US" altLang="zh-TW">
+                <a:solidFill>
+                  <a:srgbClr val="92D050"/>
+                </a:solidFill>
+              </a:rPr>
+              <a:t>log10(</a:t>
+            </a:r>
+            <a:r>
+              <a:rPr lang="zh-TW" altLang="en-US">
+                <a:solidFill>
+                  <a:srgbClr val="92D050"/>
+                </a:solidFill>
+              </a:rPr>
+              <a:t>常用對數</a:t>
+            </a:r>
+            <a:r>
+              <a:rPr lang="en-US" altLang="zh-TW">
+                <a:solidFill>
+                  <a:srgbClr val="92D050"/>
+                </a:solidFill>
+              </a:rPr>
+              <a:t>)</a:t>
+            </a:r>
+            <a:r>
+              <a:rPr lang="zh-TW" altLang="en-US"/>
+              <a:t>、</a:t>
+            </a:r>
+            <a:r>
+              <a:rPr lang="en-US" altLang="zh-TW">
+                <a:solidFill>
+                  <a:srgbClr val="92D050"/>
+                </a:solidFill>
+              </a:rPr>
+              <a:t>exp(</a:t>
+            </a:r>
+            <a:r>
+              <a:rPr lang="zh-TW" altLang="en-US">
+                <a:solidFill>
+                  <a:srgbClr val="92D050"/>
+                </a:solidFill>
+              </a:rPr>
+              <a:t>自然指數</a:t>
+            </a:r>
+            <a:r>
+              <a:rPr lang="en-US" altLang="zh-TW">
+                <a:solidFill>
+                  <a:srgbClr val="92D050"/>
+                </a:solidFill>
+              </a:rPr>
+              <a:t>)</a:t>
+            </a:r>
+            <a:r>
+              <a:rPr lang="zh-TW" altLang="en-US"/>
+              <a:t>、</a:t>
+            </a:r>
+            <a:r>
+              <a:rPr lang="en-US" altLang="zh-TW">
+                <a:solidFill>
+                  <a:srgbClr val="92D050"/>
+                </a:solidFill>
+              </a:rPr>
+              <a:t>log(</a:t>
+            </a:r>
+            <a:r>
+              <a:rPr lang="zh-TW" altLang="en-US">
+                <a:solidFill>
+                  <a:srgbClr val="92D050"/>
+                </a:solidFill>
+              </a:rPr>
+              <a:t>自然對數</a:t>
+            </a:r>
+            <a:r>
+              <a:rPr lang="en-US" altLang="zh-TW">
+                <a:solidFill>
+                  <a:srgbClr val="92D050"/>
+                </a:solidFill>
+              </a:rPr>
+              <a:t>)</a:t>
+            </a:r>
+          </a:p>
+          <a:p>
+            <a:r>
+              <a:rPr lang="zh-TW" altLang="en-US"/>
+              <a:t>三角運算：</a:t>
+            </a:r>
+            <a:r>
+              <a:rPr lang="en-US" altLang="zh-TW">
+                <a:solidFill>
+                  <a:srgbClr val="92D050"/>
+                </a:solidFill>
+              </a:rPr>
+              <a:t>sin(</a:t>
+            </a:r>
+            <a:r>
+              <a:rPr lang="zh-TW" altLang="en-US">
+                <a:solidFill>
+                  <a:srgbClr val="92D050"/>
+                </a:solidFill>
+              </a:rPr>
+              <a:t>正弦</a:t>
+            </a:r>
+            <a:r>
+              <a:rPr lang="en-US" altLang="zh-TW">
+                <a:solidFill>
+                  <a:srgbClr val="92D050"/>
+                </a:solidFill>
+              </a:rPr>
+              <a:t>)</a:t>
+            </a:r>
+            <a:r>
+              <a:rPr lang="zh-TW" altLang="en-US"/>
+              <a:t>、</a:t>
+            </a:r>
+            <a:r>
+              <a:rPr lang="en-US" altLang="zh-TW">
+                <a:solidFill>
+                  <a:srgbClr val="92D050"/>
+                </a:solidFill>
+              </a:rPr>
+              <a:t>cos(</a:t>
+            </a:r>
+            <a:r>
+              <a:rPr lang="zh-TW" altLang="en-US">
+                <a:solidFill>
+                  <a:srgbClr val="92D050"/>
+                </a:solidFill>
+              </a:rPr>
+              <a:t>餘弦</a:t>
+            </a:r>
+            <a:r>
+              <a:rPr lang="en-US" altLang="zh-TW">
+                <a:solidFill>
+                  <a:srgbClr val="92D050"/>
+                </a:solidFill>
+              </a:rPr>
+              <a:t>)</a:t>
+            </a:r>
+            <a:r>
+              <a:rPr lang="zh-TW" altLang="en-US"/>
+              <a:t>、</a:t>
+            </a:r>
+            <a:r>
+              <a:rPr lang="en-US" altLang="zh-TW">
+                <a:solidFill>
+                  <a:srgbClr val="92D050"/>
+                </a:solidFill>
+              </a:rPr>
+              <a:t>tan(</a:t>
+            </a:r>
+            <a:r>
+              <a:rPr lang="zh-TW" altLang="en-US">
+                <a:solidFill>
+                  <a:srgbClr val="92D050"/>
+                </a:solidFill>
+              </a:rPr>
+              <a:t>正切</a:t>
+            </a:r>
+            <a:r>
+              <a:rPr lang="en-US" altLang="zh-TW">
+                <a:solidFill>
+                  <a:srgbClr val="92D050"/>
+                </a:solidFill>
+              </a:rPr>
+              <a:t>)</a:t>
+            </a:r>
+          </a:p>
+          <a:p>
+            <a:r>
+              <a:rPr lang="en-US" altLang="zh-TW">
+                <a:solidFill>
+                  <a:srgbClr val="92D050"/>
+                </a:solidFill>
+              </a:rPr>
+              <a:t>sin2(</a:t>
+            </a:r>
+            <a:r>
+              <a:rPr lang="zh-TW" altLang="en-US">
+                <a:solidFill>
+                  <a:srgbClr val="92D050"/>
+                </a:solidFill>
+              </a:rPr>
+              <a:t>正弦平方</a:t>
+            </a:r>
+            <a:r>
+              <a:rPr lang="en-US" altLang="zh-TW">
+                <a:solidFill>
+                  <a:srgbClr val="92D050"/>
+                </a:solidFill>
+              </a:rPr>
+              <a:t>)</a:t>
+            </a:r>
+            <a:r>
+              <a:rPr lang="zh-TW" altLang="en-US"/>
+              <a:t>、</a:t>
+            </a:r>
+            <a:r>
+              <a:rPr lang="en-US" altLang="zh-TW">
+                <a:solidFill>
+                  <a:srgbClr val="92D050"/>
+                </a:solidFill>
+              </a:rPr>
+              <a:t>cos2(</a:t>
+            </a:r>
+            <a:r>
+              <a:rPr lang="zh-TW" altLang="en-US">
+                <a:solidFill>
+                  <a:srgbClr val="92D050"/>
+                </a:solidFill>
+              </a:rPr>
+              <a:t>餘弦平方</a:t>
+            </a:r>
+            <a:r>
+              <a:rPr lang="en-US" altLang="zh-TW">
+                <a:solidFill>
+                  <a:srgbClr val="92D050"/>
+                </a:solidFill>
+              </a:rPr>
+              <a:t>)</a:t>
+            </a:r>
+            <a:r>
+              <a:rPr lang="zh-TW" altLang="en-US"/>
+              <a:t>、</a:t>
+            </a:r>
+            <a:r>
+              <a:rPr lang="en-US" altLang="zh-TW">
+                <a:solidFill>
+                  <a:srgbClr val="92D050"/>
+                </a:solidFill>
+              </a:rPr>
+              <a:t>tan2(</a:t>
+            </a:r>
+            <a:r>
+              <a:rPr lang="zh-TW" altLang="en-US">
+                <a:solidFill>
+                  <a:srgbClr val="92D050"/>
+                </a:solidFill>
+              </a:rPr>
+              <a:t>正切平方</a:t>
+            </a:r>
+            <a:r>
+              <a:rPr lang="en-US" altLang="zh-TW">
+                <a:solidFill>
+                  <a:srgbClr val="92D050"/>
+                </a:solidFill>
+              </a:rPr>
+              <a:t>)</a:t>
+            </a:r>
+          </a:p>
+          <a:p>
+            <a:r>
+              <a:rPr lang="en-US" altLang="zh-TW">
+                <a:solidFill>
+                  <a:srgbClr val="92D050"/>
+                </a:solidFill>
+              </a:rPr>
+              <a:t>asin(</a:t>
+            </a:r>
+            <a:r>
+              <a:rPr lang="zh-TW" altLang="en-US">
+                <a:solidFill>
+                  <a:srgbClr val="92D050"/>
+                </a:solidFill>
+              </a:rPr>
+              <a:t>反正弦</a:t>
+            </a:r>
+            <a:r>
+              <a:rPr lang="en-US" altLang="zh-TW">
+                <a:solidFill>
+                  <a:srgbClr val="92D050"/>
+                </a:solidFill>
+              </a:rPr>
+              <a:t>)</a:t>
+            </a:r>
+            <a:r>
+              <a:rPr lang="zh-TW" altLang="en-US"/>
+              <a:t>、</a:t>
+            </a:r>
+            <a:r>
+              <a:rPr lang="en-US" altLang="zh-TW">
+                <a:solidFill>
+                  <a:srgbClr val="92D050"/>
+                </a:solidFill>
+              </a:rPr>
+              <a:t>acos(</a:t>
+            </a:r>
+            <a:r>
+              <a:rPr lang="zh-TW" altLang="en-US">
+                <a:solidFill>
+                  <a:srgbClr val="92D050"/>
+                </a:solidFill>
+              </a:rPr>
+              <a:t>反餘弦</a:t>
+            </a:r>
+            <a:r>
+              <a:rPr lang="en-US" altLang="zh-TW">
+                <a:solidFill>
+                  <a:srgbClr val="92D050"/>
+                </a:solidFill>
+              </a:rPr>
+              <a:t>)</a:t>
+            </a:r>
+            <a:r>
+              <a:rPr lang="zh-TW" altLang="en-US"/>
+              <a:t>、</a:t>
+            </a:r>
+            <a:r>
+              <a:rPr lang="en-US" altLang="zh-TW">
+                <a:solidFill>
+                  <a:srgbClr val="92D050"/>
+                </a:solidFill>
+              </a:rPr>
+              <a:t>atan(</a:t>
+            </a:r>
+            <a:r>
+              <a:rPr lang="zh-TW" altLang="en-US">
+                <a:solidFill>
+                  <a:srgbClr val="92D050"/>
+                </a:solidFill>
+              </a:rPr>
+              <a:t>反正切</a:t>
+            </a:r>
+            <a:r>
+              <a:rPr lang="en-US" altLang="zh-TW">
+                <a:solidFill>
+                  <a:srgbClr val="92D050"/>
+                </a:solidFill>
+              </a:rPr>
+              <a:t>)</a:t>
+            </a:r>
+          </a:p>
+          <a:p>
+            <a:r>
+              <a:rPr lang="en-US" altLang="zh-TW">
+                <a:solidFill>
+                  <a:srgbClr val="92D050"/>
+                </a:solidFill>
+              </a:rPr>
+              <a:t>toRadians(</a:t>
+            </a:r>
+            <a:r>
+              <a:rPr lang="zh-TW" altLang="en-US">
+                <a:solidFill>
+                  <a:srgbClr val="92D050"/>
+                </a:solidFill>
+              </a:rPr>
+              <a:t>角度轉弧度</a:t>
+            </a:r>
+            <a:r>
+              <a:rPr lang="en-US" altLang="zh-TW">
+                <a:solidFill>
+                  <a:srgbClr val="92D050"/>
+                </a:solidFill>
+              </a:rPr>
+              <a:t>)</a:t>
+            </a:r>
+            <a:r>
+              <a:rPr lang="zh-TW" altLang="en-US"/>
+              <a:t>、</a:t>
+            </a:r>
+            <a:r>
+              <a:rPr lang="en-US" altLang="zh-TW">
+                <a:solidFill>
+                  <a:srgbClr val="92D050"/>
+                </a:solidFill>
+              </a:rPr>
+              <a:t>toDegrees(</a:t>
+            </a:r>
+            <a:r>
+              <a:rPr lang="zh-TW" altLang="en-US">
+                <a:solidFill>
+                  <a:srgbClr val="92D050"/>
+                </a:solidFill>
+              </a:rPr>
+              <a:t>弧度轉角度</a:t>
+            </a:r>
+            <a:r>
+              <a:rPr lang="en-US" altLang="zh-TW">
+                <a:solidFill>
+                  <a:srgbClr val="92D050"/>
+                </a:solidFill>
+              </a:rPr>
+              <a:t>)</a:t>
+            </a:r>
+          </a:p>
+          <a:p>
+            <a:r>
+              <a:rPr lang="zh-TW" altLang="en-US"/>
+              <a:t>其中三角函數、反三角函數使用的單位都是弧度</a:t>
+            </a:r>
+            <a:endParaRPr lang="en-US" altLang="zh-TW"/>
+          </a:p>
+        </p:txBody>
+      </p:sp>
+    </p:spTree>
+    <p:extLst>
+      <p:ext uri="{BB962C8B-B14F-4D97-AF65-F5344CB8AC3E}">
+        <p14:creationId xmlns:p14="http://schemas.microsoft.com/office/powerpoint/2010/main" val="2209087254"/>
+      </p:ext>
+    </p:extLst>
+  </p:cSld>
+  <p:clrMapOvr>
+    <a:masterClrMapping/>
+  </p:clrMapOvr>
+  <p:transition>
+    <p:push dir="u"/>
+  </p:transition>
+</p:sld>
+</file>
+
+<file path=ppt/slides/slide15.xml><?xml version="1.0" encoding="utf-8"?>
+<p:sld xmlns:a="http://schemas.openxmlformats.org/drawingml/2006/main" xmlns:r="http://schemas.openxmlformats.org/officeDocument/2006/relationships" xmlns:p="http://schemas.openxmlformats.org/presentationml/2006/main">
+  <p:cSld>
+    <p:spTree>
+      <p:nvGrpSpPr>
+        <p:cNvPr id="1" name=""/>
+        <p:cNvGrpSpPr/>
+        <p:nvPr/>
+      </p:nvGrpSpPr>
+      <p:grpSpPr>
+        <a:xfrm>
+          <a:off x="0" y="0"/>
+          <a:ext cx="0" cy="0"/>
+          <a:chOff x="0" y="0"/>
+          <a:chExt cx="0" cy="0"/>
+        </a:xfrm>
+      </p:grpSpPr>
+      <p:sp>
+        <p:nvSpPr>
+          <p:cNvPr id="2" name="標題 1">
+            <a:extLst>
+              <a:ext uri="{FF2B5EF4-FFF2-40B4-BE49-F238E27FC236}">
+                <a16:creationId xmlns:a16="http://schemas.microsoft.com/office/drawing/2014/main" id="{4719A5B4-D40D-422E-B23B-EDE38E50F36F}"/>
+              </a:ext>
+            </a:extLst>
+          </p:cNvPr>
+          <p:cNvSpPr>
+            <a:spLocks noGrp="1"/>
+          </p:cNvSpPr>
+          <p:nvPr>
+            <p:ph type="title"/>
+          </p:nvPr>
+        </p:nvSpPr>
+        <p:spPr/>
+        <p:txBody>
+          <a:bodyPr/>
+          <a:lstStyle/>
+          <a:p>
+            <a:r>
+              <a:rPr lang="zh-TW" altLang="en-US"/>
+              <a:t>數學</a:t>
+            </a:r>
+          </a:p>
+        </p:txBody>
+      </p:sp>
+      <p:sp>
+        <p:nvSpPr>
+          <p:cNvPr id="3" name="內容版面配置區 2">
+            <a:extLst>
+              <a:ext uri="{FF2B5EF4-FFF2-40B4-BE49-F238E27FC236}">
+                <a16:creationId xmlns:a16="http://schemas.microsoft.com/office/drawing/2014/main" id="{DC8DB342-EFC6-4F92-ACCD-F175FF2F1960}"/>
+              </a:ext>
+            </a:extLst>
+          </p:cNvPr>
+          <p:cNvSpPr>
+            <a:spLocks noGrp="1"/>
+          </p:cNvSpPr>
+          <p:nvPr>
+            <p:ph idx="1"/>
+          </p:nvPr>
+        </p:nvSpPr>
+        <p:spPr>
+          <a:xfrm>
+            <a:off x="838200" y="1622424"/>
+            <a:ext cx="10515600" cy="4575176"/>
+          </a:xfrm>
+        </p:spPr>
+        <p:txBody>
+          <a:bodyPr/>
+          <a:lstStyle/>
+          <a:p>
+            <a:r>
+              <a:rPr lang="zh-TW" altLang="en-US">
+                <a:solidFill>
+                  <a:srgbClr val="00B0F0"/>
+                </a:solidFill>
+              </a:rPr>
+              <a:t>返回值型別</a:t>
+            </a:r>
+            <a:r>
+              <a:rPr lang="zh-TW" altLang="en-US"/>
+              <a:t>皆為 </a:t>
+            </a:r>
+            <a:r>
+              <a:rPr lang="en-US" altLang="zh-TW">
+                <a:solidFill>
+                  <a:srgbClr val="CF8E6D"/>
+                </a:solidFill>
+              </a:rPr>
+              <a:t>long</a:t>
+            </a:r>
+            <a:r>
+              <a:rPr lang="zh-TW" altLang="en-US"/>
+              <a:t>，且皆只有一個 </a:t>
+            </a:r>
+            <a:r>
+              <a:rPr lang="en-US" altLang="zh-TW">
+                <a:solidFill>
+                  <a:srgbClr val="CF8E6D"/>
+                </a:solidFill>
+              </a:rPr>
+              <a:t>double</a:t>
+            </a:r>
+            <a:r>
+              <a:rPr lang="zh-TW" altLang="en-US"/>
+              <a:t> </a:t>
+            </a:r>
+            <a:r>
+              <a:rPr lang="zh-TW" altLang="en-US">
+                <a:solidFill>
+                  <a:srgbClr val="00B0F0"/>
+                </a:solidFill>
+              </a:rPr>
+              <a:t>參數</a:t>
+            </a:r>
+            <a:r>
+              <a:rPr lang="zh-TW" altLang="en-US"/>
+              <a:t>：</a:t>
+            </a:r>
+            <a:endParaRPr lang="en-US" altLang="zh-TW"/>
+          </a:p>
+          <a:p>
+            <a:r>
+              <a:rPr lang="en-US" altLang="zh-TW">
+                <a:solidFill>
+                  <a:srgbClr val="92D050"/>
+                </a:solidFill>
+              </a:rPr>
+              <a:t>round(</a:t>
+            </a:r>
+            <a:r>
+              <a:rPr lang="zh-TW" altLang="en-US">
+                <a:solidFill>
+                  <a:srgbClr val="92D050"/>
+                </a:solidFill>
+              </a:rPr>
+              <a:t>四捨五入</a:t>
+            </a:r>
+            <a:r>
+              <a:rPr lang="en-US" altLang="zh-TW">
+                <a:solidFill>
+                  <a:srgbClr val="92D050"/>
+                </a:solidFill>
+              </a:rPr>
+              <a:t>)</a:t>
+            </a:r>
+            <a:r>
+              <a:rPr lang="zh-TW" altLang="en-US"/>
+              <a:t>、</a:t>
+            </a:r>
+            <a:r>
+              <a:rPr lang="en-US" altLang="zh-TW">
+                <a:solidFill>
+                  <a:srgbClr val="92D050"/>
+                </a:solidFill>
+              </a:rPr>
+              <a:t>floor(</a:t>
+            </a:r>
+            <a:r>
+              <a:rPr lang="zh-TW" altLang="en-US">
+                <a:solidFill>
+                  <a:srgbClr val="92D050"/>
+                </a:solidFill>
+              </a:rPr>
+              <a:t>向下取整</a:t>
+            </a:r>
+            <a:r>
+              <a:rPr lang="en-US" altLang="zh-TW">
+                <a:solidFill>
+                  <a:srgbClr val="92D050"/>
+                </a:solidFill>
+              </a:rPr>
+              <a:t>)</a:t>
+            </a:r>
+            <a:r>
+              <a:rPr lang="zh-TW" altLang="en-US"/>
+              <a:t>、</a:t>
+            </a:r>
+            <a:r>
+              <a:rPr lang="en-US" altLang="zh-TW">
+                <a:solidFill>
+                  <a:srgbClr val="92D050"/>
+                </a:solidFill>
+              </a:rPr>
+              <a:t>ceil(</a:t>
+            </a:r>
+            <a:r>
+              <a:rPr lang="zh-TW" altLang="en-US">
+                <a:solidFill>
+                  <a:srgbClr val="92D050"/>
+                </a:solidFill>
+              </a:rPr>
+              <a:t>向上取整</a:t>
+            </a:r>
+            <a:r>
+              <a:rPr lang="en-US" altLang="zh-TW">
+                <a:solidFill>
+                  <a:srgbClr val="92D050"/>
+                </a:solidFill>
+              </a:rPr>
+              <a:t>)</a:t>
+            </a:r>
+          </a:p>
+          <a:p>
+            <a:r>
+              <a:rPr lang="zh-TW" altLang="en-US">
+                <a:solidFill>
+                  <a:srgbClr val="00B0F0"/>
+                </a:solidFill>
+              </a:rPr>
+              <a:t>返回值型別</a:t>
+            </a:r>
+            <a:r>
+              <a:rPr lang="zh-TW" altLang="en-US"/>
+              <a:t>皆為 </a:t>
+            </a:r>
+            <a:r>
+              <a:rPr lang="en-US" altLang="zh-TW">
+                <a:solidFill>
+                  <a:srgbClr val="CF8E6D"/>
+                </a:solidFill>
+              </a:rPr>
+              <a:t>double</a:t>
+            </a:r>
+            <a:r>
+              <a:rPr lang="zh-TW" altLang="en-US"/>
+              <a:t>，且皆只有兩個 </a:t>
+            </a:r>
+            <a:r>
+              <a:rPr lang="en-US" altLang="zh-TW">
+                <a:solidFill>
+                  <a:srgbClr val="CF8E6D"/>
+                </a:solidFill>
+              </a:rPr>
+              <a:t>double</a:t>
+            </a:r>
+            <a:r>
+              <a:rPr lang="zh-TW" altLang="en-US"/>
+              <a:t> </a:t>
+            </a:r>
+            <a:r>
+              <a:rPr lang="zh-TW" altLang="en-US">
+                <a:solidFill>
+                  <a:srgbClr val="00B0F0"/>
+                </a:solidFill>
+              </a:rPr>
+              <a:t>參數</a:t>
+            </a:r>
+            <a:r>
+              <a:rPr lang="zh-TW" altLang="en-US"/>
+              <a:t>：</a:t>
+            </a:r>
+            <a:endParaRPr lang="en-US" altLang="zh-TW"/>
+          </a:p>
+          <a:p>
+            <a:r>
+              <a:rPr lang="en-US" altLang="zh-TW">
+                <a:solidFill>
+                  <a:srgbClr val="92D050"/>
+                </a:solidFill>
+              </a:rPr>
+              <a:t>pow(</a:t>
+            </a:r>
+            <a:r>
+              <a:rPr lang="zh-TW" altLang="en-US">
+                <a:solidFill>
+                  <a:srgbClr val="92D050"/>
+                </a:solidFill>
+              </a:rPr>
+              <a:t>指數</a:t>
+            </a:r>
+            <a:r>
+              <a:rPr lang="en-US" altLang="zh-TW">
+                <a:solidFill>
+                  <a:srgbClr val="92D050"/>
+                </a:solidFill>
+              </a:rPr>
+              <a:t>)</a:t>
+            </a:r>
+            <a:r>
+              <a:rPr lang="zh-TW" altLang="en-US"/>
+              <a:t>、</a:t>
+            </a:r>
+            <a:r>
+              <a:rPr lang="en-US" altLang="zh-TW">
+                <a:solidFill>
+                  <a:srgbClr val="92D050"/>
+                </a:solidFill>
+              </a:rPr>
+              <a:t>max(</a:t>
+            </a:r>
+            <a:r>
+              <a:rPr lang="zh-TW" altLang="en-US">
+                <a:solidFill>
+                  <a:srgbClr val="92D050"/>
+                </a:solidFill>
+              </a:rPr>
+              <a:t>取最大</a:t>
+            </a:r>
+            <a:r>
+              <a:rPr lang="en-US" altLang="zh-TW">
+                <a:solidFill>
+                  <a:srgbClr val="92D050"/>
+                </a:solidFill>
+              </a:rPr>
+              <a:t>)</a:t>
+            </a:r>
+            <a:r>
+              <a:rPr lang="zh-TW" altLang="en-US"/>
+              <a:t>、</a:t>
+            </a:r>
+            <a:r>
+              <a:rPr lang="en-US" altLang="zh-TW">
+                <a:solidFill>
+                  <a:srgbClr val="92D050"/>
+                </a:solidFill>
+              </a:rPr>
+              <a:t>min(</a:t>
+            </a:r>
+            <a:r>
+              <a:rPr lang="zh-TW" altLang="en-US">
+                <a:solidFill>
+                  <a:srgbClr val="92D050"/>
+                </a:solidFill>
+              </a:rPr>
+              <a:t>取最小</a:t>
+            </a:r>
+            <a:r>
+              <a:rPr lang="en-US" altLang="zh-TW">
+                <a:solidFill>
+                  <a:srgbClr val="92D050"/>
+                </a:solidFill>
+              </a:rPr>
+              <a:t>)</a:t>
+            </a:r>
+          </a:p>
+          <a:p>
+            <a:r>
+              <a:rPr lang="zh-TW" altLang="en-US"/>
+              <a:t>以及限制數值範圍的</a:t>
+            </a:r>
+            <a:r>
+              <a:rPr lang="zh-TW" altLang="en-US">
+                <a:solidFill>
+                  <a:srgbClr val="00B0F0"/>
+                </a:solidFill>
+              </a:rPr>
+              <a:t>方法</a:t>
+            </a:r>
+            <a:r>
+              <a:rPr lang="zh-TW" altLang="en-US"/>
+              <a:t>，保證</a:t>
+            </a:r>
+            <a:r>
+              <a:rPr lang="zh-TW" altLang="en-US">
+                <a:solidFill>
+                  <a:srgbClr val="00B0F0"/>
+                </a:solidFill>
+              </a:rPr>
+              <a:t> </a:t>
+            </a:r>
+            <a:r>
+              <a:rPr lang="en-US" altLang="zh-TW">
+                <a:solidFill>
+                  <a:srgbClr val="00B0F0"/>
+                </a:solidFill>
+              </a:rPr>
+              <a:t>value </a:t>
+            </a:r>
+            <a:r>
+              <a:rPr lang="zh-TW" altLang="en-US"/>
+              <a:t>不超過 </a:t>
+            </a:r>
+            <a:r>
+              <a:rPr lang="en-US" altLang="zh-TW">
+                <a:solidFill>
+                  <a:srgbClr val="00B0F0"/>
+                </a:solidFill>
+              </a:rPr>
+              <a:t>max </a:t>
+            </a:r>
+            <a:r>
+              <a:rPr lang="zh-TW" altLang="en-US"/>
+              <a:t>或</a:t>
+            </a:r>
+            <a:r>
+              <a:rPr lang="zh-TW" altLang="en-US">
+                <a:solidFill>
+                  <a:srgbClr val="00B0F0"/>
+                </a:solidFill>
+              </a:rPr>
+              <a:t> </a:t>
+            </a:r>
+            <a:r>
+              <a:rPr lang="en-US" altLang="zh-TW">
+                <a:solidFill>
+                  <a:srgbClr val="00B0F0"/>
+                </a:solidFill>
+              </a:rPr>
+              <a:t>min</a:t>
+            </a:r>
+            <a:r>
+              <a:rPr lang="zh-TW" altLang="en-US"/>
+              <a:t>：</a:t>
+            </a:r>
+            <a:endParaRPr lang="fr-FR" altLang="zh-TW"/>
+          </a:p>
+          <a:p>
+            <a:r>
+              <a:rPr lang="fr-FR" altLang="zh-TW">
+                <a:solidFill>
+                  <a:srgbClr val="CF8E6D"/>
+                </a:solidFill>
+              </a:rPr>
+              <a:t>double</a:t>
+            </a:r>
+            <a:r>
+              <a:rPr lang="fr-FR" altLang="zh-TW">
+                <a:solidFill>
+                  <a:srgbClr val="92D050"/>
+                </a:solidFill>
+              </a:rPr>
+              <a:t> clamp</a:t>
+            </a:r>
+            <a:r>
+              <a:rPr lang="fr-FR" altLang="zh-TW">
+                <a:solidFill>
+                  <a:srgbClr val="00B0F0"/>
+                </a:solidFill>
+              </a:rPr>
+              <a:t>(</a:t>
+            </a:r>
+            <a:r>
+              <a:rPr lang="fr-FR" altLang="zh-TW">
+                <a:solidFill>
+                  <a:srgbClr val="CF8E6D"/>
+                </a:solidFill>
+              </a:rPr>
+              <a:t>double</a:t>
+            </a:r>
+            <a:r>
+              <a:rPr lang="fr-FR" altLang="zh-TW">
+                <a:solidFill>
+                  <a:srgbClr val="92D050"/>
+                </a:solidFill>
+              </a:rPr>
+              <a:t> </a:t>
+            </a:r>
+            <a:r>
+              <a:rPr lang="fr-FR" altLang="zh-TW">
+                <a:solidFill>
+                  <a:srgbClr val="00B0F0"/>
+                </a:solidFill>
+              </a:rPr>
+              <a:t>value, </a:t>
+            </a:r>
+            <a:r>
+              <a:rPr lang="fr-FR" altLang="zh-TW">
+                <a:solidFill>
+                  <a:srgbClr val="CF8E6D"/>
+                </a:solidFill>
+              </a:rPr>
+              <a:t>double</a:t>
+            </a:r>
+            <a:r>
+              <a:rPr lang="fr-FR" altLang="zh-TW">
+                <a:solidFill>
+                  <a:srgbClr val="92D050"/>
+                </a:solidFill>
+              </a:rPr>
+              <a:t> </a:t>
+            </a:r>
+            <a:r>
+              <a:rPr lang="fr-FR" altLang="zh-TW">
+                <a:solidFill>
+                  <a:srgbClr val="00B0F0"/>
+                </a:solidFill>
+              </a:rPr>
+              <a:t>min,</a:t>
+            </a:r>
+            <a:r>
+              <a:rPr lang="fr-FR" altLang="zh-TW">
+                <a:solidFill>
+                  <a:srgbClr val="92D050"/>
+                </a:solidFill>
+              </a:rPr>
+              <a:t> </a:t>
+            </a:r>
+            <a:r>
+              <a:rPr lang="fr-FR" altLang="zh-TW">
+                <a:solidFill>
+                  <a:srgbClr val="CF8E6D"/>
+                </a:solidFill>
+              </a:rPr>
+              <a:t>double</a:t>
+            </a:r>
+            <a:r>
+              <a:rPr lang="fr-FR" altLang="zh-TW">
+                <a:solidFill>
+                  <a:srgbClr val="92D050"/>
+                </a:solidFill>
+              </a:rPr>
+              <a:t> </a:t>
+            </a:r>
+            <a:r>
+              <a:rPr lang="fr-FR" altLang="zh-TW">
+                <a:solidFill>
+                  <a:srgbClr val="00B0F0"/>
+                </a:solidFill>
+              </a:rPr>
+              <a:t>max)</a:t>
+            </a:r>
+          </a:p>
+          <a:p>
+            <a:r>
+              <a:rPr lang="zh-TW" altLang="en-US"/>
+              <a:t>該類別也定義了一些數學常數：</a:t>
+            </a:r>
+            <a:endParaRPr lang="en-US" altLang="zh-TW"/>
+          </a:p>
+          <a:p>
+            <a:r>
+              <a:rPr lang="en-US" altLang="zh-TW">
+                <a:solidFill>
+                  <a:srgbClr val="92D050"/>
+                </a:solidFill>
+              </a:rPr>
+              <a:t>PI(3.141...)</a:t>
+            </a:r>
+            <a:r>
+              <a:rPr lang="zh-TW" altLang="en-US"/>
+              <a:t>、</a:t>
+            </a:r>
+            <a:r>
+              <a:rPr lang="en-US" altLang="zh-TW">
+                <a:solidFill>
+                  <a:srgbClr val="92D050"/>
+                </a:solidFill>
+              </a:rPr>
+              <a:t>E(2.718...)</a:t>
+            </a:r>
+            <a:r>
+              <a:rPr lang="zh-TW" altLang="en-US"/>
+              <a:t>、</a:t>
+            </a:r>
+            <a:r>
+              <a:rPr lang="en-US" altLang="zh-TW">
+                <a:solidFill>
+                  <a:srgbClr val="92D050"/>
+                </a:solidFill>
+              </a:rPr>
+              <a:t>TAU(2</a:t>
+            </a:r>
+            <a:r>
+              <a:rPr lang="zh-TW" altLang="en-US">
+                <a:solidFill>
+                  <a:srgbClr val="92D050"/>
+                </a:solidFill>
+              </a:rPr>
+              <a:t>倍 </a:t>
+            </a:r>
+            <a:r>
+              <a:rPr lang="en-US" altLang="zh-TW">
+                <a:solidFill>
+                  <a:srgbClr val="92D050"/>
+                </a:solidFill>
+              </a:rPr>
+              <a:t>PI</a:t>
+            </a:r>
+            <a:r>
+              <a:rPr lang="zh-TW" altLang="en-US">
+                <a:solidFill>
+                  <a:srgbClr val="92D050"/>
+                </a:solidFill>
+              </a:rPr>
+              <a:t>，</a:t>
+            </a:r>
+            <a:r>
+              <a:rPr lang="en-US" altLang="zh-TW">
+                <a:solidFill>
+                  <a:srgbClr val="92D050"/>
+                </a:solidFill>
+              </a:rPr>
+              <a:t>6.283...)</a:t>
+            </a:r>
+          </a:p>
+          <a:p>
+            <a:r>
+              <a:rPr lang="zh-TW" altLang="en-US"/>
+              <a:t>以上這些</a:t>
+            </a:r>
+            <a:r>
+              <a:rPr lang="zh-TW" altLang="en-US">
+                <a:solidFill>
+                  <a:srgbClr val="00B0F0"/>
+                </a:solidFill>
+              </a:rPr>
+              <a:t>方法</a:t>
+            </a:r>
+            <a:r>
+              <a:rPr lang="zh-TW" altLang="en-US"/>
+              <a:t>和</a:t>
+            </a:r>
+            <a:r>
+              <a:rPr lang="zh-TW" altLang="en-US">
+                <a:solidFill>
+                  <a:srgbClr val="00B0F0"/>
+                </a:solidFill>
+              </a:rPr>
+              <a:t>欄位</a:t>
+            </a:r>
+            <a:r>
+              <a:rPr lang="zh-TW" altLang="en-US"/>
+              <a:t>，在其他程式語言中也基本上都有提供</a:t>
+            </a:r>
+            <a:endParaRPr lang="fr-FR" altLang="zh-TW"/>
+          </a:p>
+        </p:txBody>
+      </p:sp>
+    </p:spTree>
+    <p:extLst>
+      <p:ext uri="{BB962C8B-B14F-4D97-AF65-F5344CB8AC3E}">
+        <p14:creationId xmlns:p14="http://schemas.microsoft.com/office/powerpoint/2010/main" val="1764439659"/>
+      </p:ext>
+    </p:extLst>
+  </p:cSld>
+  <p:clrMapOvr>
+    <a:masterClrMapping/>
+  </p:clrMapOvr>
+  <p:transition>
+    <p:push dir="u"/>
+  </p:transition>
+</p:sld>
+</file>
+
+<file path=ppt/slides/slide16.xml><?xml version="1.0" encoding="utf-8"?>
+<p:sld xmlns:a="http://schemas.openxmlformats.org/drawingml/2006/main" xmlns:r="http://schemas.openxmlformats.org/officeDocument/2006/relationships" xmlns:p="http://schemas.openxmlformats.org/presentationml/2006/main">
+  <p:cSld>
+    <p:spTree>
+      <p:nvGrpSpPr>
+        <p:cNvPr id="1" name=""/>
+        <p:cNvGrpSpPr/>
+        <p:nvPr/>
+      </p:nvGrpSpPr>
+      <p:grpSpPr>
+        <a:xfrm>
+          <a:off x="0" y="0"/>
+          <a:ext cx="0" cy="0"/>
+          <a:chOff x="0" y="0"/>
+          <a:chExt cx="0" cy="0"/>
+        </a:xfrm>
+      </p:grpSpPr>
+      <p:sp>
+        <p:nvSpPr>
+          <p:cNvPr id="2" name="標題 1">
+            <a:extLst>
+              <a:ext uri="{FF2B5EF4-FFF2-40B4-BE49-F238E27FC236}">
                 <a16:creationId xmlns:a16="http://schemas.microsoft.com/office/drawing/2014/main" id="{C04B2107-73BD-47A9-868C-9C07650382F6}"/>
               </a:ext>
             </a:extLst>
@@ -12702,7 +14047,7 @@
 </p:sld>
 </file>
 
-<file path=ppt/slides/slide15.xml><?xml version="1.0" encoding="utf-8"?>
+<file path=ppt/slides/slide17.xml><?xml version="1.0" encoding="utf-8"?>
 <p:sld xmlns:a="http://schemas.openxmlformats.org/drawingml/2006/main" xmlns:r="http://schemas.openxmlformats.org/officeDocument/2006/relationships" xmlns:p="http://schemas.openxmlformats.org/presentationml/2006/main">
   <p:cSld>
     <p:spTree>
@@ -14390,7 +15735,7 @@
 </p:sld>
 </file>
 
-<file path=ppt/slides/slide16.xml><?xml version="1.0" encoding="utf-8"?>
+<file path=ppt/slides/slide18.xml><?xml version="1.0" encoding="utf-8"?>
 <p:sld xmlns:a="http://schemas.openxmlformats.org/drawingml/2006/main" xmlns:r="http://schemas.openxmlformats.org/officeDocument/2006/relationships" xmlns:p="http://schemas.openxmlformats.org/presentationml/2006/main">
   <p:cSld>
     <p:spTree>
@@ -14963,7 +16308,7 @@
 </p:sld>
 </file>
 
-<file path=ppt/slides/slide17.xml><?xml version="1.0" encoding="utf-8"?>
+<file path=ppt/slides/slide19.xml><?xml version="1.0" encoding="utf-8"?>
 <p:sld xmlns:a="http://schemas.openxmlformats.org/drawingml/2006/main" xmlns:r="http://schemas.openxmlformats.org/officeDocument/2006/relationships" xmlns:p="http://schemas.openxmlformats.org/presentationml/2006/main">
   <p:cSld>
     <p:spTree>
@@ -17223,1351 +18568,6 @@
     <p:extLst>
       <p:ext uri="{BB962C8B-B14F-4D97-AF65-F5344CB8AC3E}">
         <p14:creationId xmlns:p14="http://schemas.microsoft.com/office/powerpoint/2010/main" val="321477388"/>
-      </p:ext>
-    </p:extLst>
-  </p:cSld>
-  <p:clrMapOvr>
-    <a:masterClrMapping/>
-  </p:clrMapOvr>
-  <p:transition>
-    <p:push dir="u"/>
-  </p:transition>
-</p:sld>
-</file>
-
-<file path=ppt/slides/slide18.xml><?xml version="1.0" encoding="utf-8"?>
-<p:sld xmlns:a="http://schemas.openxmlformats.org/drawingml/2006/main" xmlns:r="http://schemas.openxmlformats.org/officeDocument/2006/relationships" xmlns:p="http://schemas.openxmlformats.org/presentationml/2006/main">
-  <p:cSld>
-    <p:spTree>
-      <p:nvGrpSpPr>
-        <p:cNvPr id="1" name=""/>
-        <p:cNvGrpSpPr/>
-        <p:nvPr/>
-      </p:nvGrpSpPr>
-      <p:grpSpPr>
-        <a:xfrm>
-          <a:off x="0" y="0"/>
-          <a:ext cx="0" cy="0"/>
-          <a:chOff x="0" y="0"/>
-          <a:chExt cx="0" cy="0"/>
-        </a:xfrm>
-      </p:grpSpPr>
-      <p:sp>
-        <p:nvSpPr>
-          <p:cNvPr id="2" name="標題 1">
-            <a:extLst>
-              <a:ext uri="{FF2B5EF4-FFF2-40B4-BE49-F238E27FC236}">
-                <a16:creationId xmlns:a16="http://schemas.microsoft.com/office/drawing/2014/main" id="{FCB469D4-7265-4AC3-A1A4-C5B433A4E83D}"/>
-              </a:ext>
-            </a:extLst>
-          </p:cNvPr>
-          <p:cNvSpPr>
-            <a:spLocks noGrp="1"/>
-          </p:cNvSpPr>
-          <p:nvPr>
-            <p:ph type="title"/>
-          </p:nvPr>
-        </p:nvSpPr>
-        <p:spPr>
-          <a:xfrm>
-            <a:off x="838200" y="0"/>
-            <a:ext cx="10515600" cy="1325563"/>
-          </a:xfrm>
-        </p:spPr>
-        <p:txBody>
-          <a:bodyPr/>
-          <a:lstStyle/>
-          <a:p>
-            <a:r>
-              <a:rPr lang="zh-TW" altLang="en-US"/>
-              <a:t>數學</a:t>
-            </a:r>
-          </a:p>
-        </p:txBody>
-      </p:sp>
-      <p:sp>
-        <p:nvSpPr>
-          <p:cNvPr id="3" name="內容版面配置區 2">
-            <a:extLst>
-              <a:ext uri="{FF2B5EF4-FFF2-40B4-BE49-F238E27FC236}">
-                <a16:creationId xmlns:a16="http://schemas.microsoft.com/office/drawing/2014/main" id="{C8082964-69AE-4A8A-894E-0E8C4EC86FC5}"/>
-              </a:ext>
-            </a:extLst>
-          </p:cNvPr>
-          <p:cNvSpPr>
-            <a:spLocks noGrp="1"/>
-          </p:cNvSpPr>
-          <p:nvPr>
-            <p:ph idx="1"/>
-          </p:nvPr>
-        </p:nvSpPr>
-        <p:spPr>
-          <a:xfrm>
-            <a:off x="838200" y="1239550"/>
-            <a:ext cx="10515600" cy="5135562"/>
-          </a:xfrm>
-        </p:spPr>
-        <p:txBody>
-          <a:bodyPr>
-            <a:normAutofit/>
-          </a:bodyPr>
-          <a:lstStyle/>
-          <a:p>
-            <a:r>
-              <a:rPr lang="zh-TW" altLang="en-US"/>
-              <a:t>在 </a:t>
-            </a:r>
-            <a:r>
-              <a:rPr lang="en-US" altLang="zh-TW"/>
-              <a:t>Java</a:t>
-            </a:r>
-            <a:r>
-              <a:rPr lang="zh-TW" altLang="en-US"/>
-              <a:t> 中，關於數學的東西多半定義在 </a:t>
-            </a:r>
-            <a:r>
-              <a:rPr lang="en-US" altLang="zh-TW">
-                <a:solidFill>
-                  <a:srgbClr val="00B050"/>
-                </a:solidFill>
-              </a:rPr>
-              <a:t>java</a:t>
-            </a:r>
-            <a:r>
-              <a:rPr lang="en-US" altLang="zh-TW">
-                <a:solidFill>
-                  <a:srgbClr val="00B0F0"/>
-                </a:solidFill>
-              </a:rPr>
-              <a:t>.</a:t>
-            </a:r>
-            <a:r>
-              <a:rPr lang="en-US" altLang="zh-TW">
-                <a:solidFill>
-                  <a:srgbClr val="FFFF00"/>
-                </a:solidFill>
-              </a:rPr>
-              <a:t>lang</a:t>
-            </a:r>
-            <a:r>
-              <a:rPr lang="en-US" altLang="zh-TW">
-                <a:solidFill>
-                  <a:srgbClr val="00B0F0"/>
-                </a:solidFill>
-              </a:rPr>
-              <a:t>.</a:t>
-            </a:r>
-            <a:r>
-              <a:rPr lang="en-US" altLang="zh-TW">
-                <a:solidFill>
-                  <a:srgbClr val="FFC000"/>
-                </a:solidFill>
-              </a:rPr>
-              <a:t>Math</a:t>
-            </a:r>
-          </a:p>
-          <a:p>
-            <a:r>
-              <a:rPr lang="zh-TW" altLang="en-US"/>
-              <a:t>其中的</a:t>
-            </a:r>
-            <a:r>
-              <a:rPr lang="zh-TW" altLang="en-US">
-                <a:solidFill>
-                  <a:srgbClr val="00B0F0"/>
-                </a:solidFill>
-              </a:rPr>
-              <a:t>靜態方法</a:t>
-            </a:r>
-            <a:r>
-              <a:rPr lang="zh-TW" altLang="en-US"/>
-              <a:t>有許多，下方為部分</a:t>
-            </a:r>
-            <a:r>
-              <a:rPr lang="zh-TW" altLang="en-US">
-                <a:solidFill>
-                  <a:srgbClr val="00B0F0"/>
-                </a:solidFill>
-              </a:rPr>
-              <a:t>靜態方法</a:t>
-            </a:r>
-            <a:endParaRPr lang="en-US" altLang="zh-TW">
-              <a:solidFill>
-                <a:srgbClr val="00B0F0"/>
-              </a:solidFill>
-            </a:endParaRPr>
-          </a:p>
-          <a:p>
-            <a:r>
-              <a:rPr lang="zh-TW" altLang="en-US">
-                <a:solidFill>
-                  <a:srgbClr val="00B0F0"/>
-                </a:solidFill>
-              </a:rPr>
-              <a:t>返回值型別</a:t>
-            </a:r>
-            <a:r>
-              <a:rPr lang="zh-TW" altLang="en-US"/>
-              <a:t>皆為 </a:t>
-            </a:r>
-            <a:r>
-              <a:rPr lang="en-US" altLang="zh-TW">
-                <a:solidFill>
-                  <a:srgbClr val="CF8E6D"/>
-                </a:solidFill>
-              </a:rPr>
-              <a:t>double</a:t>
-            </a:r>
-            <a:r>
-              <a:rPr lang="zh-TW" altLang="en-US"/>
-              <a:t>，且皆只有一個 </a:t>
-            </a:r>
-            <a:r>
-              <a:rPr lang="en-US" altLang="zh-TW">
-                <a:solidFill>
-                  <a:srgbClr val="CF8E6D"/>
-                </a:solidFill>
-              </a:rPr>
-              <a:t>double</a:t>
-            </a:r>
-            <a:r>
-              <a:rPr lang="zh-TW" altLang="en-US"/>
-              <a:t> </a:t>
-            </a:r>
-            <a:r>
-              <a:rPr lang="zh-TW" altLang="en-US">
-                <a:solidFill>
-                  <a:srgbClr val="00B0F0"/>
-                </a:solidFill>
-              </a:rPr>
-              <a:t>參數</a:t>
-            </a:r>
-            <a:r>
-              <a:rPr lang="zh-TW" altLang="en-US"/>
-              <a:t>：</a:t>
-            </a:r>
-            <a:endParaRPr lang="en-US" altLang="zh-TW"/>
-          </a:p>
-          <a:p>
-            <a:r>
-              <a:rPr lang="zh-TW" altLang="en-US"/>
-              <a:t>基礎運算：</a:t>
-            </a:r>
-            <a:r>
-              <a:rPr lang="en-US" altLang="zh-TW">
-                <a:solidFill>
-                  <a:srgbClr val="92D050"/>
-                </a:solidFill>
-              </a:rPr>
-              <a:t>abs(</a:t>
-            </a:r>
-            <a:r>
-              <a:rPr lang="zh-TW" altLang="en-US">
-                <a:solidFill>
-                  <a:srgbClr val="92D050"/>
-                </a:solidFill>
-              </a:rPr>
-              <a:t>絕對值</a:t>
-            </a:r>
-            <a:r>
-              <a:rPr lang="en-US" altLang="zh-TW">
-                <a:solidFill>
-                  <a:srgbClr val="92D050"/>
-                </a:solidFill>
-              </a:rPr>
-              <a:t>)</a:t>
-            </a:r>
-            <a:r>
-              <a:rPr lang="zh-TW" altLang="en-US"/>
-              <a:t>、</a:t>
-            </a:r>
-            <a:r>
-              <a:rPr lang="en-US" altLang="zh-TW">
-                <a:solidFill>
-                  <a:srgbClr val="92D050"/>
-                </a:solidFill>
-              </a:rPr>
-              <a:t>sqrt(</a:t>
-            </a:r>
-            <a:r>
-              <a:rPr lang="zh-TW" altLang="en-US">
-                <a:solidFill>
-                  <a:srgbClr val="92D050"/>
-                </a:solidFill>
-              </a:rPr>
-              <a:t>開根號</a:t>
-            </a:r>
-            <a:r>
-              <a:rPr lang="en-US" altLang="zh-TW">
-                <a:solidFill>
-                  <a:srgbClr val="92D050"/>
-                </a:solidFill>
-              </a:rPr>
-              <a:t>)</a:t>
-            </a:r>
-            <a:r>
-              <a:rPr lang="zh-TW" altLang="en-US"/>
-              <a:t>、</a:t>
-            </a:r>
-            <a:r>
-              <a:rPr lang="en-US" altLang="zh-TW">
-                <a:solidFill>
-                  <a:srgbClr val="92D050"/>
-                </a:solidFill>
-              </a:rPr>
-              <a:t>cbrt(</a:t>
-            </a:r>
-            <a:r>
-              <a:rPr lang="zh-TW" altLang="en-US">
-                <a:solidFill>
-                  <a:srgbClr val="92D050"/>
-                </a:solidFill>
-              </a:rPr>
-              <a:t>開三次方根</a:t>
-            </a:r>
-            <a:r>
-              <a:rPr lang="en-US" altLang="zh-TW">
-                <a:solidFill>
-                  <a:srgbClr val="92D050"/>
-                </a:solidFill>
-              </a:rPr>
-              <a:t>)</a:t>
-            </a:r>
-          </a:p>
-          <a:p>
-            <a:r>
-              <a:rPr lang="en-US" altLang="zh-TW">
-                <a:solidFill>
-                  <a:srgbClr val="92D050"/>
-                </a:solidFill>
-              </a:rPr>
-              <a:t>log10(</a:t>
-            </a:r>
-            <a:r>
-              <a:rPr lang="zh-TW" altLang="en-US">
-                <a:solidFill>
-                  <a:srgbClr val="92D050"/>
-                </a:solidFill>
-              </a:rPr>
-              <a:t>常用對數</a:t>
-            </a:r>
-            <a:r>
-              <a:rPr lang="en-US" altLang="zh-TW">
-                <a:solidFill>
-                  <a:srgbClr val="92D050"/>
-                </a:solidFill>
-              </a:rPr>
-              <a:t>)</a:t>
-            </a:r>
-            <a:r>
-              <a:rPr lang="zh-TW" altLang="en-US"/>
-              <a:t>、</a:t>
-            </a:r>
-            <a:r>
-              <a:rPr lang="en-US" altLang="zh-TW">
-                <a:solidFill>
-                  <a:srgbClr val="92D050"/>
-                </a:solidFill>
-              </a:rPr>
-              <a:t>exp(</a:t>
-            </a:r>
-            <a:r>
-              <a:rPr lang="zh-TW" altLang="en-US">
-                <a:solidFill>
-                  <a:srgbClr val="92D050"/>
-                </a:solidFill>
-              </a:rPr>
-              <a:t>自然指數</a:t>
-            </a:r>
-            <a:r>
-              <a:rPr lang="en-US" altLang="zh-TW">
-                <a:solidFill>
-                  <a:srgbClr val="92D050"/>
-                </a:solidFill>
-              </a:rPr>
-              <a:t>)</a:t>
-            </a:r>
-            <a:r>
-              <a:rPr lang="zh-TW" altLang="en-US"/>
-              <a:t>、</a:t>
-            </a:r>
-            <a:r>
-              <a:rPr lang="en-US" altLang="zh-TW">
-                <a:solidFill>
-                  <a:srgbClr val="92D050"/>
-                </a:solidFill>
-              </a:rPr>
-              <a:t>log(</a:t>
-            </a:r>
-            <a:r>
-              <a:rPr lang="zh-TW" altLang="en-US">
-                <a:solidFill>
-                  <a:srgbClr val="92D050"/>
-                </a:solidFill>
-              </a:rPr>
-              <a:t>自然對數</a:t>
-            </a:r>
-            <a:r>
-              <a:rPr lang="en-US" altLang="zh-TW">
-                <a:solidFill>
-                  <a:srgbClr val="92D050"/>
-                </a:solidFill>
-              </a:rPr>
-              <a:t>)</a:t>
-            </a:r>
-          </a:p>
-          <a:p>
-            <a:r>
-              <a:rPr lang="zh-TW" altLang="en-US"/>
-              <a:t>三角運算：</a:t>
-            </a:r>
-            <a:r>
-              <a:rPr lang="en-US" altLang="zh-TW">
-                <a:solidFill>
-                  <a:srgbClr val="92D050"/>
-                </a:solidFill>
-              </a:rPr>
-              <a:t>sin(</a:t>
-            </a:r>
-            <a:r>
-              <a:rPr lang="zh-TW" altLang="en-US">
-                <a:solidFill>
-                  <a:srgbClr val="92D050"/>
-                </a:solidFill>
-              </a:rPr>
-              <a:t>正弦</a:t>
-            </a:r>
-            <a:r>
-              <a:rPr lang="en-US" altLang="zh-TW">
-                <a:solidFill>
-                  <a:srgbClr val="92D050"/>
-                </a:solidFill>
-              </a:rPr>
-              <a:t>)</a:t>
-            </a:r>
-            <a:r>
-              <a:rPr lang="zh-TW" altLang="en-US"/>
-              <a:t>、</a:t>
-            </a:r>
-            <a:r>
-              <a:rPr lang="en-US" altLang="zh-TW">
-                <a:solidFill>
-                  <a:srgbClr val="92D050"/>
-                </a:solidFill>
-              </a:rPr>
-              <a:t>cos(</a:t>
-            </a:r>
-            <a:r>
-              <a:rPr lang="zh-TW" altLang="en-US">
-                <a:solidFill>
-                  <a:srgbClr val="92D050"/>
-                </a:solidFill>
-              </a:rPr>
-              <a:t>餘弦</a:t>
-            </a:r>
-            <a:r>
-              <a:rPr lang="en-US" altLang="zh-TW">
-                <a:solidFill>
-                  <a:srgbClr val="92D050"/>
-                </a:solidFill>
-              </a:rPr>
-              <a:t>)</a:t>
-            </a:r>
-            <a:r>
-              <a:rPr lang="zh-TW" altLang="en-US"/>
-              <a:t>、</a:t>
-            </a:r>
-            <a:r>
-              <a:rPr lang="en-US" altLang="zh-TW">
-                <a:solidFill>
-                  <a:srgbClr val="92D050"/>
-                </a:solidFill>
-              </a:rPr>
-              <a:t>tan(</a:t>
-            </a:r>
-            <a:r>
-              <a:rPr lang="zh-TW" altLang="en-US">
-                <a:solidFill>
-                  <a:srgbClr val="92D050"/>
-                </a:solidFill>
-              </a:rPr>
-              <a:t>正切</a:t>
-            </a:r>
-            <a:r>
-              <a:rPr lang="en-US" altLang="zh-TW">
-                <a:solidFill>
-                  <a:srgbClr val="92D050"/>
-                </a:solidFill>
-              </a:rPr>
-              <a:t>)</a:t>
-            </a:r>
-          </a:p>
-          <a:p>
-            <a:r>
-              <a:rPr lang="en-US" altLang="zh-TW">
-                <a:solidFill>
-                  <a:srgbClr val="92D050"/>
-                </a:solidFill>
-              </a:rPr>
-              <a:t>sin2(</a:t>
-            </a:r>
-            <a:r>
-              <a:rPr lang="zh-TW" altLang="en-US">
-                <a:solidFill>
-                  <a:srgbClr val="92D050"/>
-                </a:solidFill>
-              </a:rPr>
-              <a:t>正弦平方</a:t>
-            </a:r>
-            <a:r>
-              <a:rPr lang="en-US" altLang="zh-TW">
-                <a:solidFill>
-                  <a:srgbClr val="92D050"/>
-                </a:solidFill>
-              </a:rPr>
-              <a:t>)</a:t>
-            </a:r>
-            <a:r>
-              <a:rPr lang="zh-TW" altLang="en-US"/>
-              <a:t>、</a:t>
-            </a:r>
-            <a:r>
-              <a:rPr lang="en-US" altLang="zh-TW">
-                <a:solidFill>
-                  <a:srgbClr val="92D050"/>
-                </a:solidFill>
-              </a:rPr>
-              <a:t>cos2(</a:t>
-            </a:r>
-            <a:r>
-              <a:rPr lang="zh-TW" altLang="en-US">
-                <a:solidFill>
-                  <a:srgbClr val="92D050"/>
-                </a:solidFill>
-              </a:rPr>
-              <a:t>餘弦平方</a:t>
-            </a:r>
-            <a:r>
-              <a:rPr lang="en-US" altLang="zh-TW">
-                <a:solidFill>
-                  <a:srgbClr val="92D050"/>
-                </a:solidFill>
-              </a:rPr>
-              <a:t>)</a:t>
-            </a:r>
-            <a:r>
-              <a:rPr lang="zh-TW" altLang="en-US"/>
-              <a:t>、</a:t>
-            </a:r>
-            <a:r>
-              <a:rPr lang="en-US" altLang="zh-TW">
-                <a:solidFill>
-                  <a:srgbClr val="92D050"/>
-                </a:solidFill>
-              </a:rPr>
-              <a:t>tan2(</a:t>
-            </a:r>
-            <a:r>
-              <a:rPr lang="zh-TW" altLang="en-US">
-                <a:solidFill>
-                  <a:srgbClr val="92D050"/>
-                </a:solidFill>
-              </a:rPr>
-              <a:t>正切平方</a:t>
-            </a:r>
-            <a:r>
-              <a:rPr lang="en-US" altLang="zh-TW">
-                <a:solidFill>
-                  <a:srgbClr val="92D050"/>
-                </a:solidFill>
-              </a:rPr>
-              <a:t>)</a:t>
-            </a:r>
-          </a:p>
-          <a:p>
-            <a:r>
-              <a:rPr lang="en-US" altLang="zh-TW">
-                <a:solidFill>
-                  <a:srgbClr val="92D050"/>
-                </a:solidFill>
-              </a:rPr>
-              <a:t>asin(</a:t>
-            </a:r>
-            <a:r>
-              <a:rPr lang="zh-TW" altLang="en-US">
-                <a:solidFill>
-                  <a:srgbClr val="92D050"/>
-                </a:solidFill>
-              </a:rPr>
-              <a:t>反正弦</a:t>
-            </a:r>
-            <a:r>
-              <a:rPr lang="en-US" altLang="zh-TW">
-                <a:solidFill>
-                  <a:srgbClr val="92D050"/>
-                </a:solidFill>
-              </a:rPr>
-              <a:t>)</a:t>
-            </a:r>
-            <a:r>
-              <a:rPr lang="zh-TW" altLang="en-US"/>
-              <a:t>、</a:t>
-            </a:r>
-            <a:r>
-              <a:rPr lang="en-US" altLang="zh-TW">
-                <a:solidFill>
-                  <a:srgbClr val="92D050"/>
-                </a:solidFill>
-              </a:rPr>
-              <a:t>acos(</a:t>
-            </a:r>
-            <a:r>
-              <a:rPr lang="zh-TW" altLang="en-US">
-                <a:solidFill>
-                  <a:srgbClr val="92D050"/>
-                </a:solidFill>
-              </a:rPr>
-              <a:t>反餘弦</a:t>
-            </a:r>
-            <a:r>
-              <a:rPr lang="en-US" altLang="zh-TW">
-                <a:solidFill>
-                  <a:srgbClr val="92D050"/>
-                </a:solidFill>
-              </a:rPr>
-              <a:t>)</a:t>
-            </a:r>
-            <a:r>
-              <a:rPr lang="zh-TW" altLang="en-US"/>
-              <a:t>、</a:t>
-            </a:r>
-            <a:r>
-              <a:rPr lang="en-US" altLang="zh-TW">
-                <a:solidFill>
-                  <a:srgbClr val="92D050"/>
-                </a:solidFill>
-              </a:rPr>
-              <a:t>atan(</a:t>
-            </a:r>
-            <a:r>
-              <a:rPr lang="zh-TW" altLang="en-US">
-                <a:solidFill>
-                  <a:srgbClr val="92D050"/>
-                </a:solidFill>
-              </a:rPr>
-              <a:t>反正切</a:t>
-            </a:r>
-            <a:r>
-              <a:rPr lang="en-US" altLang="zh-TW">
-                <a:solidFill>
-                  <a:srgbClr val="92D050"/>
-                </a:solidFill>
-              </a:rPr>
-              <a:t>)</a:t>
-            </a:r>
-          </a:p>
-          <a:p>
-            <a:r>
-              <a:rPr lang="en-US" altLang="zh-TW">
-                <a:solidFill>
-                  <a:srgbClr val="92D050"/>
-                </a:solidFill>
-              </a:rPr>
-              <a:t>toRadians(</a:t>
-            </a:r>
-            <a:r>
-              <a:rPr lang="zh-TW" altLang="en-US">
-                <a:solidFill>
-                  <a:srgbClr val="92D050"/>
-                </a:solidFill>
-              </a:rPr>
-              <a:t>角度轉弧度</a:t>
-            </a:r>
-            <a:r>
-              <a:rPr lang="en-US" altLang="zh-TW">
-                <a:solidFill>
-                  <a:srgbClr val="92D050"/>
-                </a:solidFill>
-              </a:rPr>
-              <a:t>)</a:t>
-            </a:r>
-            <a:r>
-              <a:rPr lang="zh-TW" altLang="en-US"/>
-              <a:t>、</a:t>
-            </a:r>
-            <a:r>
-              <a:rPr lang="en-US" altLang="zh-TW">
-                <a:solidFill>
-                  <a:srgbClr val="92D050"/>
-                </a:solidFill>
-              </a:rPr>
-              <a:t>toDegrees(</a:t>
-            </a:r>
-            <a:r>
-              <a:rPr lang="zh-TW" altLang="en-US">
-                <a:solidFill>
-                  <a:srgbClr val="92D050"/>
-                </a:solidFill>
-              </a:rPr>
-              <a:t>弧度轉角度</a:t>
-            </a:r>
-            <a:r>
-              <a:rPr lang="en-US" altLang="zh-TW">
-                <a:solidFill>
-                  <a:srgbClr val="92D050"/>
-                </a:solidFill>
-              </a:rPr>
-              <a:t>)</a:t>
-            </a:r>
-          </a:p>
-          <a:p>
-            <a:r>
-              <a:rPr lang="zh-TW" altLang="en-US"/>
-              <a:t>其中三角函數、反三角函數使用的單位都是弧度</a:t>
-            </a:r>
-            <a:endParaRPr lang="en-US" altLang="zh-TW"/>
-          </a:p>
-        </p:txBody>
-      </p:sp>
-    </p:spTree>
-    <p:extLst>
-      <p:ext uri="{BB962C8B-B14F-4D97-AF65-F5344CB8AC3E}">
-        <p14:creationId xmlns:p14="http://schemas.microsoft.com/office/powerpoint/2010/main" val="2209087254"/>
-      </p:ext>
-    </p:extLst>
-  </p:cSld>
-  <p:clrMapOvr>
-    <a:masterClrMapping/>
-  </p:clrMapOvr>
-  <p:transition>
-    <p:push dir="u"/>
-  </p:transition>
-</p:sld>
-</file>
-
-<file path=ppt/slides/slide19.xml><?xml version="1.0" encoding="utf-8"?>
-<p:sld xmlns:a="http://schemas.openxmlformats.org/drawingml/2006/main" xmlns:r="http://schemas.openxmlformats.org/officeDocument/2006/relationships" xmlns:p="http://schemas.openxmlformats.org/presentationml/2006/main">
-  <p:cSld>
-    <p:spTree>
-      <p:nvGrpSpPr>
-        <p:cNvPr id="1" name=""/>
-        <p:cNvGrpSpPr/>
-        <p:nvPr/>
-      </p:nvGrpSpPr>
-      <p:grpSpPr>
-        <a:xfrm>
-          <a:off x="0" y="0"/>
-          <a:ext cx="0" cy="0"/>
-          <a:chOff x="0" y="0"/>
-          <a:chExt cx="0" cy="0"/>
-        </a:xfrm>
-      </p:grpSpPr>
-      <p:sp>
-        <p:nvSpPr>
-          <p:cNvPr id="2" name="標題 1">
-            <a:extLst>
-              <a:ext uri="{FF2B5EF4-FFF2-40B4-BE49-F238E27FC236}">
-                <a16:creationId xmlns:a16="http://schemas.microsoft.com/office/drawing/2014/main" id="{4719A5B4-D40D-422E-B23B-EDE38E50F36F}"/>
-              </a:ext>
-            </a:extLst>
-          </p:cNvPr>
-          <p:cNvSpPr>
-            <a:spLocks noGrp="1"/>
-          </p:cNvSpPr>
-          <p:nvPr>
-            <p:ph type="title"/>
-          </p:nvPr>
-        </p:nvSpPr>
-        <p:spPr/>
-        <p:txBody>
-          <a:bodyPr/>
-          <a:lstStyle/>
-          <a:p>
-            <a:r>
-              <a:rPr lang="zh-TW" altLang="en-US"/>
-              <a:t>數學</a:t>
-            </a:r>
-          </a:p>
-        </p:txBody>
-      </p:sp>
-      <p:sp>
-        <p:nvSpPr>
-          <p:cNvPr id="3" name="內容版面配置區 2">
-            <a:extLst>
-              <a:ext uri="{FF2B5EF4-FFF2-40B4-BE49-F238E27FC236}">
-                <a16:creationId xmlns:a16="http://schemas.microsoft.com/office/drawing/2014/main" id="{DC8DB342-EFC6-4F92-ACCD-F175FF2F1960}"/>
-              </a:ext>
-            </a:extLst>
-          </p:cNvPr>
-          <p:cNvSpPr>
-            <a:spLocks noGrp="1"/>
-          </p:cNvSpPr>
-          <p:nvPr>
-            <p:ph idx="1"/>
-          </p:nvPr>
-        </p:nvSpPr>
-        <p:spPr>
-          <a:xfrm>
-            <a:off x="838200" y="1622424"/>
-            <a:ext cx="10515600" cy="4575176"/>
-          </a:xfrm>
-        </p:spPr>
-        <p:txBody>
-          <a:bodyPr/>
-          <a:lstStyle/>
-          <a:p>
-            <a:r>
-              <a:rPr lang="zh-TW" altLang="en-US">
-                <a:solidFill>
-                  <a:srgbClr val="00B0F0"/>
-                </a:solidFill>
-              </a:rPr>
-              <a:t>返回值型別</a:t>
-            </a:r>
-            <a:r>
-              <a:rPr lang="zh-TW" altLang="en-US"/>
-              <a:t>皆為 </a:t>
-            </a:r>
-            <a:r>
-              <a:rPr lang="en-US" altLang="zh-TW">
-                <a:solidFill>
-                  <a:srgbClr val="CF8E6D"/>
-                </a:solidFill>
-              </a:rPr>
-              <a:t>long</a:t>
-            </a:r>
-            <a:r>
-              <a:rPr lang="zh-TW" altLang="en-US"/>
-              <a:t>，且皆只有一個 </a:t>
-            </a:r>
-            <a:r>
-              <a:rPr lang="en-US" altLang="zh-TW">
-                <a:solidFill>
-                  <a:srgbClr val="CF8E6D"/>
-                </a:solidFill>
-              </a:rPr>
-              <a:t>double</a:t>
-            </a:r>
-            <a:r>
-              <a:rPr lang="zh-TW" altLang="en-US"/>
-              <a:t> </a:t>
-            </a:r>
-            <a:r>
-              <a:rPr lang="zh-TW" altLang="en-US">
-                <a:solidFill>
-                  <a:srgbClr val="00B0F0"/>
-                </a:solidFill>
-              </a:rPr>
-              <a:t>參數</a:t>
-            </a:r>
-            <a:r>
-              <a:rPr lang="zh-TW" altLang="en-US"/>
-              <a:t>：</a:t>
-            </a:r>
-            <a:endParaRPr lang="en-US" altLang="zh-TW"/>
-          </a:p>
-          <a:p>
-            <a:r>
-              <a:rPr lang="en-US" altLang="zh-TW">
-                <a:solidFill>
-                  <a:srgbClr val="92D050"/>
-                </a:solidFill>
-              </a:rPr>
-              <a:t>round(</a:t>
-            </a:r>
-            <a:r>
-              <a:rPr lang="zh-TW" altLang="en-US">
-                <a:solidFill>
-                  <a:srgbClr val="92D050"/>
-                </a:solidFill>
-              </a:rPr>
-              <a:t>四捨五入</a:t>
-            </a:r>
-            <a:r>
-              <a:rPr lang="en-US" altLang="zh-TW">
-                <a:solidFill>
-                  <a:srgbClr val="92D050"/>
-                </a:solidFill>
-              </a:rPr>
-              <a:t>)</a:t>
-            </a:r>
-            <a:r>
-              <a:rPr lang="zh-TW" altLang="en-US"/>
-              <a:t>、</a:t>
-            </a:r>
-            <a:r>
-              <a:rPr lang="en-US" altLang="zh-TW">
-                <a:solidFill>
-                  <a:srgbClr val="92D050"/>
-                </a:solidFill>
-              </a:rPr>
-              <a:t>floor(</a:t>
-            </a:r>
-            <a:r>
-              <a:rPr lang="zh-TW" altLang="en-US">
-                <a:solidFill>
-                  <a:srgbClr val="92D050"/>
-                </a:solidFill>
-              </a:rPr>
-              <a:t>向下取整</a:t>
-            </a:r>
-            <a:r>
-              <a:rPr lang="en-US" altLang="zh-TW">
-                <a:solidFill>
-                  <a:srgbClr val="92D050"/>
-                </a:solidFill>
-              </a:rPr>
-              <a:t>)</a:t>
-            </a:r>
-            <a:r>
-              <a:rPr lang="zh-TW" altLang="en-US"/>
-              <a:t>、</a:t>
-            </a:r>
-            <a:r>
-              <a:rPr lang="en-US" altLang="zh-TW">
-                <a:solidFill>
-                  <a:srgbClr val="92D050"/>
-                </a:solidFill>
-              </a:rPr>
-              <a:t>ceil(</a:t>
-            </a:r>
-            <a:r>
-              <a:rPr lang="zh-TW" altLang="en-US">
-                <a:solidFill>
-                  <a:srgbClr val="92D050"/>
-                </a:solidFill>
-              </a:rPr>
-              <a:t>向上取整</a:t>
-            </a:r>
-            <a:r>
-              <a:rPr lang="en-US" altLang="zh-TW">
-                <a:solidFill>
-                  <a:srgbClr val="92D050"/>
-                </a:solidFill>
-              </a:rPr>
-              <a:t>)</a:t>
-            </a:r>
-          </a:p>
-          <a:p>
-            <a:r>
-              <a:rPr lang="zh-TW" altLang="en-US">
-                <a:solidFill>
-                  <a:srgbClr val="00B0F0"/>
-                </a:solidFill>
-              </a:rPr>
-              <a:t>返回值型別</a:t>
-            </a:r>
-            <a:r>
-              <a:rPr lang="zh-TW" altLang="en-US"/>
-              <a:t>皆為 </a:t>
-            </a:r>
-            <a:r>
-              <a:rPr lang="en-US" altLang="zh-TW">
-                <a:solidFill>
-                  <a:srgbClr val="CF8E6D"/>
-                </a:solidFill>
-              </a:rPr>
-              <a:t>double</a:t>
-            </a:r>
-            <a:r>
-              <a:rPr lang="zh-TW" altLang="en-US"/>
-              <a:t>，且皆只有兩個 </a:t>
-            </a:r>
-            <a:r>
-              <a:rPr lang="en-US" altLang="zh-TW">
-                <a:solidFill>
-                  <a:srgbClr val="CF8E6D"/>
-                </a:solidFill>
-              </a:rPr>
-              <a:t>double</a:t>
-            </a:r>
-            <a:r>
-              <a:rPr lang="zh-TW" altLang="en-US"/>
-              <a:t> </a:t>
-            </a:r>
-            <a:r>
-              <a:rPr lang="zh-TW" altLang="en-US">
-                <a:solidFill>
-                  <a:srgbClr val="00B0F0"/>
-                </a:solidFill>
-              </a:rPr>
-              <a:t>參數</a:t>
-            </a:r>
-            <a:r>
-              <a:rPr lang="zh-TW" altLang="en-US"/>
-              <a:t>：</a:t>
-            </a:r>
-            <a:endParaRPr lang="en-US" altLang="zh-TW"/>
-          </a:p>
-          <a:p>
-            <a:r>
-              <a:rPr lang="en-US" altLang="zh-TW">
-                <a:solidFill>
-                  <a:srgbClr val="92D050"/>
-                </a:solidFill>
-              </a:rPr>
-              <a:t>pow(</a:t>
-            </a:r>
-            <a:r>
-              <a:rPr lang="zh-TW" altLang="en-US">
-                <a:solidFill>
-                  <a:srgbClr val="92D050"/>
-                </a:solidFill>
-              </a:rPr>
-              <a:t>指數</a:t>
-            </a:r>
-            <a:r>
-              <a:rPr lang="en-US" altLang="zh-TW">
-                <a:solidFill>
-                  <a:srgbClr val="92D050"/>
-                </a:solidFill>
-              </a:rPr>
-              <a:t>)</a:t>
-            </a:r>
-            <a:r>
-              <a:rPr lang="zh-TW" altLang="en-US"/>
-              <a:t>、</a:t>
-            </a:r>
-            <a:r>
-              <a:rPr lang="en-US" altLang="zh-TW">
-                <a:solidFill>
-                  <a:srgbClr val="92D050"/>
-                </a:solidFill>
-              </a:rPr>
-              <a:t>max(</a:t>
-            </a:r>
-            <a:r>
-              <a:rPr lang="zh-TW" altLang="en-US">
-                <a:solidFill>
-                  <a:srgbClr val="92D050"/>
-                </a:solidFill>
-              </a:rPr>
-              <a:t>取最大</a:t>
-            </a:r>
-            <a:r>
-              <a:rPr lang="en-US" altLang="zh-TW">
-                <a:solidFill>
-                  <a:srgbClr val="92D050"/>
-                </a:solidFill>
-              </a:rPr>
-              <a:t>)</a:t>
-            </a:r>
-            <a:r>
-              <a:rPr lang="zh-TW" altLang="en-US"/>
-              <a:t>、</a:t>
-            </a:r>
-            <a:r>
-              <a:rPr lang="en-US" altLang="zh-TW">
-                <a:solidFill>
-                  <a:srgbClr val="92D050"/>
-                </a:solidFill>
-              </a:rPr>
-              <a:t>min(</a:t>
-            </a:r>
-            <a:r>
-              <a:rPr lang="zh-TW" altLang="en-US">
-                <a:solidFill>
-                  <a:srgbClr val="92D050"/>
-                </a:solidFill>
-              </a:rPr>
-              <a:t>取最小</a:t>
-            </a:r>
-            <a:r>
-              <a:rPr lang="en-US" altLang="zh-TW">
-                <a:solidFill>
-                  <a:srgbClr val="92D050"/>
-                </a:solidFill>
-              </a:rPr>
-              <a:t>)</a:t>
-            </a:r>
-          </a:p>
-          <a:p>
-            <a:r>
-              <a:rPr lang="zh-TW" altLang="en-US"/>
-              <a:t>以及限制數值範圍的</a:t>
-            </a:r>
-            <a:r>
-              <a:rPr lang="zh-TW" altLang="en-US">
-                <a:solidFill>
-                  <a:srgbClr val="00B0F0"/>
-                </a:solidFill>
-              </a:rPr>
-              <a:t>方法</a:t>
-            </a:r>
-            <a:r>
-              <a:rPr lang="zh-TW" altLang="en-US"/>
-              <a:t>，保證</a:t>
-            </a:r>
-            <a:r>
-              <a:rPr lang="zh-TW" altLang="en-US">
-                <a:solidFill>
-                  <a:srgbClr val="00B0F0"/>
-                </a:solidFill>
-              </a:rPr>
-              <a:t> </a:t>
-            </a:r>
-            <a:r>
-              <a:rPr lang="en-US" altLang="zh-TW">
-                <a:solidFill>
-                  <a:srgbClr val="00B0F0"/>
-                </a:solidFill>
-              </a:rPr>
-              <a:t>value </a:t>
-            </a:r>
-            <a:r>
-              <a:rPr lang="zh-TW" altLang="en-US"/>
-              <a:t>不超過 </a:t>
-            </a:r>
-            <a:r>
-              <a:rPr lang="en-US" altLang="zh-TW">
-                <a:solidFill>
-                  <a:srgbClr val="00B0F0"/>
-                </a:solidFill>
-              </a:rPr>
-              <a:t>max </a:t>
-            </a:r>
-            <a:r>
-              <a:rPr lang="zh-TW" altLang="en-US"/>
-              <a:t>或</a:t>
-            </a:r>
-            <a:r>
-              <a:rPr lang="zh-TW" altLang="en-US">
-                <a:solidFill>
-                  <a:srgbClr val="00B0F0"/>
-                </a:solidFill>
-              </a:rPr>
-              <a:t> </a:t>
-            </a:r>
-            <a:r>
-              <a:rPr lang="en-US" altLang="zh-TW">
-                <a:solidFill>
-                  <a:srgbClr val="00B0F0"/>
-                </a:solidFill>
-              </a:rPr>
-              <a:t>min</a:t>
-            </a:r>
-            <a:r>
-              <a:rPr lang="zh-TW" altLang="en-US"/>
-              <a:t>：</a:t>
-            </a:r>
-            <a:endParaRPr lang="fr-FR" altLang="zh-TW"/>
-          </a:p>
-          <a:p>
-            <a:r>
-              <a:rPr lang="fr-FR" altLang="zh-TW">
-                <a:solidFill>
-                  <a:srgbClr val="CF8E6D"/>
-                </a:solidFill>
-              </a:rPr>
-              <a:t>double</a:t>
-            </a:r>
-            <a:r>
-              <a:rPr lang="fr-FR" altLang="zh-TW">
-                <a:solidFill>
-                  <a:srgbClr val="92D050"/>
-                </a:solidFill>
-              </a:rPr>
-              <a:t> clamp</a:t>
-            </a:r>
-            <a:r>
-              <a:rPr lang="fr-FR" altLang="zh-TW">
-                <a:solidFill>
-                  <a:srgbClr val="00B0F0"/>
-                </a:solidFill>
-              </a:rPr>
-              <a:t>(</a:t>
-            </a:r>
-            <a:r>
-              <a:rPr lang="fr-FR" altLang="zh-TW">
-                <a:solidFill>
-                  <a:srgbClr val="CF8E6D"/>
-                </a:solidFill>
-              </a:rPr>
-              <a:t>double</a:t>
-            </a:r>
-            <a:r>
-              <a:rPr lang="fr-FR" altLang="zh-TW">
-                <a:solidFill>
-                  <a:srgbClr val="92D050"/>
-                </a:solidFill>
-              </a:rPr>
-              <a:t> </a:t>
-            </a:r>
-            <a:r>
-              <a:rPr lang="fr-FR" altLang="zh-TW">
-                <a:solidFill>
-                  <a:srgbClr val="00B0F0"/>
-                </a:solidFill>
-              </a:rPr>
-              <a:t>value, </a:t>
-            </a:r>
-            <a:r>
-              <a:rPr lang="fr-FR" altLang="zh-TW">
-                <a:solidFill>
-                  <a:srgbClr val="CF8E6D"/>
-                </a:solidFill>
-              </a:rPr>
-              <a:t>double</a:t>
-            </a:r>
-            <a:r>
-              <a:rPr lang="fr-FR" altLang="zh-TW">
-                <a:solidFill>
-                  <a:srgbClr val="92D050"/>
-                </a:solidFill>
-              </a:rPr>
-              <a:t> </a:t>
-            </a:r>
-            <a:r>
-              <a:rPr lang="fr-FR" altLang="zh-TW">
-                <a:solidFill>
-                  <a:srgbClr val="00B0F0"/>
-                </a:solidFill>
-              </a:rPr>
-              <a:t>min,</a:t>
-            </a:r>
-            <a:r>
-              <a:rPr lang="fr-FR" altLang="zh-TW">
-                <a:solidFill>
-                  <a:srgbClr val="92D050"/>
-                </a:solidFill>
-              </a:rPr>
-              <a:t> </a:t>
-            </a:r>
-            <a:r>
-              <a:rPr lang="fr-FR" altLang="zh-TW">
-                <a:solidFill>
-                  <a:srgbClr val="CF8E6D"/>
-                </a:solidFill>
-              </a:rPr>
-              <a:t>double</a:t>
-            </a:r>
-            <a:r>
-              <a:rPr lang="fr-FR" altLang="zh-TW">
-                <a:solidFill>
-                  <a:srgbClr val="92D050"/>
-                </a:solidFill>
-              </a:rPr>
-              <a:t> </a:t>
-            </a:r>
-            <a:r>
-              <a:rPr lang="fr-FR" altLang="zh-TW">
-                <a:solidFill>
-                  <a:srgbClr val="00B0F0"/>
-                </a:solidFill>
-              </a:rPr>
-              <a:t>max)</a:t>
-            </a:r>
-          </a:p>
-          <a:p>
-            <a:r>
-              <a:rPr lang="zh-TW" altLang="en-US"/>
-              <a:t>該類別也定義了一些數學常數：</a:t>
-            </a:r>
-            <a:endParaRPr lang="en-US" altLang="zh-TW"/>
-          </a:p>
-          <a:p>
-            <a:r>
-              <a:rPr lang="en-US" altLang="zh-TW">
-                <a:solidFill>
-                  <a:srgbClr val="92D050"/>
-                </a:solidFill>
-              </a:rPr>
-              <a:t>PI(3.141...)</a:t>
-            </a:r>
-            <a:r>
-              <a:rPr lang="zh-TW" altLang="en-US"/>
-              <a:t>、</a:t>
-            </a:r>
-            <a:r>
-              <a:rPr lang="en-US" altLang="zh-TW">
-                <a:solidFill>
-                  <a:srgbClr val="92D050"/>
-                </a:solidFill>
-              </a:rPr>
-              <a:t>E(2.718...)</a:t>
-            </a:r>
-            <a:r>
-              <a:rPr lang="zh-TW" altLang="en-US"/>
-              <a:t>、</a:t>
-            </a:r>
-            <a:r>
-              <a:rPr lang="en-US" altLang="zh-TW">
-                <a:solidFill>
-                  <a:srgbClr val="92D050"/>
-                </a:solidFill>
-              </a:rPr>
-              <a:t>TAU(2</a:t>
-            </a:r>
-            <a:r>
-              <a:rPr lang="zh-TW" altLang="en-US">
-                <a:solidFill>
-                  <a:srgbClr val="92D050"/>
-                </a:solidFill>
-              </a:rPr>
-              <a:t>倍</a:t>
-            </a:r>
-            <a:r>
-              <a:rPr lang="en-US" altLang="zh-TW">
-                <a:solidFill>
-                  <a:srgbClr val="92D050"/>
-                </a:solidFill>
-              </a:rPr>
-              <a:t>PI</a:t>
-            </a:r>
-            <a:r>
-              <a:rPr lang="zh-TW" altLang="en-US">
-                <a:solidFill>
-                  <a:srgbClr val="92D050"/>
-                </a:solidFill>
-              </a:rPr>
-              <a:t>，</a:t>
-            </a:r>
-            <a:r>
-              <a:rPr lang="en-US" altLang="zh-TW">
-                <a:solidFill>
-                  <a:srgbClr val="92D050"/>
-                </a:solidFill>
-              </a:rPr>
-              <a:t>6.283...)</a:t>
-            </a:r>
-          </a:p>
-          <a:p>
-            <a:r>
-              <a:rPr lang="zh-TW" altLang="en-US"/>
-              <a:t>以上這些</a:t>
-            </a:r>
-            <a:r>
-              <a:rPr lang="zh-TW" altLang="en-US">
-                <a:solidFill>
-                  <a:srgbClr val="00B0F0"/>
-                </a:solidFill>
-              </a:rPr>
-              <a:t>方法</a:t>
-            </a:r>
-            <a:r>
-              <a:rPr lang="zh-TW" altLang="en-US"/>
-              <a:t>和</a:t>
-            </a:r>
-            <a:r>
-              <a:rPr lang="zh-TW" altLang="en-US">
-                <a:solidFill>
-                  <a:srgbClr val="00B0F0"/>
-                </a:solidFill>
-              </a:rPr>
-              <a:t>欄位</a:t>
-            </a:r>
-            <a:r>
-              <a:rPr lang="zh-TW" altLang="en-US"/>
-              <a:t>，在其他程式語言中也基本上都有提供</a:t>
-            </a:r>
-            <a:endParaRPr lang="fr-FR" altLang="zh-TW"/>
-          </a:p>
-        </p:txBody>
-      </p:sp>
-    </p:spTree>
-    <p:extLst>
-      <p:ext uri="{BB962C8B-B14F-4D97-AF65-F5344CB8AC3E}">
-        <p14:creationId xmlns:p14="http://schemas.microsoft.com/office/powerpoint/2010/main" val="1764439659"/>
       </p:ext>
     </p:extLst>
   </p:cSld>

--- a/ppt/10_包裝類別與工具類別(1).pptx
+++ b/ppt/10_包裝類別與工具類別(1).pptx
@@ -215,7 +215,7 @@
           <a:p>
             <a:fld id="{00D1967D-2DD3-4C36-96B1-E3AA5FB7040E}" type="datetimeFigureOut">
               <a:rPr lang="zh-TW" altLang="en-US" smtClean="0"/>
-              <a:t>2025/3/29</a:t>
+              <a:t>2025/4/25</a:t>
             </a:fld>
             <a:endParaRPr lang="zh-TW" altLang="en-US"/>
           </a:p>
@@ -22214,6 +22214,16 @@
                 <a:t>Integer TWO_HUNDRED = </a:t>
               </a:r>
               <a:r>
+                <a:rPr lang="en-US" altLang="zh-TW" sz="1600">
+                  <a:solidFill>
+                    <a:srgbClr val="2AACB8"/>
+                  </a:solidFill>
+                  <a:latin typeface="+mj-lt"/>
+                  <a:cs typeface="JetBrains Mono" panose="02000009000000000000" pitchFamily="49" charset="0"/>
+                </a:rPr>
+                <a:t>2</a:t>
+              </a:r>
+              <a:r>
                 <a:rPr kumimoji="0" lang="zh-TW" altLang="zh-TW" sz="1600" b="0" i="0" u="none" strike="noStrike" cap="none" normalizeH="0" baseline="0">
                   <a:ln>
                     <a:noFill/>
@@ -22225,7 +22235,7 @@
                   <a:latin typeface="+mj-lt"/>
                   <a:cs typeface="JetBrains Mono" panose="02000009000000000000" pitchFamily="49" charset="0"/>
                 </a:rPr>
-                <a:t>100</a:t>
+                <a:t>00</a:t>
               </a:r>
               <a:r>
                 <a:rPr kumimoji="0" lang="zh-TW" altLang="zh-TW" sz="1600" b="0" i="0" u="none" strike="noStrike" cap="none" normalizeH="0" baseline="0">
@@ -22907,8 +22917,8 @@
         </p:nvSpPr>
         <p:spPr>
           <a:xfrm>
-            <a:off x="6286501" y="2901936"/>
-            <a:ext cx="595312" cy="199884"/>
+            <a:off x="6265066" y="2867650"/>
+            <a:ext cx="635795" cy="268456"/>
           </a:xfrm>
           <a:prstGeom prst="roundRect">
             <a:avLst/>
@@ -23154,7 +23164,7 @@
         </p:nvSpPr>
         <p:spPr>
           <a:xfrm>
-            <a:off x="6173927" y="2113320"/>
+            <a:off x="7250252" y="2113320"/>
             <a:ext cx="1415772" cy="461665"/>
           </a:xfrm>
           <a:prstGeom prst="rect">
@@ -23456,6 +23466,16 @@
                 <a:t>(</a:t>
               </a:r>
               <a:r>
+                <a:rPr lang="en-US" altLang="zh-TW" sz="1600">
+                  <a:solidFill>
+                    <a:srgbClr val="2AACB8"/>
+                  </a:solidFill>
+                  <a:latin typeface="+mj-lt"/>
+                  <a:cs typeface="JetBrains Mono" panose="02000009000000000000" pitchFamily="49" charset="0"/>
+                </a:rPr>
+                <a:t>2</a:t>
+              </a:r>
+              <a:r>
                 <a:rPr kumimoji="0" lang="zh-TW" altLang="zh-TW" sz="1600" b="0" i="0" u="none" strike="noStrike" cap="none" normalizeH="0" baseline="0">
                   <a:ln>
                     <a:noFill/>
@@ -23467,7 +23487,7 @@
                   <a:latin typeface="+mj-lt"/>
                   <a:cs typeface="JetBrains Mono" panose="02000009000000000000" pitchFamily="49" charset="0"/>
                 </a:rPr>
-                <a:t>100</a:t>
+                <a:t>00</a:t>
               </a:r>
               <a:r>
                 <a:rPr kumimoji="0" lang="zh-TW" altLang="zh-TW" sz="1600" b="0" i="0" u="none" strike="noStrike" cap="none" normalizeH="0" baseline="0">
@@ -23977,6 +23997,110 @@
           </a:prstGeom>
         </p:spPr>
       </p:pic>
+      <p:sp>
+        <p:nvSpPr>
+          <p:cNvPr id="19" name="矩形: 圓角 18">
+            <a:extLst>
+              <a:ext uri="{FF2B5EF4-FFF2-40B4-BE49-F238E27FC236}">
+                <a16:creationId xmlns:a16="http://schemas.microsoft.com/office/drawing/2014/main" id="{4C43B30D-9F02-41B8-9C92-F7D5EEA17D5B}"/>
+              </a:ext>
+            </a:extLst>
+          </p:cNvPr>
+          <p:cNvSpPr/>
+          <p:nvPr/>
+        </p:nvSpPr>
+        <p:spPr>
+          <a:xfrm>
+            <a:off x="6286500" y="2893220"/>
+            <a:ext cx="142875" cy="209550"/>
+          </a:xfrm>
+          <a:prstGeom prst="roundRect">
+            <a:avLst/>
+          </a:prstGeom>
+          <a:noFill/>
+          <a:ln>
+            <a:solidFill>
+              <a:srgbClr val="FFC000"/>
+            </a:solidFill>
+          </a:ln>
+        </p:spPr>
+        <p:style>
+          <a:lnRef idx="2">
+            <a:schemeClr val="accent1">
+              <a:shade val="50000"/>
+            </a:schemeClr>
+          </a:lnRef>
+          <a:fillRef idx="1">
+            <a:schemeClr val="accent1"/>
+          </a:fillRef>
+          <a:effectRef idx="0">
+            <a:schemeClr val="accent1"/>
+          </a:effectRef>
+          <a:fontRef idx="minor">
+            <a:schemeClr val="lt1"/>
+          </a:fontRef>
+        </p:style>
+        <p:txBody>
+          <a:bodyPr rtlCol="0" anchor="ctr"/>
+          <a:lstStyle/>
+          <a:p>
+            <a:pPr algn="ctr"/>
+            <a:endParaRPr lang="zh-TW" altLang="en-US"/>
+          </a:p>
+        </p:txBody>
+      </p:sp>
+      <p:sp>
+        <p:nvSpPr>
+          <p:cNvPr id="22" name="矩形: 圓角 21">
+            <a:extLst>
+              <a:ext uri="{FF2B5EF4-FFF2-40B4-BE49-F238E27FC236}">
+                <a16:creationId xmlns:a16="http://schemas.microsoft.com/office/drawing/2014/main" id="{3318ADA4-EE65-4397-8AB1-7DBBCA544024}"/>
+              </a:ext>
+            </a:extLst>
+          </p:cNvPr>
+          <p:cNvSpPr/>
+          <p:nvPr/>
+        </p:nvSpPr>
+        <p:spPr>
+          <a:xfrm>
+            <a:off x="6738938" y="2893220"/>
+            <a:ext cx="142875" cy="209550"/>
+          </a:xfrm>
+          <a:prstGeom prst="roundRect">
+            <a:avLst/>
+          </a:prstGeom>
+          <a:noFill/>
+          <a:ln>
+            <a:solidFill>
+              <a:srgbClr val="FFC000"/>
+            </a:solidFill>
+          </a:ln>
+        </p:spPr>
+        <p:style>
+          <a:lnRef idx="2">
+            <a:schemeClr val="accent1">
+              <a:shade val="50000"/>
+            </a:schemeClr>
+          </a:lnRef>
+          <a:fillRef idx="1">
+            <a:schemeClr val="accent1"/>
+          </a:fillRef>
+          <a:effectRef idx="0">
+            <a:schemeClr val="accent1"/>
+          </a:effectRef>
+          <a:fontRef idx="minor">
+            <a:schemeClr val="lt1"/>
+          </a:fontRef>
+        </p:style>
+        <p:txBody>
+          <a:bodyPr rtlCol="0" anchor="ctr"/>
+          <a:lstStyle/>
+          <a:p>
+            <a:pPr algn="ctr"/>
+            <a:endParaRPr lang="zh-TW" altLang="en-US"/>
+          </a:p>
+        </p:txBody>
+      </p:sp>
     </p:spTree>
     <p:extLst>
       <p:ext uri="{BB962C8B-B14F-4D97-AF65-F5344CB8AC3E}">
@@ -24297,6 +24421,112 @@
                       </p:childTnLst>
                     </p:cTn>
                   </p:par>
+                  <p:par>
+                    <p:cTn id="30" fill="hold">
+                      <p:stCondLst>
+                        <p:cond delay="indefinite"/>
+                      </p:stCondLst>
+                      <p:childTnLst>
+                        <p:par>
+                          <p:cTn id="31" fill="hold">
+                            <p:stCondLst>
+                              <p:cond delay="0"/>
+                            </p:stCondLst>
+                            <p:childTnLst>
+                              <p:par>
+                                <p:cTn id="32" presetID="21" presetClass="entr" presetSubtype="1" fill="hold" grpId="0" nodeType="clickEffect">
+                                  <p:stCondLst>
+                                    <p:cond delay="0"/>
+                                  </p:stCondLst>
+                                  <p:childTnLst>
+                                    <p:set>
+                                      <p:cBhvr>
+                                        <p:cTn id="33" dur="1" fill="hold">
+                                          <p:stCondLst>
+                                            <p:cond delay="0"/>
+                                          </p:stCondLst>
+                                        </p:cTn>
+                                        <p:tgtEl>
+                                          <p:spTgt spid="19"/>
+                                        </p:tgtEl>
+                                        <p:attrNameLst>
+                                          <p:attrName>style.visibility</p:attrName>
+                                        </p:attrNameLst>
+                                      </p:cBhvr>
+                                      <p:to>
+                                        <p:strVal val="visible"/>
+                                      </p:to>
+                                    </p:set>
+                                    <p:animEffect transition="in" filter="wheel(1)">
+                                      <p:cBhvr>
+                                        <p:cTn id="34" dur="500"/>
+                                        <p:tgtEl>
+                                          <p:spTgt spid="19"/>
+                                        </p:tgtEl>
+                                      </p:cBhvr>
+                                    </p:animEffect>
+                                  </p:childTnLst>
+                                </p:cTn>
+                              </p:par>
+                            </p:childTnLst>
+                          </p:cTn>
+                        </p:par>
+                      </p:childTnLst>
+                    </p:cTn>
+                  </p:par>
+                  <p:par>
+                    <p:cTn id="35" fill="hold">
+                      <p:stCondLst>
+                        <p:cond delay="indefinite"/>
+                      </p:stCondLst>
+                      <p:childTnLst>
+                        <p:par>
+                          <p:cTn id="36" fill="hold">
+                            <p:stCondLst>
+                              <p:cond delay="0"/>
+                            </p:stCondLst>
+                            <p:childTnLst>
+                              <p:par>
+                                <p:cTn id="37" presetID="21" presetClass="entr" presetSubtype="1" fill="hold" grpId="0" nodeType="clickEffect">
+                                  <p:stCondLst>
+                                    <p:cond delay="0"/>
+                                  </p:stCondLst>
+                                  <p:childTnLst>
+                                    <p:set>
+                                      <p:cBhvr>
+                                        <p:cTn id="38" dur="1" fill="hold">
+                                          <p:stCondLst>
+                                            <p:cond delay="0"/>
+                                          </p:stCondLst>
+                                        </p:cTn>
+                                        <p:tgtEl>
+                                          <p:spTgt spid="22"/>
+                                        </p:tgtEl>
+                                        <p:attrNameLst>
+                                          <p:attrName>style.visibility</p:attrName>
+                                        </p:attrNameLst>
+                                      </p:cBhvr>
+                                      <p:to>
+                                        <p:strVal val="visible"/>
+                                      </p:to>
+                                    </p:set>
+                                    <p:animEffect transition="in" filter="wheel(1)">
+                                      <p:cBhvr>
+                                        <p:cTn id="39" dur="500"/>
+                                        <p:tgtEl>
+                                          <p:spTgt spid="22"/>
+                                        </p:tgtEl>
+                                      </p:cBhvr>
+                                    </p:animEffect>
+                                  </p:childTnLst>
+                                </p:cTn>
+                              </p:par>
+                            </p:childTnLst>
+                          </p:cTn>
+                        </p:par>
+                      </p:childTnLst>
+                    </p:cTn>
+                  </p:par>
                 </p:childTnLst>
               </p:cTn>
               <p:prevCondLst>
@@ -24325,6 +24555,8 @@
       <p:bldP spid="9" grpId="0" animBg="1"/>
       <p:bldP spid="10" grpId="0"/>
       <p:bldP spid="13" grpId="0"/>
+      <p:bldP spid="19" grpId="0" animBg="1"/>
+      <p:bldP spid="22" grpId="0" animBg="1"/>
     </p:bldLst>
   </p:timing>
 </p:sld>
